--- a/other/Group2_Phase1.pptx
+++ b/other/Group2_Phase1.pptx
@@ -5,17 +5,19 @@
     <p:sldMasterId id="2147483660" r:id="rId1"/>
   </p:sldMasterIdLst>
   <p:notesMasterIdLst>
-    <p:notesMasterId r:id="rId10"/>
+    <p:notesMasterId r:id="rId12"/>
   </p:notesMasterIdLst>
   <p:sldIdLst>
     <p:sldId id="256" r:id="rId2"/>
     <p:sldId id="257" r:id="rId3"/>
-    <p:sldId id="258" r:id="rId4"/>
-    <p:sldId id="263" r:id="rId5"/>
-    <p:sldId id="259" r:id="rId6"/>
-    <p:sldId id="260" r:id="rId7"/>
-    <p:sldId id="261" r:id="rId8"/>
-    <p:sldId id="262" r:id="rId9"/>
+    <p:sldId id="264" r:id="rId4"/>
+    <p:sldId id="258" r:id="rId5"/>
+    <p:sldId id="263" r:id="rId6"/>
+    <p:sldId id="259" r:id="rId7"/>
+    <p:sldId id="260" r:id="rId8"/>
+    <p:sldId id="261" r:id="rId9"/>
+    <p:sldId id="265" r:id="rId10"/>
+    <p:sldId id="262" r:id="rId11"/>
   </p:sldIdLst>
   <p:sldSz cx="12192000" cy="6858000"/>
   <p:notesSz cx="6858000" cy="9144000"/>
@@ -114,6 +116,11 @@
       </a:defRPr>
     </a:lvl9pPr>
   </p:defaultTextStyle>
+  <p:extLst>
+    <p:ext uri="{EFAFB233-063F-42B5-8137-9DF3F51BA10A}">
+      <p15:sldGuideLst xmlns:p15="http://schemas.microsoft.com/office/powerpoint/2012/main"/>
+    </p:ext>
+  </p:extLst>
 </p:presentation>
 </file>
 
@@ -199,7 +206,7 @@
           <a:p>
             <a:fld id="{CF6B6267-2028-3F42-A601-94E7AF39776D}" type="datetimeFigureOut">
               <a:rPr lang="en-US" smtClean="0"/>
-              <a:t>4/17/21</a:t>
+              <a:t>4/20/21</a:t>
             </a:fld>
             <a:endParaRPr lang="en-US"/>
           </a:p>
@@ -807,6 +814,31 @@
                 <a:ea typeface="+mn-ea"/>
                 <a:cs typeface="+mn-cs"/>
               </a:rPr>
+              <a:t>THIS IS DONE – do not add to it, it is exactly 150 words!</a:t>
+            </a:r>
+          </a:p>
+          <a:p>
+            <a:endParaRPr lang="en-US" sz="1200" b="0" i="0" kern="1200" dirty="0">
+              <a:solidFill>
+                <a:schemeClr val="tx1"/>
+              </a:solidFill>
+              <a:effectLst/>
+              <a:latin typeface="+mn-lt"/>
+              <a:ea typeface="+mn-ea"/>
+              <a:cs typeface="+mn-cs"/>
+            </a:endParaRPr>
+          </a:p>
+          <a:p>
+            <a:r>
+              <a:rPr lang="en-US" sz="1200" b="0" i="0" kern="1200" dirty="0">
+                <a:solidFill>
+                  <a:schemeClr val="tx1"/>
+                </a:solidFill>
+                <a:effectLst/>
+                <a:latin typeface="+mn-lt"/>
+                <a:ea typeface="+mn-ea"/>
+                <a:cs typeface="+mn-cs"/>
+              </a:rPr>
               <a:t>-- Make sure it has an outline slide with good descriptive section headings</a:t>
             </a:r>
             <a:br>
@@ -1113,10 +1145,8 @@
                 <a:ea typeface="+mn-ea"/>
                 <a:cs typeface="+mn-cs"/>
               </a:rPr>
-              <a:t>3.(I asked what #3 is... was blank in the matrix)</a:t>
-            </a:r>
-          </a:p>
-          <a:p>
+              <a:t>3. Results</a:t>
+            </a:r>
             <a:endParaRPr lang="en-US" dirty="0"/>
           </a:p>
         </p:txBody>
@@ -1201,6 +1231,76 @@
           <a:bodyPr/>
           <a:lstStyle/>
           <a:p>
+            <a:r>
+              <a:rPr lang="en-US" sz="1200" b="0" i="0" kern="1200" dirty="0">
+                <a:solidFill>
+                  <a:schemeClr val="tx1"/>
+                </a:solidFill>
+                <a:effectLst/>
+                <a:latin typeface="+mn-lt"/>
+                <a:ea typeface="+mn-ea"/>
+                <a:cs typeface="+mn-cs"/>
+              </a:rPr>
+              <a:t>-- Make sure it has an outline slide with good descriptive section headings</a:t>
+            </a:r>
+            <a:br>
+              <a:rPr lang="en-US" dirty="0"/>
+            </a:br>
+            <a:r>
+              <a:rPr lang="en-US" sz="1200" b="0" i="0" kern="1200" dirty="0">
+                <a:solidFill>
+                  <a:schemeClr val="tx1"/>
+                </a:solidFill>
+                <a:effectLst/>
+                <a:latin typeface="+mn-lt"/>
+                <a:ea typeface="+mn-ea"/>
+                <a:cs typeface="+mn-cs"/>
+              </a:rPr>
+              <a:t>-- Team names, photos (already done on Title slide)</a:t>
+            </a:r>
+            <a:br>
+              <a:rPr lang="en-US" dirty="0"/>
+            </a:br>
+            <a:r>
+              <a:rPr lang="en-US" sz="1200" b="0" i="0" kern="1200" dirty="0">
+                <a:solidFill>
+                  <a:schemeClr val="tx1"/>
+                </a:solidFill>
+                <a:effectLst/>
+                <a:latin typeface="+mn-lt"/>
+                <a:ea typeface="+mn-ea"/>
+                <a:cs typeface="+mn-cs"/>
+              </a:rPr>
+              <a:t>-- Project description</a:t>
+            </a:r>
+            <a:br>
+              <a:rPr lang="en-US" dirty="0"/>
+            </a:br>
+            <a:r>
+              <a:rPr lang="en-US" sz="1200" b="0" i="0" kern="1200" dirty="0">
+                <a:solidFill>
+                  <a:schemeClr val="tx1"/>
+                </a:solidFill>
+                <a:effectLst/>
+                <a:latin typeface="+mn-lt"/>
+                <a:ea typeface="+mn-ea"/>
+                <a:cs typeface="+mn-cs"/>
+              </a:rPr>
+              <a:t>-- Some summary visual EDA</a:t>
+            </a:r>
+          </a:p>
+          <a:p>
+            <a:endParaRPr lang="en-US" sz="1200" b="0" i="0" kern="1200" dirty="0">
+              <a:solidFill>
+                <a:schemeClr val="tx1"/>
+              </a:solidFill>
+              <a:effectLst/>
+              <a:latin typeface="+mn-lt"/>
+              <a:ea typeface="+mn-ea"/>
+              <a:cs typeface="+mn-cs"/>
+            </a:endParaRPr>
+          </a:p>
+          <a:p>
             <a:pPr marL="0" marR="0" lvl="0" indent="0" algn="l" defTabSz="914400" rtl="0" eaLnBrk="1" fontAlgn="auto" latinLnBrk="0" hangingPunct="1">
               <a:lnSpc>
                 <a:spcPct val="100000"/>
@@ -1252,7 +1352,31 @@
                 <a:ea typeface="+mn-ea"/>
                 <a:cs typeface="+mn-cs"/>
               </a:rPr>
-              <a:t> Description (data and tasks)Expectations here are to provide the following in sections and subsections:</a:t>
+              <a:t> </a:t>
+            </a:r>
+            <a:r>
+              <a:rPr lang="en-US" sz="1200" b="0" i="0" kern="1200" dirty="0" err="1">
+                <a:solidFill>
+                  <a:schemeClr val="tx1"/>
+                </a:solidFill>
+                <a:effectLst/>
+                <a:latin typeface="+mn-lt"/>
+                <a:ea typeface="+mn-ea"/>
+                <a:cs typeface="+mn-cs"/>
+              </a:rPr>
+              <a:t>AbstractExpectations</a:t>
+            </a:r>
+            <a:r>
+              <a:rPr lang="en-US" sz="1200" b="0" i="0" kern="1200" dirty="0">
+                <a:solidFill>
+                  <a:schemeClr val="tx1"/>
+                </a:solidFill>
+                <a:effectLst/>
+                <a:latin typeface="+mn-lt"/>
+                <a:ea typeface="+mn-ea"/>
+                <a:cs typeface="+mn-cs"/>
+              </a:rPr>
+              <a:t> here are to get the following:</a:t>
             </a:r>
             <a:br>
               <a:rPr lang="en-US" sz="1200" b="0" i="0" kern="1200" dirty="0">
@@ -1286,7 +1410,7 @@
                 <a:ea typeface="+mn-ea"/>
                 <a:cs typeface="+mn-cs"/>
               </a:rPr>
-              <a:t>Description of the data and task at hand</a:t>
+              <a:t>Abstract (150 words approximately describing this phase of the project): that details the problem you are tackling, the main goal of this phase, what you did (main experiments), what were your results/findings (best pipeline and the corresponding public, private scores).</a:t>
             </a:r>
             <a:br>
               <a:rPr lang="en-US" sz="1200" b="0" i="0" kern="1200" dirty="0">
@@ -1299,18 +1423,6 @@
                 <a:cs typeface="+mn-cs"/>
               </a:rPr>
             </a:br>
-            <a:r>
-              <a:rPr lang="en-US" sz="1200" b="0" i="0" kern="1200" dirty="0">
-                <a:solidFill>
-                  <a:schemeClr val="tx1"/>
-                </a:solidFill>
-                <a:effectLst/>
-                <a:latin typeface="+mn-lt"/>
-                <a:ea typeface="+mn-ea"/>
-                <a:cs typeface="+mn-cs"/>
-              </a:rPr>
-              <a:t>--Data description</a:t>
-            </a:r>
             <a:br>
               <a:rPr lang="en-US" sz="1200" b="0" i="0" kern="1200" dirty="0">
                 <a:solidFill>
@@ -1332,7 +1444,7 @@
                 <a:ea typeface="+mn-ea"/>
                 <a:cs typeface="+mn-cs"/>
               </a:rPr>
-              <a:t>--Task to be tackled</a:t>
+              <a:t>Your abstract should be compelling and entice the reader to go through the work</a:t>
             </a:r>
             <a:br>
               <a:rPr lang="en-US" sz="1200" b="0" i="0" kern="1200" dirty="0">
@@ -1345,18 +1457,101 @@
                 <a:cs typeface="+mn-cs"/>
               </a:rPr>
             </a:br>
-            <a:r>
-              <a:rPr lang="en-US" sz="1200" b="0" i="0" kern="1200" dirty="0">
-                <a:solidFill>
-                  <a:schemeClr val="tx1"/>
-                </a:solidFill>
-                <a:effectLst/>
-                <a:latin typeface="+mn-lt"/>
-                <a:ea typeface="+mn-ea"/>
-                <a:cs typeface="+mn-cs"/>
-              </a:rPr>
-              <a:t>-- Provide diagrams to aid understanding the workflow</a:t>
-            </a:r>
+            <a:br>
+              <a:rPr lang="en-US" sz="1200" b="0" i="0" kern="1200" dirty="0">
+                <a:solidFill>
+                  <a:schemeClr val="tx1"/>
+                </a:solidFill>
+                <a:effectLst/>
+                <a:latin typeface="+mn-lt"/>
+                <a:ea typeface="+mn-ea"/>
+                <a:cs typeface="+mn-cs"/>
+              </a:rPr>
+            </a:br>
+            <a:r>
+              <a:rPr lang="en-US" sz="1200" b="0" i="0" kern="1200" dirty="0">
+                <a:solidFill>
+                  <a:schemeClr val="tx1"/>
+                </a:solidFill>
+                <a:effectLst/>
+                <a:latin typeface="+mn-lt"/>
+                <a:ea typeface="+mn-ea"/>
+                <a:cs typeface="+mn-cs"/>
+              </a:rPr>
+              <a:t>There should be 3 parts that should be clear in your abstract</a:t>
+            </a:r>
+            <a:br>
+              <a:rPr lang="en-US" sz="1200" b="0" i="0" kern="1200" dirty="0">
+                <a:solidFill>
+                  <a:schemeClr val="tx1"/>
+                </a:solidFill>
+                <a:effectLst/>
+                <a:latin typeface="+mn-lt"/>
+                <a:ea typeface="+mn-ea"/>
+                <a:cs typeface="+mn-cs"/>
+              </a:rPr>
+            </a:br>
+            <a:r>
+              <a:rPr lang="en-US" sz="1200" b="0" i="0" kern="1200" dirty="0">
+                <a:solidFill>
+                  <a:schemeClr val="tx1"/>
+                </a:solidFill>
+                <a:effectLst/>
+                <a:latin typeface="+mn-lt"/>
+                <a:ea typeface="+mn-ea"/>
+                <a:cs typeface="+mn-cs"/>
+              </a:rPr>
+              <a:t>1. Context of the project</a:t>
+            </a:r>
+            <a:br>
+              <a:rPr lang="en-US" sz="1200" b="0" i="0" kern="1200" dirty="0">
+                <a:solidFill>
+                  <a:schemeClr val="tx1"/>
+                </a:solidFill>
+                <a:effectLst/>
+                <a:latin typeface="+mn-lt"/>
+                <a:ea typeface="+mn-ea"/>
+                <a:cs typeface="+mn-cs"/>
+              </a:rPr>
+            </a:br>
+            <a:r>
+              <a:rPr lang="en-US" sz="1200" b="0" i="0" kern="1200" dirty="0">
+                <a:solidFill>
+                  <a:schemeClr val="tx1"/>
+                </a:solidFill>
+                <a:effectLst/>
+                <a:latin typeface="+mn-lt"/>
+                <a:ea typeface="+mn-ea"/>
+                <a:cs typeface="+mn-cs"/>
+              </a:rPr>
+              <a:t>2. Methods used</a:t>
+            </a:r>
+            <a:br>
+              <a:rPr lang="en-US" sz="1200" b="0" i="0" kern="1200" dirty="0">
+                <a:solidFill>
+                  <a:schemeClr val="tx1"/>
+                </a:solidFill>
+                <a:effectLst/>
+                <a:latin typeface="+mn-lt"/>
+                <a:ea typeface="+mn-ea"/>
+                <a:cs typeface="+mn-cs"/>
+              </a:rPr>
+            </a:br>
+            <a:r>
+              <a:rPr lang="en-US" sz="1200" b="0" i="0" kern="1200" dirty="0">
+                <a:solidFill>
+                  <a:schemeClr val="tx1"/>
+                </a:solidFill>
+                <a:effectLst/>
+                <a:latin typeface="+mn-lt"/>
+                <a:ea typeface="+mn-ea"/>
+                <a:cs typeface="+mn-cs"/>
+              </a:rPr>
+              <a:t>3.(I asked what #3 is... was blank in the matrix)</a:t>
+            </a:r>
+          </a:p>
+          <a:p>
+            <a:endParaRPr lang="en-US" dirty="0"/>
           </a:p>
         </p:txBody>
       </p:sp>
@@ -1386,7 +1581,7 @@
     </p:spTree>
     <p:extLst>
       <p:ext uri="{BB962C8B-B14F-4D97-AF65-F5344CB8AC3E}">
-        <p14:creationId xmlns:p14="http://schemas.microsoft.com/office/powerpoint/2010/main" val="978033684"/>
+        <p14:creationId xmlns:p14="http://schemas.microsoft.com/office/powerpoint/2010/main" val="1322222669"/>
       </p:ext>
     </p:extLst>
   </p:cSld>
@@ -1440,9 +1635,6 @@
           <a:bodyPr/>
           <a:lstStyle/>
           <a:p>
-            <a:endParaRPr lang="en-US" dirty="0"/>
-          </a:p>
-          <a:p>
             <a:pPr marL="0" marR="0" lvl="0" indent="0" algn="l" defTabSz="914400" rtl="0" eaLnBrk="1" fontAlgn="auto" latinLnBrk="0" hangingPunct="1">
               <a:lnSpc>
                 <a:spcPct val="100000"/>
@@ -1470,83 +1662,7 @@
                 <a:ea typeface="+mn-ea"/>
                 <a:cs typeface="+mn-cs"/>
               </a:rPr>
-              <a:t>This criterion is linked to a Learning Outcome</a:t>
-            </a:r>
-          </a:p>
-          <a:p>
-            <a:pPr marL="0" marR="0" lvl="0" indent="0" algn="l" defTabSz="914400" rtl="0" eaLnBrk="1" fontAlgn="auto" latinLnBrk="0" hangingPunct="1">
-              <a:lnSpc>
-                <a:spcPct val="100000"/>
-              </a:lnSpc>
-              <a:spcBef>
-                <a:spcPts val="0"/>
-              </a:spcBef>
-              <a:spcAft>
-                <a:spcPts val="0"/>
-              </a:spcAft>
-              <a:buClrTx/>
-              <a:buSzTx/>
-              <a:buFontTx/>
-              <a:buNone/>
-              <a:tabLst/>
-              <a:defRPr/>
-            </a:pPr>
-            <a:r>
-              <a:rPr lang="en-US" sz="1200" b="0" i="0" kern="1200" dirty="0">
-                <a:solidFill>
-                  <a:schemeClr val="tx1"/>
-                </a:solidFill>
-                <a:effectLst/>
-                <a:latin typeface="+mn-lt"/>
-                <a:ea typeface="+mn-ea"/>
-                <a:cs typeface="+mn-cs"/>
-              </a:rPr>
-              <a:t>EDA</a:t>
-            </a:r>
-          </a:p>
-          <a:p>
-            <a:pPr marL="0" marR="0" lvl="0" indent="0" algn="l" defTabSz="914400" rtl="0" eaLnBrk="1" fontAlgn="auto" latinLnBrk="0" hangingPunct="1">
-              <a:lnSpc>
-                <a:spcPct val="100000"/>
-              </a:lnSpc>
-              <a:spcBef>
-                <a:spcPts val="0"/>
-              </a:spcBef>
-              <a:spcAft>
-                <a:spcPts val="0"/>
-              </a:spcAft>
-              <a:buClrTx/>
-              <a:buSzTx/>
-              <a:buFontTx/>
-              <a:buNone/>
-              <a:tabLst/>
-              <a:defRPr/>
-            </a:pPr>
-            <a:r>
-              <a:rPr lang="en-US" sz="1200" b="0" i="0" kern="1200" dirty="0">
-                <a:solidFill>
-                  <a:schemeClr val="tx1"/>
-                </a:solidFill>
-                <a:effectLst/>
-                <a:latin typeface="+mn-lt"/>
-                <a:ea typeface="+mn-ea"/>
-                <a:cs typeface="+mn-cs"/>
-              </a:rPr>
-              <a:t>Expectations here are to provide the following in sections and subsections:</a:t>
-            </a:r>
-          </a:p>
-          <a:p>
-            <a:r>
-              <a:rPr lang="en-US" sz="1200" b="0" i="0" kern="1200" dirty="0">
-                <a:solidFill>
-                  <a:schemeClr val="tx1"/>
-                </a:solidFill>
-                <a:effectLst/>
-                <a:latin typeface="+mn-lt"/>
-                <a:ea typeface="+mn-ea"/>
-                <a:cs typeface="+mn-cs"/>
-              </a:rPr>
-              <a:t>[</a:t>
+              <a:t>This criterion is linked to a Learning </a:t>
             </a:r>
             <a:r>
               <a:rPr lang="en-US" sz="1200" b="0" i="0" kern="1200" dirty="0" err="1">
@@ -1558,37 +1674,41 @@
                 <a:ea typeface="+mn-ea"/>
                 <a:cs typeface="+mn-cs"/>
               </a:rPr>
-              <a:t>CaDoD</a:t>
-            </a:r>
-            <a:r>
-              <a:rPr lang="en-US" sz="1200" b="0" i="0" kern="1200" dirty="0">
-                <a:solidFill>
-                  <a:schemeClr val="tx1"/>
-                </a:solidFill>
-                <a:effectLst/>
-                <a:latin typeface="+mn-lt"/>
-                <a:ea typeface="+mn-ea"/>
-                <a:cs typeface="+mn-cs"/>
-              </a:rPr>
-              <a:t>]</a:t>
+              <a:t>OutcomeProject</a:t>
+            </a:r>
+            <a:r>
+              <a:rPr lang="en-US" sz="1200" b="0" i="0" kern="1200" dirty="0">
+                <a:solidFill>
+                  <a:schemeClr val="tx1"/>
+                </a:solidFill>
+                <a:effectLst/>
+                <a:latin typeface="+mn-lt"/>
+                <a:ea typeface="+mn-ea"/>
+                <a:cs typeface="+mn-cs"/>
+              </a:rPr>
+              <a:t> Description (data and tasks)Expectations here are to provide the following in sections and subsections:</a:t>
             </a:r>
             <a:br>
-              <a:rPr lang="en-US" dirty="0"/>
+              <a:rPr lang="en-US" sz="1200" b="0" i="0" kern="1200" dirty="0">
+                <a:solidFill>
+                  <a:schemeClr val="tx1"/>
+                </a:solidFill>
+                <a:effectLst/>
+                <a:latin typeface="+mn-lt"/>
+                <a:ea typeface="+mn-ea"/>
+                <a:cs typeface="+mn-cs"/>
+              </a:rPr>
             </a:br>
-            <a:r>
-              <a:rPr lang="en-US" sz="1200" b="0" i="0" kern="1200" dirty="0">
-                <a:solidFill>
-                  <a:schemeClr val="tx1"/>
-                </a:solidFill>
-                <a:effectLst/>
-                <a:latin typeface="+mn-lt"/>
-                <a:ea typeface="+mn-ea"/>
-                <a:cs typeface="+mn-cs"/>
-              </a:rPr>
-              <a:t>-- Overview of images (i.e. count of cat images, dog images, total images, memory size of images, etc..)</a:t>
-            </a:r>
             <a:br>
-              <a:rPr lang="en-US" dirty="0"/>
+              <a:rPr lang="en-US" sz="1200" b="0" i="0" kern="1200" dirty="0">
+                <a:solidFill>
+                  <a:schemeClr val="tx1"/>
+                </a:solidFill>
+                <a:effectLst/>
+                <a:latin typeface="+mn-lt"/>
+                <a:ea typeface="+mn-ea"/>
+                <a:cs typeface="+mn-cs"/>
+              </a:rPr>
             </a:br>
             <a:r>
               <a:rPr lang="en-US" sz="1200" b="0" i="0" kern="1200" dirty="0">
@@ -1600,163 +1720,18 @@
                 <a:ea typeface="+mn-ea"/>
                 <a:cs typeface="+mn-cs"/>
               </a:rPr>
-              <a:t>-- Other useful text-based analysis (as opposed to graphic-based)</a:t>
-            </a:r>
-          </a:p>
-          <a:p>
-            <a:endParaRPr lang="en-US" sz="1200" b="0" i="0" kern="1200" dirty="0">
-              <a:solidFill>
-                <a:schemeClr val="tx1"/>
-              </a:solidFill>
-              <a:effectLst/>
-              <a:latin typeface="+mn-lt"/>
-              <a:ea typeface="+mn-ea"/>
-              <a:cs typeface="+mn-cs"/>
-            </a:endParaRPr>
-          </a:p>
-          <a:p>
-            <a:endParaRPr lang="en-US" sz="1200" b="0" i="0" kern="1200" dirty="0">
-              <a:solidFill>
-                <a:schemeClr val="tx1"/>
-              </a:solidFill>
-              <a:effectLst/>
-              <a:latin typeface="+mn-lt"/>
-              <a:ea typeface="+mn-ea"/>
-              <a:cs typeface="+mn-cs"/>
-            </a:endParaRPr>
-          </a:p>
-          <a:p>
-            <a:pPr marL="0" marR="0" lvl="0" indent="0" algn="l" defTabSz="914400" rtl="0" eaLnBrk="1" fontAlgn="auto" latinLnBrk="0" hangingPunct="1">
-              <a:lnSpc>
-                <a:spcPct val="100000"/>
-              </a:lnSpc>
-              <a:spcBef>
-                <a:spcPts val="0"/>
-              </a:spcBef>
-              <a:spcAft>
-                <a:spcPts val="0"/>
-              </a:spcAft>
-              <a:buClrTx/>
-              <a:buSzTx/>
-              <a:buFontTx/>
-              <a:buNone/>
-              <a:tabLst/>
-              <a:defRPr/>
-            </a:pPr>
-            <a:r>
-              <a:rPr lang="en-US" sz="1200" b="0" i="0" kern="1200" dirty="0">
-                <a:solidFill>
-                  <a:schemeClr val="tx1"/>
-                </a:solidFill>
-                <a:effectLst/>
-                <a:latin typeface="+mn-lt"/>
-                <a:ea typeface="+mn-ea"/>
-                <a:cs typeface="+mn-cs"/>
-              </a:rPr>
-              <a:t>This criterion is linked to a Learning Outcome</a:t>
-            </a:r>
-          </a:p>
-          <a:p>
-            <a:pPr marL="0" marR="0" lvl="0" indent="0" algn="l" defTabSz="914400" rtl="0" eaLnBrk="1" fontAlgn="auto" latinLnBrk="0" hangingPunct="1">
-              <a:lnSpc>
-                <a:spcPct val="100000"/>
-              </a:lnSpc>
-              <a:spcBef>
-                <a:spcPts val="0"/>
-              </a:spcBef>
-              <a:spcAft>
-                <a:spcPts val="0"/>
-              </a:spcAft>
-              <a:buClrTx/>
-              <a:buSzTx/>
-              <a:buFontTx/>
-              <a:buNone/>
-              <a:tabLst/>
-              <a:defRPr/>
-            </a:pPr>
-            <a:r>
-              <a:rPr lang="en-US" sz="1200" b="0" i="0" kern="1200" dirty="0">
-                <a:solidFill>
-                  <a:schemeClr val="tx1"/>
-                </a:solidFill>
-                <a:effectLst/>
-                <a:latin typeface="+mn-lt"/>
-                <a:ea typeface="+mn-ea"/>
-                <a:cs typeface="+mn-cs"/>
-              </a:rPr>
-              <a:t>Visual EDA</a:t>
-            </a:r>
-          </a:p>
-          <a:p>
-            <a:pPr marL="0" marR="0" lvl="0" indent="0" algn="l" defTabSz="914400" rtl="0" eaLnBrk="1" fontAlgn="auto" latinLnBrk="0" hangingPunct="1">
-              <a:lnSpc>
-                <a:spcPct val="100000"/>
-              </a:lnSpc>
-              <a:spcBef>
-                <a:spcPts val="0"/>
-              </a:spcBef>
-              <a:spcAft>
-                <a:spcPts val="0"/>
-              </a:spcAft>
-              <a:buClrTx/>
-              <a:buSzTx/>
-              <a:buFontTx/>
-              <a:buNone/>
-              <a:tabLst/>
-              <a:defRPr/>
-            </a:pPr>
-            <a:r>
-              <a:rPr lang="en-US" sz="1200" b="0" i="0" kern="1200" dirty="0">
-                <a:solidFill>
-                  <a:schemeClr val="tx1"/>
-                </a:solidFill>
-                <a:effectLst/>
-                <a:latin typeface="+mn-lt"/>
-                <a:ea typeface="+mn-ea"/>
-                <a:cs typeface="+mn-cs"/>
-              </a:rPr>
-              <a:t>Expectations here are to provide the following in sections and subsections:</a:t>
-            </a:r>
-          </a:p>
-          <a:p>
-            <a:r>
-              <a:rPr lang="en-US" sz="1200" b="0" i="0" kern="1200" dirty="0">
-                <a:solidFill>
-                  <a:schemeClr val="tx1"/>
-                </a:solidFill>
-                <a:effectLst/>
-                <a:latin typeface="+mn-lt"/>
-                <a:ea typeface="+mn-ea"/>
-                <a:cs typeface="+mn-cs"/>
-              </a:rPr>
-              <a:t>[</a:t>
-            </a:r>
-            <a:r>
-              <a:rPr lang="en-US" sz="1200" b="0" i="0" kern="1200" dirty="0" err="1">
-                <a:solidFill>
-                  <a:schemeClr val="tx1"/>
-                </a:solidFill>
-                <a:effectLst/>
-                <a:latin typeface="+mn-lt"/>
-                <a:ea typeface="+mn-ea"/>
-                <a:cs typeface="+mn-cs"/>
-              </a:rPr>
-              <a:t>CaDoD</a:t>
-            </a:r>
-            <a:r>
-              <a:rPr lang="en-US" sz="1200" b="0" i="0" kern="1200" dirty="0">
-                <a:solidFill>
-                  <a:schemeClr val="tx1"/>
-                </a:solidFill>
-                <a:effectLst/>
-                <a:latin typeface="+mn-lt"/>
-                <a:ea typeface="+mn-ea"/>
-                <a:cs typeface="+mn-cs"/>
-              </a:rPr>
-              <a:t>]</a:t>
+              <a:t>Description of the data and task at hand</a:t>
             </a:r>
             <a:br>
-              <a:rPr lang="en-US" dirty="0"/>
+              <a:rPr lang="en-US" sz="1200" b="0" i="0" kern="1200" dirty="0">
+                <a:solidFill>
+                  <a:schemeClr val="tx1"/>
+                </a:solidFill>
+                <a:effectLst/>
+                <a:latin typeface="+mn-lt"/>
+                <a:ea typeface="+mn-ea"/>
+                <a:cs typeface="+mn-cs"/>
+              </a:rPr>
             </a:br>
             <a:r>
               <a:rPr lang="en-US" sz="1200" b="0" i="0" kern="1200" dirty="0">
@@ -1768,9 +1743,54 @@
                 <a:ea typeface="+mn-ea"/>
                 <a:cs typeface="+mn-cs"/>
               </a:rPr>
-              <a:t>-- preview and a small sample of images before and after transformations</a:t>
-            </a:r>
-            <a:endParaRPr lang="en-US" dirty="0"/>
+              <a:t>--Data description</a:t>
+            </a:r>
+            <a:br>
+              <a:rPr lang="en-US" sz="1200" b="0" i="0" kern="1200" dirty="0">
+                <a:solidFill>
+                  <a:schemeClr val="tx1"/>
+                </a:solidFill>
+                <a:effectLst/>
+                <a:latin typeface="+mn-lt"/>
+                <a:ea typeface="+mn-ea"/>
+                <a:cs typeface="+mn-cs"/>
+              </a:rPr>
+            </a:br>
+            <a:r>
+              <a:rPr lang="en-US" sz="1200" b="0" i="0" kern="1200" dirty="0">
+                <a:solidFill>
+                  <a:schemeClr val="tx1"/>
+                </a:solidFill>
+                <a:effectLst/>
+                <a:latin typeface="+mn-lt"/>
+                <a:ea typeface="+mn-ea"/>
+                <a:cs typeface="+mn-cs"/>
+              </a:rPr>
+              <a:t>--Task to be tackled</a:t>
+            </a:r>
+            <a:br>
+              <a:rPr lang="en-US" sz="1200" b="0" i="0" kern="1200" dirty="0">
+                <a:solidFill>
+                  <a:schemeClr val="tx1"/>
+                </a:solidFill>
+                <a:effectLst/>
+                <a:latin typeface="+mn-lt"/>
+                <a:ea typeface="+mn-ea"/>
+                <a:cs typeface="+mn-cs"/>
+              </a:rPr>
+            </a:br>
+            <a:r>
+              <a:rPr lang="en-US" sz="1200" b="0" i="0" kern="1200" dirty="0">
+                <a:solidFill>
+                  <a:schemeClr val="tx1"/>
+                </a:solidFill>
+                <a:effectLst/>
+                <a:latin typeface="+mn-lt"/>
+                <a:ea typeface="+mn-ea"/>
+                <a:cs typeface="+mn-cs"/>
+              </a:rPr>
+              <a:t>-- Provide diagrams to aid understanding the workflow</a:t>
+            </a:r>
           </a:p>
         </p:txBody>
       </p:sp>
@@ -1791,7 +1811,7 @@
           <a:p>
             <a:fld id="{25E2E259-F0C1-274B-BB83-2518BC0EEFC9}" type="slidenum">
               <a:rPr lang="en-US" smtClean="0"/>
-              <a:t>5</a:t>
+              <a:t>4</a:t>
             </a:fld>
             <a:endParaRPr lang="en-US"/>
           </a:p>
@@ -1800,7 +1820,7 @@
     </p:spTree>
     <p:extLst>
       <p:ext uri="{BB962C8B-B14F-4D97-AF65-F5344CB8AC3E}">
-        <p14:creationId xmlns:p14="http://schemas.microsoft.com/office/powerpoint/2010/main" val="2413518338"/>
+        <p14:creationId xmlns:p14="http://schemas.microsoft.com/office/powerpoint/2010/main" val="978033684"/>
       </p:ext>
     </p:extLst>
   </p:cSld>
@@ -1854,6 +1874,420 @@
           <a:bodyPr/>
           <a:lstStyle/>
           <a:p>
+            <a:endParaRPr lang="en-US" dirty="0"/>
+          </a:p>
+          <a:p>
+            <a:pPr marL="0" marR="0" lvl="0" indent="0" algn="l" defTabSz="914400" rtl="0" eaLnBrk="1" fontAlgn="auto" latinLnBrk="0" hangingPunct="1">
+              <a:lnSpc>
+                <a:spcPct val="100000"/>
+              </a:lnSpc>
+              <a:spcBef>
+                <a:spcPts val="0"/>
+              </a:spcBef>
+              <a:spcAft>
+                <a:spcPts val="0"/>
+              </a:spcAft>
+              <a:buClrTx/>
+              <a:buSzTx/>
+              <a:buFontTx/>
+              <a:buNone/>
+              <a:tabLst/>
+              <a:defRPr/>
+            </a:pPr>
+            <a:r>
+              <a:rPr lang="en-US" sz="1200" b="0" i="0" kern="1200" dirty="0">
+                <a:solidFill>
+                  <a:schemeClr val="tx1"/>
+                </a:solidFill>
+                <a:effectLst/>
+                <a:latin typeface="+mn-lt"/>
+                <a:ea typeface="+mn-ea"/>
+                <a:cs typeface="+mn-cs"/>
+              </a:rPr>
+              <a:t>This criterion is linked to a Learning Outcome</a:t>
+            </a:r>
+          </a:p>
+          <a:p>
+            <a:pPr marL="0" marR="0" lvl="0" indent="0" algn="l" defTabSz="914400" rtl="0" eaLnBrk="1" fontAlgn="auto" latinLnBrk="0" hangingPunct="1">
+              <a:lnSpc>
+                <a:spcPct val="100000"/>
+              </a:lnSpc>
+              <a:spcBef>
+                <a:spcPts val="0"/>
+              </a:spcBef>
+              <a:spcAft>
+                <a:spcPts val="0"/>
+              </a:spcAft>
+              <a:buClrTx/>
+              <a:buSzTx/>
+              <a:buFontTx/>
+              <a:buNone/>
+              <a:tabLst/>
+              <a:defRPr/>
+            </a:pPr>
+            <a:r>
+              <a:rPr lang="en-US" sz="1200" b="0" i="0" kern="1200" dirty="0">
+                <a:solidFill>
+                  <a:schemeClr val="tx1"/>
+                </a:solidFill>
+                <a:effectLst/>
+                <a:latin typeface="+mn-lt"/>
+                <a:ea typeface="+mn-ea"/>
+                <a:cs typeface="+mn-cs"/>
+              </a:rPr>
+              <a:t>EDA</a:t>
+            </a:r>
+          </a:p>
+          <a:p>
+            <a:pPr marL="0" marR="0" lvl="0" indent="0" algn="l" defTabSz="914400" rtl="0" eaLnBrk="1" fontAlgn="auto" latinLnBrk="0" hangingPunct="1">
+              <a:lnSpc>
+                <a:spcPct val="100000"/>
+              </a:lnSpc>
+              <a:spcBef>
+                <a:spcPts val="0"/>
+              </a:spcBef>
+              <a:spcAft>
+                <a:spcPts val="0"/>
+              </a:spcAft>
+              <a:buClrTx/>
+              <a:buSzTx/>
+              <a:buFontTx/>
+              <a:buNone/>
+              <a:tabLst/>
+              <a:defRPr/>
+            </a:pPr>
+            <a:r>
+              <a:rPr lang="en-US" sz="1200" b="0" i="0" kern="1200" dirty="0">
+                <a:solidFill>
+                  <a:schemeClr val="tx1"/>
+                </a:solidFill>
+                <a:effectLst/>
+                <a:latin typeface="+mn-lt"/>
+                <a:ea typeface="+mn-ea"/>
+                <a:cs typeface="+mn-cs"/>
+              </a:rPr>
+              <a:t>Expectations here are to provide the following in sections and subsections:</a:t>
+            </a:r>
+          </a:p>
+          <a:p>
+            <a:r>
+              <a:rPr lang="en-US" sz="1200" b="0" i="0" kern="1200" dirty="0">
+                <a:solidFill>
+                  <a:schemeClr val="tx1"/>
+                </a:solidFill>
+                <a:effectLst/>
+                <a:latin typeface="+mn-lt"/>
+                <a:ea typeface="+mn-ea"/>
+                <a:cs typeface="+mn-cs"/>
+              </a:rPr>
+              <a:t>[</a:t>
+            </a:r>
+            <a:r>
+              <a:rPr lang="en-US" sz="1200" b="0" i="0" kern="1200" dirty="0" err="1">
+                <a:solidFill>
+                  <a:schemeClr val="tx1"/>
+                </a:solidFill>
+                <a:effectLst/>
+                <a:latin typeface="+mn-lt"/>
+                <a:ea typeface="+mn-ea"/>
+                <a:cs typeface="+mn-cs"/>
+              </a:rPr>
+              <a:t>CaDoD</a:t>
+            </a:r>
+            <a:r>
+              <a:rPr lang="en-US" sz="1200" b="0" i="0" kern="1200" dirty="0">
+                <a:solidFill>
+                  <a:schemeClr val="tx1"/>
+                </a:solidFill>
+                <a:effectLst/>
+                <a:latin typeface="+mn-lt"/>
+                <a:ea typeface="+mn-ea"/>
+                <a:cs typeface="+mn-cs"/>
+              </a:rPr>
+              <a:t>]</a:t>
+            </a:r>
+            <a:br>
+              <a:rPr lang="en-US" dirty="0"/>
+            </a:br>
+            <a:r>
+              <a:rPr lang="en-US" sz="1200" b="0" i="0" kern="1200" dirty="0">
+                <a:solidFill>
+                  <a:schemeClr val="tx1"/>
+                </a:solidFill>
+                <a:effectLst/>
+                <a:latin typeface="+mn-lt"/>
+                <a:ea typeface="+mn-ea"/>
+                <a:cs typeface="+mn-cs"/>
+              </a:rPr>
+              <a:t>-- Overview of images (i.e. count of cat images, dog images, total images, memory size of images, etc..)</a:t>
+            </a:r>
+            <a:br>
+              <a:rPr lang="en-US" dirty="0"/>
+            </a:br>
+            <a:r>
+              <a:rPr lang="en-US" sz="1200" b="0" i="0" kern="1200" dirty="0">
+                <a:solidFill>
+                  <a:schemeClr val="tx1"/>
+                </a:solidFill>
+                <a:effectLst/>
+                <a:latin typeface="+mn-lt"/>
+                <a:ea typeface="+mn-ea"/>
+                <a:cs typeface="+mn-cs"/>
+              </a:rPr>
+              <a:t>-- Other useful text-based analysis (as opposed to graphic-based)</a:t>
+            </a:r>
+          </a:p>
+          <a:p>
+            <a:endParaRPr lang="en-US" sz="1200" b="0" i="0" kern="1200" dirty="0">
+              <a:solidFill>
+                <a:schemeClr val="tx1"/>
+              </a:solidFill>
+              <a:effectLst/>
+              <a:latin typeface="+mn-lt"/>
+              <a:ea typeface="+mn-ea"/>
+              <a:cs typeface="+mn-cs"/>
+            </a:endParaRPr>
+          </a:p>
+          <a:p>
+            <a:endParaRPr lang="en-US" sz="1200" b="0" i="0" kern="1200" dirty="0">
+              <a:solidFill>
+                <a:schemeClr val="tx1"/>
+              </a:solidFill>
+              <a:effectLst/>
+              <a:latin typeface="+mn-lt"/>
+              <a:ea typeface="+mn-ea"/>
+              <a:cs typeface="+mn-cs"/>
+            </a:endParaRPr>
+          </a:p>
+          <a:p>
+            <a:pPr marL="0" marR="0" lvl="0" indent="0" algn="l" defTabSz="914400" rtl="0" eaLnBrk="1" fontAlgn="auto" latinLnBrk="0" hangingPunct="1">
+              <a:lnSpc>
+                <a:spcPct val="100000"/>
+              </a:lnSpc>
+              <a:spcBef>
+                <a:spcPts val="0"/>
+              </a:spcBef>
+              <a:spcAft>
+                <a:spcPts val="0"/>
+              </a:spcAft>
+              <a:buClrTx/>
+              <a:buSzTx/>
+              <a:buFontTx/>
+              <a:buNone/>
+              <a:tabLst/>
+              <a:defRPr/>
+            </a:pPr>
+            <a:r>
+              <a:rPr lang="en-US" sz="1200" b="0" i="0" kern="1200" dirty="0">
+                <a:solidFill>
+                  <a:schemeClr val="tx1"/>
+                </a:solidFill>
+                <a:effectLst/>
+                <a:latin typeface="+mn-lt"/>
+                <a:ea typeface="+mn-ea"/>
+                <a:cs typeface="+mn-cs"/>
+              </a:rPr>
+              <a:t>This criterion is linked to a Learning Outcome</a:t>
+            </a:r>
+          </a:p>
+          <a:p>
+            <a:pPr marL="0" marR="0" lvl="0" indent="0" algn="l" defTabSz="914400" rtl="0" eaLnBrk="1" fontAlgn="auto" latinLnBrk="0" hangingPunct="1">
+              <a:lnSpc>
+                <a:spcPct val="100000"/>
+              </a:lnSpc>
+              <a:spcBef>
+                <a:spcPts val="0"/>
+              </a:spcBef>
+              <a:spcAft>
+                <a:spcPts val="0"/>
+              </a:spcAft>
+              <a:buClrTx/>
+              <a:buSzTx/>
+              <a:buFontTx/>
+              <a:buNone/>
+              <a:tabLst/>
+              <a:defRPr/>
+            </a:pPr>
+            <a:r>
+              <a:rPr lang="en-US" sz="1200" b="0" i="0" kern="1200" dirty="0">
+                <a:solidFill>
+                  <a:schemeClr val="tx1"/>
+                </a:solidFill>
+                <a:effectLst/>
+                <a:latin typeface="+mn-lt"/>
+                <a:ea typeface="+mn-ea"/>
+                <a:cs typeface="+mn-cs"/>
+              </a:rPr>
+              <a:t>Visual EDA</a:t>
+            </a:r>
+          </a:p>
+          <a:p>
+            <a:pPr marL="0" marR="0" lvl="0" indent="0" algn="l" defTabSz="914400" rtl="0" eaLnBrk="1" fontAlgn="auto" latinLnBrk="0" hangingPunct="1">
+              <a:lnSpc>
+                <a:spcPct val="100000"/>
+              </a:lnSpc>
+              <a:spcBef>
+                <a:spcPts val="0"/>
+              </a:spcBef>
+              <a:spcAft>
+                <a:spcPts val="0"/>
+              </a:spcAft>
+              <a:buClrTx/>
+              <a:buSzTx/>
+              <a:buFontTx/>
+              <a:buNone/>
+              <a:tabLst/>
+              <a:defRPr/>
+            </a:pPr>
+            <a:r>
+              <a:rPr lang="en-US" sz="1200" b="0" i="0" kern="1200" dirty="0">
+                <a:solidFill>
+                  <a:schemeClr val="tx1"/>
+                </a:solidFill>
+                <a:effectLst/>
+                <a:latin typeface="+mn-lt"/>
+                <a:ea typeface="+mn-ea"/>
+                <a:cs typeface="+mn-cs"/>
+              </a:rPr>
+              <a:t>Expectations here are to provide the following in sections and subsections:</a:t>
+            </a:r>
+          </a:p>
+          <a:p>
+            <a:r>
+              <a:rPr lang="en-US" sz="1200" b="0" i="0" kern="1200" dirty="0">
+                <a:solidFill>
+                  <a:schemeClr val="tx1"/>
+                </a:solidFill>
+                <a:effectLst/>
+                <a:latin typeface="+mn-lt"/>
+                <a:ea typeface="+mn-ea"/>
+                <a:cs typeface="+mn-cs"/>
+              </a:rPr>
+              <a:t>[</a:t>
+            </a:r>
+            <a:r>
+              <a:rPr lang="en-US" sz="1200" b="0" i="0" kern="1200" dirty="0" err="1">
+                <a:solidFill>
+                  <a:schemeClr val="tx1"/>
+                </a:solidFill>
+                <a:effectLst/>
+                <a:latin typeface="+mn-lt"/>
+                <a:ea typeface="+mn-ea"/>
+                <a:cs typeface="+mn-cs"/>
+              </a:rPr>
+              <a:t>CaDoD</a:t>
+            </a:r>
+            <a:r>
+              <a:rPr lang="en-US" sz="1200" b="0" i="0" kern="1200" dirty="0">
+                <a:solidFill>
+                  <a:schemeClr val="tx1"/>
+                </a:solidFill>
+                <a:effectLst/>
+                <a:latin typeface="+mn-lt"/>
+                <a:ea typeface="+mn-ea"/>
+                <a:cs typeface="+mn-cs"/>
+              </a:rPr>
+              <a:t>]</a:t>
+            </a:r>
+            <a:br>
+              <a:rPr lang="en-US" dirty="0"/>
+            </a:br>
+            <a:r>
+              <a:rPr lang="en-US" sz="1200" b="0" i="0" kern="1200" dirty="0">
+                <a:solidFill>
+                  <a:schemeClr val="tx1"/>
+                </a:solidFill>
+                <a:effectLst/>
+                <a:latin typeface="+mn-lt"/>
+                <a:ea typeface="+mn-ea"/>
+                <a:cs typeface="+mn-cs"/>
+              </a:rPr>
+              <a:t>-- preview and a small sample of images before and after transformations</a:t>
+            </a:r>
+            <a:endParaRPr lang="en-US" dirty="0"/>
+          </a:p>
+        </p:txBody>
+      </p:sp>
+      <p:sp>
+        <p:nvSpPr>
+          <p:cNvPr id="4" name="Slide Number Placeholder 3"/>
+          <p:cNvSpPr>
+            <a:spLocks noGrp="1"/>
+          </p:cNvSpPr>
+          <p:nvPr>
+            <p:ph type="sldNum" sz="quarter" idx="5"/>
+          </p:nvPr>
+        </p:nvSpPr>
+        <p:spPr/>
+        <p:txBody>
+          <a:bodyPr/>
+          <a:lstStyle/>
+          <a:p>
+            <a:fld id="{25E2E259-F0C1-274B-BB83-2518BC0EEFC9}" type="slidenum">
+              <a:rPr lang="en-US" smtClean="0"/>
+              <a:t>6</a:t>
+            </a:fld>
+            <a:endParaRPr lang="en-US"/>
+          </a:p>
+        </p:txBody>
+      </p:sp>
+    </p:spTree>
+    <p:extLst>
+      <p:ext uri="{BB962C8B-B14F-4D97-AF65-F5344CB8AC3E}">
+        <p14:creationId xmlns:p14="http://schemas.microsoft.com/office/powerpoint/2010/main" val="2413518338"/>
+      </p:ext>
+    </p:extLst>
+  </p:cSld>
+  <p:clrMapOvr>
+    <a:masterClrMapping/>
+  </p:clrMapOvr>
+</p:notes>
+</file>
+
+<file path=ppt/notesSlides/notesSlide6.xml><?xml version="1.0" encoding="utf-8"?>
+<p:notes xmlns:a="http://schemas.openxmlformats.org/drawingml/2006/main" xmlns:r="http://schemas.openxmlformats.org/officeDocument/2006/relationships" xmlns:p="http://schemas.openxmlformats.org/presentationml/2006/main">
+  <p:cSld>
+    <p:spTree>
+      <p:nvGrpSpPr>
+        <p:cNvPr id="1" name=""/>
+        <p:cNvGrpSpPr/>
+        <p:nvPr/>
+      </p:nvGrpSpPr>
+      <p:grpSpPr>
+        <a:xfrm>
+          <a:off x="0" y="0"/>
+          <a:ext cx="0" cy="0"/>
+          <a:chOff x="0" y="0"/>
+          <a:chExt cx="0" cy="0"/>
+        </a:xfrm>
+      </p:grpSpPr>
+      <p:sp>
+        <p:nvSpPr>
+          <p:cNvPr id="2" name="Slide Image Placeholder 1"/>
+          <p:cNvSpPr>
+            <a:spLocks noGrp="1" noRot="1" noChangeAspect="1"/>
+          </p:cNvSpPr>
+          <p:nvPr>
+            <p:ph type="sldImg"/>
+          </p:nvPr>
+        </p:nvSpPr>
+        <p:spPr/>
+      </p:sp>
+      <p:sp>
+        <p:nvSpPr>
+          <p:cNvPr id="3" name="Notes Placeholder 2"/>
+          <p:cNvSpPr>
+            <a:spLocks noGrp="1"/>
+          </p:cNvSpPr>
+          <p:nvPr>
+            <p:ph type="body" idx="1"/>
+          </p:nvPr>
+        </p:nvSpPr>
+        <p:spPr/>
+        <p:txBody>
+          <a:bodyPr/>
+          <a:lstStyle/>
+          <a:p>
             <a:pPr marL="0" marR="0" lvl="0" indent="0" algn="l" defTabSz="914400" rtl="0" eaLnBrk="1" fontAlgn="auto" latinLnBrk="0" hangingPunct="1">
               <a:lnSpc>
                 <a:spcPct val="100000"/>
@@ -2194,7 +2628,7 @@
           <a:p>
             <a:fld id="{25E2E259-F0C1-274B-BB83-2518BC0EEFC9}" type="slidenum">
               <a:rPr lang="en-US" smtClean="0"/>
-              <a:t>6</a:t>
+              <a:t>7</a:t>
             </a:fld>
             <a:endParaRPr lang="en-US"/>
           </a:p>
@@ -2204,241 +2638,6 @@
     <p:extLst>
       <p:ext uri="{BB962C8B-B14F-4D97-AF65-F5344CB8AC3E}">
         <p14:creationId xmlns:p14="http://schemas.microsoft.com/office/powerpoint/2010/main" val="3798094749"/>
-      </p:ext>
-    </p:extLst>
-  </p:cSld>
-  <p:clrMapOvr>
-    <a:masterClrMapping/>
-  </p:clrMapOvr>
-</p:notes>
-</file>
-
-<file path=ppt/notesSlides/notesSlide6.xml><?xml version="1.0" encoding="utf-8"?>
-<p:notes xmlns:a="http://schemas.openxmlformats.org/drawingml/2006/main" xmlns:r="http://schemas.openxmlformats.org/officeDocument/2006/relationships" xmlns:p="http://schemas.openxmlformats.org/presentationml/2006/main">
-  <p:cSld>
-    <p:spTree>
-      <p:nvGrpSpPr>
-        <p:cNvPr id="1" name=""/>
-        <p:cNvGrpSpPr/>
-        <p:nvPr/>
-      </p:nvGrpSpPr>
-      <p:grpSpPr>
-        <a:xfrm>
-          <a:off x="0" y="0"/>
-          <a:ext cx="0" cy="0"/>
-          <a:chOff x="0" y="0"/>
-          <a:chExt cx="0" cy="0"/>
-        </a:xfrm>
-      </p:grpSpPr>
-      <p:sp>
-        <p:nvSpPr>
-          <p:cNvPr id="2" name="Slide Image Placeholder 1"/>
-          <p:cNvSpPr>
-            <a:spLocks noGrp="1" noRot="1" noChangeAspect="1"/>
-          </p:cNvSpPr>
-          <p:nvPr>
-            <p:ph type="sldImg"/>
-          </p:nvPr>
-        </p:nvSpPr>
-        <p:spPr/>
-      </p:sp>
-      <p:sp>
-        <p:nvSpPr>
-          <p:cNvPr id="3" name="Notes Placeholder 2"/>
-          <p:cNvSpPr>
-            <a:spLocks noGrp="1"/>
-          </p:cNvSpPr>
-          <p:nvPr>
-            <p:ph type="body" idx="1"/>
-          </p:nvPr>
-        </p:nvSpPr>
-        <p:spPr/>
-        <p:txBody>
-          <a:bodyPr/>
-          <a:lstStyle/>
-          <a:p>
-            <a:pPr marL="0" marR="0" lvl="0" indent="0" algn="l" defTabSz="914400" rtl="0" eaLnBrk="1" fontAlgn="auto" latinLnBrk="0" hangingPunct="1">
-              <a:lnSpc>
-                <a:spcPct val="100000"/>
-              </a:lnSpc>
-              <a:spcBef>
-                <a:spcPts val="0"/>
-              </a:spcBef>
-              <a:spcAft>
-                <a:spcPts val="0"/>
-              </a:spcAft>
-              <a:buClrTx/>
-              <a:buSzTx/>
-              <a:buFontTx/>
-              <a:buNone/>
-              <a:tabLst/>
-              <a:defRPr/>
-            </a:pPr>
-            <a:r>
-              <a:rPr lang="en-US" sz="1200" b="0" i="0" kern="1200" dirty="0">
-                <a:solidFill>
-                  <a:schemeClr val="tx1"/>
-                </a:solidFill>
-                <a:effectLst/>
-                <a:latin typeface="+mn-lt"/>
-                <a:ea typeface="+mn-ea"/>
-                <a:cs typeface="+mn-cs"/>
-              </a:rPr>
-              <a:t>This criterion is linked to a Learning Outcome</a:t>
-            </a:r>
-          </a:p>
-          <a:p>
-            <a:pPr marL="0" marR="0" lvl="0" indent="0" algn="l" defTabSz="914400" rtl="0" eaLnBrk="1" fontAlgn="auto" latinLnBrk="0" hangingPunct="1">
-              <a:lnSpc>
-                <a:spcPct val="100000"/>
-              </a:lnSpc>
-              <a:spcBef>
-                <a:spcPts val="0"/>
-              </a:spcBef>
-              <a:spcAft>
-                <a:spcPts val="0"/>
-              </a:spcAft>
-              <a:buClrTx/>
-              <a:buSzTx/>
-              <a:buFontTx/>
-              <a:buNone/>
-              <a:tabLst/>
-              <a:defRPr/>
-            </a:pPr>
-            <a:r>
-              <a:rPr lang="en-US" sz="1200" b="0" i="0" kern="1200" dirty="0">
-                <a:solidFill>
-                  <a:schemeClr val="tx1"/>
-                </a:solidFill>
-                <a:effectLst/>
-                <a:latin typeface="+mn-lt"/>
-                <a:ea typeface="+mn-ea"/>
-                <a:cs typeface="+mn-cs"/>
-              </a:rPr>
-              <a:t>Results and discussion of results</a:t>
-            </a:r>
-          </a:p>
-          <a:p>
-            <a:pPr marL="0" marR="0" lvl="0" indent="0" algn="l" defTabSz="914400" rtl="0" eaLnBrk="1" fontAlgn="auto" latinLnBrk="0" hangingPunct="1">
-              <a:lnSpc>
-                <a:spcPct val="100000"/>
-              </a:lnSpc>
-              <a:spcBef>
-                <a:spcPts val="0"/>
-              </a:spcBef>
-              <a:spcAft>
-                <a:spcPts val="0"/>
-              </a:spcAft>
-              <a:buClrTx/>
-              <a:buSzTx/>
-              <a:buFontTx/>
-              <a:buNone/>
-              <a:tabLst/>
-              <a:defRPr/>
-            </a:pPr>
-            <a:r>
-              <a:rPr lang="en-US" sz="1200" b="0" i="0" kern="1200" dirty="0">
-                <a:solidFill>
-                  <a:schemeClr val="tx1"/>
-                </a:solidFill>
-                <a:effectLst/>
-                <a:latin typeface="+mn-lt"/>
-                <a:ea typeface="+mn-ea"/>
-                <a:cs typeface="+mn-cs"/>
-              </a:rPr>
-              <a:t>Expectations here are to provide the following in sections and subsections:</a:t>
-            </a:r>
-            <a:br>
-              <a:rPr lang="en-US" sz="1200" b="0" i="0" kern="1200" dirty="0">
-                <a:solidFill>
-                  <a:schemeClr val="tx1"/>
-                </a:solidFill>
-                <a:effectLst/>
-                <a:latin typeface="+mn-lt"/>
-                <a:ea typeface="+mn-ea"/>
-                <a:cs typeface="+mn-cs"/>
-              </a:rPr>
-            </a:br>
-            <a:br>
-              <a:rPr lang="en-US" sz="1200" b="0" i="0" kern="1200" dirty="0">
-                <a:solidFill>
-                  <a:schemeClr val="tx1"/>
-                </a:solidFill>
-                <a:effectLst/>
-                <a:latin typeface="+mn-lt"/>
-                <a:ea typeface="+mn-ea"/>
-                <a:cs typeface="+mn-cs"/>
-              </a:rPr>
-            </a:br>
-            <a:r>
-              <a:rPr lang="en-US" sz="1200" b="0" i="0" kern="1200" dirty="0">
-                <a:solidFill>
-                  <a:schemeClr val="tx1"/>
-                </a:solidFill>
-                <a:effectLst/>
-                <a:latin typeface="+mn-lt"/>
-                <a:ea typeface="+mn-ea"/>
-                <a:cs typeface="+mn-cs"/>
-              </a:rPr>
-              <a:t>Discussion’s aim is result interpretation, which means explain, </a:t>
-            </a:r>
-            <a:r>
-              <a:rPr lang="en-US" sz="1200" b="0" i="0" kern="1200" dirty="0" err="1">
-                <a:solidFill>
-                  <a:schemeClr val="tx1"/>
-                </a:solidFill>
-                <a:effectLst/>
-                <a:latin typeface="+mn-lt"/>
-                <a:ea typeface="+mn-ea"/>
-                <a:cs typeface="+mn-cs"/>
-              </a:rPr>
-              <a:t>analyse</a:t>
-            </a:r>
-            <a:r>
-              <a:rPr lang="en-US" sz="1200" b="0" i="0" kern="1200" dirty="0">
-                <a:solidFill>
-                  <a:schemeClr val="tx1"/>
-                </a:solidFill>
-                <a:effectLst/>
-                <a:latin typeface="+mn-lt"/>
-                <a:ea typeface="+mn-ea"/>
-                <a:cs typeface="+mn-cs"/>
-              </a:rPr>
-              <a:t>, and compare them. Often, this part is the most important, simply because it lets the researcher take a step back and give a broader look at the experiment. Do not discuss any outcomes not presented in the results part.</a:t>
-            </a:r>
-          </a:p>
-          <a:p>
-            <a:endParaRPr lang="en-US" dirty="0"/>
-          </a:p>
-        </p:txBody>
-      </p:sp>
-      <p:sp>
-        <p:nvSpPr>
-          <p:cNvPr id="4" name="Slide Number Placeholder 3"/>
-          <p:cNvSpPr>
-            <a:spLocks noGrp="1"/>
-          </p:cNvSpPr>
-          <p:nvPr>
-            <p:ph type="sldNum" sz="quarter" idx="5"/>
-          </p:nvPr>
-        </p:nvSpPr>
-        <p:spPr/>
-        <p:txBody>
-          <a:bodyPr/>
-          <a:lstStyle/>
-          <a:p>
-            <a:fld id="{25E2E259-F0C1-274B-BB83-2518BC0EEFC9}" type="slidenum">
-              <a:rPr lang="en-US" smtClean="0"/>
-              <a:t>7</a:t>
-            </a:fld>
-            <a:endParaRPr lang="en-US"/>
-          </a:p>
-        </p:txBody>
-      </p:sp>
-    </p:spTree>
-    <p:extLst>
-      <p:ext uri="{BB962C8B-B14F-4D97-AF65-F5344CB8AC3E}">
-        <p14:creationId xmlns:p14="http://schemas.microsoft.com/office/powerpoint/2010/main" val="3148085847"/>
       </p:ext>
     </p:extLst>
   </p:cSld>
@@ -2510,28 +2709,78 @@
               <a:defRPr/>
             </a:pPr>
             <a:r>
-              <a:rPr lang="en-US" sz="1200" b="0" i="0" kern="1200" dirty="0" err="1">
-                <a:solidFill>
-                  <a:schemeClr val="tx1"/>
-                </a:solidFill>
-                <a:effectLst/>
-                <a:latin typeface="+mn-lt"/>
-                <a:ea typeface="+mn-ea"/>
-                <a:cs typeface="+mn-cs"/>
-              </a:rPr>
-              <a:t>ConclusionExpectations</a:t>
-            </a:r>
-            <a:r>
-              <a:rPr lang="en-US" sz="1200" b="0" i="0" kern="1200" dirty="0">
-                <a:solidFill>
-                  <a:schemeClr val="tx1"/>
-                </a:solidFill>
-                <a:effectLst/>
-                <a:latin typeface="+mn-lt"/>
-                <a:ea typeface="+mn-ea"/>
-                <a:cs typeface="+mn-cs"/>
-              </a:rPr>
-              <a:t> here are to address the following following in your conclusion (in about 150 words) in a main section by itself:</a:t>
+              <a:rPr lang="en-US" sz="1200" b="0" i="0" kern="1200" dirty="0">
+                <a:solidFill>
+                  <a:schemeClr val="tx1"/>
+                </a:solidFill>
+                <a:effectLst/>
+                <a:latin typeface="+mn-lt"/>
+                <a:ea typeface="+mn-ea"/>
+                <a:cs typeface="+mn-cs"/>
+              </a:rPr>
+              <a:t>This criterion is linked to a Learning Outcome</a:t>
+            </a:r>
+          </a:p>
+          <a:p>
+            <a:pPr marL="0" marR="0" lvl="0" indent="0" algn="l" defTabSz="914400" rtl="0" eaLnBrk="1" fontAlgn="auto" latinLnBrk="0" hangingPunct="1">
+              <a:lnSpc>
+                <a:spcPct val="100000"/>
+              </a:lnSpc>
+              <a:spcBef>
+                <a:spcPts val="0"/>
+              </a:spcBef>
+              <a:spcAft>
+                <a:spcPts val="0"/>
+              </a:spcAft>
+              <a:buClrTx/>
+              <a:buSzTx/>
+              <a:buFontTx/>
+              <a:buNone/>
+              <a:tabLst/>
+              <a:defRPr/>
+            </a:pPr>
+            <a:r>
+              <a:rPr lang="en-US" sz="1200" b="0" i="0" kern="1200" dirty="0">
+                <a:solidFill>
+                  <a:schemeClr val="tx1"/>
+                </a:solidFill>
+                <a:effectLst/>
+                <a:latin typeface="+mn-lt"/>
+                <a:ea typeface="+mn-ea"/>
+                <a:cs typeface="+mn-cs"/>
+              </a:rPr>
+              <a:t>Results and discussion of results</a:t>
+            </a:r>
+          </a:p>
+          <a:p>
+            <a:pPr marL="0" marR="0" lvl="0" indent="0" algn="l" defTabSz="914400" rtl="0" eaLnBrk="1" fontAlgn="auto" latinLnBrk="0" hangingPunct="1">
+              <a:lnSpc>
+                <a:spcPct val="100000"/>
+              </a:lnSpc>
+              <a:spcBef>
+                <a:spcPts val="0"/>
+              </a:spcBef>
+              <a:spcAft>
+                <a:spcPts val="0"/>
+              </a:spcAft>
+              <a:buClrTx/>
+              <a:buSzTx/>
+              <a:buFontTx/>
+              <a:buNone/>
+              <a:tabLst/>
+              <a:defRPr/>
+            </a:pPr>
+            <a:r>
+              <a:rPr lang="en-US" sz="1200" b="0" i="0" kern="1200" dirty="0">
+                <a:solidFill>
+                  <a:schemeClr val="tx1"/>
+                </a:solidFill>
+                <a:effectLst/>
+                <a:latin typeface="+mn-lt"/>
+                <a:ea typeface="+mn-ea"/>
+                <a:cs typeface="+mn-cs"/>
+              </a:rPr>
+              <a:t>Expectations here are to provide the following in sections and subsections:</a:t>
             </a:r>
             <a:br>
               <a:rPr lang="en-US" sz="1200" b="0" i="0" kern="1200" dirty="0">
@@ -2565,143 +2814,31 @@
                 <a:ea typeface="+mn-ea"/>
                 <a:cs typeface="+mn-cs"/>
               </a:rPr>
-              <a:t>-- Restate your project focus explain why it’s important. Make sure that this part of the conclusion is concise and clear.</a:t>
-            </a:r>
-            <a:br>
-              <a:rPr lang="en-US" sz="1200" b="0" i="0" kern="1200" dirty="0">
-                <a:solidFill>
-                  <a:schemeClr val="tx1"/>
-                </a:solidFill>
-                <a:effectLst/>
-                <a:latin typeface="+mn-lt"/>
-                <a:ea typeface="+mn-ea"/>
-                <a:cs typeface="+mn-cs"/>
-              </a:rPr>
-            </a:br>
-            <a:br>
-              <a:rPr lang="en-US" sz="1200" b="0" i="0" kern="1200" dirty="0">
-                <a:solidFill>
-                  <a:schemeClr val="tx1"/>
-                </a:solidFill>
-                <a:effectLst/>
-                <a:latin typeface="+mn-lt"/>
-                <a:ea typeface="+mn-ea"/>
-                <a:cs typeface="+mn-cs"/>
-              </a:rPr>
-            </a:br>
-            <a:r>
-              <a:rPr lang="en-US" sz="1200" b="0" i="0" kern="1200" dirty="0">
-                <a:solidFill>
-                  <a:schemeClr val="tx1"/>
-                </a:solidFill>
-                <a:effectLst/>
-                <a:latin typeface="+mn-lt"/>
-                <a:ea typeface="+mn-ea"/>
-                <a:cs typeface="+mn-cs"/>
-              </a:rPr>
-              <a:t>-- Restate your hypothesis (e.g., ML pipelines with custom features can accurately forecast box office returns)</a:t>
-            </a:r>
-            <a:br>
-              <a:rPr lang="en-US" sz="1200" b="0" i="0" kern="1200" dirty="0">
-                <a:solidFill>
-                  <a:schemeClr val="tx1"/>
-                </a:solidFill>
-                <a:effectLst/>
-                <a:latin typeface="+mn-lt"/>
-                <a:ea typeface="+mn-ea"/>
-                <a:cs typeface="+mn-cs"/>
-              </a:rPr>
-            </a:br>
-            <a:br>
-              <a:rPr lang="en-US" sz="1200" b="0" i="0" kern="1200" dirty="0">
-                <a:solidFill>
-                  <a:schemeClr val="tx1"/>
-                </a:solidFill>
-                <a:effectLst/>
-                <a:latin typeface="+mn-lt"/>
-                <a:ea typeface="+mn-ea"/>
-                <a:cs typeface="+mn-cs"/>
-              </a:rPr>
-            </a:br>
-            <a:r>
-              <a:rPr lang="en-US" sz="1200" b="0" i="0" kern="1200" dirty="0">
-                <a:solidFill>
-                  <a:schemeClr val="tx1"/>
-                </a:solidFill>
-                <a:effectLst/>
-                <a:latin typeface="+mn-lt"/>
-                <a:ea typeface="+mn-ea"/>
-                <a:cs typeface="+mn-cs"/>
-              </a:rPr>
-              <a:t>-- Summarize main points of your project: Remind your readers your key points.</a:t>
-            </a:r>
-            <a:br>
-              <a:rPr lang="en-US" sz="1200" b="0" i="0" kern="1200" dirty="0">
-                <a:solidFill>
-                  <a:schemeClr val="tx1"/>
-                </a:solidFill>
-                <a:effectLst/>
-                <a:latin typeface="+mn-lt"/>
-                <a:ea typeface="+mn-ea"/>
-                <a:cs typeface="+mn-cs"/>
-              </a:rPr>
-            </a:br>
-            <a:br>
-              <a:rPr lang="en-US" sz="1200" b="0" i="0" kern="1200" dirty="0">
-                <a:solidFill>
-                  <a:schemeClr val="tx1"/>
-                </a:solidFill>
-                <a:effectLst/>
-                <a:latin typeface="+mn-lt"/>
-                <a:ea typeface="+mn-ea"/>
-                <a:cs typeface="+mn-cs"/>
-              </a:rPr>
-            </a:br>
-            <a:r>
-              <a:rPr lang="en-US" sz="1200" b="0" i="0" kern="1200" dirty="0">
-                <a:solidFill>
-                  <a:schemeClr val="tx1"/>
-                </a:solidFill>
-                <a:effectLst/>
-                <a:latin typeface="+mn-lt"/>
-                <a:ea typeface="+mn-ea"/>
-                <a:cs typeface="+mn-cs"/>
-              </a:rPr>
-              <a:t>-- Discuss the significance of your results</a:t>
-            </a:r>
-            <a:br>
-              <a:rPr lang="en-US" sz="1200" b="0" i="0" kern="1200" dirty="0">
-                <a:solidFill>
-                  <a:schemeClr val="tx1"/>
-                </a:solidFill>
-                <a:effectLst/>
-                <a:latin typeface="+mn-lt"/>
-                <a:ea typeface="+mn-ea"/>
-                <a:cs typeface="+mn-cs"/>
-              </a:rPr>
-            </a:br>
-            <a:br>
-              <a:rPr lang="en-US" sz="1200" b="0" i="0" kern="1200" dirty="0">
-                <a:solidFill>
-                  <a:schemeClr val="tx1"/>
-                </a:solidFill>
-                <a:effectLst/>
-                <a:latin typeface="+mn-lt"/>
-                <a:ea typeface="+mn-ea"/>
-                <a:cs typeface="+mn-cs"/>
-              </a:rPr>
-            </a:br>
-            <a:r>
-              <a:rPr lang="en-US" sz="1200" b="0" i="0" kern="1200" dirty="0">
-                <a:solidFill>
-                  <a:schemeClr val="tx1"/>
-                </a:solidFill>
-                <a:effectLst/>
-                <a:latin typeface="+mn-lt"/>
-                <a:ea typeface="+mn-ea"/>
-                <a:cs typeface="+mn-cs"/>
-              </a:rPr>
-              <a:t>-- Discuss the future of your project and closing thoughts.</a:t>
+              <a:t>Discussion’s aim is result interpretation, which means explain, </a:t>
+            </a:r>
+            <a:r>
+              <a:rPr lang="en-US" sz="1200" b="0" i="0" kern="1200" dirty="0" err="1">
+                <a:solidFill>
+                  <a:schemeClr val="tx1"/>
+                </a:solidFill>
+                <a:effectLst/>
+                <a:latin typeface="+mn-lt"/>
+                <a:ea typeface="+mn-ea"/>
+                <a:cs typeface="+mn-cs"/>
+              </a:rPr>
+              <a:t>analyse</a:t>
+            </a:r>
+            <a:r>
+              <a:rPr lang="en-US" sz="1200" b="0" i="0" kern="1200" dirty="0">
+                <a:solidFill>
+                  <a:schemeClr val="tx1"/>
+                </a:solidFill>
+                <a:effectLst/>
+                <a:latin typeface="+mn-lt"/>
+                <a:ea typeface="+mn-ea"/>
+                <a:cs typeface="+mn-cs"/>
+              </a:rPr>
+              <a:t>, and compare them. Often, this part is the most important, simply because it lets the researcher take a step back and give a broader look at the experiment. Do not discuss any outcomes not presented in the results part.</a:t>
             </a:r>
           </a:p>
           <a:p>
@@ -2727,6 +2864,538 @@
             <a:fld id="{25E2E259-F0C1-274B-BB83-2518BC0EEFC9}" type="slidenum">
               <a:rPr lang="en-US" smtClean="0"/>
               <a:t>8</a:t>
+            </a:fld>
+            <a:endParaRPr lang="en-US"/>
+          </a:p>
+        </p:txBody>
+      </p:sp>
+    </p:spTree>
+    <p:extLst>
+      <p:ext uri="{BB962C8B-B14F-4D97-AF65-F5344CB8AC3E}">
+        <p14:creationId xmlns:p14="http://schemas.microsoft.com/office/powerpoint/2010/main" val="3148085847"/>
+      </p:ext>
+    </p:extLst>
+  </p:cSld>
+  <p:clrMapOvr>
+    <a:masterClrMapping/>
+  </p:clrMapOvr>
+</p:notes>
+</file>
+
+<file path=ppt/notesSlides/notesSlide8.xml><?xml version="1.0" encoding="utf-8"?>
+<p:notes xmlns:a="http://schemas.openxmlformats.org/drawingml/2006/main" xmlns:r="http://schemas.openxmlformats.org/officeDocument/2006/relationships" xmlns:p="http://schemas.openxmlformats.org/presentationml/2006/main">
+  <p:cSld>
+    <p:spTree>
+      <p:nvGrpSpPr>
+        <p:cNvPr id="1" name=""/>
+        <p:cNvGrpSpPr/>
+        <p:nvPr/>
+      </p:nvGrpSpPr>
+      <p:grpSpPr>
+        <a:xfrm>
+          <a:off x="0" y="0"/>
+          <a:ext cx="0" cy="0"/>
+          <a:chOff x="0" y="0"/>
+          <a:chExt cx="0" cy="0"/>
+        </a:xfrm>
+      </p:grpSpPr>
+      <p:sp>
+        <p:nvSpPr>
+          <p:cNvPr id="2" name="Slide Image Placeholder 1"/>
+          <p:cNvSpPr>
+            <a:spLocks noGrp="1" noRot="1" noChangeAspect="1"/>
+          </p:cNvSpPr>
+          <p:nvPr>
+            <p:ph type="sldImg"/>
+          </p:nvPr>
+        </p:nvSpPr>
+        <p:spPr/>
+      </p:sp>
+      <p:sp>
+        <p:nvSpPr>
+          <p:cNvPr id="3" name="Notes Placeholder 2"/>
+          <p:cNvSpPr>
+            <a:spLocks noGrp="1"/>
+          </p:cNvSpPr>
+          <p:nvPr>
+            <p:ph type="body" idx="1"/>
+          </p:nvPr>
+        </p:nvSpPr>
+        <p:spPr/>
+        <p:txBody>
+          <a:bodyPr/>
+          <a:lstStyle/>
+          <a:p>
+            <a:pPr marL="0" marR="0" lvl="0" indent="0" algn="l" defTabSz="914400" rtl="0" eaLnBrk="1" fontAlgn="auto" latinLnBrk="0" hangingPunct="1">
+              <a:lnSpc>
+                <a:spcPct val="100000"/>
+              </a:lnSpc>
+              <a:spcBef>
+                <a:spcPts val="0"/>
+              </a:spcBef>
+              <a:spcAft>
+                <a:spcPts val="0"/>
+              </a:spcAft>
+              <a:buClrTx/>
+              <a:buSzTx/>
+              <a:buFontTx/>
+              <a:buNone/>
+              <a:tabLst/>
+              <a:defRPr/>
+            </a:pPr>
+            <a:r>
+              <a:rPr lang="en-US" sz="1200" b="0" i="0" kern="1200" dirty="0">
+                <a:solidFill>
+                  <a:schemeClr val="tx1"/>
+                </a:solidFill>
+                <a:effectLst/>
+                <a:latin typeface="+mn-lt"/>
+                <a:ea typeface="+mn-ea"/>
+                <a:cs typeface="+mn-cs"/>
+              </a:rPr>
+              <a:t>This criterion is linked to a Learning Outcome</a:t>
+            </a:r>
+          </a:p>
+          <a:p>
+            <a:pPr marL="0" marR="0" lvl="0" indent="0" algn="l" defTabSz="914400" rtl="0" eaLnBrk="1" fontAlgn="auto" latinLnBrk="0" hangingPunct="1">
+              <a:lnSpc>
+                <a:spcPct val="100000"/>
+              </a:lnSpc>
+              <a:spcBef>
+                <a:spcPts val="0"/>
+              </a:spcBef>
+              <a:spcAft>
+                <a:spcPts val="0"/>
+              </a:spcAft>
+              <a:buClrTx/>
+              <a:buSzTx/>
+              <a:buFontTx/>
+              <a:buNone/>
+              <a:tabLst/>
+              <a:defRPr/>
+            </a:pPr>
+            <a:r>
+              <a:rPr lang="en-US" sz="1200" b="0" i="0" kern="1200" dirty="0">
+                <a:solidFill>
+                  <a:schemeClr val="tx1"/>
+                </a:solidFill>
+                <a:effectLst/>
+                <a:latin typeface="+mn-lt"/>
+                <a:ea typeface="+mn-ea"/>
+                <a:cs typeface="+mn-cs"/>
+              </a:rPr>
+              <a:t>Results and discussion of results</a:t>
+            </a:r>
+          </a:p>
+          <a:p>
+            <a:pPr marL="0" marR="0" lvl="0" indent="0" algn="l" defTabSz="914400" rtl="0" eaLnBrk="1" fontAlgn="auto" latinLnBrk="0" hangingPunct="1">
+              <a:lnSpc>
+                <a:spcPct val="100000"/>
+              </a:lnSpc>
+              <a:spcBef>
+                <a:spcPts val="0"/>
+              </a:spcBef>
+              <a:spcAft>
+                <a:spcPts val="0"/>
+              </a:spcAft>
+              <a:buClrTx/>
+              <a:buSzTx/>
+              <a:buFontTx/>
+              <a:buNone/>
+              <a:tabLst/>
+              <a:defRPr/>
+            </a:pPr>
+            <a:r>
+              <a:rPr lang="en-US" sz="1200" b="0" i="0" kern="1200" dirty="0">
+                <a:solidFill>
+                  <a:schemeClr val="tx1"/>
+                </a:solidFill>
+                <a:effectLst/>
+                <a:latin typeface="+mn-lt"/>
+                <a:ea typeface="+mn-ea"/>
+                <a:cs typeface="+mn-cs"/>
+              </a:rPr>
+              <a:t>Expectations here are to provide the following in sections and subsections:</a:t>
+            </a:r>
+            <a:br>
+              <a:rPr lang="en-US" sz="1200" b="0" i="0" kern="1200" dirty="0">
+                <a:solidFill>
+                  <a:schemeClr val="tx1"/>
+                </a:solidFill>
+                <a:effectLst/>
+                <a:latin typeface="+mn-lt"/>
+                <a:ea typeface="+mn-ea"/>
+                <a:cs typeface="+mn-cs"/>
+              </a:rPr>
+            </a:br>
+            <a:br>
+              <a:rPr lang="en-US" sz="1200" b="0" i="0" kern="1200" dirty="0">
+                <a:solidFill>
+                  <a:schemeClr val="tx1"/>
+                </a:solidFill>
+                <a:effectLst/>
+                <a:latin typeface="+mn-lt"/>
+                <a:ea typeface="+mn-ea"/>
+                <a:cs typeface="+mn-cs"/>
+              </a:rPr>
+            </a:br>
+            <a:r>
+              <a:rPr lang="en-US" sz="1200" b="0" i="0" kern="1200" dirty="0">
+                <a:solidFill>
+                  <a:schemeClr val="tx1"/>
+                </a:solidFill>
+                <a:effectLst/>
+                <a:latin typeface="+mn-lt"/>
+                <a:ea typeface="+mn-ea"/>
+                <a:cs typeface="+mn-cs"/>
+              </a:rPr>
+              <a:t>Discussion’s aim is result interpretation, which means explain, </a:t>
+            </a:r>
+            <a:r>
+              <a:rPr lang="en-US" sz="1200" b="0" i="0" kern="1200" dirty="0" err="1">
+                <a:solidFill>
+                  <a:schemeClr val="tx1"/>
+                </a:solidFill>
+                <a:effectLst/>
+                <a:latin typeface="+mn-lt"/>
+                <a:ea typeface="+mn-ea"/>
+                <a:cs typeface="+mn-cs"/>
+              </a:rPr>
+              <a:t>analyse</a:t>
+            </a:r>
+            <a:r>
+              <a:rPr lang="en-US" sz="1200" b="0" i="0" kern="1200" dirty="0">
+                <a:solidFill>
+                  <a:schemeClr val="tx1"/>
+                </a:solidFill>
+                <a:effectLst/>
+                <a:latin typeface="+mn-lt"/>
+                <a:ea typeface="+mn-ea"/>
+                <a:cs typeface="+mn-cs"/>
+              </a:rPr>
+              <a:t>, and compare them. Often, this part is the most important, simply because it lets the researcher take a step back and give a broader look at the experiment. Do not discuss any outcomes not presented in the results part.</a:t>
+            </a:r>
+          </a:p>
+          <a:p>
+            <a:endParaRPr lang="en-US" dirty="0"/>
+          </a:p>
+        </p:txBody>
+      </p:sp>
+      <p:sp>
+        <p:nvSpPr>
+          <p:cNvPr id="4" name="Slide Number Placeholder 3"/>
+          <p:cNvSpPr>
+            <a:spLocks noGrp="1"/>
+          </p:cNvSpPr>
+          <p:nvPr>
+            <p:ph type="sldNum" sz="quarter" idx="5"/>
+          </p:nvPr>
+        </p:nvSpPr>
+        <p:spPr/>
+        <p:txBody>
+          <a:bodyPr/>
+          <a:lstStyle/>
+          <a:p>
+            <a:fld id="{25E2E259-F0C1-274B-BB83-2518BC0EEFC9}" type="slidenum">
+              <a:rPr lang="en-US" smtClean="0"/>
+              <a:t>9</a:t>
+            </a:fld>
+            <a:endParaRPr lang="en-US"/>
+          </a:p>
+        </p:txBody>
+      </p:sp>
+    </p:spTree>
+    <p:extLst>
+      <p:ext uri="{BB962C8B-B14F-4D97-AF65-F5344CB8AC3E}">
+        <p14:creationId xmlns:p14="http://schemas.microsoft.com/office/powerpoint/2010/main" val="710768679"/>
+      </p:ext>
+    </p:extLst>
+  </p:cSld>
+  <p:clrMapOvr>
+    <a:masterClrMapping/>
+  </p:clrMapOvr>
+</p:notes>
+</file>
+
+<file path=ppt/notesSlides/notesSlide9.xml><?xml version="1.0" encoding="utf-8"?>
+<p:notes xmlns:a="http://schemas.openxmlformats.org/drawingml/2006/main" xmlns:r="http://schemas.openxmlformats.org/officeDocument/2006/relationships" xmlns:p="http://schemas.openxmlformats.org/presentationml/2006/main">
+  <p:cSld>
+    <p:spTree>
+      <p:nvGrpSpPr>
+        <p:cNvPr id="1" name=""/>
+        <p:cNvGrpSpPr/>
+        <p:nvPr/>
+      </p:nvGrpSpPr>
+      <p:grpSpPr>
+        <a:xfrm>
+          <a:off x="0" y="0"/>
+          <a:ext cx="0" cy="0"/>
+          <a:chOff x="0" y="0"/>
+          <a:chExt cx="0" cy="0"/>
+        </a:xfrm>
+      </p:grpSpPr>
+      <p:sp>
+        <p:nvSpPr>
+          <p:cNvPr id="2" name="Slide Image Placeholder 1"/>
+          <p:cNvSpPr>
+            <a:spLocks noGrp="1" noRot="1" noChangeAspect="1"/>
+          </p:cNvSpPr>
+          <p:nvPr>
+            <p:ph type="sldImg"/>
+          </p:nvPr>
+        </p:nvSpPr>
+        <p:spPr/>
+      </p:sp>
+      <p:sp>
+        <p:nvSpPr>
+          <p:cNvPr id="3" name="Notes Placeholder 2"/>
+          <p:cNvSpPr>
+            <a:spLocks noGrp="1"/>
+          </p:cNvSpPr>
+          <p:nvPr>
+            <p:ph type="body" idx="1"/>
+          </p:nvPr>
+        </p:nvSpPr>
+        <p:spPr/>
+        <p:txBody>
+          <a:bodyPr/>
+          <a:lstStyle/>
+          <a:p>
+            <a:pPr marL="0" marR="0" lvl="0" indent="0" algn="l" defTabSz="914400" rtl="0" eaLnBrk="1" fontAlgn="auto" latinLnBrk="0" hangingPunct="1">
+              <a:lnSpc>
+                <a:spcPct val="100000"/>
+              </a:lnSpc>
+              <a:spcBef>
+                <a:spcPts val="0"/>
+              </a:spcBef>
+              <a:spcAft>
+                <a:spcPts val="0"/>
+              </a:spcAft>
+              <a:buClrTx/>
+              <a:buSzTx/>
+              <a:buFontTx/>
+              <a:buNone/>
+              <a:tabLst/>
+              <a:defRPr/>
+            </a:pPr>
+            <a:r>
+              <a:rPr lang="en-US" sz="1200" b="0" i="0" kern="1200" dirty="0" err="1">
+                <a:solidFill>
+                  <a:schemeClr val="tx1"/>
+                </a:solidFill>
+                <a:effectLst/>
+                <a:latin typeface="+mn-lt"/>
+                <a:ea typeface="+mn-ea"/>
+                <a:cs typeface="+mn-cs"/>
+              </a:rPr>
+              <a:t>ConclusionExpectations</a:t>
+            </a:r>
+            <a:r>
+              <a:rPr lang="en-US" sz="1200" b="0" i="0" kern="1200" dirty="0">
+                <a:solidFill>
+                  <a:schemeClr val="tx1"/>
+                </a:solidFill>
+                <a:effectLst/>
+                <a:latin typeface="+mn-lt"/>
+                <a:ea typeface="+mn-ea"/>
+                <a:cs typeface="+mn-cs"/>
+              </a:rPr>
+              <a:t> here are to address the following following in your conclusion (in about 150 words) in a main section by itself:</a:t>
+            </a:r>
+            <a:br>
+              <a:rPr lang="en-US" sz="1200" b="0" i="0" kern="1200" dirty="0">
+                <a:solidFill>
+                  <a:schemeClr val="tx1"/>
+                </a:solidFill>
+                <a:effectLst/>
+                <a:latin typeface="+mn-lt"/>
+                <a:ea typeface="+mn-ea"/>
+                <a:cs typeface="+mn-cs"/>
+              </a:rPr>
+            </a:br>
+            <a:br>
+              <a:rPr lang="en-US" sz="1200" b="0" i="0" kern="1200" dirty="0">
+                <a:solidFill>
+                  <a:schemeClr val="tx1"/>
+                </a:solidFill>
+                <a:effectLst/>
+                <a:latin typeface="+mn-lt"/>
+                <a:ea typeface="+mn-ea"/>
+                <a:cs typeface="+mn-cs"/>
+              </a:rPr>
+            </a:br>
+            <a:r>
+              <a:rPr lang="en-US" sz="1200" b="0" i="0" kern="1200" dirty="0">
+                <a:solidFill>
+                  <a:schemeClr val="tx1"/>
+                </a:solidFill>
+                <a:effectLst/>
+                <a:latin typeface="+mn-lt"/>
+                <a:ea typeface="+mn-ea"/>
+                <a:cs typeface="+mn-cs"/>
+              </a:rPr>
+              <a:t>-- Restate your project focus explain why it’s important. Make sure that this part of the conclusion is concise and clear.</a:t>
+            </a:r>
+            <a:br>
+              <a:rPr lang="en-US" sz="1200" b="0" i="0" kern="1200" dirty="0">
+                <a:solidFill>
+                  <a:schemeClr val="tx1"/>
+                </a:solidFill>
+                <a:effectLst/>
+                <a:latin typeface="+mn-lt"/>
+                <a:ea typeface="+mn-ea"/>
+                <a:cs typeface="+mn-cs"/>
+              </a:rPr>
+            </a:br>
+            <a:br>
+              <a:rPr lang="en-US" sz="1200" b="0" i="0" kern="1200" dirty="0">
+                <a:solidFill>
+                  <a:schemeClr val="tx1"/>
+                </a:solidFill>
+                <a:effectLst/>
+                <a:latin typeface="+mn-lt"/>
+                <a:ea typeface="+mn-ea"/>
+                <a:cs typeface="+mn-cs"/>
+              </a:rPr>
+            </a:br>
+            <a:r>
+              <a:rPr lang="en-US" sz="1200" b="0" i="0" kern="1200" dirty="0">
+                <a:solidFill>
+                  <a:schemeClr val="tx1"/>
+                </a:solidFill>
+                <a:effectLst/>
+                <a:latin typeface="+mn-lt"/>
+                <a:ea typeface="+mn-ea"/>
+                <a:cs typeface="+mn-cs"/>
+              </a:rPr>
+              <a:t>-- Restate your hypothesis (e.g., ML pipelines with custom features can accurately forecast box office returns)</a:t>
+            </a:r>
+            <a:br>
+              <a:rPr lang="en-US" sz="1200" b="0" i="0" kern="1200" dirty="0">
+                <a:solidFill>
+                  <a:schemeClr val="tx1"/>
+                </a:solidFill>
+                <a:effectLst/>
+                <a:latin typeface="+mn-lt"/>
+                <a:ea typeface="+mn-ea"/>
+                <a:cs typeface="+mn-cs"/>
+              </a:rPr>
+            </a:br>
+            <a:br>
+              <a:rPr lang="en-US" sz="1200" b="0" i="0" kern="1200" dirty="0">
+                <a:solidFill>
+                  <a:schemeClr val="tx1"/>
+                </a:solidFill>
+                <a:effectLst/>
+                <a:latin typeface="+mn-lt"/>
+                <a:ea typeface="+mn-ea"/>
+                <a:cs typeface="+mn-cs"/>
+              </a:rPr>
+            </a:br>
+            <a:r>
+              <a:rPr lang="en-US" sz="1200" b="0" i="0" kern="1200" dirty="0">
+                <a:solidFill>
+                  <a:schemeClr val="tx1"/>
+                </a:solidFill>
+                <a:effectLst/>
+                <a:latin typeface="+mn-lt"/>
+                <a:ea typeface="+mn-ea"/>
+                <a:cs typeface="+mn-cs"/>
+              </a:rPr>
+              <a:t>-- Summarize main points of your project: Remind your readers your key points.</a:t>
+            </a:r>
+            <a:br>
+              <a:rPr lang="en-US" sz="1200" b="0" i="0" kern="1200" dirty="0">
+                <a:solidFill>
+                  <a:schemeClr val="tx1"/>
+                </a:solidFill>
+                <a:effectLst/>
+                <a:latin typeface="+mn-lt"/>
+                <a:ea typeface="+mn-ea"/>
+                <a:cs typeface="+mn-cs"/>
+              </a:rPr>
+            </a:br>
+            <a:br>
+              <a:rPr lang="en-US" sz="1200" b="0" i="0" kern="1200" dirty="0">
+                <a:solidFill>
+                  <a:schemeClr val="tx1"/>
+                </a:solidFill>
+                <a:effectLst/>
+                <a:latin typeface="+mn-lt"/>
+                <a:ea typeface="+mn-ea"/>
+                <a:cs typeface="+mn-cs"/>
+              </a:rPr>
+            </a:br>
+            <a:r>
+              <a:rPr lang="en-US" sz="1200" b="0" i="0" kern="1200" dirty="0">
+                <a:solidFill>
+                  <a:schemeClr val="tx1"/>
+                </a:solidFill>
+                <a:effectLst/>
+                <a:latin typeface="+mn-lt"/>
+                <a:ea typeface="+mn-ea"/>
+                <a:cs typeface="+mn-cs"/>
+              </a:rPr>
+              <a:t>-- Discuss the significance of your results</a:t>
+            </a:r>
+            <a:br>
+              <a:rPr lang="en-US" sz="1200" b="0" i="0" kern="1200" dirty="0">
+                <a:solidFill>
+                  <a:schemeClr val="tx1"/>
+                </a:solidFill>
+                <a:effectLst/>
+                <a:latin typeface="+mn-lt"/>
+                <a:ea typeface="+mn-ea"/>
+                <a:cs typeface="+mn-cs"/>
+              </a:rPr>
+            </a:br>
+            <a:br>
+              <a:rPr lang="en-US" sz="1200" b="0" i="0" kern="1200" dirty="0">
+                <a:solidFill>
+                  <a:schemeClr val="tx1"/>
+                </a:solidFill>
+                <a:effectLst/>
+                <a:latin typeface="+mn-lt"/>
+                <a:ea typeface="+mn-ea"/>
+                <a:cs typeface="+mn-cs"/>
+              </a:rPr>
+            </a:br>
+            <a:r>
+              <a:rPr lang="en-US" sz="1200" b="0" i="0" kern="1200" dirty="0">
+                <a:solidFill>
+                  <a:schemeClr val="tx1"/>
+                </a:solidFill>
+                <a:effectLst/>
+                <a:latin typeface="+mn-lt"/>
+                <a:ea typeface="+mn-ea"/>
+                <a:cs typeface="+mn-cs"/>
+              </a:rPr>
+              <a:t>-- Discuss the future of your project and closing thoughts.</a:t>
+            </a:r>
+          </a:p>
+          <a:p>
+            <a:endParaRPr lang="en-US" dirty="0"/>
+          </a:p>
+        </p:txBody>
+      </p:sp>
+      <p:sp>
+        <p:nvSpPr>
+          <p:cNvPr id="4" name="Slide Number Placeholder 3"/>
+          <p:cNvSpPr>
+            <a:spLocks noGrp="1"/>
+          </p:cNvSpPr>
+          <p:nvPr>
+            <p:ph type="sldNum" sz="quarter" idx="5"/>
+          </p:nvPr>
+        </p:nvSpPr>
+        <p:spPr/>
+        <p:txBody>
+          <a:bodyPr/>
+          <a:lstStyle/>
+          <a:p>
+            <a:fld id="{25E2E259-F0C1-274B-BB83-2518BC0EEFC9}" type="slidenum">
+              <a:rPr lang="en-US" smtClean="0"/>
+              <a:t>10</a:t>
             </a:fld>
             <a:endParaRPr lang="en-US"/>
           </a:p>
@@ -2840,7 +3509,7 @@
           <a:effectLst/>
           <a:extLst>
             <a:ext uri="{91240B29-F687-4f45-9708-019B960494DF}">
-              <a14:hiddenLine xmlns:a14="http://schemas.microsoft.com/office/drawing/2010/main" xmlns="" w="9525">
+              <a14:hiddenLine xmlns="" xmlns:a14="http://schemas.microsoft.com/office/drawing/2010/main" w="9525">
                 <a:solidFill>
                   <a:srgbClr val="000000"/>
                 </a:solidFill>
@@ -3032,7 +3701,7 @@
           <a:p>
             <a:fld id="{173EB323-9D5E-2047-A0AF-D762DA7A1F92}" type="datetimeFigureOut">
               <a:rPr lang="en-US" smtClean="0"/>
-              <a:t>4/17/21</a:t>
+              <a:t>4/20/21</a:t>
             </a:fld>
             <a:endParaRPr lang="en-US"/>
           </a:p>
@@ -3350,7 +4019,7 @@
           <a:p>
             <a:fld id="{173EB323-9D5E-2047-A0AF-D762DA7A1F92}" type="datetimeFigureOut">
               <a:rPr lang="en-US" smtClean="0"/>
-              <a:t>4/17/21</a:t>
+              <a:t>4/20/21</a:t>
             </a:fld>
             <a:endParaRPr lang="en-US"/>
           </a:p>
@@ -3838,7 +4507,7 @@
           <a:p>
             <a:fld id="{173EB323-9D5E-2047-A0AF-D762DA7A1F92}" type="datetimeFigureOut">
               <a:rPr lang="en-US" smtClean="0"/>
-              <a:t>4/17/21</a:t>
+              <a:t>4/20/21</a:t>
             </a:fld>
             <a:endParaRPr lang="en-US"/>
           </a:p>
@@ -4207,7 +4876,7 @@
           <a:p>
             <a:fld id="{173EB323-9D5E-2047-A0AF-D762DA7A1F92}" type="datetimeFigureOut">
               <a:rPr lang="en-US" smtClean="0"/>
-              <a:t>4/17/21</a:t>
+              <a:t>4/20/21</a:t>
             </a:fld>
             <a:endParaRPr lang="en-US"/>
           </a:p>
@@ -4362,7 +5031,7 @@
           <a:ln/>
           <a:extLst>
             <a:ext uri="{91240B29-F687-4f45-9708-019B960494DF}">
-              <a14:hiddenLine xmlns:a14="http://schemas.microsoft.com/office/drawing/2010/main" xmlns="" w="9525">
+              <a14:hiddenLine xmlns="" xmlns:a14="http://schemas.microsoft.com/office/drawing/2010/main" w="9525">
                 <a:solidFill>
                   <a:srgbClr val="000000"/>
                 </a:solidFill>
@@ -4480,7 +5149,7 @@
           <a:p>
             <a:fld id="{173EB323-9D5E-2047-A0AF-D762DA7A1F92}" type="datetimeFigureOut">
               <a:rPr lang="en-US" smtClean="0"/>
-              <a:t>4/17/21</a:t>
+              <a:t>4/20/21</a:t>
             </a:fld>
             <a:endParaRPr lang="en-US"/>
           </a:p>
@@ -4637,7 +5306,7 @@
           <a:ln/>
           <a:extLst>
             <a:ext uri="{91240B29-F687-4f45-9708-019B960494DF}">
-              <a14:hiddenLine xmlns:a14="http://schemas.microsoft.com/office/drawing/2010/main" xmlns="" w="9525">
+              <a14:hiddenLine xmlns="" xmlns:a14="http://schemas.microsoft.com/office/drawing/2010/main" w="9525">
                 <a:solidFill>
                   <a:srgbClr val="000000"/>
                 </a:solidFill>
@@ -4765,7 +5434,7 @@
           <a:p>
             <a:fld id="{173EB323-9D5E-2047-A0AF-D762DA7A1F92}" type="datetimeFigureOut">
               <a:rPr lang="en-US" smtClean="0"/>
-              <a:t>4/17/21</a:t>
+              <a:t>4/20/21</a:t>
             </a:fld>
             <a:endParaRPr lang="en-US"/>
           </a:p>
@@ -4920,7 +5589,7 @@
           <a:ln/>
           <a:extLst>
             <a:ext uri="{91240B29-F687-4f45-9708-019B960494DF}">
-              <a14:hiddenLine xmlns:a14="http://schemas.microsoft.com/office/drawing/2010/main" xmlns="" w="9525">
+              <a14:hiddenLine xmlns="" xmlns:a14="http://schemas.microsoft.com/office/drawing/2010/main" w="9525">
                 <a:solidFill>
                   <a:srgbClr val="000000"/>
                 </a:solidFill>
@@ -5048,7 +5717,7 @@
           <a:p>
             <a:fld id="{173EB323-9D5E-2047-A0AF-D762DA7A1F92}" type="datetimeFigureOut">
               <a:rPr lang="en-US" smtClean="0"/>
-              <a:t>4/17/21</a:t>
+              <a:t>4/20/21</a:t>
             </a:fld>
             <a:endParaRPr lang="en-US"/>
           </a:p>
@@ -5391,7 +6060,7 @@
           <a:p>
             <a:fld id="{173EB323-9D5E-2047-A0AF-D762DA7A1F92}" type="datetimeFigureOut">
               <a:rPr lang="en-US" smtClean="0"/>
-              <a:t>4/17/21</a:t>
+              <a:t>4/20/21</a:t>
             </a:fld>
             <a:endParaRPr lang="en-US"/>
           </a:p>
@@ -5546,7 +6215,7 @@
           <a:ln/>
           <a:extLst>
             <a:ext uri="{91240B29-F687-4f45-9708-019B960494DF}">
-              <a14:hiddenLine xmlns:a14="http://schemas.microsoft.com/office/drawing/2010/main" xmlns="" w="9525">
+              <a14:hiddenLine xmlns="" xmlns:a14="http://schemas.microsoft.com/office/drawing/2010/main" w="9525">
                 <a:solidFill>
                   <a:srgbClr val="000000"/>
                 </a:solidFill>
@@ -5730,7 +6399,7 @@
           <a:p>
             <a:fld id="{173EB323-9D5E-2047-A0AF-D762DA7A1F92}" type="datetimeFigureOut">
               <a:rPr lang="en-US" smtClean="0"/>
-              <a:t>4/17/21</a:t>
+              <a:t>4/20/21</a:t>
             </a:fld>
             <a:endParaRPr lang="en-US"/>
           </a:p>
@@ -5885,7 +6554,7 @@
           <a:ln/>
           <a:extLst>
             <a:ext uri="{91240B29-F687-4f45-9708-019B960494DF}">
-              <a14:hiddenLine xmlns:a14="http://schemas.microsoft.com/office/drawing/2010/main" xmlns="" w="9525">
+              <a14:hiddenLine xmlns="" xmlns:a14="http://schemas.microsoft.com/office/drawing/2010/main" w="9525">
                 <a:solidFill>
                   <a:srgbClr val="000000"/>
                 </a:solidFill>
@@ -6207,7 +6876,7 @@
           <a:p>
             <a:fld id="{173EB323-9D5E-2047-A0AF-D762DA7A1F92}" type="datetimeFigureOut">
               <a:rPr lang="en-US" smtClean="0"/>
-              <a:t>4/17/21</a:t>
+              <a:t>4/20/21</a:t>
             </a:fld>
             <a:endParaRPr lang="en-US"/>
           </a:p>
@@ -6362,7 +7031,7 @@
           <a:ln/>
           <a:extLst>
             <a:ext uri="{91240B29-F687-4f45-9708-019B960494DF}">
-              <a14:hiddenLine xmlns:a14="http://schemas.microsoft.com/office/drawing/2010/main" xmlns="" w="9525">
+              <a14:hiddenLine xmlns="" xmlns:a14="http://schemas.microsoft.com/office/drawing/2010/main" w="9525">
                 <a:solidFill>
                   <a:srgbClr val="000000"/>
                 </a:solidFill>
@@ -6428,7 +7097,7 @@
           <a:p>
             <a:fld id="{173EB323-9D5E-2047-A0AF-D762DA7A1F92}" type="datetimeFigureOut">
               <a:rPr lang="en-US" smtClean="0"/>
-              <a:t>4/17/21</a:t>
+              <a:t>4/20/21</a:t>
             </a:fld>
             <a:endParaRPr lang="en-US"/>
           </a:p>
@@ -6523,7 +7192,7 @@
           <a:p>
             <a:fld id="{173EB323-9D5E-2047-A0AF-D762DA7A1F92}" type="datetimeFigureOut">
               <a:rPr lang="en-US" smtClean="0"/>
-              <a:t>4/17/21</a:t>
+              <a:t>4/20/21</a:t>
             </a:fld>
             <a:endParaRPr lang="en-US"/>
           </a:p>
@@ -6791,7 +7460,7 @@
           <a:ln/>
           <a:extLst>
             <a:ext uri="{91240B29-F687-4f45-9708-019B960494DF}">
-              <a14:hiddenLine xmlns:a14="http://schemas.microsoft.com/office/drawing/2010/main" xmlns="" w="9525">
+              <a14:hiddenLine xmlns="" xmlns:a14="http://schemas.microsoft.com/office/drawing/2010/main" w="9525">
                 <a:solidFill>
                   <a:srgbClr val="000000"/>
                 </a:solidFill>
@@ -6990,7 +7659,7 @@
           <a:p>
             <a:fld id="{173EB323-9D5E-2047-A0AF-D762DA7A1F92}" type="datetimeFigureOut">
               <a:rPr lang="en-US" smtClean="0"/>
-              <a:t>4/17/21</a:t>
+              <a:t>4/20/21</a:t>
             </a:fld>
             <a:endParaRPr lang="en-US"/>
           </a:p>
@@ -7303,7 +7972,7 @@
           <a:p>
             <a:fld id="{173EB323-9D5E-2047-A0AF-D762DA7A1F92}" type="datetimeFigureOut">
               <a:rPr lang="en-US" smtClean="0"/>
-              <a:t>4/17/21</a:t>
+              <a:t>4/20/21</a:t>
             </a:fld>
             <a:endParaRPr lang="en-US"/>
           </a:p>
@@ -7573,7 +8242,7 @@
           <a:p>
             <a:fld id="{173EB323-9D5E-2047-A0AF-D762DA7A1F92}" type="datetimeFigureOut">
               <a:rPr lang="en-US" smtClean="0"/>
-              <a:t>4/17/21</a:t>
+              <a:t>4/20/21</a:t>
             </a:fld>
             <a:endParaRPr lang="en-US"/>
           </a:p>
@@ -8352,6 +9021,254 @@
 </p:sld>
 </file>
 
+<file path=ppt/slides/slide10.xml><?xml version="1.0" encoding="utf-8"?>
+<p:sld xmlns:a="http://schemas.openxmlformats.org/drawingml/2006/main" xmlns:r="http://schemas.openxmlformats.org/officeDocument/2006/relationships" xmlns:p="http://schemas.openxmlformats.org/presentationml/2006/main">
+  <p:cSld>
+    <p:spTree>
+      <p:nvGrpSpPr>
+        <p:cNvPr id="1" name=""/>
+        <p:cNvGrpSpPr/>
+        <p:nvPr/>
+      </p:nvGrpSpPr>
+      <p:grpSpPr>
+        <a:xfrm>
+          <a:off x="0" y="0"/>
+          <a:ext cx="0" cy="0"/>
+          <a:chOff x="0" y="0"/>
+          <a:chExt cx="0" cy="0"/>
+        </a:xfrm>
+      </p:grpSpPr>
+      <p:sp>
+        <p:nvSpPr>
+          <p:cNvPr id="4" name="Title 3">
+            <a:extLst>
+              <a:ext uri="{FF2B5EF4-FFF2-40B4-BE49-F238E27FC236}">
+                <a16:creationId xmlns:a16="http://schemas.microsoft.com/office/drawing/2014/main" id="{EC0AB149-B447-AF4B-8887-B5326C0403CA}"/>
+              </a:ext>
+            </a:extLst>
+          </p:cNvPr>
+          <p:cNvSpPr>
+            <a:spLocks noGrp="1"/>
+          </p:cNvSpPr>
+          <p:nvPr>
+            <p:ph type="title"/>
+          </p:nvPr>
+        </p:nvSpPr>
+        <p:spPr>
+          <a:xfrm>
+            <a:off x="810000" y="0"/>
+            <a:ext cx="10561418" cy="966158"/>
+          </a:xfrm>
+        </p:spPr>
+        <p:txBody>
+          <a:bodyPr anchor="t"/>
+          <a:lstStyle/>
+          <a:p>
+            <a:pPr algn="l"/>
+            <a:r>
+              <a:rPr lang="en-US" dirty="0"/>
+              <a:t>Conclusion </a:t>
+            </a:r>
+            <a:r>
+              <a:rPr lang="en-US" sz="2400" dirty="0"/>
+              <a:t>- </a:t>
+            </a:r>
+            <a:r>
+              <a:rPr lang="en-US" sz="2400" dirty="0">
+                <a:solidFill>
+                  <a:schemeClr val="accent1">
+                    <a:lumMod val="50000"/>
+                  </a:schemeClr>
+                </a:solidFill>
+              </a:rPr>
+              <a:t>Ben</a:t>
+            </a:r>
+            <a:endParaRPr lang="en-US" sz="2400" dirty="0"/>
+          </a:p>
+        </p:txBody>
+      </p:sp>
+      <p:sp>
+        <p:nvSpPr>
+          <p:cNvPr id="5" name="Text Placeholder 4">
+            <a:extLst>
+              <a:ext uri="{FF2B5EF4-FFF2-40B4-BE49-F238E27FC236}">
+                <a16:creationId xmlns:a16="http://schemas.microsoft.com/office/drawing/2014/main" id="{55E1DCA8-3A3A-A244-9131-8F06A16B2D32}"/>
+              </a:ext>
+            </a:extLst>
+          </p:cNvPr>
+          <p:cNvSpPr>
+            <a:spLocks noGrp="1"/>
+          </p:cNvSpPr>
+          <p:nvPr>
+            <p:ph type="body" idx="1"/>
+          </p:nvPr>
+        </p:nvSpPr>
+        <p:spPr/>
+        <p:txBody>
+          <a:bodyPr/>
+          <a:lstStyle/>
+          <a:p>
+            <a:r>
+              <a:rPr lang="en-US" dirty="0"/>
+              <a:t>Next Steps:</a:t>
+            </a:r>
+          </a:p>
+          <a:p>
+            <a:r>
+              <a:rPr lang="en-US" dirty="0"/>
+              <a:t>Develop  unsupervised machine learning models in </a:t>
+            </a:r>
+            <a:r>
+              <a:rPr lang="en-US" dirty="0" err="1"/>
+              <a:t>PyTorch</a:t>
+            </a:r>
+            <a:br>
+              <a:rPr lang="en-US" dirty="0"/>
+            </a:br>
+            <a:r>
+              <a:rPr lang="en-US" dirty="0"/>
+              <a:t>to better predict bounding boxes and image classes.  </a:t>
+            </a:r>
+          </a:p>
+        </p:txBody>
+      </p:sp>
+      <p:sp>
+        <p:nvSpPr>
+          <p:cNvPr id="6" name="TextBox 5">
+            <a:extLst>
+              <a:ext uri="{FF2B5EF4-FFF2-40B4-BE49-F238E27FC236}">
+                <a16:creationId xmlns:a16="http://schemas.microsoft.com/office/drawing/2014/main" id="{32DEDE8E-EB7C-6548-9161-48A7D91BC726}"/>
+              </a:ext>
+            </a:extLst>
+          </p:cNvPr>
+          <p:cNvSpPr txBox="1"/>
+          <p:nvPr/>
+        </p:nvSpPr>
+        <p:spPr>
+          <a:xfrm>
+            <a:off x="1155939" y="966158"/>
+            <a:ext cx="9558068" cy="3139321"/>
+          </a:xfrm>
+          <a:prstGeom prst="rect">
+            <a:avLst/>
+          </a:prstGeom>
+          <a:noFill/>
+        </p:spPr>
+        <p:txBody>
+          <a:bodyPr wrap="square" rtlCol="0">
+            <a:spAutoFit/>
+          </a:bodyPr>
+          <a:lstStyle/>
+          <a:p>
+            <a:r>
+              <a:rPr lang="en-US" dirty="0">
+                <a:solidFill>
+                  <a:schemeClr val="bg1"/>
+                </a:solidFill>
+              </a:rPr>
+              <a:t>Conclusion should be 150 words</a:t>
+            </a:r>
+          </a:p>
+          <a:p>
+            <a:endParaRPr lang="en-US" dirty="0">
+              <a:solidFill>
+                <a:schemeClr val="bg1"/>
+              </a:solidFill>
+            </a:endParaRPr>
+          </a:p>
+          <a:p>
+            <a:r>
+              <a:rPr lang="en-US" dirty="0">
+                <a:solidFill>
+                  <a:schemeClr val="bg1"/>
+                </a:solidFill>
+              </a:rPr>
+              <a:t>Restate project focus &amp; why important.</a:t>
+            </a:r>
+          </a:p>
+          <a:p>
+            <a:endParaRPr lang="en-US" dirty="0">
+              <a:solidFill>
+                <a:schemeClr val="bg1"/>
+              </a:solidFill>
+            </a:endParaRPr>
+          </a:p>
+          <a:p>
+            <a:r>
+              <a:rPr lang="en-US" dirty="0">
+                <a:solidFill>
+                  <a:schemeClr val="bg1"/>
+                </a:solidFill>
+              </a:rPr>
+              <a:t>Restate hypothesis. </a:t>
+            </a:r>
+          </a:p>
+          <a:p>
+            <a:endParaRPr lang="en-US" dirty="0">
+              <a:solidFill>
+                <a:schemeClr val="bg1"/>
+              </a:solidFill>
+            </a:endParaRPr>
+          </a:p>
+          <a:p>
+            <a:r>
+              <a:rPr lang="en-US" dirty="0">
+                <a:solidFill>
+                  <a:schemeClr val="bg1"/>
+                </a:solidFill>
+              </a:rPr>
+              <a:t>Summarize main points.</a:t>
+            </a:r>
+          </a:p>
+          <a:p>
+            <a:endParaRPr lang="en-US" dirty="0">
+              <a:solidFill>
+                <a:schemeClr val="bg1"/>
+              </a:solidFill>
+            </a:endParaRPr>
+          </a:p>
+          <a:p>
+            <a:r>
+              <a:rPr lang="en-US" dirty="0">
+                <a:solidFill>
+                  <a:schemeClr val="bg1"/>
+                </a:solidFill>
+              </a:rPr>
+              <a:t>Significance of results?</a:t>
+            </a:r>
+          </a:p>
+          <a:p>
+            <a:endParaRPr lang="en-US" dirty="0">
+              <a:solidFill>
+                <a:schemeClr val="bg1"/>
+              </a:solidFill>
+            </a:endParaRPr>
+          </a:p>
+          <a:p>
+            <a:r>
+              <a:rPr lang="en-US" dirty="0">
+                <a:solidFill>
+                  <a:schemeClr val="bg1"/>
+                </a:solidFill>
+              </a:rPr>
+              <a:t>Future of project (next steps) &amp; closing thoughts.</a:t>
+            </a:r>
+          </a:p>
+        </p:txBody>
+      </p:sp>
+    </p:spTree>
+    <p:extLst>
+      <p:ext uri="{BB962C8B-B14F-4D97-AF65-F5344CB8AC3E}">
+        <p14:creationId xmlns:p14="http://schemas.microsoft.com/office/powerpoint/2010/main" val="4158359496"/>
+      </p:ext>
+    </p:extLst>
+  </p:cSld>
+  <p:clrMapOvr>
+    <a:masterClrMapping/>
+  </p:clrMapOvr>
+</p:sld>
+</file>
+
 <file path=ppt/slides/slide2.xml><?xml version="1.0" encoding="utf-8"?>
 <p:sld xmlns:a="http://schemas.openxmlformats.org/drawingml/2006/main" xmlns:r="http://schemas.openxmlformats.org/officeDocument/2006/relationships" xmlns:p="http://schemas.openxmlformats.org/presentationml/2006/main">
   <p:cSld>
@@ -8392,8 +9309,29 @@
           <a:p>
             <a:r>
               <a:rPr lang="en-US" dirty="0"/>
-              <a:t>Project Overview</a:t>
-            </a:r>
+              <a:t>Abstract </a:t>
+            </a:r>
+            <a:r>
+              <a:rPr lang="en-US" sz="2400" b="0" dirty="0"/>
+              <a:t>- </a:t>
+            </a:r>
+            <a:r>
+              <a:rPr lang="en-US" sz="2400" b="0" dirty="0" err="1">
+                <a:solidFill>
+                  <a:schemeClr val="accent1">
+                    <a:lumMod val="50000"/>
+                  </a:schemeClr>
+                </a:solidFill>
+              </a:rPr>
+              <a:t>Samin</a:t>
+            </a:r>
+            <a:endParaRPr lang="en-US" b="0" dirty="0">
+              <a:solidFill>
+                <a:schemeClr val="accent1">
+                  <a:lumMod val="50000"/>
+                </a:schemeClr>
+              </a:solidFill>
+            </a:endParaRPr>
           </a:p>
         </p:txBody>
       </p:sp>
@@ -8411,8 +9349,8 @@
         </p:nvSpPr>
         <p:spPr>
           <a:xfrm>
-            <a:off x="1518249" y="2708694"/>
-            <a:ext cx="9558068" cy="2585323"/>
+            <a:off x="1673524" y="2363638"/>
+            <a:ext cx="9558068" cy="4585871"/>
           </a:xfrm>
           <a:prstGeom prst="rect">
             <a:avLst/>
@@ -8426,76 +9364,91 @@
           <a:lstStyle/>
           <a:p>
             <a:r>
-              <a:rPr lang="en-US" dirty="0"/>
-              <a:t>Abstract (we must shorten ours to 150 words).</a:t>
-            </a:r>
-          </a:p>
-          <a:p>
-            <a:endParaRPr lang="en-US" dirty="0"/>
-          </a:p>
-          <a:p>
-            <a:r>
-              <a:rPr lang="en-US" dirty="0"/>
-              <a:t>In the next few sections we will describe:</a:t>
-            </a:r>
-          </a:p>
-          <a:p>
-            <a:endParaRPr lang="en-US" dirty="0"/>
-          </a:p>
-          <a:p>
-            <a:pPr marL="285750" indent="-285750">
-              <a:buFont typeface="Arial" panose="020B0604020202020204" pitchFamily="34" charset="0"/>
-              <a:buChar char="•"/>
-            </a:pPr>
-            <a:r>
-              <a:rPr lang="en-US" dirty="0"/>
-              <a:t>Description of Data</a:t>
-            </a:r>
-          </a:p>
-          <a:p>
-            <a:pPr marL="285750" indent="-285750">
-              <a:buFont typeface="Arial" panose="020B0604020202020204" pitchFamily="34" charset="0"/>
-              <a:buChar char="•"/>
-            </a:pPr>
-            <a:r>
-              <a:rPr lang="en-US" dirty="0"/>
-              <a:t>Exploratory Data Analysis</a:t>
-            </a:r>
-          </a:p>
-          <a:p>
-            <a:pPr marL="285750" indent="-285750">
-              <a:buFont typeface="Arial" panose="020B0604020202020204" pitchFamily="34" charset="0"/>
-              <a:buChar char="•"/>
-            </a:pPr>
-            <a:r>
-              <a:rPr lang="en-US" dirty="0"/>
-              <a:t>Modeling </a:t>
-            </a:r>
-            <a:r>
-              <a:rPr lang="en-US" dirty="0" err="1"/>
-              <a:t>PIpeline</a:t>
-            </a:r>
-            <a:endParaRPr lang="en-US" dirty="0"/>
-          </a:p>
-          <a:p>
-            <a:pPr marL="285750" indent="-285750">
-              <a:buFont typeface="Arial" panose="020B0604020202020204" pitchFamily="34" charset="0"/>
-              <a:buChar char="•"/>
-            </a:pPr>
-            <a:r>
-              <a:rPr lang="en-US" dirty="0"/>
-              <a:t>Results &amp; Discussion</a:t>
-            </a:r>
-          </a:p>
-          <a:p>
-            <a:pPr marL="285750" indent="-285750">
-              <a:buFont typeface="Arial" panose="020B0604020202020204" pitchFamily="34" charset="0"/>
-              <a:buChar char="•"/>
-            </a:pPr>
-            <a:r>
-              <a:rPr lang="en-US" dirty="0"/>
-              <a:t>Conclusion &amp; Next Steps</a:t>
-            </a:r>
+              <a:rPr lang="en-US" sz="1600" dirty="0"/>
+              <a:t>One of the fundamental tasks in classifying images is object detection within images. Algorithms often employ a ‘bounding box’ tool. To study bounding boxes, our team first evaluated 3 models with </a:t>
+            </a:r>
+            <a:r>
+              <a:rPr lang="en-US" sz="1600" dirty="0" err="1"/>
+              <a:t>GridSearchCV</a:t>
+            </a:r>
+            <a:r>
+              <a:rPr lang="en-US" sz="1600" dirty="0"/>
+              <a:t>, to be trained on existing bounding box data for the purpose of predicting bounding boxes.  The best model was used for bounding box prediction.</a:t>
+            </a:r>
+          </a:p>
+          <a:p>
+            <a:endParaRPr lang="en-US" sz="1600" dirty="0"/>
+          </a:p>
+          <a:p>
+            <a:r>
+              <a:rPr lang="en-US" sz="1600" dirty="0"/>
+              <a:t>A feature engineering pipeline was created to generate additional numeric features from </a:t>
+            </a:r>
+            <a:r>
+              <a:rPr lang="en-US" sz="1600" dirty="0" err="1"/>
+              <a:t>bbox</a:t>
+            </a:r>
+            <a:r>
+              <a:rPr lang="en-US" sz="1600" dirty="0"/>
+              <a:t> inputs, and then transformed predictions from the </a:t>
+            </a:r>
+            <a:r>
+              <a:rPr lang="en-US" sz="1600" dirty="0" err="1"/>
+              <a:t>bbox</a:t>
+            </a:r>
+            <a:r>
+              <a:rPr lang="en-US" sz="1600" dirty="0"/>
+              <a:t> model for later use in training our classifier.</a:t>
+            </a:r>
+            <a:br>
+              <a:rPr lang="en-US" sz="1600" dirty="0"/>
+            </a:br>
+            <a:br>
+              <a:rPr lang="en-US" sz="1600" dirty="0"/>
+            </a:br>
+            <a:r>
+              <a:rPr lang="en-US" sz="1600" dirty="0"/>
+              <a:t>Next, images were classified </a:t>
+            </a:r>
+            <a:r>
+              <a:rPr lang="en-US" sz="1600" dirty="0" err="1"/>
+              <a:t>as‘cat</a:t>
+            </a:r>
+            <a:r>
+              <a:rPr lang="en-US" sz="1600" dirty="0"/>
+              <a:t>’ or ‘dog’ by two logistic regression models, </a:t>
+            </a:r>
+            <a:r>
+              <a:rPr lang="en-US" sz="1600" dirty="0" err="1"/>
+              <a:t>SciKitLearn</a:t>
+            </a:r>
+            <a:r>
+              <a:rPr lang="en-US" sz="1600" dirty="0"/>
+              <a:t> </a:t>
+            </a:r>
+            <a:r>
+              <a:rPr lang="en-US" sz="1600" dirty="0" err="1"/>
+              <a:t>LogisticRegression</a:t>
+            </a:r>
+            <a:r>
+              <a:rPr lang="en-US" sz="1600" dirty="0"/>
+              <a:t> and a homegrown model, which we evaluated with gradient descent. These models were compared across several scoring methods.</a:t>
+            </a:r>
+          </a:p>
+          <a:p>
+            <a:endParaRPr lang="en-US" sz="1600" dirty="0"/>
+          </a:p>
+          <a:p>
+            <a:r>
+              <a:rPr lang="en-US" sz="1600" dirty="0"/>
+              <a:t>In order to study model performance, we implemented a confusion matrix and studied the area under the curve. Pipelines included localization prediction, feature engineering, and classifier pipelines.  We obtained accuracy of 52% with the homegrown model.</a:t>
+            </a:r>
+          </a:p>
+          <a:p>
+            <a:endParaRPr lang="en-US" sz="1600" dirty="0"/>
+          </a:p>
+          <a:p>
+            <a:endParaRPr lang="en-US" sz="1600" dirty="0"/>
           </a:p>
         </p:txBody>
       </p:sp>
@@ -8531,10 +9484,10 @@
       </p:grpSpPr>
       <p:sp>
         <p:nvSpPr>
-          <p:cNvPr id="2" name="Title 1">
+          <p:cNvPr id="4" name="Title 3">
             <a:extLst>
               <a:ext uri="{FF2B5EF4-FFF2-40B4-BE49-F238E27FC236}">
-                <a16:creationId xmlns:a16="http://schemas.microsoft.com/office/drawing/2014/main" id="{270EC188-A6EC-CA47-B52E-241DA02EA7A9}"/>
+                <a16:creationId xmlns:a16="http://schemas.microsoft.com/office/drawing/2014/main" id="{105F4395-E66D-B146-B970-2F99E542DD8C}"/>
               </a:ext>
             </a:extLst>
           </p:cNvPr>
@@ -8552,191 +9505,175 @@
           <a:p>
             <a:r>
               <a:rPr lang="en-US" dirty="0"/>
-              <a:t>Data &amp; Tasks</a:t>
-            </a:r>
-          </a:p>
-        </p:txBody>
-      </p:sp>
-      <p:sp>
-        <p:nvSpPr>
-          <p:cNvPr id="3" name="Text Placeholder 2">
+              <a:t>Overview</a:t>
+            </a:r>
+            <a:r>
+              <a:rPr lang="en-US" b="0" dirty="0"/>
+              <a:t> </a:t>
+            </a:r>
+            <a:r>
+              <a:rPr lang="en-US" sz="2400" b="0" dirty="0"/>
+              <a:t>- </a:t>
+            </a:r>
+            <a:r>
+              <a:rPr lang="en-US" sz="2400" b="0" dirty="0" err="1">
+                <a:solidFill>
+                  <a:schemeClr val="accent1">
+                    <a:lumMod val="50000"/>
+                  </a:schemeClr>
+                </a:solidFill>
+              </a:rPr>
+              <a:t>Samin</a:t>
+            </a:r>
+            <a:endParaRPr lang="en-US" sz="2400" dirty="0"/>
+          </a:p>
+        </p:txBody>
+      </p:sp>
+      <p:sp>
+        <p:nvSpPr>
+          <p:cNvPr id="5" name="TextBox 4">
             <a:extLst>
               <a:ext uri="{FF2B5EF4-FFF2-40B4-BE49-F238E27FC236}">
-                <a16:creationId xmlns:a16="http://schemas.microsoft.com/office/drawing/2014/main" id="{FB175BCF-07D1-EC4F-B451-933F1AE1A4F3}"/>
+                <a16:creationId xmlns:a16="http://schemas.microsoft.com/office/drawing/2014/main" id="{76681B8C-2CB3-DA4F-9A7C-F10990D6F242}"/>
               </a:ext>
             </a:extLst>
           </p:cNvPr>
-          <p:cNvSpPr>
-            <a:spLocks noGrp="1"/>
-          </p:cNvSpPr>
-          <p:nvPr>
-            <p:ph type="body" idx="1"/>
-          </p:nvPr>
-        </p:nvSpPr>
-        <p:spPr/>
-        <p:txBody>
-          <a:bodyPr/>
-          <a:lstStyle/>
-          <a:p>
-            <a:r>
-              <a:rPr lang="en-US" dirty="0"/>
-              <a:t>Images &amp; CSV Attributes</a:t>
-            </a:r>
-          </a:p>
-        </p:txBody>
-      </p:sp>
-      <p:sp>
-        <p:nvSpPr>
-          <p:cNvPr id="4" name="Content Placeholder 3">
-            <a:extLst>
-              <a:ext uri="{FF2B5EF4-FFF2-40B4-BE49-F238E27FC236}">
-                <a16:creationId xmlns:a16="http://schemas.microsoft.com/office/drawing/2014/main" id="{FBCB5062-A64F-C148-B1C2-CEAC9BB01156}"/>
-              </a:ext>
-            </a:extLst>
-          </p:cNvPr>
-          <p:cNvSpPr>
-            <a:spLocks noGrp="1"/>
-          </p:cNvSpPr>
-          <p:nvPr>
-            <p:ph sz="half" idx="2"/>
-          </p:nvPr>
+          <p:cNvSpPr txBox="1"/>
+          <p:nvPr/>
         </p:nvSpPr>
         <p:spPr>
           <a:xfrm>
-            <a:off x="814729" y="2751138"/>
-            <a:ext cx="5189856" cy="3659674"/>
+            <a:off x="1673524" y="2363638"/>
+            <a:ext cx="9558068" cy="3323987"/>
           </a:xfrm>
+          <a:prstGeom prst="rect">
+            <a:avLst/>
+          </a:prstGeom>
+          <a:noFill/>
         </p:spPr>
         <p:txBody>
-          <a:bodyPr>
-            <a:normAutofit/>
+          <a:bodyPr wrap="square" rtlCol="0">
+            <a:spAutoFit/>
           </a:bodyPr>
           <a:lstStyle/>
           <a:p>
             <a:r>
-              <a:rPr lang="en-US" dirty="0"/>
-              <a:t>Summarize # of images</a:t>
-            </a:r>
-          </a:p>
-          <a:p>
-            <a:r>
-              <a:rPr lang="en-US" dirty="0"/>
-              <a:t>Describe bounding box points being provided as % of image width</a:t>
-            </a:r>
-          </a:p>
-          <a:p>
-            <a:r>
-              <a:rPr lang="en-US" dirty="0"/>
-              <a:t>Variety of image shapes and the problems that creates</a:t>
-            </a:r>
-          </a:p>
-        </p:txBody>
-      </p:sp>
-      <p:sp>
-        <p:nvSpPr>
-          <p:cNvPr id="5" name="Text Placeholder 4">
-            <a:extLst>
-              <a:ext uri="{FF2B5EF4-FFF2-40B4-BE49-F238E27FC236}">
-                <a16:creationId xmlns:a16="http://schemas.microsoft.com/office/drawing/2014/main" id="{FAC477F1-4FBC-404B-AEEF-6A7653555993}"/>
-              </a:ext>
-            </a:extLst>
-          </p:cNvPr>
-          <p:cNvSpPr>
-            <a:spLocks noGrp="1"/>
-          </p:cNvSpPr>
-          <p:nvPr>
-            <p:ph type="body" sz="quarter" idx="3"/>
-          </p:nvPr>
-        </p:nvSpPr>
-        <p:spPr/>
-        <p:txBody>
-          <a:bodyPr/>
-          <a:lstStyle/>
-          <a:p>
-            <a:r>
-              <a:rPr lang="en-US" dirty="0"/>
-              <a:t>Data Tasks</a:t>
-            </a:r>
-          </a:p>
-        </p:txBody>
-      </p:sp>
-      <p:sp>
-        <p:nvSpPr>
-          <p:cNvPr id="6" name="Content Placeholder 5">
-            <a:extLst>
-              <a:ext uri="{FF2B5EF4-FFF2-40B4-BE49-F238E27FC236}">
-                <a16:creationId xmlns:a16="http://schemas.microsoft.com/office/drawing/2014/main" id="{C3DC9D5F-B396-8A46-BF7D-C05C7AE76AFC}"/>
-              </a:ext>
-            </a:extLst>
-          </p:cNvPr>
-          <p:cNvSpPr>
-            <a:spLocks noGrp="1"/>
-          </p:cNvSpPr>
-          <p:nvPr>
-            <p:ph sz="quarter" idx="4"/>
-          </p:nvPr>
-        </p:nvSpPr>
-        <p:spPr>
-          <a:xfrm>
-            <a:off x="6187415" y="2751138"/>
-            <a:ext cx="5194583" cy="3659674"/>
-          </a:xfrm>
-        </p:spPr>
-        <p:txBody>
-          <a:bodyPr>
-            <a:normAutofit/>
-          </a:bodyPr>
-          <a:lstStyle/>
-          <a:p>
-            <a:r>
-              <a:rPr lang="en-US" dirty="0"/>
-              <a:t>Import CSV</a:t>
-            </a:r>
-          </a:p>
-          <a:p>
-            <a:r>
-              <a:rPr lang="en-US" dirty="0"/>
-              <a:t>Import images &amp; examine shape</a:t>
-            </a:r>
-          </a:p>
-          <a:p>
-            <a:r>
-              <a:rPr lang="en-US" dirty="0"/>
-              <a:t>Resize images to 128x128 as normalization</a:t>
-            </a:r>
-          </a:p>
-          <a:p>
-            <a:r>
-              <a:rPr lang="en-US" dirty="0"/>
-              <a:t>Save resized images, bounding box and image data to </a:t>
-            </a:r>
-            <a:r>
-              <a:rPr lang="en-US" dirty="0" err="1"/>
-              <a:t>numpy</a:t>
-            </a:r>
-            <a:r>
-              <a:rPr lang="en-US" dirty="0"/>
-              <a:t> files as a checkpoint (later, describe memory issues)</a:t>
-            </a:r>
-          </a:p>
-          <a:p>
-            <a:r>
-              <a:rPr lang="en-US" dirty="0"/>
-              <a:t>EDA </a:t>
-            </a:r>
-          </a:p>
-          <a:p>
-            <a:r>
-              <a:rPr lang="en-US" dirty="0"/>
-              <a:t>Feature engineering</a:t>
-            </a:r>
+              <a:rPr lang="en-US" sz="2400" dirty="0"/>
+              <a:t>In the next few sections we will describe:</a:t>
+            </a:r>
+          </a:p>
+          <a:p>
+            <a:endParaRPr lang="en-US" sz="2800" dirty="0"/>
+          </a:p>
+          <a:p>
+            <a:pPr marL="285750" indent="-285750">
+              <a:buFont typeface="Arial" panose="020B0604020202020204" pitchFamily="34" charset="0"/>
+              <a:buChar char="•"/>
+            </a:pPr>
+            <a:r>
+              <a:rPr lang="en-US" sz="2800" dirty="0"/>
+              <a:t>Description of Data, EDA - </a:t>
+            </a:r>
+            <a:r>
+              <a:rPr lang="en-US" sz="2800" dirty="0">
+                <a:solidFill>
+                  <a:schemeClr val="accent1">
+                    <a:lumMod val="75000"/>
+                  </a:schemeClr>
+                </a:solidFill>
+              </a:rPr>
+              <a:t>Lauren</a:t>
+            </a:r>
+          </a:p>
+          <a:p>
+            <a:pPr marL="285750" indent="-285750">
+              <a:buFont typeface="Arial" panose="020B0604020202020204" pitchFamily="34" charset="0"/>
+              <a:buChar char="•"/>
+            </a:pPr>
+            <a:r>
+              <a:rPr lang="en-US" sz="2800" dirty="0"/>
+              <a:t>Pipelines and Feature Engineering- </a:t>
+            </a:r>
+            <a:r>
+              <a:rPr lang="en-US" sz="2800" dirty="0">
+                <a:solidFill>
+                  <a:schemeClr val="accent1">
+                    <a:lumMod val="75000"/>
+                  </a:schemeClr>
+                </a:solidFill>
+              </a:rPr>
+              <a:t>Lauren</a:t>
+            </a:r>
+          </a:p>
+          <a:p>
+            <a:pPr marL="285750" indent="-285750">
+              <a:buFont typeface="Arial" panose="020B0604020202020204" pitchFamily="34" charset="0"/>
+              <a:buChar char="•"/>
+            </a:pPr>
+            <a:r>
+              <a:rPr lang="en-US" sz="2800" dirty="0"/>
+              <a:t>Models - </a:t>
+            </a:r>
+            <a:r>
+              <a:rPr lang="en-US" sz="2800" dirty="0">
+                <a:solidFill>
+                  <a:schemeClr val="accent1">
+                    <a:lumMod val="75000"/>
+                  </a:schemeClr>
+                </a:solidFill>
+              </a:rPr>
+              <a:t>Mangesh</a:t>
+            </a:r>
+          </a:p>
+          <a:p>
+            <a:pPr marL="285750" indent="-285750">
+              <a:buFont typeface="Arial" panose="020B0604020202020204" pitchFamily="34" charset="0"/>
+              <a:buChar char="•"/>
+            </a:pPr>
+            <a:r>
+              <a:rPr lang="en-US" sz="2800" dirty="0"/>
+              <a:t>Metrics, Results &amp; Discussion - </a:t>
+            </a:r>
+            <a:r>
+              <a:rPr lang="en-US" sz="2800" dirty="0">
+                <a:solidFill>
+                  <a:schemeClr val="accent1">
+                    <a:lumMod val="75000"/>
+                  </a:schemeClr>
+                </a:solidFill>
+              </a:rPr>
+              <a:t>Ben</a:t>
+            </a:r>
+          </a:p>
+          <a:p>
+            <a:pPr marL="285750" indent="-285750">
+              <a:buFont typeface="Arial" panose="020B0604020202020204" pitchFamily="34" charset="0"/>
+              <a:buChar char="•"/>
+            </a:pPr>
+            <a:r>
+              <a:rPr lang="en-US" sz="2800" dirty="0"/>
+              <a:t>Conclusion &amp; Next Steps - </a:t>
+            </a:r>
+            <a:r>
+              <a:rPr lang="en-US" sz="2800" dirty="0">
+                <a:solidFill>
+                  <a:schemeClr val="accent1">
+                    <a:lumMod val="75000"/>
+                  </a:schemeClr>
+                </a:solidFill>
+              </a:rPr>
+              <a:t>Ben</a:t>
+            </a:r>
+          </a:p>
+          <a:p>
+            <a:endParaRPr lang="en-US" dirty="0"/>
           </a:p>
         </p:txBody>
       </p:sp>
     </p:spTree>
     <p:extLst>
       <p:ext uri="{BB962C8B-B14F-4D97-AF65-F5344CB8AC3E}">
-        <p14:creationId xmlns:p14="http://schemas.microsoft.com/office/powerpoint/2010/main" val="4164283280"/>
+        <p14:creationId xmlns:p14="http://schemas.microsoft.com/office/powerpoint/2010/main" val="2377003528"/>
       </p:ext>
     </p:extLst>
   </p:cSld>
@@ -8768,7 +9705,7 @@
           <p:cNvPr id="2" name="Title 1">
             <a:extLst>
               <a:ext uri="{FF2B5EF4-FFF2-40B4-BE49-F238E27FC236}">
-                <a16:creationId xmlns:a16="http://schemas.microsoft.com/office/drawing/2014/main" id="{31E3BA86-9F58-EB42-9DEF-D6FF4A2C5AAD}"/>
+                <a16:creationId xmlns:a16="http://schemas.microsoft.com/office/drawing/2014/main" id="{270EC188-A6EC-CA47-B52E-241DA02EA7A9}"/>
               </a:ext>
             </a:extLst>
           </p:cNvPr>
@@ -8786,7 +9723,21 @@
           <a:p>
             <a:r>
               <a:rPr lang="en-US" dirty="0"/>
-              <a:t>Bounding Box Details</a:t>
+              <a:t>Data &amp; Tasks </a:t>
+            </a:r>
+            <a:r>
+              <a:rPr lang="en-US" sz="2400" dirty="0"/>
+              <a:t>- </a:t>
+            </a:r>
+            <a:r>
+              <a:rPr lang="en-US" sz="2400" dirty="0">
+                <a:solidFill>
+                  <a:schemeClr val="accent1">
+                    <a:lumMod val="50000"/>
+                  </a:schemeClr>
+                </a:solidFill>
+              </a:rPr>
+              <a:t>Lauren</a:t>
             </a:r>
           </a:p>
         </p:txBody>
@@ -8796,7 +9747,7 @@
           <p:cNvPr id="3" name="Text Placeholder 2">
             <a:extLst>
               <a:ext uri="{FF2B5EF4-FFF2-40B4-BE49-F238E27FC236}">
-                <a16:creationId xmlns:a16="http://schemas.microsoft.com/office/drawing/2014/main" id="{BFCCC159-BD20-2D4A-8FDF-A3D23348AB55}"/>
+                <a16:creationId xmlns:a16="http://schemas.microsoft.com/office/drawing/2014/main" id="{FB175BCF-07D1-EC4F-B451-933F1AE1A4F3}"/>
               </a:ext>
             </a:extLst>
           </p:cNvPr>
@@ -8812,7 +9763,10 @@
           <a:bodyPr/>
           <a:lstStyle/>
           <a:p>
-            <a:endParaRPr lang="en-US"/>
+            <a:r>
+              <a:rPr lang="en-US" dirty="0"/>
+              <a:t>Images &amp; CSV Attributes</a:t>
+            </a:r>
           </a:p>
         </p:txBody>
       </p:sp>
@@ -8821,7 +9775,7 @@
           <p:cNvPr id="4" name="Content Placeholder 3">
             <a:extLst>
               <a:ext uri="{FF2B5EF4-FFF2-40B4-BE49-F238E27FC236}">
-                <a16:creationId xmlns:a16="http://schemas.microsoft.com/office/drawing/2014/main" id="{906F9853-A33F-D940-8E40-FBE4E3D511EA}"/>
+                <a16:creationId xmlns:a16="http://schemas.microsoft.com/office/drawing/2014/main" id="{FBCB5062-A64F-C148-B1C2-CEAC9BB01156}"/>
               </a:ext>
             </a:extLst>
           </p:cNvPr>
@@ -8832,510 +9786,142 @@
             <p:ph sz="half" idx="2"/>
           </p:nvPr>
         </p:nvSpPr>
-        <p:spPr/>
-        <p:txBody>
-          <a:bodyPr/>
+        <p:spPr>
+          <a:xfrm>
+            <a:off x="814729" y="2751138"/>
+            <a:ext cx="5189856" cy="3659674"/>
+          </a:xfrm>
+        </p:spPr>
+        <p:txBody>
+          <a:bodyPr>
+            <a:normAutofit/>
+          </a:bodyPr>
           <a:lstStyle/>
           <a:p>
             <a:r>
               <a:rPr lang="en-US" dirty="0"/>
-              <a:t>Illustrate </a:t>
-            </a:r>
-            <a:r>
-              <a:rPr lang="en-US" dirty="0" err="1"/>
-              <a:t>XClick</a:t>
-            </a:r>
+              <a:t>Summarize # of images</a:t>
+            </a:r>
+          </a:p>
+          <a:p>
             <a:r>
               <a:rPr lang="en-US" dirty="0"/>
-              <a:t> vs Bounding Box here</a:t>
-            </a:r>
-          </a:p>
-        </p:txBody>
-      </p:sp>
-      <p:sp>
-        <p:nvSpPr>
-          <p:cNvPr id="7" name="Text Placeholder 2">
+              <a:t>Describe bounding box points being provided as % of image width</a:t>
+            </a:r>
+          </a:p>
+          <a:p>
+            <a:r>
+              <a:rPr lang="en-US" dirty="0"/>
+              <a:t>Variety of image shapes and the problems that creates</a:t>
+            </a:r>
+          </a:p>
+        </p:txBody>
+      </p:sp>
+      <p:sp>
+        <p:nvSpPr>
+          <p:cNvPr id="5" name="Text Placeholder 4">
             <a:extLst>
               <a:ext uri="{FF2B5EF4-FFF2-40B4-BE49-F238E27FC236}">
-                <a16:creationId xmlns:a16="http://schemas.microsoft.com/office/drawing/2014/main" id="{FE16D99E-CDF4-EA40-A23C-2A42BFA2D909}"/>
+                <a16:creationId xmlns:a16="http://schemas.microsoft.com/office/drawing/2014/main" id="{FAC477F1-4FBC-404B-AEEF-6A7653555993}"/>
               </a:ext>
             </a:extLst>
           </p:cNvPr>
-          <p:cNvSpPr txBox="1">
-            <a:spLocks/>
-          </p:cNvSpPr>
-          <p:nvPr/>
-        </p:nvSpPr>
-        <p:spPr>
-          <a:xfrm>
-            <a:off x="6187415" y="2174875"/>
-            <a:ext cx="5189857" cy="576262"/>
-          </a:xfrm>
-          <a:prstGeom prst="rect">
-            <a:avLst/>
-          </a:prstGeom>
-          <a:effectLst>
-            <a:outerShdw blurRad="50800" dir="14400000">
-              <a:srgbClr val="000000">
-                <a:alpha val="40000"/>
-              </a:srgbClr>
-            </a:outerShdw>
-          </a:effectLst>
-        </p:spPr>
-        <p:txBody>
-          <a:bodyPr vert="horz" lIns="91440" tIns="45720" rIns="91440" bIns="45720" rtlCol="0" anchor="b">
-            <a:noAutofit/>
-          </a:bodyPr>
-          <a:lstStyle>
-            <a:lvl1pPr marL="0" indent="0" algn="ctr" defTabSz="457200" rtl="0" eaLnBrk="1" latinLnBrk="0" hangingPunct="1">
-              <a:spcBef>
-                <a:spcPct val="20000"/>
-              </a:spcBef>
-              <a:spcAft>
-                <a:spcPts val="600"/>
-              </a:spcAft>
-              <a:buClr>
-                <a:schemeClr val="accent1"/>
-              </a:buClr>
-              <a:buFont typeface="Wingdings 2" charset="2"/>
-              <a:buNone/>
-              <a:defRPr sz="2000" b="0" kern="1200">
-                <a:solidFill>
-                  <a:schemeClr val="tx1"/>
-                </a:solidFill>
-                <a:latin typeface="+mn-lt"/>
-                <a:ea typeface="+mn-ea"/>
-                <a:cs typeface="+mn-cs"/>
-              </a:defRPr>
-            </a:lvl1pPr>
-            <a:lvl2pPr marL="457200" indent="0" algn="l" defTabSz="457200" rtl="0" eaLnBrk="1" latinLnBrk="0" hangingPunct="1">
-              <a:spcBef>
-                <a:spcPct val="20000"/>
-              </a:spcBef>
-              <a:spcAft>
-                <a:spcPts val="600"/>
-              </a:spcAft>
-              <a:buClr>
-                <a:schemeClr val="accent1"/>
-              </a:buClr>
-              <a:buFont typeface="Wingdings 2" charset="2"/>
-              <a:buNone/>
-              <a:defRPr sz="2000" b="1" kern="1200">
-                <a:solidFill>
-                  <a:schemeClr val="tx1"/>
-                </a:solidFill>
-                <a:latin typeface="+mn-lt"/>
-                <a:ea typeface="+mn-ea"/>
-                <a:cs typeface="+mn-cs"/>
-              </a:defRPr>
-            </a:lvl2pPr>
-            <a:lvl3pPr marL="914400" indent="0" algn="l" defTabSz="457200" rtl="0" eaLnBrk="1" latinLnBrk="0" hangingPunct="1">
-              <a:spcBef>
-                <a:spcPct val="20000"/>
-              </a:spcBef>
-              <a:spcAft>
-                <a:spcPts val="600"/>
-              </a:spcAft>
-              <a:buClr>
-                <a:schemeClr val="accent1"/>
-              </a:buClr>
-              <a:buFont typeface="Wingdings 2" charset="2"/>
-              <a:buNone/>
-              <a:defRPr sz="1800" b="1" kern="1200">
-                <a:solidFill>
-                  <a:schemeClr val="tx1"/>
-                </a:solidFill>
-                <a:latin typeface="+mn-lt"/>
-                <a:ea typeface="+mn-ea"/>
-                <a:cs typeface="+mn-cs"/>
-              </a:defRPr>
-            </a:lvl3pPr>
-            <a:lvl4pPr marL="1371600" indent="0" algn="l" defTabSz="457200" rtl="0" eaLnBrk="1" latinLnBrk="0" hangingPunct="1">
-              <a:spcBef>
-                <a:spcPct val="20000"/>
-              </a:spcBef>
-              <a:spcAft>
-                <a:spcPts val="600"/>
-              </a:spcAft>
-              <a:buClr>
-                <a:schemeClr val="accent1"/>
-              </a:buClr>
-              <a:buFont typeface="Wingdings 2" charset="2"/>
-              <a:buNone/>
-              <a:defRPr sz="1600" b="1" kern="1200">
-                <a:solidFill>
-                  <a:schemeClr val="tx1"/>
-                </a:solidFill>
-                <a:latin typeface="+mn-lt"/>
-                <a:ea typeface="+mn-ea"/>
-                <a:cs typeface="+mn-cs"/>
-              </a:defRPr>
-            </a:lvl4pPr>
-            <a:lvl5pPr marL="1828800" indent="0" algn="l" defTabSz="457200" rtl="0" eaLnBrk="1" latinLnBrk="0" hangingPunct="1">
-              <a:spcBef>
-                <a:spcPct val="20000"/>
-              </a:spcBef>
-              <a:spcAft>
-                <a:spcPts val="600"/>
-              </a:spcAft>
-              <a:buClr>
-                <a:schemeClr val="accent1"/>
-              </a:buClr>
-              <a:buFont typeface="Wingdings 2" charset="2"/>
-              <a:buNone/>
-              <a:defRPr sz="1600" b="1" kern="1200">
-                <a:solidFill>
-                  <a:schemeClr val="tx1"/>
-                </a:solidFill>
-                <a:latin typeface="+mn-lt"/>
-                <a:ea typeface="+mn-ea"/>
-                <a:cs typeface="+mn-cs"/>
-              </a:defRPr>
-            </a:lvl5pPr>
-            <a:lvl6pPr marL="2286000" indent="0" algn="l" defTabSz="457200" rtl="0" eaLnBrk="1" latinLnBrk="0" hangingPunct="1">
-              <a:spcBef>
-                <a:spcPct val="20000"/>
-              </a:spcBef>
-              <a:spcAft>
-                <a:spcPts val="600"/>
-              </a:spcAft>
-              <a:buClr>
-                <a:schemeClr val="accent1"/>
-              </a:buClr>
-              <a:buFont typeface="Wingdings 2" charset="2"/>
-              <a:buNone/>
-              <a:defRPr sz="1600" b="1" kern="1200">
-                <a:solidFill>
-                  <a:schemeClr val="tx1"/>
-                </a:solidFill>
-                <a:latin typeface="+mn-lt"/>
-                <a:ea typeface="+mn-ea"/>
-                <a:cs typeface="+mn-cs"/>
-              </a:defRPr>
-            </a:lvl6pPr>
-            <a:lvl7pPr marL="2743200" indent="0" algn="l" defTabSz="457200" rtl="0" eaLnBrk="1" latinLnBrk="0" hangingPunct="1">
-              <a:spcBef>
-                <a:spcPct val="20000"/>
-              </a:spcBef>
-              <a:spcAft>
-                <a:spcPts val="600"/>
-              </a:spcAft>
-              <a:buClr>
-                <a:schemeClr val="accent1"/>
-              </a:buClr>
-              <a:buFont typeface="Wingdings 2" charset="2"/>
-              <a:buNone/>
-              <a:defRPr sz="1600" b="1" kern="1200">
-                <a:solidFill>
-                  <a:schemeClr val="tx1"/>
-                </a:solidFill>
-                <a:latin typeface="+mn-lt"/>
-                <a:ea typeface="+mn-ea"/>
-                <a:cs typeface="+mn-cs"/>
-              </a:defRPr>
-            </a:lvl7pPr>
-            <a:lvl8pPr marL="3200400" indent="0" algn="l" defTabSz="457200" rtl="0" eaLnBrk="1" latinLnBrk="0" hangingPunct="1">
-              <a:spcBef>
-                <a:spcPct val="20000"/>
-              </a:spcBef>
-              <a:spcAft>
-                <a:spcPts val="600"/>
-              </a:spcAft>
-              <a:buClr>
-                <a:schemeClr val="accent1"/>
-              </a:buClr>
-              <a:buFont typeface="Wingdings 2" charset="2"/>
-              <a:buNone/>
-              <a:defRPr sz="1600" b="1" kern="1200">
-                <a:solidFill>
-                  <a:schemeClr val="tx1"/>
-                </a:solidFill>
-                <a:latin typeface="+mn-lt"/>
-                <a:ea typeface="+mn-ea"/>
-                <a:cs typeface="+mn-cs"/>
-              </a:defRPr>
-            </a:lvl8pPr>
-            <a:lvl9pPr marL="3657600" indent="0" algn="l" defTabSz="457200" rtl="0" eaLnBrk="1" latinLnBrk="0" hangingPunct="1">
-              <a:spcBef>
-                <a:spcPct val="20000"/>
-              </a:spcBef>
-              <a:spcAft>
-                <a:spcPts val="600"/>
-              </a:spcAft>
-              <a:buClr>
-                <a:schemeClr val="accent1"/>
-              </a:buClr>
-              <a:buFont typeface="Wingdings 2" charset="2"/>
-              <a:buNone/>
-              <a:defRPr sz="1600" b="1" kern="1200">
-                <a:solidFill>
-                  <a:schemeClr val="tx1"/>
-                </a:solidFill>
-                <a:latin typeface="+mn-lt"/>
-                <a:ea typeface="+mn-ea"/>
-                <a:cs typeface="+mn-cs"/>
-              </a:defRPr>
-            </a:lvl9pPr>
-          </a:lstStyle>
-          <a:p>
-            <a:r>
-              <a:rPr lang="en-US"/>
-              <a:t>Bounding Box Data</a:t>
-            </a:r>
-            <a:endParaRPr lang="en-US" dirty="0"/>
-          </a:p>
-        </p:txBody>
-      </p:sp>
-      <p:sp>
-        <p:nvSpPr>
-          <p:cNvPr id="8" name="Content Placeholder 3">
+          <p:cNvSpPr>
+            <a:spLocks noGrp="1"/>
+          </p:cNvSpPr>
+          <p:nvPr>
+            <p:ph type="body" sz="quarter" idx="3"/>
+          </p:nvPr>
+        </p:nvSpPr>
+        <p:spPr/>
+        <p:txBody>
+          <a:bodyPr/>
+          <a:lstStyle/>
+          <a:p>
+            <a:r>
+              <a:rPr lang="en-US" dirty="0"/>
+              <a:t>Data Tasks</a:t>
+            </a:r>
+          </a:p>
+        </p:txBody>
+      </p:sp>
+      <p:sp>
+        <p:nvSpPr>
+          <p:cNvPr id="6" name="Content Placeholder 5">
             <a:extLst>
               <a:ext uri="{FF2B5EF4-FFF2-40B4-BE49-F238E27FC236}">
-                <a16:creationId xmlns:a16="http://schemas.microsoft.com/office/drawing/2014/main" id="{FBC57DAB-A8FE-624E-ABF4-DC93C598EA19}"/>
+                <a16:creationId xmlns:a16="http://schemas.microsoft.com/office/drawing/2014/main" id="{C3DC9D5F-B396-8A46-BF7D-C05C7AE76AFC}"/>
               </a:ext>
             </a:extLst>
           </p:cNvPr>
-          <p:cNvSpPr txBox="1">
-            <a:spLocks/>
-          </p:cNvSpPr>
-          <p:nvPr/>
+          <p:cNvSpPr>
+            <a:spLocks noGrp="1"/>
+          </p:cNvSpPr>
+          <p:nvPr>
+            <p:ph sz="quarter" idx="4"/>
+          </p:nvPr>
         </p:nvSpPr>
         <p:spPr>
           <a:xfrm>
-            <a:off x="6187416" y="2751138"/>
-            <a:ext cx="5189856" cy="3908454"/>
+            <a:off x="6187415" y="2751138"/>
+            <a:ext cx="5194583" cy="3659674"/>
           </a:xfrm>
-          <a:prstGeom prst="rect">
-            <a:avLst/>
-          </a:prstGeom>
-          <a:effectLst>
-            <a:outerShdw blurRad="50800" dir="14400000">
-              <a:srgbClr val="000000">
-                <a:alpha val="40000"/>
-              </a:srgbClr>
-            </a:outerShdw>
-          </a:effectLst>
         </p:spPr>
         <p:txBody>
-          <a:bodyPr vert="horz" lIns="91440" tIns="45720" rIns="91440" bIns="45720" rtlCol="0" anchor="t">
+          <a:bodyPr>
             <a:normAutofit/>
           </a:bodyPr>
-          <a:lstStyle>
-            <a:lvl1pPr marL="342900" indent="-342900" algn="l" defTabSz="457200" rtl="0" eaLnBrk="1" latinLnBrk="0" hangingPunct="1">
-              <a:spcBef>
-                <a:spcPct val="20000"/>
-              </a:spcBef>
-              <a:spcAft>
-                <a:spcPts val="600"/>
-              </a:spcAft>
-              <a:buClr>
-                <a:schemeClr val="accent1"/>
-              </a:buClr>
-              <a:buFont typeface="Wingdings 2" charset="2"/>
-              <a:buChar char=""/>
-              <a:defRPr sz="1800" kern="1200">
-                <a:solidFill>
-                  <a:schemeClr val="tx1"/>
-                </a:solidFill>
-                <a:latin typeface="+mn-lt"/>
-                <a:ea typeface="+mn-ea"/>
-                <a:cs typeface="+mn-cs"/>
-              </a:defRPr>
-            </a:lvl1pPr>
-            <a:lvl2pPr marL="742950" indent="-285750" algn="l" defTabSz="457200" rtl="0" eaLnBrk="1" latinLnBrk="0" hangingPunct="1">
-              <a:spcBef>
-                <a:spcPct val="20000"/>
-              </a:spcBef>
-              <a:spcAft>
-                <a:spcPts val="600"/>
-              </a:spcAft>
-              <a:buClr>
-                <a:schemeClr val="accent1"/>
-              </a:buClr>
-              <a:buFont typeface="Wingdings 2" charset="2"/>
-              <a:buChar char=""/>
-              <a:defRPr sz="1600" kern="1200">
-                <a:solidFill>
-                  <a:schemeClr val="tx1"/>
-                </a:solidFill>
-                <a:latin typeface="+mn-lt"/>
-                <a:ea typeface="+mn-ea"/>
-                <a:cs typeface="+mn-cs"/>
-              </a:defRPr>
-            </a:lvl2pPr>
-            <a:lvl3pPr marL="1143000" indent="-228600" algn="l" defTabSz="457200" rtl="0" eaLnBrk="1" latinLnBrk="0" hangingPunct="1">
-              <a:spcBef>
-                <a:spcPct val="20000"/>
-              </a:spcBef>
-              <a:spcAft>
-                <a:spcPts val="600"/>
-              </a:spcAft>
-              <a:buClr>
-                <a:schemeClr val="accent1"/>
-              </a:buClr>
-              <a:buFont typeface="Wingdings 2" charset="2"/>
-              <a:buChar char=""/>
-              <a:defRPr sz="1400" kern="1200">
-                <a:solidFill>
-                  <a:schemeClr val="tx1"/>
-                </a:solidFill>
-                <a:latin typeface="+mn-lt"/>
-                <a:ea typeface="+mn-ea"/>
-                <a:cs typeface="+mn-cs"/>
-              </a:defRPr>
-            </a:lvl3pPr>
-            <a:lvl4pPr marL="1600200" indent="-228600" algn="l" defTabSz="457200" rtl="0" eaLnBrk="1" latinLnBrk="0" hangingPunct="1">
-              <a:spcBef>
-                <a:spcPct val="20000"/>
-              </a:spcBef>
-              <a:spcAft>
-                <a:spcPts val="600"/>
-              </a:spcAft>
-              <a:buClr>
-                <a:schemeClr val="accent1"/>
-              </a:buClr>
-              <a:buFont typeface="Wingdings 2" charset="2"/>
-              <a:buChar char=""/>
-              <a:defRPr sz="1200" kern="1200">
-                <a:solidFill>
-                  <a:schemeClr val="tx1"/>
-                </a:solidFill>
-                <a:latin typeface="+mn-lt"/>
-                <a:ea typeface="+mn-ea"/>
-                <a:cs typeface="+mn-cs"/>
-              </a:defRPr>
-            </a:lvl4pPr>
-            <a:lvl5pPr marL="2057400" indent="-228600" algn="l" defTabSz="457200" rtl="0" eaLnBrk="1" latinLnBrk="0" hangingPunct="1">
-              <a:spcBef>
-                <a:spcPct val="20000"/>
-              </a:spcBef>
-              <a:spcAft>
-                <a:spcPts val="600"/>
-              </a:spcAft>
-              <a:buClr>
-                <a:schemeClr val="accent1"/>
-              </a:buClr>
-              <a:buFont typeface="Wingdings 2" charset="2"/>
-              <a:buChar char=""/>
-              <a:defRPr sz="1200" kern="1200">
-                <a:solidFill>
-                  <a:schemeClr val="tx1"/>
-                </a:solidFill>
-                <a:latin typeface="+mn-lt"/>
-                <a:ea typeface="+mn-ea"/>
-                <a:cs typeface="+mn-cs"/>
-              </a:defRPr>
-            </a:lvl5pPr>
-            <a:lvl6pPr marL="2400000" indent="-228600" algn="l" defTabSz="457200" rtl="0" eaLnBrk="1" latinLnBrk="0" hangingPunct="1">
-              <a:spcBef>
-                <a:spcPct val="20000"/>
-              </a:spcBef>
-              <a:spcAft>
-                <a:spcPts val="600"/>
-              </a:spcAft>
-              <a:buClr>
-                <a:schemeClr val="accent1"/>
-              </a:buClr>
-              <a:buFont typeface="Wingdings 2" charset="2"/>
-              <a:buChar char=""/>
-              <a:defRPr sz="1200" kern="1200">
-                <a:solidFill>
-                  <a:schemeClr val="tx1"/>
-                </a:solidFill>
-                <a:latin typeface="+mn-lt"/>
-                <a:ea typeface="+mn-ea"/>
-                <a:cs typeface="+mn-cs"/>
-              </a:defRPr>
-            </a:lvl6pPr>
-            <a:lvl7pPr marL="2800000" indent="-228600" algn="l" defTabSz="457200" rtl="0" eaLnBrk="1" latinLnBrk="0" hangingPunct="1">
-              <a:spcBef>
-                <a:spcPct val="20000"/>
-              </a:spcBef>
-              <a:spcAft>
-                <a:spcPts val="600"/>
-              </a:spcAft>
-              <a:buClr>
-                <a:schemeClr val="accent1"/>
-              </a:buClr>
-              <a:buFont typeface="Wingdings 2" charset="2"/>
-              <a:buChar char=""/>
-              <a:defRPr sz="1200" kern="1200">
-                <a:solidFill>
-                  <a:schemeClr val="tx1"/>
-                </a:solidFill>
-                <a:latin typeface="+mn-lt"/>
-                <a:ea typeface="+mn-ea"/>
-                <a:cs typeface="+mn-cs"/>
-              </a:defRPr>
-            </a:lvl7pPr>
-            <a:lvl8pPr marL="3200000" indent="-228600" algn="l" defTabSz="457200" rtl="0" eaLnBrk="1" latinLnBrk="0" hangingPunct="1">
-              <a:spcBef>
-                <a:spcPct val="20000"/>
-              </a:spcBef>
-              <a:spcAft>
-                <a:spcPts val="600"/>
-              </a:spcAft>
-              <a:buClr>
-                <a:schemeClr val="accent1"/>
-              </a:buClr>
-              <a:buFont typeface="Wingdings 2" charset="2"/>
-              <a:buChar char=""/>
-              <a:defRPr sz="1200" kern="1200">
-                <a:solidFill>
-                  <a:schemeClr val="tx1"/>
-                </a:solidFill>
-                <a:latin typeface="+mn-lt"/>
-                <a:ea typeface="+mn-ea"/>
-                <a:cs typeface="+mn-cs"/>
-              </a:defRPr>
-            </a:lvl8pPr>
-            <a:lvl9pPr marL="3600000" indent="-228600" algn="l" defTabSz="457200" rtl="0" eaLnBrk="1" latinLnBrk="0" hangingPunct="1">
-              <a:spcBef>
-                <a:spcPct val="20000"/>
-              </a:spcBef>
-              <a:spcAft>
-                <a:spcPts val="600"/>
-              </a:spcAft>
-              <a:buClr>
-                <a:schemeClr val="accent1"/>
-              </a:buClr>
-              <a:buFont typeface="Wingdings 2" charset="2"/>
-              <a:buChar char=""/>
-              <a:defRPr sz="1200" kern="1200">
-                <a:solidFill>
-                  <a:schemeClr val="tx1"/>
-                </a:solidFill>
-                <a:latin typeface="+mn-lt"/>
-                <a:ea typeface="+mn-ea"/>
-                <a:cs typeface="+mn-cs"/>
-              </a:defRPr>
-            </a:lvl9pPr>
-          </a:lstStyle>
-          <a:p>
-            <a:r>
-              <a:rPr lang="en-US"/>
-              <a:t>XClick attributes are coordinates that a human reviewer clicked on an image to choose 4 ‘outer’ feature points</a:t>
-            </a:r>
-          </a:p>
-          <a:p>
-            <a:r>
-              <a:rPr lang="en-US"/>
-              <a:t>XMin, YMin, XMax and YMax points are the bounding box upper left and lower right points that contain all of the XClick points (illustrate)</a:t>
-            </a:r>
-          </a:p>
-          <a:p>
-            <a:r>
-              <a:rPr lang="en-US"/>
-              <a:t>Each of these bounding boxes and the class information is only as good as the human’s interpretation (example: raccoon labeled as dog, any inaccurate bounding boxes</a:t>
-            </a:r>
-            <a:endParaRPr lang="en-US" dirty="0"/>
+          <a:lstStyle/>
+          <a:p>
+            <a:r>
+              <a:rPr lang="en-US" dirty="0"/>
+              <a:t>Import CSV</a:t>
+            </a:r>
+          </a:p>
+          <a:p>
+            <a:r>
+              <a:rPr lang="en-US" dirty="0"/>
+              <a:t>Import images &amp; examine shape</a:t>
+            </a:r>
+          </a:p>
+          <a:p>
+            <a:r>
+              <a:rPr lang="en-US" dirty="0"/>
+              <a:t>Resize images to 128x128 as normalization</a:t>
+            </a:r>
+          </a:p>
+          <a:p>
+            <a:r>
+              <a:rPr lang="en-US" dirty="0"/>
+              <a:t>Save resized images, bounding box and image data to </a:t>
+            </a:r>
+            <a:r>
+              <a:rPr lang="en-US" dirty="0" err="1"/>
+              <a:t>numpy</a:t>
+            </a:r>
+            <a:r>
+              <a:rPr lang="en-US" dirty="0"/>
+              <a:t> files as a checkpoint (later, describe memory issues)</a:t>
+            </a:r>
+          </a:p>
+          <a:p>
+            <a:r>
+              <a:rPr lang="en-US" dirty="0"/>
+              <a:t>EDA </a:t>
+            </a:r>
+          </a:p>
+          <a:p>
+            <a:r>
+              <a:rPr lang="en-US" dirty="0"/>
+              <a:t>Feature engineering</a:t>
+            </a:r>
           </a:p>
         </p:txBody>
       </p:sp>
     </p:spTree>
     <p:extLst>
       <p:ext uri="{BB962C8B-B14F-4D97-AF65-F5344CB8AC3E}">
-        <p14:creationId xmlns:p14="http://schemas.microsoft.com/office/powerpoint/2010/main" val="475728299"/>
+        <p14:creationId xmlns:p14="http://schemas.microsoft.com/office/powerpoint/2010/main" val="4164283280"/>
       </p:ext>
     </p:extLst>
   </p:cSld>
@@ -9367,7 +9953,7 @@
           <p:cNvPr id="2" name="Title 1">
             <a:extLst>
               <a:ext uri="{FF2B5EF4-FFF2-40B4-BE49-F238E27FC236}">
-                <a16:creationId xmlns:a16="http://schemas.microsoft.com/office/drawing/2014/main" id="{270EC188-A6EC-CA47-B52E-241DA02EA7A9}"/>
+                <a16:creationId xmlns:a16="http://schemas.microsoft.com/office/drawing/2014/main" id="{31E3BA86-9F58-EB42-9DEF-D6FF4A2C5AAD}"/>
               </a:ext>
             </a:extLst>
           </p:cNvPr>
@@ -9385,8 +9971,23 @@
           <a:p>
             <a:r>
               <a:rPr lang="en-US" dirty="0"/>
-              <a:t>EDA and Feature Engineering</a:t>
-            </a:r>
+              <a:t>Data: Bounding Box Details </a:t>
+            </a:r>
+            <a:r>
+              <a:rPr lang="en-US" sz="2400" dirty="0"/>
+              <a:t>- </a:t>
+            </a:r>
+            <a:r>
+              <a:rPr lang="en-US" sz="2400" dirty="0">
+                <a:solidFill>
+                  <a:schemeClr val="accent1">
+                    <a:lumMod val="50000"/>
+                  </a:schemeClr>
+                </a:solidFill>
+              </a:rPr>
+              <a:t>Lauren</a:t>
+            </a:r>
+            <a:endParaRPr lang="en-US" sz="2400" dirty="0"/>
           </a:p>
         </p:txBody>
       </p:sp>
@@ -9395,7 +9996,7 @@
           <p:cNvPr id="3" name="Text Placeholder 2">
             <a:extLst>
               <a:ext uri="{FF2B5EF4-FFF2-40B4-BE49-F238E27FC236}">
-                <a16:creationId xmlns:a16="http://schemas.microsoft.com/office/drawing/2014/main" id="{FB175BCF-07D1-EC4F-B451-933F1AE1A4F3}"/>
+                <a16:creationId xmlns:a16="http://schemas.microsoft.com/office/drawing/2014/main" id="{BFCCC159-BD20-2D4A-8FDF-A3D23348AB55}"/>
               </a:ext>
             </a:extLst>
           </p:cNvPr>
@@ -9411,15 +10012,7 @@
           <a:bodyPr/>
           <a:lstStyle/>
           <a:p>
-            <a:r>
-              <a:rPr lang="en-US" dirty="0"/>
-              <a:t>Correlation, Missing Data, </a:t>
-            </a:r>
-            <a:r>
-              <a:rPr lang="en-US" dirty="0" err="1"/>
-              <a:t>etc</a:t>
-            </a:r>
-            <a:endParaRPr lang="en-US" dirty="0"/>
+            <a:endParaRPr lang="en-US"/>
           </a:p>
         </p:txBody>
       </p:sp>
@@ -9428,7 +10021,7 @@
           <p:cNvPr id="4" name="Content Placeholder 3">
             <a:extLst>
               <a:ext uri="{FF2B5EF4-FFF2-40B4-BE49-F238E27FC236}">
-                <a16:creationId xmlns:a16="http://schemas.microsoft.com/office/drawing/2014/main" id="{FBCB5062-A64F-C148-B1C2-CEAC9BB01156}"/>
+                <a16:creationId xmlns:a16="http://schemas.microsoft.com/office/drawing/2014/main" id="{906F9853-A33F-D940-8E40-FBE4E3D511EA}"/>
               </a:ext>
             </a:extLst>
           </p:cNvPr>
@@ -9439,92 +10032,510 @@
             <p:ph sz="half" idx="2"/>
           </p:nvPr>
         </p:nvSpPr>
-        <p:spPr>
-          <a:xfrm>
-            <a:off x="814729" y="2751138"/>
-            <a:ext cx="5189856" cy="3908454"/>
-          </a:xfrm>
-        </p:spPr>
-        <p:txBody>
-          <a:bodyPr>
-            <a:normAutofit/>
-          </a:bodyPr>
+        <p:spPr/>
+        <p:txBody>
+          <a:bodyPr/>
           <a:lstStyle/>
           <a:p>
             <a:r>
               <a:rPr lang="en-US" dirty="0"/>
-              <a:t>TBD</a:t>
-            </a:r>
-          </a:p>
-        </p:txBody>
-      </p:sp>
-      <p:sp>
-        <p:nvSpPr>
-          <p:cNvPr id="5" name="Text Placeholder 4">
+              <a:t>Illustrate </a:t>
+            </a:r>
+            <a:r>
+              <a:rPr lang="en-US" dirty="0" err="1"/>
+              <a:t>XClick</a:t>
+            </a:r>
+            <a:r>
+              <a:rPr lang="en-US" dirty="0"/>
+              <a:t> vs Bounding Box here</a:t>
+            </a:r>
+          </a:p>
+        </p:txBody>
+      </p:sp>
+      <p:sp>
+        <p:nvSpPr>
+          <p:cNvPr id="7" name="Text Placeholder 2">
             <a:extLst>
               <a:ext uri="{FF2B5EF4-FFF2-40B4-BE49-F238E27FC236}">
-                <a16:creationId xmlns:a16="http://schemas.microsoft.com/office/drawing/2014/main" id="{FAC477F1-4FBC-404B-AEEF-6A7653555993}"/>
+                <a16:creationId xmlns:a16="http://schemas.microsoft.com/office/drawing/2014/main" id="{FE16D99E-CDF4-EA40-A23C-2A42BFA2D909}"/>
               </a:ext>
             </a:extLst>
           </p:cNvPr>
-          <p:cNvSpPr>
-            <a:spLocks noGrp="1"/>
-          </p:cNvSpPr>
-          <p:nvPr>
-            <p:ph type="body" sz="quarter" idx="3"/>
-          </p:nvPr>
-        </p:nvSpPr>
-        <p:spPr/>
-        <p:txBody>
-          <a:bodyPr/>
-          <a:lstStyle/>
-          <a:p>
-            <a:r>
-              <a:rPr lang="en-US" dirty="0"/>
-              <a:t>Feature Engineering</a:t>
-            </a:r>
-          </a:p>
-        </p:txBody>
-      </p:sp>
-      <p:sp>
-        <p:nvSpPr>
-          <p:cNvPr id="6" name="Content Placeholder 5">
+          <p:cNvSpPr txBox="1">
+            <a:spLocks/>
+          </p:cNvSpPr>
+          <p:nvPr/>
+        </p:nvSpPr>
+        <p:spPr>
+          <a:xfrm>
+            <a:off x="6187415" y="2174875"/>
+            <a:ext cx="5189857" cy="576262"/>
+          </a:xfrm>
+          <a:prstGeom prst="rect">
+            <a:avLst/>
+          </a:prstGeom>
+          <a:effectLst>
+            <a:outerShdw blurRad="50800" dir="14400000">
+              <a:srgbClr val="000000">
+                <a:alpha val="40000"/>
+              </a:srgbClr>
+            </a:outerShdw>
+          </a:effectLst>
+        </p:spPr>
+        <p:txBody>
+          <a:bodyPr vert="horz" lIns="91440" tIns="45720" rIns="91440" bIns="45720" rtlCol="0" anchor="b">
+            <a:noAutofit/>
+          </a:bodyPr>
+          <a:lstStyle>
+            <a:lvl1pPr marL="0" indent="0" algn="ctr" defTabSz="457200" rtl="0" eaLnBrk="1" latinLnBrk="0" hangingPunct="1">
+              <a:spcBef>
+                <a:spcPct val="20000"/>
+              </a:spcBef>
+              <a:spcAft>
+                <a:spcPts val="600"/>
+              </a:spcAft>
+              <a:buClr>
+                <a:schemeClr val="accent1"/>
+              </a:buClr>
+              <a:buFont typeface="Wingdings 2" charset="2"/>
+              <a:buNone/>
+              <a:defRPr sz="2000" b="0" kern="1200">
+                <a:solidFill>
+                  <a:schemeClr val="tx1"/>
+                </a:solidFill>
+                <a:latin typeface="+mn-lt"/>
+                <a:ea typeface="+mn-ea"/>
+                <a:cs typeface="+mn-cs"/>
+              </a:defRPr>
+            </a:lvl1pPr>
+            <a:lvl2pPr marL="457200" indent="0" algn="l" defTabSz="457200" rtl="0" eaLnBrk="1" latinLnBrk="0" hangingPunct="1">
+              <a:spcBef>
+                <a:spcPct val="20000"/>
+              </a:spcBef>
+              <a:spcAft>
+                <a:spcPts val="600"/>
+              </a:spcAft>
+              <a:buClr>
+                <a:schemeClr val="accent1"/>
+              </a:buClr>
+              <a:buFont typeface="Wingdings 2" charset="2"/>
+              <a:buNone/>
+              <a:defRPr sz="2000" b="1" kern="1200">
+                <a:solidFill>
+                  <a:schemeClr val="tx1"/>
+                </a:solidFill>
+                <a:latin typeface="+mn-lt"/>
+                <a:ea typeface="+mn-ea"/>
+                <a:cs typeface="+mn-cs"/>
+              </a:defRPr>
+            </a:lvl2pPr>
+            <a:lvl3pPr marL="914400" indent="0" algn="l" defTabSz="457200" rtl="0" eaLnBrk="1" latinLnBrk="0" hangingPunct="1">
+              <a:spcBef>
+                <a:spcPct val="20000"/>
+              </a:spcBef>
+              <a:spcAft>
+                <a:spcPts val="600"/>
+              </a:spcAft>
+              <a:buClr>
+                <a:schemeClr val="accent1"/>
+              </a:buClr>
+              <a:buFont typeface="Wingdings 2" charset="2"/>
+              <a:buNone/>
+              <a:defRPr sz="1800" b="1" kern="1200">
+                <a:solidFill>
+                  <a:schemeClr val="tx1"/>
+                </a:solidFill>
+                <a:latin typeface="+mn-lt"/>
+                <a:ea typeface="+mn-ea"/>
+                <a:cs typeface="+mn-cs"/>
+              </a:defRPr>
+            </a:lvl3pPr>
+            <a:lvl4pPr marL="1371600" indent="0" algn="l" defTabSz="457200" rtl="0" eaLnBrk="1" latinLnBrk="0" hangingPunct="1">
+              <a:spcBef>
+                <a:spcPct val="20000"/>
+              </a:spcBef>
+              <a:spcAft>
+                <a:spcPts val="600"/>
+              </a:spcAft>
+              <a:buClr>
+                <a:schemeClr val="accent1"/>
+              </a:buClr>
+              <a:buFont typeface="Wingdings 2" charset="2"/>
+              <a:buNone/>
+              <a:defRPr sz="1600" b="1" kern="1200">
+                <a:solidFill>
+                  <a:schemeClr val="tx1"/>
+                </a:solidFill>
+                <a:latin typeface="+mn-lt"/>
+                <a:ea typeface="+mn-ea"/>
+                <a:cs typeface="+mn-cs"/>
+              </a:defRPr>
+            </a:lvl4pPr>
+            <a:lvl5pPr marL="1828800" indent="0" algn="l" defTabSz="457200" rtl="0" eaLnBrk="1" latinLnBrk="0" hangingPunct="1">
+              <a:spcBef>
+                <a:spcPct val="20000"/>
+              </a:spcBef>
+              <a:spcAft>
+                <a:spcPts val="600"/>
+              </a:spcAft>
+              <a:buClr>
+                <a:schemeClr val="accent1"/>
+              </a:buClr>
+              <a:buFont typeface="Wingdings 2" charset="2"/>
+              <a:buNone/>
+              <a:defRPr sz="1600" b="1" kern="1200">
+                <a:solidFill>
+                  <a:schemeClr val="tx1"/>
+                </a:solidFill>
+                <a:latin typeface="+mn-lt"/>
+                <a:ea typeface="+mn-ea"/>
+                <a:cs typeface="+mn-cs"/>
+              </a:defRPr>
+            </a:lvl5pPr>
+            <a:lvl6pPr marL="2286000" indent="0" algn="l" defTabSz="457200" rtl="0" eaLnBrk="1" latinLnBrk="0" hangingPunct="1">
+              <a:spcBef>
+                <a:spcPct val="20000"/>
+              </a:spcBef>
+              <a:spcAft>
+                <a:spcPts val="600"/>
+              </a:spcAft>
+              <a:buClr>
+                <a:schemeClr val="accent1"/>
+              </a:buClr>
+              <a:buFont typeface="Wingdings 2" charset="2"/>
+              <a:buNone/>
+              <a:defRPr sz="1600" b="1" kern="1200">
+                <a:solidFill>
+                  <a:schemeClr val="tx1"/>
+                </a:solidFill>
+                <a:latin typeface="+mn-lt"/>
+                <a:ea typeface="+mn-ea"/>
+                <a:cs typeface="+mn-cs"/>
+              </a:defRPr>
+            </a:lvl6pPr>
+            <a:lvl7pPr marL="2743200" indent="0" algn="l" defTabSz="457200" rtl="0" eaLnBrk="1" latinLnBrk="0" hangingPunct="1">
+              <a:spcBef>
+                <a:spcPct val="20000"/>
+              </a:spcBef>
+              <a:spcAft>
+                <a:spcPts val="600"/>
+              </a:spcAft>
+              <a:buClr>
+                <a:schemeClr val="accent1"/>
+              </a:buClr>
+              <a:buFont typeface="Wingdings 2" charset="2"/>
+              <a:buNone/>
+              <a:defRPr sz="1600" b="1" kern="1200">
+                <a:solidFill>
+                  <a:schemeClr val="tx1"/>
+                </a:solidFill>
+                <a:latin typeface="+mn-lt"/>
+                <a:ea typeface="+mn-ea"/>
+                <a:cs typeface="+mn-cs"/>
+              </a:defRPr>
+            </a:lvl7pPr>
+            <a:lvl8pPr marL="3200400" indent="0" algn="l" defTabSz="457200" rtl="0" eaLnBrk="1" latinLnBrk="0" hangingPunct="1">
+              <a:spcBef>
+                <a:spcPct val="20000"/>
+              </a:spcBef>
+              <a:spcAft>
+                <a:spcPts val="600"/>
+              </a:spcAft>
+              <a:buClr>
+                <a:schemeClr val="accent1"/>
+              </a:buClr>
+              <a:buFont typeface="Wingdings 2" charset="2"/>
+              <a:buNone/>
+              <a:defRPr sz="1600" b="1" kern="1200">
+                <a:solidFill>
+                  <a:schemeClr val="tx1"/>
+                </a:solidFill>
+                <a:latin typeface="+mn-lt"/>
+                <a:ea typeface="+mn-ea"/>
+                <a:cs typeface="+mn-cs"/>
+              </a:defRPr>
+            </a:lvl8pPr>
+            <a:lvl9pPr marL="3657600" indent="0" algn="l" defTabSz="457200" rtl="0" eaLnBrk="1" latinLnBrk="0" hangingPunct="1">
+              <a:spcBef>
+                <a:spcPct val="20000"/>
+              </a:spcBef>
+              <a:spcAft>
+                <a:spcPts val="600"/>
+              </a:spcAft>
+              <a:buClr>
+                <a:schemeClr val="accent1"/>
+              </a:buClr>
+              <a:buFont typeface="Wingdings 2" charset="2"/>
+              <a:buNone/>
+              <a:defRPr sz="1600" b="1" kern="1200">
+                <a:solidFill>
+                  <a:schemeClr val="tx1"/>
+                </a:solidFill>
+                <a:latin typeface="+mn-lt"/>
+                <a:ea typeface="+mn-ea"/>
+                <a:cs typeface="+mn-cs"/>
+              </a:defRPr>
+            </a:lvl9pPr>
+          </a:lstStyle>
+          <a:p>
+            <a:r>
+              <a:rPr lang="en-US"/>
+              <a:t>Bounding Box Data</a:t>
+            </a:r>
+            <a:endParaRPr lang="en-US" dirty="0"/>
+          </a:p>
+        </p:txBody>
+      </p:sp>
+      <p:sp>
+        <p:nvSpPr>
+          <p:cNvPr id="8" name="Content Placeholder 3">
             <a:extLst>
               <a:ext uri="{FF2B5EF4-FFF2-40B4-BE49-F238E27FC236}">
-                <a16:creationId xmlns:a16="http://schemas.microsoft.com/office/drawing/2014/main" id="{C3DC9D5F-B396-8A46-BF7D-C05C7AE76AFC}"/>
+                <a16:creationId xmlns:a16="http://schemas.microsoft.com/office/drawing/2014/main" id="{FBC57DAB-A8FE-624E-ABF4-DC93C598EA19}"/>
               </a:ext>
             </a:extLst>
           </p:cNvPr>
-          <p:cNvSpPr>
-            <a:spLocks noGrp="1"/>
-          </p:cNvSpPr>
-          <p:nvPr>
-            <p:ph sz="quarter" idx="4"/>
-          </p:nvPr>
+          <p:cNvSpPr txBox="1">
+            <a:spLocks/>
+          </p:cNvSpPr>
+          <p:nvPr/>
         </p:nvSpPr>
         <p:spPr>
           <a:xfrm>
-            <a:off x="6187415" y="2751138"/>
-            <a:ext cx="5194583" cy="3908454"/>
+            <a:off x="6187416" y="2751138"/>
+            <a:ext cx="5189856" cy="3908454"/>
           </a:xfrm>
+          <a:prstGeom prst="rect">
+            <a:avLst/>
+          </a:prstGeom>
+          <a:effectLst>
+            <a:outerShdw blurRad="50800" dir="14400000">
+              <a:srgbClr val="000000">
+                <a:alpha val="40000"/>
+              </a:srgbClr>
+            </a:outerShdw>
+          </a:effectLst>
         </p:spPr>
         <p:txBody>
-          <a:bodyPr>
+          <a:bodyPr vert="horz" lIns="91440" tIns="45720" rIns="91440" bIns="45720" rtlCol="0" anchor="t">
             <a:normAutofit/>
           </a:bodyPr>
-          <a:lstStyle/>
-          <a:p>
-            <a:r>
-              <a:rPr lang="en-US" dirty="0"/>
-              <a:t>Describe transformer</a:t>
-            </a:r>
+          <a:lstStyle>
+            <a:lvl1pPr marL="342900" indent="-342900" algn="l" defTabSz="457200" rtl="0" eaLnBrk="1" latinLnBrk="0" hangingPunct="1">
+              <a:spcBef>
+                <a:spcPct val="20000"/>
+              </a:spcBef>
+              <a:spcAft>
+                <a:spcPts val="600"/>
+              </a:spcAft>
+              <a:buClr>
+                <a:schemeClr val="accent1"/>
+              </a:buClr>
+              <a:buFont typeface="Wingdings 2" charset="2"/>
+              <a:buChar char=""/>
+              <a:defRPr sz="1800" kern="1200">
+                <a:solidFill>
+                  <a:schemeClr val="tx1"/>
+                </a:solidFill>
+                <a:latin typeface="+mn-lt"/>
+                <a:ea typeface="+mn-ea"/>
+                <a:cs typeface="+mn-cs"/>
+              </a:defRPr>
+            </a:lvl1pPr>
+            <a:lvl2pPr marL="742950" indent="-285750" algn="l" defTabSz="457200" rtl="0" eaLnBrk="1" latinLnBrk="0" hangingPunct="1">
+              <a:spcBef>
+                <a:spcPct val="20000"/>
+              </a:spcBef>
+              <a:spcAft>
+                <a:spcPts val="600"/>
+              </a:spcAft>
+              <a:buClr>
+                <a:schemeClr val="accent1"/>
+              </a:buClr>
+              <a:buFont typeface="Wingdings 2" charset="2"/>
+              <a:buChar char=""/>
+              <a:defRPr sz="1600" kern="1200">
+                <a:solidFill>
+                  <a:schemeClr val="tx1"/>
+                </a:solidFill>
+                <a:latin typeface="+mn-lt"/>
+                <a:ea typeface="+mn-ea"/>
+                <a:cs typeface="+mn-cs"/>
+              </a:defRPr>
+            </a:lvl2pPr>
+            <a:lvl3pPr marL="1143000" indent="-228600" algn="l" defTabSz="457200" rtl="0" eaLnBrk="1" latinLnBrk="0" hangingPunct="1">
+              <a:spcBef>
+                <a:spcPct val="20000"/>
+              </a:spcBef>
+              <a:spcAft>
+                <a:spcPts val="600"/>
+              </a:spcAft>
+              <a:buClr>
+                <a:schemeClr val="accent1"/>
+              </a:buClr>
+              <a:buFont typeface="Wingdings 2" charset="2"/>
+              <a:buChar char=""/>
+              <a:defRPr sz="1400" kern="1200">
+                <a:solidFill>
+                  <a:schemeClr val="tx1"/>
+                </a:solidFill>
+                <a:latin typeface="+mn-lt"/>
+                <a:ea typeface="+mn-ea"/>
+                <a:cs typeface="+mn-cs"/>
+              </a:defRPr>
+            </a:lvl3pPr>
+            <a:lvl4pPr marL="1600200" indent="-228600" algn="l" defTabSz="457200" rtl="0" eaLnBrk="1" latinLnBrk="0" hangingPunct="1">
+              <a:spcBef>
+                <a:spcPct val="20000"/>
+              </a:spcBef>
+              <a:spcAft>
+                <a:spcPts val="600"/>
+              </a:spcAft>
+              <a:buClr>
+                <a:schemeClr val="accent1"/>
+              </a:buClr>
+              <a:buFont typeface="Wingdings 2" charset="2"/>
+              <a:buChar char=""/>
+              <a:defRPr sz="1200" kern="1200">
+                <a:solidFill>
+                  <a:schemeClr val="tx1"/>
+                </a:solidFill>
+                <a:latin typeface="+mn-lt"/>
+                <a:ea typeface="+mn-ea"/>
+                <a:cs typeface="+mn-cs"/>
+              </a:defRPr>
+            </a:lvl4pPr>
+            <a:lvl5pPr marL="2057400" indent="-228600" algn="l" defTabSz="457200" rtl="0" eaLnBrk="1" latinLnBrk="0" hangingPunct="1">
+              <a:spcBef>
+                <a:spcPct val="20000"/>
+              </a:spcBef>
+              <a:spcAft>
+                <a:spcPts val="600"/>
+              </a:spcAft>
+              <a:buClr>
+                <a:schemeClr val="accent1"/>
+              </a:buClr>
+              <a:buFont typeface="Wingdings 2" charset="2"/>
+              <a:buChar char=""/>
+              <a:defRPr sz="1200" kern="1200">
+                <a:solidFill>
+                  <a:schemeClr val="tx1"/>
+                </a:solidFill>
+                <a:latin typeface="+mn-lt"/>
+                <a:ea typeface="+mn-ea"/>
+                <a:cs typeface="+mn-cs"/>
+              </a:defRPr>
+            </a:lvl5pPr>
+            <a:lvl6pPr marL="2400000" indent="-228600" algn="l" defTabSz="457200" rtl="0" eaLnBrk="1" latinLnBrk="0" hangingPunct="1">
+              <a:spcBef>
+                <a:spcPct val="20000"/>
+              </a:spcBef>
+              <a:spcAft>
+                <a:spcPts val="600"/>
+              </a:spcAft>
+              <a:buClr>
+                <a:schemeClr val="accent1"/>
+              </a:buClr>
+              <a:buFont typeface="Wingdings 2" charset="2"/>
+              <a:buChar char=""/>
+              <a:defRPr sz="1200" kern="1200">
+                <a:solidFill>
+                  <a:schemeClr val="tx1"/>
+                </a:solidFill>
+                <a:latin typeface="+mn-lt"/>
+                <a:ea typeface="+mn-ea"/>
+                <a:cs typeface="+mn-cs"/>
+              </a:defRPr>
+            </a:lvl6pPr>
+            <a:lvl7pPr marL="2800000" indent="-228600" algn="l" defTabSz="457200" rtl="0" eaLnBrk="1" latinLnBrk="0" hangingPunct="1">
+              <a:spcBef>
+                <a:spcPct val="20000"/>
+              </a:spcBef>
+              <a:spcAft>
+                <a:spcPts val="600"/>
+              </a:spcAft>
+              <a:buClr>
+                <a:schemeClr val="accent1"/>
+              </a:buClr>
+              <a:buFont typeface="Wingdings 2" charset="2"/>
+              <a:buChar char=""/>
+              <a:defRPr sz="1200" kern="1200">
+                <a:solidFill>
+                  <a:schemeClr val="tx1"/>
+                </a:solidFill>
+                <a:latin typeface="+mn-lt"/>
+                <a:ea typeface="+mn-ea"/>
+                <a:cs typeface="+mn-cs"/>
+              </a:defRPr>
+            </a:lvl7pPr>
+            <a:lvl8pPr marL="3200000" indent="-228600" algn="l" defTabSz="457200" rtl="0" eaLnBrk="1" latinLnBrk="0" hangingPunct="1">
+              <a:spcBef>
+                <a:spcPct val="20000"/>
+              </a:spcBef>
+              <a:spcAft>
+                <a:spcPts val="600"/>
+              </a:spcAft>
+              <a:buClr>
+                <a:schemeClr val="accent1"/>
+              </a:buClr>
+              <a:buFont typeface="Wingdings 2" charset="2"/>
+              <a:buChar char=""/>
+              <a:defRPr sz="1200" kern="1200">
+                <a:solidFill>
+                  <a:schemeClr val="tx1"/>
+                </a:solidFill>
+                <a:latin typeface="+mn-lt"/>
+                <a:ea typeface="+mn-ea"/>
+                <a:cs typeface="+mn-cs"/>
+              </a:defRPr>
+            </a:lvl8pPr>
+            <a:lvl9pPr marL="3600000" indent="-228600" algn="l" defTabSz="457200" rtl="0" eaLnBrk="1" latinLnBrk="0" hangingPunct="1">
+              <a:spcBef>
+                <a:spcPct val="20000"/>
+              </a:spcBef>
+              <a:spcAft>
+                <a:spcPts val="600"/>
+              </a:spcAft>
+              <a:buClr>
+                <a:schemeClr val="accent1"/>
+              </a:buClr>
+              <a:buFont typeface="Wingdings 2" charset="2"/>
+              <a:buChar char=""/>
+              <a:defRPr sz="1200" kern="1200">
+                <a:solidFill>
+                  <a:schemeClr val="tx1"/>
+                </a:solidFill>
+                <a:latin typeface="+mn-lt"/>
+                <a:ea typeface="+mn-ea"/>
+                <a:cs typeface="+mn-cs"/>
+              </a:defRPr>
+            </a:lvl9pPr>
+          </a:lstStyle>
+          <a:p>
+            <a:r>
+              <a:rPr lang="en-US"/>
+              <a:t>XClick attributes are coordinates that a human reviewer clicked on an image to choose 4 ‘outer’ feature points</a:t>
+            </a:r>
+          </a:p>
+          <a:p>
+            <a:r>
+              <a:rPr lang="en-US"/>
+              <a:t>XMin, YMin, XMax and YMax points are the bounding box upper left and lower right points that contain all of the XClick points (illustrate)</a:t>
+            </a:r>
+          </a:p>
+          <a:p>
+            <a:r>
+              <a:rPr lang="en-US"/>
+              <a:t>Each of these bounding boxes and the class information is only as good as the human’s interpretation (example: raccoon labeled as dog, any inaccurate bounding boxes</a:t>
+            </a:r>
+            <a:endParaRPr lang="en-US" dirty="0"/>
           </a:p>
         </p:txBody>
       </p:sp>
     </p:spTree>
     <p:extLst>
       <p:ext uri="{BB962C8B-B14F-4D97-AF65-F5344CB8AC3E}">
-        <p14:creationId xmlns:p14="http://schemas.microsoft.com/office/powerpoint/2010/main" val="1234540890"/>
+        <p14:creationId xmlns:p14="http://schemas.microsoft.com/office/powerpoint/2010/main" val="475728299"/>
       </p:ext>
     </p:extLst>
   </p:cSld>
@@ -9556,7 +10567,7 @@
           <p:cNvPr id="2" name="Title 1">
             <a:extLst>
               <a:ext uri="{FF2B5EF4-FFF2-40B4-BE49-F238E27FC236}">
-                <a16:creationId xmlns:a16="http://schemas.microsoft.com/office/drawing/2014/main" id="{D9D8CB60-0A8C-9C4B-A752-E6E560BA3B7A}"/>
+                <a16:creationId xmlns:a16="http://schemas.microsoft.com/office/drawing/2014/main" id="{270EC188-A6EC-CA47-B52E-241DA02EA7A9}"/>
               </a:ext>
             </a:extLst>
           </p:cNvPr>
@@ -9574,8 +10585,23 @@
           <a:p>
             <a:r>
               <a:rPr lang="en-US" dirty="0"/>
-              <a:t>Modeling Pipelines</a:t>
-            </a:r>
+              <a:t>EDA and Feature Engineering </a:t>
+            </a:r>
+            <a:r>
+              <a:rPr lang="en-US" sz="2400" dirty="0"/>
+              <a:t>- </a:t>
+            </a:r>
+            <a:r>
+              <a:rPr lang="en-US" sz="2400" dirty="0">
+                <a:solidFill>
+                  <a:schemeClr val="accent1">
+                    <a:lumMod val="50000"/>
+                  </a:schemeClr>
+                </a:solidFill>
+              </a:rPr>
+              <a:t>Lauren</a:t>
+            </a:r>
+            <a:endParaRPr lang="en-US" sz="2400" dirty="0"/>
           </a:p>
         </p:txBody>
       </p:sp>
@@ -9584,7 +10610,7 @@
           <p:cNvPr id="3" name="Text Placeholder 2">
             <a:extLst>
               <a:ext uri="{FF2B5EF4-FFF2-40B4-BE49-F238E27FC236}">
-                <a16:creationId xmlns:a16="http://schemas.microsoft.com/office/drawing/2014/main" id="{5BDCF00A-B562-A54D-BF9D-1AE3FA38C9A2}"/>
+                <a16:creationId xmlns:a16="http://schemas.microsoft.com/office/drawing/2014/main" id="{FB175BCF-07D1-EC4F-B451-933F1AE1A4F3}"/>
               </a:ext>
             </a:extLst>
           </p:cNvPr>
@@ -9600,7 +10626,15 @@
           <a:bodyPr/>
           <a:lstStyle/>
           <a:p>
-            <a:endParaRPr lang="en-US"/>
+            <a:r>
+              <a:rPr lang="en-US" dirty="0"/>
+              <a:t>Correlation, Missing Data, </a:t>
+            </a:r>
+            <a:r>
+              <a:rPr lang="en-US" dirty="0" err="1"/>
+              <a:t>etc</a:t>
+            </a:r>
+            <a:endParaRPr lang="en-US" dirty="0"/>
           </a:p>
         </p:txBody>
       </p:sp>
@@ -9609,7 +10643,7 @@
           <p:cNvPr id="4" name="Content Placeholder 3">
             <a:extLst>
               <a:ext uri="{FF2B5EF4-FFF2-40B4-BE49-F238E27FC236}">
-                <a16:creationId xmlns:a16="http://schemas.microsoft.com/office/drawing/2014/main" id="{E7B95454-C76B-DC4E-8B7F-B8A3CFDCD7C8}"/>
+                <a16:creationId xmlns:a16="http://schemas.microsoft.com/office/drawing/2014/main" id="{FBCB5062-A64F-C148-B1C2-CEAC9BB01156}"/>
               </a:ext>
             </a:extLst>
           </p:cNvPr>
@@ -9620,12 +10654,22 @@
             <p:ph sz="half" idx="2"/>
           </p:nvPr>
         </p:nvSpPr>
-        <p:spPr/>
-        <p:txBody>
-          <a:bodyPr/>
+        <p:spPr>
+          <a:xfrm>
+            <a:off x="814729" y="2751138"/>
+            <a:ext cx="5189856" cy="3908454"/>
+          </a:xfrm>
+        </p:spPr>
+        <p:txBody>
+          <a:bodyPr>
+            <a:normAutofit/>
+          </a:bodyPr>
           <a:lstStyle/>
           <a:p>
-            <a:endParaRPr lang="en-US"/>
+            <a:r>
+              <a:rPr lang="en-US" dirty="0"/>
+              <a:t>TBD</a:t>
+            </a:r>
           </a:p>
         </p:txBody>
       </p:sp>
@@ -9634,7 +10678,7 @@
           <p:cNvPr id="5" name="Text Placeholder 4">
             <a:extLst>
               <a:ext uri="{FF2B5EF4-FFF2-40B4-BE49-F238E27FC236}">
-                <a16:creationId xmlns:a16="http://schemas.microsoft.com/office/drawing/2014/main" id="{20ADD62E-D885-B34E-9B41-F05823741C00}"/>
+                <a16:creationId xmlns:a16="http://schemas.microsoft.com/office/drawing/2014/main" id="{FAC477F1-4FBC-404B-AEEF-6A7653555993}"/>
               </a:ext>
             </a:extLst>
           </p:cNvPr>
@@ -9650,7 +10694,10 @@
           <a:bodyPr/>
           <a:lstStyle/>
           <a:p>
-            <a:endParaRPr lang="en-US"/>
+            <a:r>
+              <a:rPr lang="en-US" dirty="0"/>
+              <a:t>Feature Engineering</a:t>
+            </a:r>
           </a:p>
         </p:txBody>
       </p:sp>
@@ -9659,7 +10706,7 @@
           <p:cNvPr id="6" name="Content Placeholder 5">
             <a:extLst>
               <a:ext uri="{FF2B5EF4-FFF2-40B4-BE49-F238E27FC236}">
-                <a16:creationId xmlns:a16="http://schemas.microsoft.com/office/drawing/2014/main" id="{D4537803-017A-6C43-8965-23235FD67E2B}"/>
+                <a16:creationId xmlns:a16="http://schemas.microsoft.com/office/drawing/2014/main" id="{C3DC9D5F-B396-8A46-BF7D-C05C7AE76AFC}"/>
               </a:ext>
             </a:extLst>
           </p:cNvPr>
@@ -9670,19 +10717,29 @@
             <p:ph sz="quarter" idx="4"/>
           </p:nvPr>
         </p:nvSpPr>
-        <p:spPr/>
-        <p:txBody>
-          <a:bodyPr/>
+        <p:spPr>
+          <a:xfrm>
+            <a:off x="6187415" y="2751138"/>
+            <a:ext cx="5194583" cy="3908454"/>
+          </a:xfrm>
+        </p:spPr>
+        <p:txBody>
+          <a:bodyPr>
+            <a:normAutofit/>
+          </a:bodyPr>
           <a:lstStyle/>
           <a:p>
-            <a:endParaRPr lang="en-US"/>
+            <a:r>
+              <a:rPr lang="en-US" dirty="0"/>
+              <a:t>Describe transformer</a:t>
+            </a:r>
           </a:p>
         </p:txBody>
       </p:sp>
     </p:spTree>
     <p:extLst>
       <p:ext uri="{BB962C8B-B14F-4D97-AF65-F5344CB8AC3E}">
-        <p14:creationId xmlns:p14="http://schemas.microsoft.com/office/powerpoint/2010/main" val="1994469208"/>
+        <p14:creationId xmlns:p14="http://schemas.microsoft.com/office/powerpoint/2010/main" val="1234540890"/>
       </p:ext>
     </p:extLst>
   </p:cSld>
@@ -9714,7 +10771,7 @@
           <p:cNvPr id="2" name="Title 1">
             <a:extLst>
               <a:ext uri="{FF2B5EF4-FFF2-40B4-BE49-F238E27FC236}">
-                <a16:creationId xmlns:a16="http://schemas.microsoft.com/office/drawing/2014/main" id="{0CAFC94C-B8F1-2F46-8429-1C6AC60091C5}"/>
+                <a16:creationId xmlns:a16="http://schemas.microsoft.com/office/drawing/2014/main" id="{D9D8CB60-0A8C-9C4B-A752-E6E560BA3B7A}"/>
               </a:ext>
             </a:extLst>
           </p:cNvPr>
@@ -9732,8 +10789,23 @@
           <a:p>
             <a:r>
               <a:rPr lang="en-US" dirty="0"/>
-              <a:t>Results &amp; Discussion</a:t>
-            </a:r>
+              <a:t>Pipelines </a:t>
+            </a:r>
+            <a:r>
+              <a:rPr lang="en-US" sz="2400" dirty="0"/>
+              <a:t>- </a:t>
+            </a:r>
+            <a:r>
+              <a:rPr lang="en-US" sz="2400" dirty="0">
+                <a:solidFill>
+                  <a:schemeClr val="accent1">
+                    <a:lumMod val="50000"/>
+                  </a:schemeClr>
+                </a:solidFill>
+              </a:rPr>
+              <a:t>Lauren</a:t>
+            </a:r>
+            <a:endParaRPr lang="en-US" sz="2400" dirty="0"/>
           </a:p>
         </p:txBody>
       </p:sp>
@@ -9742,7 +10814,7 @@
           <p:cNvPr id="3" name="Text Placeholder 2">
             <a:extLst>
               <a:ext uri="{FF2B5EF4-FFF2-40B4-BE49-F238E27FC236}">
-                <a16:creationId xmlns:a16="http://schemas.microsoft.com/office/drawing/2014/main" id="{20A48431-64F0-3A41-9438-12793F22BE0C}"/>
+                <a16:creationId xmlns:a16="http://schemas.microsoft.com/office/drawing/2014/main" id="{5BDCF00A-B562-A54D-BF9D-1AE3FA38C9A2}"/>
               </a:ext>
             </a:extLst>
           </p:cNvPr>
@@ -9758,10 +10830,7 @@
           <a:bodyPr/>
           <a:lstStyle/>
           <a:p>
-            <a:r>
-              <a:rPr lang="en-US" dirty="0"/>
-              <a:t>Results Summary</a:t>
-            </a:r>
+            <a:endParaRPr lang="en-US"/>
           </a:p>
         </p:txBody>
       </p:sp>
@@ -9770,7 +10839,7 @@
           <p:cNvPr id="4" name="Content Placeholder 3">
             <a:extLst>
               <a:ext uri="{FF2B5EF4-FFF2-40B4-BE49-F238E27FC236}">
-                <a16:creationId xmlns:a16="http://schemas.microsoft.com/office/drawing/2014/main" id="{7E935AF4-F7C7-9748-99D9-82C158F6E60A}"/>
+                <a16:creationId xmlns:a16="http://schemas.microsoft.com/office/drawing/2014/main" id="{E7B95454-C76B-DC4E-8B7F-B8A3CFDCD7C8}"/>
               </a:ext>
             </a:extLst>
           </p:cNvPr>
@@ -9786,28 +10855,7 @@
           <a:bodyPr/>
           <a:lstStyle/>
           <a:p>
-            <a:r>
-              <a:rPr lang="en-US" dirty="0"/>
-              <a:t>Explain</a:t>
-            </a:r>
-          </a:p>
-          <a:p>
-            <a:r>
-              <a:rPr lang="en-US" dirty="0"/>
-              <a:t>Analyze</a:t>
-            </a:r>
-          </a:p>
-          <a:p>
-            <a:r>
-              <a:rPr lang="en-US" dirty="0"/>
-              <a:t>Compare</a:t>
-            </a:r>
-          </a:p>
-          <a:p>
-            <a:r>
-              <a:rPr lang="en-US" dirty="0"/>
-              <a:t>Outcomes to be discussed</a:t>
-            </a:r>
+            <a:endParaRPr lang="en-US"/>
           </a:p>
         </p:txBody>
       </p:sp>
@@ -9816,7 +10864,7 @@
           <p:cNvPr id="5" name="Text Placeholder 4">
             <a:extLst>
               <a:ext uri="{FF2B5EF4-FFF2-40B4-BE49-F238E27FC236}">
-                <a16:creationId xmlns:a16="http://schemas.microsoft.com/office/drawing/2014/main" id="{7E4336B0-BB02-A142-A285-FD9A822C128D}"/>
+                <a16:creationId xmlns:a16="http://schemas.microsoft.com/office/drawing/2014/main" id="{20ADD62E-D885-B34E-9B41-F05823741C00}"/>
               </a:ext>
             </a:extLst>
           </p:cNvPr>
@@ -9832,10 +10880,7 @@
           <a:bodyPr/>
           <a:lstStyle/>
           <a:p>
-            <a:r>
-              <a:rPr lang="en-US" dirty="0"/>
-              <a:t>Discussion</a:t>
-            </a:r>
+            <a:endParaRPr lang="en-US"/>
           </a:p>
         </p:txBody>
       </p:sp>
@@ -9844,7 +10889,7 @@
           <p:cNvPr id="6" name="Content Placeholder 5">
             <a:extLst>
               <a:ext uri="{FF2B5EF4-FFF2-40B4-BE49-F238E27FC236}">
-                <a16:creationId xmlns:a16="http://schemas.microsoft.com/office/drawing/2014/main" id="{D12C8C3A-B4EC-FE46-AD92-3ADD3B823098}"/>
+                <a16:creationId xmlns:a16="http://schemas.microsoft.com/office/drawing/2014/main" id="{D4537803-017A-6C43-8965-23235FD67E2B}"/>
               </a:ext>
             </a:extLst>
           </p:cNvPr>
@@ -9860,17 +10905,14 @@
           <a:bodyPr/>
           <a:lstStyle/>
           <a:p>
-            <a:r>
-              <a:rPr lang="en-US" dirty="0"/>
-              <a:t>Discussion for any of the results to the left</a:t>
-            </a:r>
+            <a:endParaRPr lang="en-US"/>
           </a:p>
         </p:txBody>
       </p:sp>
     </p:spTree>
     <p:extLst>
       <p:ext uri="{BB962C8B-B14F-4D97-AF65-F5344CB8AC3E}">
-        <p14:creationId xmlns:p14="http://schemas.microsoft.com/office/powerpoint/2010/main" val="4092814027"/>
+        <p14:creationId xmlns:p14="http://schemas.microsoft.com/office/powerpoint/2010/main" val="1994469208"/>
       </p:ext>
     </p:extLst>
   </p:cSld>
@@ -9899,10 +10941,10 @@
       </p:grpSpPr>
       <p:sp>
         <p:nvSpPr>
-          <p:cNvPr id="4" name="Title 3">
+          <p:cNvPr id="2" name="Title 1">
             <a:extLst>
               <a:ext uri="{FF2B5EF4-FFF2-40B4-BE49-F238E27FC236}">
-                <a16:creationId xmlns:a16="http://schemas.microsoft.com/office/drawing/2014/main" id="{EC0AB149-B447-AF4B-8887-B5326C0403CA}"/>
+                <a16:creationId xmlns:a16="http://schemas.microsoft.com/office/drawing/2014/main" id="{0CAFC94C-B8F1-2F46-8429-1C6AC60091C5}"/>
               </a:ext>
             </a:extLst>
           </p:cNvPr>
@@ -9913,20 +10955,126 @@
             <p:ph type="title"/>
           </p:nvPr>
         </p:nvSpPr>
-        <p:spPr>
-          <a:xfrm>
-            <a:off x="810000" y="0"/>
-            <a:ext cx="10561418" cy="966158"/>
-          </a:xfrm>
-        </p:spPr>
-        <p:txBody>
-          <a:bodyPr anchor="t"/>
+        <p:spPr/>
+        <p:txBody>
+          <a:bodyPr/>
           <a:lstStyle/>
           <a:p>
-            <a:pPr algn="l"/>
             <a:r>
               <a:rPr lang="en-US" dirty="0"/>
-              <a:t>Conclusion</a:t>
+              <a:t>Models </a:t>
+            </a:r>
+            <a:r>
+              <a:rPr lang="en-US" sz="2400" dirty="0"/>
+              <a:t>- </a:t>
+            </a:r>
+            <a:r>
+              <a:rPr lang="en-US" sz="2400" dirty="0">
+                <a:solidFill>
+                  <a:schemeClr val="accent1">
+                    <a:lumMod val="50000"/>
+                  </a:schemeClr>
+                </a:solidFill>
+              </a:rPr>
+              <a:t>Mangesh</a:t>
+            </a:r>
+            <a:endParaRPr lang="en-US" sz="2400" dirty="0"/>
+          </a:p>
+        </p:txBody>
+      </p:sp>
+      <p:sp>
+        <p:nvSpPr>
+          <p:cNvPr id="3" name="Text Placeholder 2">
+            <a:extLst>
+              <a:ext uri="{FF2B5EF4-FFF2-40B4-BE49-F238E27FC236}">
+                <a16:creationId xmlns:a16="http://schemas.microsoft.com/office/drawing/2014/main" id="{20A48431-64F0-3A41-9438-12793F22BE0C}"/>
+              </a:ext>
+            </a:extLst>
+          </p:cNvPr>
+          <p:cNvSpPr>
+            <a:spLocks noGrp="1"/>
+          </p:cNvSpPr>
+          <p:nvPr>
+            <p:ph type="body" idx="1"/>
+          </p:nvPr>
+        </p:nvSpPr>
+        <p:spPr/>
+        <p:txBody>
+          <a:bodyPr/>
+          <a:lstStyle/>
+          <a:p>
+            <a:r>
+              <a:rPr lang="en-US" dirty="0"/>
+              <a:t>Bounding Box Prediction</a:t>
+            </a:r>
+          </a:p>
+        </p:txBody>
+      </p:sp>
+      <p:sp>
+        <p:nvSpPr>
+          <p:cNvPr id="4" name="Content Placeholder 3">
+            <a:extLst>
+              <a:ext uri="{FF2B5EF4-FFF2-40B4-BE49-F238E27FC236}">
+                <a16:creationId xmlns:a16="http://schemas.microsoft.com/office/drawing/2014/main" id="{7E935AF4-F7C7-9748-99D9-82C158F6E60A}"/>
+              </a:ext>
+            </a:extLst>
+          </p:cNvPr>
+          <p:cNvSpPr>
+            <a:spLocks noGrp="1"/>
+          </p:cNvSpPr>
+          <p:nvPr>
+            <p:ph sz="half" idx="2"/>
+          </p:nvPr>
+        </p:nvSpPr>
+        <p:spPr/>
+        <p:txBody>
+          <a:bodyPr/>
+          <a:lstStyle/>
+          <a:p>
+            <a:pPr marL="0" indent="0">
+              <a:buNone/>
+            </a:pPr>
+            <a:r>
+              <a:rPr lang="en-US" dirty="0"/>
+              <a:t>3 models evaluated with </a:t>
+            </a:r>
+            <a:r>
+              <a:rPr lang="en-US" dirty="0" err="1"/>
+              <a:t>GridSearchCV</a:t>
+            </a:r>
+            <a:r>
+              <a:rPr lang="en-US" dirty="0"/>
+              <a:t> and different alpha parameters and KNN parameters.</a:t>
+            </a:r>
+          </a:p>
+          <a:p>
+            <a:r>
+              <a:rPr lang="en-US" dirty="0"/>
+              <a:t>Lasso Linear Regression</a:t>
+            </a:r>
+          </a:p>
+          <a:p>
+            <a:r>
+              <a:rPr lang="en-US" dirty="0"/>
+              <a:t>Ridge Linear Regression</a:t>
+            </a:r>
+          </a:p>
+          <a:p>
+            <a:r>
+              <a:rPr lang="en-US" dirty="0"/>
+              <a:t>K Nearest Neighbor</a:t>
+            </a:r>
+          </a:p>
+          <a:p>
+            <a:endParaRPr lang="en-US" dirty="0"/>
+          </a:p>
+          <a:p>
+            <a:pPr marL="0" indent="0">
+              <a:buNone/>
+            </a:pPr>
+            <a:r>
+              <a:rPr lang="en-US" dirty="0"/>
+              <a:t>Best model: Lasso LR with alpha = 10</a:t>
             </a:r>
           </a:p>
         </p:txBody>
@@ -9936,7 +11084,7 @@
           <p:cNvPr id="5" name="Text Placeholder 4">
             <a:extLst>
               <a:ext uri="{FF2B5EF4-FFF2-40B4-BE49-F238E27FC236}">
-                <a16:creationId xmlns:a16="http://schemas.microsoft.com/office/drawing/2014/main" id="{55E1DCA8-3A3A-A244-9131-8F06A16B2D32}"/>
+                <a16:creationId xmlns:a16="http://schemas.microsoft.com/office/drawing/2014/main" id="{7E4336B0-BB02-A142-A285-FD9A822C128D}"/>
               </a:ext>
             </a:extLst>
           </p:cNvPr>
@@ -9944,7 +11092,7 @@
             <a:spLocks noGrp="1"/>
           </p:cNvSpPr>
           <p:nvPr>
-            <p:ph type="body" idx="1"/>
+            <p:ph type="body" sz="quarter" idx="3"/>
           </p:nvPr>
         </p:nvSpPr>
         <p:spPr/>
@@ -9954,131 +11102,54 @@
           <a:p>
             <a:r>
               <a:rPr lang="en-US" dirty="0"/>
-              <a:t>Next Steps:</a:t>
-            </a:r>
-          </a:p>
-        </p:txBody>
-      </p:sp>
-      <p:sp>
-        <p:nvSpPr>
-          <p:cNvPr id="6" name="TextBox 5">
+              <a:t>Classification</a:t>
+            </a:r>
+          </a:p>
+        </p:txBody>
+      </p:sp>
+      <p:sp>
+        <p:nvSpPr>
+          <p:cNvPr id="6" name="Content Placeholder 5">
             <a:extLst>
               <a:ext uri="{FF2B5EF4-FFF2-40B4-BE49-F238E27FC236}">
-                <a16:creationId xmlns:a16="http://schemas.microsoft.com/office/drawing/2014/main" id="{32DEDE8E-EB7C-6548-9161-48A7D91BC726}"/>
+                <a16:creationId xmlns:a16="http://schemas.microsoft.com/office/drawing/2014/main" id="{D12C8C3A-B4EC-FE46-AD92-3ADD3B823098}"/>
               </a:ext>
             </a:extLst>
           </p:cNvPr>
-          <p:cNvSpPr txBox="1"/>
-          <p:nvPr/>
-        </p:nvSpPr>
-        <p:spPr>
-          <a:xfrm>
-            <a:off x="1155939" y="966158"/>
-            <a:ext cx="9558068" cy="3139321"/>
-          </a:xfrm>
-          <a:prstGeom prst="rect">
-            <a:avLst/>
-          </a:prstGeom>
-          <a:noFill/>
-        </p:spPr>
-        <p:txBody>
-          <a:bodyPr wrap="square" rtlCol="0">
-            <a:spAutoFit/>
-          </a:bodyPr>
+          <p:cNvSpPr>
+            <a:spLocks noGrp="1"/>
+          </p:cNvSpPr>
+          <p:nvPr>
+            <p:ph sz="quarter" idx="4"/>
+          </p:nvPr>
+        </p:nvSpPr>
+        <p:spPr/>
+        <p:txBody>
+          <a:bodyPr/>
           <a:lstStyle/>
           <a:p>
             <a:r>
-              <a:rPr lang="en-US" dirty="0">
-                <a:solidFill>
-                  <a:schemeClr val="bg1"/>
-                </a:solidFill>
-              </a:rPr>
-              <a:t>Conclusion should be 150 words</a:t>
-            </a:r>
-          </a:p>
-          <a:p>
-            <a:endParaRPr lang="en-US" dirty="0">
-              <a:solidFill>
-                <a:schemeClr val="bg1"/>
-              </a:solidFill>
-            </a:endParaRPr>
-          </a:p>
-          <a:p>
-            <a:r>
-              <a:rPr lang="en-US" dirty="0">
-                <a:solidFill>
-                  <a:schemeClr val="bg1"/>
-                </a:solidFill>
-              </a:rPr>
-              <a:t>Restate project focus &amp; why important.</a:t>
-            </a:r>
-          </a:p>
-          <a:p>
-            <a:endParaRPr lang="en-US" dirty="0">
-              <a:solidFill>
-                <a:schemeClr val="bg1"/>
-              </a:solidFill>
-            </a:endParaRPr>
-          </a:p>
-          <a:p>
-            <a:r>
-              <a:rPr lang="en-US" dirty="0">
-                <a:solidFill>
-                  <a:schemeClr val="bg1"/>
-                </a:solidFill>
-              </a:rPr>
-              <a:t>Restate hypothesis. </a:t>
-            </a:r>
-          </a:p>
-          <a:p>
-            <a:endParaRPr lang="en-US" dirty="0">
-              <a:solidFill>
-                <a:schemeClr val="bg1"/>
-              </a:solidFill>
-            </a:endParaRPr>
-          </a:p>
-          <a:p>
-            <a:r>
-              <a:rPr lang="en-US" dirty="0">
-                <a:solidFill>
-                  <a:schemeClr val="bg1"/>
-                </a:solidFill>
-              </a:rPr>
-              <a:t>Summarize main points.</a:t>
-            </a:r>
-          </a:p>
-          <a:p>
-            <a:endParaRPr lang="en-US" dirty="0">
-              <a:solidFill>
-                <a:schemeClr val="bg1"/>
-              </a:solidFill>
-            </a:endParaRPr>
-          </a:p>
-          <a:p>
-            <a:r>
-              <a:rPr lang="en-US" dirty="0">
-                <a:solidFill>
-                  <a:schemeClr val="bg1"/>
-                </a:solidFill>
-              </a:rPr>
-              <a:t>Significance of results?</a:t>
-            </a:r>
-          </a:p>
-          <a:p>
-            <a:endParaRPr lang="en-US" dirty="0">
-              <a:solidFill>
-                <a:schemeClr val="bg1"/>
-              </a:solidFill>
-            </a:endParaRPr>
-          </a:p>
-          <a:p>
-            <a:r>
-              <a:rPr lang="en-US" dirty="0">
-                <a:solidFill>
-                  <a:schemeClr val="bg1"/>
-                </a:solidFill>
-              </a:rPr>
-              <a:t>Future of project (next steps) &amp; closing thoughts.</a:t>
+              <a:rPr lang="en-US" dirty="0" err="1"/>
+              <a:t>SKLearn</a:t>
+            </a:r>
+            <a:r>
+              <a:rPr lang="en-US" dirty="0"/>
+              <a:t> Logistic Regression model</a:t>
+            </a:r>
+          </a:p>
+          <a:p>
+            <a:r>
+              <a:rPr lang="en-US" dirty="0"/>
+              <a:t>Homegrown Logistic Regression model using gradient descent</a:t>
+            </a:r>
+          </a:p>
+          <a:p>
+            <a:pPr marL="0" indent="0">
+              <a:buNone/>
+            </a:pPr>
+            <a:r>
+              <a:rPr lang="en-US" dirty="0"/>
+              <a:t>We did not have sufficient time to perform CV on these two models, but ran them both through training and test sets to compare predictions and performance.</a:t>
             </a:r>
           </a:p>
         </p:txBody>
@@ -10086,7 +11157,210 @@
     </p:spTree>
     <p:extLst>
       <p:ext uri="{BB962C8B-B14F-4D97-AF65-F5344CB8AC3E}">
-        <p14:creationId xmlns:p14="http://schemas.microsoft.com/office/powerpoint/2010/main" val="4158359496"/>
+        <p14:creationId xmlns:p14="http://schemas.microsoft.com/office/powerpoint/2010/main" val="4092814027"/>
+      </p:ext>
+    </p:extLst>
+  </p:cSld>
+  <p:clrMapOvr>
+    <a:masterClrMapping/>
+  </p:clrMapOvr>
+</p:sld>
+</file>
+
+<file path=ppt/slides/slide9.xml><?xml version="1.0" encoding="utf-8"?>
+<p:sld xmlns:a="http://schemas.openxmlformats.org/drawingml/2006/main" xmlns:r="http://schemas.openxmlformats.org/officeDocument/2006/relationships" xmlns:p="http://schemas.openxmlformats.org/presentationml/2006/main">
+  <p:cSld>
+    <p:spTree>
+      <p:nvGrpSpPr>
+        <p:cNvPr id="1" name=""/>
+        <p:cNvGrpSpPr/>
+        <p:nvPr/>
+      </p:nvGrpSpPr>
+      <p:grpSpPr>
+        <a:xfrm>
+          <a:off x="0" y="0"/>
+          <a:ext cx="0" cy="0"/>
+          <a:chOff x="0" y="0"/>
+          <a:chExt cx="0" cy="0"/>
+        </a:xfrm>
+      </p:grpSpPr>
+      <p:sp>
+        <p:nvSpPr>
+          <p:cNvPr id="2" name="Title 1">
+            <a:extLst>
+              <a:ext uri="{FF2B5EF4-FFF2-40B4-BE49-F238E27FC236}">
+                <a16:creationId xmlns:a16="http://schemas.microsoft.com/office/drawing/2014/main" id="{0CAFC94C-B8F1-2F46-8429-1C6AC60091C5}"/>
+              </a:ext>
+            </a:extLst>
+          </p:cNvPr>
+          <p:cNvSpPr>
+            <a:spLocks noGrp="1"/>
+          </p:cNvSpPr>
+          <p:nvPr>
+            <p:ph type="title"/>
+          </p:nvPr>
+        </p:nvSpPr>
+        <p:spPr/>
+        <p:txBody>
+          <a:bodyPr/>
+          <a:lstStyle/>
+          <a:p>
+            <a:r>
+              <a:rPr lang="en-US" dirty="0"/>
+              <a:t>Metrics, Results, Discussion </a:t>
+            </a:r>
+            <a:r>
+              <a:rPr lang="en-US" sz="2400" dirty="0"/>
+              <a:t>- </a:t>
+            </a:r>
+            <a:r>
+              <a:rPr lang="en-US" sz="2400" dirty="0">
+                <a:solidFill>
+                  <a:schemeClr val="accent1">
+                    <a:lumMod val="50000"/>
+                  </a:schemeClr>
+                </a:solidFill>
+              </a:rPr>
+              <a:t>Ben</a:t>
+            </a:r>
+            <a:endParaRPr lang="en-US" sz="2400" dirty="0"/>
+          </a:p>
+        </p:txBody>
+      </p:sp>
+      <p:sp>
+        <p:nvSpPr>
+          <p:cNvPr id="3" name="Text Placeholder 2">
+            <a:extLst>
+              <a:ext uri="{FF2B5EF4-FFF2-40B4-BE49-F238E27FC236}">
+                <a16:creationId xmlns:a16="http://schemas.microsoft.com/office/drawing/2014/main" id="{20A48431-64F0-3A41-9438-12793F22BE0C}"/>
+              </a:ext>
+            </a:extLst>
+          </p:cNvPr>
+          <p:cNvSpPr>
+            <a:spLocks noGrp="1"/>
+          </p:cNvSpPr>
+          <p:nvPr>
+            <p:ph type="body" idx="1"/>
+          </p:nvPr>
+        </p:nvSpPr>
+        <p:spPr/>
+        <p:txBody>
+          <a:bodyPr/>
+          <a:lstStyle/>
+          <a:p>
+            <a:r>
+              <a:rPr lang="en-US" dirty="0"/>
+              <a:t>Results Summary</a:t>
+            </a:r>
+          </a:p>
+        </p:txBody>
+      </p:sp>
+      <p:sp>
+        <p:nvSpPr>
+          <p:cNvPr id="4" name="Content Placeholder 3">
+            <a:extLst>
+              <a:ext uri="{FF2B5EF4-FFF2-40B4-BE49-F238E27FC236}">
+                <a16:creationId xmlns:a16="http://schemas.microsoft.com/office/drawing/2014/main" id="{7E935AF4-F7C7-9748-99D9-82C158F6E60A}"/>
+              </a:ext>
+            </a:extLst>
+          </p:cNvPr>
+          <p:cNvSpPr>
+            <a:spLocks noGrp="1"/>
+          </p:cNvSpPr>
+          <p:nvPr>
+            <p:ph sz="half" idx="2"/>
+          </p:nvPr>
+        </p:nvSpPr>
+        <p:spPr/>
+        <p:txBody>
+          <a:bodyPr/>
+          <a:lstStyle/>
+          <a:p>
+            <a:r>
+              <a:rPr lang="en-US" dirty="0"/>
+              <a:t>Explain</a:t>
+            </a:r>
+          </a:p>
+          <a:p>
+            <a:r>
+              <a:rPr lang="en-US" dirty="0"/>
+              <a:t>Analyze</a:t>
+            </a:r>
+          </a:p>
+          <a:p>
+            <a:r>
+              <a:rPr lang="en-US" dirty="0"/>
+              <a:t>Compare</a:t>
+            </a:r>
+          </a:p>
+          <a:p>
+            <a:r>
+              <a:rPr lang="en-US" dirty="0"/>
+              <a:t>Outcomes to be discussed</a:t>
+            </a:r>
+          </a:p>
+        </p:txBody>
+      </p:sp>
+      <p:sp>
+        <p:nvSpPr>
+          <p:cNvPr id="5" name="Text Placeholder 4">
+            <a:extLst>
+              <a:ext uri="{FF2B5EF4-FFF2-40B4-BE49-F238E27FC236}">
+                <a16:creationId xmlns:a16="http://schemas.microsoft.com/office/drawing/2014/main" id="{7E4336B0-BB02-A142-A285-FD9A822C128D}"/>
+              </a:ext>
+            </a:extLst>
+          </p:cNvPr>
+          <p:cNvSpPr>
+            <a:spLocks noGrp="1"/>
+          </p:cNvSpPr>
+          <p:nvPr>
+            <p:ph type="body" sz="quarter" idx="3"/>
+          </p:nvPr>
+        </p:nvSpPr>
+        <p:spPr/>
+        <p:txBody>
+          <a:bodyPr/>
+          <a:lstStyle/>
+          <a:p>
+            <a:r>
+              <a:rPr lang="en-US" dirty="0"/>
+              <a:t>Discussion</a:t>
+            </a:r>
+          </a:p>
+        </p:txBody>
+      </p:sp>
+      <p:sp>
+        <p:nvSpPr>
+          <p:cNvPr id="6" name="Content Placeholder 5">
+            <a:extLst>
+              <a:ext uri="{FF2B5EF4-FFF2-40B4-BE49-F238E27FC236}">
+                <a16:creationId xmlns:a16="http://schemas.microsoft.com/office/drawing/2014/main" id="{D12C8C3A-B4EC-FE46-AD92-3ADD3B823098}"/>
+              </a:ext>
+            </a:extLst>
+          </p:cNvPr>
+          <p:cNvSpPr>
+            <a:spLocks noGrp="1"/>
+          </p:cNvSpPr>
+          <p:nvPr>
+            <p:ph sz="quarter" idx="4"/>
+          </p:nvPr>
+        </p:nvSpPr>
+        <p:spPr/>
+        <p:txBody>
+          <a:bodyPr/>
+          <a:lstStyle/>
+          <a:p>
+            <a:r>
+              <a:rPr lang="en-US" dirty="0"/>
+              <a:t>Discussion for any of the results to the left</a:t>
+            </a:r>
+          </a:p>
+        </p:txBody>
+      </p:sp>
+    </p:spTree>
+    <p:extLst>
+      <p:ext uri="{BB962C8B-B14F-4D97-AF65-F5344CB8AC3E}">
+        <p14:creationId xmlns:p14="http://schemas.microsoft.com/office/powerpoint/2010/main" val="3656580415"/>
       </p:ext>
     </p:extLst>
   </p:cSld>

--- a/other/Group2_Phase1.pptx
+++ b/other/Group2_Phase1.pptx
@@ -5,7 +5,7 @@
     <p:sldMasterId id="2147483660" r:id="rId1"/>
   </p:sldMasterIdLst>
   <p:notesMasterIdLst>
-    <p:notesMasterId r:id="rId12"/>
+    <p:notesMasterId r:id="rId13"/>
   </p:notesMasterIdLst>
   <p:sldIdLst>
     <p:sldId id="256" r:id="rId2"/>
@@ -17,7 +17,8 @@
     <p:sldId id="260" r:id="rId8"/>
     <p:sldId id="261" r:id="rId9"/>
     <p:sldId id="265" r:id="rId10"/>
-    <p:sldId id="262" r:id="rId11"/>
+    <p:sldId id="266" r:id="rId11"/>
+    <p:sldId id="262" r:id="rId12"/>
   </p:sldIdLst>
   <p:sldSz cx="12192000" cy="6858000"/>
   <p:notesSz cx="6858000" cy="9144000"/>
@@ -760,6 +761,303 @@
 </p:notes>
 </file>
 
+<file path=ppt/notesSlides/notesSlide10.xml><?xml version="1.0" encoding="utf-8"?>
+<p:notes xmlns:a="http://schemas.openxmlformats.org/drawingml/2006/main" xmlns:r="http://schemas.openxmlformats.org/officeDocument/2006/relationships" xmlns:p="http://schemas.openxmlformats.org/presentationml/2006/main">
+  <p:cSld>
+    <p:spTree>
+      <p:nvGrpSpPr>
+        <p:cNvPr id="1" name=""/>
+        <p:cNvGrpSpPr/>
+        <p:nvPr/>
+      </p:nvGrpSpPr>
+      <p:grpSpPr>
+        <a:xfrm>
+          <a:off x="0" y="0"/>
+          <a:ext cx="0" cy="0"/>
+          <a:chOff x="0" y="0"/>
+          <a:chExt cx="0" cy="0"/>
+        </a:xfrm>
+      </p:grpSpPr>
+      <p:sp>
+        <p:nvSpPr>
+          <p:cNvPr id="2" name="Slide Image Placeholder 1"/>
+          <p:cNvSpPr>
+            <a:spLocks noGrp="1" noRot="1" noChangeAspect="1"/>
+          </p:cNvSpPr>
+          <p:nvPr>
+            <p:ph type="sldImg"/>
+          </p:nvPr>
+        </p:nvSpPr>
+        <p:spPr/>
+      </p:sp>
+      <p:sp>
+        <p:nvSpPr>
+          <p:cNvPr id="3" name="Notes Placeholder 2"/>
+          <p:cNvSpPr>
+            <a:spLocks noGrp="1"/>
+          </p:cNvSpPr>
+          <p:nvPr>
+            <p:ph type="body" idx="1"/>
+          </p:nvPr>
+        </p:nvSpPr>
+        <p:spPr/>
+        <p:txBody>
+          <a:bodyPr/>
+          <a:lstStyle/>
+          <a:p>
+            <a:pPr marL="0" marR="0" lvl="0" indent="0" algn="l" defTabSz="914400" rtl="0" eaLnBrk="1" fontAlgn="auto" latinLnBrk="0" hangingPunct="1">
+              <a:lnSpc>
+                <a:spcPct val="100000"/>
+              </a:lnSpc>
+              <a:spcBef>
+                <a:spcPts val="0"/>
+              </a:spcBef>
+              <a:spcAft>
+                <a:spcPts val="0"/>
+              </a:spcAft>
+              <a:buClrTx/>
+              <a:buSzTx/>
+              <a:buFontTx/>
+              <a:buNone/>
+              <a:tabLst/>
+              <a:defRPr/>
+            </a:pPr>
+            <a:r>
+              <a:rPr lang="en-US" sz="1200" b="0" i="0" kern="1200" dirty="0" err="1">
+                <a:solidFill>
+                  <a:schemeClr val="tx1"/>
+                </a:solidFill>
+                <a:effectLst/>
+                <a:latin typeface="+mn-lt"/>
+                <a:ea typeface="+mn-ea"/>
+                <a:cs typeface="+mn-cs"/>
+              </a:rPr>
+              <a:t>ConclusionExpectations</a:t>
+            </a:r>
+            <a:r>
+              <a:rPr lang="en-US" sz="1200" b="0" i="0" kern="1200" dirty="0">
+                <a:solidFill>
+                  <a:schemeClr val="tx1"/>
+                </a:solidFill>
+                <a:effectLst/>
+                <a:latin typeface="+mn-lt"/>
+                <a:ea typeface="+mn-ea"/>
+                <a:cs typeface="+mn-cs"/>
+              </a:rPr>
+              <a:t> here are to address the following following in your conclusion (in about 150 words) in a main section by itself:</a:t>
+            </a:r>
+            <a:br>
+              <a:rPr lang="en-US" sz="1200" b="0" i="0" kern="1200" dirty="0">
+                <a:solidFill>
+                  <a:schemeClr val="tx1"/>
+                </a:solidFill>
+                <a:effectLst/>
+                <a:latin typeface="+mn-lt"/>
+                <a:ea typeface="+mn-ea"/>
+                <a:cs typeface="+mn-cs"/>
+              </a:rPr>
+            </a:br>
+            <a:br>
+              <a:rPr lang="en-US" sz="1200" b="0" i="0" kern="1200" dirty="0">
+                <a:solidFill>
+                  <a:schemeClr val="tx1"/>
+                </a:solidFill>
+                <a:effectLst/>
+                <a:latin typeface="+mn-lt"/>
+                <a:ea typeface="+mn-ea"/>
+                <a:cs typeface="+mn-cs"/>
+              </a:rPr>
+            </a:br>
+            <a:r>
+              <a:rPr lang="en-US" sz="1200" b="0" i="0" kern="1200" dirty="0">
+                <a:solidFill>
+                  <a:schemeClr val="tx1"/>
+                </a:solidFill>
+                <a:effectLst/>
+                <a:latin typeface="+mn-lt"/>
+                <a:ea typeface="+mn-ea"/>
+                <a:cs typeface="+mn-cs"/>
+              </a:rPr>
+              <a:t>-- Restate your project focus explain why it’s important. Make sure that this part of the conclusion is concise and clear.</a:t>
+            </a:r>
+            <a:br>
+              <a:rPr lang="en-US" sz="1200" b="0" i="0" kern="1200" dirty="0">
+                <a:solidFill>
+                  <a:schemeClr val="tx1"/>
+                </a:solidFill>
+                <a:effectLst/>
+                <a:latin typeface="+mn-lt"/>
+                <a:ea typeface="+mn-ea"/>
+                <a:cs typeface="+mn-cs"/>
+              </a:rPr>
+            </a:br>
+            <a:br>
+              <a:rPr lang="en-US" sz="1200" b="0" i="0" kern="1200" dirty="0">
+                <a:solidFill>
+                  <a:schemeClr val="tx1"/>
+                </a:solidFill>
+                <a:effectLst/>
+                <a:latin typeface="+mn-lt"/>
+                <a:ea typeface="+mn-ea"/>
+                <a:cs typeface="+mn-cs"/>
+              </a:rPr>
+            </a:br>
+            <a:r>
+              <a:rPr lang="en-US" sz="1200" b="0" i="0" kern="1200" dirty="0">
+                <a:solidFill>
+                  <a:schemeClr val="tx1"/>
+                </a:solidFill>
+                <a:effectLst/>
+                <a:latin typeface="+mn-lt"/>
+                <a:ea typeface="+mn-ea"/>
+                <a:cs typeface="+mn-cs"/>
+              </a:rPr>
+              <a:t>-- Restate your hypothesis (e.g., ML pipelines with custom features can accurately forecast box office returns)</a:t>
+            </a:r>
+            <a:br>
+              <a:rPr lang="en-US" sz="1200" b="0" i="0" kern="1200" dirty="0">
+                <a:solidFill>
+                  <a:schemeClr val="tx1"/>
+                </a:solidFill>
+                <a:effectLst/>
+                <a:latin typeface="+mn-lt"/>
+                <a:ea typeface="+mn-ea"/>
+                <a:cs typeface="+mn-cs"/>
+              </a:rPr>
+            </a:br>
+            <a:br>
+              <a:rPr lang="en-US" sz="1200" b="0" i="0" kern="1200" dirty="0">
+                <a:solidFill>
+                  <a:schemeClr val="tx1"/>
+                </a:solidFill>
+                <a:effectLst/>
+                <a:latin typeface="+mn-lt"/>
+                <a:ea typeface="+mn-ea"/>
+                <a:cs typeface="+mn-cs"/>
+              </a:rPr>
+            </a:br>
+            <a:r>
+              <a:rPr lang="en-US" sz="1200" b="0" i="0" kern="1200" dirty="0">
+                <a:solidFill>
+                  <a:schemeClr val="tx1"/>
+                </a:solidFill>
+                <a:effectLst/>
+                <a:latin typeface="+mn-lt"/>
+                <a:ea typeface="+mn-ea"/>
+                <a:cs typeface="+mn-cs"/>
+              </a:rPr>
+              <a:t>-- Summarize main points of your project: Remind your readers your key points.</a:t>
+            </a:r>
+            <a:br>
+              <a:rPr lang="en-US" sz="1200" b="0" i="0" kern="1200" dirty="0">
+                <a:solidFill>
+                  <a:schemeClr val="tx1"/>
+                </a:solidFill>
+                <a:effectLst/>
+                <a:latin typeface="+mn-lt"/>
+                <a:ea typeface="+mn-ea"/>
+                <a:cs typeface="+mn-cs"/>
+              </a:rPr>
+            </a:br>
+            <a:br>
+              <a:rPr lang="en-US" sz="1200" b="0" i="0" kern="1200" dirty="0">
+                <a:solidFill>
+                  <a:schemeClr val="tx1"/>
+                </a:solidFill>
+                <a:effectLst/>
+                <a:latin typeface="+mn-lt"/>
+                <a:ea typeface="+mn-ea"/>
+                <a:cs typeface="+mn-cs"/>
+              </a:rPr>
+            </a:br>
+            <a:r>
+              <a:rPr lang="en-US" sz="1200" b="0" i="0" kern="1200" dirty="0">
+                <a:solidFill>
+                  <a:schemeClr val="tx1"/>
+                </a:solidFill>
+                <a:effectLst/>
+                <a:latin typeface="+mn-lt"/>
+                <a:ea typeface="+mn-ea"/>
+                <a:cs typeface="+mn-cs"/>
+              </a:rPr>
+              <a:t>-- Discuss the significance of your results</a:t>
+            </a:r>
+            <a:br>
+              <a:rPr lang="en-US" sz="1200" b="0" i="0" kern="1200" dirty="0">
+                <a:solidFill>
+                  <a:schemeClr val="tx1"/>
+                </a:solidFill>
+                <a:effectLst/>
+                <a:latin typeface="+mn-lt"/>
+                <a:ea typeface="+mn-ea"/>
+                <a:cs typeface="+mn-cs"/>
+              </a:rPr>
+            </a:br>
+            <a:br>
+              <a:rPr lang="en-US" sz="1200" b="0" i="0" kern="1200" dirty="0">
+                <a:solidFill>
+                  <a:schemeClr val="tx1"/>
+                </a:solidFill>
+                <a:effectLst/>
+                <a:latin typeface="+mn-lt"/>
+                <a:ea typeface="+mn-ea"/>
+                <a:cs typeface="+mn-cs"/>
+              </a:rPr>
+            </a:br>
+            <a:r>
+              <a:rPr lang="en-US" sz="1200" b="0" i="0" kern="1200" dirty="0">
+                <a:solidFill>
+                  <a:schemeClr val="tx1"/>
+                </a:solidFill>
+                <a:effectLst/>
+                <a:latin typeface="+mn-lt"/>
+                <a:ea typeface="+mn-ea"/>
+                <a:cs typeface="+mn-cs"/>
+              </a:rPr>
+              <a:t>-- Discuss the future of your project and closing thoughts.</a:t>
+            </a:r>
+          </a:p>
+          <a:p>
+            <a:endParaRPr lang="en-US" dirty="0"/>
+          </a:p>
+        </p:txBody>
+      </p:sp>
+      <p:sp>
+        <p:nvSpPr>
+          <p:cNvPr id="4" name="Slide Number Placeholder 3"/>
+          <p:cNvSpPr>
+            <a:spLocks noGrp="1"/>
+          </p:cNvSpPr>
+          <p:nvPr>
+            <p:ph type="sldNum" sz="quarter" idx="5"/>
+          </p:nvPr>
+        </p:nvSpPr>
+        <p:spPr/>
+        <p:txBody>
+          <a:bodyPr/>
+          <a:lstStyle/>
+          <a:p>
+            <a:fld id="{25E2E259-F0C1-274B-BB83-2518BC0EEFC9}" type="slidenum">
+              <a:rPr lang="en-US" smtClean="0"/>
+              <a:t>11</a:t>
+            </a:fld>
+            <a:endParaRPr lang="en-US"/>
+          </a:p>
+        </p:txBody>
+      </p:sp>
+    </p:spTree>
+    <p:extLst>
+      <p:ext uri="{BB962C8B-B14F-4D97-AF65-F5344CB8AC3E}">
+        <p14:creationId xmlns:p14="http://schemas.microsoft.com/office/powerpoint/2010/main" val="1123696513"/>
+      </p:ext>
+    </p:extLst>
+  </p:cSld>
+  <p:clrMapOvr>
+    <a:masterClrMapping/>
+  </p:clrMapOvr>
+</p:notes>
+</file>
+
 <file path=ppt/notesSlides/notesSlide2.xml><?xml version="1.0" encoding="utf-8"?>
 <p:notes xmlns:a="http://schemas.openxmlformats.org/drawingml/2006/main" xmlns:r="http://schemas.openxmlformats.org/officeDocument/2006/relationships" xmlns:p="http://schemas.openxmlformats.org/presentationml/2006/main">
   <p:cSld>
@@ -3179,28 +3477,78 @@
               <a:defRPr/>
             </a:pPr>
             <a:r>
-              <a:rPr lang="en-US" sz="1200" b="0" i="0" kern="1200" dirty="0" err="1">
-                <a:solidFill>
-                  <a:schemeClr val="tx1"/>
-                </a:solidFill>
-                <a:effectLst/>
-                <a:latin typeface="+mn-lt"/>
-                <a:ea typeface="+mn-ea"/>
-                <a:cs typeface="+mn-cs"/>
-              </a:rPr>
-              <a:t>ConclusionExpectations</a:t>
-            </a:r>
-            <a:r>
-              <a:rPr lang="en-US" sz="1200" b="0" i="0" kern="1200" dirty="0">
-                <a:solidFill>
-                  <a:schemeClr val="tx1"/>
-                </a:solidFill>
-                <a:effectLst/>
-                <a:latin typeface="+mn-lt"/>
-                <a:ea typeface="+mn-ea"/>
-                <a:cs typeface="+mn-cs"/>
-              </a:rPr>
-              <a:t> here are to address the following following in your conclusion (in about 150 words) in a main section by itself:</a:t>
+              <a:rPr lang="en-US" sz="1200" b="0" i="0" kern="1200" dirty="0">
+                <a:solidFill>
+                  <a:schemeClr val="tx1"/>
+                </a:solidFill>
+                <a:effectLst/>
+                <a:latin typeface="+mn-lt"/>
+                <a:ea typeface="+mn-ea"/>
+                <a:cs typeface="+mn-cs"/>
+              </a:rPr>
+              <a:t>This criterion is linked to a Learning Outcome</a:t>
+            </a:r>
+          </a:p>
+          <a:p>
+            <a:pPr marL="0" marR="0" lvl="0" indent="0" algn="l" defTabSz="914400" rtl="0" eaLnBrk="1" fontAlgn="auto" latinLnBrk="0" hangingPunct="1">
+              <a:lnSpc>
+                <a:spcPct val="100000"/>
+              </a:lnSpc>
+              <a:spcBef>
+                <a:spcPts val="0"/>
+              </a:spcBef>
+              <a:spcAft>
+                <a:spcPts val="0"/>
+              </a:spcAft>
+              <a:buClrTx/>
+              <a:buSzTx/>
+              <a:buFontTx/>
+              <a:buNone/>
+              <a:tabLst/>
+              <a:defRPr/>
+            </a:pPr>
+            <a:r>
+              <a:rPr lang="en-US" sz="1200" b="0" i="0" kern="1200" dirty="0">
+                <a:solidFill>
+                  <a:schemeClr val="tx1"/>
+                </a:solidFill>
+                <a:effectLst/>
+                <a:latin typeface="+mn-lt"/>
+                <a:ea typeface="+mn-ea"/>
+                <a:cs typeface="+mn-cs"/>
+              </a:rPr>
+              <a:t>Results and discussion of results</a:t>
+            </a:r>
+          </a:p>
+          <a:p>
+            <a:pPr marL="0" marR="0" lvl="0" indent="0" algn="l" defTabSz="914400" rtl="0" eaLnBrk="1" fontAlgn="auto" latinLnBrk="0" hangingPunct="1">
+              <a:lnSpc>
+                <a:spcPct val="100000"/>
+              </a:lnSpc>
+              <a:spcBef>
+                <a:spcPts val="0"/>
+              </a:spcBef>
+              <a:spcAft>
+                <a:spcPts val="0"/>
+              </a:spcAft>
+              <a:buClrTx/>
+              <a:buSzTx/>
+              <a:buFontTx/>
+              <a:buNone/>
+              <a:tabLst/>
+              <a:defRPr/>
+            </a:pPr>
+            <a:r>
+              <a:rPr lang="en-US" sz="1200" b="0" i="0" kern="1200" dirty="0">
+                <a:solidFill>
+                  <a:schemeClr val="tx1"/>
+                </a:solidFill>
+                <a:effectLst/>
+                <a:latin typeface="+mn-lt"/>
+                <a:ea typeface="+mn-ea"/>
+                <a:cs typeface="+mn-cs"/>
+              </a:rPr>
+              <a:t>Expectations here are to provide the following in sections and subsections:</a:t>
             </a:r>
             <a:br>
               <a:rPr lang="en-US" sz="1200" b="0" i="0" kern="1200" dirty="0">
@@ -3234,143 +3582,31 @@
                 <a:ea typeface="+mn-ea"/>
                 <a:cs typeface="+mn-cs"/>
               </a:rPr>
-              <a:t>-- Restate your project focus explain why it’s important. Make sure that this part of the conclusion is concise and clear.</a:t>
-            </a:r>
-            <a:br>
-              <a:rPr lang="en-US" sz="1200" b="0" i="0" kern="1200" dirty="0">
-                <a:solidFill>
-                  <a:schemeClr val="tx1"/>
-                </a:solidFill>
-                <a:effectLst/>
-                <a:latin typeface="+mn-lt"/>
-                <a:ea typeface="+mn-ea"/>
-                <a:cs typeface="+mn-cs"/>
-              </a:rPr>
-            </a:br>
-            <a:br>
-              <a:rPr lang="en-US" sz="1200" b="0" i="0" kern="1200" dirty="0">
-                <a:solidFill>
-                  <a:schemeClr val="tx1"/>
-                </a:solidFill>
-                <a:effectLst/>
-                <a:latin typeface="+mn-lt"/>
-                <a:ea typeface="+mn-ea"/>
-                <a:cs typeface="+mn-cs"/>
-              </a:rPr>
-            </a:br>
-            <a:r>
-              <a:rPr lang="en-US" sz="1200" b="0" i="0" kern="1200" dirty="0">
-                <a:solidFill>
-                  <a:schemeClr val="tx1"/>
-                </a:solidFill>
-                <a:effectLst/>
-                <a:latin typeface="+mn-lt"/>
-                <a:ea typeface="+mn-ea"/>
-                <a:cs typeface="+mn-cs"/>
-              </a:rPr>
-              <a:t>-- Restate your hypothesis (e.g., ML pipelines with custom features can accurately forecast box office returns)</a:t>
-            </a:r>
-            <a:br>
-              <a:rPr lang="en-US" sz="1200" b="0" i="0" kern="1200" dirty="0">
-                <a:solidFill>
-                  <a:schemeClr val="tx1"/>
-                </a:solidFill>
-                <a:effectLst/>
-                <a:latin typeface="+mn-lt"/>
-                <a:ea typeface="+mn-ea"/>
-                <a:cs typeface="+mn-cs"/>
-              </a:rPr>
-            </a:br>
-            <a:br>
-              <a:rPr lang="en-US" sz="1200" b="0" i="0" kern="1200" dirty="0">
-                <a:solidFill>
-                  <a:schemeClr val="tx1"/>
-                </a:solidFill>
-                <a:effectLst/>
-                <a:latin typeface="+mn-lt"/>
-                <a:ea typeface="+mn-ea"/>
-                <a:cs typeface="+mn-cs"/>
-              </a:rPr>
-            </a:br>
-            <a:r>
-              <a:rPr lang="en-US" sz="1200" b="0" i="0" kern="1200" dirty="0">
-                <a:solidFill>
-                  <a:schemeClr val="tx1"/>
-                </a:solidFill>
-                <a:effectLst/>
-                <a:latin typeface="+mn-lt"/>
-                <a:ea typeface="+mn-ea"/>
-                <a:cs typeface="+mn-cs"/>
-              </a:rPr>
-              <a:t>-- Summarize main points of your project: Remind your readers your key points.</a:t>
-            </a:r>
-            <a:br>
-              <a:rPr lang="en-US" sz="1200" b="0" i="0" kern="1200" dirty="0">
-                <a:solidFill>
-                  <a:schemeClr val="tx1"/>
-                </a:solidFill>
-                <a:effectLst/>
-                <a:latin typeface="+mn-lt"/>
-                <a:ea typeface="+mn-ea"/>
-                <a:cs typeface="+mn-cs"/>
-              </a:rPr>
-            </a:br>
-            <a:br>
-              <a:rPr lang="en-US" sz="1200" b="0" i="0" kern="1200" dirty="0">
-                <a:solidFill>
-                  <a:schemeClr val="tx1"/>
-                </a:solidFill>
-                <a:effectLst/>
-                <a:latin typeface="+mn-lt"/>
-                <a:ea typeface="+mn-ea"/>
-                <a:cs typeface="+mn-cs"/>
-              </a:rPr>
-            </a:br>
-            <a:r>
-              <a:rPr lang="en-US" sz="1200" b="0" i="0" kern="1200" dirty="0">
-                <a:solidFill>
-                  <a:schemeClr val="tx1"/>
-                </a:solidFill>
-                <a:effectLst/>
-                <a:latin typeface="+mn-lt"/>
-                <a:ea typeface="+mn-ea"/>
-                <a:cs typeface="+mn-cs"/>
-              </a:rPr>
-              <a:t>-- Discuss the significance of your results</a:t>
-            </a:r>
-            <a:br>
-              <a:rPr lang="en-US" sz="1200" b="0" i="0" kern="1200" dirty="0">
-                <a:solidFill>
-                  <a:schemeClr val="tx1"/>
-                </a:solidFill>
-                <a:effectLst/>
-                <a:latin typeface="+mn-lt"/>
-                <a:ea typeface="+mn-ea"/>
-                <a:cs typeface="+mn-cs"/>
-              </a:rPr>
-            </a:br>
-            <a:br>
-              <a:rPr lang="en-US" sz="1200" b="0" i="0" kern="1200" dirty="0">
-                <a:solidFill>
-                  <a:schemeClr val="tx1"/>
-                </a:solidFill>
-                <a:effectLst/>
-                <a:latin typeface="+mn-lt"/>
-                <a:ea typeface="+mn-ea"/>
-                <a:cs typeface="+mn-cs"/>
-              </a:rPr>
-            </a:br>
-            <a:r>
-              <a:rPr lang="en-US" sz="1200" b="0" i="0" kern="1200" dirty="0">
-                <a:solidFill>
-                  <a:schemeClr val="tx1"/>
-                </a:solidFill>
-                <a:effectLst/>
-                <a:latin typeface="+mn-lt"/>
-                <a:ea typeface="+mn-ea"/>
-                <a:cs typeface="+mn-cs"/>
-              </a:rPr>
-              <a:t>-- Discuss the future of your project and closing thoughts.</a:t>
+              <a:t>Discussion’s aim is result interpretation, which means explain, </a:t>
+            </a:r>
+            <a:r>
+              <a:rPr lang="en-US" sz="1200" b="0" i="0" kern="1200" dirty="0" err="1">
+                <a:solidFill>
+                  <a:schemeClr val="tx1"/>
+                </a:solidFill>
+                <a:effectLst/>
+                <a:latin typeface="+mn-lt"/>
+                <a:ea typeface="+mn-ea"/>
+                <a:cs typeface="+mn-cs"/>
+              </a:rPr>
+              <a:t>analyse</a:t>
+            </a:r>
+            <a:r>
+              <a:rPr lang="en-US" sz="1200" b="0" i="0" kern="1200" dirty="0">
+                <a:solidFill>
+                  <a:schemeClr val="tx1"/>
+                </a:solidFill>
+                <a:effectLst/>
+                <a:latin typeface="+mn-lt"/>
+                <a:ea typeface="+mn-ea"/>
+                <a:cs typeface="+mn-cs"/>
+              </a:rPr>
+              <a:t>, and compare them. Often, this part is the most important, simply because it lets the researcher take a step back and give a broader look at the experiment. Do not discuss any outcomes not presented in the results part.</a:t>
             </a:r>
           </a:p>
           <a:p>
@@ -3404,7 +3640,7 @@
     </p:spTree>
     <p:extLst>
       <p:ext uri="{BB962C8B-B14F-4D97-AF65-F5344CB8AC3E}">
-        <p14:creationId xmlns:p14="http://schemas.microsoft.com/office/powerpoint/2010/main" val="1123696513"/>
+        <p14:creationId xmlns:p14="http://schemas.microsoft.com/office/powerpoint/2010/main" val="2487888159"/>
       </p:ext>
     </p:extLst>
   </p:cSld>
@@ -9022,6 +9258,152 @@
 </file>
 
 <file path=ppt/slides/slide10.xml><?xml version="1.0" encoding="utf-8"?>
+<p:sld xmlns:a="http://schemas.openxmlformats.org/drawingml/2006/main" xmlns:r="http://schemas.openxmlformats.org/officeDocument/2006/relationships" xmlns:p="http://schemas.openxmlformats.org/presentationml/2006/main">
+  <p:cSld>
+    <p:spTree>
+      <p:nvGrpSpPr>
+        <p:cNvPr id="1" name=""/>
+        <p:cNvGrpSpPr/>
+        <p:nvPr/>
+      </p:nvGrpSpPr>
+      <p:grpSpPr>
+        <a:xfrm>
+          <a:off x="0" y="0"/>
+          <a:ext cx="0" cy="0"/>
+          <a:chOff x="0" y="0"/>
+          <a:chExt cx="0" cy="0"/>
+        </a:xfrm>
+      </p:grpSpPr>
+      <p:sp>
+        <p:nvSpPr>
+          <p:cNvPr id="2" name="Title 1">
+            <a:extLst>
+              <a:ext uri="{FF2B5EF4-FFF2-40B4-BE49-F238E27FC236}">
+                <a16:creationId xmlns:a16="http://schemas.microsoft.com/office/drawing/2014/main" id="{0CAFC94C-B8F1-2F46-8429-1C6AC60091C5}"/>
+              </a:ext>
+            </a:extLst>
+          </p:cNvPr>
+          <p:cNvSpPr>
+            <a:spLocks noGrp="1"/>
+          </p:cNvSpPr>
+          <p:nvPr>
+            <p:ph type="title"/>
+          </p:nvPr>
+        </p:nvSpPr>
+        <p:spPr/>
+        <p:txBody>
+          <a:bodyPr/>
+          <a:lstStyle/>
+          <a:p>
+            <a:r>
+              <a:rPr lang="en-US" dirty="0"/>
+              <a:t>Metrics, Results, Discussion </a:t>
+            </a:r>
+            <a:r>
+              <a:rPr lang="en-US" sz="2400" dirty="0"/>
+              <a:t>- </a:t>
+            </a:r>
+            <a:r>
+              <a:rPr lang="en-US" sz="2400" dirty="0">
+                <a:solidFill>
+                  <a:schemeClr val="accent1">
+                    <a:lumMod val="50000"/>
+                  </a:schemeClr>
+                </a:solidFill>
+              </a:rPr>
+              <a:t>Ben</a:t>
+            </a:r>
+            <a:endParaRPr lang="en-US" sz="2400" dirty="0"/>
+          </a:p>
+        </p:txBody>
+      </p:sp>
+      <p:sp>
+        <p:nvSpPr>
+          <p:cNvPr id="4" name="Content Placeholder 3">
+            <a:extLst>
+              <a:ext uri="{FF2B5EF4-FFF2-40B4-BE49-F238E27FC236}">
+                <a16:creationId xmlns:a16="http://schemas.microsoft.com/office/drawing/2014/main" id="{7E935AF4-F7C7-9748-99D9-82C158F6E60A}"/>
+              </a:ext>
+            </a:extLst>
+          </p:cNvPr>
+          <p:cNvSpPr>
+            <a:spLocks noGrp="1"/>
+          </p:cNvSpPr>
+          <p:nvPr>
+            <p:ph sz="half" idx="2"/>
+          </p:nvPr>
+        </p:nvSpPr>
+        <p:spPr>
+          <a:xfrm>
+            <a:off x="814728" y="2751138"/>
+            <a:ext cx="10567270" cy="3659674"/>
+          </a:xfrm>
+        </p:spPr>
+        <p:txBody>
+          <a:bodyPr/>
+          <a:lstStyle/>
+          <a:p>
+            <a:pPr marL="0" indent="0">
+              <a:buNone/>
+            </a:pPr>
+            <a:r>
+              <a:rPr lang="en-US" sz="2400" b="1" dirty="0"/>
+              <a:t>Project challenges/difficulties</a:t>
+            </a:r>
+          </a:p>
+          <a:p>
+            <a:endParaRPr lang="en-US" dirty="0"/>
+          </a:p>
+          <a:p>
+            <a:r>
+              <a:rPr lang="en-US" sz="2000" dirty="0"/>
+              <a:t>Confusion over which models to use and Phase 1 expectations took time away from coding efforts</a:t>
+            </a:r>
+          </a:p>
+          <a:p>
+            <a:r>
+              <a:rPr lang="en-US" sz="2000" dirty="0"/>
+              <a:t>Not able to perform ideal optimization or cross validation of Homegrown vs </a:t>
+            </a:r>
+            <a:r>
+              <a:rPr lang="en-US" sz="2000" dirty="0" err="1"/>
+              <a:t>LogReg</a:t>
+            </a:r>
+            <a:r>
+              <a:rPr lang="en-US" sz="2000" dirty="0"/>
+              <a:t> model</a:t>
+            </a:r>
+          </a:p>
+          <a:p>
+            <a:r>
+              <a:rPr lang="en-US" sz="2000" dirty="0"/>
+              <a:t>Pipelines not optimized, unable to debug Feature Union in time for ideal flow from </a:t>
+            </a:r>
+            <a:r>
+              <a:rPr lang="en-US" sz="2000" dirty="0" err="1"/>
+              <a:t>bbox</a:t>
+            </a:r>
+            <a:r>
+              <a:rPr lang="en-US" sz="2000" dirty="0"/>
+              <a:t> predict &gt; feature engineering &gt; class predict</a:t>
+            </a:r>
+          </a:p>
+        </p:txBody>
+      </p:sp>
+    </p:spTree>
+    <p:extLst>
+      <p:ext uri="{BB962C8B-B14F-4D97-AF65-F5344CB8AC3E}">
+        <p14:creationId xmlns:p14="http://schemas.microsoft.com/office/powerpoint/2010/main" val="1837173560"/>
+      </p:ext>
+    </p:extLst>
+  </p:cSld>
+  <p:clrMapOvr>
+    <a:masterClrMapping/>
+  </p:clrMapOvr>
+</p:sld>
+</file>
+
+<file path=ppt/slides/slide11.xml><?xml version="1.0" encoding="utf-8"?>
 <p:sld xmlns:a="http://schemas.openxmlformats.org/drawingml/2006/main" xmlns:r="http://schemas.openxmlformats.org/officeDocument/2006/relationships" xmlns:p="http://schemas.openxmlformats.org/presentationml/2006/main">
   <p:cSld>
     <p:spTree>

--- a/other/Group2_Phase1.pptx
+++ b/other/Group2_Phase1.pptx
@@ -5,20 +5,22 @@
     <p:sldMasterId id="2147483660" r:id="rId1"/>
   </p:sldMasterIdLst>
   <p:notesMasterIdLst>
-    <p:notesMasterId r:id="rId13"/>
+    <p:notesMasterId r:id="rId15"/>
   </p:notesMasterIdLst>
   <p:sldIdLst>
     <p:sldId id="256" r:id="rId2"/>
     <p:sldId id="257" r:id="rId3"/>
     <p:sldId id="264" r:id="rId4"/>
     <p:sldId id="258" r:id="rId5"/>
-    <p:sldId id="263" r:id="rId6"/>
-    <p:sldId id="259" r:id="rId7"/>
-    <p:sldId id="260" r:id="rId8"/>
-    <p:sldId id="261" r:id="rId9"/>
-    <p:sldId id="265" r:id="rId10"/>
-    <p:sldId id="266" r:id="rId11"/>
-    <p:sldId id="262" r:id="rId12"/>
+    <p:sldId id="267" r:id="rId6"/>
+    <p:sldId id="263" r:id="rId7"/>
+    <p:sldId id="259" r:id="rId8"/>
+    <p:sldId id="260" r:id="rId9"/>
+    <p:sldId id="268" r:id="rId10"/>
+    <p:sldId id="261" r:id="rId11"/>
+    <p:sldId id="265" r:id="rId12"/>
+    <p:sldId id="266" r:id="rId13"/>
+    <p:sldId id="262" r:id="rId14"/>
   </p:sldIdLst>
   <p:sldSz cx="12192000" cy="6858000"/>
   <p:notesSz cx="6858000" cy="9144000"/>
@@ -823,28 +825,78 @@
               <a:defRPr/>
             </a:pPr>
             <a:r>
-              <a:rPr lang="en-US" sz="1200" b="0" i="0" kern="1200" dirty="0" err="1">
-                <a:solidFill>
-                  <a:schemeClr val="tx1"/>
-                </a:solidFill>
-                <a:effectLst/>
-                <a:latin typeface="+mn-lt"/>
-                <a:ea typeface="+mn-ea"/>
-                <a:cs typeface="+mn-cs"/>
-              </a:rPr>
-              <a:t>ConclusionExpectations</a:t>
-            </a:r>
-            <a:r>
-              <a:rPr lang="en-US" sz="1200" b="0" i="0" kern="1200" dirty="0">
-                <a:solidFill>
-                  <a:schemeClr val="tx1"/>
-                </a:solidFill>
-                <a:effectLst/>
-                <a:latin typeface="+mn-lt"/>
-                <a:ea typeface="+mn-ea"/>
-                <a:cs typeface="+mn-cs"/>
-              </a:rPr>
-              <a:t> here are to address the following following in your conclusion (in about 150 words) in a main section by itself:</a:t>
+              <a:rPr lang="en-US" sz="1200" b="0" i="0" kern="1200" dirty="0">
+                <a:solidFill>
+                  <a:schemeClr val="tx1"/>
+                </a:solidFill>
+                <a:effectLst/>
+                <a:latin typeface="+mn-lt"/>
+                <a:ea typeface="+mn-ea"/>
+                <a:cs typeface="+mn-cs"/>
+              </a:rPr>
+              <a:t>This criterion is linked to a Learning Outcome</a:t>
+            </a:r>
+          </a:p>
+          <a:p>
+            <a:pPr marL="0" marR="0" lvl="0" indent="0" algn="l" defTabSz="914400" rtl="0" eaLnBrk="1" fontAlgn="auto" latinLnBrk="0" hangingPunct="1">
+              <a:lnSpc>
+                <a:spcPct val="100000"/>
+              </a:lnSpc>
+              <a:spcBef>
+                <a:spcPts val="0"/>
+              </a:spcBef>
+              <a:spcAft>
+                <a:spcPts val="0"/>
+              </a:spcAft>
+              <a:buClrTx/>
+              <a:buSzTx/>
+              <a:buFontTx/>
+              <a:buNone/>
+              <a:tabLst/>
+              <a:defRPr/>
+            </a:pPr>
+            <a:r>
+              <a:rPr lang="en-US" sz="1200" b="0" i="0" kern="1200" dirty="0">
+                <a:solidFill>
+                  <a:schemeClr val="tx1"/>
+                </a:solidFill>
+                <a:effectLst/>
+                <a:latin typeface="+mn-lt"/>
+                <a:ea typeface="+mn-ea"/>
+                <a:cs typeface="+mn-cs"/>
+              </a:rPr>
+              <a:t>Results and discussion of results</a:t>
+            </a:r>
+          </a:p>
+          <a:p>
+            <a:pPr marL="0" marR="0" lvl="0" indent="0" algn="l" defTabSz="914400" rtl="0" eaLnBrk="1" fontAlgn="auto" latinLnBrk="0" hangingPunct="1">
+              <a:lnSpc>
+                <a:spcPct val="100000"/>
+              </a:lnSpc>
+              <a:spcBef>
+                <a:spcPts val="0"/>
+              </a:spcBef>
+              <a:spcAft>
+                <a:spcPts val="0"/>
+              </a:spcAft>
+              <a:buClrTx/>
+              <a:buSzTx/>
+              <a:buFontTx/>
+              <a:buNone/>
+              <a:tabLst/>
+              <a:defRPr/>
+            </a:pPr>
+            <a:r>
+              <a:rPr lang="en-US" sz="1200" b="0" i="0" kern="1200" dirty="0">
+                <a:solidFill>
+                  <a:schemeClr val="tx1"/>
+                </a:solidFill>
+                <a:effectLst/>
+                <a:latin typeface="+mn-lt"/>
+                <a:ea typeface="+mn-ea"/>
+                <a:cs typeface="+mn-cs"/>
+              </a:rPr>
+              <a:t>Expectations here are to provide the following in sections and subsections:</a:t>
             </a:r>
             <a:br>
               <a:rPr lang="en-US" sz="1200" b="0" i="0" kern="1200" dirty="0">
@@ -878,143 +930,31 @@
                 <a:ea typeface="+mn-ea"/>
                 <a:cs typeface="+mn-cs"/>
               </a:rPr>
-              <a:t>-- Restate your project focus explain why it’s important. Make sure that this part of the conclusion is concise and clear.</a:t>
-            </a:r>
-            <a:br>
-              <a:rPr lang="en-US" sz="1200" b="0" i="0" kern="1200" dirty="0">
-                <a:solidFill>
-                  <a:schemeClr val="tx1"/>
-                </a:solidFill>
-                <a:effectLst/>
-                <a:latin typeface="+mn-lt"/>
-                <a:ea typeface="+mn-ea"/>
-                <a:cs typeface="+mn-cs"/>
-              </a:rPr>
-            </a:br>
-            <a:br>
-              <a:rPr lang="en-US" sz="1200" b="0" i="0" kern="1200" dirty="0">
-                <a:solidFill>
-                  <a:schemeClr val="tx1"/>
-                </a:solidFill>
-                <a:effectLst/>
-                <a:latin typeface="+mn-lt"/>
-                <a:ea typeface="+mn-ea"/>
-                <a:cs typeface="+mn-cs"/>
-              </a:rPr>
-            </a:br>
-            <a:r>
-              <a:rPr lang="en-US" sz="1200" b="0" i="0" kern="1200" dirty="0">
-                <a:solidFill>
-                  <a:schemeClr val="tx1"/>
-                </a:solidFill>
-                <a:effectLst/>
-                <a:latin typeface="+mn-lt"/>
-                <a:ea typeface="+mn-ea"/>
-                <a:cs typeface="+mn-cs"/>
-              </a:rPr>
-              <a:t>-- Restate your hypothesis (e.g., ML pipelines with custom features can accurately forecast box office returns)</a:t>
-            </a:r>
-            <a:br>
-              <a:rPr lang="en-US" sz="1200" b="0" i="0" kern="1200" dirty="0">
-                <a:solidFill>
-                  <a:schemeClr val="tx1"/>
-                </a:solidFill>
-                <a:effectLst/>
-                <a:latin typeface="+mn-lt"/>
-                <a:ea typeface="+mn-ea"/>
-                <a:cs typeface="+mn-cs"/>
-              </a:rPr>
-            </a:br>
-            <a:br>
-              <a:rPr lang="en-US" sz="1200" b="0" i="0" kern="1200" dirty="0">
-                <a:solidFill>
-                  <a:schemeClr val="tx1"/>
-                </a:solidFill>
-                <a:effectLst/>
-                <a:latin typeface="+mn-lt"/>
-                <a:ea typeface="+mn-ea"/>
-                <a:cs typeface="+mn-cs"/>
-              </a:rPr>
-            </a:br>
-            <a:r>
-              <a:rPr lang="en-US" sz="1200" b="0" i="0" kern="1200" dirty="0">
-                <a:solidFill>
-                  <a:schemeClr val="tx1"/>
-                </a:solidFill>
-                <a:effectLst/>
-                <a:latin typeface="+mn-lt"/>
-                <a:ea typeface="+mn-ea"/>
-                <a:cs typeface="+mn-cs"/>
-              </a:rPr>
-              <a:t>-- Summarize main points of your project: Remind your readers your key points.</a:t>
-            </a:r>
-            <a:br>
-              <a:rPr lang="en-US" sz="1200" b="0" i="0" kern="1200" dirty="0">
-                <a:solidFill>
-                  <a:schemeClr val="tx1"/>
-                </a:solidFill>
-                <a:effectLst/>
-                <a:latin typeface="+mn-lt"/>
-                <a:ea typeface="+mn-ea"/>
-                <a:cs typeface="+mn-cs"/>
-              </a:rPr>
-            </a:br>
-            <a:br>
-              <a:rPr lang="en-US" sz="1200" b="0" i="0" kern="1200" dirty="0">
-                <a:solidFill>
-                  <a:schemeClr val="tx1"/>
-                </a:solidFill>
-                <a:effectLst/>
-                <a:latin typeface="+mn-lt"/>
-                <a:ea typeface="+mn-ea"/>
-                <a:cs typeface="+mn-cs"/>
-              </a:rPr>
-            </a:br>
-            <a:r>
-              <a:rPr lang="en-US" sz="1200" b="0" i="0" kern="1200" dirty="0">
-                <a:solidFill>
-                  <a:schemeClr val="tx1"/>
-                </a:solidFill>
-                <a:effectLst/>
-                <a:latin typeface="+mn-lt"/>
-                <a:ea typeface="+mn-ea"/>
-                <a:cs typeface="+mn-cs"/>
-              </a:rPr>
-              <a:t>-- Discuss the significance of your results</a:t>
-            </a:r>
-            <a:br>
-              <a:rPr lang="en-US" sz="1200" b="0" i="0" kern="1200" dirty="0">
-                <a:solidFill>
-                  <a:schemeClr val="tx1"/>
-                </a:solidFill>
-                <a:effectLst/>
-                <a:latin typeface="+mn-lt"/>
-                <a:ea typeface="+mn-ea"/>
-                <a:cs typeface="+mn-cs"/>
-              </a:rPr>
-            </a:br>
-            <a:br>
-              <a:rPr lang="en-US" sz="1200" b="0" i="0" kern="1200" dirty="0">
-                <a:solidFill>
-                  <a:schemeClr val="tx1"/>
-                </a:solidFill>
-                <a:effectLst/>
-                <a:latin typeface="+mn-lt"/>
-                <a:ea typeface="+mn-ea"/>
-                <a:cs typeface="+mn-cs"/>
-              </a:rPr>
-            </a:br>
-            <a:r>
-              <a:rPr lang="en-US" sz="1200" b="0" i="0" kern="1200" dirty="0">
-                <a:solidFill>
-                  <a:schemeClr val="tx1"/>
-                </a:solidFill>
-                <a:effectLst/>
-                <a:latin typeface="+mn-lt"/>
-                <a:ea typeface="+mn-ea"/>
-                <a:cs typeface="+mn-cs"/>
-              </a:rPr>
-              <a:t>-- Discuss the future of your project and closing thoughts.</a:t>
+              <a:t>Discussion’s aim is result interpretation, which means explain, </a:t>
+            </a:r>
+            <a:r>
+              <a:rPr lang="en-US" sz="1200" b="0" i="0" kern="1200" dirty="0" err="1">
+                <a:solidFill>
+                  <a:schemeClr val="tx1"/>
+                </a:solidFill>
+                <a:effectLst/>
+                <a:latin typeface="+mn-lt"/>
+                <a:ea typeface="+mn-ea"/>
+                <a:cs typeface="+mn-cs"/>
+              </a:rPr>
+              <a:t>analyse</a:t>
+            </a:r>
+            <a:r>
+              <a:rPr lang="en-US" sz="1200" b="0" i="0" kern="1200" dirty="0">
+                <a:solidFill>
+                  <a:schemeClr val="tx1"/>
+                </a:solidFill>
+                <a:effectLst/>
+                <a:latin typeface="+mn-lt"/>
+                <a:ea typeface="+mn-ea"/>
+                <a:cs typeface="+mn-cs"/>
+              </a:rPr>
+              <a:t>, and compare them. Often, this part is the most important, simply because it lets the researcher take a step back and give a broader look at the experiment. Do not discuss any outcomes not presented in the results part.</a:t>
             </a:r>
           </a:p>
           <a:p>
@@ -1040,6 +980,538 @@
             <a:fld id="{25E2E259-F0C1-274B-BB83-2518BC0EEFC9}" type="slidenum">
               <a:rPr lang="en-US" smtClean="0"/>
               <a:t>11</a:t>
+            </a:fld>
+            <a:endParaRPr lang="en-US"/>
+          </a:p>
+        </p:txBody>
+      </p:sp>
+    </p:spTree>
+    <p:extLst>
+      <p:ext uri="{BB962C8B-B14F-4D97-AF65-F5344CB8AC3E}">
+        <p14:creationId xmlns:p14="http://schemas.microsoft.com/office/powerpoint/2010/main" val="710768679"/>
+      </p:ext>
+    </p:extLst>
+  </p:cSld>
+  <p:clrMapOvr>
+    <a:masterClrMapping/>
+  </p:clrMapOvr>
+</p:notes>
+</file>
+
+<file path=ppt/notesSlides/notesSlide11.xml><?xml version="1.0" encoding="utf-8"?>
+<p:notes xmlns:a="http://schemas.openxmlformats.org/drawingml/2006/main" xmlns:r="http://schemas.openxmlformats.org/officeDocument/2006/relationships" xmlns:p="http://schemas.openxmlformats.org/presentationml/2006/main">
+  <p:cSld>
+    <p:spTree>
+      <p:nvGrpSpPr>
+        <p:cNvPr id="1" name=""/>
+        <p:cNvGrpSpPr/>
+        <p:nvPr/>
+      </p:nvGrpSpPr>
+      <p:grpSpPr>
+        <a:xfrm>
+          <a:off x="0" y="0"/>
+          <a:ext cx="0" cy="0"/>
+          <a:chOff x="0" y="0"/>
+          <a:chExt cx="0" cy="0"/>
+        </a:xfrm>
+      </p:grpSpPr>
+      <p:sp>
+        <p:nvSpPr>
+          <p:cNvPr id="2" name="Slide Image Placeholder 1"/>
+          <p:cNvSpPr>
+            <a:spLocks noGrp="1" noRot="1" noChangeAspect="1"/>
+          </p:cNvSpPr>
+          <p:nvPr>
+            <p:ph type="sldImg"/>
+          </p:nvPr>
+        </p:nvSpPr>
+        <p:spPr/>
+      </p:sp>
+      <p:sp>
+        <p:nvSpPr>
+          <p:cNvPr id="3" name="Notes Placeholder 2"/>
+          <p:cNvSpPr>
+            <a:spLocks noGrp="1"/>
+          </p:cNvSpPr>
+          <p:nvPr>
+            <p:ph type="body" idx="1"/>
+          </p:nvPr>
+        </p:nvSpPr>
+        <p:spPr/>
+        <p:txBody>
+          <a:bodyPr/>
+          <a:lstStyle/>
+          <a:p>
+            <a:pPr marL="0" marR="0" lvl="0" indent="0" algn="l" defTabSz="914400" rtl="0" eaLnBrk="1" fontAlgn="auto" latinLnBrk="0" hangingPunct="1">
+              <a:lnSpc>
+                <a:spcPct val="100000"/>
+              </a:lnSpc>
+              <a:spcBef>
+                <a:spcPts val="0"/>
+              </a:spcBef>
+              <a:spcAft>
+                <a:spcPts val="0"/>
+              </a:spcAft>
+              <a:buClrTx/>
+              <a:buSzTx/>
+              <a:buFontTx/>
+              <a:buNone/>
+              <a:tabLst/>
+              <a:defRPr/>
+            </a:pPr>
+            <a:r>
+              <a:rPr lang="en-US" sz="1200" b="0" i="0" kern="1200" dirty="0">
+                <a:solidFill>
+                  <a:schemeClr val="tx1"/>
+                </a:solidFill>
+                <a:effectLst/>
+                <a:latin typeface="+mn-lt"/>
+                <a:ea typeface="+mn-ea"/>
+                <a:cs typeface="+mn-cs"/>
+              </a:rPr>
+              <a:t>This criterion is linked to a Learning Outcome</a:t>
+            </a:r>
+          </a:p>
+          <a:p>
+            <a:pPr marL="0" marR="0" lvl="0" indent="0" algn="l" defTabSz="914400" rtl="0" eaLnBrk="1" fontAlgn="auto" latinLnBrk="0" hangingPunct="1">
+              <a:lnSpc>
+                <a:spcPct val="100000"/>
+              </a:lnSpc>
+              <a:spcBef>
+                <a:spcPts val="0"/>
+              </a:spcBef>
+              <a:spcAft>
+                <a:spcPts val="0"/>
+              </a:spcAft>
+              <a:buClrTx/>
+              <a:buSzTx/>
+              <a:buFontTx/>
+              <a:buNone/>
+              <a:tabLst/>
+              <a:defRPr/>
+            </a:pPr>
+            <a:r>
+              <a:rPr lang="en-US" sz="1200" b="0" i="0" kern="1200" dirty="0">
+                <a:solidFill>
+                  <a:schemeClr val="tx1"/>
+                </a:solidFill>
+                <a:effectLst/>
+                <a:latin typeface="+mn-lt"/>
+                <a:ea typeface="+mn-ea"/>
+                <a:cs typeface="+mn-cs"/>
+              </a:rPr>
+              <a:t>Results and discussion of results</a:t>
+            </a:r>
+          </a:p>
+          <a:p>
+            <a:pPr marL="0" marR="0" lvl="0" indent="0" algn="l" defTabSz="914400" rtl="0" eaLnBrk="1" fontAlgn="auto" latinLnBrk="0" hangingPunct="1">
+              <a:lnSpc>
+                <a:spcPct val="100000"/>
+              </a:lnSpc>
+              <a:spcBef>
+                <a:spcPts val="0"/>
+              </a:spcBef>
+              <a:spcAft>
+                <a:spcPts val="0"/>
+              </a:spcAft>
+              <a:buClrTx/>
+              <a:buSzTx/>
+              <a:buFontTx/>
+              <a:buNone/>
+              <a:tabLst/>
+              <a:defRPr/>
+            </a:pPr>
+            <a:r>
+              <a:rPr lang="en-US" sz="1200" b="0" i="0" kern="1200" dirty="0">
+                <a:solidFill>
+                  <a:schemeClr val="tx1"/>
+                </a:solidFill>
+                <a:effectLst/>
+                <a:latin typeface="+mn-lt"/>
+                <a:ea typeface="+mn-ea"/>
+                <a:cs typeface="+mn-cs"/>
+              </a:rPr>
+              <a:t>Expectations here are to provide the following in sections and subsections:</a:t>
+            </a:r>
+            <a:br>
+              <a:rPr lang="en-US" sz="1200" b="0" i="0" kern="1200" dirty="0">
+                <a:solidFill>
+                  <a:schemeClr val="tx1"/>
+                </a:solidFill>
+                <a:effectLst/>
+                <a:latin typeface="+mn-lt"/>
+                <a:ea typeface="+mn-ea"/>
+                <a:cs typeface="+mn-cs"/>
+              </a:rPr>
+            </a:br>
+            <a:br>
+              <a:rPr lang="en-US" sz="1200" b="0" i="0" kern="1200" dirty="0">
+                <a:solidFill>
+                  <a:schemeClr val="tx1"/>
+                </a:solidFill>
+                <a:effectLst/>
+                <a:latin typeface="+mn-lt"/>
+                <a:ea typeface="+mn-ea"/>
+                <a:cs typeface="+mn-cs"/>
+              </a:rPr>
+            </a:br>
+            <a:r>
+              <a:rPr lang="en-US" sz="1200" b="0" i="0" kern="1200" dirty="0">
+                <a:solidFill>
+                  <a:schemeClr val="tx1"/>
+                </a:solidFill>
+                <a:effectLst/>
+                <a:latin typeface="+mn-lt"/>
+                <a:ea typeface="+mn-ea"/>
+                <a:cs typeface="+mn-cs"/>
+              </a:rPr>
+              <a:t>Discussion’s aim is result interpretation, which means explain, </a:t>
+            </a:r>
+            <a:r>
+              <a:rPr lang="en-US" sz="1200" b="0" i="0" kern="1200" dirty="0" err="1">
+                <a:solidFill>
+                  <a:schemeClr val="tx1"/>
+                </a:solidFill>
+                <a:effectLst/>
+                <a:latin typeface="+mn-lt"/>
+                <a:ea typeface="+mn-ea"/>
+                <a:cs typeface="+mn-cs"/>
+              </a:rPr>
+              <a:t>analyse</a:t>
+            </a:r>
+            <a:r>
+              <a:rPr lang="en-US" sz="1200" b="0" i="0" kern="1200" dirty="0">
+                <a:solidFill>
+                  <a:schemeClr val="tx1"/>
+                </a:solidFill>
+                <a:effectLst/>
+                <a:latin typeface="+mn-lt"/>
+                <a:ea typeface="+mn-ea"/>
+                <a:cs typeface="+mn-cs"/>
+              </a:rPr>
+              <a:t>, and compare them. Often, this part is the most important, simply because it lets the researcher take a step back and give a broader look at the experiment. Do not discuss any outcomes not presented in the results part.</a:t>
+            </a:r>
+          </a:p>
+          <a:p>
+            <a:endParaRPr lang="en-US" dirty="0"/>
+          </a:p>
+        </p:txBody>
+      </p:sp>
+      <p:sp>
+        <p:nvSpPr>
+          <p:cNvPr id="4" name="Slide Number Placeholder 3"/>
+          <p:cNvSpPr>
+            <a:spLocks noGrp="1"/>
+          </p:cNvSpPr>
+          <p:nvPr>
+            <p:ph type="sldNum" sz="quarter" idx="5"/>
+          </p:nvPr>
+        </p:nvSpPr>
+        <p:spPr/>
+        <p:txBody>
+          <a:bodyPr/>
+          <a:lstStyle/>
+          <a:p>
+            <a:fld id="{25E2E259-F0C1-274B-BB83-2518BC0EEFC9}" type="slidenum">
+              <a:rPr lang="en-US" smtClean="0"/>
+              <a:t>12</a:t>
+            </a:fld>
+            <a:endParaRPr lang="en-US"/>
+          </a:p>
+        </p:txBody>
+      </p:sp>
+    </p:spTree>
+    <p:extLst>
+      <p:ext uri="{BB962C8B-B14F-4D97-AF65-F5344CB8AC3E}">
+        <p14:creationId xmlns:p14="http://schemas.microsoft.com/office/powerpoint/2010/main" val="2487888159"/>
+      </p:ext>
+    </p:extLst>
+  </p:cSld>
+  <p:clrMapOvr>
+    <a:masterClrMapping/>
+  </p:clrMapOvr>
+</p:notes>
+</file>
+
+<file path=ppt/notesSlides/notesSlide12.xml><?xml version="1.0" encoding="utf-8"?>
+<p:notes xmlns:a="http://schemas.openxmlformats.org/drawingml/2006/main" xmlns:r="http://schemas.openxmlformats.org/officeDocument/2006/relationships" xmlns:p="http://schemas.openxmlformats.org/presentationml/2006/main">
+  <p:cSld>
+    <p:spTree>
+      <p:nvGrpSpPr>
+        <p:cNvPr id="1" name=""/>
+        <p:cNvGrpSpPr/>
+        <p:nvPr/>
+      </p:nvGrpSpPr>
+      <p:grpSpPr>
+        <a:xfrm>
+          <a:off x="0" y="0"/>
+          <a:ext cx="0" cy="0"/>
+          <a:chOff x="0" y="0"/>
+          <a:chExt cx="0" cy="0"/>
+        </a:xfrm>
+      </p:grpSpPr>
+      <p:sp>
+        <p:nvSpPr>
+          <p:cNvPr id="2" name="Slide Image Placeholder 1"/>
+          <p:cNvSpPr>
+            <a:spLocks noGrp="1" noRot="1" noChangeAspect="1"/>
+          </p:cNvSpPr>
+          <p:nvPr>
+            <p:ph type="sldImg"/>
+          </p:nvPr>
+        </p:nvSpPr>
+        <p:spPr/>
+      </p:sp>
+      <p:sp>
+        <p:nvSpPr>
+          <p:cNvPr id="3" name="Notes Placeholder 2"/>
+          <p:cNvSpPr>
+            <a:spLocks noGrp="1"/>
+          </p:cNvSpPr>
+          <p:nvPr>
+            <p:ph type="body" idx="1"/>
+          </p:nvPr>
+        </p:nvSpPr>
+        <p:spPr/>
+        <p:txBody>
+          <a:bodyPr/>
+          <a:lstStyle/>
+          <a:p>
+            <a:pPr marL="0" marR="0" lvl="0" indent="0" algn="l" defTabSz="914400" rtl="0" eaLnBrk="1" fontAlgn="auto" latinLnBrk="0" hangingPunct="1">
+              <a:lnSpc>
+                <a:spcPct val="100000"/>
+              </a:lnSpc>
+              <a:spcBef>
+                <a:spcPts val="0"/>
+              </a:spcBef>
+              <a:spcAft>
+                <a:spcPts val="0"/>
+              </a:spcAft>
+              <a:buClrTx/>
+              <a:buSzTx/>
+              <a:buFontTx/>
+              <a:buNone/>
+              <a:tabLst/>
+              <a:defRPr/>
+            </a:pPr>
+            <a:r>
+              <a:rPr lang="en-US" sz="1200" b="0" i="0" kern="1200" dirty="0" err="1">
+                <a:solidFill>
+                  <a:schemeClr val="tx1"/>
+                </a:solidFill>
+                <a:effectLst/>
+                <a:latin typeface="+mn-lt"/>
+                <a:ea typeface="+mn-ea"/>
+                <a:cs typeface="+mn-cs"/>
+              </a:rPr>
+              <a:t>ConclusionExpectations</a:t>
+            </a:r>
+            <a:r>
+              <a:rPr lang="en-US" sz="1200" b="0" i="0" kern="1200" dirty="0">
+                <a:solidFill>
+                  <a:schemeClr val="tx1"/>
+                </a:solidFill>
+                <a:effectLst/>
+                <a:latin typeface="+mn-lt"/>
+                <a:ea typeface="+mn-ea"/>
+                <a:cs typeface="+mn-cs"/>
+              </a:rPr>
+              <a:t> here are to address the following following in your conclusion (in about 150 words) in a main section by itself:</a:t>
+            </a:r>
+            <a:br>
+              <a:rPr lang="en-US" sz="1200" b="0" i="0" kern="1200" dirty="0">
+                <a:solidFill>
+                  <a:schemeClr val="tx1"/>
+                </a:solidFill>
+                <a:effectLst/>
+                <a:latin typeface="+mn-lt"/>
+                <a:ea typeface="+mn-ea"/>
+                <a:cs typeface="+mn-cs"/>
+              </a:rPr>
+            </a:br>
+            <a:br>
+              <a:rPr lang="en-US" sz="1200" b="0" i="0" kern="1200" dirty="0">
+                <a:solidFill>
+                  <a:schemeClr val="tx1"/>
+                </a:solidFill>
+                <a:effectLst/>
+                <a:latin typeface="+mn-lt"/>
+                <a:ea typeface="+mn-ea"/>
+                <a:cs typeface="+mn-cs"/>
+              </a:rPr>
+            </a:br>
+            <a:r>
+              <a:rPr lang="en-US" sz="1200" b="0" i="0" kern="1200" dirty="0">
+                <a:solidFill>
+                  <a:schemeClr val="tx1"/>
+                </a:solidFill>
+                <a:effectLst/>
+                <a:latin typeface="+mn-lt"/>
+                <a:ea typeface="+mn-ea"/>
+                <a:cs typeface="+mn-cs"/>
+              </a:rPr>
+              <a:t>-- Restate your project focus explain why it’s important. Make sure that this part of the conclusion is concise and clear.</a:t>
+            </a:r>
+            <a:br>
+              <a:rPr lang="en-US" sz="1200" b="0" i="0" kern="1200" dirty="0">
+                <a:solidFill>
+                  <a:schemeClr val="tx1"/>
+                </a:solidFill>
+                <a:effectLst/>
+                <a:latin typeface="+mn-lt"/>
+                <a:ea typeface="+mn-ea"/>
+                <a:cs typeface="+mn-cs"/>
+              </a:rPr>
+            </a:br>
+            <a:br>
+              <a:rPr lang="en-US" sz="1200" b="0" i="0" kern="1200" dirty="0">
+                <a:solidFill>
+                  <a:schemeClr val="tx1"/>
+                </a:solidFill>
+                <a:effectLst/>
+                <a:latin typeface="+mn-lt"/>
+                <a:ea typeface="+mn-ea"/>
+                <a:cs typeface="+mn-cs"/>
+              </a:rPr>
+            </a:br>
+            <a:r>
+              <a:rPr lang="en-US" sz="1200" b="0" i="0" kern="1200" dirty="0">
+                <a:solidFill>
+                  <a:schemeClr val="tx1"/>
+                </a:solidFill>
+                <a:effectLst/>
+                <a:latin typeface="+mn-lt"/>
+                <a:ea typeface="+mn-ea"/>
+                <a:cs typeface="+mn-cs"/>
+              </a:rPr>
+              <a:t>-- Restate your hypothesis (e.g., ML pipelines with custom features can accurately forecast box office returns)</a:t>
+            </a:r>
+            <a:br>
+              <a:rPr lang="en-US" sz="1200" b="0" i="0" kern="1200" dirty="0">
+                <a:solidFill>
+                  <a:schemeClr val="tx1"/>
+                </a:solidFill>
+                <a:effectLst/>
+                <a:latin typeface="+mn-lt"/>
+                <a:ea typeface="+mn-ea"/>
+                <a:cs typeface="+mn-cs"/>
+              </a:rPr>
+            </a:br>
+            <a:br>
+              <a:rPr lang="en-US" sz="1200" b="0" i="0" kern="1200" dirty="0">
+                <a:solidFill>
+                  <a:schemeClr val="tx1"/>
+                </a:solidFill>
+                <a:effectLst/>
+                <a:latin typeface="+mn-lt"/>
+                <a:ea typeface="+mn-ea"/>
+                <a:cs typeface="+mn-cs"/>
+              </a:rPr>
+            </a:br>
+            <a:r>
+              <a:rPr lang="en-US" sz="1200" b="0" i="0" kern="1200" dirty="0">
+                <a:solidFill>
+                  <a:schemeClr val="tx1"/>
+                </a:solidFill>
+                <a:effectLst/>
+                <a:latin typeface="+mn-lt"/>
+                <a:ea typeface="+mn-ea"/>
+                <a:cs typeface="+mn-cs"/>
+              </a:rPr>
+              <a:t>-- Summarize main points of your project: Remind your readers your key points.</a:t>
+            </a:r>
+            <a:br>
+              <a:rPr lang="en-US" sz="1200" b="0" i="0" kern="1200" dirty="0">
+                <a:solidFill>
+                  <a:schemeClr val="tx1"/>
+                </a:solidFill>
+                <a:effectLst/>
+                <a:latin typeface="+mn-lt"/>
+                <a:ea typeface="+mn-ea"/>
+                <a:cs typeface="+mn-cs"/>
+              </a:rPr>
+            </a:br>
+            <a:br>
+              <a:rPr lang="en-US" sz="1200" b="0" i="0" kern="1200" dirty="0">
+                <a:solidFill>
+                  <a:schemeClr val="tx1"/>
+                </a:solidFill>
+                <a:effectLst/>
+                <a:latin typeface="+mn-lt"/>
+                <a:ea typeface="+mn-ea"/>
+                <a:cs typeface="+mn-cs"/>
+              </a:rPr>
+            </a:br>
+            <a:r>
+              <a:rPr lang="en-US" sz="1200" b="0" i="0" kern="1200" dirty="0">
+                <a:solidFill>
+                  <a:schemeClr val="tx1"/>
+                </a:solidFill>
+                <a:effectLst/>
+                <a:latin typeface="+mn-lt"/>
+                <a:ea typeface="+mn-ea"/>
+                <a:cs typeface="+mn-cs"/>
+              </a:rPr>
+              <a:t>-- Discuss the significance of your results</a:t>
+            </a:r>
+            <a:br>
+              <a:rPr lang="en-US" sz="1200" b="0" i="0" kern="1200" dirty="0">
+                <a:solidFill>
+                  <a:schemeClr val="tx1"/>
+                </a:solidFill>
+                <a:effectLst/>
+                <a:latin typeface="+mn-lt"/>
+                <a:ea typeface="+mn-ea"/>
+                <a:cs typeface="+mn-cs"/>
+              </a:rPr>
+            </a:br>
+            <a:br>
+              <a:rPr lang="en-US" sz="1200" b="0" i="0" kern="1200" dirty="0">
+                <a:solidFill>
+                  <a:schemeClr val="tx1"/>
+                </a:solidFill>
+                <a:effectLst/>
+                <a:latin typeface="+mn-lt"/>
+                <a:ea typeface="+mn-ea"/>
+                <a:cs typeface="+mn-cs"/>
+              </a:rPr>
+            </a:br>
+            <a:r>
+              <a:rPr lang="en-US" sz="1200" b="0" i="0" kern="1200" dirty="0">
+                <a:solidFill>
+                  <a:schemeClr val="tx1"/>
+                </a:solidFill>
+                <a:effectLst/>
+                <a:latin typeface="+mn-lt"/>
+                <a:ea typeface="+mn-ea"/>
+                <a:cs typeface="+mn-cs"/>
+              </a:rPr>
+              <a:t>-- Discuss the future of your project and closing thoughts.</a:t>
+            </a:r>
+          </a:p>
+          <a:p>
+            <a:endParaRPr lang="en-US" dirty="0"/>
+          </a:p>
+        </p:txBody>
+      </p:sp>
+      <p:sp>
+        <p:nvSpPr>
+          <p:cNvPr id="4" name="Slide Number Placeholder 3"/>
+          <p:cNvSpPr>
+            <a:spLocks noGrp="1"/>
+          </p:cNvSpPr>
+          <p:nvPr>
+            <p:ph type="sldNum" sz="quarter" idx="5"/>
+          </p:nvPr>
+        </p:nvSpPr>
+        <p:spPr/>
+        <p:txBody>
+          <a:bodyPr/>
+          <a:lstStyle/>
+          <a:p>
+            <a:fld id="{25E2E259-F0C1-274B-BB83-2518BC0EEFC9}" type="slidenum">
+              <a:rPr lang="en-US" smtClean="0"/>
+              <a:t>13</a:t>
             </a:fld>
             <a:endParaRPr lang="en-US"/>
           </a:p>
@@ -2172,9 +2644,6 @@
           <a:bodyPr/>
           <a:lstStyle/>
           <a:p>
-            <a:endParaRPr lang="en-US" dirty="0"/>
-          </a:p>
-          <a:p>
             <a:pPr marL="0" marR="0" lvl="0" indent="0" algn="l" defTabSz="914400" rtl="0" eaLnBrk="1" fontAlgn="auto" latinLnBrk="0" hangingPunct="1">
               <a:lnSpc>
                 <a:spcPct val="100000"/>
@@ -2202,83 +2671,7 @@
                 <a:ea typeface="+mn-ea"/>
                 <a:cs typeface="+mn-cs"/>
               </a:rPr>
-              <a:t>This criterion is linked to a Learning Outcome</a:t>
-            </a:r>
-          </a:p>
-          <a:p>
-            <a:pPr marL="0" marR="0" lvl="0" indent="0" algn="l" defTabSz="914400" rtl="0" eaLnBrk="1" fontAlgn="auto" latinLnBrk="0" hangingPunct="1">
-              <a:lnSpc>
-                <a:spcPct val="100000"/>
-              </a:lnSpc>
-              <a:spcBef>
-                <a:spcPts val="0"/>
-              </a:spcBef>
-              <a:spcAft>
-                <a:spcPts val="0"/>
-              </a:spcAft>
-              <a:buClrTx/>
-              <a:buSzTx/>
-              <a:buFontTx/>
-              <a:buNone/>
-              <a:tabLst/>
-              <a:defRPr/>
-            </a:pPr>
-            <a:r>
-              <a:rPr lang="en-US" sz="1200" b="0" i="0" kern="1200" dirty="0">
-                <a:solidFill>
-                  <a:schemeClr val="tx1"/>
-                </a:solidFill>
-                <a:effectLst/>
-                <a:latin typeface="+mn-lt"/>
-                <a:ea typeface="+mn-ea"/>
-                <a:cs typeface="+mn-cs"/>
-              </a:rPr>
-              <a:t>EDA</a:t>
-            </a:r>
-          </a:p>
-          <a:p>
-            <a:pPr marL="0" marR="0" lvl="0" indent="0" algn="l" defTabSz="914400" rtl="0" eaLnBrk="1" fontAlgn="auto" latinLnBrk="0" hangingPunct="1">
-              <a:lnSpc>
-                <a:spcPct val="100000"/>
-              </a:lnSpc>
-              <a:spcBef>
-                <a:spcPts val="0"/>
-              </a:spcBef>
-              <a:spcAft>
-                <a:spcPts val="0"/>
-              </a:spcAft>
-              <a:buClrTx/>
-              <a:buSzTx/>
-              <a:buFontTx/>
-              <a:buNone/>
-              <a:tabLst/>
-              <a:defRPr/>
-            </a:pPr>
-            <a:r>
-              <a:rPr lang="en-US" sz="1200" b="0" i="0" kern="1200" dirty="0">
-                <a:solidFill>
-                  <a:schemeClr val="tx1"/>
-                </a:solidFill>
-                <a:effectLst/>
-                <a:latin typeface="+mn-lt"/>
-                <a:ea typeface="+mn-ea"/>
-                <a:cs typeface="+mn-cs"/>
-              </a:rPr>
-              <a:t>Expectations here are to provide the following in sections and subsections:</a:t>
-            </a:r>
-          </a:p>
-          <a:p>
-            <a:r>
-              <a:rPr lang="en-US" sz="1200" b="0" i="0" kern="1200" dirty="0">
-                <a:solidFill>
-                  <a:schemeClr val="tx1"/>
-                </a:solidFill>
-                <a:effectLst/>
-                <a:latin typeface="+mn-lt"/>
-                <a:ea typeface="+mn-ea"/>
-                <a:cs typeface="+mn-cs"/>
-              </a:rPr>
-              <a:t>[</a:t>
+              <a:t>This criterion is linked to a Learning </a:t>
             </a:r>
             <a:r>
               <a:rPr lang="en-US" sz="1200" b="0" i="0" kern="1200" dirty="0" err="1">
@@ -2290,37 +2683,41 @@
                 <a:ea typeface="+mn-ea"/>
                 <a:cs typeface="+mn-cs"/>
               </a:rPr>
-              <a:t>CaDoD</a:t>
-            </a:r>
-            <a:r>
-              <a:rPr lang="en-US" sz="1200" b="0" i="0" kern="1200" dirty="0">
-                <a:solidFill>
-                  <a:schemeClr val="tx1"/>
-                </a:solidFill>
-                <a:effectLst/>
-                <a:latin typeface="+mn-lt"/>
-                <a:ea typeface="+mn-ea"/>
-                <a:cs typeface="+mn-cs"/>
-              </a:rPr>
-              <a:t>]</a:t>
+              <a:t>OutcomeProject</a:t>
+            </a:r>
+            <a:r>
+              <a:rPr lang="en-US" sz="1200" b="0" i="0" kern="1200" dirty="0">
+                <a:solidFill>
+                  <a:schemeClr val="tx1"/>
+                </a:solidFill>
+                <a:effectLst/>
+                <a:latin typeface="+mn-lt"/>
+                <a:ea typeface="+mn-ea"/>
+                <a:cs typeface="+mn-cs"/>
+              </a:rPr>
+              <a:t> Description (data and tasks)Expectations here are to provide the following in sections and subsections:</a:t>
             </a:r>
             <a:br>
-              <a:rPr lang="en-US" dirty="0"/>
+              <a:rPr lang="en-US" sz="1200" b="0" i="0" kern="1200" dirty="0">
+                <a:solidFill>
+                  <a:schemeClr val="tx1"/>
+                </a:solidFill>
+                <a:effectLst/>
+                <a:latin typeface="+mn-lt"/>
+                <a:ea typeface="+mn-ea"/>
+                <a:cs typeface="+mn-cs"/>
+              </a:rPr>
             </a:br>
-            <a:r>
-              <a:rPr lang="en-US" sz="1200" b="0" i="0" kern="1200" dirty="0">
-                <a:solidFill>
-                  <a:schemeClr val="tx1"/>
-                </a:solidFill>
-                <a:effectLst/>
-                <a:latin typeface="+mn-lt"/>
-                <a:ea typeface="+mn-ea"/>
-                <a:cs typeface="+mn-cs"/>
-              </a:rPr>
-              <a:t>-- Overview of images (i.e. count of cat images, dog images, total images, memory size of images, etc..)</a:t>
-            </a:r>
             <a:br>
-              <a:rPr lang="en-US" dirty="0"/>
+              <a:rPr lang="en-US" sz="1200" b="0" i="0" kern="1200" dirty="0">
+                <a:solidFill>
+                  <a:schemeClr val="tx1"/>
+                </a:solidFill>
+                <a:effectLst/>
+                <a:latin typeface="+mn-lt"/>
+                <a:ea typeface="+mn-ea"/>
+                <a:cs typeface="+mn-cs"/>
+              </a:rPr>
             </a:br>
             <a:r>
               <a:rPr lang="en-US" sz="1200" b="0" i="0" kern="1200" dirty="0">
@@ -2332,163 +2729,18 @@
                 <a:ea typeface="+mn-ea"/>
                 <a:cs typeface="+mn-cs"/>
               </a:rPr>
-              <a:t>-- Other useful text-based analysis (as opposed to graphic-based)</a:t>
-            </a:r>
-          </a:p>
-          <a:p>
-            <a:endParaRPr lang="en-US" sz="1200" b="0" i="0" kern="1200" dirty="0">
-              <a:solidFill>
-                <a:schemeClr val="tx1"/>
-              </a:solidFill>
-              <a:effectLst/>
-              <a:latin typeface="+mn-lt"/>
-              <a:ea typeface="+mn-ea"/>
-              <a:cs typeface="+mn-cs"/>
-            </a:endParaRPr>
-          </a:p>
-          <a:p>
-            <a:endParaRPr lang="en-US" sz="1200" b="0" i="0" kern="1200" dirty="0">
-              <a:solidFill>
-                <a:schemeClr val="tx1"/>
-              </a:solidFill>
-              <a:effectLst/>
-              <a:latin typeface="+mn-lt"/>
-              <a:ea typeface="+mn-ea"/>
-              <a:cs typeface="+mn-cs"/>
-            </a:endParaRPr>
-          </a:p>
-          <a:p>
-            <a:pPr marL="0" marR="0" lvl="0" indent="0" algn="l" defTabSz="914400" rtl="0" eaLnBrk="1" fontAlgn="auto" latinLnBrk="0" hangingPunct="1">
-              <a:lnSpc>
-                <a:spcPct val="100000"/>
-              </a:lnSpc>
-              <a:spcBef>
-                <a:spcPts val="0"/>
-              </a:spcBef>
-              <a:spcAft>
-                <a:spcPts val="0"/>
-              </a:spcAft>
-              <a:buClrTx/>
-              <a:buSzTx/>
-              <a:buFontTx/>
-              <a:buNone/>
-              <a:tabLst/>
-              <a:defRPr/>
-            </a:pPr>
-            <a:r>
-              <a:rPr lang="en-US" sz="1200" b="0" i="0" kern="1200" dirty="0">
-                <a:solidFill>
-                  <a:schemeClr val="tx1"/>
-                </a:solidFill>
-                <a:effectLst/>
-                <a:latin typeface="+mn-lt"/>
-                <a:ea typeface="+mn-ea"/>
-                <a:cs typeface="+mn-cs"/>
-              </a:rPr>
-              <a:t>This criterion is linked to a Learning Outcome</a:t>
-            </a:r>
-          </a:p>
-          <a:p>
-            <a:pPr marL="0" marR="0" lvl="0" indent="0" algn="l" defTabSz="914400" rtl="0" eaLnBrk="1" fontAlgn="auto" latinLnBrk="0" hangingPunct="1">
-              <a:lnSpc>
-                <a:spcPct val="100000"/>
-              </a:lnSpc>
-              <a:spcBef>
-                <a:spcPts val="0"/>
-              </a:spcBef>
-              <a:spcAft>
-                <a:spcPts val="0"/>
-              </a:spcAft>
-              <a:buClrTx/>
-              <a:buSzTx/>
-              <a:buFontTx/>
-              <a:buNone/>
-              <a:tabLst/>
-              <a:defRPr/>
-            </a:pPr>
-            <a:r>
-              <a:rPr lang="en-US" sz="1200" b="0" i="0" kern="1200" dirty="0">
-                <a:solidFill>
-                  <a:schemeClr val="tx1"/>
-                </a:solidFill>
-                <a:effectLst/>
-                <a:latin typeface="+mn-lt"/>
-                <a:ea typeface="+mn-ea"/>
-                <a:cs typeface="+mn-cs"/>
-              </a:rPr>
-              <a:t>Visual EDA</a:t>
-            </a:r>
-          </a:p>
-          <a:p>
-            <a:pPr marL="0" marR="0" lvl="0" indent="0" algn="l" defTabSz="914400" rtl="0" eaLnBrk="1" fontAlgn="auto" latinLnBrk="0" hangingPunct="1">
-              <a:lnSpc>
-                <a:spcPct val="100000"/>
-              </a:lnSpc>
-              <a:spcBef>
-                <a:spcPts val="0"/>
-              </a:spcBef>
-              <a:spcAft>
-                <a:spcPts val="0"/>
-              </a:spcAft>
-              <a:buClrTx/>
-              <a:buSzTx/>
-              <a:buFontTx/>
-              <a:buNone/>
-              <a:tabLst/>
-              <a:defRPr/>
-            </a:pPr>
-            <a:r>
-              <a:rPr lang="en-US" sz="1200" b="0" i="0" kern="1200" dirty="0">
-                <a:solidFill>
-                  <a:schemeClr val="tx1"/>
-                </a:solidFill>
-                <a:effectLst/>
-                <a:latin typeface="+mn-lt"/>
-                <a:ea typeface="+mn-ea"/>
-                <a:cs typeface="+mn-cs"/>
-              </a:rPr>
-              <a:t>Expectations here are to provide the following in sections and subsections:</a:t>
-            </a:r>
-          </a:p>
-          <a:p>
-            <a:r>
-              <a:rPr lang="en-US" sz="1200" b="0" i="0" kern="1200" dirty="0">
-                <a:solidFill>
-                  <a:schemeClr val="tx1"/>
-                </a:solidFill>
-                <a:effectLst/>
-                <a:latin typeface="+mn-lt"/>
-                <a:ea typeface="+mn-ea"/>
-                <a:cs typeface="+mn-cs"/>
-              </a:rPr>
-              <a:t>[</a:t>
-            </a:r>
-            <a:r>
-              <a:rPr lang="en-US" sz="1200" b="0" i="0" kern="1200" dirty="0" err="1">
-                <a:solidFill>
-                  <a:schemeClr val="tx1"/>
-                </a:solidFill>
-                <a:effectLst/>
-                <a:latin typeface="+mn-lt"/>
-                <a:ea typeface="+mn-ea"/>
-                <a:cs typeface="+mn-cs"/>
-              </a:rPr>
-              <a:t>CaDoD</a:t>
-            </a:r>
-            <a:r>
-              <a:rPr lang="en-US" sz="1200" b="0" i="0" kern="1200" dirty="0">
-                <a:solidFill>
-                  <a:schemeClr val="tx1"/>
-                </a:solidFill>
-                <a:effectLst/>
-                <a:latin typeface="+mn-lt"/>
-                <a:ea typeface="+mn-ea"/>
-                <a:cs typeface="+mn-cs"/>
-              </a:rPr>
-              <a:t>]</a:t>
+              <a:t>Description of the data and task at hand</a:t>
             </a:r>
             <a:br>
-              <a:rPr lang="en-US" dirty="0"/>
+              <a:rPr lang="en-US" sz="1200" b="0" i="0" kern="1200" dirty="0">
+                <a:solidFill>
+                  <a:schemeClr val="tx1"/>
+                </a:solidFill>
+                <a:effectLst/>
+                <a:latin typeface="+mn-lt"/>
+                <a:ea typeface="+mn-ea"/>
+                <a:cs typeface="+mn-cs"/>
+              </a:rPr>
             </a:br>
             <a:r>
               <a:rPr lang="en-US" sz="1200" b="0" i="0" kern="1200" dirty="0">
@@ -2500,9 +2752,54 @@
                 <a:ea typeface="+mn-ea"/>
                 <a:cs typeface="+mn-cs"/>
               </a:rPr>
-              <a:t>-- preview and a small sample of images before and after transformations</a:t>
-            </a:r>
-            <a:endParaRPr lang="en-US" dirty="0"/>
+              <a:t>--Data description</a:t>
+            </a:r>
+            <a:br>
+              <a:rPr lang="en-US" sz="1200" b="0" i="0" kern="1200" dirty="0">
+                <a:solidFill>
+                  <a:schemeClr val="tx1"/>
+                </a:solidFill>
+                <a:effectLst/>
+                <a:latin typeface="+mn-lt"/>
+                <a:ea typeface="+mn-ea"/>
+                <a:cs typeface="+mn-cs"/>
+              </a:rPr>
+            </a:br>
+            <a:r>
+              <a:rPr lang="en-US" sz="1200" b="0" i="0" kern="1200" dirty="0">
+                <a:solidFill>
+                  <a:schemeClr val="tx1"/>
+                </a:solidFill>
+                <a:effectLst/>
+                <a:latin typeface="+mn-lt"/>
+                <a:ea typeface="+mn-ea"/>
+                <a:cs typeface="+mn-cs"/>
+              </a:rPr>
+              <a:t>--Task to be tackled</a:t>
+            </a:r>
+            <a:br>
+              <a:rPr lang="en-US" sz="1200" b="0" i="0" kern="1200" dirty="0">
+                <a:solidFill>
+                  <a:schemeClr val="tx1"/>
+                </a:solidFill>
+                <a:effectLst/>
+                <a:latin typeface="+mn-lt"/>
+                <a:ea typeface="+mn-ea"/>
+                <a:cs typeface="+mn-cs"/>
+              </a:rPr>
+            </a:br>
+            <a:r>
+              <a:rPr lang="en-US" sz="1200" b="0" i="0" kern="1200" dirty="0">
+                <a:solidFill>
+                  <a:schemeClr val="tx1"/>
+                </a:solidFill>
+                <a:effectLst/>
+                <a:latin typeface="+mn-lt"/>
+                <a:ea typeface="+mn-ea"/>
+                <a:cs typeface="+mn-cs"/>
+              </a:rPr>
+              <a:t>-- Provide diagrams to aid understanding the workflow</a:t>
+            </a:r>
           </a:p>
         </p:txBody>
       </p:sp>
@@ -2523,7 +2820,7 @@
           <a:p>
             <a:fld id="{25E2E259-F0C1-274B-BB83-2518BC0EEFC9}" type="slidenum">
               <a:rPr lang="en-US" smtClean="0"/>
-              <a:t>6</a:t>
+              <a:t>5</a:t>
             </a:fld>
             <a:endParaRPr lang="en-US"/>
           </a:p>
@@ -2532,7 +2829,7 @@
     </p:spTree>
     <p:extLst>
       <p:ext uri="{BB962C8B-B14F-4D97-AF65-F5344CB8AC3E}">
-        <p14:creationId xmlns:p14="http://schemas.microsoft.com/office/powerpoint/2010/main" val="2413518338"/>
+        <p14:creationId xmlns:p14="http://schemas.microsoft.com/office/powerpoint/2010/main" val="3310434117"/>
       </p:ext>
     </p:extLst>
   </p:cSld>
@@ -2586,6 +2883,420 @@
           <a:bodyPr/>
           <a:lstStyle/>
           <a:p>
+            <a:endParaRPr lang="en-US" dirty="0"/>
+          </a:p>
+          <a:p>
+            <a:pPr marL="0" marR="0" lvl="0" indent="0" algn="l" defTabSz="914400" rtl="0" eaLnBrk="1" fontAlgn="auto" latinLnBrk="0" hangingPunct="1">
+              <a:lnSpc>
+                <a:spcPct val="100000"/>
+              </a:lnSpc>
+              <a:spcBef>
+                <a:spcPts val="0"/>
+              </a:spcBef>
+              <a:spcAft>
+                <a:spcPts val="0"/>
+              </a:spcAft>
+              <a:buClrTx/>
+              <a:buSzTx/>
+              <a:buFontTx/>
+              <a:buNone/>
+              <a:tabLst/>
+              <a:defRPr/>
+            </a:pPr>
+            <a:r>
+              <a:rPr lang="en-US" sz="1200" b="0" i="0" kern="1200" dirty="0">
+                <a:solidFill>
+                  <a:schemeClr val="tx1"/>
+                </a:solidFill>
+                <a:effectLst/>
+                <a:latin typeface="+mn-lt"/>
+                <a:ea typeface="+mn-ea"/>
+                <a:cs typeface="+mn-cs"/>
+              </a:rPr>
+              <a:t>This criterion is linked to a Learning Outcome</a:t>
+            </a:r>
+          </a:p>
+          <a:p>
+            <a:pPr marL="0" marR="0" lvl="0" indent="0" algn="l" defTabSz="914400" rtl="0" eaLnBrk="1" fontAlgn="auto" latinLnBrk="0" hangingPunct="1">
+              <a:lnSpc>
+                <a:spcPct val="100000"/>
+              </a:lnSpc>
+              <a:spcBef>
+                <a:spcPts val="0"/>
+              </a:spcBef>
+              <a:spcAft>
+                <a:spcPts val="0"/>
+              </a:spcAft>
+              <a:buClrTx/>
+              <a:buSzTx/>
+              <a:buFontTx/>
+              <a:buNone/>
+              <a:tabLst/>
+              <a:defRPr/>
+            </a:pPr>
+            <a:r>
+              <a:rPr lang="en-US" sz="1200" b="0" i="0" kern="1200" dirty="0">
+                <a:solidFill>
+                  <a:schemeClr val="tx1"/>
+                </a:solidFill>
+                <a:effectLst/>
+                <a:latin typeface="+mn-lt"/>
+                <a:ea typeface="+mn-ea"/>
+                <a:cs typeface="+mn-cs"/>
+              </a:rPr>
+              <a:t>EDA</a:t>
+            </a:r>
+          </a:p>
+          <a:p>
+            <a:pPr marL="0" marR="0" lvl="0" indent="0" algn="l" defTabSz="914400" rtl="0" eaLnBrk="1" fontAlgn="auto" latinLnBrk="0" hangingPunct="1">
+              <a:lnSpc>
+                <a:spcPct val="100000"/>
+              </a:lnSpc>
+              <a:spcBef>
+                <a:spcPts val="0"/>
+              </a:spcBef>
+              <a:spcAft>
+                <a:spcPts val="0"/>
+              </a:spcAft>
+              <a:buClrTx/>
+              <a:buSzTx/>
+              <a:buFontTx/>
+              <a:buNone/>
+              <a:tabLst/>
+              <a:defRPr/>
+            </a:pPr>
+            <a:r>
+              <a:rPr lang="en-US" sz="1200" b="0" i="0" kern="1200" dirty="0">
+                <a:solidFill>
+                  <a:schemeClr val="tx1"/>
+                </a:solidFill>
+                <a:effectLst/>
+                <a:latin typeface="+mn-lt"/>
+                <a:ea typeface="+mn-ea"/>
+                <a:cs typeface="+mn-cs"/>
+              </a:rPr>
+              <a:t>Expectations here are to provide the following in sections and subsections:</a:t>
+            </a:r>
+          </a:p>
+          <a:p>
+            <a:r>
+              <a:rPr lang="en-US" sz="1200" b="0" i="0" kern="1200" dirty="0">
+                <a:solidFill>
+                  <a:schemeClr val="tx1"/>
+                </a:solidFill>
+                <a:effectLst/>
+                <a:latin typeface="+mn-lt"/>
+                <a:ea typeface="+mn-ea"/>
+                <a:cs typeface="+mn-cs"/>
+              </a:rPr>
+              <a:t>[</a:t>
+            </a:r>
+            <a:r>
+              <a:rPr lang="en-US" sz="1200" b="0" i="0" kern="1200" dirty="0" err="1">
+                <a:solidFill>
+                  <a:schemeClr val="tx1"/>
+                </a:solidFill>
+                <a:effectLst/>
+                <a:latin typeface="+mn-lt"/>
+                <a:ea typeface="+mn-ea"/>
+                <a:cs typeface="+mn-cs"/>
+              </a:rPr>
+              <a:t>CaDoD</a:t>
+            </a:r>
+            <a:r>
+              <a:rPr lang="en-US" sz="1200" b="0" i="0" kern="1200" dirty="0">
+                <a:solidFill>
+                  <a:schemeClr val="tx1"/>
+                </a:solidFill>
+                <a:effectLst/>
+                <a:latin typeface="+mn-lt"/>
+                <a:ea typeface="+mn-ea"/>
+                <a:cs typeface="+mn-cs"/>
+              </a:rPr>
+              <a:t>]</a:t>
+            </a:r>
+            <a:br>
+              <a:rPr lang="en-US" dirty="0"/>
+            </a:br>
+            <a:r>
+              <a:rPr lang="en-US" sz="1200" b="0" i="0" kern="1200" dirty="0">
+                <a:solidFill>
+                  <a:schemeClr val="tx1"/>
+                </a:solidFill>
+                <a:effectLst/>
+                <a:latin typeface="+mn-lt"/>
+                <a:ea typeface="+mn-ea"/>
+                <a:cs typeface="+mn-cs"/>
+              </a:rPr>
+              <a:t>-- Overview of images (i.e. count of cat images, dog images, total images, memory size of images, etc..)</a:t>
+            </a:r>
+            <a:br>
+              <a:rPr lang="en-US" dirty="0"/>
+            </a:br>
+            <a:r>
+              <a:rPr lang="en-US" sz="1200" b="0" i="0" kern="1200" dirty="0">
+                <a:solidFill>
+                  <a:schemeClr val="tx1"/>
+                </a:solidFill>
+                <a:effectLst/>
+                <a:latin typeface="+mn-lt"/>
+                <a:ea typeface="+mn-ea"/>
+                <a:cs typeface="+mn-cs"/>
+              </a:rPr>
+              <a:t>-- Other useful text-based analysis (as opposed to graphic-based)</a:t>
+            </a:r>
+          </a:p>
+          <a:p>
+            <a:endParaRPr lang="en-US" sz="1200" b="0" i="0" kern="1200" dirty="0">
+              <a:solidFill>
+                <a:schemeClr val="tx1"/>
+              </a:solidFill>
+              <a:effectLst/>
+              <a:latin typeface="+mn-lt"/>
+              <a:ea typeface="+mn-ea"/>
+              <a:cs typeface="+mn-cs"/>
+            </a:endParaRPr>
+          </a:p>
+          <a:p>
+            <a:endParaRPr lang="en-US" sz="1200" b="0" i="0" kern="1200" dirty="0">
+              <a:solidFill>
+                <a:schemeClr val="tx1"/>
+              </a:solidFill>
+              <a:effectLst/>
+              <a:latin typeface="+mn-lt"/>
+              <a:ea typeface="+mn-ea"/>
+              <a:cs typeface="+mn-cs"/>
+            </a:endParaRPr>
+          </a:p>
+          <a:p>
+            <a:pPr marL="0" marR="0" lvl="0" indent="0" algn="l" defTabSz="914400" rtl="0" eaLnBrk="1" fontAlgn="auto" latinLnBrk="0" hangingPunct="1">
+              <a:lnSpc>
+                <a:spcPct val="100000"/>
+              </a:lnSpc>
+              <a:spcBef>
+                <a:spcPts val="0"/>
+              </a:spcBef>
+              <a:spcAft>
+                <a:spcPts val="0"/>
+              </a:spcAft>
+              <a:buClrTx/>
+              <a:buSzTx/>
+              <a:buFontTx/>
+              <a:buNone/>
+              <a:tabLst/>
+              <a:defRPr/>
+            </a:pPr>
+            <a:r>
+              <a:rPr lang="en-US" sz="1200" b="0" i="0" kern="1200" dirty="0">
+                <a:solidFill>
+                  <a:schemeClr val="tx1"/>
+                </a:solidFill>
+                <a:effectLst/>
+                <a:latin typeface="+mn-lt"/>
+                <a:ea typeface="+mn-ea"/>
+                <a:cs typeface="+mn-cs"/>
+              </a:rPr>
+              <a:t>This criterion is linked to a Learning Outcome</a:t>
+            </a:r>
+          </a:p>
+          <a:p>
+            <a:pPr marL="0" marR="0" lvl="0" indent="0" algn="l" defTabSz="914400" rtl="0" eaLnBrk="1" fontAlgn="auto" latinLnBrk="0" hangingPunct="1">
+              <a:lnSpc>
+                <a:spcPct val="100000"/>
+              </a:lnSpc>
+              <a:spcBef>
+                <a:spcPts val="0"/>
+              </a:spcBef>
+              <a:spcAft>
+                <a:spcPts val="0"/>
+              </a:spcAft>
+              <a:buClrTx/>
+              <a:buSzTx/>
+              <a:buFontTx/>
+              <a:buNone/>
+              <a:tabLst/>
+              <a:defRPr/>
+            </a:pPr>
+            <a:r>
+              <a:rPr lang="en-US" sz="1200" b="0" i="0" kern="1200" dirty="0">
+                <a:solidFill>
+                  <a:schemeClr val="tx1"/>
+                </a:solidFill>
+                <a:effectLst/>
+                <a:latin typeface="+mn-lt"/>
+                <a:ea typeface="+mn-ea"/>
+                <a:cs typeface="+mn-cs"/>
+              </a:rPr>
+              <a:t>Visual EDA</a:t>
+            </a:r>
+          </a:p>
+          <a:p>
+            <a:pPr marL="0" marR="0" lvl="0" indent="0" algn="l" defTabSz="914400" rtl="0" eaLnBrk="1" fontAlgn="auto" latinLnBrk="0" hangingPunct="1">
+              <a:lnSpc>
+                <a:spcPct val="100000"/>
+              </a:lnSpc>
+              <a:spcBef>
+                <a:spcPts val="0"/>
+              </a:spcBef>
+              <a:spcAft>
+                <a:spcPts val="0"/>
+              </a:spcAft>
+              <a:buClrTx/>
+              <a:buSzTx/>
+              <a:buFontTx/>
+              <a:buNone/>
+              <a:tabLst/>
+              <a:defRPr/>
+            </a:pPr>
+            <a:r>
+              <a:rPr lang="en-US" sz="1200" b="0" i="0" kern="1200" dirty="0">
+                <a:solidFill>
+                  <a:schemeClr val="tx1"/>
+                </a:solidFill>
+                <a:effectLst/>
+                <a:latin typeface="+mn-lt"/>
+                <a:ea typeface="+mn-ea"/>
+                <a:cs typeface="+mn-cs"/>
+              </a:rPr>
+              <a:t>Expectations here are to provide the following in sections and subsections:</a:t>
+            </a:r>
+          </a:p>
+          <a:p>
+            <a:r>
+              <a:rPr lang="en-US" sz="1200" b="0" i="0" kern="1200" dirty="0">
+                <a:solidFill>
+                  <a:schemeClr val="tx1"/>
+                </a:solidFill>
+                <a:effectLst/>
+                <a:latin typeface="+mn-lt"/>
+                <a:ea typeface="+mn-ea"/>
+                <a:cs typeface="+mn-cs"/>
+              </a:rPr>
+              <a:t>[</a:t>
+            </a:r>
+            <a:r>
+              <a:rPr lang="en-US" sz="1200" b="0" i="0" kern="1200" dirty="0" err="1">
+                <a:solidFill>
+                  <a:schemeClr val="tx1"/>
+                </a:solidFill>
+                <a:effectLst/>
+                <a:latin typeface="+mn-lt"/>
+                <a:ea typeface="+mn-ea"/>
+                <a:cs typeface="+mn-cs"/>
+              </a:rPr>
+              <a:t>CaDoD</a:t>
+            </a:r>
+            <a:r>
+              <a:rPr lang="en-US" sz="1200" b="0" i="0" kern="1200" dirty="0">
+                <a:solidFill>
+                  <a:schemeClr val="tx1"/>
+                </a:solidFill>
+                <a:effectLst/>
+                <a:latin typeface="+mn-lt"/>
+                <a:ea typeface="+mn-ea"/>
+                <a:cs typeface="+mn-cs"/>
+              </a:rPr>
+              <a:t>]</a:t>
+            </a:r>
+            <a:br>
+              <a:rPr lang="en-US" dirty="0"/>
+            </a:br>
+            <a:r>
+              <a:rPr lang="en-US" sz="1200" b="0" i="0" kern="1200" dirty="0">
+                <a:solidFill>
+                  <a:schemeClr val="tx1"/>
+                </a:solidFill>
+                <a:effectLst/>
+                <a:latin typeface="+mn-lt"/>
+                <a:ea typeface="+mn-ea"/>
+                <a:cs typeface="+mn-cs"/>
+              </a:rPr>
+              <a:t>-- preview and a small sample of images before and after transformations</a:t>
+            </a:r>
+            <a:endParaRPr lang="en-US" dirty="0"/>
+          </a:p>
+        </p:txBody>
+      </p:sp>
+      <p:sp>
+        <p:nvSpPr>
+          <p:cNvPr id="4" name="Slide Number Placeholder 3"/>
+          <p:cNvSpPr>
+            <a:spLocks noGrp="1"/>
+          </p:cNvSpPr>
+          <p:nvPr>
+            <p:ph type="sldNum" sz="quarter" idx="5"/>
+          </p:nvPr>
+        </p:nvSpPr>
+        <p:spPr/>
+        <p:txBody>
+          <a:bodyPr/>
+          <a:lstStyle/>
+          <a:p>
+            <a:fld id="{25E2E259-F0C1-274B-BB83-2518BC0EEFC9}" type="slidenum">
+              <a:rPr lang="en-US" smtClean="0"/>
+              <a:t>7</a:t>
+            </a:fld>
+            <a:endParaRPr lang="en-US"/>
+          </a:p>
+        </p:txBody>
+      </p:sp>
+    </p:spTree>
+    <p:extLst>
+      <p:ext uri="{BB962C8B-B14F-4D97-AF65-F5344CB8AC3E}">
+        <p14:creationId xmlns:p14="http://schemas.microsoft.com/office/powerpoint/2010/main" val="2413518338"/>
+      </p:ext>
+    </p:extLst>
+  </p:cSld>
+  <p:clrMapOvr>
+    <a:masterClrMapping/>
+  </p:clrMapOvr>
+</p:notes>
+</file>
+
+<file path=ppt/notesSlides/notesSlide7.xml><?xml version="1.0" encoding="utf-8"?>
+<p:notes xmlns:a="http://schemas.openxmlformats.org/drawingml/2006/main" xmlns:r="http://schemas.openxmlformats.org/officeDocument/2006/relationships" xmlns:p="http://schemas.openxmlformats.org/presentationml/2006/main">
+  <p:cSld>
+    <p:spTree>
+      <p:nvGrpSpPr>
+        <p:cNvPr id="1" name=""/>
+        <p:cNvGrpSpPr/>
+        <p:nvPr/>
+      </p:nvGrpSpPr>
+      <p:grpSpPr>
+        <a:xfrm>
+          <a:off x="0" y="0"/>
+          <a:ext cx="0" cy="0"/>
+          <a:chOff x="0" y="0"/>
+          <a:chExt cx="0" cy="0"/>
+        </a:xfrm>
+      </p:grpSpPr>
+      <p:sp>
+        <p:nvSpPr>
+          <p:cNvPr id="2" name="Slide Image Placeholder 1"/>
+          <p:cNvSpPr>
+            <a:spLocks noGrp="1" noRot="1" noChangeAspect="1"/>
+          </p:cNvSpPr>
+          <p:nvPr>
+            <p:ph type="sldImg"/>
+          </p:nvPr>
+        </p:nvSpPr>
+        <p:spPr/>
+      </p:sp>
+      <p:sp>
+        <p:nvSpPr>
+          <p:cNvPr id="3" name="Notes Placeholder 2"/>
+          <p:cNvSpPr>
+            <a:spLocks noGrp="1"/>
+          </p:cNvSpPr>
+          <p:nvPr>
+            <p:ph type="body" idx="1"/>
+          </p:nvPr>
+        </p:nvSpPr>
+        <p:spPr/>
+        <p:txBody>
+          <a:bodyPr/>
+          <a:lstStyle/>
+          <a:p>
             <a:pPr marL="0" marR="0" lvl="0" indent="0" algn="l" defTabSz="914400" rtl="0" eaLnBrk="1" fontAlgn="auto" latinLnBrk="0" hangingPunct="1">
               <a:lnSpc>
                 <a:spcPct val="100000"/>
@@ -2926,7 +3637,7 @@
           <a:p>
             <a:fld id="{25E2E259-F0C1-274B-BB83-2518BC0EEFC9}" type="slidenum">
               <a:rPr lang="en-US" smtClean="0"/>
-              <a:t>7</a:t>
+              <a:t>8</a:t>
             </a:fld>
             <a:endParaRPr lang="en-US"/>
           </a:p>
@@ -2936,241 +3647,6 @@
     <p:extLst>
       <p:ext uri="{BB962C8B-B14F-4D97-AF65-F5344CB8AC3E}">
         <p14:creationId xmlns:p14="http://schemas.microsoft.com/office/powerpoint/2010/main" val="3798094749"/>
-      </p:ext>
-    </p:extLst>
-  </p:cSld>
-  <p:clrMapOvr>
-    <a:masterClrMapping/>
-  </p:clrMapOvr>
-</p:notes>
-</file>
-
-<file path=ppt/notesSlides/notesSlide7.xml><?xml version="1.0" encoding="utf-8"?>
-<p:notes xmlns:a="http://schemas.openxmlformats.org/drawingml/2006/main" xmlns:r="http://schemas.openxmlformats.org/officeDocument/2006/relationships" xmlns:p="http://schemas.openxmlformats.org/presentationml/2006/main">
-  <p:cSld>
-    <p:spTree>
-      <p:nvGrpSpPr>
-        <p:cNvPr id="1" name=""/>
-        <p:cNvGrpSpPr/>
-        <p:nvPr/>
-      </p:nvGrpSpPr>
-      <p:grpSpPr>
-        <a:xfrm>
-          <a:off x="0" y="0"/>
-          <a:ext cx="0" cy="0"/>
-          <a:chOff x="0" y="0"/>
-          <a:chExt cx="0" cy="0"/>
-        </a:xfrm>
-      </p:grpSpPr>
-      <p:sp>
-        <p:nvSpPr>
-          <p:cNvPr id="2" name="Slide Image Placeholder 1"/>
-          <p:cNvSpPr>
-            <a:spLocks noGrp="1" noRot="1" noChangeAspect="1"/>
-          </p:cNvSpPr>
-          <p:nvPr>
-            <p:ph type="sldImg"/>
-          </p:nvPr>
-        </p:nvSpPr>
-        <p:spPr/>
-      </p:sp>
-      <p:sp>
-        <p:nvSpPr>
-          <p:cNvPr id="3" name="Notes Placeholder 2"/>
-          <p:cNvSpPr>
-            <a:spLocks noGrp="1"/>
-          </p:cNvSpPr>
-          <p:nvPr>
-            <p:ph type="body" idx="1"/>
-          </p:nvPr>
-        </p:nvSpPr>
-        <p:spPr/>
-        <p:txBody>
-          <a:bodyPr/>
-          <a:lstStyle/>
-          <a:p>
-            <a:pPr marL="0" marR="0" lvl="0" indent="0" algn="l" defTabSz="914400" rtl="0" eaLnBrk="1" fontAlgn="auto" latinLnBrk="0" hangingPunct="1">
-              <a:lnSpc>
-                <a:spcPct val="100000"/>
-              </a:lnSpc>
-              <a:spcBef>
-                <a:spcPts val="0"/>
-              </a:spcBef>
-              <a:spcAft>
-                <a:spcPts val="0"/>
-              </a:spcAft>
-              <a:buClrTx/>
-              <a:buSzTx/>
-              <a:buFontTx/>
-              <a:buNone/>
-              <a:tabLst/>
-              <a:defRPr/>
-            </a:pPr>
-            <a:r>
-              <a:rPr lang="en-US" sz="1200" b="0" i="0" kern="1200" dirty="0">
-                <a:solidFill>
-                  <a:schemeClr val="tx1"/>
-                </a:solidFill>
-                <a:effectLst/>
-                <a:latin typeface="+mn-lt"/>
-                <a:ea typeface="+mn-ea"/>
-                <a:cs typeface="+mn-cs"/>
-              </a:rPr>
-              <a:t>This criterion is linked to a Learning Outcome</a:t>
-            </a:r>
-          </a:p>
-          <a:p>
-            <a:pPr marL="0" marR="0" lvl="0" indent="0" algn="l" defTabSz="914400" rtl="0" eaLnBrk="1" fontAlgn="auto" latinLnBrk="0" hangingPunct="1">
-              <a:lnSpc>
-                <a:spcPct val="100000"/>
-              </a:lnSpc>
-              <a:spcBef>
-                <a:spcPts val="0"/>
-              </a:spcBef>
-              <a:spcAft>
-                <a:spcPts val="0"/>
-              </a:spcAft>
-              <a:buClrTx/>
-              <a:buSzTx/>
-              <a:buFontTx/>
-              <a:buNone/>
-              <a:tabLst/>
-              <a:defRPr/>
-            </a:pPr>
-            <a:r>
-              <a:rPr lang="en-US" sz="1200" b="0" i="0" kern="1200" dirty="0">
-                <a:solidFill>
-                  <a:schemeClr val="tx1"/>
-                </a:solidFill>
-                <a:effectLst/>
-                <a:latin typeface="+mn-lt"/>
-                <a:ea typeface="+mn-ea"/>
-                <a:cs typeface="+mn-cs"/>
-              </a:rPr>
-              <a:t>Results and discussion of results</a:t>
-            </a:r>
-          </a:p>
-          <a:p>
-            <a:pPr marL="0" marR="0" lvl="0" indent="0" algn="l" defTabSz="914400" rtl="0" eaLnBrk="1" fontAlgn="auto" latinLnBrk="0" hangingPunct="1">
-              <a:lnSpc>
-                <a:spcPct val="100000"/>
-              </a:lnSpc>
-              <a:spcBef>
-                <a:spcPts val="0"/>
-              </a:spcBef>
-              <a:spcAft>
-                <a:spcPts val="0"/>
-              </a:spcAft>
-              <a:buClrTx/>
-              <a:buSzTx/>
-              <a:buFontTx/>
-              <a:buNone/>
-              <a:tabLst/>
-              <a:defRPr/>
-            </a:pPr>
-            <a:r>
-              <a:rPr lang="en-US" sz="1200" b="0" i="0" kern="1200" dirty="0">
-                <a:solidFill>
-                  <a:schemeClr val="tx1"/>
-                </a:solidFill>
-                <a:effectLst/>
-                <a:latin typeface="+mn-lt"/>
-                <a:ea typeface="+mn-ea"/>
-                <a:cs typeface="+mn-cs"/>
-              </a:rPr>
-              <a:t>Expectations here are to provide the following in sections and subsections:</a:t>
-            </a:r>
-            <a:br>
-              <a:rPr lang="en-US" sz="1200" b="0" i="0" kern="1200" dirty="0">
-                <a:solidFill>
-                  <a:schemeClr val="tx1"/>
-                </a:solidFill>
-                <a:effectLst/>
-                <a:latin typeface="+mn-lt"/>
-                <a:ea typeface="+mn-ea"/>
-                <a:cs typeface="+mn-cs"/>
-              </a:rPr>
-            </a:br>
-            <a:br>
-              <a:rPr lang="en-US" sz="1200" b="0" i="0" kern="1200" dirty="0">
-                <a:solidFill>
-                  <a:schemeClr val="tx1"/>
-                </a:solidFill>
-                <a:effectLst/>
-                <a:latin typeface="+mn-lt"/>
-                <a:ea typeface="+mn-ea"/>
-                <a:cs typeface="+mn-cs"/>
-              </a:rPr>
-            </a:br>
-            <a:r>
-              <a:rPr lang="en-US" sz="1200" b="0" i="0" kern="1200" dirty="0">
-                <a:solidFill>
-                  <a:schemeClr val="tx1"/>
-                </a:solidFill>
-                <a:effectLst/>
-                <a:latin typeface="+mn-lt"/>
-                <a:ea typeface="+mn-ea"/>
-                <a:cs typeface="+mn-cs"/>
-              </a:rPr>
-              <a:t>Discussion’s aim is result interpretation, which means explain, </a:t>
-            </a:r>
-            <a:r>
-              <a:rPr lang="en-US" sz="1200" b="0" i="0" kern="1200" dirty="0" err="1">
-                <a:solidFill>
-                  <a:schemeClr val="tx1"/>
-                </a:solidFill>
-                <a:effectLst/>
-                <a:latin typeface="+mn-lt"/>
-                <a:ea typeface="+mn-ea"/>
-                <a:cs typeface="+mn-cs"/>
-              </a:rPr>
-              <a:t>analyse</a:t>
-            </a:r>
-            <a:r>
-              <a:rPr lang="en-US" sz="1200" b="0" i="0" kern="1200" dirty="0">
-                <a:solidFill>
-                  <a:schemeClr val="tx1"/>
-                </a:solidFill>
-                <a:effectLst/>
-                <a:latin typeface="+mn-lt"/>
-                <a:ea typeface="+mn-ea"/>
-                <a:cs typeface="+mn-cs"/>
-              </a:rPr>
-              <a:t>, and compare them. Often, this part is the most important, simply because it lets the researcher take a step back and give a broader look at the experiment. Do not discuss any outcomes not presented in the results part.</a:t>
-            </a:r>
-          </a:p>
-          <a:p>
-            <a:endParaRPr lang="en-US" dirty="0"/>
-          </a:p>
-        </p:txBody>
-      </p:sp>
-      <p:sp>
-        <p:nvSpPr>
-          <p:cNvPr id="4" name="Slide Number Placeholder 3"/>
-          <p:cNvSpPr>
-            <a:spLocks noGrp="1"/>
-          </p:cNvSpPr>
-          <p:nvPr>
-            <p:ph type="sldNum" sz="quarter" idx="5"/>
-          </p:nvPr>
-        </p:nvSpPr>
-        <p:spPr/>
-        <p:txBody>
-          <a:bodyPr/>
-          <a:lstStyle/>
-          <a:p>
-            <a:fld id="{25E2E259-F0C1-274B-BB83-2518BC0EEFC9}" type="slidenum">
-              <a:rPr lang="en-US" smtClean="0"/>
-              <a:t>8</a:t>
-            </a:fld>
-            <a:endParaRPr lang="en-US"/>
-          </a:p>
-        </p:txBody>
-      </p:sp>
-    </p:spTree>
-    <p:extLst>
-      <p:ext uri="{BB962C8B-B14F-4D97-AF65-F5344CB8AC3E}">
-        <p14:creationId xmlns:p14="http://schemas.microsoft.com/office/powerpoint/2010/main" val="3148085847"/>
       </p:ext>
     </p:extLst>
   </p:cSld>
@@ -3405,7 +3881,7 @@
     </p:spTree>
     <p:extLst>
       <p:ext uri="{BB962C8B-B14F-4D97-AF65-F5344CB8AC3E}">
-        <p14:creationId xmlns:p14="http://schemas.microsoft.com/office/powerpoint/2010/main" val="710768679"/>
+        <p14:creationId xmlns:p14="http://schemas.microsoft.com/office/powerpoint/2010/main" val="2529856133"/>
       </p:ext>
     </p:extLst>
   </p:cSld>
@@ -3640,7 +4116,7 @@
     </p:spTree>
     <p:extLst>
       <p:ext uri="{BB962C8B-B14F-4D97-AF65-F5344CB8AC3E}">
-        <p14:creationId xmlns:p14="http://schemas.microsoft.com/office/powerpoint/2010/main" val="2487888159"/>
+        <p14:creationId xmlns:p14="http://schemas.microsoft.com/office/powerpoint/2010/main" val="3148085847"/>
       </p:ext>
     </p:extLst>
   </p:cSld>
@@ -3745,7 +4221,7 @@
           <a:effectLst/>
           <a:extLst>
             <a:ext uri="{91240B29-F687-4f45-9708-019B960494DF}">
-              <a14:hiddenLine xmlns="" xmlns:a14="http://schemas.microsoft.com/office/drawing/2010/main" w="9525">
+              <a14:hiddenLine xmlns:a14="http://schemas.microsoft.com/office/drawing/2010/main" xmlns="" w="9525">
                 <a:solidFill>
                   <a:srgbClr val="000000"/>
                 </a:solidFill>
@@ -5267,7 +5743,7 @@
           <a:ln/>
           <a:extLst>
             <a:ext uri="{91240B29-F687-4f45-9708-019B960494DF}">
-              <a14:hiddenLine xmlns="" xmlns:a14="http://schemas.microsoft.com/office/drawing/2010/main" w="9525">
+              <a14:hiddenLine xmlns:a14="http://schemas.microsoft.com/office/drawing/2010/main" xmlns="" w="9525">
                 <a:solidFill>
                   <a:srgbClr val="000000"/>
                 </a:solidFill>
@@ -5542,7 +6018,7 @@
           <a:ln/>
           <a:extLst>
             <a:ext uri="{91240B29-F687-4f45-9708-019B960494DF}">
-              <a14:hiddenLine xmlns="" xmlns:a14="http://schemas.microsoft.com/office/drawing/2010/main" w="9525">
+              <a14:hiddenLine xmlns:a14="http://schemas.microsoft.com/office/drawing/2010/main" xmlns="" w="9525">
                 <a:solidFill>
                   <a:srgbClr val="000000"/>
                 </a:solidFill>
@@ -5825,7 +6301,7 @@
           <a:ln/>
           <a:extLst>
             <a:ext uri="{91240B29-F687-4f45-9708-019B960494DF}">
-              <a14:hiddenLine xmlns="" xmlns:a14="http://schemas.microsoft.com/office/drawing/2010/main" w="9525">
+              <a14:hiddenLine xmlns:a14="http://schemas.microsoft.com/office/drawing/2010/main" xmlns="" w="9525">
                 <a:solidFill>
                   <a:srgbClr val="000000"/>
                 </a:solidFill>
@@ -6451,7 +6927,7 @@
           <a:ln/>
           <a:extLst>
             <a:ext uri="{91240B29-F687-4f45-9708-019B960494DF}">
-              <a14:hiddenLine xmlns="" xmlns:a14="http://schemas.microsoft.com/office/drawing/2010/main" w="9525">
+              <a14:hiddenLine xmlns:a14="http://schemas.microsoft.com/office/drawing/2010/main" xmlns="" w="9525">
                 <a:solidFill>
                   <a:srgbClr val="000000"/>
                 </a:solidFill>
@@ -6790,7 +7266,7 @@
           <a:ln/>
           <a:extLst>
             <a:ext uri="{91240B29-F687-4f45-9708-019B960494DF}">
-              <a14:hiddenLine xmlns="" xmlns:a14="http://schemas.microsoft.com/office/drawing/2010/main" w="9525">
+              <a14:hiddenLine xmlns:a14="http://schemas.microsoft.com/office/drawing/2010/main" xmlns="" w="9525">
                 <a:solidFill>
                   <a:srgbClr val="000000"/>
                 </a:solidFill>
@@ -7267,7 +7743,7 @@
           <a:ln/>
           <a:extLst>
             <a:ext uri="{91240B29-F687-4f45-9708-019B960494DF}">
-              <a14:hiddenLine xmlns="" xmlns:a14="http://schemas.microsoft.com/office/drawing/2010/main" w="9525">
+              <a14:hiddenLine xmlns:a14="http://schemas.microsoft.com/office/drawing/2010/main" xmlns="" w="9525">
                 <a:solidFill>
                   <a:srgbClr val="000000"/>
                 </a:solidFill>
@@ -7696,7 +8172,7 @@
           <a:ln/>
           <a:extLst>
             <a:ext uri="{91240B29-F687-4f45-9708-019B960494DF}">
-              <a14:hiddenLine xmlns="" xmlns:a14="http://schemas.microsoft.com/office/drawing/2010/main" w="9525">
+              <a14:hiddenLine xmlns:a14="http://schemas.microsoft.com/office/drawing/2010/main" xmlns="" w="9525">
                 <a:solidFill>
                   <a:srgbClr val="000000"/>
                 </a:solidFill>
@@ -9297,6 +9773,472 @@
           <a:p>
             <a:r>
               <a:rPr lang="en-US" dirty="0"/>
+              <a:t>Models </a:t>
+            </a:r>
+            <a:r>
+              <a:rPr lang="en-US" sz="2400" dirty="0"/>
+              <a:t>- </a:t>
+            </a:r>
+            <a:r>
+              <a:rPr lang="en-US" sz="2400" dirty="0">
+                <a:solidFill>
+                  <a:schemeClr val="accent1">
+                    <a:lumMod val="50000"/>
+                  </a:schemeClr>
+                </a:solidFill>
+              </a:rPr>
+              <a:t>Mangesh</a:t>
+            </a:r>
+            <a:endParaRPr lang="en-US" sz="2400" dirty="0"/>
+          </a:p>
+        </p:txBody>
+      </p:sp>
+      <p:sp>
+        <p:nvSpPr>
+          <p:cNvPr id="3" name="Text Placeholder 2">
+            <a:extLst>
+              <a:ext uri="{FF2B5EF4-FFF2-40B4-BE49-F238E27FC236}">
+                <a16:creationId xmlns:a16="http://schemas.microsoft.com/office/drawing/2014/main" id="{20A48431-64F0-3A41-9438-12793F22BE0C}"/>
+              </a:ext>
+            </a:extLst>
+          </p:cNvPr>
+          <p:cNvSpPr>
+            <a:spLocks noGrp="1"/>
+          </p:cNvSpPr>
+          <p:nvPr>
+            <p:ph type="body" idx="1"/>
+          </p:nvPr>
+        </p:nvSpPr>
+        <p:spPr/>
+        <p:txBody>
+          <a:bodyPr/>
+          <a:lstStyle/>
+          <a:p>
+            <a:pPr algn="l"/>
+            <a:r>
+              <a:rPr lang="en-US" b="1" dirty="0"/>
+              <a:t>Bounding Box Prediction Models</a:t>
+            </a:r>
+          </a:p>
+        </p:txBody>
+      </p:sp>
+      <p:sp>
+        <p:nvSpPr>
+          <p:cNvPr id="4" name="Content Placeholder 3">
+            <a:extLst>
+              <a:ext uri="{FF2B5EF4-FFF2-40B4-BE49-F238E27FC236}">
+                <a16:creationId xmlns:a16="http://schemas.microsoft.com/office/drawing/2014/main" id="{7E935AF4-F7C7-9748-99D9-82C158F6E60A}"/>
+              </a:ext>
+            </a:extLst>
+          </p:cNvPr>
+          <p:cNvSpPr>
+            <a:spLocks noGrp="1"/>
+          </p:cNvSpPr>
+          <p:nvPr>
+            <p:ph sz="half" idx="2"/>
+          </p:nvPr>
+        </p:nvSpPr>
+        <p:spPr>
+          <a:xfrm>
+            <a:off x="814729" y="2751138"/>
+            <a:ext cx="5189856" cy="3409632"/>
+          </a:xfrm>
+        </p:spPr>
+        <p:txBody>
+          <a:bodyPr>
+            <a:normAutofit/>
+          </a:bodyPr>
+          <a:lstStyle/>
+          <a:p>
+            <a:pPr marL="0" indent="0">
+              <a:buNone/>
+            </a:pPr>
+            <a:r>
+              <a:rPr lang="en-US" dirty="0"/>
+              <a:t>3 models evaluated with </a:t>
+            </a:r>
+            <a:r>
+              <a:rPr lang="en-US" dirty="0" err="1"/>
+              <a:t>GridSearchCV</a:t>
+            </a:r>
+            <a:r>
+              <a:rPr lang="en-US" dirty="0"/>
+              <a:t> and different alpha parameters and KNN parameters (in order of performance)</a:t>
+            </a:r>
+          </a:p>
+          <a:p>
+            <a:r>
+              <a:rPr lang="en-US" dirty="0"/>
+              <a:t>Lasso Linear Regression *</a:t>
+            </a:r>
+          </a:p>
+          <a:p>
+            <a:r>
+              <a:rPr lang="en-US" dirty="0"/>
+              <a:t>K Nearest Neighbor</a:t>
+            </a:r>
+          </a:p>
+          <a:p>
+            <a:r>
+              <a:rPr lang="en-US" dirty="0"/>
+              <a:t>Ridge Linear Regression</a:t>
+            </a:r>
+          </a:p>
+          <a:p>
+            <a:pPr marL="0" indent="0">
+              <a:buNone/>
+            </a:pPr>
+            <a:r>
+              <a:rPr lang="en-US" dirty="0"/>
+              <a:t>* winner with alpha = 1 during subset training</a:t>
+            </a:r>
+            <a:br>
+              <a:rPr lang="en-US" dirty="0"/>
+            </a:br>
+            <a:br>
+              <a:rPr lang="en-US" dirty="0"/>
+            </a:br>
+            <a:r>
+              <a:rPr lang="en-US" dirty="0"/>
+              <a:t>Winning model (along with its params) placed into the localization pipeline.</a:t>
+            </a:r>
+          </a:p>
+        </p:txBody>
+      </p:sp>
+      <p:sp>
+        <p:nvSpPr>
+          <p:cNvPr id="5" name="Text Placeholder 4">
+            <a:extLst>
+              <a:ext uri="{FF2B5EF4-FFF2-40B4-BE49-F238E27FC236}">
+                <a16:creationId xmlns:a16="http://schemas.microsoft.com/office/drawing/2014/main" id="{7E4336B0-BB02-A142-A285-FD9A822C128D}"/>
+              </a:ext>
+            </a:extLst>
+          </p:cNvPr>
+          <p:cNvSpPr>
+            <a:spLocks noGrp="1"/>
+          </p:cNvSpPr>
+          <p:nvPr>
+            <p:ph type="body" sz="quarter" idx="3"/>
+          </p:nvPr>
+        </p:nvSpPr>
+        <p:spPr/>
+        <p:txBody>
+          <a:bodyPr/>
+          <a:lstStyle/>
+          <a:p>
+            <a:pPr algn="l"/>
+            <a:r>
+              <a:rPr lang="en-US" b="1" dirty="0"/>
+              <a:t>Classification Models</a:t>
+            </a:r>
+          </a:p>
+        </p:txBody>
+      </p:sp>
+      <p:sp>
+        <p:nvSpPr>
+          <p:cNvPr id="6" name="Content Placeholder 5">
+            <a:extLst>
+              <a:ext uri="{FF2B5EF4-FFF2-40B4-BE49-F238E27FC236}">
+                <a16:creationId xmlns:a16="http://schemas.microsoft.com/office/drawing/2014/main" id="{D12C8C3A-B4EC-FE46-AD92-3ADD3B823098}"/>
+              </a:ext>
+            </a:extLst>
+          </p:cNvPr>
+          <p:cNvSpPr>
+            <a:spLocks noGrp="1"/>
+          </p:cNvSpPr>
+          <p:nvPr>
+            <p:ph sz="quarter" idx="4"/>
+          </p:nvPr>
+        </p:nvSpPr>
+        <p:spPr/>
+        <p:txBody>
+          <a:bodyPr>
+            <a:normAutofit/>
+          </a:bodyPr>
+          <a:lstStyle/>
+          <a:p>
+            <a:r>
+              <a:rPr lang="en-US" dirty="0" err="1"/>
+              <a:t>SKLearn</a:t>
+            </a:r>
+            <a:r>
+              <a:rPr lang="en-US" dirty="0"/>
+              <a:t> Logistic Regression model</a:t>
+            </a:r>
+          </a:p>
+          <a:p>
+            <a:r>
+              <a:rPr lang="en-US" dirty="0"/>
+              <a:t>Homegrown Logistic Regression model using gradient descent</a:t>
+            </a:r>
+          </a:p>
+          <a:p>
+            <a:pPr marL="0" indent="0">
+              <a:buNone/>
+            </a:pPr>
+            <a:r>
+              <a:rPr lang="en-US" dirty="0"/>
+              <a:t>We did not have sufficient time to perform CV on these two models, but ran them both through training and test sets to compare predictions and performance.</a:t>
+            </a:r>
+          </a:p>
+        </p:txBody>
+      </p:sp>
+    </p:spTree>
+    <p:extLst>
+      <p:ext uri="{BB962C8B-B14F-4D97-AF65-F5344CB8AC3E}">
+        <p14:creationId xmlns:p14="http://schemas.microsoft.com/office/powerpoint/2010/main" val="4092814027"/>
+      </p:ext>
+    </p:extLst>
+  </p:cSld>
+  <p:clrMapOvr>
+    <a:masterClrMapping/>
+  </p:clrMapOvr>
+</p:sld>
+</file>
+
+<file path=ppt/slides/slide11.xml><?xml version="1.0" encoding="utf-8"?>
+<p:sld xmlns:a="http://schemas.openxmlformats.org/drawingml/2006/main" xmlns:r="http://schemas.openxmlformats.org/officeDocument/2006/relationships" xmlns:p="http://schemas.openxmlformats.org/presentationml/2006/main">
+  <p:cSld>
+    <p:spTree>
+      <p:nvGrpSpPr>
+        <p:cNvPr id="1" name=""/>
+        <p:cNvGrpSpPr/>
+        <p:nvPr/>
+      </p:nvGrpSpPr>
+      <p:grpSpPr>
+        <a:xfrm>
+          <a:off x="0" y="0"/>
+          <a:ext cx="0" cy="0"/>
+          <a:chOff x="0" y="0"/>
+          <a:chExt cx="0" cy="0"/>
+        </a:xfrm>
+      </p:grpSpPr>
+      <p:sp>
+        <p:nvSpPr>
+          <p:cNvPr id="2" name="Title 1">
+            <a:extLst>
+              <a:ext uri="{FF2B5EF4-FFF2-40B4-BE49-F238E27FC236}">
+                <a16:creationId xmlns:a16="http://schemas.microsoft.com/office/drawing/2014/main" id="{0CAFC94C-B8F1-2F46-8429-1C6AC60091C5}"/>
+              </a:ext>
+            </a:extLst>
+          </p:cNvPr>
+          <p:cNvSpPr>
+            <a:spLocks noGrp="1"/>
+          </p:cNvSpPr>
+          <p:nvPr>
+            <p:ph type="title"/>
+          </p:nvPr>
+        </p:nvSpPr>
+        <p:spPr/>
+        <p:txBody>
+          <a:bodyPr/>
+          <a:lstStyle/>
+          <a:p>
+            <a:r>
+              <a:rPr lang="en-US" dirty="0"/>
+              <a:t>Metrics, Results, Discussion </a:t>
+            </a:r>
+            <a:r>
+              <a:rPr lang="en-US" sz="2400" dirty="0"/>
+              <a:t>- </a:t>
+            </a:r>
+            <a:r>
+              <a:rPr lang="en-US" sz="2400" dirty="0">
+                <a:solidFill>
+                  <a:schemeClr val="accent1">
+                    <a:lumMod val="50000"/>
+                  </a:schemeClr>
+                </a:solidFill>
+              </a:rPr>
+              <a:t>Ben</a:t>
+            </a:r>
+            <a:endParaRPr lang="en-US" sz="2400" dirty="0"/>
+          </a:p>
+        </p:txBody>
+      </p:sp>
+      <p:sp>
+        <p:nvSpPr>
+          <p:cNvPr id="3" name="Text Placeholder 2">
+            <a:extLst>
+              <a:ext uri="{FF2B5EF4-FFF2-40B4-BE49-F238E27FC236}">
+                <a16:creationId xmlns:a16="http://schemas.microsoft.com/office/drawing/2014/main" id="{20A48431-64F0-3A41-9438-12793F22BE0C}"/>
+              </a:ext>
+            </a:extLst>
+          </p:cNvPr>
+          <p:cNvSpPr>
+            <a:spLocks noGrp="1"/>
+          </p:cNvSpPr>
+          <p:nvPr>
+            <p:ph type="body" idx="1"/>
+          </p:nvPr>
+        </p:nvSpPr>
+        <p:spPr/>
+        <p:txBody>
+          <a:bodyPr/>
+          <a:lstStyle/>
+          <a:p>
+            <a:r>
+              <a:rPr lang="en-US" dirty="0"/>
+              <a:t>Results Summary</a:t>
+            </a:r>
+          </a:p>
+        </p:txBody>
+      </p:sp>
+      <p:sp>
+        <p:nvSpPr>
+          <p:cNvPr id="4" name="Content Placeholder 3">
+            <a:extLst>
+              <a:ext uri="{FF2B5EF4-FFF2-40B4-BE49-F238E27FC236}">
+                <a16:creationId xmlns:a16="http://schemas.microsoft.com/office/drawing/2014/main" id="{7E935AF4-F7C7-9748-99D9-82C158F6E60A}"/>
+              </a:ext>
+            </a:extLst>
+          </p:cNvPr>
+          <p:cNvSpPr>
+            <a:spLocks noGrp="1"/>
+          </p:cNvSpPr>
+          <p:nvPr>
+            <p:ph sz="half" idx="2"/>
+          </p:nvPr>
+        </p:nvSpPr>
+        <p:spPr/>
+        <p:txBody>
+          <a:bodyPr/>
+          <a:lstStyle/>
+          <a:p>
+            <a:r>
+              <a:rPr lang="en-US" dirty="0"/>
+              <a:t>Explain</a:t>
+            </a:r>
+          </a:p>
+          <a:p>
+            <a:r>
+              <a:rPr lang="en-US" dirty="0"/>
+              <a:t>Analyze</a:t>
+            </a:r>
+          </a:p>
+          <a:p>
+            <a:r>
+              <a:rPr lang="en-US" dirty="0"/>
+              <a:t>Compare</a:t>
+            </a:r>
+          </a:p>
+          <a:p>
+            <a:r>
+              <a:rPr lang="en-US" dirty="0"/>
+              <a:t>Outcomes to be discussed</a:t>
+            </a:r>
+          </a:p>
+        </p:txBody>
+      </p:sp>
+      <p:sp>
+        <p:nvSpPr>
+          <p:cNvPr id="5" name="Text Placeholder 4">
+            <a:extLst>
+              <a:ext uri="{FF2B5EF4-FFF2-40B4-BE49-F238E27FC236}">
+                <a16:creationId xmlns:a16="http://schemas.microsoft.com/office/drawing/2014/main" id="{7E4336B0-BB02-A142-A285-FD9A822C128D}"/>
+              </a:ext>
+            </a:extLst>
+          </p:cNvPr>
+          <p:cNvSpPr>
+            <a:spLocks noGrp="1"/>
+          </p:cNvSpPr>
+          <p:nvPr>
+            <p:ph type="body" sz="quarter" idx="3"/>
+          </p:nvPr>
+        </p:nvSpPr>
+        <p:spPr/>
+        <p:txBody>
+          <a:bodyPr/>
+          <a:lstStyle/>
+          <a:p>
+            <a:r>
+              <a:rPr lang="en-US" dirty="0"/>
+              <a:t>Discussion</a:t>
+            </a:r>
+          </a:p>
+        </p:txBody>
+      </p:sp>
+      <p:sp>
+        <p:nvSpPr>
+          <p:cNvPr id="6" name="Content Placeholder 5">
+            <a:extLst>
+              <a:ext uri="{FF2B5EF4-FFF2-40B4-BE49-F238E27FC236}">
+                <a16:creationId xmlns:a16="http://schemas.microsoft.com/office/drawing/2014/main" id="{D12C8C3A-B4EC-FE46-AD92-3ADD3B823098}"/>
+              </a:ext>
+            </a:extLst>
+          </p:cNvPr>
+          <p:cNvSpPr>
+            <a:spLocks noGrp="1"/>
+          </p:cNvSpPr>
+          <p:nvPr>
+            <p:ph sz="quarter" idx="4"/>
+          </p:nvPr>
+        </p:nvSpPr>
+        <p:spPr/>
+        <p:txBody>
+          <a:bodyPr/>
+          <a:lstStyle/>
+          <a:p>
+            <a:r>
+              <a:rPr lang="en-US" dirty="0"/>
+              <a:t>Discussion for any of the results to the left</a:t>
+            </a:r>
+          </a:p>
+        </p:txBody>
+      </p:sp>
+    </p:spTree>
+    <p:extLst>
+      <p:ext uri="{BB962C8B-B14F-4D97-AF65-F5344CB8AC3E}">
+        <p14:creationId xmlns:p14="http://schemas.microsoft.com/office/powerpoint/2010/main" val="3656580415"/>
+      </p:ext>
+    </p:extLst>
+  </p:cSld>
+  <p:clrMapOvr>
+    <a:masterClrMapping/>
+  </p:clrMapOvr>
+</p:sld>
+</file>
+
+<file path=ppt/slides/slide12.xml><?xml version="1.0" encoding="utf-8"?>
+<p:sld xmlns:a="http://schemas.openxmlformats.org/drawingml/2006/main" xmlns:r="http://schemas.openxmlformats.org/officeDocument/2006/relationships" xmlns:p="http://schemas.openxmlformats.org/presentationml/2006/main">
+  <p:cSld>
+    <p:spTree>
+      <p:nvGrpSpPr>
+        <p:cNvPr id="1" name=""/>
+        <p:cNvGrpSpPr/>
+        <p:nvPr/>
+      </p:nvGrpSpPr>
+      <p:grpSpPr>
+        <a:xfrm>
+          <a:off x="0" y="0"/>
+          <a:ext cx="0" cy="0"/>
+          <a:chOff x="0" y="0"/>
+          <a:chExt cx="0" cy="0"/>
+        </a:xfrm>
+      </p:grpSpPr>
+      <p:sp>
+        <p:nvSpPr>
+          <p:cNvPr id="2" name="Title 1">
+            <a:extLst>
+              <a:ext uri="{FF2B5EF4-FFF2-40B4-BE49-F238E27FC236}">
+                <a16:creationId xmlns:a16="http://schemas.microsoft.com/office/drawing/2014/main" id="{0CAFC94C-B8F1-2F46-8429-1C6AC60091C5}"/>
+              </a:ext>
+            </a:extLst>
+          </p:cNvPr>
+          <p:cNvSpPr>
+            <a:spLocks noGrp="1"/>
+          </p:cNvSpPr>
+          <p:nvPr>
+            <p:ph type="title"/>
+          </p:nvPr>
+        </p:nvSpPr>
+        <p:spPr/>
+        <p:txBody>
+          <a:bodyPr/>
+          <a:lstStyle/>
+          <a:p>
+            <a:r>
+              <a:rPr lang="en-US" dirty="0"/>
               <a:t>Metrics, Results, Discussion </a:t>
             </a:r>
             <a:r>
@@ -9403,7 +10345,7 @@
 </p:sld>
 </file>
 
-<file path=ppt/slides/slide11.xml><?xml version="1.0" encoding="utf-8"?>
+<file path=ppt/slides/slide13.xml><?xml version="1.0" encoding="utf-8"?>
 <p:sld xmlns:a="http://schemas.openxmlformats.org/drawingml/2006/main" xmlns:r="http://schemas.openxmlformats.org/officeDocument/2006/relationships" xmlns:p="http://schemas.openxmlformats.org/presentationml/2006/main">
   <p:cSld>
     <p:spTree>
@@ -10147,7 +11089,7 @@
           <a:p>
             <a:r>
               <a:rPr lang="en-US" dirty="0"/>
-              <a:t>Images &amp; CSV Attributes</a:t>
+              <a:t>Data Stats</a:t>
             </a:r>
           </a:p>
         </p:txBody>
@@ -10335,7 +11277,7 @@
           <p:cNvPr id="2" name="Title 1">
             <a:extLst>
               <a:ext uri="{FF2B5EF4-FFF2-40B4-BE49-F238E27FC236}">
-                <a16:creationId xmlns:a16="http://schemas.microsoft.com/office/drawing/2014/main" id="{31E3BA86-9F58-EB42-9DEF-D6FF4A2C5AAD}"/>
+                <a16:creationId xmlns:a16="http://schemas.microsoft.com/office/drawing/2014/main" id="{270EC188-A6EC-CA47-B52E-241DA02EA7A9}"/>
               </a:ext>
             </a:extLst>
           </p:cNvPr>
@@ -10343,581 +11285,1195 @@
             <a:spLocks noGrp="1"/>
           </p:cNvSpPr>
           <p:nvPr>
-            <p:ph type="title"/>
-          </p:nvPr>
-        </p:nvSpPr>
-        <p:spPr/>
+            <p:ph type="title" idx="4294967295"/>
+          </p:nvPr>
+        </p:nvSpPr>
+        <p:spPr>
+          <a:xfrm>
+            <a:off x="80010" y="113983"/>
+            <a:ext cx="3246120" cy="411798"/>
+          </a:xfrm>
+        </p:spPr>
         <p:txBody>
           <a:bodyPr/>
           <a:lstStyle/>
           <a:p>
             <a:r>
-              <a:rPr lang="en-US" dirty="0"/>
-              <a:t>Data: Bounding Box Details </a:t>
-            </a:r>
-            <a:r>
-              <a:rPr lang="en-US" sz="2400" dirty="0"/>
+              <a:rPr lang="en-US" sz="1800" b="0" dirty="0"/>
+              <a:t>Data Dictionary</a:t>
+            </a:r>
+            <a:r>
+              <a:rPr lang="en-US" sz="1100" b="0" dirty="0"/>
               <a:t>- </a:t>
             </a:r>
             <a:r>
-              <a:rPr lang="en-US" sz="2400" dirty="0">
+              <a:rPr lang="en-US" sz="1800" b="0" dirty="0">
                 <a:solidFill>
                   <a:schemeClr val="accent1">
-                    <a:lumMod val="50000"/>
+                    <a:lumMod val="60000"/>
+                    <a:lumOff val="40000"/>
                   </a:schemeClr>
                 </a:solidFill>
               </a:rPr>
               <a:t>Lauren</a:t>
             </a:r>
-            <a:endParaRPr lang="en-US" sz="2400" dirty="0"/>
-          </a:p>
-        </p:txBody>
-      </p:sp>
-      <p:sp>
-        <p:nvSpPr>
-          <p:cNvPr id="3" name="Text Placeholder 2">
+          </a:p>
+        </p:txBody>
+      </p:sp>
+      <p:graphicFrame>
+        <p:nvGraphicFramePr>
+          <p:cNvPr id="7" name="Table 7">
             <a:extLst>
               <a:ext uri="{FF2B5EF4-FFF2-40B4-BE49-F238E27FC236}">
-                <a16:creationId xmlns:a16="http://schemas.microsoft.com/office/drawing/2014/main" id="{BFCCC159-BD20-2D4A-8FDF-A3D23348AB55}"/>
+                <a16:creationId xmlns:a16="http://schemas.microsoft.com/office/drawing/2014/main" id="{7D3A0FCA-FD9C-244E-AABD-6D319CCE8F61}"/>
               </a:ext>
             </a:extLst>
           </p:cNvPr>
-          <p:cNvSpPr>
-            <a:spLocks noGrp="1"/>
-          </p:cNvSpPr>
-          <p:nvPr>
-            <p:ph type="body" idx="1"/>
-          </p:nvPr>
-        </p:nvSpPr>
-        <p:spPr/>
-        <p:txBody>
-          <a:bodyPr/>
-          <a:lstStyle/>
-          <a:p>
-            <a:endParaRPr lang="en-US"/>
-          </a:p>
-        </p:txBody>
-      </p:sp>
-      <p:sp>
-        <p:nvSpPr>
-          <p:cNvPr id="4" name="Content Placeholder 3">
-            <a:extLst>
-              <a:ext uri="{FF2B5EF4-FFF2-40B4-BE49-F238E27FC236}">
-                <a16:creationId xmlns:a16="http://schemas.microsoft.com/office/drawing/2014/main" id="{906F9853-A33F-D940-8E40-FBE4E3D511EA}"/>
-              </a:ext>
-            </a:extLst>
-          </p:cNvPr>
-          <p:cNvSpPr>
-            <a:spLocks noGrp="1"/>
-          </p:cNvSpPr>
-          <p:nvPr>
-            <p:ph sz="half" idx="2"/>
-          </p:nvPr>
-        </p:nvSpPr>
-        <p:spPr/>
-        <p:txBody>
-          <a:bodyPr/>
-          <a:lstStyle/>
-          <a:p>
-            <a:r>
-              <a:rPr lang="en-US" dirty="0"/>
-              <a:t>Illustrate </a:t>
-            </a:r>
-            <a:r>
-              <a:rPr lang="en-US" dirty="0" err="1"/>
-              <a:t>XClick</a:t>
-            </a:r>
-            <a:r>
-              <a:rPr lang="en-US" dirty="0"/>
-              <a:t> vs Bounding Box here</a:t>
-            </a:r>
-          </a:p>
-        </p:txBody>
-      </p:sp>
-      <p:sp>
-        <p:nvSpPr>
-          <p:cNvPr id="7" name="Text Placeholder 2">
-            <a:extLst>
-              <a:ext uri="{FF2B5EF4-FFF2-40B4-BE49-F238E27FC236}">
-                <a16:creationId xmlns:a16="http://schemas.microsoft.com/office/drawing/2014/main" id="{FE16D99E-CDF4-EA40-A23C-2A42BFA2D909}"/>
-              </a:ext>
-            </a:extLst>
-          </p:cNvPr>
-          <p:cNvSpPr txBox="1">
-            <a:spLocks/>
-          </p:cNvSpPr>
-          <p:nvPr/>
-        </p:nvSpPr>
-        <p:spPr>
-          <a:xfrm>
-            <a:off x="6187415" y="2174875"/>
-            <a:ext cx="5189857" cy="576262"/>
-          </a:xfrm>
-          <a:prstGeom prst="rect">
-            <a:avLst/>
-          </a:prstGeom>
-          <a:effectLst>
-            <a:outerShdw blurRad="50800" dir="14400000">
-              <a:srgbClr val="000000">
-                <a:alpha val="40000"/>
-              </a:srgbClr>
-            </a:outerShdw>
-          </a:effectLst>
-        </p:spPr>
-        <p:txBody>
-          <a:bodyPr vert="horz" lIns="91440" tIns="45720" rIns="91440" bIns="45720" rtlCol="0" anchor="b">
-            <a:noAutofit/>
-          </a:bodyPr>
-          <a:lstStyle>
-            <a:lvl1pPr marL="0" indent="0" algn="ctr" defTabSz="457200" rtl="0" eaLnBrk="1" latinLnBrk="0" hangingPunct="1">
-              <a:spcBef>
-                <a:spcPct val="20000"/>
-              </a:spcBef>
-              <a:spcAft>
-                <a:spcPts val="600"/>
-              </a:spcAft>
-              <a:buClr>
-                <a:schemeClr val="accent1"/>
-              </a:buClr>
-              <a:buFont typeface="Wingdings 2" charset="2"/>
-              <a:buNone/>
-              <a:defRPr sz="2000" b="0" kern="1200">
-                <a:solidFill>
-                  <a:schemeClr val="tx1"/>
-                </a:solidFill>
-                <a:latin typeface="+mn-lt"/>
-                <a:ea typeface="+mn-ea"/>
-                <a:cs typeface="+mn-cs"/>
-              </a:defRPr>
-            </a:lvl1pPr>
-            <a:lvl2pPr marL="457200" indent="0" algn="l" defTabSz="457200" rtl="0" eaLnBrk="1" latinLnBrk="0" hangingPunct="1">
-              <a:spcBef>
-                <a:spcPct val="20000"/>
-              </a:spcBef>
-              <a:spcAft>
-                <a:spcPts val="600"/>
-              </a:spcAft>
-              <a:buClr>
-                <a:schemeClr val="accent1"/>
-              </a:buClr>
-              <a:buFont typeface="Wingdings 2" charset="2"/>
-              <a:buNone/>
-              <a:defRPr sz="2000" b="1" kern="1200">
-                <a:solidFill>
-                  <a:schemeClr val="tx1"/>
-                </a:solidFill>
-                <a:latin typeface="+mn-lt"/>
-                <a:ea typeface="+mn-ea"/>
-                <a:cs typeface="+mn-cs"/>
-              </a:defRPr>
-            </a:lvl2pPr>
-            <a:lvl3pPr marL="914400" indent="0" algn="l" defTabSz="457200" rtl="0" eaLnBrk="1" latinLnBrk="0" hangingPunct="1">
-              <a:spcBef>
-                <a:spcPct val="20000"/>
-              </a:spcBef>
-              <a:spcAft>
-                <a:spcPts val="600"/>
-              </a:spcAft>
-              <a:buClr>
-                <a:schemeClr val="accent1"/>
-              </a:buClr>
-              <a:buFont typeface="Wingdings 2" charset="2"/>
-              <a:buNone/>
-              <a:defRPr sz="1800" b="1" kern="1200">
-                <a:solidFill>
-                  <a:schemeClr val="tx1"/>
-                </a:solidFill>
-                <a:latin typeface="+mn-lt"/>
-                <a:ea typeface="+mn-ea"/>
-                <a:cs typeface="+mn-cs"/>
-              </a:defRPr>
-            </a:lvl3pPr>
-            <a:lvl4pPr marL="1371600" indent="0" algn="l" defTabSz="457200" rtl="0" eaLnBrk="1" latinLnBrk="0" hangingPunct="1">
-              <a:spcBef>
-                <a:spcPct val="20000"/>
-              </a:spcBef>
-              <a:spcAft>
-                <a:spcPts val="600"/>
-              </a:spcAft>
-              <a:buClr>
-                <a:schemeClr val="accent1"/>
-              </a:buClr>
-              <a:buFont typeface="Wingdings 2" charset="2"/>
-              <a:buNone/>
-              <a:defRPr sz="1600" b="1" kern="1200">
-                <a:solidFill>
-                  <a:schemeClr val="tx1"/>
-                </a:solidFill>
-                <a:latin typeface="+mn-lt"/>
-                <a:ea typeface="+mn-ea"/>
-                <a:cs typeface="+mn-cs"/>
-              </a:defRPr>
-            </a:lvl4pPr>
-            <a:lvl5pPr marL="1828800" indent="0" algn="l" defTabSz="457200" rtl="0" eaLnBrk="1" latinLnBrk="0" hangingPunct="1">
-              <a:spcBef>
-                <a:spcPct val="20000"/>
-              </a:spcBef>
-              <a:spcAft>
-                <a:spcPts val="600"/>
-              </a:spcAft>
-              <a:buClr>
-                <a:schemeClr val="accent1"/>
-              </a:buClr>
-              <a:buFont typeface="Wingdings 2" charset="2"/>
-              <a:buNone/>
-              <a:defRPr sz="1600" b="1" kern="1200">
-                <a:solidFill>
-                  <a:schemeClr val="tx1"/>
-                </a:solidFill>
-                <a:latin typeface="+mn-lt"/>
-                <a:ea typeface="+mn-ea"/>
-                <a:cs typeface="+mn-cs"/>
-              </a:defRPr>
-            </a:lvl5pPr>
-            <a:lvl6pPr marL="2286000" indent="0" algn="l" defTabSz="457200" rtl="0" eaLnBrk="1" latinLnBrk="0" hangingPunct="1">
-              <a:spcBef>
-                <a:spcPct val="20000"/>
-              </a:spcBef>
-              <a:spcAft>
-                <a:spcPts val="600"/>
-              </a:spcAft>
-              <a:buClr>
-                <a:schemeClr val="accent1"/>
-              </a:buClr>
-              <a:buFont typeface="Wingdings 2" charset="2"/>
-              <a:buNone/>
-              <a:defRPr sz="1600" b="1" kern="1200">
-                <a:solidFill>
-                  <a:schemeClr val="tx1"/>
-                </a:solidFill>
-                <a:latin typeface="+mn-lt"/>
-                <a:ea typeface="+mn-ea"/>
-                <a:cs typeface="+mn-cs"/>
-              </a:defRPr>
-            </a:lvl6pPr>
-            <a:lvl7pPr marL="2743200" indent="0" algn="l" defTabSz="457200" rtl="0" eaLnBrk="1" latinLnBrk="0" hangingPunct="1">
-              <a:spcBef>
-                <a:spcPct val="20000"/>
-              </a:spcBef>
-              <a:spcAft>
-                <a:spcPts val="600"/>
-              </a:spcAft>
-              <a:buClr>
-                <a:schemeClr val="accent1"/>
-              </a:buClr>
-              <a:buFont typeface="Wingdings 2" charset="2"/>
-              <a:buNone/>
-              <a:defRPr sz="1600" b="1" kern="1200">
-                <a:solidFill>
-                  <a:schemeClr val="tx1"/>
-                </a:solidFill>
-                <a:latin typeface="+mn-lt"/>
-                <a:ea typeface="+mn-ea"/>
-                <a:cs typeface="+mn-cs"/>
-              </a:defRPr>
-            </a:lvl7pPr>
-            <a:lvl8pPr marL="3200400" indent="0" algn="l" defTabSz="457200" rtl="0" eaLnBrk="1" latinLnBrk="0" hangingPunct="1">
-              <a:spcBef>
-                <a:spcPct val="20000"/>
-              </a:spcBef>
-              <a:spcAft>
-                <a:spcPts val="600"/>
-              </a:spcAft>
-              <a:buClr>
-                <a:schemeClr val="accent1"/>
-              </a:buClr>
-              <a:buFont typeface="Wingdings 2" charset="2"/>
-              <a:buNone/>
-              <a:defRPr sz="1600" b="1" kern="1200">
-                <a:solidFill>
-                  <a:schemeClr val="tx1"/>
-                </a:solidFill>
-                <a:latin typeface="+mn-lt"/>
-                <a:ea typeface="+mn-ea"/>
-                <a:cs typeface="+mn-cs"/>
-              </a:defRPr>
-            </a:lvl8pPr>
-            <a:lvl9pPr marL="3657600" indent="0" algn="l" defTabSz="457200" rtl="0" eaLnBrk="1" latinLnBrk="0" hangingPunct="1">
-              <a:spcBef>
-                <a:spcPct val="20000"/>
-              </a:spcBef>
-              <a:spcAft>
-                <a:spcPts val="600"/>
-              </a:spcAft>
-              <a:buClr>
-                <a:schemeClr val="accent1"/>
-              </a:buClr>
-              <a:buFont typeface="Wingdings 2" charset="2"/>
-              <a:buNone/>
-              <a:defRPr sz="1600" b="1" kern="1200">
-                <a:solidFill>
-                  <a:schemeClr val="tx1"/>
-                </a:solidFill>
-                <a:latin typeface="+mn-lt"/>
-                <a:ea typeface="+mn-ea"/>
-                <a:cs typeface="+mn-cs"/>
-              </a:defRPr>
-            </a:lvl9pPr>
-          </a:lstStyle>
-          <a:p>
-            <a:r>
-              <a:rPr lang="en-US"/>
-              <a:t>Bounding Box Data</a:t>
-            </a:r>
-            <a:endParaRPr lang="en-US" dirty="0"/>
-          </a:p>
-        </p:txBody>
-      </p:sp>
-      <p:sp>
-        <p:nvSpPr>
-          <p:cNvPr id="8" name="Content Placeholder 3">
-            <a:extLst>
-              <a:ext uri="{FF2B5EF4-FFF2-40B4-BE49-F238E27FC236}">
-                <a16:creationId xmlns:a16="http://schemas.microsoft.com/office/drawing/2014/main" id="{FBC57DAB-A8FE-624E-ABF4-DC93C598EA19}"/>
-              </a:ext>
-            </a:extLst>
-          </p:cNvPr>
-          <p:cNvSpPr txBox="1">
-            <a:spLocks/>
-          </p:cNvSpPr>
-          <p:nvPr/>
-        </p:nvSpPr>
-        <p:spPr>
-          <a:xfrm>
-            <a:off x="6187416" y="2751138"/>
-            <a:ext cx="5189856" cy="3908454"/>
-          </a:xfrm>
-          <a:prstGeom prst="rect">
-            <a:avLst/>
-          </a:prstGeom>
-          <a:effectLst>
-            <a:outerShdw blurRad="50800" dir="14400000">
-              <a:srgbClr val="000000">
-                <a:alpha val="40000"/>
-              </a:srgbClr>
-            </a:outerShdw>
-          </a:effectLst>
-        </p:spPr>
-        <p:txBody>
-          <a:bodyPr vert="horz" lIns="91440" tIns="45720" rIns="91440" bIns="45720" rtlCol="0" anchor="t">
-            <a:normAutofit/>
-          </a:bodyPr>
-          <a:lstStyle>
-            <a:lvl1pPr marL="342900" indent="-342900" algn="l" defTabSz="457200" rtl="0" eaLnBrk="1" latinLnBrk="0" hangingPunct="1">
-              <a:spcBef>
-                <a:spcPct val="20000"/>
-              </a:spcBef>
-              <a:spcAft>
-                <a:spcPts val="600"/>
-              </a:spcAft>
-              <a:buClr>
-                <a:schemeClr val="accent1"/>
-              </a:buClr>
-              <a:buFont typeface="Wingdings 2" charset="2"/>
-              <a:buChar char=""/>
-              <a:defRPr sz="1800" kern="1200">
-                <a:solidFill>
-                  <a:schemeClr val="tx1"/>
-                </a:solidFill>
-                <a:latin typeface="+mn-lt"/>
-                <a:ea typeface="+mn-ea"/>
-                <a:cs typeface="+mn-cs"/>
-              </a:defRPr>
-            </a:lvl1pPr>
-            <a:lvl2pPr marL="742950" indent="-285750" algn="l" defTabSz="457200" rtl="0" eaLnBrk="1" latinLnBrk="0" hangingPunct="1">
-              <a:spcBef>
-                <a:spcPct val="20000"/>
-              </a:spcBef>
-              <a:spcAft>
-                <a:spcPts val="600"/>
-              </a:spcAft>
-              <a:buClr>
-                <a:schemeClr val="accent1"/>
-              </a:buClr>
-              <a:buFont typeface="Wingdings 2" charset="2"/>
-              <a:buChar char=""/>
-              <a:defRPr sz="1600" kern="1200">
-                <a:solidFill>
-                  <a:schemeClr val="tx1"/>
-                </a:solidFill>
-                <a:latin typeface="+mn-lt"/>
-                <a:ea typeface="+mn-ea"/>
-                <a:cs typeface="+mn-cs"/>
-              </a:defRPr>
-            </a:lvl2pPr>
-            <a:lvl3pPr marL="1143000" indent="-228600" algn="l" defTabSz="457200" rtl="0" eaLnBrk="1" latinLnBrk="0" hangingPunct="1">
-              <a:spcBef>
-                <a:spcPct val="20000"/>
-              </a:spcBef>
-              <a:spcAft>
-                <a:spcPts val="600"/>
-              </a:spcAft>
-              <a:buClr>
-                <a:schemeClr val="accent1"/>
-              </a:buClr>
-              <a:buFont typeface="Wingdings 2" charset="2"/>
-              <a:buChar char=""/>
-              <a:defRPr sz="1400" kern="1200">
-                <a:solidFill>
-                  <a:schemeClr val="tx1"/>
-                </a:solidFill>
-                <a:latin typeface="+mn-lt"/>
-                <a:ea typeface="+mn-ea"/>
-                <a:cs typeface="+mn-cs"/>
-              </a:defRPr>
-            </a:lvl3pPr>
-            <a:lvl4pPr marL="1600200" indent="-228600" algn="l" defTabSz="457200" rtl="0" eaLnBrk="1" latinLnBrk="0" hangingPunct="1">
-              <a:spcBef>
-                <a:spcPct val="20000"/>
-              </a:spcBef>
-              <a:spcAft>
-                <a:spcPts val="600"/>
-              </a:spcAft>
-              <a:buClr>
-                <a:schemeClr val="accent1"/>
-              </a:buClr>
-              <a:buFont typeface="Wingdings 2" charset="2"/>
-              <a:buChar char=""/>
-              <a:defRPr sz="1200" kern="1200">
-                <a:solidFill>
-                  <a:schemeClr val="tx1"/>
-                </a:solidFill>
-                <a:latin typeface="+mn-lt"/>
-                <a:ea typeface="+mn-ea"/>
-                <a:cs typeface="+mn-cs"/>
-              </a:defRPr>
-            </a:lvl4pPr>
-            <a:lvl5pPr marL="2057400" indent="-228600" algn="l" defTabSz="457200" rtl="0" eaLnBrk="1" latinLnBrk="0" hangingPunct="1">
-              <a:spcBef>
-                <a:spcPct val="20000"/>
-              </a:spcBef>
-              <a:spcAft>
-                <a:spcPts val="600"/>
-              </a:spcAft>
-              <a:buClr>
-                <a:schemeClr val="accent1"/>
-              </a:buClr>
-              <a:buFont typeface="Wingdings 2" charset="2"/>
-              <a:buChar char=""/>
-              <a:defRPr sz="1200" kern="1200">
-                <a:solidFill>
-                  <a:schemeClr val="tx1"/>
-                </a:solidFill>
-                <a:latin typeface="+mn-lt"/>
-                <a:ea typeface="+mn-ea"/>
-                <a:cs typeface="+mn-cs"/>
-              </a:defRPr>
-            </a:lvl5pPr>
-            <a:lvl6pPr marL="2400000" indent="-228600" algn="l" defTabSz="457200" rtl="0" eaLnBrk="1" latinLnBrk="0" hangingPunct="1">
-              <a:spcBef>
-                <a:spcPct val="20000"/>
-              </a:spcBef>
-              <a:spcAft>
-                <a:spcPts val="600"/>
-              </a:spcAft>
-              <a:buClr>
-                <a:schemeClr val="accent1"/>
-              </a:buClr>
-              <a:buFont typeface="Wingdings 2" charset="2"/>
-              <a:buChar char=""/>
-              <a:defRPr sz="1200" kern="1200">
-                <a:solidFill>
-                  <a:schemeClr val="tx1"/>
-                </a:solidFill>
-                <a:latin typeface="+mn-lt"/>
-                <a:ea typeface="+mn-ea"/>
-                <a:cs typeface="+mn-cs"/>
-              </a:defRPr>
-            </a:lvl6pPr>
-            <a:lvl7pPr marL="2800000" indent="-228600" algn="l" defTabSz="457200" rtl="0" eaLnBrk="1" latinLnBrk="0" hangingPunct="1">
-              <a:spcBef>
-                <a:spcPct val="20000"/>
-              </a:spcBef>
-              <a:spcAft>
-                <a:spcPts val="600"/>
-              </a:spcAft>
-              <a:buClr>
-                <a:schemeClr val="accent1"/>
-              </a:buClr>
-              <a:buFont typeface="Wingdings 2" charset="2"/>
-              <a:buChar char=""/>
-              <a:defRPr sz="1200" kern="1200">
-                <a:solidFill>
-                  <a:schemeClr val="tx1"/>
-                </a:solidFill>
-                <a:latin typeface="+mn-lt"/>
-                <a:ea typeface="+mn-ea"/>
-                <a:cs typeface="+mn-cs"/>
-              </a:defRPr>
-            </a:lvl7pPr>
-            <a:lvl8pPr marL="3200000" indent="-228600" algn="l" defTabSz="457200" rtl="0" eaLnBrk="1" latinLnBrk="0" hangingPunct="1">
-              <a:spcBef>
-                <a:spcPct val="20000"/>
-              </a:spcBef>
-              <a:spcAft>
-                <a:spcPts val="600"/>
-              </a:spcAft>
-              <a:buClr>
-                <a:schemeClr val="accent1"/>
-              </a:buClr>
-              <a:buFont typeface="Wingdings 2" charset="2"/>
-              <a:buChar char=""/>
-              <a:defRPr sz="1200" kern="1200">
-                <a:solidFill>
-                  <a:schemeClr val="tx1"/>
-                </a:solidFill>
-                <a:latin typeface="+mn-lt"/>
-                <a:ea typeface="+mn-ea"/>
-                <a:cs typeface="+mn-cs"/>
-              </a:defRPr>
-            </a:lvl8pPr>
-            <a:lvl9pPr marL="3600000" indent="-228600" algn="l" defTabSz="457200" rtl="0" eaLnBrk="1" latinLnBrk="0" hangingPunct="1">
-              <a:spcBef>
-                <a:spcPct val="20000"/>
-              </a:spcBef>
-              <a:spcAft>
-                <a:spcPts val="600"/>
-              </a:spcAft>
-              <a:buClr>
-                <a:schemeClr val="accent1"/>
-              </a:buClr>
-              <a:buFont typeface="Wingdings 2" charset="2"/>
-              <a:buChar char=""/>
-              <a:defRPr sz="1200" kern="1200">
-                <a:solidFill>
-                  <a:schemeClr val="tx1"/>
-                </a:solidFill>
-                <a:latin typeface="+mn-lt"/>
-                <a:ea typeface="+mn-ea"/>
-                <a:cs typeface="+mn-cs"/>
-              </a:defRPr>
-            </a:lvl9pPr>
-          </a:lstStyle>
-          <a:p>
-            <a:r>
-              <a:rPr lang="en-US"/>
-              <a:t>XClick attributes are coordinates that a human reviewer clicked on an image to choose 4 ‘outer’ feature points</a:t>
-            </a:r>
-          </a:p>
-          <a:p>
-            <a:r>
-              <a:rPr lang="en-US"/>
-              <a:t>XMin, YMin, XMax and YMax points are the bounding box upper left and lower right points that contain all of the XClick points (illustrate)</a:t>
-            </a:r>
-          </a:p>
-          <a:p>
-            <a:r>
-              <a:rPr lang="en-US"/>
-              <a:t>Each of these bounding boxes and the class information is only as good as the human’s interpretation (example: raccoon labeled as dog, any inaccurate bounding boxes</a:t>
-            </a:r>
-            <a:endParaRPr lang="en-US" dirty="0"/>
-          </a:p>
-        </p:txBody>
-      </p:sp>
+          <p:cNvGraphicFramePr>
+            <a:graphicFrameLocks noGrp="1"/>
+          </p:cNvGraphicFramePr>
+          <p:nvPr>
+            <p:extLst>
+              <p:ext uri="{D42A27DB-BD31-4B8C-83A1-F6EECF244321}">
+                <p14:modId xmlns:p14="http://schemas.microsoft.com/office/powerpoint/2010/main" val="1393055495"/>
+              </p:ext>
+            </p:extLst>
+          </p:nvPr>
+        </p:nvGraphicFramePr>
+        <p:xfrm>
+          <a:off x="414549" y="651510"/>
+          <a:ext cx="11088631" cy="5979160"/>
+        </p:xfrm>
+        <a:graphic>
+          <a:graphicData uri="http://schemas.openxmlformats.org/drawingml/2006/table">
+            <a:tbl>
+              <a:tblPr firstRow="1" bandRow="1">
+                <a:tableStyleId>{5C22544A-7EE6-4342-B048-85BDC9FD1C3A}</a:tableStyleId>
+              </a:tblPr>
+              <a:tblGrid>
+                <a:gridCol w="1873294">
+                  <a:extLst>
+                    <a:ext uri="{9D8B030D-6E8A-4147-A177-3AD203B41FA5}">
+                      <a16:colId xmlns:a16="http://schemas.microsoft.com/office/drawing/2014/main" val="3429861605"/>
+                    </a:ext>
+                  </a:extLst>
+                </a:gridCol>
+                <a:gridCol w="6044627">
+                  <a:extLst>
+                    <a:ext uri="{9D8B030D-6E8A-4147-A177-3AD203B41FA5}">
+                      <a16:colId xmlns:a16="http://schemas.microsoft.com/office/drawing/2014/main" val="344384848"/>
+                    </a:ext>
+                  </a:extLst>
+                </a:gridCol>
+                <a:gridCol w="1325880">
+                  <a:extLst>
+                    <a:ext uri="{9D8B030D-6E8A-4147-A177-3AD203B41FA5}">
+                      <a16:colId xmlns:a16="http://schemas.microsoft.com/office/drawing/2014/main" val="948178988"/>
+                    </a:ext>
+                  </a:extLst>
+                </a:gridCol>
+                <a:gridCol w="964719">
+                  <a:extLst>
+                    <a:ext uri="{9D8B030D-6E8A-4147-A177-3AD203B41FA5}">
+                      <a16:colId xmlns:a16="http://schemas.microsoft.com/office/drawing/2014/main" val="2802357095"/>
+                    </a:ext>
+                  </a:extLst>
+                </a:gridCol>
+                <a:gridCol w="880111">
+                  <a:extLst>
+                    <a:ext uri="{9D8B030D-6E8A-4147-A177-3AD203B41FA5}">
+                      <a16:colId xmlns:a16="http://schemas.microsoft.com/office/drawing/2014/main" val="125473935"/>
+                    </a:ext>
+                  </a:extLst>
+                </a:gridCol>
+              </a:tblGrid>
+              <a:tr h="0">
+                <a:tc>
+                  <a:txBody>
+                    <a:bodyPr/>
+                    <a:lstStyle/>
+                    <a:p>
+                      <a:pPr algn="ctr"/>
+                      <a:r>
+                        <a:rPr lang="en-US" sz="1100" dirty="0"/>
+                        <a:t>Item</a:t>
+                      </a:r>
+                    </a:p>
+                  </a:txBody>
+                  <a:tcPr/>
+                </a:tc>
+                <a:tc>
+                  <a:txBody>
+                    <a:bodyPr/>
+                    <a:lstStyle/>
+                    <a:p>
+                      <a:pPr algn="ctr"/>
+                      <a:r>
+                        <a:rPr lang="en-US" sz="1100" dirty="0"/>
+                        <a:t>Description</a:t>
+                      </a:r>
+                    </a:p>
+                  </a:txBody>
+                  <a:tcPr/>
+                </a:tc>
+                <a:tc>
+                  <a:txBody>
+                    <a:bodyPr/>
+                    <a:lstStyle/>
+                    <a:p>
+                      <a:pPr algn="ctr"/>
+                      <a:r>
+                        <a:rPr lang="en-US" sz="1100" dirty="0"/>
+                        <a:t>Source</a:t>
+                      </a:r>
+                    </a:p>
+                  </a:txBody>
+                  <a:tcPr/>
+                </a:tc>
+                <a:tc>
+                  <a:txBody>
+                    <a:bodyPr/>
+                    <a:lstStyle/>
+                    <a:p>
+                      <a:pPr algn="ctr"/>
+                      <a:r>
+                        <a:rPr lang="en-US" sz="1100" dirty="0"/>
+                        <a:t>Type</a:t>
+                      </a:r>
+                    </a:p>
+                  </a:txBody>
+                  <a:tcPr/>
+                </a:tc>
+                <a:tc>
+                  <a:txBody>
+                    <a:bodyPr/>
+                    <a:lstStyle/>
+                    <a:p>
+                      <a:pPr algn="ctr"/>
+                      <a:r>
+                        <a:rPr lang="en-US" sz="1100" dirty="0"/>
+                        <a:t>Required?</a:t>
+                      </a:r>
+                    </a:p>
+                  </a:txBody>
+                  <a:tcPr/>
+                </a:tc>
+                <a:extLst>
+                  <a:ext uri="{0D108BD9-81ED-4DB2-BD59-A6C34878D82A}">
+                    <a16:rowId xmlns:a16="http://schemas.microsoft.com/office/drawing/2014/main" val="3106989091"/>
+                  </a:ext>
+                </a:extLst>
+              </a:tr>
+              <a:tr h="370840">
+                <a:tc>
+                  <a:txBody>
+                    <a:bodyPr/>
+                    <a:lstStyle/>
+                    <a:p>
+                      <a:r>
+                        <a:rPr lang="en-US" sz="1200" dirty="0"/>
+                        <a:t>image</a:t>
+                      </a:r>
+                    </a:p>
+                  </a:txBody>
+                  <a:tcPr/>
+                </a:tc>
+                <a:tc>
+                  <a:txBody>
+                    <a:bodyPr/>
+                    <a:lstStyle/>
+                    <a:p>
+                      <a:r>
+                        <a:rPr lang="en-US" sz="1100" dirty="0"/>
+                        <a:t>The original, unresized image data of a cat or dog. Various widths, heights and file sizes.</a:t>
+                      </a:r>
+                    </a:p>
+                  </a:txBody>
+                  <a:tcPr/>
+                </a:tc>
+                <a:tc>
+                  <a:txBody>
+                    <a:bodyPr/>
+                    <a:lstStyle/>
+                    <a:p>
+                      <a:r>
+                        <a:rPr lang="en-US" sz="1200" dirty="0" err="1"/>
+                        <a:t>cadod.tar.gz</a:t>
+                      </a:r>
+                      <a:endParaRPr lang="en-US" sz="1200" dirty="0"/>
+                    </a:p>
+                  </a:txBody>
+                  <a:tcPr/>
+                </a:tc>
+                <a:tc>
+                  <a:txBody>
+                    <a:bodyPr/>
+                    <a:lstStyle/>
+                    <a:p>
+                      <a:r>
+                        <a:rPr lang="en-US" sz="1200" dirty="0"/>
+                        <a:t>bitmap image</a:t>
+                      </a:r>
+                    </a:p>
+                  </a:txBody>
+                  <a:tcPr/>
+                </a:tc>
+                <a:tc>
+                  <a:txBody>
+                    <a:bodyPr/>
+                    <a:lstStyle/>
+                    <a:p>
+                      <a:r>
+                        <a:rPr lang="en-US" sz="1200" dirty="0">
+                          <a:solidFill>
+                            <a:schemeClr val="accent1">
+                              <a:lumMod val="75000"/>
+                            </a:schemeClr>
+                          </a:solidFill>
+                        </a:rPr>
+                        <a:t>yes</a:t>
+                      </a:r>
+                    </a:p>
+                  </a:txBody>
+                  <a:tcPr/>
+                </a:tc>
+                <a:extLst>
+                  <a:ext uri="{0D108BD9-81ED-4DB2-BD59-A6C34878D82A}">
+                    <a16:rowId xmlns:a16="http://schemas.microsoft.com/office/drawing/2014/main" val="4100705440"/>
+                  </a:ext>
+                </a:extLst>
+              </a:tr>
+              <a:tr h="370840">
+                <a:tc>
+                  <a:txBody>
+                    <a:bodyPr/>
+                    <a:lstStyle/>
+                    <a:p>
+                      <a:r>
+                        <a:rPr lang="en-US" sz="1200" dirty="0" err="1"/>
+                        <a:t>bb_coords</a:t>
+                      </a:r>
+                      <a:br>
+                        <a:rPr lang="en-US" sz="1200" dirty="0"/>
+                      </a:br>
+                      <a:r>
+                        <a:rPr lang="en-US" sz="1200" dirty="0"/>
+                        <a:t>(aka </a:t>
+                      </a:r>
+                      <a:r>
+                        <a:rPr lang="en-US" sz="1200" dirty="0" err="1"/>
+                        <a:t>y_bbox</a:t>
+                      </a:r>
+                      <a:r>
+                        <a:rPr lang="en-US" sz="1200" dirty="0"/>
+                        <a:t>)</a:t>
+                      </a:r>
+                    </a:p>
+                  </a:txBody>
+                  <a:tcPr/>
+                </a:tc>
+                <a:tc>
+                  <a:txBody>
+                    <a:bodyPr/>
+                    <a:lstStyle/>
+                    <a:p>
+                      <a:r>
+                        <a:rPr lang="en-US" sz="1100" b="1" dirty="0" err="1"/>
+                        <a:t>XMin</a:t>
+                      </a:r>
+                      <a:r>
+                        <a:rPr lang="en-US" sz="1100" b="1" dirty="0"/>
+                        <a:t>, </a:t>
+                      </a:r>
+                      <a:r>
+                        <a:rPr lang="en-US" sz="1100" b="1" dirty="0" err="1"/>
+                        <a:t>YMin</a:t>
+                      </a:r>
+                      <a:r>
+                        <a:rPr lang="en-US" sz="1100" b="1" dirty="0"/>
+                        <a:t>, </a:t>
+                      </a:r>
+                      <a:r>
+                        <a:rPr lang="en-US" sz="1100" b="1" dirty="0" err="1"/>
+                        <a:t>XMax</a:t>
+                      </a:r>
+                      <a:r>
+                        <a:rPr lang="en-US" sz="1100" b="1" dirty="0"/>
+                        <a:t>, </a:t>
+                      </a:r>
+                      <a:r>
+                        <a:rPr lang="en-US" sz="1100" b="1" dirty="0" err="1"/>
+                        <a:t>YMax</a:t>
+                      </a:r>
+                      <a:br>
+                        <a:rPr lang="en-US" sz="1100" dirty="0"/>
+                      </a:br>
+                      <a:r>
+                        <a:rPr lang="en-US" sz="1100" dirty="0"/>
+                        <a:t>The (</a:t>
+                      </a:r>
+                      <a:r>
+                        <a:rPr lang="en-US" sz="1100" dirty="0" err="1"/>
+                        <a:t>x,y</a:t>
+                      </a:r>
+                      <a:r>
+                        <a:rPr lang="en-US" sz="1100" dirty="0"/>
+                        <a:t>) points of the upper left and lower right boundaries of an object to be classified as a cat or dog in the resized image. Represents a percentage of the width, not actual pixels. Acts as ground truth for the localization model and as training data for the classification model.</a:t>
+                      </a:r>
+                    </a:p>
+                  </a:txBody>
+                  <a:tcPr/>
+                </a:tc>
+                <a:tc>
+                  <a:txBody>
+                    <a:bodyPr/>
+                    <a:lstStyle/>
+                    <a:p>
+                      <a:r>
+                        <a:rPr lang="en-US" sz="1200" dirty="0" err="1"/>
+                        <a:t>cadod.csv</a:t>
+                      </a:r>
+                      <a:br>
+                        <a:rPr lang="en-US" sz="1200" dirty="0"/>
+                      </a:br>
+                      <a:r>
+                        <a:rPr lang="en-US" sz="1200" dirty="0"/>
+                        <a:t>or</a:t>
+                      </a:r>
+                      <a:br>
+                        <a:rPr lang="en-US" sz="1200" dirty="0"/>
+                      </a:br>
+                      <a:r>
+                        <a:rPr lang="en-US" sz="1200" dirty="0"/>
+                        <a:t>localization prediction</a:t>
+                      </a:r>
+                    </a:p>
+                  </a:txBody>
+                  <a:tcPr/>
+                </a:tc>
+                <a:tc>
+                  <a:txBody>
+                    <a:bodyPr/>
+                    <a:lstStyle/>
+                    <a:p>
+                      <a:r>
+                        <a:rPr lang="en-US" sz="1200" dirty="0"/>
+                        <a:t>float,</a:t>
+                      </a:r>
+                      <a:br>
+                        <a:rPr lang="en-US" sz="1200" dirty="0"/>
+                      </a:br>
+                      <a:r>
+                        <a:rPr lang="en-US" sz="1200" dirty="0"/>
+                        <a:t>%</a:t>
+                      </a:r>
+                      <a:br>
+                        <a:rPr lang="en-US" sz="1200" dirty="0"/>
+                      </a:br>
+                      <a:r>
+                        <a:rPr lang="en-US" sz="1200" dirty="0"/>
+                        <a:t>between</a:t>
+                      </a:r>
+                      <a:br>
+                        <a:rPr lang="en-US" sz="1200" dirty="0"/>
+                      </a:br>
+                      <a:r>
+                        <a:rPr lang="en-US" sz="1200" dirty="0"/>
+                        <a:t>0 and 1</a:t>
+                      </a:r>
+                    </a:p>
+                  </a:txBody>
+                  <a:tcPr/>
+                </a:tc>
+                <a:tc>
+                  <a:txBody>
+                    <a:bodyPr/>
+                    <a:lstStyle/>
+                    <a:p>
+                      <a:r>
+                        <a:rPr lang="en-US" sz="1200" dirty="0">
+                          <a:solidFill>
+                            <a:schemeClr val="accent1">
+                              <a:lumMod val="75000"/>
+                            </a:schemeClr>
+                          </a:solidFill>
+                        </a:rPr>
+                        <a:t>yes</a:t>
+                      </a:r>
+                    </a:p>
+                  </a:txBody>
+                  <a:tcPr/>
+                </a:tc>
+                <a:extLst>
+                  <a:ext uri="{0D108BD9-81ED-4DB2-BD59-A6C34878D82A}">
+                    <a16:rowId xmlns:a16="http://schemas.microsoft.com/office/drawing/2014/main" val="1637186868"/>
+                  </a:ext>
+                </a:extLst>
+              </a:tr>
+              <a:tr h="370840">
+                <a:tc>
+                  <a:txBody>
+                    <a:bodyPr/>
+                    <a:lstStyle/>
+                    <a:p>
+                      <a:r>
+                        <a:rPr lang="en-US" sz="1200" dirty="0" err="1"/>
+                        <a:t>resized_image</a:t>
+                      </a:r>
+                      <a:endParaRPr lang="en-US" sz="1200" dirty="0"/>
+                    </a:p>
+                  </a:txBody>
+                  <a:tcPr/>
+                </a:tc>
+                <a:tc>
+                  <a:txBody>
+                    <a:bodyPr/>
+                    <a:lstStyle/>
+                    <a:p>
+                      <a:r>
+                        <a:rPr lang="en-US" sz="1100" dirty="0"/>
+                        <a:t>A 128x128 pixel resized version of the original image data, for normalization purposes.</a:t>
+                      </a:r>
+                    </a:p>
+                  </a:txBody>
+                  <a:tcPr/>
+                </a:tc>
+                <a:tc>
+                  <a:txBody>
+                    <a:bodyPr/>
+                    <a:lstStyle/>
+                    <a:p>
+                      <a:r>
+                        <a:rPr lang="en-US" sz="1200" dirty="0"/>
+                        <a:t>preprocessing</a:t>
+                      </a:r>
+                    </a:p>
+                  </a:txBody>
+                  <a:tcPr/>
+                </a:tc>
+                <a:tc>
+                  <a:txBody>
+                    <a:bodyPr/>
+                    <a:lstStyle/>
+                    <a:p>
+                      <a:r>
+                        <a:rPr lang="en-US" sz="1200" dirty="0"/>
+                        <a:t>bitmap image</a:t>
+                      </a:r>
+                    </a:p>
+                  </a:txBody>
+                  <a:tcPr/>
+                </a:tc>
+                <a:tc>
+                  <a:txBody>
+                    <a:bodyPr/>
+                    <a:lstStyle/>
+                    <a:p>
+                      <a:r>
+                        <a:rPr lang="en-US" sz="1200" dirty="0">
+                          <a:solidFill>
+                            <a:schemeClr val="accent1">
+                              <a:lumMod val="75000"/>
+                            </a:schemeClr>
+                          </a:solidFill>
+                        </a:rPr>
+                        <a:t>yes</a:t>
+                      </a:r>
+                    </a:p>
+                  </a:txBody>
+                  <a:tcPr/>
+                </a:tc>
+                <a:extLst>
+                  <a:ext uri="{0D108BD9-81ED-4DB2-BD59-A6C34878D82A}">
+                    <a16:rowId xmlns:a16="http://schemas.microsoft.com/office/drawing/2014/main" val="3675887088"/>
+                  </a:ext>
+                </a:extLst>
+              </a:tr>
+              <a:tr h="370840">
+                <a:tc>
+                  <a:txBody>
+                    <a:bodyPr/>
+                    <a:lstStyle/>
+                    <a:p>
+                      <a:r>
+                        <a:rPr lang="en-US" sz="1200" dirty="0" err="1"/>
+                        <a:t>img_npy</a:t>
+                      </a:r>
+                      <a:endParaRPr lang="en-US" sz="1200" dirty="0"/>
+                    </a:p>
+                  </a:txBody>
+                  <a:tcPr/>
+                </a:tc>
+                <a:tc>
+                  <a:txBody>
+                    <a:bodyPr/>
+                    <a:lstStyle/>
+                    <a:p>
+                      <a:r>
+                        <a:rPr lang="en-US" sz="1100" dirty="0"/>
+                        <a:t>A </a:t>
+                      </a:r>
+                      <a:r>
+                        <a:rPr lang="en-US" sz="1100" dirty="0" err="1"/>
+                        <a:t>numpy</a:t>
+                      </a:r>
+                      <a:r>
+                        <a:rPr lang="en-US" sz="1100" dirty="0"/>
+                        <a:t> array of image data (int) based on the resized image.</a:t>
+                      </a:r>
+                    </a:p>
+                  </a:txBody>
+                  <a:tcPr/>
+                </a:tc>
+                <a:tc>
+                  <a:txBody>
+                    <a:bodyPr/>
+                    <a:lstStyle/>
+                    <a:p>
+                      <a:r>
+                        <a:rPr lang="en-US" sz="1200" dirty="0"/>
+                        <a:t>preprocessing</a:t>
+                      </a:r>
+                    </a:p>
+                  </a:txBody>
+                  <a:tcPr/>
+                </a:tc>
+                <a:tc>
+                  <a:txBody>
+                    <a:bodyPr/>
+                    <a:lstStyle/>
+                    <a:p>
+                      <a:r>
+                        <a:rPr lang="en-US" sz="1200" dirty="0"/>
+                        <a:t>int array</a:t>
+                      </a:r>
+                    </a:p>
+                  </a:txBody>
+                  <a:tcPr/>
+                </a:tc>
+                <a:tc>
+                  <a:txBody>
+                    <a:bodyPr/>
+                    <a:lstStyle/>
+                    <a:p>
+                      <a:r>
+                        <a:rPr lang="en-US" sz="1200" dirty="0">
+                          <a:solidFill>
+                            <a:schemeClr val="accent1">
+                              <a:lumMod val="75000"/>
+                            </a:schemeClr>
+                          </a:solidFill>
+                        </a:rPr>
+                        <a:t>yes</a:t>
+                      </a:r>
+                    </a:p>
+                  </a:txBody>
+                  <a:tcPr/>
+                </a:tc>
+                <a:extLst>
+                  <a:ext uri="{0D108BD9-81ED-4DB2-BD59-A6C34878D82A}">
+                    <a16:rowId xmlns:a16="http://schemas.microsoft.com/office/drawing/2014/main" val="4033814718"/>
+                  </a:ext>
+                </a:extLst>
+              </a:tr>
+              <a:tr h="370840">
+                <a:tc>
+                  <a:txBody>
+                    <a:bodyPr/>
+                    <a:lstStyle/>
+                    <a:p>
+                      <a:r>
+                        <a:rPr lang="en-US" sz="1200" dirty="0"/>
+                        <a:t>label (aka </a:t>
+                      </a:r>
+                      <a:r>
+                        <a:rPr lang="en-US" sz="1200" dirty="0" err="1"/>
+                        <a:t>y_label</a:t>
+                      </a:r>
+                      <a:r>
+                        <a:rPr lang="en-US" sz="1200" dirty="0"/>
+                        <a:t>)</a:t>
+                      </a:r>
+                    </a:p>
+                  </a:txBody>
+                  <a:tcPr/>
+                </a:tc>
+                <a:tc>
+                  <a:txBody>
+                    <a:bodyPr/>
+                    <a:lstStyle/>
+                    <a:p>
+                      <a:r>
+                        <a:rPr lang="en-US" sz="1100" dirty="0"/>
+                        <a:t>A classification label, ‘cat’ or ‘dog’ (also encoded to 0 or 1), used as ground truth for training the classification model.</a:t>
+                      </a:r>
+                      <a:br>
+                        <a:rPr lang="en-US" sz="1100" dirty="0"/>
+                      </a:br>
+                      <a:r>
+                        <a:rPr lang="en-US" sz="1100" dirty="0"/>
+                        <a:t>Also, the output prediction from the classification model.</a:t>
+                      </a:r>
+                    </a:p>
+                  </a:txBody>
+                  <a:tcPr/>
+                </a:tc>
+                <a:tc>
+                  <a:txBody>
+                    <a:bodyPr/>
+                    <a:lstStyle/>
+                    <a:p>
+                      <a:r>
+                        <a:rPr lang="en-US" sz="1200" dirty="0" err="1"/>
+                        <a:t>cadod.csv</a:t>
+                      </a:r>
+                      <a:endParaRPr lang="en-US" sz="1200" dirty="0"/>
+                    </a:p>
+                  </a:txBody>
+                  <a:tcPr/>
+                </a:tc>
+                <a:tc>
+                  <a:txBody>
+                    <a:bodyPr/>
+                    <a:lstStyle/>
+                    <a:p>
+                      <a:r>
+                        <a:rPr lang="en-US" sz="1200" dirty="0"/>
+                        <a:t>str</a:t>
+                      </a:r>
+                      <a:br>
+                        <a:rPr lang="en-US" sz="1200" dirty="0"/>
+                      </a:br>
+                      <a:r>
+                        <a:rPr lang="en-US" sz="1200" dirty="0"/>
+                        <a:t>or</a:t>
+                      </a:r>
+                    </a:p>
+                    <a:p>
+                      <a:r>
+                        <a:rPr lang="en-US" sz="1200" dirty="0"/>
+                        <a:t>int (0, 1)</a:t>
+                      </a:r>
+                    </a:p>
+                  </a:txBody>
+                  <a:tcPr/>
+                </a:tc>
+                <a:tc>
+                  <a:txBody>
+                    <a:bodyPr/>
+                    <a:lstStyle/>
+                    <a:p>
+                      <a:r>
+                        <a:rPr lang="en-US" sz="1200" dirty="0">
+                          <a:solidFill>
+                            <a:schemeClr val="accent1">
+                              <a:lumMod val="75000"/>
+                            </a:schemeClr>
+                          </a:solidFill>
+                        </a:rPr>
+                        <a:t>yes</a:t>
+                      </a:r>
+                    </a:p>
+                  </a:txBody>
+                  <a:tcPr/>
+                </a:tc>
+                <a:extLst>
+                  <a:ext uri="{0D108BD9-81ED-4DB2-BD59-A6C34878D82A}">
+                    <a16:rowId xmlns:a16="http://schemas.microsoft.com/office/drawing/2014/main" val="1119112190"/>
+                  </a:ext>
+                </a:extLst>
+              </a:tr>
+              <a:tr h="370840">
+                <a:tc>
+                  <a:txBody>
+                    <a:bodyPr/>
+                    <a:lstStyle/>
+                    <a:p>
+                      <a:r>
+                        <a:rPr lang="en-US" sz="1200" dirty="0" err="1"/>
+                        <a:t>bb_meta</a:t>
+                      </a:r>
+                      <a:endParaRPr lang="en-US" sz="1200" dirty="0"/>
+                    </a:p>
+                  </a:txBody>
+                  <a:tcPr/>
+                </a:tc>
+                <a:tc>
+                  <a:txBody>
+                    <a:bodyPr/>
+                    <a:lstStyle/>
+                    <a:p>
+                      <a:r>
+                        <a:rPr lang="en-US" sz="1100" b="1" dirty="0" err="1"/>
+                        <a:t>bbox_w_percent</a:t>
+                      </a:r>
+                      <a:r>
+                        <a:rPr lang="en-US" sz="1100" b="1" dirty="0"/>
+                        <a:t>, </a:t>
+                      </a:r>
+                      <a:r>
+                        <a:rPr lang="en-US" sz="1100" b="1" dirty="0" err="1"/>
+                        <a:t>bbox_h_percent</a:t>
+                      </a:r>
+                      <a:r>
+                        <a:rPr lang="en-US" sz="1100" b="1" dirty="0"/>
+                        <a:t>, </a:t>
+                      </a:r>
+                      <a:r>
+                        <a:rPr lang="en-US" sz="1100" b="1" dirty="0" err="1"/>
+                        <a:t>bbox_centerX</a:t>
+                      </a:r>
+                      <a:r>
+                        <a:rPr lang="en-US" sz="1100" b="1" dirty="0"/>
+                        <a:t>, </a:t>
+                      </a:r>
+                      <a:r>
+                        <a:rPr lang="en-US" sz="1100" b="1" dirty="0" err="1"/>
+                        <a:t>bbox_centerY</a:t>
+                      </a:r>
+                      <a:r>
+                        <a:rPr lang="en-US" sz="1100" b="1" dirty="0"/>
+                        <a:t>, </a:t>
+                      </a:r>
+                      <a:r>
+                        <a:rPr lang="en-US" sz="1100" b="1" dirty="0" err="1"/>
+                        <a:t>bbox_area</a:t>
+                      </a:r>
+                      <a:r>
+                        <a:rPr lang="en-US" sz="1100" b="1" dirty="0"/>
+                        <a:t> </a:t>
+                      </a:r>
+                      <a:r>
+                        <a:rPr lang="en-US" sz="1100" dirty="0"/>
+                        <a:t>(float between 0 and 1 as percentages)</a:t>
+                      </a:r>
+                      <a:br>
+                        <a:rPr lang="en-US" sz="1100" dirty="0"/>
+                      </a:br>
+                      <a:r>
+                        <a:rPr lang="en-US" sz="1100" b="1" dirty="0" err="1"/>
+                        <a:t>bb_touch_left</a:t>
+                      </a:r>
+                      <a:r>
+                        <a:rPr lang="en-US" sz="1100" b="1" dirty="0"/>
+                        <a:t>, </a:t>
+                      </a:r>
+                      <a:r>
+                        <a:rPr lang="en-US" sz="1100" b="1" dirty="0" err="1"/>
+                        <a:t>bb_touch_right</a:t>
+                      </a:r>
+                      <a:r>
+                        <a:rPr lang="en-US" sz="1100" b="1" dirty="0"/>
+                        <a:t>, </a:t>
+                      </a:r>
+                      <a:r>
+                        <a:rPr lang="en-US" sz="1100" b="1" dirty="0" err="1"/>
+                        <a:t>bb_touch_top</a:t>
+                      </a:r>
+                      <a:r>
+                        <a:rPr lang="en-US" sz="1100" b="1" dirty="0"/>
+                        <a:t>, </a:t>
+                      </a:r>
+                      <a:r>
+                        <a:rPr lang="en-US" sz="1100" b="1" dirty="0" err="1"/>
+                        <a:t>bb_touch_bottom</a:t>
+                      </a:r>
+                      <a:r>
+                        <a:rPr lang="en-US" sz="1100" b="1" dirty="0"/>
+                        <a:t> </a:t>
+                      </a:r>
+                      <a:r>
+                        <a:rPr lang="en-US" sz="1100" dirty="0"/>
+                        <a:t>(int 0 or 1) </a:t>
+                      </a:r>
+                      <a:r>
+                        <a:rPr lang="en-US" sz="1100" b="1" dirty="0" err="1"/>
+                        <a:t>num_touch_edges</a:t>
+                      </a:r>
+                      <a:r>
+                        <a:rPr lang="en-US" sz="1100" b="1" dirty="0"/>
+                        <a:t> </a:t>
+                      </a:r>
+                      <a:r>
+                        <a:rPr lang="en-US" sz="1100" dirty="0"/>
+                        <a:t>(int from 0 to 4)</a:t>
+                      </a:r>
+                      <a:br>
+                        <a:rPr lang="en-US" sz="1100" dirty="0"/>
+                      </a:br>
+                      <a:r>
+                        <a:rPr lang="en-US" sz="1100" dirty="0"/>
+                        <a:t>Metadata generated using </a:t>
+                      </a:r>
+                      <a:r>
+                        <a:rPr lang="en-US" sz="1100" b="1" dirty="0" err="1"/>
+                        <a:t>bb_coords</a:t>
+                      </a:r>
+                      <a:r>
+                        <a:rPr lang="en-US" sz="1100" dirty="0"/>
+                        <a:t>. Float values are dimensional percentages or locations, and ‘</a:t>
+                      </a:r>
+                      <a:r>
+                        <a:rPr lang="en-US" sz="1100" dirty="0" err="1"/>
+                        <a:t>bb_touch</a:t>
+                      </a:r>
+                      <a:r>
+                        <a:rPr lang="en-US" sz="1100" dirty="0"/>
+                        <a:t>’ items are 0 if false and 1 if true.</a:t>
+                      </a:r>
+                    </a:p>
+                    <a:p>
+                      <a:r>
+                        <a:rPr lang="en-US" sz="1100" dirty="0" err="1"/>
+                        <a:t>num_touch_edges</a:t>
+                      </a:r>
+                      <a:r>
+                        <a:rPr lang="en-US" sz="1100" dirty="0"/>
+                        <a:t> is total number of ‘touching edges’ min 0 and max 4</a:t>
+                      </a:r>
+                    </a:p>
+                  </a:txBody>
+                  <a:tcPr/>
+                </a:tc>
+                <a:tc>
+                  <a:txBody>
+                    <a:bodyPr/>
+                    <a:lstStyle/>
+                    <a:p>
+                      <a:r>
+                        <a:rPr lang="en-US" sz="1200" dirty="0"/>
+                        <a:t>feature engineering pipeline</a:t>
+                      </a:r>
+                    </a:p>
+                  </a:txBody>
+                  <a:tcPr/>
+                </a:tc>
+                <a:tc>
+                  <a:txBody>
+                    <a:bodyPr/>
+                    <a:lstStyle/>
+                    <a:p>
+                      <a:r>
+                        <a:rPr lang="en-US" sz="1200" dirty="0"/>
+                        <a:t>float, % between 0 and 1, or int 0/1</a:t>
+                      </a:r>
+                      <a:br>
+                        <a:rPr lang="en-US" sz="1200" dirty="0"/>
+                      </a:br>
+                      <a:r>
+                        <a:rPr lang="en-US" sz="1200" dirty="0"/>
+                        <a:t>or int 0..4</a:t>
+                      </a:r>
+                    </a:p>
+                  </a:txBody>
+                  <a:tcPr/>
+                </a:tc>
+                <a:tc>
+                  <a:txBody>
+                    <a:bodyPr/>
+                    <a:lstStyle/>
+                    <a:p>
+                      <a:r>
+                        <a:rPr lang="en-US" sz="1200" dirty="0">
+                          <a:solidFill>
+                            <a:schemeClr val="accent1">
+                              <a:lumMod val="75000"/>
+                            </a:schemeClr>
+                          </a:solidFill>
+                        </a:rPr>
+                        <a:t>yes</a:t>
+                      </a:r>
+                    </a:p>
+                  </a:txBody>
+                  <a:tcPr/>
+                </a:tc>
+                <a:extLst>
+                  <a:ext uri="{0D108BD9-81ED-4DB2-BD59-A6C34878D82A}">
+                    <a16:rowId xmlns:a16="http://schemas.microsoft.com/office/drawing/2014/main" val="2092578387"/>
+                  </a:ext>
+                </a:extLst>
+              </a:tr>
+              <a:tr h="370840">
+                <a:tc>
+                  <a:txBody>
+                    <a:bodyPr/>
+                    <a:lstStyle/>
+                    <a:p>
+                      <a:r>
+                        <a:rPr lang="en-US" sz="1200" dirty="0" err="1"/>
+                        <a:t>XClick</a:t>
+                      </a:r>
+                      <a:endParaRPr lang="en-US" sz="1200" dirty="0"/>
+                    </a:p>
+                  </a:txBody>
+                  <a:tcPr/>
+                </a:tc>
+                <a:tc>
+                  <a:txBody>
+                    <a:bodyPr/>
+                    <a:lstStyle/>
+                    <a:p>
+                      <a:r>
+                        <a:rPr lang="en-US" sz="1100" b="1" dirty="0"/>
+                        <a:t>XClick1X, XClick1Y, XClick2X, XClick2Y, XClick3X, XClick3Y</a:t>
+                      </a:r>
+                      <a:br>
+                        <a:rPr lang="en-US" sz="1100" dirty="0"/>
+                      </a:br>
+                      <a:r>
+                        <a:rPr lang="en-US" sz="1100" dirty="0"/>
+                        <a:t>The (</a:t>
+                      </a:r>
+                      <a:r>
+                        <a:rPr lang="en-US" sz="1100" dirty="0" err="1"/>
+                        <a:t>x,y</a:t>
+                      </a:r>
+                      <a:r>
+                        <a:rPr lang="en-US" sz="1100" dirty="0"/>
+                        <a:t>) points that a human reviewer marked as ‘outer features’ when using a bounding box tool. These points can be any order and any shape, and are used to determine a rectangular bounding box. These points are contained by the bounding box in </a:t>
+                      </a:r>
+                      <a:r>
+                        <a:rPr lang="en-US" sz="1100" dirty="0" err="1"/>
+                        <a:t>bb_coords</a:t>
+                      </a:r>
+                      <a:r>
+                        <a:rPr lang="en-US" sz="1100" dirty="0"/>
+                        <a:t> above. Not present for all provided images.</a:t>
+                      </a:r>
+                    </a:p>
+                  </a:txBody>
+                  <a:tcPr/>
+                </a:tc>
+                <a:tc>
+                  <a:txBody>
+                    <a:bodyPr/>
+                    <a:lstStyle/>
+                    <a:p>
+                      <a:r>
+                        <a:rPr lang="en-US" sz="1200" dirty="0" err="1"/>
+                        <a:t>cadod.csv</a:t>
+                      </a:r>
+                      <a:endParaRPr lang="en-US" sz="1200" dirty="0"/>
+                    </a:p>
+                  </a:txBody>
+                  <a:tcPr/>
+                </a:tc>
+                <a:tc>
+                  <a:txBody>
+                    <a:bodyPr/>
+                    <a:lstStyle/>
+                    <a:p>
+                      <a:r>
+                        <a:rPr lang="en-US" sz="1200" dirty="0"/>
+                        <a:t>float, %</a:t>
+                      </a:r>
+                      <a:br>
+                        <a:rPr lang="en-US" sz="1200" dirty="0"/>
+                      </a:br>
+                      <a:r>
+                        <a:rPr lang="en-US" sz="1200" dirty="0"/>
+                        <a:t>between</a:t>
+                      </a:r>
+                    </a:p>
+                    <a:p>
+                      <a:r>
+                        <a:rPr lang="en-US" sz="1200" dirty="0"/>
+                        <a:t>0 and 1</a:t>
+                      </a:r>
+                    </a:p>
+                    <a:p>
+                      <a:r>
+                        <a:rPr lang="en-US" sz="1200" dirty="0"/>
+                        <a:t>or -1 if not present</a:t>
+                      </a:r>
+                    </a:p>
+                  </a:txBody>
+                  <a:tcPr/>
+                </a:tc>
+                <a:tc>
+                  <a:txBody>
+                    <a:bodyPr/>
+                    <a:lstStyle/>
+                    <a:p>
+                      <a:r>
+                        <a:rPr lang="en-US" sz="1200" dirty="0">
+                          <a:solidFill>
+                            <a:srgbClr val="C00000"/>
+                          </a:solidFill>
+                        </a:rPr>
+                        <a:t>no</a:t>
+                      </a:r>
+                    </a:p>
+                  </a:txBody>
+                  <a:tcPr/>
+                </a:tc>
+                <a:extLst>
+                  <a:ext uri="{0D108BD9-81ED-4DB2-BD59-A6C34878D82A}">
+                    <a16:rowId xmlns:a16="http://schemas.microsoft.com/office/drawing/2014/main" val="3115639158"/>
+                  </a:ext>
+                </a:extLst>
+              </a:tr>
+              <a:tr h="370840">
+                <a:tc>
+                  <a:txBody>
+                    <a:bodyPr/>
+                    <a:lstStyle/>
+                    <a:p>
+                      <a:r>
+                        <a:rPr lang="en-US" sz="1200" dirty="0"/>
+                        <a:t>other metadata</a:t>
+                      </a:r>
+                    </a:p>
+                  </a:txBody>
+                  <a:tcPr/>
+                </a:tc>
+                <a:tc>
+                  <a:txBody>
+                    <a:bodyPr/>
+                    <a:lstStyle/>
+                    <a:p>
+                      <a:r>
+                        <a:rPr lang="en-US" sz="1100" b="1" dirty="0"/>
+                        <a:t>Source</a:t>
+                      </a:r>
+                      <a:r>
+                        <a:rPr lang="en-US" sz="1100" dirty="0"/>
+                        <a:t> (string “</a:t>
+                      </a:r>
+                      <a:r>
+                        <a:rPr lang="en-US" sz="1100" dirty="0" err="1"/>
+                        <a:t>xclick</a:t>
+                      </a:r>
+                      <a:r>
+                        <a:rPr lang="en-US" sz="1100" dirty="0"/>
+                        <a:t>” or “</a:t>
+                      </a:r>
+                      <a:r>
+                        <a:rPr lang="en-US" sz="1100" dirty="0" err="1"/>
+                        <a:t>activemil</a:t>
+                      </a:r>
+                      <a:r>
+                        <a:rPr lang="en-US" sz="1100" dirty="0"/>
+                        <a:t>”)</a:t>
+                      </a:r>
+                      <a:br>
+                        <a:rPr lang="en-US" sz="1100" dirty="0"/>
+                      </a:br>
+                      <a:r>
+                        <a:rPr lang="en-US" sz="1100" b="1" dirty="0" err="1"/>
+                        <a:t>IsOccluded</a:t>
+                      </a:r>
+                      <a:r>
+                        <a:rPr lang="en-US" sz="1100" b="1" dirty="0"/>
+                        <a:t>, </a:t>
+                      </a:r>
+                      <a:r>
+                        <a:rPr lang="en-US" sz="1100" b="1" dirty="0" err="1"/>
+                        <a:t>IsTruncated</a:t>
+                      </a:r>
+                      <a:r>
+                        <a:rPr lang="en-US" sz="1100" b="1" dirty="0"/>
+                        <a:t>, </a:t>
+                      </a:r>
+                      <a:r>
+                        <a:rPr lang="en-US" sz="1100" b="1" dirty="0" err="1"/>
+                        <a:t>IsGroup</a:t>
+                      </a:r>
+                      <a:r>
+                        <a:rPr lang="en-US" sz="1100" b="1" dirty="0"/>
+                        <a:t>, </a:t>
+                      </a:r>
+                      <a:r>
+                        <a:rPr lang="en-US" sz="1100" b="1" dirty="0" err="1"/>
+                        <a:t>IsDepiction</a:t>
+                      </a:r>
+                      <a:r>
+                        <a:rPr lang="en-US" sz="1100" b="1" dirty="0"/>
+                        <a:t> </a:t>
+                      </a:r>
+                      <a:r>
+                        <a:rPr lang="en-US" sz="1100" dirty="0"/>
+                        <a:t>(int 0 or 1)</a:t>
+                      </a:r>
+                      <a:br>
+                        <a:rPr lang="en-US" sz="1100" dirty="0"/>
+                      </a:br>
+                      <a:r>
+                        <a:rPr lang="en-US" sz="1100" b="1" dirty="0"/>
+                        <a:t>Confidence</a:t>
+                      </a:r>
+                      <a:r>
+                        <a:rPr lang="en-US" sz="1100" dirty="0"/>
+                        <a:t> (set to 1 for every row)</a:t>
+                      </a:r>
+                    </a:p>
+                  </a:txBody>
+                  <a:tcPr/>
+                </a:tc>
+                <a:tc>
+                  <a:txBody>
+                    <a:bodyPr/>
+                    <a:lstStyle/>
+                    <a:p>
+                      <a:r>
+                        <a:rPr lang="en-US" sz="1200" dirty="0" err="1"/>
+                        <a:t>cadod.csv</a:t>
+                      </a:r>
+                      <a:endParaRPr lang="en-US" sz="1200" dirty="0"/>
+                    </a:p>
+                  </a:txBody>
+                  <a:tcPr/>
+                </a:tc>
+                <a:tc>
+                  <a:txBody>
+                    <a:bodyPr/>
+                    <a:lstStyle/>
+                    <a:p>
+                      <a:r>
+                        <a:rPr lang="en-US" sz="1200" dirty="0"/>
+                        <a:t>string or</a:t>
+                      </a:r>
+                    </a:p>
+                    <a:p>
+                      <a:r>
+                        <a:rPr lang="en-US" sz="1200" dirty="0"/>
+                        <a:t>int 0 or 1</a:t>
+                      </a:r>
+                    </a:p>
+                  </a:txBody>
+                  <a:tcPr/>
+                </a:tc>
+                <a:tc>
+                  <a:txBody>
+                    <a:bodyPr/>
+                    <a:lstStyle/>
+                    <a:p>
+                      <a:r>
+                        <a:rPr lang="en-US" sz="1200" dirty="0">
+                          <a:solidFill>
+                            <a:srgbClr val="C00000"/>
+                          </a:solidFill>
+                        </a:rPr>
+                        <a:t>no</a:t>
+                      </a:r>
+                    </a:p>
+                  </a:txBody>
+                  <a:tcPr/>
+                </a:tc>
+                <a:extLst>
+                  <a:ext uri="{0D108BD9-81ED-4DB2-BD59-A6C34878D82A}">
+                    <a16:rowId xmlns:a16="http://schemas.microsoft.com/office/drawing/2014/main" val="4061961135"/>
+                  </a:ext>
+                </a:extLst>
+              </a:tr>
+            </a:tbl>
+          </a:graphicData>
+        </a:graphic>
+      </p:graphicFrame>
     </p:spTree>
     <p:extLst>
       <p:ext uri="{BB962C8B-B14F-4D97-AF65-F5344CB8AC3E}">
-        <p14:creationId xmlns:p14="http://schemas.microsoft.com/office/powerpoint/2010/main" val="475728299"/>
+        <p14:creationId xmlns:p14="http://schemas.microsoft.com/office/powerpoint/2010/main" val="3898009058"/>
       </p:ext>
     </p:extLst>
   </p:cSld>
@@ -10949,7 +12505,7 @@
           <p:cNvPr id="2" name="Title 1">
             <a:extLst>
               <a:ext uri="{FF2B5EF4-FFF2-40B4-BE49-F238E27FC236}">
-                <a16:creationId xmlns:a16="http://schemas.microsoft.com/office/drawing/2014/main" id="{270EC188-A6EC-CA47-B52E-241DA02EA7A9}"/>
+                <a16:creationId xmlns:a16="http://schemas.microsoft.com/office/drawing/2014/main" id="{31E3BA86-9F58-EB42-9DEF-D6FF4A2C5AAD}"/>
               </a:ext>
             </a:extLst>
           </p:cNvPr>
@@ -10967,7 +12523,7 @@
           <a:p>
             <a:r>
               <a:rPr lang="en-US" dirty="0"/>
-              <a:t>EDA and Feature Engineering </a:t>
+              <a:t>Data: Bounding Box Details </a:t>
             </a:r>
             <a:r>
               <a:rPr lang="en-US" sz="2400" dirty="0"/>
@@ -10992,7 +12548,7 @@
           <p:cNvPr id="3" name="Text Placeholder 2">
             <a:extLst>
               <a:ext uri="{FF2B5EF4-FFF2-40B4-BE49-F238E27FC236}">
-                <a16:creationId xmlns:a16="http://schemas.microsoft.com/office/drawing/2014/main" id="{FB175BCF-07D1-EC4F-B451-933F1AE1A4F3}"/>
+                <a16:creationId xmlns:a16="http://schemas.microsoft.com/office/drawing/2014/main" id="{BFCCC159-BD20-2D4A-8FDF-A3D23348AB55}"/>
               </a:ext>
             </a:extLst>
           </p:cNvPr>
@@ -11003,125 +12559,1412 @@
             <p:ph type="body" idx="1"/>
           </p:nvPr>
         </p:nvSpPr>
-        <p:spPr/>
+        <p:spPr>
+          <a:xfrm>
+            <a:off x="320040" y="2003425"/>
+            <a:ext cx="5189857" cy="576262"/>
+          </a:xfrm>
+        </p:spPr>
         <p:txBody>
           <a:bodyPr/>
           <a:lstStyle/>
           <a:p>
+            <a:pPr algn="l"/>
             <a:r>
               <a:rPr lang="en-US" dirty="0"/>
-              <a:t>Correlation, Missing Data, </a:t>
-            </a:r>
-            <a:r>
-              <a:rPr lang="en-US" dirty="0" err="1"/>
-              <a:t>etc</a:t>
-            </a:r>
-            <a:endParaRPr lang="en-US" dirty="0"/>
-          </a:p>
-        </p:txBody>
-      </p:sp>
-      <p:sp>
-        <p:nvSpPr>
-          <p:cNvPr id="4" name="Content Placeholder 3">
+              <a:t>Example Image, annotated</a:t>
+            </a:r>
+          </a:p>
+        </p:txBody>
+      </p:sp>
+      <p:sp>
+        <p:nvSpPr>
+          <p:cNvPr id="7" name="Text Placeholder 2">
             <a:extLst>
               <a:ext uri="{FF2B5EF4-FFF2-40B4-BE49-F238E27FC236}">
-                <a16:creationId xmlns:a16="http://schemas.microsoft.com/office/drawing/2014/main" id="{FBCB5062-A64F-C148-B1C2-CEAC9BB01156}"/>
+                <a16:creationId xmlns:a16="http://schemas.microsoft.com/office/drawing/2014/main" id="{FE16D99E-CDF4-EA40-A23C-2A42BFA2D909}"/>
               </a:ext>
             </a:extLst>
           </p:cNvPr>
-          <p:cNvSpPr>
-            <a:spLocks noGrp="1"/>
-          </p:cNvSpPr>
-          <p:nvPr>
-            <p:ph sz="half" idx="2"/>
-          </p:nvPr>
+          <p:cNvSpPr txBox="1">
+            <a:spLocks/>
+          </p:cNvSpPr>
+          <p:nvPr/>
         </p:nvSpPr>
         <p:spPr>
           <a:xfrm>
-            <a:off x="814729" y="2751138"/>
-            <a:ext cx="5189856" cy="3908454"/>
+            <a:off x="5615980" y="2018030"/>
+            <a:ext cx="4320783" cy="576262"/>
           </a:xfrm>
+          <a:prstGeom prst="rect">
+            <a:avLst/>
+          </a:prstGeom>
+          <a:effectLst>
+            <a:outerShdw blurRad="50800" dir="14400000">
+              <a:srgbClr val="000000">
+                <a:alpha val="40000"/>
+              </a:srgbClr>
+            </a:outerShdw>
+          </a:effectLst>
         </p:spPr>
         <p:txBody>
-          <a:bodyPr>
-            <a:normAutofit/>
+          <a:bodyPr vert="horz" lIns="91440" tIns="45720" rIns="91440" bIns="45720" rtlCol="0" anchor="b">
+            <a:noAutofit/>
           </a:bodyPr>
-          <a:lstStyle/>
-          <a:p>
+          <a:lstStyle>
+            <a:lvl1pPr marL="0" indent="0" algn="ctr" defTabSz="457200" rtl="0" eaLnBrk="1" latinLnBrk="0" hangingPunct="1">
+              <a:spcBef>
+                <a:spcPct val="20000"/>
+              </a:spcBef>
+              <a:spcAft>
+                <a:spcPts val="600"/>
+              </a:spcAft>
+              <a:buClr>
+                <a:schemeClr val="accent1"/>
+              </a:buClr>
+              <a:buFont typeface="Wingdings 2" charset="2"/>
+              <a:buNone/>
+              <a:defRPr sz="2000" b="0" kern="1200">
+                <a:solidFill>
+                  <a:schemeClr val="tx1"/>
+                </a:solidFill>
+                <a:latin typeface="+mn-lt"/>
+                <a:ea typeface="+mn-ea"/>
+                <a:cs typeface="+mn-cs"/>
+              </a:defRPr>
+            </a:lvl1pPr>
+            <a:lvl2pPr marL="457200" indent="0" algn="l" defTabSz="457200" rtl="0" eaLnBrk="1" latinLnBrk="0" hangingPunct="1">
+              <a:spcBef>
+                <a:spcPct val="20000"/>
+              </a:spcBef>
+              <a:spcAft>
+                <a:spcPts val="600"/>
+              </a:spcAft>
+              <a:buClr>
+                <a:schemeClr val="accent1"/>
+              </a:buClr>
+              <a:buFont typeface="Wingdings 2" charset="2"/>
+              <a:buNone/>
+              <a:defRPr sz="2000" b="1" kern="1200">
+                <a:solidFill>
+                  <a:schemeClr val="tx1"/>
+                </a:solidFill>
+                <a:latin typeface="+mn-lt"/>
+                <a:ea typeface="+mn-ea"/>
+                <a:cs typeface="+mn-cs"/>
+              </a:defRPr>
+            </a:lvl2pPr>
+            <a:lvl3pPr marL="914400" indent="0" algn="l" defTabSz="457200" rtl="0" eaLnBrk="1" latinLnBrk="0" hangingPunct="1">
+              <a:spcBef>
+                <a:spcPct val="20000"/>
+              </a:spcBef>
+              <a:spcAft>
+                <a:spcPts val="600"/>
+              </a:spcAft>
+              <a:buClr>
+                <a:schemeClr val="accent1"/>
+              </a:buClr>
+              <a:buFont typeface="Wingdings 2" charset="2"/>
+              <a:buNone/>
+              <a:defRPr sz="1800" b="1" kern="1200">
+                <a:solidFill>
+                  <a:schemeClr val="tx1"/>
+                </a:solidFill>
+                <a:latin typeface="+mn-lt"/>
+                <a:ea typeface="+mn-ea"/>
+                <a:cs typeface="+mn-cs"/>
+              </a:defRPr>
+            </a:lvl3pPr>
+            <a:lvl4pPr marL="1371600" indent="0" algn="l" defTabSz="457200" rtl="0" eaLnBrk="1" latinLnBrk="0" hangingPunct="1">
+              <a:spcBef>
+                <a:spcPct val="20000"/>
+              </a:spcBef>
+              <a:spcAft>
+                <a:spcPts val="600"/>
+              </a:spcAft>
+              <a:buClr>
+                <a:schemeClr val="accent1"/>
+              </a:buClr>
+              <a:buFont typeface="Wingdings 2" charset="2"/>
+              <a:buNone/>
+              <a:defRPr sz="1600" b="1" kern="1200">
+                <a:solidFill>
+                  <a:schemeClr val="tx1"/>
+                </a:solidFill>
+                <a:latin typeface="+mn-lt"/>
+                <a:ea typeface="+mn-ea"/>
+                <a:cs typeface="+mn-cs"/>
+              </a:defRPr>
+            </a:lvl4pPr>
+            <a:lvl5pPr marL="1828800" indent="0" algn="l" defTabSz="457200" rtl="0" eaLnBrk="1" latinLnBrk="0" hangingPunct="1">
+              <a:spcBef>
+                <a:spcPct val="20000"/>
+              </a:spcBef>
+              <a:spcAft>
+                <a:spcPts val="600"/>
+              </a:spcAft>
+              <a:buClr>
+                <a:schemeClr val="accent1"/>
+              </a:buClr>
+              <a:buFont typeface="Wingdings 2" charset="2"/>
+              <a:buNone/>
+              <a:defRPr sz="1600" b="1" kern="1200">
+                <a:solidFill>
+                  <a:schemeClr val="tx1"/>
+                </a:solidFill>
+                <a:latin typeface="+mn-lt"/>
+                <a:ea typeface="+mn-ea"/>
+                <a:cs typeface="+mn-cs"/>
+              </a:defRPr>
+            </a:lvl5pPr>
+            <a:lvl6pPr marL="2286000" indent="0" algn="l" defTabSz="457200" rtl="0" eaLnBrk="1" latinLnBrk="0" hangingPunct="1">
+              <a:spcBef>
+                <a:spcPct val="20000"/>
+              </a:spcBef>
+              <a:spcAft>
+                <a:spcPts val="600"/>
+              </a:spcAft>
+              <a:buClr>
+                <a:schemeClr val="accent1"/>
+              </a:buClr>
+              <a:buFont typeface="Wingdings 2" charset="2"/>
+              <a:buNone/>
+              <a:defRPr sz="1600" b="1" kern="1200">
+                <a:solidFill>
+                  <a:schemeClr val="tx1"/>
+                </a:solidFill>
+                <a:latin typeface="+mn-lt"/>
+                <a:ea typeface="+mn-ea"/>
+                <a:cs typeface="+mn-cs"/>
+              </a:defRPr>
+            </a:lvl6pPr>
+            <a:lvl7pPr marL="2743200" indent="0" algn="l" defTabSz="457200" rtl="0" eaLnBrk="1" latinLnBrk="0" hangingPunct="1">
+              <a:spcBef>
+                <a:spcPct val="20000"/>
+              </a:spcBef>
+              <a:spcAft>
+                <a:spcPts val="600"/>
+              </a:spcAft>
+              <a:buClr>
+                <a:schemeClr val="accent1"/>
+              </a:buClr>
+              <a:buFont typeface="Wingdings 2" charset="2"/>
+              <a:buNone/>
+              <a:defRPr sz="1600" b="1" kern="1200">
+                <a:solidFill>
+                  <a:schemeClr val="tx1"/>
+                </a:solidFill>
+                <a:latin typeface="+mn-lt"/>
+                <a:ea typeface="+mn-ea"/>
+                <a:cs typeface="+mn-cs"/>
+              </a:defRPr>
+            </a:lvl7pPr>
+            <a:lvl8pPr marL="3200400" indent="0" algn="l" defTabSz="457200" rtl="0" eaLnBrk="1" latinLnBrk="0" hangingPunct="1">
+              <a:spcBef>
+                <a:spcPct val="20000"/>
+              </a:spcBef>
+              <a:spcAft>
+                <a:spcPts val="600"/>
+              </a:spcAft>
+              <a:buClr>
+                <a:schemeClr val="accent1"/>
+              </a:buClr>
+              <a:buFont typeface="Wingdings 2" charset="2"/>
+              <a:buNone/>
+              <a:defRPr sz="1600" b="1" kern="1200">
+                <a:solidFill>
+                  <a:schemeClr val="tx1"/>
+                </a:solidFill>
+                <a:latin typeface="+mn-lt"/>
+                <a:ea typeface="+mn-ea"/>
+                <a:cs typeface="+mn-cs"/>
+              </a:defRPr>
+            </a:lvl8pPr>
+            <a:lvl9pPr marL="3657600" indent="0" algn="l" defTabSz="457200" rtl="0" eaLnBrk="1" latinLnBrk="0" hangingPunct="1">
+              <a:spcBef>
+                <a:spcPct val="20000"/>
+              </a:spcBef>
+              <a:spcAft>
+                <a:spcPts val="600"/>
+              </a:spcAft>
+              <a:buClr>
+                <a:schemeClr val="accent1"/>
+              </a:buClr>
+              <a:buFont typeface="Wingdings 2" charset="2"/>
+              <a:buNone/>
+              <a:defRPr sz="1600" b="1" kern="1200">
+                <a:solidFill>
+                  <a:schemeClr val="tx1"/>
+                </a:solidFill>
+                <a:latin typeface="+mn-lt"/>
+                <a:ea typeface="+mn-ea"/>
+                <a:cs typeface="+mn-cs"/>
+              </a:defRPr>
+            </a:lvl9pPr>
+          </a:lstStyle>
+          <a:p>
+            <a:pPr algn="l"/>
             <a:r>
               <a:rPr lang="en-US" dirty="0"/>
-              <a:t>TBD</a:t>
-            </a:r>
-          </a:p>
-        </p:txBody>
-      </p:sp>
-      <p:sp>
-        <p:nvSpPr>
-          <p:cNvPr id="5" name="Text Placeholder 4">
+              <a:t>Bounding Box Attributes</a:t>
+            </a:r>
+          </a:p>
+        </p:txBody>
+      </p:sp>
+      <p:sp>
+        <p:nvSpPr>
+          <p:cNvPr id="8" name="Content Placeholder 3">
             <a:extLst>
               <a:ext uri="{FF2B5EF4-FFF2-40B4-BE49-F238E27FC236}">
-                <a16:creationId xmlns:a16="http://schemas.microsoft.com/office/drawing/2014/main" id="{FAC477F1-4FBC-404B-AEEF-6A7653555993}"/>
+                <a16:creationId xmlns:a16="http://schemas.microsoft.com/office/drawing/2014/main" id="{FBC57DAB-A8FE-624E-ABF4-DC93C598EA19}"/>
               </a:ext>
             </a:extLst>
           </p:cNvPr>
-          <p:cNvSpPr>
-            <a:spLocks noGrp="1"/>
-          </p:cNvSpPr>
-          <p:nvPr>
-            <p:ph type="body" sz="quarter" idx="3"/>
-          </p:nvPr>
-        </p:nvSpPr>
-        <p:spPr/>
-        <p:txBody>
-          <a:bodyPr/>
-          <a:lstStyle/>
-          <a:p>
-            <a:r>
-              <a:rPr lang="en-US" dirty="0"/>
-              <a:t>Feature Engineering</a:t>
-            </a:r>
-          </a:p>
-        </p:txBody>
-      </p:sp>
-      <p:sp>
-        <p:nvSpPr>
-          <p:cNvPr id="6" name="Content Placeholder 5">
+          <p:cNvSpPr txBox="1">
+            <a:spLocks/>
+          </p:cNvSpPr>
+          <p:nvPr/>
+        </p:nvSpPr>
+        <p:spPr>
+          <a:xfrm>
+            <a:off x="6096000" y="2751138"/>
+            <a:ext cx="5894070" cy="3908454"/>
+          </a:xfrm>
+          <a:prstGeom prst="rect">
+            <a:avLst/>
+          </a:prstGeom>
+          <a:effectLst>
+            <a:outerShdw blurRad="50800" dir="14400000">
+              <a:srgbClr val="000000">
+                <a:alpha val="40000"/>
+              </a:srgbClr>
+            </a:outerShdw>
+          </a:effectLst>
+        </p:spPr>
+        <p:txBody>
+          <a:bodyPr vert="horz" lIns="91440" tIns="45720" rIns="91440" bIns="45720" rtlCol="0" anchor="t">
+            <a:normAutofit/>
+          </a:bodyPr>
+          <a:lstStyle>
+            <a:lvl1pPr marL="342900" indent="-342900" algn="l" defTabSz="457200" rtl="0" eaLnBrk="1" latinLnBrk="0" hangingPunct="1">
+              <a:spcBef>
+                <a:spcPct val="20000"/>
+              </a:spcBef>
+              <a:spcAft>
+                <a:spcPts val="600"/>
+              </a:spcAft>
+              <a:buClr>
+                <a:schemeClr val="accent1"/>
+              </a:buClr>
+              <a:buFont typeface="Wingdings 2" charset="2"/>
+              <a:buChar char=""/>
+              <a:defRPr sz="1800" kern="1200">
+                <a:solidFill>
+                  <a:schemeClr val="tx1"/>
+                </a:solidFill>
+                <a:latin typeface="+mn-lt"/>
+                <a:ea typeface="+mn-ea"/>
+                <a:cs typeface="+mn-cs"/>
+              </a:defRPr>
+            </a:lvl1pPr>
+            <a:lvl2pPr marL="742950" indent="-285750" algn="l" defTabSz="457200" rtl="0" eaLnBrk="1" latinLnBrk="0" hangingPunct="1">
+              <a:spcBef>
+                <a:spcPct val="20000"/>
+              </a:spcBef>
+              <a:spcAft>
+                <a:spcPts val="600"/>
+              </a:spcAft>
+              <a:buClr>
+                <a:schemeClr val="accent1"/>
+              </a:buClr>
+              <a:buFont typeface="Wingdings 2" charset="2"/>
+              <a:buChar char=""/>
+              <a:defRPr sz="1600" kern="1200">
+                <a:solidFill>
+                  <a:schemeClr val="tx1"/>
+                </a:solidFill>
+                <a:latin typeface="+mn-lt"/>
+                <a:ea typeface="+mn-ea"/>
+                <a:cs typeface="+mn-cs"/>
+              </a:defRPr>
+            </a:lvl2pPr>
+            <a:lvl3pPr marL="1143000" indent="-228600" algn="l" defTabSz="457200" rtl="0" eaLnBrk="1" latinLnBrk="0" hangingPunct="1">
+              <a:spcBef>
+                <a:spcPct val="20000"/>
+              </a:spcBef>
+              <a:spcAft>
+                <a:spcPts val="600"/>
+              </a:spcAft>
+              <a:buClr>
+                <a:schemeClr val="accent1"/>
+              </a:buClr>
+              <a:buFont typeface="Wingdings 2" charset="2"/>
+              <a:buChar char=""/>
+              <a:defRPr sz="1400" kern="1200">
+                <a:solidFill>
+                  <a:schemeClr val="tx1"/>
+                </a:solidFill>
+                <a:latin typeface="+mn-lt"/>
+                <a:ea typeface="+mn-ea"/>
+                <a:cs typeface="+mn-cs"/>
+              </a:defRPr>
+            </a:lvl3pPr>
+            <a:lvl4pPr marL="1600200" indent="-228600" algn="l" defTabSz="457200" rtl="0" eaLnBrk="1" latinLnBrk="0" hangingPunct="1">
+              <a:spcBef>
+                <a:spcPct val="20000"/>
+              </a:spcBef>
+              <a:spcAft>
+                <a:spcPts val="600"/>
+              </a:spcAft>
+              <a:buClr>
+                <a:schemeClr val="accent1"/>
+              </a:buClr>
+              <a:buFont typeface="Wingdings 2" charset="2"/>
+              <a:buChar char=""/>
+              <a:defRPr sz="1200" kern="1200">
+                <a:solidFill>
+                  <a:schemeClr val="tx1"/>
+                </a:solidFill>
+                <a:latin typeface="+mn-lt"/>
+                <a:ea typeface="+mn-ea"/>
+                <a:cs typeface="+mn-cs"/>
+              </a:defRPr>
+            </a:lvl4pPr>
+            <a:lvl5pPr marL="2057400" indent="-228600" algn="l" defTabSz="457200" rtl="0" eaLnBrk="1" latinLnBrk="0" hangingPunct="1">
+              <a:spcBef>
+                <a:spcPct val="20000"/>
+              </a:spcBef>
+              <a:spcAft>
+                <a:spcPts val="600"/>
+              </a:spcAft>
+              <a:buClr>
+                <a:schemeClr val="accent1"/>
+              </a:buClr>
+              <a:buFont typeface="Wingdings 2" charset="2"/>
+              <a:buChar char=""/>
+              <a:defRPr sz="1200" kern="1200">
+                <a:solidFill>
+                  <a:schemeClr val="tx1"/>
+                </a:solidFill>
+                <a:latin typeface="+mn-lt"/>
+                <a:ea typeface="+mn-ea"/>
+                <a:cs typeface="+mn-cs"/>
+              </a:defRPr>
+            </a:lvl5pPr>
+            <a:lvl6pPr marL="2400000" indent="-228600" algn="l" defTabSz="457200" rtl="0" eaLnBrk="1" latinLnBrk="0" hangingPunct="1">
+              <a:spcBef>
+                <a:spcPct val="20000"/>
+              </a:spcBef>
+              <a:spcAft>
+                <a:spcPts val="600"/>
+              </a:spcAft>
+              <a:buClr>
+                <a:schemeClr val="accent1"/>
+              </a:buClr>
+              <a:buFont typeface="Wingdings 2" charset="2"/>
+              <a:buChar char=""/>
+              <a:defRPr sz="1200" kern="1200">
+                <a:solidFill>
+                  <a:schemeClr val="tx1"/>
+                </a:solidFill>
+                <a:latin typeface="+mn-lt"/>
+                <a:ea typeface="+mn-ea"/>
+                <a:cs typeface="+mn-cs"/>
+              </a:defRPr>
+            </a:lvl6pPr>
+            <a:lvl7pPr marL="2800000" indent="-228600" algn="l" defTabSz="457200" rtl="0" eaLnBrk="1" latinLnBrk="0" hangingPunct="1">
+              <a:spcBef>
+                <a:spcPct val="20000"/>
+              </a:spcBef>
+              <a:spcAft>
+                <a:spcPts val="600"/>
+              </a:spcAft>
+              <a:buClr>
+                <a:schemeClr val="accent1"/>
+              </a:buClr>
+              <a:buFont typeface="Wingdings 2" charset="2"/>
+              <a:buChar char=""/>
+              <a:defRPr sz="1200" kern="1200">
+                <a:solidFill>
+                  <a:schemeClr val="tx1"/>
+                </a:solidFill>
+                <a:latin typeface="+mn-lt"/>
+                <a:ea typeface="+mn-ea"/>
+                <a:cs typeface="+mn-cs"/>
+              </a:defRPr>
+            </a:lvl7pPr>
+            <a:lvl8pPr marL="3200000" indent="-228600" algn="l" defTabSz="457200" rtl="0" eaLnBrk="1" latinLnBrk="0" hangingPunct="1">
+              <a:spcBef>
+                <a:spcPct val="20000"/>
+              </a:spcBef>
+              <a:spcAft>
+                <a:spcPts val="600"/>
+              </a:spcAft>
+              <a:buClr>
+                <a:schemeClr val="accent1"/>
+              </a:buClr>
+              <a:buFont typeface="Wingdings 2" charset="2"/>
+              <a:buChar char=""/>
+              <a:defRPr sz="1200" kern="1200">
+                <a:solidFill>
+                  <a:schemeClr val="tx1"/>
+                </a:solidFill>
+                <a:latin typeface="+mn-lt"/>
+                <a:ea typeface="+mn-ea"/>
+                <a:cs typeface="+mn-cs"/>
+              </a:defRPr>
+            </a:lvl8pPr>
+            <a:lvl9pPr marL="3600000" indent="-228600" algn="l" defTabSz="457200" rtl="0" eaLnBrk="1" latinLnBrk="0" hangingPunct="1">
+              <a:spcBef>
+                <a:spcPct val="20000"/>
+              </a:spcBef>
+              <a:spcAft>
+                <a:spcPts val="600"/>
+              </a:spcAft>
+              <a:buClr>
+                <a:schemeClr val="accent1"/>
+              </a:buClr>
+              <a:buFont typeface="Wingdings 2" charset="2"/>
+              <a:buChar char=""/>
+              <a:defRPr sz="1200" kern="1200">
+                <a:solidFill>
+                  <a:schemeClr val="tx1"/>
+                </a:solidFill>
+                <a:latin typeface="+mn-lt"/>
+                <a:ea typeface="+mn-ea"/>
+                <a:cs typeface="+mn-cs"/>
+              </a:defRPr>
+            </a:lvl9pPr>
+          </a:lstStyle>
+          <a:p>
+            <a:r>
+              <a:rPr lang="en-US" sz="1600" dirty="0" err="1">
+                <a:solidFill>
+                  <a:schemeClr val="accent1">
+                    <a:lumMod val="60000"/>
+                    <a:lumOff val="40000"/>
+                  </a:schemeClr>
+                </a:solidFill>
+              </a:rPr>
+              <a:t>XClick</a:t>
+            </a:r>
+            <a:r>
+              <a:rPr lang="en-US" sz="1600" dirty="0"/>
+              <a:t> attributes are coordinates that a human reviewer clicked on an image to choose 4 ‘outer’ feature points, any order, </a:t>
+            </a:r>
+            <a:r>
+              <a:rPr lang="en-US" sz="1600" dirty="0" err="1"/>
+              <a:t>eg</a:t>
+            </a:r>
+            <a:r>
+              <a:rPr lang="en-US" sz="1600" dirty="0"/>
+              <a:t> tips of ears and paws</a:t>
+            </a:r>
+            <a:br>
+              <a:rPr lang="en-US" sz="1600" dirty="0"/>
+            </a:br>
+            <a:r>
+              <a:rPr lang="en-US" sz="1600" dirty="0"/>
+              <a:t>(shown here as 4 circles with plusses     )</a:t>
+            </a:r>
+          </a:p>
+          <a:p>
+            <a:r>
+              <a:rPr lang="en-US" sz="1600" dirty="0" err="1">
+                <a:solidFill>
+                  <a:schemeClr val="accent1">
+                    <a:lumMod val="60000"/>
+                    <a:lumOff val="40000"/>
+                  </a:schemeClr>
+                </a:solidFill>
+              </a:rPr>
+              <a:t>XMin</a:t>
+            </a:r>
+            <a:r>
+              <a:rPr lang="en-US" sz="1600" dirty="0">
+                <a:solidFill>
+                  <a:schemeClr val="accent1">
+                    <a:lumMod val="60000"/>
+                    <a:lumOff val="40000"/>
+                  </a:schemeClr>
+                </a:solidFill>
+              </a:rPr>
+              <a:t>, </a:t>
+            </a:r>
+            <a:r>
+              <a:rPr lang="en-US" sz="1600" dirty="0" err="1">
+                <a:solidFill>
+                  <a:schemeClr val="accent1">
+                    <a:lumMod val="60000"/>
+                    <a:lumOff val="40000"/>
+                  </a:schemeClr>
+                </a:solidFill>
+              </a:rPr>
+              <a:t>YMin</a:t>
+            </a:r>
+            <a:r>
+              <a:rPr lang="en-US" sz="1600" dirty="0">
+                <a:solidFill>
+                  <a:schemeClr val="accent1">
+                    <a:lumMod val="60000"/>
+                    <a:lumOff val="40000"/>
+                  </a:schemeClr>
+                </a:solidFill>
+              </a:rPr>
+              <a:t>, </a:t>
+            </a:r>
+            <a:r>
+              <a:rPr lang="en-US" sz="1600" dirty="0" err="1">
+                <a:solidFill>
+                  <a:schemeClr val="accent1">
+                    <a:lumMod val="60000"/>
+                    <a:lumOff val="40000"/>
+                  </a:schemeClr>
+                </a:solidFill>
+              </a:rPr>
+              <a:t>XMax</a:t>
+            </a:r>
+            <a:r>
+              <a:rPr lang="en-US" sz="1600" dirty="0">
+                <a:solidFill>
+                  <a:schemeClr val="accent1">
+                    <a:lumMod val="60000"/>
+                    <a:lumOff val="40000"/>
+                  </a:schemeClr>
+                </a:solidFill>
+              </a:rPr>
+              <a:t> </a:t>
+            </a:r>
+            <a:r>
+              <a:rPr lang="en-US" sz="1600" dirty="0"/>
+              <a:t>and </a:t>
+            </a:r>
+            <a:r>
+              <a:rPr lang="en-US" sz="1600" dirty="0" err="1">
+                <a:solidFill>
+                  <a:schemeClr val="accent1">
+                    <a:lumMod val="60000"/>
+                    <a:lumOff val="40000"/>
+                  </a:schemeClr>
+                </a:solidFill>
+              </a:rPr>
+              <a:t>YMax</a:t>
+            </a:r>
+            <a:r>
+              <a:rPr lang="en-US" sz="1600" dirty="0"/>
+              <a:t> points are the bounding box </a:t>
+            </a:r>
+            <a:r>
+              <a:rPr lang="en-US" sz="1600" dirty="0">
+                <a:solidFill>
+                  <a:schemeClr val="accent1">
+                    <a:lumMod val="75000"/>
+                  </a:schemeClr>
+                </a:solidFill>
+              </a:rPr>
+              <a:t>upper left </a:t>
+            </a:r>
+            <a:r>
+              <a:rPr lang="en-US" sz="1600" dirty="0"/>
+              <a:t>and </a:t>
+            </a:r>
+            <a:r>
+              <a:rPr lang="en-US" sz="1600" dirty="0">
+                <a:solidFill>
+                  <a:schemeClr val="accent1">
+                    <a:lumMod val="75000"/>
+                  </a:schemeClr>
+                </a:solidFill>
+              </a:rPr>
+              <a:t>lower right </a:t>
+            </a:r>
+            <a:r>
+              <a:rPr lang="en-US" sz="1600" dirty="0"/>
+              <a:t>points that contain all of the </a:t>
+            </a:r>
+            <a:r>
+              <a:rPr lang="en-US" sz="1600" dirty="0" err="1"/>
+              <a:t>XClick</a:t>
+            </a:r>
+            <a:r>
+              <a:rPr lang="en-US" sz="1600" dirty="0"/>
+              <a:t> points (shown here plotted as   a red box  )</a:t>
+            </a:r>
+          </a:p>
+          <a:p>
+            <a:r>
+              <a:rPr lang="en-US" sz="1400" dirty="0"/>
+              <a:t>Each of these bounding boxes and the class information is </a:t>
+            </a:r>
+            <a:r>
+              <a:rPr lang="en-US" sz="1400" dirty="0">
+                <a:solidFill>
+                  <a:schemeClr val="accent1">
+                    <a:lumMod val="60000"/>
+                    <a:lumOff val="40000"/>
+                  </a:schemeClr>
+                </a:solidFill>
+              </a:rPr>
+              <a:t>only as good </a:t>
+            </a:r>
+            <a:r>
+              <a:rPr lang="en-US" sz="1400" dirty="0"/>
+              <a:t>as the human’s interpretation (examples: raccoon labeled as dog, inaccurate bounding boxes)</a:t>
+            </a:r>
+          </a:p>
+          <a:p>
+            <a:r>
+              <a:rPr lang="en-US" sz="1400" dirty="0"/>
+              <a:t>We decided to perform feature engineering to determine the width, center point, and height of the bounding boxes.</a:t>
+            </a:r>
+          </a:p>
+        </p:txBody>
+      </p:sp>
+      <p:sp>
+        <p:nvSpPr>
+          <p:cNvPr id="11" name="Oval 10">
             <a:extLst>
               <a:ext uri="{FF2B5EF4-FFF2-40B4-BE49-F238E27FC236}">
-                <a16:creationId xmlns:a16="http://schemas.microsoft.com/office/drawing/2014/main" id="{C3DC9D5F-B396-8A46-BF7D-C05C7AE76AFC}"/>
+                <a16:creationId xmlns:a16="http://schemas.microsoft.com/office/drawing/2014/main" id="{0E5DD94E-1819-4B4F-BDAC-D68D74B8C13B}"/>
               </a:ext>
             </a:extLst>
           </p:cNvPr>
-          <p:cNvSpPr>
-            <a:spLocks noGrp="1"/>
-          </p:cNvSpPr>
-          <p:nvPr>
-            <p:ph sz="quarter" idx="4"/>
-          </p:nvPr>
+          <p:cNvSpPr/>
+          <p:nvPr/>
         </p:nvSpPr>
         <p:spPr>
           <a:xfrm>
-            <a:off x="6187415" y="2751138"/>
-            <a:ext cx="5194583" cy="3908454"/>
+            <a:off x="10093959" y="3577318"/>
+            <a:ext cx="171450" cy="164689"/>
           </a:xfrm>
+          <a:prstGeom prst="ellipse">
+            <a:avLst/>
+          </a:prstGeom>
+          <a:solidFill>
+            <a:schemeClr val="tx1"/>
+          </a:solidFill>
+          <a:ln>
+            <a:noFill/>
+          </a:ln>
         </p:spPr>
-        <p:txBody>
-          <a:bodyPr>
-            <a:normAutofit/>
-          </a:bodyPr>
+        <p:style>
+          <a:lnRef idx="2">
+            <a:schemeClr val="accent1">
+              <a:shade val="50000"/>
+            </a:schemeClr>
+          </a:lnRef>
+          <a:fillRef idx="1">
+            <a:schemeClr val="accent1"/>
+          </a:fillRef>
+          <a:effectRef idx="0">
+            <a:schemeClr val="accent1"/>
+          </a:effectRef>
+          <a:fontRef idx="minor">
+            <a:schemeClr val="lt1"/>
+          </a:fontRef>
+        </p:style>
+        <p:txBody>
+          <a:bodyPr rtlCol="0" anchor="ctr"/>
           <a:lstStyle/>
           <a:p>
-            <a:r>
-              <a:rPr lang="en-US" dirty="0"/>
-              <a:t>Describe transformer</a:t>
-            </a:r>
+            <a:pPr algn="ctr"/>
+            <a:r>
+              <a:rPr lang="en-US" dirty="0">
+                <a:solidFill>
+                  <a:srgbClr val="002060"/>
+                </a:solidFill>
+              </a:rPr>
+              <a:t>+</a:t>
+            </a:r>
+          </a:p>
+        </p:txBody>
+      </p:sp>
+      <p:sp>
+        <p:nvSpPr>
+          <p:cNvPr id="12" name="Rectangle 11">
+            <a:extLst>
+              <a:ext uri="{FF2B5EF4-FFF2-40B4-BE49-F238E27FC236}">
+                <a16:creationId xmlns:a16="http://schemas.microsoft.com/office/drawing/2014/main" id="{08D0DAFB-A1B5-D949-8F01-98C64B7D3C12}"/>
+              </a:ext>
+            </a:extLst>
+          </p:cNvPr>
+          <p:cNvSpPr/>
+          <p:nvPr/>
+        </p:nvSpPr>
+        <p:spPr>
+          <a:xfrm flipV="1">
+            <a:off x="10539096" y="4390708"/>
+            <a:ext cx="1096643" cy="297180"/>
+          </a:xfrm>
+          <a:prstGeom prst="rect">
+            <a:avLst/>
+          </a:prstGeom>
+          <a:noFill/>
+          <a:ln w="28575">
+            <a:solidFill>
+              <a:srgbClr val="C00000"/>
+            </a:solidFill>
+          </a:ln>
+        </p:spPr>
+        <p:style>
+          <a:lnRef idx="2">
+            <a:schemeClr val="accent1">
+              <a:shade val="50000"/>
+            </a:schemeClr>
+          </a:lnRef>
+          <a:fillRef idx="1">
+            <a:schemeClr val="accent1"/>
+          </a:fillRef>
+          <a:effectRef idx="0">
+            <a:schemeClr val="accent1"/>
+          </a:effectRef>
+          <a:fontRef idx="minor">
+            <a:schemeClr val="lt1"/>
+          </a:fontRef>
+        </p:style>
+        <p:txBody>
+          <a:bodyPr rtlCol="0" anchor="ctr"/>
+          <a:lstStyle/>
+          <a:p>
+            <a:pPr algn="ctr"/>
+            <a:endParaRPr lang="en-US"/>
+          </a:p>
+        </p:txBody>
+      </p:sp>
+      <p:grpSp>
+        <p:nvGrpSpPr>
+          <p:cNvPr id="19" name="Group 18">
+            <a:extLst>
+              <a:ext uri="{FF2B5EF4-FFF2-40B4-BE49-F238E27FC236}">
+                <a16:creationId xmlns:a16="http://schemas.microsoft.com/office/drawing/2014/main" id="{67B921B1-3D25-C140-93B1-15755F4196C5}"/>
+              </a:ext>
+            </a:extLst>
+          </p:cNvPr>
+          <p:cNvGrpSpPr/>
+          <p:nvPr/>
+        </p:nvGrpSpPr>
+        <p:grpSpPr>
+          <a:xfrm>
+            <a:off x="1619250" y="2751138"/>
+            <a:ext cx="3657600" cy="3721100"/>
+            <a:chOff x="1973580" y="2802890"/>
+            <a:chExt cx="3657600" cy="3721100"/>
+          </a:xfrm>
+        </p:grpSpPr>
+        <p:pic>
+          <p:nvPicPr>
+            <p:cNvPr id="6" name="Picture 5" descr="A picture containing text, cat, monitor, screen&#10;&#10;Description automatically generated">
+              <a:extLst>
+                <a:ext uri="{FF2B5EF4-FFF2-40B4-BE49-F238E27FC236}">
+                  <a16:creationId xmlns:a16="http://schemas.microsoft.com/office/drawing/2014/main" id="{0D60C05E-1C17-324A-AD33-EE8ADD0E4569}"/>
+                </a:ext>
+              </a:extLst>
+            </p:cNvPr>
+            <p:cNvPicPr>
+              <a:picLocks noChangeAspect="1"/>
+            </p:cNvPicPr>
+            <p:nvPr/>
+          </p:nvPicPr>
+          <p:blipFill>
+            <a:blip r:embed="rId2"/>
+            <a:stretch>
+              <a:fillRect/>
+            </a:stretch>
+          </p:blipFill>
+          <p:spPr>
+            <a:xfrm>
+              <a:off x="1973580" y="2802890"/>
+              <a:ext cx="3657600" cy="3721100"/>
+            </a:xfrm>
+            <a:prstGeom prst="rect">
+              <a:avLst/>
+            </a:prstGeom>
+          </p:spPr>
+        </p:pic>
+        <p:sp>
+          <p:nvSpPr>
+            <p:cNvPr id="14" name="Rectangle 13">
+              <a:extLst>
+                <a:ext uri="{FF2B5EF4-FFF2-40B4-BE49-F238E27FC236}">
+                  <a16:creationId xmlns:a16="http://schemas.microsoft.com/office/drawing/2014/main" id="{7E45DA13-B899-CD4D-9D98-FDEF03D898D6}"/>
+                </a:ext>
+              </a:extLst>
+            </p:cNvPr>
+            <p:cNvSpPr/>
+            <p:nvPr/>
+          </p:nvSpPr>
+          <p:spPr>
+            <a:xfrm>
+              <a:off x="2395221" y="3421380"/>
+              <a:ext cx="2451735" cy="2636520"/>
+            </a:xfrm>
+            <a:prstGeom prst="rect">
+              <a:avLst/>
+            </a:prstGeom>
+            <a:noFill/>
+            <a:ln w="28575">
+              <a:solidFill>
+                <a:srgbClr val="C00000"/>
+              </a:solidFill>
+            </a:ln>
+          </p:spPr>
+          <p:style>
+            <a:lnRef idx="2">
+              <a:schemeClr val="accent1">
+                <a:shade val="50000"/>
+              </a:schemeClr>
+            </a:lnRef>
+            <a:fillRef idx="1">
+              <a:schemeClr val="accent1"/>
+            </a:fillRef>
+            <a:effectRef idx="0">
+              <a:schemeClr val="accent1"/>
+            </a:effectRef>
+            <a:fontRef idx="minor">
+              <a:schemeClr val="lt1"/>
+            </a:fontRef>
+          </p:style>
+          <p:txBody>
+            <a:bodyPr rtlCol="0" anchor="ctr"/>
+            <a:lstStyle/>
+            <a:p>
+              <a:pPr algn="ctr"/>
+              <a:endParaRPr lang="en-US"/>
+            </a:p>
+          </p:txBody>
+        </p:sp>
+        <p:sp>
+          <p:nvSpPr>
+            <p:cNvPr id="15" name="Oval 14">
+              <a:extLst>
+                <a:ext uri="{FF2B5EF4-FFF2-40B4-BE49-F238E27FC236}">
+                  <a16:creationId xmlns:a16="http://schemas.microsoft.com/office/drawing/2014/main" id="{057B1CB4-C6BF-674F-AC1D-5DDED05AD254}"/>
+                </a:ext>
+              </a:extLst>
+            </p:cNvPr>
+            <p:cNvSpPr/>
+            <p:nvPr/>
+          </p:nvSpPr>
+          <p:spPr>
+            <a:xfrm>
+              <a:off x="2581911" y="3346655"/>
+              <a:ext cx="171450" cy="164689"/>
+            </a:xfrm>
+            <a:prstGeom prst="ellipse">
+              <a:avLst/>
+            </a:prstGeom>
+            <a:solidFill>
+              <a:schemeClr val="tx1"/>
+            </a:solidFill>
+            <a:ln>
+              <a:noFill/>
+            </a:ln>
+          </p:spPr>
+          <p:style>
+            <a:lnRef idx="2">
+              <a:schemeClr val="accent1">
+                <a:shade val="50000"/>
+              </a:schemeClr>
+            </a:lnRef>
+            <a:fillRef idx="1">
+              <a:schemeClr val="accent1"/>
+            </a:fillRef>
+            <a:effectRef idx="0">
+              <a:schemeClr val="accent1"/>
+            </a:effectRef>
+            <a:fontRef idx="minor">
+              <a:schemeClr val="lt1"/>
+            </a:fontRef>
+          </p:style>
+          <p:txBody>
+            <a:bodyPr rtlCol="0" anchor="ctr"/>
+            <a:lstStyle/>
+            <a:p>
+              <a:pPr algn="ctr"/>
+              <a:r>
+                <a:rPr lang="en-US" dirty="0">
+                  <a:solidFill>
+                    <a:srgbClr val="002060"/>
+                  </a:solidFill>
+                </a:rPr>
+                <a:t>+</a:t>
+              </a:r>
+            </a:p>
+          </p:txBody>
+        </p:sp>
+        <p:sp>
+          <p:nvSpPr>
+            <p:cNvPr id="16" name="Oval 15">
+              <a:extLst>
+                <a:ext uri="{FF2B5EF4-FFF2-40B4-BE49-F238E27FC236}">
+                  <a16:creationId xmlns:a16="http://schemas.microsoft.com/office/drawing/2014/main" id="{E0E959D4-619F-9F46-9F85-3AA5FF7AB5B5}"/>
+                </a:ext>
+              </a:extLst>
+            </p:cNvPr>
+            <p:cNvSpPr/>
+            <p:nvPr/>
+          </p:nvSpPr>
+          <p:spPr>
+            <a:xfrm>
+              <a:off x="4742818" y="3882594"/>
+              <a:ext cx="171450" cy="164689"/>
+            </a:xfrm>
+            <a:prstGeom prst="ellipse">
+              <a:avLst/>
+            </a:prstGeom>
+            <a:solidFill>
+              <a:schemeClr val="tx1"/>
+            </a:solidFill>
+            <a:ln>
+              <a:noFill/>
+            </a:ln>
+          </p:spPr>
+          <p:style>
+            <a:lnRef idx="2">
+              <a:schemeClr val="accent1">
+                <a:shade val="50000"/>
+              </a:schemeClr>
+            </a:lnRef>
+            <a:fillRef idx="1">
+              <a:schemeClr val="accent1"/>
+            </a:fillRef>
+            <a:effectRef idx="0">
+              <a:schemeClr val="accent1"/>
+            </a:effectRef>
+            <a:fontRef idx="minor">
+              <a:schemeClr val="lt1"/>
+            </a:fontRef>
+          </p:style>
+          <p:txBody>
+            <a:bodyPr rtlCol="0" anchor="ctr"/>
+            <a:lstStyle/>
+            <a:p>
+              <a:pPr algn="ctr"/>
+              <a:r>
+                <a:rPr lang="en-US" dirty="0">
+                  <a:solidFill>
+                    <a:srgbClr val="002060"/>
+                  </a:solidFill>
+                </a:rPr>
+                <a:t>+</a:t>
+              </a:r>
+            </a:p>
+          </p:txBody>
+        </p:sp>
+        <p:sp>
+          <p:nvSpPr>
+            <p:cNvPr id="17" name="Oval 16">
+              <a:extLst>
+                <a:ext uri="{FF2B5EF4-FFF2-40B4-BE49-F238E27FC236}">
+                  <a16:creationId xmlns:a16="http://schemas.microsoft.com/office/drawing/2014/main" id="{BAA81CBD-D06F-F04C-9D6E-757EA22F3894}"/>
+                </a:ext>
+              </a:extLst>
+            </p:cNvPr>
+            <p:cNvSpPr/>
+            <p:nvPr/>
+          </p:nvSpPr>
+          <p:spPr>
+            <a:xfrm>
+              <a:off x="3261997" y="5967936"/>
+              <a:ext cx="171450" cy="164689"/>
+            </a:xfrm>
+            <a:prstGeom prst="ellipse">
+              <a:avLst/>
+            </a:prstGeom>
+            <a:solidFill>
+              <a:schemeClr val="tx1"/>
+            </a:solidFill>
+            <a:ln>
+              <a:noFill/>
+            </a:ln>
+          </p:spPr>
+          <p:style>
+            <a:lnRef idx="2">
+              <a:schemeClr val="accent1">
+                <a:shade val="50000"/>
+              </a:schemeClr>
+            </a:lnRef>
+            <a:fillRef idx="1">
+              <a:schemeClr val="accent1"/>
+            </a:fillRef>
+            <a:effectRef idx="0">
+              <a:schemeClr val="accent1"/>
+            </a:effectRef>
+            <a:fontRef idx="minor">
+              <a:schemeClr val="lt1"/>
+            </a:fontRef>
+          </p:style>
+          <p:txBody>
+            <a:bodyPr rtlCol="0" anchor="ctr"/>
+            <a:lstStyle/>
+            <a:p>
+              <a:pPr algn="ctr"/>
+              <a:r>
+                <a:rPr lang="en-US" dirty="0">
+                  <a:solidFill>
+                    <a:srgbClr val="002060"/>
+                  </a:solidFill>
+                </a:rPr>
+                <a:t>+</a:t>
+              </a:r>
+            </a:p>
+          </p:txBody>
+        </p:sp>
+        <p:sp>
+          <p:nvSpPr>
+            <p:cNvPr id="18" name="Oval 17">
+              <a:extLst>
+                <a:ext uri="{FF2B5EF4-FFF2-40B4-BE49-F238E27FC236}">
+                  <a16:creationId xmlns:a16="http://schemas.microsoft.com/office/drawing/2014/main" id="{BAA37924-150A-FF49-8B68-A6D1B378B5DD}"/>
+                </a:ext>
+              </a:extLst>
+            </p:cNvPr>
+            <p:cNvSpPr/>
+            <p:nvPr/>
+          </p:nvSpPr>
+          <p:spPr>
+            <a:xfrm>
+              <a:off x="2309496" y="5212080"/>
+              <a:ext cx="171450" cy="164689"/>
+            </a:xfrm>
+            <a:prstGeom prst="ellipse">
+              <a:avLst/>
+            </a:prstGeom>
+            <a:solidFill>
+              <a:schemeClr val="tx1"/>
+            </a:solidFill>
+            <a:ln>
+              <a:noFill/>
+            </a:ln>
+          </p:spPr>
+          <p:style>
+            <a:lnRef idx="2">
+              <a:schemeClr val="accent1">
+                <a:shade val="50000"/>
+              </a:schemeClr>
+            </a:lnRef>
+            <a:fillRef idx="1">
+              <a:schemeClr val="accent1"/>
+            </a:fillRef>
+            <a:effectRef idx="0">
+              <a:schemeClr val="accent1"/>
+            </a:effectRef>
+            <a:fontRef idx="minor">
+              <a:schemeClr val="lt1"/>
+            </a:fontRef>
+          </p:style>
+          <p:txBody>
+            <a:bodyPr rtlCol="0" anchor="ctr"/>
+            <a:lstStyle/>
+            <a:p>
+              <a:pPr algn="ctr"/>
+              <a:r>
+                <a:rPr lang="en-US" dirty="0">
+                  <a:solidFill>
+                    <a:srgbClr val="002060"/>
+                  </a:solidFill>
+                </a:rPr>
+                <a:t>+</a:t>
+              </a:r>
+            </a:p>
+          </p:txBody>
+        </p:sp>
+      </p:grpSp>
+      <p:sp>
+        <p:nvSpPr>
+          <p:cNvPr id="22" name="Left Arrow 21">
+            <a:extLst>
+              <a:ext uri="{FF2B5EF4-FFF2-40B4-BE49-F238E27FC236}">
+                <a16:creationId xmlns:a16="http://schemas.microsoft.com/office/drawing/2014/main" id="{A65A21FF-3596-F44F-9086-4FD3CD894AE8}"/>
+              </a:ext>
+            </a:extLst>
+          </p:cNvPr>
+          <p:cNvSpPr/>
+          <p:nvPr/>
+        </p:nvSpPr>
+        <p:spPr>
+          <a:xfrm>
+            <a:off x="4608831" y="5609806"/>
+            <a:ext cx="1651000" cy="777444"/>
+          </a:xfrm>
+          <a:prstGeom prst="leftArrow">
+            <a:avLst>
+              <a:gd name="adj1" fmla="val 52940"/>
+              <a:gd name="adj2" fmla="val 50000"/>
+            </a:avLst>
+          </a:prstGeom>
+        </p:spPr>
+        <p:style>
+          <a:lnRef idx="2">
+            <a:schemeClr val="accent1">
+              <a:shade val="50000"/>
+            </a:schemeClr>
+          </a:lnRef>
+          <a:fillRef idx="1">
+            <a:schemeClr val="accent1"/>
+          </a:fillRef>
+          <a:effectRef idx="0">
+            <a:schemeClr val="accent1"/>
+          </a:effectRef>
+          <a:fontRef idx="minor">
+            <a:schemeClr val="lt1"/>
+          </a:fontRef>
+        </p:style>
+        <p:txBody>
+          <a:bodyPr rtlCol="0" anchor="ctr"/>
+          <a:lstStyle/>
+          <a:p>
+            <a:pPr algn="ctr"/>
+            <a:r>
+              <a:rPr lang="en-US" sz="1400" b="1" dirty="0">
+                <a:solidFill>
+                  <a:schemeClr val="tx1"/>
+                </a:solidFill>
+              </a:rPr>
+              <a:t>(</a:t>
+            </a:r>
+            <a:r>
+              <a:rPr lang="en-US" sz="1400" b="1" dirty="0" err="1">
+                <a:solidFill>
+                  <a:schemeClr val="tx2">
+                    <a:lumMod val="50000"/>
+                  </a:schemeClr>
+                </a:solidFill>
+              </a:rPr>
+              <a:t>XMax</a:t>
+            </a:r>
+            <a:r>
+              <a:rPr lang="en-US" sz="1400" b="1" dirty="0">
+                <a:solidFill>
+                  <a:schemeClr val="tx1"/>
+                </a:solidFill>
+              </a:rPr>
+              <a:t>, </a:t>
+            </a:r>
+            <a:r>
+              <a:rPr lang="en-US" sz="1400" b="1" dirty="0" err="1">
+                <a:solidFill>
+                  <a:schemeClr val="tx2">
+                    <a:lumMod val="50000"/>
+                  </a:schemeClr>
+                </a:solidFill>
+              </a:rPr>
+              <a:t>YMax</a:t>
+            </a:r>
+            <a:r>
+              <a:rPr lang="en-US" sz="1400" b="1" dirty="0">
+                <a:solidFill>
+                  <a:schemeClr val="tx1"/>
+                </a:solidFill>
+              </a:rPr>
+              <a:t>)</a:t>
+            </a:r>
+          </a:p>
+        </p:txBody>
+      </p:sp>
+      <p:sp>
+        <p:nvSpPr>
+          <p:cNvPr id="23" name="Right Arrow 22">
+            <a:extLst>
+              <a:ext uri="{FF2B5EF4-FFF2-40B4-BE49-F238E27FC236}">
+                <a16:creationId xmlns:a16="http://schemas.microsoft.com/office/drawing/2014/main" id="{06846DCA-1AA4-2541-8646-24D738C50BEF}"/>
+              </a:ext>
+            </a:extLst>
+          </p:cNvPr>
+          <p:cNvSpPr/>
+          <p:nvPr/>
+        </p:nvSpPr>
+        <p:spPr>
+          <a:xfrm>
+            <a:off x="288290" y="2943906"/>
+            <a:ext cx="1635126" cy="901607"/>
+          </a:xfrm>
+          <a:prstGeom prst="rightArrow">
+            <a:avLst/>
+          </a:prstGeom>
+        </p:spPr>
+        <p:style>
+          <a:lnRef idx="2">
+            <a:schemeClr val="accent1">
+              <a:shade val="50000"/>
+            </a:schemeClr>
+          </a:lnRef>
+          <a:fillRef idx="1">
+            <a:schemeClr val="accent1"/>
+          </a:fillRef>
+          <a:effectRef idx="0">
+            <a:schemeClr val="accent1"/>
+          </a:effectRef>
+          <a:fontRef idx="minor">
+            <a:schemeClr val="lt1"/>
+          </a:fontRef>
+        </p:style>
+        <p:txBody>
+          <a:bodyPr rtlCol="0" anchor="ctr"/>
+          <a:lstStyle/>
+          <a:p>
+            <a:pPr algn="ctr"/>
+            <a:r>
+              <a:rPr lang="en-US" sz="1400" b="1" dirty="0">
+                <a:solidFill>
+                  <a:schemeClr val="tx1"/>
+                </a:solidFill>
+              </a:rPr>
+              <a:t>(</a:t>
+            </a:r>
+            <a:r>
+              <a:rPr lang="en-US" sz="1400" b="1" dirty="0" err="1">
+                <a:solidFill>
+                  <a:schemeClr val="tx2">
+                    <a:lumMod val="50000"/>
+                  </a:schemeClr>
+                </a:solidFill>
+              </a:rPr>
+              <a:t>XMin</a:t>
+            </a:r>
+            <a:r>
+              <a:rPr lang="en-US" sz="1400" b="1" dirty="0">
+                <a:solidFill>
+                  <a:schemeClr val="tx1"/>
+                </a:solidFill>
+              </a:rPr>
+              <a:t>, </a:t>
+            </a:r>
+            <a:r>
+              <a:rPr lang="en-US" sz="1400" b="1" dirty="0" err="1">
+                <a:solidFill>
+                  <a:schemeClr val="tx2">
+                    <a:lumMod val="50000"/>
+                  </a:schemeClr>
+                </a:solidFill>
+              </a:rPr>
+              <a:t>YMin</a:t>
+            </a:r>
+            <a:r>
+              <a:rPr lang="en-US" sz="1400" b="1" dirty="0">
+                <a:solidFill>
+                  <a:schemeClr val="tx1"/>
+                </a:solidFill>
+              </a:rPr>
+              <a:t>)</a:t>
+            </a:r>
+          </a:p>
+        </p:txBody>
+      </p:sp>
+      <p:sp>
+        <p:nvSpPr>
+          <p:cNvPr id="24" name="Oval 23">
+            <a:extLst>
+              <a:ext uri="{FF2B5EF4-FFF2-40B4-BE49-F238E27FC236}">
+                <a16:creationId xmlns:a16="http://schemas.microsoft.com/office/drawing/2014/main" id="{643FFADC-6370-2B4E-90F2-4D5CAEF34A93}"/>
+              </a:ext>
+            </a:extLst>
+          </p:cNvPr>
+          <p:cNvSpPr/>
+          <p:nvPr/>
+        </p:nvSpPr>
+        <p:spPr>
+          <a:xfrm>
+            <a:off x="1916429" y="3294903"/>
+            <a:ext cx="254002" cy="225265"/>
+          </a:xfrm>
+          <a:prstGeom prst="ellipse">
+            <a:avLst/>
+          </a:prstGeom>
+          <a:noFill/>
+          <a:ln w="38100">
+            <a:solidFill>
+              <a:schemeClr val="accent1">
+                <a:lumMod val="60000"/>
+                <a:lumOff val="40000"/>
+              </a:schemeClr>
+            </a:solidFill>
+          </a:ln>
+        </p:spPr>
+        <p:style>
+          <a:lnRef idx="2">
+            <a:schemeClr val="accent1">
+              <a:shade val="50000"/>
+            </a:schemeClr>
+          </a:lnRef>
+          <a:fillRef idx="1">
+            <a:schemeClr val="accent1"/>
+          </a:fillRef>
+          <a:effectRef idx="0">
+            <a:schemeClr val="accent1"/>
+          </a:effectRef>
+          <a:fontRef idx="minor">
+            <a:schemeClr val="lt1"/>
+          </a:fontRef>
+        </p:style>
+        <p:txBody>
+          <a:bodyPr rtlCol="0" anchor="ctr"/>
+          <a:lstStyle/>
+          <a:p>
+            <a:pPr algn="ctr"/>
+            <a:endParaRPr lang="en-US"/>
+          </a:p>
+        </p:txBody>
+      </p:sp>
+      <p:sp>
+        <p:nvSpPr>
+          <p:cNvPr id="25" name="Oval 24">
+            <a:extLst>
+              <a:ext uri="{FF2B5EF4-FFF2-40B4-BE49-F238E27FC236}">
+                <a16:creationId xmlns:a16="http://schemas.microsoft.com/office/drawing/2014/main" id="{5663D468-948C-C04A-8F5E-F4EB743106EE}"/>
+              </a:ext>
+            </a:extLst>
+          </p:cNvPr>
+          <p:cNvSpPr/>
+          <p:nvPr/>
+        </p:nvSpPr>
+        <p:spPr>
+          <a:xfrm>
+            <a:off x="4354829" y="5893323"/>
+            <a:ext cx="254002" cy="225265"/>
+          </a:xfrm>
+          <a:prstGeom prst="ellipse">
+            <a:avLst/>
+          </a:prstGeom>
+          <a:noFill/>
+          <a:ln w="38100">
+            <a:solidFill>
+              <a:schemeClr val="accent1">
+                <a:lumMod val="60000"/>
+                <a:lumOff val="40000"/>
+              </a:schemeClr>
+            </a:solidFill>
+          </a:ln>
+        </p:spPr>
+        <p:style>
+          <a:lnRef idx="2">
+            <a:schemeClr val="accent1">
+              <a:shade val="50000"/>
+            </a:schemeClr>
+          </a:lnRef>
+          <a:fillRef idx="1">
+            <a:schemeClr val="accent1"/>
+          </a:fillRef>
+          <a:effectRef idx="0">
+            <a:schemeClr val="accent1"/>
+          </a:effectRef>
+          <a:fontRef idx="minor">
+            <a:schemeClr val="lt1"/>
+          </a:fontRef>
+        </p:style>
+        <p:txBody>
+          <a:bodyPr rtlCol="0" anchor="ctr"/>
+          <a:lstStyle/>
+          <a:p>
+            <a:pPr algn="ctr"/>
+            <a:endParaRPr lang="en-US"/>
           </a:p>
         </p:txBody>
       </p:sp>
     </p:spTree>
     <p:extLst>
       <p:ext uri="{BB962C8B-B14F-4D97-AF65-F5344CB8AC3E}">
-        <p14:creationId xmlns:p14="http://schemas.microsoft.com/office/powerpoint/2010/main" val="1234540890"/>
+        <p14:creationId xmlns:p14="http://schemas.microsoft.com/office/powerpoint/2010/main" val="475728299"/>
       </p:ext>
     </p:extLst>
   </p:cSld>
@@ -11153,7 +13996,7 @@
           <p:cNvPr id="2" name="Title 1">
             <a:extLst>
               <a:ext uri="{FF2B5EF4-FFF2-40B4-BE49-F238E27FC236}">
-                <a16:creationId xmlns:a16="http://schemas.microsoft.com/office/drawing/2014/main" id="{D9D8CB60-0A8C-9C4B-A752-E6E560BA3B7A}"/>
+                <a16:creationId xmlns:a16="http://schemas.microsoft.com/office/drawing/2014/main" id="{270EC188-A6EC-CA47-B52E-241DA02EA7A9}"/>
               </a:ext>
             </a:extLst>
           </p:cNvPr>
@@ -11171,7 +14014,7 @@
           <a:p>
             <a:r>
               <a:rPr lang="en-US" dirty="0"/>
-              <a:t>Pipelines </a:t>
+              <a:t>EDA and Feature Engineering </a:t>
             </a:r>
             <a:r>
               <a:rPr lang="en-US" sz="2400" dirty="0"/>
@@ -11196,7 +14039,7 @@
           <p:cNvPr id="3" name="Text Placeholder 2">
             <a:extLst>
               <a:ext uri="{FF2B5EF4-FFF2-40B4-BE49-F238E27FC236}">
-                <a16:creationId xmlns:a16="http://schemas.microsoft.com/office/drawing/2014/main" id="{5BDCF00A-B562-A54D-BF9D-1AE3FA38C9A2}"/>
+                <a16:creationId xmlns:a16="http://schemas.microsoft.com/office/drawing/2014/main" id="{FB175BCF-07D1-EC4F-B451-933F1AE1A4F3}"/>
               </a:ext>
             </a:extLst>
           </p:cNvPr>
@@ -11212,7 +14055,15 @@
           <a:bodyPr/>
           <a:lstStyle/>
           <a:p>
-            <a:endParaRPr lang="en-US"/>
+            <a:r>
+              <a:rPr lang="en-US" dirty="0"/>
+              <a:t>Correlation, Missing Data, </a:t>
+            </a:r>
+            <a:r>
+              <a:rPr lang="en-US" dirty="0" err="1"/>
+              <a:t>etc</a:t>
+            </a:r>
+            <a:endParaRPr lang="en-US" dirty="0"/>
           </a:p>
         </p:txBody>
       </p:sp>
@@ -11221,7 +14072,7 @@
           <p:cNvPr id="4" name="Content Placeholder 3">
             <a:extLst>
               <a:ext uri="{FF2B5EF4-FFF2-40B4-BE49-F238E27FC236}">
-                <a16:creationId xmlns:a16="http://schemas.microsoft.com/office/drawing/2014/main" id="{E7B95454-C76B-DC4E-8B7F-B8A3CFDCD7C8}"/>
+                <a16:creationId xmlns:a16="http://schemas.microsoft.com/office/drawing/2014/main" id="{FBCB5062-A64F-C148-B1C2-CEAC9BB01156}"/>
               </a:ext>
             </a:extLst>
           </p:cNvPr>
@@ -11232,12 +14083,22 @@
             <p:ph sz="half" idx="2"/>
           </p:nvPr>
         </p:nvSpPr>
-        <p:spPr/>
-        <p:txBody>
-          <a:bodyPr/>
+        <p:spPr>
+          <a:xfrm>
+            <a:off x="814729" y="2751138"/>
+            <a:ext cx="5189856" cy="3908454"/>
+          </a:xfrm>
+        </p:spPr>
+        <p:txBody>
+          <a:bodyPr>
+            <a:normAutofit/>
+          </a:bodyPr>
           <a:lstStyle/>
           <a:p>
-            <a:endParaRPr lang="en-US"/>
+            <a:r>
+              <a:rPr lang="en-US" dirty="0"/>
+              <a:t>TBD</a:t>
+            </a:r>
           </a:p>
         </p:txBody>
       </p:sp>
@@ -11246,7 +14107,7 @@
           <p:cNvPr id="5" name="Text Placeholder 4">
             <a:extLst>
               <a:ext uri="{FF2B5EF4-FFF2-40B4-BE49-F238E27FC236}">
-                <a16:creationId xmlns:a16="http://schemas.microsoft.com/office/drawing/2014/main" id="{20ADD62E-D885-B34E-9B41-F05823741C00}"/>
+                <a16:creationId xmlns:a16="http://schemas.microsoft.com/office/drawing/2014/main" id="{FAC477F1-4FBC-404B-AEEF-6A7653555993}"/>
               </a:ext>
             </a:extLst>
           </p:cNvPr>
@@ -11262,7 +14123,10 @@
           <a:bodyPr/>
           <a:lstStyle/>
           <a:p>
-            <a:endParaRPr lang="en-US"/>
+            <a:r>
+              <a:rPr lang="en-US" dirty="0"/>
+              <a:t>Feature Engineering</a:t>
+            </a:r>
           </a:p>
         </p:txBody>
       </p:sp>
@@ -11271,7 +14135,7 @@
           <p:cNvPr id="6" name="Content Placeholder 5">
             <a:extLst>
               <a:ext uri="{FF2B5EF4-FFF2-40B4-BE49-F238E27FC236}">
-                <a16:creationId xmlns:a16="http://schemas.microsoft.com/office/drawing/2014/main" id="{D4537803-017A-6C43-8965-23235FD67E2B}"/>
+                <a16:creationId xmlns:a16="http://schemas.microsoft.com/office/drawing/2014/main" id="{C3DC9D5F-B396-8A46-BF7D-C05C7AE76AFC}"/>
               </a:ext>
             </a:extLst>
           </p:cNvPr>
@@ -11282,19 +14146,29 @@
             <p:ph sz="quarter" idx="4"/>
           </p:nvPr>
         </p:nvSpPr>
-        <p:spPr/>
-        <p:txBody>
-          <a:bodyPr/>
+        <p:spPr>
+          <a:xfrm>
+            <a:off x="6187415" y="2751138"/>
+            <a:ext cx="5194583" cy="3908454"/>
+          </a:xfrm>
+        </p:spPr>
+        <p:txBody>
+          <a:bodyPr>
+            <a:normAutofit/>
+          </a:bodyPr>
           <a:lstStyle/>
           <a:p>
-            <a:endParaRPr lang="en-US"/>
+            <a:r>
+              <a:rPr lang="en-US" dirty="0"/>
+              <a:t>Describe transformer</a:t>
+            </a:r>
           </a:p>
         </p:txBody>
       </p:sp>
     </p:spTree>
     <p:extLst>
       <p:ext uri="{BB962C8B-B14F-4D97-AF65-F5344CB8AC3E}">
-        <p14:creationId xmlns:p14="http://schemas.microsoft.com/office/powerpoint/2010/main" val="1994469208"/>
+        <p14:creationId xmlns:p14="http://schemas.microsoft.com/office/powerpoint/2010/main" val="1234540890"/>
       </p:ext>
     </p:extLst>
   </p:cSld>
@@ -11326,7 +14200,7 @@
           <p:cNvPr id="2" name="Title 1">
             <a:extLst>
               <a:ext uri="{FF2B5EF4-FFF2-40B4-BE49-F238E27FC236}">
-                <a16:creationId xmlns:a16="http://schemas.microsoft.com/office/drawing/2014/main" id="{0CAFC94C-B8F1-2F46-8429-1C6AC60091C5}"/>
+                <a16:creationId xmlns:a16="http://schemas.microsoft.com/office/drawing/2014/main" id="{D9D8CB60-0A8C-9C4B-A752-E6E560BA3B7A}"/>
               </a:ext>
             </a:extLst>
           </p:cNvPr>
@@ -11344,7 +14218,7 @@
           <a:p>
             <a:r>
               <a:rPr lang="en-US" dirty="0"/>
-              <a:t>Models </a:t>
+              <a:t>Pipelines </a:t>
             </a:r>
             <a:r>
               <a:rPr lang="en-US" sz="2400" dirty="0"/>
@@ -11358,7 +14232,7 @@
                   </a:schemeClr>
                 </a:solidFill>
               </a:rPr>
-              <a:t>Mangesh</a:t>
+              <a:t>Lauren</a:t>
             </a:r>
             <a:endParaRPr lang="en-US" sz="2400" dirty="0"/>
           </a:p>
@@ -11369,7 +14243,7 @@
           <p:cNvPr id="3" name="Text Placeholder 2">
             <a:extLst>
               <a:ext uri="{FF2B5EF4-FFF2-40B4-BE49-F238E27FC236}">
-                <a16:creationId xmlns:a16="http://schemas.microsoft.com/office/drawing/2014/main" id="{20A48431-64F0-3A41-9438-12793F22BE0C}"/>
+                <a16:creationId xmlns:a16="http://schemas.microsoft.com/office/drawing/2014/main" id="{5BDCF00A-B562-A54D-BF9D-1AE3FA38C9A2}"/>
               </a:ext>
             </a:extLst>
           </p:cNvPr>
@@ -11385,10 +14259,7 @@
           <a:bodyPr/>
           <a:lstStyle/>
           <a:p>
-            <a:r>
-              <a:rPr lang="en-US" dirty="0"/>
-              <a:t>Bounding Box Prediction</a:t>
-            </a:r>
+            <a:endParaRPr lang="en-US"/>
           </a:p>
         </p:txBody>
       </p:sp>
@@ -11397,7 +14268,7 @@
           <p:cNvPr id="4" name="Content Placeholder 3">
             <a:extLst>
               <a:ext uri="{FF2B5EF4-FFF2-40B4-BE49-F238E27FC236}">
-                <a16:creationId xmlns:a16="http://schemas.microsoft.com/office/drawing/2014/main" id="{7E935AF4-F7C7-9748-99D9-82C158F6E60A}"/>
+                <a16:creationId xmlns:a16="http://schemas.microsoft.com/office/drawing/2014/main" id="{E7B95454-C76B-DC4E-8B7F-B8A3CFDCD7C8}"/>
               </a:ext>
             </a:extLst>
           </p:cNvPr>
@@ -11413,51 +14284,7 @@
           <a:bodyPr/>
           <a:lstStyle/>
           <a:p>
-            <a:pPr marL="0" indent="0">
-              <a:buNone/>
-            </a:pPr>
-            <a:r>
-              <a:rPr lang="en-US" dirty="0"/>
-              <a:t>3 models evaluated with </a:t>
-            </a:r>
-            <a:r>
-              <a:rPr lang="en-US" dirty="0" err="1"/>
-              <a:t>GridSearchCV</a:t>
-            </a:r>
-            <a:r>
-              <a:rPr lang="en-US" dirty="0"/>
-              <a:t> and different alpha parameters and KNN parameters.</a:t>
-            </a:r>
-          </a:p>
-          <a:p>
-            <a:r>
-              <a:rPr lang="en-US" dirty="0"/>
-              <a:t>Lasso Linear Regression</a:t>
-            </a:r>
-          </a:p>
-          <a:p>
-            <a:r>
-              <a:rPr lang="en-US" dirty="0"/>
-              <a:t>Ridge Linear Regression</a:t>
-            </a:r>
-          </a:p>
-          <a:p>
-            <a:r>
-              <a:rPr lang="en-US" dirty="0"/>
-              <a:t>K Nearest Neighbor</a:t>
-            </a:r>
-          </a:p>
-          <a:p>
-            <a:endParaRPr lang="en-US" dirty="0"/>
-          </a:p>
-          <a:p>
-            <a:pPr marL="0" indent="0">
-              <a:buNone/>
-            </a:pPr>
-            <a:r>
-              <a:rPr lang="en-US" dirty="0"/>
-              <a:t>Best model: Lasso LR with alpha = 10</a:t>
-            </a:r>
+            <a:endParaRPr lang="en-US"/>
           </a:p>
         </p:txBody>
       </p:sp>
@@ -11466,7 +14293,7 @@
           <p:cNvPr id="5" name="Text Placeholder 4">
             <a:extLst>
               <a:ext uri="{FF2B5EF4-FFF2-40B4-BE49-F238E27FC236}">
-                <a16:creationId xmlns:a16="http://schemas.microsoft.com/office/drawing/2014/main" id="{7E4336B0-BB02-A142-A285-FD9A822C128D}"/>
+                <a16:creationId xmlns:a16="http://schemas.microsoft.com/office/drawing/2014/main" id="{20ADD62E-D885-B34E-9B41-F05823741C00}"/>
               </a:ext>
             </a:extLst>
           </p:cNvPr>
@@ -11482,10 +14309,7 @@
           <a:bodyPr/>
           <a:lstStyle/>
           <a:p>
-            <a:r>
-              <a:rPr lang="en-US" dirty="0"/>
-              <a:t>Classification</a:t>
-            </a:r>
+            <a:endParaRPr lang="en-US"/>
           </a:p>
         </p:txBody>
       </p:sp>
@@ -11494,7 +14318,7 @@
           <p:cNvPr id="6" name="Content Placeholder 5">
             <a:extLst>
               <a:ext uri="{FF2B5EF4-FFF2-40B4-BE49-F238E27FC236}">
-                <a16:creationId xmlns:a16="http://schemas.microsoft.com/office/drawing/2014/main" id="{D12C8C3A-B4EC-FE46-AD92-3ADD3B823098}"/>
+                <a16:creationId xmlns:a16="http://schemas.microsoft.com/office/drawing/2014/main" id="{D4537803-017A-6C43-8965-23235FD67E2B}"/>
               </a:ext>
             </a:extLst>
           </p:cNvPr>
@@ -11510,36 +14334,14 @@
           <a:bodyPr/>
           <a:lstStyle/>
           <a:p>
-            <a:r>
-              <a:rPr lang="en-US" dirty="0" err="1"/>
-              <a:t>SKLearn</a:t>
-            </a:r>
-            <a:r>
-              <a:rPr lang="en-US" dirty="0"/>
-              <a:t> Logistic Regression model</a:t>
-            </a:r>
-          </a:p>
-          <a:p>
-            <a:r>
-              <a:rPr lang="en-US" dirty="0"/>
-              <a:t>Homegrown Logistic Regression model using gradient descent</a:t>
-            </a:r>
-          </a:p>
-          <a:p>
-            <a:pPr marL="0" indent="0">
-              <a:buNone/>
-            </a:pPr>
-            <a:r>
-              <a:rPr lang="en-US" dirty="0"/>
-              <a:t>We did not have sufficient time to perform CV on these two models, but ran them both through training and test sets to compare predictions and performance.</a:t>
-            </a:r>
+            <a:endParaRPr lang="en-US"/>
           </a:p>
         </p:txBody>
       </p:sp>
     </p:spTree>
     <p:extLst>
       <p:ext uri="{BB962C8B-B14F-4D97-AF65-F5344CB8AC3E}">
-        <p14:creationId xmlns:p14="http://schemas.microsoft.com/office/powerpoint/2010/main" val="4092814027"/>
+        <p14:creationId xmlns:p14="http://schemas.microsoft.com/office/powerpoint/2010/main" val="1994469208"/>
       </p:ext>
     </p:extLst>
   </p:cSld>
@@ -11589,7 +14391,7 @@
           <a:p>
             <a:r>
               <a:rPr lang="en-US" dirty="0"/>
-              <a:t>Metrics, Results, Discussion </a:t>
+              <a:t>Models </a:t>
             </a:r>
             <a:r>
               <a:rPr lang="en-US" sz="2400" dirty="0"/>
@@ -11603,7 +14405,7 @@
                   </a:schemeClr>
                 </a:solidFill>
               </a:rPr>
-              <a:t>Ben</a:t>
+              <a:t>Mangesh</a:t>
             </a:r>
             <a:endParaRPr lang="en-US" sz="2400" dirty="0"/>
           </a:p>
@@ -11630,9 +14432,10 @@
           <a:bodyPr/>
           <a:lstStyle/>
           <a:p>
-            <a:r>
-              <a:rPr lang="en-US" dirty="0"/>
-              <a:t>Results Summary</a:t>
+            <a:pPr algn="l"/>
+            <a:r>
+              <a:rPr lang="en-US" b="1" dirty="0"/>
+              <a:t>Bounding Box Prediction Models</a:t>
             </a:r>
           </a:p>
         </p:txBody>
@@ -11653,32 +14456,24 @@
             <p:ph sz="half" idx="2"/>
           </p:nvPr>
         </p:nvSpPr>
-        <p:spPr/>
-        <p:txBody>
-          <a:bodyPr/>
+        <p:spPr>
+          <a:xfrm>
+            <a:off x="814729" y="2751138"/>
+            <a:ext cx="5189856" cy="3409632"/>
+          </a:xfrm>
+        </p:spPr>
+        <p:txBody>
+          <a:bodyPr>
+            <a:normAutofit/>
+          </a:bodyPr>
           <a:lstStyle/>
           <a:p>
+            <a:pPr marL="0" indent="0">
+              <a:buNone/>
+            </a:pPr>
             <a:r>
               <a:rPr lang="en-US" dirty="0"/>
-              <a:t>Explain</a:t>
-            </a:r>
-          </a:p>
-          <a:p>
-            <a:r>
-              <a:rPr lang="en-US" dirty="0"/>
-              <a:t>Analyze</a:t>
-            </a:r>
-          </a:p>
-          <a:p>
-            <a:r>
-              <a:rPr lang="en-US" dirty="0"/>
-              <a:t>Compare</a:t>
-            </a:r>
-          </a:p>
-          <a:p>
-            <a:r>
-              <a:rPr lang="en-US" dirty="0"/>
-              <a:t>Outcomes to be discussed</a:t>
+              <a:t>describe</a:t>
             </a:r>
           </a:p>
         </p:txBody>
@@ -11704,9 +14499,10 @@
           <a:bodyPr/>
           <a:lstStyle/>
           <a:p>
-            <a:r>
-              <a:rPr lang="en-US" dirty="0"/>
-              <a:t>Discussion</a:t>
+            <a:pPr algn="l"/>
+            <a:r>
+              <a:rPr lang="en-US" b="1" dirty="0"/>
+              <a:t>Classification Models</a:t>
             </a:r>
           </a:p>
         </p:txBody>
@@ -11729,12 +14525,17 @@
         </p:nvSpPr>
         <p:spPr/>
         <p:txBody>
-          <a:bodyPr/>
+          <a:bodyPr>
+            <a:normAutofit/>
+          </a:bodyPr>
           <a:lstStyle/>
           <a:p>
+            <a:pPr marL="0" indent="0">
+              <a:buNone/>
+            </a:pPr>
             <a:r>
               <a:rPr lang="en-US" dirty="0"/>
-              <a:t>Discussion for any of the results to the left</a:t>
+              <a:t>describe</a:t>
             </a:r>
           </a:p>
         </p:txBody>
@@ -11742,7 +14543,7 @@
     </p:spTree>
     <p:extLst>
       <p:ext uri="{BB962C8B-B14F-4D97-AF65-F5344CB8AC3E}">
-        <p14:creationId xmlns:p14="http://schemas.microsoft.com/office/powerpoint/2010/main" val="3656580415"/>
+        <p14:creationId xmlns:p14="http://schemas.microsoft.com/office/powerpoint/2010/main" val="2995467700"/>
       </p:ext>
     </p:extLst>
   </p:cSld>

--- a/other/Group2_Phase1.pptx
+++ b/other/Group2_Phase1.pptx
@@ -5,22 +5,23 @@
     <p:sldMasterId id="2147483660" r:id="rId1"/>
   </p:sldMasterIdLst>
   <p:notesMasterIdLst>
-    <p:notesMasterId r:id="rId15"/>
+    <p:notesMasterId r:id="rId16"/>
   </p:notesMasterIdLst>
   <p:sldIdLst>
     <p:sldId id="256" r:id="rId2"/>
     <p:sldId id="257" r:id="rId3"/>
     <p:sldId id="264" r:id="rId4"/>
-    <p:sldId id="258" r:id="rId5"/>
-    <p:sldId id="267" r:id="rId6"/>
-    <p:sldId id="263" r:id="rId7"/>
-    <p:sldId id="259" r:id="rId8"/>
-    <p:sldId id="260" r:id="rId9"/>
-    <p:sldId id="268" r:id="rId10"/>
-    <p:sldId id="261" r:id="rId11"/>
-    <p:sldId id="265" r:id="rId12"/>
-    <p:sldId id="266" r:id="rId13"/>
-    <p:sldId id="262" r:id="rId14"/>
+    <p:sldId id="269" r:id="rId5"/>
+    <p:sldId id="258" r:id="rId6"/>
+    <p:sldId id="267" r:id="rId7"/>
+    <p:sldId id="263" r:id="rId8"/>
+    <p:sldId id="259" r:id="rId9"/>
+    <p:sldId id="260" r:id="rId10"/>
+    <p:sldId id="268" r:id="rId11"/>
+    <p:sldId id="261" r:id="rId12"/>
+    <p:sldId id="265" r:id="rId13"/>
+    <p:sldId id="266" r:id="rId14"/>
+    <p:sldId id="262" r:id="rId15"/>
   </p:sldIdLst>
   <p:sldSz cx="12192000" cy="6858000"/>
   <p:notesSz cx="6858000" cy="9144000"/>
@@ -988,7 +989,7 @@
     </p:spTree>
     <p:extLst>
       <p:ext uri="{BB962C8B-B14F-4D97-AF65-F5344CB8AC3E}">
-        <p14:creationId xmlns:p14="http://schemas.microsoft.com/office/powerpoint/2010/main" val="710768679"/>
+        <p14:creationId xmlns:p14="http://schemas.microsoft.com/office/powerpoint/2010/main" val="3148085847"/>
       </p:ext>
     </p:extLst>
   </p:cSld>
@@ -1223,7 +1224,7 @@
     </p:spTree>
     <p:extLst>
       <p:ext uri="{BB962C8B-B14F-4D97-AF65-F5344CB8AC3E}">
-        <p14:creationId xmlns:p14="http://schemas.microsoft.com/office/powerpoint/2010/main" val="2487888159"/>
+        <p14:creationId xmlns:p14="http://schemas.microsoft.com/office/powerpoint/2010/main" val="710768679"/>
       </p:ext>
     </p:extLst>
   </p:cSld>
@@ -1295,28 +1296,78 @@
               <a:defRPr/>
             </a:pPr>
             <a:r>
-              <a:rPr lang="en-US" sz="1200" b="0" i="0" kern="1200" dirty="0" err="1">
-                <a:solidFill>
-                  <a:schemeClr val="tx1"/>
-                </a:solidFill>
-                <a:effectLst/>
-                <a:latin typeface="+mn-lt"/>
-                <a:ea typeface="+mn-ea"/>
-                <a:cs typeface="+mn-cs"/>
-              </a:rPr>
-              <a:t>ConclusionExpectations</a:t>
-            </a:r>
-            <a:r>
-              <a:rPr lang="en-US" sz="1200" b="0" i="0" kern="1200" dirty="0">
-                <a:solidFill>
-                  <a:schemeClr val="tx1"/>
-                </a:solidFill>
-                <a:effectLst/>
-                <a:latin typeface="+mn-lt"/>
-                <a:ea typeface="+mn-ea"/>
-                <a:cs typeface="+mn-cs"/>
-              </a:rPr>
-              <a:t> here are to address the following following in your conclusion (in about 150 words) in a main section by itself:</a:t>
+              <a:rPr lang="en-US" sz="1200" b="0" i="0" kern="1200" dirty="0">
+                <a:solidFill>
+                  <a:schemeClr val="tx1"/>
+                </a:solidFill>
+                <a:effectLst/>
+                <a:latin typeface="+mn-lt"/>
+                <a:ea typeface="+mn-ea"/>
+                <a:cs typeface="+mn-cs"/>
+              </a:rPr>
+              <a:t>This criterion is linked to a Learning Outcome</a:t>
+            </a:r>
+          </a:p>
+          <a:p>
+            <a:pPr marL="0" marR="0" lvl="0" indent="0" algn="l" defTabSz="914400" rtl="0" eaLnBrk="1" fontAlgn="auto" latinLnBrk="0" hangingPunct="1">
+              <a:lnSpc>
+                <a:spcPct val="100000"/>
+              </a:lnSpc>
+              <a:spcBef>
+                <a:spcPts val="0"/>
+              </a:spcBef>
+              <a:spcAft>
+                <a:spcPts val="0"/>
+              </a:spcAft>
+              <a:buClrTx/>
+              <a:buSzTx/>
+              <a:buFontTx/>
+              <a:buNone/>
+              <a:tabLst/>
+              <a:defRPr/>
+            </a:pPr>
+            <a:r>
+              <a:rPr lang="en-US" sz="1200" b="0" i="0" kern="1200" dirty="0">
+                <a:solidFill>
+                  <a:schemeClr val="tx1"/>
+                </a:solidFill>
+                <a:effectLst/>
+                <a:latin typeface="+mn-lt"/>
+                <a:ea typeface="+mn-ea"/>
+                <a:cs typeface="+mn-cs"/>
+              </a:rPr>
+              <a:t>Results and discussion of results</a:t>
+            </a:r>
+          </a:p>
+          <a:p>
+            <a:pPr marL="0" marR="0" lvl="0" indent="0" algn="l" defTabSz="914400" rtl="0" eaLnBrk="1" fontAlgn="auto" latinLnBrk="0" hangingPunct="1">
+              <a:lnSpc>
+                <a:spcPct val="100000"/>
+              </a:lnSpc>
+              <a:spcBef>
+                <a:spcPts val="0"/>
+              </a:spcBef>
+              <a:spcAft>
+                <a:spcPts val="0"/>
+              </a:spcAft>
+              <a:buClrTx/>
+              <a:buSzTx/>
+              <a:buFontTx/>
+              <a:buNone/>
+              <a:tabLst/>
+              <a:defRPr/>
+            </a:pPr>
+            <a:r>
+              <a:rPr lang="en-US" sz="1200" b="0" i="0" kern="1200" dirty="0">
+                <a:solidFill>
+                  <a:schemeClr val="tx1"/>
+                </a:solidFill>
+                <a:effectLst/>
+                <a:latin typeface="+mn-lt"/>
+                <a:ea typeface="+mn-ea"/>
+                <a:cs typeface="+mn-cs"/>
+              </a:rPr>
+              <a:t>Expectations here are to provide the following in sections and subsections:</a:t>
             </a:r>
             <a:br>
               <a:rPr lang="en-US" sz="1200" b="0" i="0" kern="1200" dirty="0">
@@ -1350,143 +1401,31 @@
                 <a:ea typeface="+mn-ea"/>
                 <a:cs typeface="+mn-cs"/>
               </a:rPr>
-              <a:t>-- Restate your project focus explain why it’s important. Make sure that this part of the conclusion is concise and clear.</a:t>
-            </a:r>
-            <a:br>
-              <a:rPr lang="en-US" sz="1200" b="0" i="0" kern="1200" dirty="0">
-                <a:solidFill>
-                  <a:schemeClr val="tx1"/>
-                </a:solidFill>
-                <a:effectLst/>
-                <a:latin typeface="+mn-lt"/>
-                <a:ea typeface="+mn-ea"/>
-                <a:cs typeface="+mn-cs"/>
-              </a:rPr>
-            </a:br>
-            <a:br>
-              <a:rPr lang="en-US" sz="1200" b="0" i="0" kern="1200" dirty="0">
-                <a:solidFill>
-                  <a:schemeClr val="tx1"/>
-                </a:solidFill>
-                <a:effectLst/>
-                <a:latin typeface="+mn-lt"/>
-                <a:ea typeface="+mn-ea"/>
-                <a:cs typeface="+mn-cs"/>
-              </a:rPr>
-            </a:br>
-            <a:r>
-              <a:rPr lang="en-US" sz="1200" b="0" i="0" kern="1200" dirty="0">
-                <a:solidFill>
-                  <a:schemeClr val="tx1"/>
-                </a:solidFill>
-                <a:effectLst/>
-                <a:latin typeface="+mn-lt"/>
-                <a:ea typeface="+mn-ea"/>
-                <a:cs typeface="+mn-cs"/>
-              </a:rPr>
-              <a:t>-- Restate your hypothesis (e.g., ML pipelines with custom features can accurately forecast box office returns)</a:t>
-            </a:r>
-            <a:br>
-              <a:rPr lang="en-US" sz="1200" b="0" i="0" kern="1200" dirty="0">
-                <a:solidFill>
-                  <a:schemeClr val="tx1"/>
-                </a:solidFill>
-                <a:effectLst/>
-                <a:latin typeface="+mn-lt"/>
-                <a:ea typeface="+mn-ea"/>
-                <a:cs typeface="+mn-cs"/>
-              </a:rPr>
-            </a:br>
-            <a:br>
-              <a:rPr lang="en-US" sz="1200" b="0" i="0" kern="1200" dirty="0">
-                <a:solidFill>
-                  <a:schemeClr val="tx1"/>
-                </a:solidFill>
-                <a:effectLst/>
-                <a:latin typeface="+mn-lt"/>
-                <a:ea typeface="+mn-ea"/>
-                <a:cs typeface="+mn-cs"/>
-              </a:rPr>
-            </a:br>
-            <a:r>
-              <a:rPr lang="en-US" sz="1200" b="0" i="0" kern="1200" dirty="0">
-                <a:solidFill>
-                  <a:schemeClr val="tx1"/>
-                </a:solidFill>
-                <a:effectLst/>
-                <a:latin typeface="+mn-lt"/>
-                <a:ea typeface="+mn-ea"/>
-                <a:cs typeface="+mn-cs"/>
-              </a:rPr>
-              <a:t>-- Summarize main points of your project: Remind your readers your key points.</a:t>
-            </a:r>
-            <a:br>
-              <a:rPr lang="en-US" sz="1200" b="0" i="0" kern="1200" dirty="0">
-                <a:solidFill>
-                  <a:schemeClr val="tx1"/>
-                </a:solidFill>
-                <a:effectLst/>
-                <a:latin typeface="+mn-lt"/>
-                <a:ea typeface="+mn-ea"/>
-                <a:cs typeface="+mn-cs"/>
-              </a:rPr>
-            </a:br>
-            <a:br>
-              <a:rPr lang="en-US" sz="1200" b="0" i="0" kern="1200" dirty="0">
-                <a:solidFill>
-                  <a:schemeClr val="tx1"/>
-                </a:solidFill>
-                <a:effectLst/>
-                <a:latin typeface="+mn-lt"/>
-                <a:ea typeface="+mn-ea"/>
-                <a:cs typeface="+mn-cs"/>
-              </a:rPr>
-            </a:br>
-            <a:r>
-              <a:rPr lang="en-US" sz="1200" b="0" i="0" kern="1200" dirty="0">
-                <a:solidFill>
-                  <a:schemeClr val="tx1"/>
-                </a:solidFill>
-                <a:effectLst/>
-                <a:latin typeface="+mn-lt"/>
-                <a:ea typeface="+mn-ea"/>
-                <a:cs typeface="+mn-cs"/>
-              </a:rPr>
-              <a:t>-- Discuss the significance of your results</a:t>
-            </a:r>
-            <a:br>
-              <a:rPr lang="en-US" sz="1200" b="0" i="0" kern="1200" dirty="0">
-                <a:solidFill>
-                  <a:schemeClr val="tx1"/>
-                </a:solidFill>
-                <a:effectLst/>
-                <a:latin typeface="+mn-lt"/>
-                <a:ea typeface="+mn-ea"/>
-                <a:cs typeface="+mn-cs"/>
-              </a:rPr>
-            </a:br>
-            <a:br>
-              <a:rPr lang="en-US" sz="1200" b="0" i="0" kern="1200" dirty="0">
-                <a:solidFill>
-                  <a:schemeClr val="tx1"/>
-                </a:solidFill>
-                <a:effectLst/>
-                <a:latin typeface="+mn-lt"/>
-                <a:ea typeface="+mn-ea"/>
-                <a:cs typeface="+mn-cs"/>
-              </a:rPr>
-            </a:br>
-            <a:r>
-              <a:rPr lang="en-US" sz="1200" b="0" i="0" kern="1200" dirty="0">
-                <a:solidFill>
-                  <a:schemeClr val="tx1"/>
-                </a:solidFill>
-                <a:effectLst/>
-                <a:latin typeface="+mn-lt"/>
-                <a:ea typeface="+mn-ea"/>
-                <a:cs typeface="+mn-cs"/>
-              </a:rPr>
-              <a:t>-- Discuss the future of your project and closing thoughts.</a:t>
+              <a:t>Discussion’s aim is result interpretation, which means explain, </a:t>
+            </a:r>
+            <a:r>
+              <a:rPr lang="en-US" sz="1200" b="0" i="0" kern="1200" dirty="0" err="1">
+                <a:solidFill>
+                  <a:schemeClr val="tx1"/>
+                </a:solidFill>
+                <a:effectLst/>
+                <a:latin typeface="+mn-lt"/>
+                <a:ea typeface="+mn-ea"/>
+                <a:cs typeface="+mn-cs"/>
+              </a:rPr>
+              <a:t>analyse</a:t>
+            </a:r>
+            <a:r>
+              <a:rPr lang="en-US" sz="1200" b="0" i="0" kern="1200" dirty="0">
+                <a:solidFill>
+                  <a:schemeClr val="tx1"/>
+                </a:solidFill>
+                <a:effectLst/>
+                <a:latin typeface="+mn-lt"/>
+                <a:ea typeface="+mn-ea"/>
+                <a:cs typeface="+mn-cs"/>
+              </a:rPr>
+              <a:t>, and compare them. Often, this part is the most important, simply because it lets the researcher take a step back and give a broader look at the experiment. Do not discuss any outcomes not presented in the results part.</a:t>
             </a:r>
           </a:p>
           <a:p>
@@ -1512,6 +1451,303 @@
             <a:fld id="{25E2E259-F0C1-274B-BB83-2518BC0EEFC9}" type="slidenum">
               <a:rPr lang="en-US" smtClean="0"/>
               <a:t>13</a:t>
+            </a:fld>
+            <a:endParaRPr lang="en-US"/>
+          </a:p>
+        </p:txBody>
+      </p:sp>
+    </p:spTree>
+    <p:extLst>
+      <p:ext uri="{BB962C8B-B14F-4D97-AF65-F5344CB8AC3E}">
+        <p14:creationId xmlns:p14="http://schemas.microsoft.com/office/powerpoint/2010/main" val="2487888159"/>
+      </p:ext>
+    </p:extLst>
+  </p:cSld>
+  <p:clrMapOvr>
+    <a:masterClrMapping/>
+  </p:clrMapOvr>
+</p:notes>
+</file>
+
+<file path=ppt/notesSlides/notesSlide13.xml><?xml version="1.0" encoding="utf-8"?>
+<p:notes xmlns:a="http://schemas.openxmlformats.org/drawingml/2006/main" xmlns:r="http://schemas.openxmlformats.org/officeDocument/2006/relationships" xmlns:p="http://schemas.openxmlformats.org/presentationml/2006/main">
+  <p:cSld>
+    <p:spTree>
+      <p:nvGrpSpPr>
+        <p:cNvPr id="1" name=""/>
+        <p:cNvGrpSpPr/>
+        <p:nvPr/>
+      </p:nvGrpSpPr>
+      <p:grpSpPr>
+        <a:xfrm>
+          <a:off x="0" y="0"/>
+          <a:ext cx="0" cy="0"/>
+          <a:chOff x="0" y="0"/>
+          <a:chExt cx="0" cy="0"/>
+        </a:xfrm>
+      </p:grpSpPr>
+      <p:sp>
+        <p:nvSpPr>
+          <p:cNvPr id="2" name="Slide Image Placeholder 1"/>
+          <p:cNvSpPr>
+            <a:spLocks noGrp="1" noRot="1" noChangeAspect="1"/>
+          </p:cNvSpPr>
+          <p:nvPr>
+            <p:ph type="sldImg"/>
+          </p:nvPr>
+        </p:nvSpPr>
+        <p:spPr/>
+      </p:sp>
+      <p:sp>
+        <p:nvSpPr>
+          <p:cNvPr id="3" name="Notes Placeholder 2"/>
+          <p:cNvSpPr>
+            <a:spLocks noGrp="1"/>
+          </p:cNvSpPr>
+          <p:nvPr>
+            <p:ph type="body" idx="1"/>
+          </p:nvPr>
+        </p:nvSpPr>
+        <p:spPr/>
+        <p:txBody>
+          <a:bodyPr/>
+          <a:lstStyle/>
+          <a:p>
+            <a:pPr marL="0" marR="0" lvl="0" indent="0" algn="l" defTabSz="914400" rtl="0" eaLnBrk="1" fontAlgn="auto" latinLnBrk="0" hangingPunct="1">
+              <a:lnSpc>
+                <a:spcPct val="100000"/>
+              </a:lnSpc>
+              <a:spcBef>
+                <a:spcPts val="0"/>
+              </a:spcBef>
+              <a:spcAft>
+                <a:spcPts val="0"/>
+              </a:spcAft>
+              <a:buClrTx/>
+              <a:buSzTx/>
+              <a:buFontTx/>
+              <a:buNone/>
+              <a:tabLst/>
+              <a:defRPr/>
+            </a:pPr>
+            <a:r>
+              <a:rPr lang="en-US" sz="1200" b="0" i="0" kern="1200" dirty="0" err="1">
+                <a:solidFill>
+                  <a:schemeClr val="tx1"/>
+                </a:solidFill>
+                <a:effectLst/>
+                <a:latin typeface="+mn-lt"/>
+                <a:ea typeface="+mn-ea"/>
+                <a:cs typeface="+mn-cs"/>
+              </a:rPr>
+              <a:t>ConclusionExpectations</a:t>
+            </a:r>
+            <a:r>
+              <a:rPr lang="en-US" sz="1200" b="0" i="0" kern="1200" dirty="0">
+                <a:solidFill>
+                  <a:schemeClr val="tx1"/>
+                </a:solidFill>
+                <a:effectLst/>
+                <a:latin typeface="+mn-lt"/>
+                <a:ea typeface="+mn-ea"/>
+                <a:cs typeface="+mn-cs"/>
+              </a:rPr>
+              <a:t> here are to address the following following in your conclusion (in about 150 words) in a main section by itself:</a:t>
+            </a:r>
+            <a:br>
+              <a:rPr lang="en-US" sz="1200" b="0" i="0" kern="1200" dirty="0">
+                <a:solidFill>
+                  <a:schemeClr val="tx1"/>
+                </a:solidFill>
+                <a:effectLst/>
+                <a:latin typeface="+mn-lt"/>
+                <a:ea typeface="+mn-ea"/>
+                <a:cs typeface="+mn-cs"/>
+              </a:rPr>
+            </a:br>
+            <a:br>
+              <a:rPr lang="en-US" sz="1200" b="0" i="0" kern="1200" dirty="0">
+                <a:solidFill>
+                  <a:schemeClr val="tx1"/>
+                </a:solidFill>
+                <a:effectLst/>
+                <a:latin typeface="+mn-lt"/>
+                <a:ea typeface="+mn-ea"/>
+                <a:cs typeface="+mn-cs"/>
+              </a:rPr>
+            </a:br>
+            <a:r>
+              <a:rPr lang="en-US" sz="1200" b="0" i="0" kern="1200" dirty="0">
+                <a:solidFill>
+                  <a:schemeClr val="tx1"/>
+                </a:solidFill>
+                <a:effectLst/>
+                <a:latin typeface="+mn-lt"/>
+                <a:ea typeface="+mn-ea"/>
+                <a:cs typeface="+mn-cs"/>
+              </a:rPr>
+              <a:t>-- Restate your project focus explain why it’s important. Make sure that this part of the conclusion is concise and clear.</a:t>
+            </a:r>
+            <a:br>
+              <a:rPr lang="en-US" sz="1200" b="0" i="0" kern="1200" dirty="0">
+                <a:solidFill>
+                  <a:schemeClr val="tx1"/>
+                </a:solidFill>
+                <a:effectLst/>
+                <a:latin typeface="+mn-lt"/>
+                <a:ea typeface="+mn-ea"/>
+                <a:cs typeface="+mn-cs"/>
+              </a:rPr>
+            </a:br>
+            <a:br>
+              <a:rPr lang="en-US" sz="1200" b="0" i="0" kern="1200" dirty="0">
+                <a:solidFill>
+                  <a:schemeClr val="tx1"/>
+                </a:solidFill>
+                <a:effectLst/>
+                <a:latin typeface="+mn-lt"/>
+                <a:ea typeface="+mn-ea"/>
+                <a:cs typeface="+mn-cs"/>
+              </a:rPr>
+            </a:br>
+            <a:r>
+              <a:rPr lang="en-US" sz="1200" b="0" i="0" kern="1200" dirty="0">
+                <a:solidFill>
+                  <a:schemeClr val="tx1"/>
+                </a:solidFill>
+                <a:effectLst/>
+                <a:latin typeface="+mn-lt"/>
+                <a:ea typeface="+mn-ea"/>
+                <a:cs typeface="+mn-cs"/>
+              </a:rPr>
+              <a:t>-- Restate your hypothesis (e.g., ML pipelines with custom features can accurately forecast box office returns)</a:t>
+            </a:r>
+            <a:br>
+              <a:rPr lang="en-US" sz="1200" b="0" i="0" kern="1200" dirty="0">
+                <a:solidFill>
+                  <a:schemeClr val="tx1"/>
+                </a:solidFill>
+                <a:effectLst/>
+                <a:latin typeface="+mn-lt"/>
+                <a:ea typeface="+mn-ea"/>
+                <a:cs typeface="+mn-cs"/>
+              </a:rPr>
+            </a:br>
+            <a:br>
+              <a:rPr lang="en-US" sz="1200" b="0" i="0" kern="1200" dirty="0">
+                <a:solidFill>
+                  <a:schemeClr val="tx1"/>
+                </a:solidFill>
+                <a:effectLst/>
+                <a:latin typeface="+mn-lt"/>
+                <a:ea typeface="+mn-ea"/>
+                <a:cs typeface="+mn-cs"/>
+              </a:rPr>
+            </a:br>
+            <a:r>
+              <a:rPr lang="en-US" sz="1200" b="0" i="0" kern="1200" dirty="0">
+                <a:solidFill>
+                  <a:schemeClr val="tx1"/>
+                </a:solidFill>
+                <a:effectLst/>
+                <a:latin typeface="+mn-lt"/>
+                <a:ea typeface="+mn-ea"/>
+                <a:cs typeface="+mn-cs"/>
+              </a:rPr>
+              <a:t>-- Summarize main points of your project: Remind your readers your key points.</a:t>
+            </a:r>
+            <a:br>
+              <a:rPr lang="en-US" sz="1200" b="0" i="0" kern="1200" dirty="0">
+                <a:solidFill>
+                  <a:schemeClr val="tx1"/>
+                </a:solidFill>
+                <a:effectLst/>
+                <a:latin typeface="+mn-lt"/>
+                <a:ea typeface="+mn-ea"/>
+                <a:cs typeface="+mn-cs"/>
+              </a:rPr>
+            </a:br>
+            <a:br>
+              <a:rPr lang="en-US" sz="1200" b="0" i="0" kern="1200" dirty="0">
+                <a:solidFill>
+                  <a:schemeClr val="tx1"/>
+                </a:solidFill>
+                <a:effectLst/>
+                <a:latin typeface="+mn-lt"/>
+                <a:ea typeface="+mn-ea"/>
+                <a:cs typeface="+mn-cs"/>
+              </a:rPr>
+            </a:br>
+            <a:r>
+              <a:rPr lang="en-US" sz="1200" b="0" i="0" kern="1200" dirty="0">
+                <a:solidFill>
+                  <a:schemeClr val="tx1"/>
+                </a:solidFill>
+                <a:effectLst/>
+                <a:latin typeface="+mn-lt"/>
+                <a:ea typeface="+mn-ea"/>
+                <a:cs typeface="+mn-cs"/>
+              </a:rPr>
+              <a:t>-- Discuss the significance of your results</a:t>
+            </a:r>
+            <a:br>
+              <a:rPr lang="en-US" sz="1200" b="0" i="0" kern="1200" dirty="0">
+                <a:solidFill>
+                  <a:schemeClr val="tx1"/>
+                </a:solidFill>
+                <a:effectLst/>
+                <a:latin typeface="+mn-lt"/>
+                <a:ea typeface="+mn-ea"/>
+                <a:cs typeface="+mn-cs"/>
+              </a:rPr>
+            </a:br>
+            <a:br>
+              <a:rPr lang="en-US" sz="1200" b="0" i="0" kern="1200" dirty="0">
+                <a:solidFill>
+                  <a:schemeClr val="tx1"/>
+                </a:solidFill>
+                <a:effectLst/>
+                <a:latin typeface="+mn-lt"/>
+                <a:ea typeface="+mn-ea"/>
+                <a:cs typeface="+mn-cs"/>
+              </a:rPr>
+            </a:br>
+            <a:r>
+              <a:rPr lang="en-US" sz="1200" b="0" i="0" kern="1200" dirty="0">
+                <a:solidFill>
+                  <a:schemeClr val="tx1"/>
+                </a:solidFill>
+                <a:effectLst/>
+                <a:latin typeface="+mn-lt"/>
+                <a:ea typeface="+mn-ea"/>
+                <a:cs typeface="+mn-cs"/>
+              </a:rPr>
+              <a:t>-- Discuss the future of your project and closing thoughts.</a:t>
+            </a:r>
+          </a:p>
+          <a:p>
+            <a:endParaRPr lang="en-US" dirty="0"/>
+          </a:p>
+        </p:txBody>
+      </p:sp>
+      <p:sp>
+        <p:nvSpPr>
+          <p:cNvPr id="4" name="Slide Number Placeholder 3"/>
+          <p:cNvSpPr>
+            <a:spLocks noGrp="1"/>
+          </p:cNvSpPr>
+          <p:nvPr>
+            <p:ph type="sldNum" sz="quarter" idx="5"/>
+          </p:nvPr>
+        </p:nvSpPr>
+        <p:spPr/>
+        <p:txBody>
+          <a:bodyPr/>
+          <a:lstStyle/>
+          <a:p>
+            <a:fld id="{25E2E259-F0C1-274B-BB83-2518BC0EEFC9}" type="slidenum">
+              <a:rPr lang="en-US" smtClean="0"/>
+              <a:t>14</a:t>
             </a:fld>
             <a:endParaRPr lang="en-US"/>
           </a:p>
@@ -2590,7 +2826,7 @@
     </p:spTree>
     <p:extLst>
       <p:ext uri="{BB962C8B-B14F-4D97-AF65-F5344CB8AC3E}">
-        <p14:creationId xmlns:p14="http://schemas.microsoft.com/office/powerpoint/2010/main" val="978033684"/>
+        <p14:creationId xmlns:p14="http://schemas.microsoft.com/office/powerpoint/2010/main" val="3625870038"/>
       </p:ext>
     </p:extLst>
   </p:cSld>
@@ -2829,7 +3065,7 @@
     </p:spTree>
     <p:extLst>
       <p:ext uri="{BB962C8B-B14F-4D97-AF65-F5344CB8AC3E}">
-        <p14:creationId xmlns:p14="http://schemas.microsoft.com/office/powerpoint/2010/main" val="3310434117"/>
+        <p14:creationId xmlns:p14="http://schemas.microsoft.com/office/powerpoint/2010/main" val="978033684"/>
       </p:ext>
     </p:extLst>
   </p:cSld>
@@ -2883,9 +3119,6 @@
           <a:bodyPr/>
           <a:lstStyle/>
           <a:p>
-            <a:endParaRPr lang="en-US" dirty="0"/>
-          </a:p>
-          <a:p>
             <a:pPr marL="0" marR="0" lvl="0" indent="0" algn="l" defTabSz="914400" rtl="0" eaLnBrk="1" fontAlgn="auto" latinLnBrk="0" hangingPunct="1">
               <a:lnSpc>
                 <a:spcPct val="100000"/>
@@ -2913,83 +3146,7 @@
                 <a:ea typeface="+mn-ea"/>
                 <a:cs typeface="+mn-cs"/>
               </a:rPr>
-              <a:t>This criterion is linked to a Learning Outcome</a:t>
-            </a:r>
-          </a:p>
-          <a:p>
-            <a:pPr marL="0" marR="0" lvl="0" indent="0" algn="l" defTabSz="914400" rtl="0" eaLnBrk="1" fontAlgn="auto" latinLnBrk="0" hangingPunct="1">
-              <a:lnSpc>
-                <a:spcPct val="100000"/>
-              </a:lnSpc>
-              <a:spcBef>
-                <a:spcPts val="0"/>
-              </a:spcBef>
-              <a:spcAft>
-                <a:spcPts val="0"/>
-              </a:spcAft>
-              <a:buClrTx/>
-              <a:buSzTx/>
-              <a:buFontTx/>
-              <a:buNone/>
-              <a:tabLst/>
-              <a:defRPr/>
-            </a:pPr>
-            <a:r>
-              <a:rPr lang="en-US" sz="1200" b="0" i="0" kern="1200" dirty="0">
-                <a:solidFill>
-                  <a:schemeClr val="tx1"/>
-                </a:solidFill>
-                <a:effectLst/>
-                <a:latin typeface="+mn-lt"/>
-                <a:ea typeface="+mn-ea"/>
-                <a:cs typeface="+mn-cs"/>
-              </a:rPr>
-              <a:t>EDA</a:t>
-            </a:r>
-          </a:p>
-          <a:p>
-            <a:pPr marL="0" marR="0" lvl="0" indent="0" algn="l" defTabSz="914400" rtl="0" eaLnBrk="1" fontAlgn="auto" latinLnBrk="0" hangingPunct="1">
-              <a:lnSpc>
-                <a:spcPct val="100000"/>
-              </a:lnSpc>
-              <a:spcBef>
-                <a:spcPts val="0"/>
-              </a:spcBef>
-              <a:spcAft>
-                <a:spcPts val="0"/>
-              </a:spcAft>
-              <a:buClrTx/>
-              <a:buSzTx/>
-              <a:buFontTx/>
-              <a:buNone/>
-              <a:tabLst/>
-              <a:defRPr/>
-            </a:pPr>
-            <a:r>
-              <a:rPr lang="en-US" sz="1200" b="0" i="0" kern="1200" dirty="0">
-                <a:solidFill>
-                  <a:schemeClr val="tx1"/>
-                </a:solidFill>
-                <a:effectLst/>
-                <a:latin typeface="+mn-lt"/>
-                <a:ea typeface="+mn-ea"/>
-                <a:cs typeface="+mn-cs"/>
-              </a:rPr>
-              <a:t>Expectations here are to provide the following in sections and subsections:</a:t>
-            </a:r>
-          </a:p>
-          <a:p>
-            <a:r>
-              <a:rPr lang="en-US" sz="1200" b="0" i="0" kern="1200" dirty="0">
-                <a:solidFill>
-                  <a:schemeClr val="tx1"/>
-                </a:solidFill>
-                <a:effectLst/>
-                <a:latin typeface="+mn-lt"/>
-                <a:ea typeface="+mn-ea"/>
-                <a:cs typeface="+mn-cs"/>
-              </a:rPr>
-              <a:t>[</a:t>
+              <a:t>This criterion is linked to a Learning </a:t>
             </a:r>
             <a:r>
               <a:rPr lang="en-US" sz="1200" b="0" i="0" kern="1200" dirty="0" err="1">
@@ -3001,37 +3158,41 @@
                 <a:ea typeface="+mn-ea"/>
                 <a:cs typeface="+mn-cs"/>
               </a:rPr>
-              <a:t>CaDoD</a:t>
-            </a:r>
-            <a:r>
-              <a:rPr lang="en-US" sz="1200" b="0" i="0" kern="1200" dirty="0">
-                <a:solidFill>
-                  <a:schemeClr val="tx1"/>
-                </a:solidFill>
-                <a:effectLst/>
-                <a:latin typeface="+mn-lt"/>
-                <a:ea typeface="+mn-ea"/>
-                <a:cs typeface="+mn-cs"/>
-              </a:rPr>
-              <a:t>]</a:t>
+              <a:t>OutcomeProject</a:t>
+            </a:r>
+            <a:r>
+              <a:rPr lang="en-US" sz="1200" b="0" i="0" kern="1200" dirty="0">
+                <a:solidFill>
+                  <a:schemeClr val="tx1"/>
+                </a:solidFill>
+                <a:effectLst/>
+                <a:latin typeface="+mn-lt"/>
+                <a:ea typeface="+mn-ea"/>
+                <a:cs typeface="+mn-cs"/>
+              </a:rPr>
+              <a:t> Description (data and tasks)Expectations here are to provide the following in sections and subsections:</a:t>
             </a:r>
             <a:br>
-              <a:rPr lang="en-US" dirty="0"/>
+              <a:rPr lang="en-US" sz="1200" b="0" i="0" kern="1200" dirty="0">
+                <a:solidFill>
+                  <a:schemeClr val="tx1"/>
+                </a:solidFill>
+                <a:effectLst/>
+                <a:latin typeface="+mn-lt"/>
+                <a:ea typeface="+mn-ea"/>
+                <a:cs typeface="+mn-cs"/>
+              </a:rPr>
             </a:br>
-            <a:r>
-              <a:rPr lang="en-US" sz="1200" b="0" i="0" kern="1200" dirty="0">
-                <a:solidFill>
-                  <a:schemeClr val="tx1"/>
-                </a:solidFill>
-                <a:effectLst/>
-                <a:latin typeface="+mn-lt"/>
-                <a:ea typeface="+mn-ea"/>
-                <a:cs typeface="+mn-cs"/>
-              </a:rPr>
-              <a:t>-- Overview of images (i.e. count of cat images, dog images, total images, memory size of images, etc..)</a:t>
-            </a:r>
             <a:br>
-              <a:rPr lang="en-US" dirty="0"/>
+              <a:rPr lang="en-US" sz="1200" b="0" i="0" kern="1200" dirty="0">
+                <a:solidFill>
+                  <a:schemeClr val="tx1"/>
+                </a:solidFill>
+                <a:effectLst/>
+                <a:latin typeface="+mn-lt"/>
+                <a:ea typeface="+mn-ea"/>
+                <a:cs typeface="+mn-cs"/>
+              </a:rPr>
             </a:br>
             <a:r>
               <a:rPr lang="en-US" sz="1200" b="0" i="0" kern="1200" dirty="0">
@@ -3043,163 +3204,18 @@
                 <a:ea typeface="+mn-ea"/>
                 <a:cs typeface="+mn-cs"/>
               </a:rPr>
-              <a:t>-- Other useful text-based analysis (as opposed to graphic-based)</a:t>
-            </a:r>
-          </a:p>
-          <a:p>
-            <a:endParaRPr lang="en-US" sz="1200" b="0" i="0" kern="1200" dirty="0">
-              <a:solidFill>
-                <a:schemeClr val="tx1"/>
-              </a:solidFill>
-              <a:effectLst/>
-              <a:latin typeface="+mn-lt"/>
-              <a:ea typeface="+mn-ea"/>
-              <a:cs typeface="+mn-cs"/>
-            </a:endParaRPr>
-          </a:p>
-          <a:p>
-            <a:endParaRPr lang="en-US" sz="1200" b="0" i="0" kern="1200" dirty="0">
-              <a:solidFill>
-                <a:schemeClr val="tx1"/>
-              </a:solidFill>
-              <a:effectLst/>
-              <a:latin typeface="+mn-lt"/>
-              <a:ea typeface="+mn-ea"/>
-              <a:cs typeface="+mn-cs"/>
-            </a:endParaRPr>
-          </a:p>
-          <a:p>
-            <a:pPr marL="0" marR="0" lvl="0" indent="0" algn="l" defTabSz="914400" rtl="0" eaLnBrk="1" fontAlgn="auto" latinLnBrk="0" hangingPunct="1">
-              <a:lnSpc>
-                <a:spcPct val="100000"/>
-              </a:lnSpc>
-              <a:spcBef>
-                <a:spcPts val="0"/>
-              </a:spcBef>
-              <a:spcAft>
-                <a:spcPts val="0"/>
-              </a:spcAft>
-              <a:buClrTx/>
-              <a:buSzTx/>
-              <a:buFontTx/>
-              <a:buNone/>
-              <a:tabLst/>
-              <a:defRPr/>
-            </a:pPr>
-            <a:r>
-              <a:rPr lang="en-US" sz="1200" b="0" i="0" kern="1200" dirty="0">
-                <a:solidFill>
-                  <a:schemeClr val="tx1"/>
-                </a:solidFill>
-                <a:effectLst/>
-                <a:latin typeface="+mn-lt"/>
-                <a:ea typeface="+mn-ea"/>
-                <a:cs typeface="+mn-cs"/>
-              </a:rPr>
-              <a:t>This criterion is linked to a Learning Outcome</a:t>
-            </a:r>
-          </a:p>
-          <a:p>
-            <a:pPr marL="0" marR="0" lvl="0" indent="0" algn="l" defTabSz="914400" rtl="0" eaLnBrk="1" fontAlgn="auto" latinLnBrk="0" hangingPunct="1">
-              <a:lnSpc>
-                <a:spcPct val="100000"/>
-              </a:lnSpc>
-              <a:spcBef>
-                <a:spcPts val="0"/>
-              </a:spcBef>
-              <a:spcAft>
-                <a:spcPts val="0"/>
-              </a:spcAft>
-              <a:buClrTx/>
-              <a:buSzTx/>
-              <a:buFontTx/>
-              <a:buNone/>
-              <a:tabLst/>
-              <a:defRPr/>
-            </a:pPr>
-            <a:r>
-              <a:rPr lang="en-US" sz="1200" b="0" i="0" kern="1200" dirty="0">
-                <a:solidFill>
-                  <a:schemeClr val="tx1"/>
-                </a:solidFill>
-                <a:effectLst/>
-                <a:latin typeface="+mn-lt"/>
-                <a:ea typeface="+mn-ea"/>
-                <a:cs typeface="+mn-cs"/>
-              </a:rPr>
-              <a:t>Visual EDA</a:t>
-            </a:r>
-          </a:p>
-          <a:p>
-            <a:pPr marL="0" marR="0" lvl="0" indent="0" algn="l" defTabSz="914400" rtl="0" eaLnBrk="1" fontAlgn="auto" latinLnBrk="0" hangingPunct="1">
-              <a:lnSpc>
-                <a:spcPct val="100000"/>
-              </a:lnSpc>
-              <a:spcBef>
-                <a:spcPts val="0"/>
-              </a:spcBef>
-              <a:spcAft>
-                <a:spcPts val="0"/>
-              </a:spcAft>
-              <a:buClrTx/>
-              <a:buSzTx/>
-              <a:buFontTx/>
-              <a:buNone/>
-              <a:tabLst/>
-              <a:defRPr/>
-            </a:pPr>
-            <a:r>
-              <a:rPr lang="en-US" sz="1200" b="0" i="0" kern="1200" dirty="0">
-                <a:solidFill>
-                  <a:schemeClr val="tx1"/>
-                </a:solidFill>
-                <a:effectLst/>
-                <a:latin typeface="+mn-lt"/>
-                <a:ea typeface="+mn-ea"/>
-                <a:cs typeface="+mn-cs"/>
-              </a:rPr>
-              <a:t>Expectations here are to provide the following in sections and subsections:</a:t>
-            </a:r>
-          </a:p>
-          <a:p>
-            <a:r>
-              <a:rPr lang="en-US" sz="1200" b="0" i="0" kern="1200" dirty="0">
-                <a:solidFill>
-                  <a:schemeClr val="tx1"/>
-                </a:solidFill>
-                <a:effectLst/>
-                <a:latin typeface="+mn-lt"/>
-                <a:ea typeface="+mn-ea"/>
-                <a:cs typeface="+mn-cs"/>
-              </a:rPr>
-              <a:t>[</a:t>
-            </a:r>
-            <a:r>
-              <a:rPr lang="en-US" sz="1200" b="0" i="0" kern="1200" dirty="0" err="1">
-                <a:solidFill>
-                  <a:schemeClr val="tx1"/>
-                </a:solidFill>
-                <a:effectLst/>
-                <a:latin typeface="+mn-lt"/>
-                <a:ea typeface="+mn-ea"/>
-                <a:cs typeface="+mn-cs"/>
-              </a:rPr>
-              <a:t>CaDoD</a:t>
-            </a:r>
-            <a:r>
-              <a:rPr lang="en-US" sz="1200" b="0" i="0" kern="1200" dirty="0">
-                <a:solidFill>
-                  <a:schemeClr val="tx1"/>
-                </a:solidFill>
-                <a:effectLst/>
-                <a:latin typeface="+mn-lt"/>
-                <a:ea typeface="+mn-ea"/>
-                <a:cs typeface="+mn-cs"/>
-              </a:rPr>
-              <a:t>]</a:t>
+              <a:t>Description of the data and task at hand</a:t>
             </a:r>
             <a:br>
-              <a:rPr lang="en-US" dirty="0"/>
+              <a:rPr lang="en-US" sz="1200" b="0" i="0" kern="1200" dirty="0">
+                <a:solidFill>
+                  <a:schemeClr val="tx1"/>
+                </a:solidFill>
+                <a:effectLst/>
+                <a:latin typeface="+mn-lt"/>
+                <a:ea typeface="+mn-ea"/>
+                <a:cs typeface="+mn-cs"/>
+              </a:rPr>
             </a:br>
             <a:r>
               <a:rPr lang="en-US" sz="1200" b="0" i="0" kern="1200" dirty="0">
@@ -3211,9 +3227,54 @@
                 <a:ea typeface="+mn-ea"/>
                 <a:cs typeface="+mn-cs"/>
               </a:rPr>
-              <a:t>-- preview and a small sample of images before and after transformations</a:t>
-            </a:r>
-            <a:endParaRPr lang="en-US" dirty="0"/>
+              <a:t>--Data description</a:t>
+            </a:r>
+            <a:br>
+              <a:rPr lang="en-US" sz="1200" b="0" i="0" kern="1200" dirty="0">
+                <a:solidFill>
+                  <a:schemeClr val="tx1"/>
+                </a:solidFill>
+                <a:effectLst/>
+                <a:latin typeface="+mn-lt"/>
+                <a:ea typeface="+mn-ea"/>
+                <a:cs typeface="+mn-cs"/>
+              </a:rPr>
+            </a:br>
+            <a:r>
+              <a:rPr lang="en-US" sz="1200" b="0" i="0" kern="1200" dirty="0">
+                <a:solidFill>
+                  <a:schemeClr val="tx1"/>
+                </a:solidFill>
+                <a:effectLst/>
+                <a:latin typeface="+mn-lt"/>
+                <a:ea typeface="+mn-ea"/>
+                <a:cs typeface="+mn-cs"/>
+              </a:rPr>
+              <a:t>--Task to be tackled</a:t>
+            </a:r>
+            <a:br>
+              <a:rPr lang="en-US" sz="1200" b="0" i="0" kern="1200" dirty="0">
+                <a:solidFill>
+                  <a:schemeClr val="tx1"/>
+                </a:solidFill>
+                <a:effectLst/>
+                <a:latin typeface="+mn-lt"/>
+                <a:ea typeface="+mn-ea"/>
+                <a:cs typeface="+mn-cs"/>
+              </a:rPr>
+            </a:br>
+            <a:r>
+              <a:rPr lang="en-US" sz="1200" b="0" i="0" kern="1200" dirty="0">
+                <a:solidFill>
+                  <a:schemeClr val="tx1"/>
+                </a:solidFill>
+                <a:effectLst/>
+                <a:latin typeface="+mn-lt"/>
+                <a:ea typeface="+mn-ea"/>
+                <a:cs typeface="+mn-cs"/>
+              </a:rPr>
+              <a:t>-- Provide diagrams to aid understanding the workflow</a:t>
+            </a:r>
           </a:p>
         </p:txBody>
       </p:sp>
@@ -3234,7 +3295,7 @@
           <a:p>
             <a:fld id="{25E2E259-F0C1-274B-BB83-2518BC0EEFC9}" type="slidenum">
               <a:rPr lang="en-US" smtClean="0"/>
-              <a:t>7</a:t>
+              <a:t>6</a:t>
             </a:fld>
             <a:endParaRPr lang="en-US"/>
           </a:p>
@@ -3243,7 +3304,7 @@
     </p:spTree>
     <p:extLst>
       <p:ext uri="{BB962C8B-B14F-4D97-AF65-F5344CB8AC3E}">
-        <p14:creationId xmlns:p14="http://schemas.microsoft.com/office/powerpoint/2010/main" val="2413518338"/>
+        <p14:creationId xmlns:p14="http://schemas.microsoft.com/office/powerpoint/2010/main" val="3310434117"/>
       </p:ext>
     </p:extLst>
   </p:cSld>
@@ -3297,6 +3358,420 @@
           <a:bodyPr/>
           <a:lstStyle/>
           <a:p>
+            <a:endParaRPr lang="en-US" dirty="0"/>
+          </a:p>
+          <a:p>
+            <a:pPr marL="0" marR="0" lvl="0" indent="0" algn="l" defTabSz="914400" rtl="0" eaLnBrk="1" fontAlgn="auto" latinLnBrk="0" hangingPunct="1">
+              <a:lnSpc>
+                <a:spcPct val="100000"/>
+              </a:lnSpc>
+              <a:spcBef>
+                <a:spcPts val="0"/>
+              </a:spcBef>
+              <a:spcAft>
+                <a:spcPts val="0"/>
+              </a:spcAft>
+              <a:buClrTx/>
+              <a:buSzTx/>
+              <a:buFontTx/>
+              <a:buNone/>
+              <a:tabLst/>
+              <a:defRPr/>
+            </a:pPr>
+            <a:r>
+              <a:rPr lang="en-US" sz="1200" b="0" i="0" kern="1200" dirty="0">
+                <a:solidFill>
+                  <a:schemeClr val="tx1"/>
+                </a:solidFill>
+                <a:effectLst/>
+                <a:latin typeface="+mn-lt"/>
+                <a:ea typeface="+mn-ea"/>
+                <a:cs typeface="+mn-cs"/>
+              </a:rPr>
+              <a:t>This criterion is linked to a Learning Outcome</a:t>
+            </a:r>
+          </a:p>
+          <a:p>
+            <a:pPr marL="0" marR="0" lvl="0" indent="0" algn="l" defTabSz="914400" rtl="0" eaLnBrk="1" fontAlgn="auto" latinLnBrk="0" hangingPunct="1">
+              <a:lnSpc>
+                <a:spcPct val="100000"/>
+              </a:lnSpc>
+              <a:spcBef>
+                <a:spcPts val="0"/>
+              </a:spcBef>
+              <a:spcAft>
+                <a:spcPts val="0"/>
+              </a:spcAft>
+              <a:buClrTx/>
+              <a:buSzTx/>
+              <a:buFontTx/>
+              <a:buNone/>
+              <a:tabLst/>
+              <a:defRPr/>
+            </a:pPr>
+            <a:r>
+              <a:rPr lang="en-US" sz="1200" b="0" i="0" kern="1200" dirty="0">
+                <a:solidFill>
+                  <a:schemeClr val="tx1"/>
+                </a:solidFill>
+                <a:effectLst/>
+                <a:latin typeface="+mn-lt"/>
+                <a:ea typeface="+mn-ea"/>
+                <a:cs typeface="+mn-cs"/>
+              </a:rPr>
+              <a:t>EDA</a:t>
+            </a:r>
+          </a:p>
+          <a:p>
+            <a:pPr marL="0" marR="0" lvl="0" indent="0" algn="l" defTabSz="914400" rtl="0" eaLnBrk="1" fontAlgn="auto" latinLnBrk="0" hangingPunct="1">
+              <a:lnSpc>
+                <a:spcPct val="100000"/>
+              </a:lnSpc>
+              <a:spcBef>
+                <a:spcPts val="0"/>
+              </a:spcBef>
+              <a:spcAft>
+                <a:spcPts val="0"/>
+              </a:spcAft>
+              <a:buClrTx/>
+              <a:buSzTx/>
+              <a:buFontTx/>
+              <a:buNone/>
+              <a:tabLst/>
+              <a:defRPr/>
+            </a:pPr>
+            <a:r>
+              <a:rPr lang="en-US" sz="1200" b="0" i="0" kern="1200" dirty="0">
+                <a:solidFill>
+                  <a:schemeClr val="tx1"/>
+                </a:solidFill>
+                <a:effectLst/>
+                <a:latin typeface="+mn-lt"/>
+                <a:ea typeface="+mn-ea"/>
+                <a:cs typeface="+mn-cs"/>
+              </a:rPr>
+              <a:t>Expectations here are to provide the following in sections and subsections:</a:t>
+            </a:r>
+          </a:p>
+          <a:p>
+            <a:r>
+              <a:rPr lang="en-US" sz="1200" b="0" i="0" kern="1200" dirty="0">
+                <a:solidFill>
+                  <a:schemeClr val="tx1"/>
+                </a:solidFill>
+                <a:effectLst/>
+                <a:latin typeface="+mn-lt"/>
+                <a:ea typeface="+mn-ea"/>
+                <a:cs typeface="+mn-cs"/>
+              </a:rPr>
+              <a:t>[</a:t>
+            </a:r>
+            <a:r>
+              <a:rPr lang="en-US" sz="1200" b="0" i="0" kern="1200" dirty="0" err="1">
+                <a:solidFill>
+                  <a:schemeClr val="tx1"/>
+                </a:solidFill>
+                <a:effectLst/>
+                <a:latin typeface="+mn-lt"/>
+                <a:ea typeface="+mn-ea"/>
+                <a:cs typeface="+mn-cs"/>
+              </a:rPr>
+              <a:t>CaDoD</a:t>
+            </a:r>
+            <a:r>
+              <a:rPr lang="en-US" sz="1200" b="0" i="0" kern="1200" dirty="0">
+                <a:solidFill>
+                  <a:schemeClr val="tx1"/>
+                </a:solidFill>
+                <a:effectLst/>
+                <a:latin typeface="+mn-lt"/>
+                <a:ea typeface="+mn-ea"/>
+                <a:cs typeface="+mn-cs"/>
+              </a:rPr>
+              <a:t>]</a:t>
+            </a:r>
+            <a:br>
+              <a:rPr lang="en-US" dirty="0"/>
+            </a:br>
+            <a:r>
+              <a:rPr lang="en-US" sz="1200" b="0" i="0" kern="1200" dirty="0">
+                <a:solidFill>
+                  <a:schemeClr val="tx1"/>
+                </a:solidFill>
+                <a:effectLst/>
+                <a:latin typeface="+mn-lt"/>
+                <a:ea typeface="+mn-ea"/>
+                <a:cs typeface="+mn-cs"/>
+              </a:rPr>
+              <a:t>-- Overview of images (i.e. count of cat images, dog images, total images, memory size of images, etc..)</a:t>
+            </a:r>
+            <a:br>
+              <a:rPr lang="en-US" dirty="0"/>
+            </a:br>
+            <a:r>
+              <a:rPr lang="en-US" sz="1200" b="0" i="0" kern="1200" dirty="0">
+                <a:solidFill>
+                  <a:schemeClr val="tx1"/>
+                </a:solidFill>
+                <a:effectLst/>
+                <a:latin typeface="+mn-lt"/>
+                <a:ea typeface="+mn-ea"/>
+                <a:cs typeface="+mn-cs"/>
+              </a:rPr>
+              <a:t>-- Other useful text-based analysis (as opposed to graphic-based)</a:t>
+            </a:r>
+          </a:p>
+          <a:p>
+            <a:endParaRPr lang="en-US" sz="1200" b="0" i="0" kern="1200" dirty="0">
+              <a:solidFill>
+                <a:schemeClr val="tx1"/>
+              </a:solidFill>
+              <a:effectLst/>
+              <a:latin typeface="+mn-lt"/>
+              <a:ea typeface="+mn-ea"/>
+              <a:cs typeface="+mn-cs"/>
+            </a:endParaRPr>
+          </a:p>
+          <a:p>
+            <a:endParaRPr lang="en-US" sz="1200" b="0" i="0" kern="1200" dirty="0">
+              <a:solidFill>
+                <a:schemeClr val="tx1"/>
+              </a:solidFill>
+              <a:effectLst/>
+              <a:latin typeface="+mn-lt"/>
+              <a:ea typeface="+mn-ea"/>
+              <a:cs typeface="+mn-cs"/>
+            </a:endParaRPr>
+          </a:p>
+          <a:p>
+            <a:pPr marL="0" marR="0" lvl="0" indent="0" algn="l" defTabSz="914400" rtl="0" eaLnBrk="1" fontAlgn="auto" latinLnBrk="0" hangingPunct="1">
+              <a:lnSpc>
+                <a:spcPct val="100000"/>
+              </a:lnSpc>
+              <a:spcBef>
+                <a:spcPts val="0"/>
+              </a:spcBef>
+              <a:spcAft>
+                <a:spcPts val="0"/>
+              </a:spcAft>
+              <a:buClrTx/>
+              <a:buSzTx/>
+              <a:buFontTx/>
+              <a:buNone/>
+              <a:tabLst/>
+              <a:defRPr/>
+            </a:pPr>
+            <a:r>
+              <a:rPr lang="en-US" sz="1200" b="0" i="0" kern="1200" dirty="0">
+                <a:solidFill>
+                  <a:schemeClr val="tx1"/>
+                </a:solidFill>
+                <a:effectLst/>
+                <a:latin typeface="+mn-lt"/>
+                <a:ea typeface="+mn-ea"/>
+                <a:cs typeface="+mn-cs"/>
+              </a:rPr>
+              <a:t>This criterion is linked to a Learning Outcome</a:t>
+            </a:r>
+          </a:p>
+          <a:p>
+            <a:pPr marL="0" marR="0" lvl="0" indent="0" algn="l" defTabSz="914400" rtl="0" eaLnBrk="1" fontAlgn="auto" latinLnBrk="0" hangingPunct="1">
+              <a:lnSpc>
+                <a:spcPct val="100000"/>
+              </a:lnSpc>
+              <a:spcBef>
+                <a:spcPts val="0"/>
+              </a:spcBef>
+              <a:spcAft>
+                <a:spcPts val="0"/>
+              </a:spcAft>
+              <a:buClrTx/>
+              <a:buSzTx/>
+              <a:buFontTx/>
+              <a:buNone/>
+              <a:tabLst/>
+              <a:defRPr/>
+            </a:pPr>
+            <a:r>
+              <a:rPr lang="en-US" sz="1200" b="0" i="0" kern="1200" dirty="0">
+                <a:solidFill>
+                  <a:schemeClr val="tx1"/>
+                </a:solidFill>
+                <a:effectLst/>
+                <a:latin typeface="+mn-lt"/>
+                <a:ea typeface="+mn-ea"/>
+                <a:cs typeface="+mn-cs"/>
+              </a:rPr>
+              <a:t>Visual EDA</a:t>
+            </a:r>
+          </a:p>
+          <a:p>
+            <a:pPr marL="0" marR="0" lvl="0" indent="0" algn="l" defTabSz="914400" rtl="0" eaLnBrk="1" fontAlgn="auto" latinLnBrk="0" hangingPunct="1">
+              <a:lnSpc>
+                <a:spcPct val="100000"/>
+              </a:lnSpc>
+              <a:spcBef>
+                <a:spcPts val="0"/>
+              </a:spcBef>
+              <a:spcAft>
+                <a:spcPts val="0"/>
+              </a:spcAft>
+              <a:buClrTx/>
+              <a:buSzTx/>
+              <a:buFontTx/>
+              <a:buNone/>
+              <a:tabLst/>
+              <a:defRPr/>
+            </a:pPr>
+            <a:r>
+              <a:rPr lang="en-US" sz="1200" b="0" i="0" kern="1200" dirty="0">
+                <a:solidFill>
+                  <a:schemeClr val="tx1"/>
+                </a:solidFill>
+                <a:effectLst/>
+                <a:latin typeface="+mn-lt"/>
+                <a:ea typeface="+mn-ea"/>
+                <a:cs typeface="+mn-cs"/>
+              </a:rPr>
+              <a:t>Expectations here are to provide the following in sections and subsections:</a:t>
+            </a:r>
+          </a:p>
+          <a:p>
+            <a:r>
+              <a:rPr lang="en-US" sz="1200" b="0" i="0" kern="1200" dirty="0">
+                <a:solidFill>
+                  <a:schemeClr val="tx1"/>
+                </a:solidFill>
+                <a:effectLst/>
+                <a:latin typeface="+mn-lt"/>
+                <a:ea typeface="+mn-ea"/>
+                <a:cs typeface="+mn-cs"/>
+              </a:rPr>
+              <a:t>[</a:t>
+            </a:r>
+            <a:r>
+              <a:rPr lang="en-US" sz="1200" b="0" i="0" kern="1200" dirty="0" err="1">
+                <a:solidFill>
+                  <a:schemeClr val="tx1"/>
+                </a:solidFill>
+                <a:effectLst/>
+                <a:latin typeface="+mn-lt"/>
+                <a:ea typeface="+mn-ea"/>
+                <a:cs typeface="+mn-cs"/>
+              </a:rPr>
+              <a:t>CaDoD</a:t>
+            </a:r>
+            <a:r>
+              <a:rPr lang="en-US" sz="1200" b="0" i="0" kern="1200" dirty="0">
+                <a:solidFill>
+                  <a:schemeClr val="tx1"/>
+                </a:solidFill>
+                <a:effectLst/>
+                <a:latin typeface="+mn-lt"/>
+                <a:ea typeface="+mn-ea"/>
+                <a:cs typeface="+mn-cs"/>
+              </a:rPr>
+              <a:t>]</a:t>
+            </a:r>
+            <a:br>
+              <a:rPr lang="en-US" dirty="0"/>
+            </a:br>
+            <a:r>
+              <a:rPr lang="en-US" sz="1200" b="0" i="0" kern="1200" dirty="0">
+                <a:solidFill>
+                  <a:schemeClr val="tx1"/>
+                </a:solidFill>
+                <a:effectLst/>
+                <a:latin typeface="+mn-lt"/>
+                <a:ea typeface="+mn-ea"/>
+                <a:cs typeface="+mn-cs"/>
+              </a:rPr>
+              <a:t>-- preview and a small sample of images before and after transformations</a:t>
+            </a:r>
+            <a:endParaRPr lang="en-US" dirty="0"/>
+          </a:p>
+        </p:txBody>
+      </p:sp>
+      <p:sp>
+        <p:nvSpPr>
+          <p:cNvPr id="4" name="Slide Number Placeholder 3"/>
+          <p:cNvSpPr>
+            <a:spLocks noGrp="1"/>
+          </p:cNvSpPr>
+          <p:nvPr>
+            <p:ph type="sldNum" sz="quarter" idx="5"/>
+          </p:nvPr>
+        </p:nvSpPr>
+        <p:spPr/>
+        <p:txBody>
+          <a:bodyPr/>
+          <a:lstStyle/>
+          <a:p>
+            <a:fld id="{25E2E259-F0C1-274B-BB83-2518BC0EEFC9}" type="slidenum">
+              <a:rPr lang="en-US" smtClean="0"/>
+              <a:t>8</a:t>
+            </a:fld>
+            <a:endParaRPr lang="en-US"/>
+          </a:p>
+        </p:txBody>
+      </p:sp>
+    </p:spTree>
+    <p:extLst>
+      <p:ext uri="{BB962C8B-B14F-4D97-AF65-F5344CB8AC3E}">
+        <p14:creationId xmlns:p14="http://schemas.microsoft.com/office/powerpoint/2010/main" val="2413518338"/>
+      </p:ext>
+    </p:extLst>
+  </p:cSld>
+  <p:clrMapOvr>
+    <a:masterClrMapping/>
+  </p:clrMapOvr>
+</p:notes>
+</file>
+
+<file path=ppt/notesSlides/notesSlide8.xml><?xml version="1.0" encoding="utf-8"?>
+<p:notes xmlns:a="http://schemas.openxmlformats.org/drawingml/2006/main" xmlns:r="http://schemas.openxmlformats.org/officeDocument/2006/relationships" xmlns:p="http://schemas.openxmlformats.org/presentationml/2006/main">
+  <p:cSld>
+    <p:spTree>
+      <p:nvGrpSpPr>
+        <p:cNvPr id="1" name=""/>
+        <p:cNvGrpSpPr/>
+        <p:nvPr/>
+      </p:nvGrpSpPr>
+      <p:grpSpPr>
+        <a:xfrm>
+          <a:off x="0" y="0"/>
+          <a:ext cx="0" cy="0"/>
+          <a:chOff x="0" y="0"/>
+          <a:chExt cx="0" cy="0"/>
+        </a:xfrm>
+      </p:grpSpPr>
+      <p:sp>
+        <p:nvSpPr>
+          <p:cNvPr id="2" name="Slide Image Placeholder 1"/>
+          <p:cNvSpPr>
+            <a:spLocks noGrp="1" noRot="1" noChangeAspect="1"/>
+          </p:cNvSpPr>
+          <p:nvPr>
+            <p:ph type="sldImg"/>
+          </p:nvPr>
+        </p:nvSpPr>
+        <p:spPr/>
+      </p:sp>
+      <p:sp>
+        <p:nvSpPr>
+          <p:cNvPr id="3" name="Notes Placeholder 2"/>
+          <p:cNvSpPr>
+            <a:spLocks noGrp="1"/>
+          </p:cNvSpPr>
+          <p:nvPr>
+            <p:ph type="body" idx="1"/>
+          </p:nvPr>
+        </p:nvSpPr>
+        <p:spPr/>
+        <p:txBody>
+          <a:bodyPr/>
+          <a:lstStyle/>
+          <a:p>
             <a:pPr marL="0" marR="0" lvl="0" indent="0" algn="l" defTabSz="914400" rtl="0" eaLnBrk="1" fontAlgn="auto" latinLnBrk="0" hangingPunct="1">
               <a:lnSpc>
                 <a:spcPct val="100000"/>
@@ -3637,7 +4112,7 @@
           <a:p>
             <a:fld id="{25E2E259-F0C1-274B-BB83-2518BC0EEFC9}" type="slidenum">
               <a:rPr lang="en-US" smtClean="0"/>
-              <a:t>8</a:t>
+              <a:t>9</a:t>
             </a:fld>
             <a:endParaRPr lang="en-US"/>
           </a:p>
@@ -3647,241 +4122,6 @@
     <p:extLst>
       <p:ext uri="{BB962C8B-B14F-4D97-AF65-F5344CB8AC3E}">
         <p14:creationId xmlns:p14="http://schemas.microsoft.com/office/powerpoint/2010/main" val="3798094749"/>
-      </p:ext>
-    </p:extLst>
-  </p:cSld>
-  <p:clrMapOvr>
-    <a:masterClrMapping/>
-  </p:clrMapOvr>
-</p:notes>
-</file>
-
-<file path=ppt/notesSlides/notesSlide8.xml><?xml version="1.0" encoding="utf-8"?>
-<p:notes xmlns:a="http://schemas.openxmlformats.org/drawingml/2006/main" xmlns:r="http://schemas.openxmlformats.org/officeDocument/2006/relationships" xmlns:p="http://schemas.openxmlformats.org/presentationml/2006/main">
-  <p:cSld>
-    <p:spTree>
-      <p:nvGrpSpPr>
-        <p:cNvPr id="1" name=""/>
-        <p:cNvGrpSpPr/>
-        <p:nvPr/>
-      </p:nvGrpSpPr>
-      <p:grpSpPr>
-        <a:xfrm>
-          <a:off x="0" y="0"/>
-          <a:ext cx="0" cy="0"/>
-          <a:chOff x="0" y="0"/>
-          <a:chExt cx="0" cy="0"/>
-        </a:xfrm>
-      </p:grpSpPr>
-      <p:sp>
-        <p:nvSpPr>
-          <p:cNvPr id="2" name="Slide Image Placeholder 1"/>
-          <p:cNvSpPr>
-            <a:spLocks noGrp="1" noRot="1" noChangeAspect="1"/>
-          </p:cNvSpPr>
-          <p:nvPr>
-            <p:ph type="sldImg"/>
-          </p:nvPr>
-        </p:nvSpPr>
-        <p:spPr/>
-      </p:sp>
-      <p:sp>
-        <p:nvSpPr>
-          <p:cNvPr id="3" name="Notes Placeholder 2"/>
-          <p:cNvSpPr>
-            <a:spLocks noGrp="1"/>
-          </p:cNvSpPr>
-          <p:nvPr>
-            <p:ph type="body" idx="1"/>
-          </p:nvPr>
-        </p:nvSpPr>
-        <p:spPr/>
-        <p:txBody>
-          <a:bodyPr/>
-          <a:lstStyle/>
-          <a:p>
-            <a:pPr marL="0" marR="0" lvl="0" indent="0" algn="l" defTabSz="914400" rtl="0" eaLnBrk="1" fontAlgn="auto" latinLnBrk="0" hangingPunct="1">
-              <a:lnSpc>
-                <a:spcPct val="100000"/>
-              </a:lnSpc>
-              <a:spcBef>
-                <a:spcPts val="0"/>
-              </a:spcBef>
-              <a:spcAft>
-                <a:spcPts val="0"/>
-              </a:spcAft>
-              <a:buClrTx/>
-              <a:buSzTx/>
-              <a:buFontTx/>
-              <a:buNone/>
-              <a:tabLst/>
-              <a:defRPr/>
-            </a:pPr>
-            <a:r>
-              <a:rPr lang="en-US" sz="1200" b="0" i="0" kern="1200" dirty="0">
-                <a:solidFill>
-                  <a:schemeClr val="tx1"/>
-                </a:solidFill>
-                <a:effectLst/>
-                <a:latin typeface="+mn-lt"/>
-                <a:ea typeface="+mn-ea"/>
-                <a:cs typeface="+mn-cs"/>
-              </a:rPr>
-              <a:t>This criterion is linked to a Learning Outcome</a:t>
-            </a:r>
-          </a:p>
-          <a:p>
-            <a:pPr marL="0" marR="0" lvl="0" indent="0" algn="l" defTabSz="914400" rtl="0" eaLnBrk="1" fontAlgn="auto" latinLnBrk="0" hangingPunct="1">
-              <a:lnSpc>
-                <a:spcPct val="100000"/>
-              </a:lnSpc>
-              <a:spcBef>
-                <a:spcPts val="0"/>
-              </a:spcBef>
-              <a:spcAft>
-                <a:spcPts val="0"/>
-              </a:spcAft>
-              <a:buClrTx/>
-              <a:buSzTx/>
-              <a:buFontTx/>
-              <a:buNone/>
-              <a:tabLst/>
-              <a:defRPr/>
-            </a:pPr>
-            <a:r>
-              <a:rPr lang="en-US" sz="1200" b="0" i="0" kern="1200" dirty="0">
-                <a:solidFill>
-                  <a:schemeClr val="tx1"/>
-                </a:solidFill>
-                <a:effectLst/>
-                <a:latin typeface="+mn-lt"/>
-                <a:ea typeface="+mn-ea"/>
-                <a:cs typeface="+mn-cs"/>
-              </a:rPr>
-              <a:t>Results and discussion of results</a:t>
-            </a:r>
-          </a:p>
-          <a:p>
-            <a:pPr marL="0" marR="0" lvl="0" indent="0" algn="l" defTabSz="914400" rtl="0" eaLnBrk="1" fontAlgn="auto" latinLnBrk="0" hangingPunct="1">
-              <a:lnSpc>
-                <a:spcPct val="100000"/>
-              </a:lnSpc>
-              <a:spcBef>
-                <a:spcPts val="0"/>
-              </a:spcBef>
-              <a:spcAft>
-                <a:spcPts val="0"/>
-              </a:spcAft>
-              <a:buClrTx/>
-              <a:buSzTx/>
-              <a:buFontTx/>
-              <a:buNone/>
-              <a:tabLst/>
-              <a:defRPr/>
-            </a:pPr>
-            <a:r>
-              <a:rPr lang="en-US" sz="1200" b="0" i="0" kern="1200" dirty="0">
-                <a:solidFill>
-                  <a:schemeClr val="tx1"/>
-                </a:solidFill>
-                <a:effectLst/>
-                <a:latin typeface="+mn-lt"/>
-                <a:ea typeface="+mn-ea"/>
-                <a:cs typeface="+mn-cs"/>
-              </a:rPr>
-              <a:t>Expectations here are to provide the following in sections and subsections:</a:t>
-            </a:r>
-            <a:br>
-              <a:rPr lang="en-US" sz="1200" b="0" i="0" kern="1200" dirty="0">
-                <a:solidFill>
-                  <a:schemeClr val="tx1"/>
-                </a:solidFill>
-                <a:effectLst/>
-                <a:latin typeface="+mn-lt"/>
-                <a:ea typeface="+mn-ea"/>
-                <a:cs typeface="+mn-cs"/>
-              </a:rPr>
-            </a:br>
-            <a:br>
-              <a:rPr lang="en-US" sz="1200" b="0" i="0" kern="1200" dirty="0">
-                <a:solidFill>
-                  <a:schemeClr val="tx1"/>
-                </a:solidFill>
-                <a:effectLst/>
-                <a:latin typeface="+mn-lt"/>
-                <a:ea typeface="+mn-ea"/>
-                <a:cs typeface="+mn-cs"/>
-              </a:rPr>
-            </a:br>
-            <a:r>
-              <a:rPr lang="en-US" sz="1200" b="0" i="0" kern="1200" dirty="0">
-                <a:solidFill>
-                  <a:schemeClr val="tx1"/>
-                </a:solidFill>
-                <a:effectLst/>
-                <a:latin typeface="+mn-lt"/>
-                <a:ea typeface="+mn-ea"/>
-                <a:cs typeface="+mn-cs"/>
-              </a:rPr>
-              <a:t>Discussion’s aim is result interpretation, which means explain, </a:t>
-            </a:r>
-            <a:r>
-              <a:rPr lang="en-US" sz="1200" b="0" i="0" kern="1200" dirty="0" err="1">
-                <a:solidFill>
-                  <a:schemeClr val="tx1"/>
-                </a:solidFill>
-                <a:effectLst/>
-                <a:latin typeface="+mn-lt"/>
-                <a:ea typeface="+mn-ea"/>
-                <a:cs typeface="+mn-cs"/>
-              </a:rPr>
-              <a:t>analyse</a:t>
-            </a:r>
-            <a:r>
-              <a:rPr lang="en-US" sz="1200" b="0" i="0" kern="1200" dirty="0">
-                <a:solidFill>
-                  <a:schemeClr val="tx1"/>
-                </a:solidFill>
-                <a:effectLst/>
-                <a:latin typeface="+mn-lt"/>
-                <a:ea typeface="+mn-ea"/>
-                <a:cs typeface="+mn-cs"/>
-              </a:rPr>
-              <a:t>, and compare them. Often, this part is the most important, simply because it lets the researcher take a step back and give a broader look at the experiment. Do not discuss any outcomes not presented in the results part.</a:t>
-            </a:r>
-          </a:p>
-          <a:p>
-            <a:endParaRPr lang="en-US" dirty="0"/>
-          </a:p>
-        </p:txBody>
-      </p:sp>
-      <p:sp>
-        <p:nvSpPr>
-          <p:cNvPr id="4" name="Slide Number Placeholder 3"/>
-          <p:cNvSpPr>
-            <a:spLocks noGrp="1"/>
-          </p:cNvSpPr>
-          <p:nvPr>
-            <p:ph type="sldNum" sz="quarter" idx="5"/>
-          </p:nvPr>
-        </p:nvSpPr>
-        <p:spPr/>
-        <p:txBody>
-          <a:bodyPr/>
-          <a:lstStyle/>
-          <a:p>
-            <a:fld id="{25E2E259-F0C1-274B-BB83-2518BC0EEFC9}" type="slidenum">
-              <a:rPr lang="en-US" smtClean="0"/>
-              <a:t>9</a:t>
-            </a:fld>
-            <a:endParaRPr lang="en-US"/>
-          </a:p>
-        </p:txBody>
-      </p:sp>
-    </p:spTree>
-    <p:extLst>
-      <p:ext uri="{BB962C8B-B14F-4D97-AF65-F5344CB8AC3E}">
-        <p14:creationId xmlns:p14="http://schemas.microsoft.com/office/powerpoint/2010/main" val="2529856133"/>
       </p:ext>
     </p:extLst>
   </p:cSld>
@@ -4116,7 +4356,7 @@
     </p:spTree>
     <p:extLst>
       <p:ext uri="{BB962C8B-B14F-4D97-AF65-F5344CB8AC3E}">
-        <p14:creationId xmlns:p14="http://schemas.microsoft.com/office/powerpoint/2010/main" val="3148085847"/>
+        <p14:creationId xmlns:p14="http://schemas.microsoft.com/office/powerpoint/2010/main" val="2529856133"/>
       </p:ext>
     </p:extLst>
   </p:cSld>
@@ -9466,7 +9706,7 @@
         </p:nvSpPr>
         <p:spPr>
           <a:xfrm>
-            <a:off x="810000" y="5280846"/>
+            <a:off x="546342" y="5151728"/>
             <a:ext cx="10835659" cy="1484361"/>
           </a:xfrm>
         </p:spPr>
@@ -9679,47 +9919,6 @@
           </p:spPr>
         </p:pic>
       </p:grpSp>
-      <p:sp>
-        <p:nvSpPr>
-          <p:cNvPr id="12" name="TextBox 11">
-            <a:extLst>
-              <a:ext uri="{FF2B5EF4-FFF2-40B4-BE49-F238E27FC236}">
-                <a16:creationId xmlns:a16="http://schemas.microsoft.com/office/drawing/2014/main" id="{4513CB98-841B-3C42-A829-BFCCA0F50781}"/>
-              </a:ext>
-            </a:extLst>
-          </p:cNvPr>
-          <p:cNvSpPr txBox="1"/>
-          <p:nvPr/>
-        </p:nvSpPr>
-        <p:spPr>
-          <a:xfrm>
-            <a:off x="6752091" y="5902086"/>
-            <a:ext cx="3899139" cy="276999"/>
-          </a:xfrm>
-          <a:prstGeom prst="rect">
-            <a:avLst/>
-          </a:prstGeom>
-          <a:noFill/>
-        </p:spPr>
-        <p:txBody>
-          <a:bodyPr wrap="square" rtlCol="0">
-            <a:spAutoFit/>
-          </a:bodyPr>
-          <a:lstStyle/>
-          <a:p>
-            <a:r>
-              <a:rPr lang="en-US" sz="1200" dirty="0">
-                <a:hlinkClick r:id="rId5"/>
-              </a:rPr>
-              <a:t>mwalimbe@iu.edu</a:t>
-            </a:r>
-            <a:r>
-              <a:rPr lang="en-US" sz="1200" dirty="0"/>
-              <a:t> </a:t>
-            </a:r>
-          </a:p>
-        </p:txBody>
-      </p:sp>
     </p:spTree>
     <p:extLst>
       <p:ext uri="{BB962C8B-B14F-4D97-AF65-F5344CB8AC3E}">
@@ -9855,52 +10054,7 @@
             </a:pPr>
             <a:r>
               <a:rPr lang="en-US" dirty="0"/>
-              <a:t>3 models evaluated with </a:t>
-            </a:r>
-            <a:r>
-              <a:rPr lang="en-US" dirty="0" err="1"/>
-              <a:t>GridSearchCV</a:t>
-            </a:r>
-            <a:r>
-              <a:rPr lang="en-US" dirty="0"/>
-              <a:t> and different alpha parameters and KNN parameters (in order of performance)</a:t>
-            </a:r>
-          </a:p>
-          <a:p>
-            <a:r>
-              <a:rPr lang="en-US" dirty="0"/>
-              <a:t>Lasso Linear Regression *</a:t>
-            </a:r>
-          </a:p>
-          <a:p>
-            <a:r>
-              <a:rPr lang="en-US" dirty="0"/>
-              <a:t>K Nearest Neighbor</a:t>
-            </a:r>
-          </a:p>
-          <a:p>
-            <a:r>
-              <a:rPr lang="en-US" dirty="0"/>
-              <a:t>Ridge Linear Regression</a:t>
-            </a:r>
-          </a:p>
-          <a:p>
-            <a:pPr marL="0" indent="0">
-              <a:buNone/>
-            </a:pPr>
-            <a:r>
-              <a:rPr lang="en-US" dirty="0"/>
-              <a:t>* winner with alpha = 1 during subset training</a:t>
-            </a:r>
-            <a:br>
-              <a:rPr lang="en-US" dirty="0"/>
-            </a:br>
-            <a:br>
-              <a:rPr lang="en-US" dirty="0"/>
-            </a:br>
-            <a:r>
-              <a:rPr lang="en-US" dirty="0"/>
-              <a:t>Winning model (along with its params) placed into the localization pipeline.</a:t>
+              <a:t>describe</a:t>
             </a:r>
           </a:p>
         </p:txBody>
@@ -9957,28 +10111,12 @@
           </a:bodyPr>
           <a:lstStyle/>
           <a:p>
-            <a:r>
-              <a:rPr lang="en-US" dirty="0" err="1"/>
-              <a:t>SKLearn</a:t>
-            </a:r>
-            <a:r>
-              <a:rPr lang="en-US" dirty="0"/>
-              <a:t> Logistic Regression model</a:t>
-            </a:r>
-          </a:p>
-          <a:p>
-            <a:r>
-              <a:rPr lang="en-US" dirty="0"/>
-              <a:t>Homegrown Logistic Regression model using gradient descent</a:t>
-            </a:r>
-          </a:p>
-          <a:p>
             <a:pPr marL="0" indent="0">
               <a:buNone/>
             </a:pPr>
             <a:r>
               <a:rPr lang="en-US" dirty="0"/>
-              <a:t>We did not have sufficient time to perform CV on these two models, but ran them both through training and test sets to compare predictions and performance.</a:t>
+              <a:t>describe</a:t>
             </a:r>
           </a:p>
         </p:txBody>
@@ -9986,7 +10124,7 @@
     </p:spTree>
     <p:extLst>
       <p:ext uri="{BB962C8B-B14F-4D97-AF65-F5344CB8AC3E}">
-        <p14:creationId xmlns:p14="http://schemas.microsoft.com/office/powerpoint/2010/main" val="4092814027"/>
+        <p14:creationId xmlns:p14="http://schemas.microsoft.com/office/powerpoint/2010/main" val="2995467700"/>
       </p:ext>
     </p:extLst>
   </p:cSld>
@@ -10036,7 +10174,7 @@
           <a:p>
             <a:r>
               <a:rPr lang="en-US" dirty="0"/>
-              <a:t>Metrics, Results, Discussion </a:t>
+              <a:t>Models </a:t>
             </a:r>
             <a:r>
               <a:rPr lang="en-US" sz="2400" dirty="0"/>
@@ -10050,7 +10188,7 @@
                   </a:schemeClr>
                 </a:solidFill>
               </a:rPr>
-              <a:t>Ben</a:t>
+              <a:t>Mangesh</a:t>
             </a:r>
             <a:endParaRPr lang="en-US" sz="2400" dirty="0"/>
           </a:p>
@@ -10077,9 +10215,10 @@
           <a:bodyPr/>
           <a:lstStyle/>
           <a:p>
-            <a:r>
-              <a:rPr lang="en-US" dirty="0"/>
-              <a:t>Results Summary</a:t>
+            <a:pPr algn="l"/>
+            <a:r>
+              <a:rPr lang="en-US" b="1" dirty="0"/>
+              <a:t>Bounding Box Prediction Models</a:t>
             </a:r>
           </a:p>
         </p:txBody>
@@ -10100,32 +10239,69 @@
             <p:ph sz="half" idx="2"/>
           </p:nvPr>
         </p:nvSpPr>
-        <p:spPr/>
-        <p:txBody>
-          <a:bodyPr/>
+        <p:spPr>
+          <a:xfrm>
+            <a:off x="814729" y="2751138"/>
+            <a:ext cx="5189856" cy="3409632"/>
+          </a:xfrm>
+        </p:spPr>
+        <p:txBody>
+          <a:bodyPr>
+            <a:normAutofit/>
+          </a:bodyPr>
           <a:lstStyle/>
           <a:p>
+            <a:pPr marL="0" indent="0">
+              <a:buNone/>
+            </a:pPr>
             <a:r>
               <a:rPr lang="en-US" dirty="0"/>
-              <a:t>Explain</a:t>
-            </a:r>
-          </a:p>
-          <a:p>
+              <a:t>3 models evaluated with </a:t>
+            </a:r>
+            <a:r>
+              <a:rPr lang="en-US" dirty="0" err="1"/>
+              <a:t>GridSearchCV</a:t>
+            </a:r>
             <a:r>
               <a:rPr lang="en-US" dirty="0"/>
-              <a:t>Analyze</a:t>
+              <a:t> and different alpha parameters and KNN parameters (in order of performance)</a:t>
             </a:r>
           </a:p>
           <a:p>
             <a:r>
               <a:rPr lang="en-US" dirty="0"/>
-              <a:t>Compare</a:t>
+              <a:t>Lasso Linear Regression *</a:t>
             </a:r>
           </a:p>
           <a:p>
             <a:r>
               <a:rPr lang="en-US" dirty="0"/>
-              <a:t>Outcomes to be discussed</a:t>
+              <a:t>K Nearest Neighbor</a:t>
+            </a:r>
+          </a:p>
+          <a:p>
+            <a:r>
+              <a:rPr lang="en-US" dirty="0"/>
+              <a:t>Ridge Linear Regression</a:t>
+            </a:r>
+          </a:p>
+          <a:p>
+            <a:pPr marL="0" indent="0">
+              <a:buNone/>
+            </a:pPr>
+            <a:r>
+              <a:rPr lang="en-US" dirty="0"/>
+              <a:t>* winner with alpha = 1 during subset training</a:t>
+            </a:r>
+            <a:br>
+              <a:rPr lang="en-US" dirty="0"/>
+            </a:br>
+            <a:br>
+              <a:rPr lang="en-US" dirty="0"/>
+            </a:br>
+            <a:r>
+              <a:rPr lang="en-US" dirty="0"/>
+              <a:t>Winning model (along with its params) placed into the localization pipeline.</a:t>
             </a:r>
           </a:p>
         </p:txBody>
@@ -10151,9 +10327,10 @@
           <a:bodyPr/>
           <a:lstStyle/>
           <a:p>
-            <a:r>
-              <a:rPr lang="en-US" dirty="0"/>
-              <a:t>Discussion</a:t>
+            <a:pPr algn="l"/>
+            <a:r>
+              <a:rPr lang="en-US" b="1" dirty="0"/>
+              <a:t>Classification Models</a:t>
             </a:r>
           </a:p>
         </p:txBody>
@@ -10176,12 +10353,33 @@
         </p:nvSpPr>
         <p:spPr/>
         <p:txBody>
-          <a:bodyPr/>
+          <a:bodyPr>
+            <a:normAutofit/>
+          </a:bodyPr>
           <a:lstStyle/>
           <a:p>
             <a:r>
+              <a:rPr lang="en-US" dirty="0" err="1"/>
+              <a:t>SKLearn</a:t>
+            </a:r>
+            <a:r>
               <a:rPr lang="en-US" dirty="0"/>
-              <a:t>Discussion for any of the results to the left</a:t>
+              <a:t> Logistic Regression model</a:t>
+            </a:r>
+          </a:p>
+          <a:p>
+            <a:r>
+              <a:rPr lang="en-US" dirty="0"/>
+              <a:t>Homegrown Logistic Regression model using gradient descent</a:t>
+            </a:r>
+          </a:p>
+          <a:p>
+            <a:pPr marL="0" indent="0">
+              <a:buNone/>
+            </a:pPr>
+            <a:r>
+              <a:rPr lang="en-US" dirty="0"/>
+              <a:t>We did not have sufficient time to perform CV on these two models, but ran them both through training and test sets to compare predictions and performance.</a:t>
             </a:r>
           </a:p>
         </p:txBody>
@@ -10189,7 +10387,7 @@
     </p:spTree>
     <p:extLst>
       <p:ext uri="{BB962C8B-B14F-4D97-AF65-F5344CB8AC3E}">
-        <p14:creationId xmlns:p14="http://schemas.microsoft.com/office/powerpoint/2010/main" val="3656580415"/>
+        <p14:creationId xmlns:p14="http://schemas.microsoft.com/office/powerpoint/2010/main" val="4092814027"/>
       </p:ext>
     </p:extLst>
   </p:cSld>
@@ -10261,6 +10459,209 @@
       </p:sp>
       <p:sp>
         <p:nvSpPr>
+          <p:cNvPr id="3" name="Text Placeholder 2">
+            <a:extLst>
+              <a:ext uri="{FF2B5EF4-FFF2-40B4-BE49-F238E27FC236}">
+                <a16:creationId xmlns:a16="http://schemas.microsoft.com/office/drawing/2014/main" id="{20A48431-64F0-3A41-9438-12793F22BE0C}"/>
+              </a:ext>
+            </a:extLst>
+          </p:cNvPr>
+          <p:cNvSpPr>
+            <a:spLocks noGrp="1"/>
+          </p:cNvSpPr>
+          <p:nvPr>
+            <p:ph type="body" idx="1"/>
+          </p:nvPr>
+        </p:nvSpPr>
+        <p:spPr/>
+        <p:txBody>
+          <a:bodyPr/>
+          <a:lstStyle/>
+          <a:p>
+            <a:r>
+              <a:rPr lang="en-US" dirty="0"/>
+              <a:t>Results Summary</a:t>
+            </a:r>
+          </a:p>
+        </p:txBody>
+      </p:sp>
+      <p:sp>
+        <p:nvSpPr>
+          <p:cNvPr id="4" name="Content Placeholder 3">
+            <a:extLst>
+              <a:ext uri="{FF2B5EF4-FFF2-40B4-BE49-F238E27FC236}">
+                <a16:creationId xmlns:a16="http://schemas.microsoft.com/office/drawing/2014/main" id="{7E935AF4-F7C7-9748-99D9-82C158F6E60A}"/>
+              </a:ext>
+            </a:extLst>
+          </p:cNvPr>
+          <p:cNvSpPr>
+            <a:spLocks noGrp="1"/>
+          </p:cNvSpPr>
+          <p:nvPr>
+            <p:ph sz="half" idx="2"/>
+          </p:nvPr>
+        </p:nvSpPr>
+        <p:spPr/>
+        <p:txBody>
+          <a:bodyPr/>
+          <a:lstStyle/>
+          <a:p>
+            <a:r>
+              <a:rPr lang="en-US" dirty="0"/>
+              <a:t>Explain</a:t>
+            </a:r>
+          </a:p>
+          <a:p>
+            <a:r>
+              <a:rPr lang="en-US" dirty="0"/>
+              <a:t>Analyze</a:t>
+            </a:r>
+          </a:p>
+          <a:p>
+            <a:r>
+              <a:rPr lang="en-US" dirty="0"/>
+              <a:t>Compare</a:t>
+            </a:r>
+          </a:p>
+          <a:p>
+            <a:r>
+              <a:rPr lang="en-US" dirty="0"/>
+              <a:t>Outcomes to be discussed</a:t>
+            </a:r>
+          </a:p>
+        </p:txBody>
+      </p:sp>
+      <p:sp>
+        <p:nvSpPr>
+          <p:cNvPr id="5" name="Text Placeholder 4">
+            <a:extLst>
+              <a:ext uri="{FF2B5EF4-FFF2-40B4-BE49-F238E27FC236}">
+                <a16:creationId xmlns:a16="http://schemas.microsoft.com/office/drawing/2014/main" id="{7E4336B0-BB02-A142-A285-FD9A822C128D}"/>
+              </a:ext>
+            </a:extLst>
+          </p:cNvPr>
+          <p:cNvSpPr>
+            <a:spLocks noGrp="1"/>
+          </p:cNvSpPr>
+          <p:nvPr>
+            <p:ph type="body" sz="quarter" idx="3"/>
+          </p:nvPr>
+        </p:nvSpPr>
+        <p:spPr/>
+        <p:txBody>
+          <a:bodyPr/>
+          <a:lstStyle/>
+          <a:p>
+            <a:r>
+              <a:rPr lang="en-US" dirty="0"/>
+              <a:t>Discussion</a:t>
+            </a:r>
+          </a:p>
+        </p:txBody>
+      </p:sp>
+      <p:sp>
+        <p:nvSpPr>
+          <p:cNvPr id="6" name="Content Placeholder 5">
+            <a:extLst>
+              <a:ext uri="{FF2B5EF4-FFF2-40B4-BE49-F238E27FC236}">
+                <a16:creationId xmlns:a16="http://schemas.microsoft.com/office/drawing/2014/main" id="{D12C8C3A-B4EC-FE46-AD92-3ADD3B823098}"/>
+              </a:ext>
+            </a:extLst>
+          </p:cNvPr>
+          <p:cNvSpPr>
+            <a:spLocks noGrp="1"/>
+          </p:cNvSpPr>
+          <p:nvPr>
+            <p:ph sz="quarter" idx="4"/>
+          </p:nvPr>
+        </p:nvSpPr>
+        <p:spPr/>
+        <p:txBody>
+          <a:bodyPr/>
+          <a:lstStyle/>
+          <a:p>
+            <a:r>
+              <a:rPr lang="en-US" dirty="0"/>
+              <a:t>Discussion for any of the results to the left</a:t>
+            </a:r>
+          </a:p>
+        </p:txBody>
+      </p:sp>
+    </p:spTree>
+    <p:extLst>
+      <p:ext uri="{BB962C8B-B14F-4D97-AF65-F5344CB8AC3E}">
+        <p14:creationId xmlns:p14="http://schemas.microsoft.com/office/powerpoint/2010/main" val="3656580415"/>
+      </p:ext>
+    </p:extLst>
+  </p:cSld>
+  <p:clrMapOvr>
+    <a:masterClrMapping/>
+  </p:clrMapOvr>
+</p:sld>
+</file>
+
+<file path=ppt/slides/slide13.xml><?xml version="1.0" encoding="utf-8"?>
+<p:sld xmlns:a="http://schemas.openxmlformats.org/drawingml/2006/main" xmlns:r="http://schemas.openxmlformats.org/officeDocument/2006/relationships" xmlns:p="http://schemas.openxmlformats.org/presentationml/2006/main">
+  <p:cSld>
+    <p:spTree>
+      <p:nvGrpSpPr>
+        <p:cNvPr id="1" name=""/>
+        <p:cNvGrpSpPr/>
+        <p:nvPr/>
+      </p:nvGrpSpPr>
+      <p:grpSpPr>
+        <a:xfrm>
+          <a:off x="0" y="0"/>
+          <a:ext cx="0" cy="0"/>
+          <a:chOff x="0" y="0"/>
+          <a:chExt cx="0" cy="0"/>
+        </a:xfrm>
+      </p:grpSpPr>
+      <p:sp>
+        <p:nvSpPr>
+          <p:cNvPr id="2" name="Title 1">
+            <a:extLst>
+              <a:ext uri="{FF2B5EF4-FFF2-40B4-BE49-F238E27FC236}">
+                <a16:creationId xmlns:a16="http://schemas.microsoft.com/office/drawing/2014/main" id="{0CAFC94C-B8F1-2F46-8429-1C6AC60091C5}"/>
+              </a:ext>
+            </a:extLst>
+          </p:cNvPr>
+          <p:cNvSpPr>
+            <a:spLocks noGrp="1"/>
+          </p:cNvSpPr>
+          <p:nvPr>
+            <p:ph type="title"/>
+          </p:nvPr>
+        </p:nvSpPr>
+        <p:spPr/>
+        <p:txBody>
+          <a:bodyPr/>
+          <a:lstStyle/>
+          <a:p>
+            <a:r>
+              <a:rPr lang="en-US" dirty="0"/>
+              <a:t>Metrics, Results, Discussion </a:t>
+            </a:r>
+            <a:r>
+              <a:rPr lang="en-US" sz="2400" dirty="0"/>
+              <a:t>- </a:t>
+            </a:r>
+            <a:r>
+              <a:rPr lang="en-US" sz="2400" dirty="0">
+                <a:solidFill>
+                  <a:schemeClr val="accent1">
+                    <a:lumMod val="50000"/>
+                  </a:schemeClr>
+                </a:solidFill>
+              </a:rPr>
+              <a:t>Ben</a:t>
+            </a:r>
+            <a:endParaRPr lang="en-US" sz="2400" dirty="0"/>
+          </a:p>
+        </p:txBody>
+      </p:sp>
+      <p:sp>
+        <p:nvSpPr>
           <p:cNvPr id="4" name="Content Placeholder 3">
             <a:extLst>
               <a:ext uri="{FF2B5EF4-FFF2-40B4-BE49-F238E27FC236}">
@@ -10345,7 +10746,7 @@
 </p:sld>
 </file>
 
-<file path=ppt/slides/slide13.xml><?xml version="1.0" encoding="utf-8"?>
+<file path=ppt/slides/slide14.xml><?xml version="1.0" encoding="utf-8"?>
 <p:sld xmlns:a="http://schemas.openxmlformats.org/drawingml/2006/main" xmlns:r="http://schemas.openxmlformats.org/officeDocument/2006/relationships" xmlns:p="http://schemas.openxmlformats.org/presentationml/2006/main">
   <p:cSld>
     <p:spTree>
@@ -10633,21 +11034,7 @@
           <a:p>
             <a:r>
               <a:rPr lang="en-US" dirty="0"/>
-              <a:t>Abstract </a:t>
-            </a:r>
-            <a:r>
-              <a:rPr lang="en-US" sz="2400" b="0" dirty="0"/>
-              <a:t>- </a:t>
-            </a:r>
-            <a:r>
-              <a:rPr lang="en-US" sz="2400" b="0" dirty="0" err="1">
-                <a:solidFill>
-                  <a:schemeClr val="accent1">
-                    <a:lumMod val="50000"/>
-                  </a:schemeClr>
-                </a:solidFill>
-              </a:rPr>
-              <a:t>Samin</a:t>
+              <a:t>Abstract</a:t>
             </a:r>
             <a:endParaRPr lang="en-US" b="0" dirty="0">
               <a:solidFill>
@@ -10831,24 +11218,6 @@
               <a:rPr lang="en-US" dirty="0"/>
               <a:t>Overview</a:t>
             </a:r>
-            <a:r>
-              <a:rPr lang="en-US" b="0" dirty="0"/>
-              <a:t> </a:t>
-            </a:r>
-            <a:r>
-              <a:rPr lang="en-US" sz="2400" b="0" dirty="0"/>
-              <a:t>- </a:t>
-            </a:r>
-            <a:r>
-              <a:rPr lang="en-US" sz="2400" b="0" dirty="0" err="1">
-                <a:solidFill>
-                  <a:schemeClr val="accent1">
-                    <a:lumMod val="50000"/>
-                  </a:schemeClr>
-                </a:solidFill>
-              </a:rPr>
-              <a:t>Samin</a:t>
-            </a:r>
             <a:endParaRPr lang="en-US" sz="2400" dirty="0"/>
           </a:p>
         </p:txBody>
@@ -11040,57 +11409,27 @@
             <p:ph type="title"/>
           </p:nvPr>
         </p:nvSpPr>
-        <p:spPr/>
-        <p:txBody>
-          <a:bodyPr/>
+        <p:spPr>
+          <a:xfrm>
+            <a:off x="713859" y="935829"/>
+            <a:ext cx="10571998" cy="576262"/>
+          </a:xfrm>
+        </p:spPr>
+        <p:txBody>
+          <a:bodyPr anchor="t"/>
           <a:lstStyle/>
           <a:p>
             <a:r>
-              <a:rPr lang="en-US" dirty="0"/>
-              <a:t>Data &amp; Tasks </a:t>
-            </a:r>
-            <a:r>
-              <a:rPr lang="en-US" sz="2400" dirty="0"/>
-              <a:t>- </a:t>
-            </a:r>
-            <a:r>
-              <a:rPr lang="en-US" sz="2400" dirty="0">
-                <a:solidFill>
-                  <a:schemeClr val="accent1">
-                    <a:lumMod val="50000"/>
-                  </a:schemeClr>
-                </a:solidFill>
-              </a:rPr>
-              <a:t>Lauren</a:t>
-            </a:r>
-          </a:p>
-        </p:txBody>
-      </p:sp>
-      <p:sp>
-        <p:nvSpPr>
-          <p:cNvPr id="3" name="Text Placeholder 2">
-            <a:extLst>
-              <a:ext uri="{FF2B5EF4-FFF2-40B4-BE49-F238E27FC236}">
-                <a16:creationId xmlns:a16="http://schemas.microsoft.com/office/drawing/2014/main" id="{FB175BCF-07D1-EC4F-B451-933F1AE1A4F3}"/>
-              </a:ext>
-            </a:extLst>
-          </p:cNvPr>
-          <p:cNvSpPr>
-            <a:spLocks noGrp="1"/>
-          </p:cNvSpPr>
-          <p:nvPr>
-            <p:ph type="body" idx="1"/>
-          </p:nvPr>
-        </p:nvSpPr>
-        <p:spPr/>
-        <p:txBody>
-          <a:bodyPr/>
-          <a:lstStyle/>
-          <a:p>
-            <a:r>
-              <a:rPr lang="en-US" dirty="0"/>
-              <a:t>Data Stats</a:t>
-            </a:r>
+              <a:rPr lang="en-US" sz="3600" dirty="0"/>
+              <a:t>Data – Description and Statistics</a:t>
+            </a:r>
+            <a:endParaRPr lang="en-US" sz="2000" dirty="0">
+              <a:solidFill>
+                <a:schemeClr val="accent1">
+                  <a:lumMod val="50000"/>
+                </a:schemeClr>
+              </a:solidFill>
+            </a:endParaRPr>
           </a:p>
         </p:txBody>
       </p:sp>
@@ -11112,7 +11451,7 @@
         </p:nvSpPr>
         <p:spPr>
           <a:xfrm>
-            <a:off x="814729" y="2751138"/>
+            <a:off x="810002" y="2210137"/>
             <a:ext cx="5189856" cy="3659674"/>
           </a:xfrm>
         </p:spPr>
@@ -11124,7 +11463,15 @@
           <a:p>
             <a:r>
               <a:rPr lang="en-US" dirty="0"/>
-              <a:t>Summarize # of images</a:t>
+              <a:t>12966 images varying in </a:t>
+            </a:r>
+            <a:r>
+              <a:rPr lang="en-US" dirty="0" err="1"/>
+              <a:t>filesize</a:t>
+            </a:r>
+            <a:r>
+              <a:rPr lang="en-US" dirty="0"/>
+              <a:t> from</a:t>
             </a:r>
           </a:p>
           <a:p>
@@ -11141,31 +11488,103 @@
           </a:p>
         </p:txBody>
       </p:sp>
-      <p:sp>
-        <p:nvSpPr>
-          <p:cNvPr id="5" name="Text Placeholder 4">
+      <p:pic>
+        <p:nvPicPr>
+          <p:cNvPr id="9" name="Picture 8" descr="Chart, box and whisker chart&#10;&#10;Description automatically generated">
             <a:extLst>
               <a:ext uri="{FF2B5EF4-FFF2-40B4-BE49-F238E27FC236}">
-                <a16:creationId xmlns:a16="http://schemas.microsoft.com/office/drawing/2014/main" id="{FAC477F1-4FBC-404B-AEEF-6A7653555993}"/>
+                <a16:creationId xmlns:a16="http://schemas.microsoft.com/office/drawing/2014/main" id="{1EF909B7-58B3-B740-A4B4-AAAC0CC90AF0}"/>
               </a:ext>
             </a:extLst>
           </p:cNvPr>
+          <p:cNvPicPr>
+            <a:picLocks noChangeAspect="1"/>
+          </p:cNvPicPr>
+          <p:nvPr/>
+        </p:nvPicPr>
+        <p:blipFill>
+          <a:blip r:embed="rId3"/>
+          <a:stretch>
+            <a:fillRect/>
+          </a:stretch>
+        </p:blipFill>
+        <p:spPr>
+          <a:xfrm>
+            <a:off x="312773" y="4182491"/>
+            <a:ext cx="5687085" cy="2309749"/>
+          </a:xfrm>
+          <a:prstGeom prst="rect">
+            <a:avLst/>
+          </a:prstGeom>
+        </p:spPr>
+      </p:pic>
+    </p:spTree>
+    <p:extLst>
+      <p:ext uri="{BB962C8B-B14F-4D97-AF65-F5344CB8AC3E}">
+        <p14:creationId xmlns:p14="http://schemas.microsoft.com/office/powerpoint/2010/main" val="3278842571"/>
+      </p:ext>
+    </p:extLst>
+  </p:cSld>
+  <p:clrMapOvr>
+    <a:masterClrMapping/>
+  </p:clrMapOvr>
+</p:sld>
+</file>
+
+<file path=ppt/slides/slide5.xml><?xml version="1.0" encoding="utf-8"?>
+<p:sld xmlns:a="http://schemas.openxmlformats.org/drawingml/2006/main" xmlns:r="http://schemas.openxmlformats.org/officeDocument/2006/relationships" xmlns:p="http://schemas.openxmlformats.org/presentationml/2006/main">
+  <p:cSld>
+    <p:spTree>
+      <p:nvGrpSpPr>
+        <p:cNvPr id="1" name=""/>
+        <p:cNvGrpSpPr/>
+        <p:nvPr/>
+      </p:nvGrpSpPr>
+      <p:grpSpPr>
+        <a:xfrm>
+          <a:off x="0" y="0"/>
+          <a:ext cx="0" cy="0"/>
+          <a:chOff x="0" y="0"/>
+          <a:chExt cx="0" cy="0"/>
+        </a:xfrm>
+      </p:grpSpPr>
+      <p:sp>
+        <p:nvSpPr>
+          <p:cNvPr id="2" name="Title 1">
+            <a:extLst>
+              <a:ext uri="{FF2B5EF4-FFF2-40B4-BE49-F238E27FC236}">
+                <a16:creationId xmlns:a16="http://schemas.microsoft.com/office/drawing/2014/main" id="{270EC188-A6EC-CA47-B52E-241DA02EA7A9}"/>
+              </a:ext>
+            </a:extLst>
+          </p:cNvPr>
           <p:cNvSpPr>
             <a:spLocks noGrp="1"/>
           </p:cNvSpPr>
           <p:nvPr>
-            <p:ph type="body" sz="quarter" idx="3"/>
-          </p:nvPr>
-        </p:nvSpPr>
-        <p:spPr/>
-        <p:txBody>
-          <a:bodyPr/>
+            <p:ph type="title"/>
+          </p:nvPr>
+        </p:nvSpPr>
+        <p:spPr>
+          <a:xfrm>
+            <a:off x="1008108" y="1123639"/>
+            <a:ext cx="10571998" cy="576262"/>
+          </a:xfrm>
+        </p:spPr>
+        <p:txBody>
+          <a:bodyPr anchor="t"/>
           <a:lstStyle/>
           <a:p>
             <a:r>
-              <a:rPr lang="en-US" dirty="0"/>
+              <a:rPr lang="en-US" sz="3600" dirty="0"/>
               <a:t>Data Tasks</a:t>
             </a:r>
+            <a:endParaRPr lang="en-US" sz="2000" dirty="0">
+              <a:solidFill>
+                <a:schemeClr val="accent1">
+                  <a:lumMod val="50000"/>
+                </a:schemeClr>
+              </a:solidFill>
+            </a:endParaRPr>
           </a:p>
         </p:txBody>
       </p:sp>
@@ -11187,8 +11606,8 @@
         </p:nvSpPr>
         <p:spPr>
           <a:xfrm>
-            <a:off x="6187415" y="2751138"/>
-            <a:ext cx="5194583" cy="3659674"/>
+            <a:off x="769595" y="2387671"/>
+            <a:ext cx="11049025" cy="3659674"/>
           </a:xfrm>
         </p:spPr>
         <p:txBody>
@@ -11205,7 +11624,15 @@
           <a:p>
             <a:r>
               <a:rPr lang="en-US" dirty="0"/>
-              <a:t>Import images &amp; examine shape</a:t>
+              <a:t>Unzip and import images &amp; examine width, height, ratios, </a:t>
+            </a:r>
+            <a:r>
+              <a:rPr lang="en-US" dirty="0" err="1"/>
+              <a:t>filesize</a:t>
+            </a:r>
+            <a:r>
+              <a:rPr lang="en-US" dirty="0"/>
+              <a:t>, etc.</a:t>
             </a:r>
           </a:p>
           <a:p>
@@ -11217,7 +11644,7 @@
           <a:p>
             <a:r>
               <a:rPr lang="en-US" dirty="0"/>
-              <a:t>Save resized images, bounding box and image data to </a:t>
+              <a:t>Convert resized image data to a </a:t>
             </a:r>
             <a:r>
               <a:rPr lang="en-US" dirty="0" err="1"/>
@@ -11225,19 +11652,68 @@
             </a:r>
             <a:r>
               <a:rPr lang="en-US" dirty="0"/>
-              <a:t> files as a checkpoint (later, describe memory issues)</a:t>
+              <a:t> array</a:t>
             </a:r>
           </a:p>
           <a:p>
             <a:r>
               <a:rPr lang="en-US" dirty="0"/>
-              <a:t>EDA </a:t>
-            </a:r>
-          </a:p>
-          <a:p>
+              <a:t>Save resized images, bounding box points and image labels to </a:t>
+            </a:r>
+            <a:r>
+              <a:rPr lang="en-US" dirty="0" err="1"/>
+              <a:t>numpy</a:t>
+            </a:r>
             <a:r>
               <a:rPr lang="en-US" dirty="0"/>
-              <a:t>Feature engineering</a:t>
+              <a:t> files as a checkpoint</a:t>
+            </a:r>
+          </a:p>
+          <a:p>
+            <a:r>
+              <a:rPr lang="en-US" dirty="0"/>
+              <a:t>Exploratory Data Analysis </a:t>
+            </a:r>
+          </a:p>
+          <a:p>
+            <a:r>
+              <a:rPr lang="en-US" dirty="0"/>
+              <a:t>Feature engineering, create additional columns from bounding box </a:t>
+            </a:r>
+            <a:r>
+              <a:rPr lang="en-US" dirty="0" err="1"/>
+              <a:t>XMin</a:t>
+            </a:r>
+            <a:r>
+              <a:rPr lang="en-US" dirty="0"/>
+              <a:t>, </a:t>
+            </a:r>
+            <a:r>
+              <a:rPr lang="en-US" dirty="0" err="1"/>
+              <a:t>YMin</a:t>
+            </a:r>
+            <a:r>
+              <a:rPr lang="en-US" dirty="0"/>
+              <a:t>, </a:t>
+            </a:r>
+            <a:r>
+              <a:rPr lang="en-US" dirty="0" err="1"/>
+              <a:t>XMax</a:t>
+            </a:r>
+            <a:r>
+              <a:rPr lang="en-US" dirty="0"/>
+              <a:t>, </a:t>
+            </a:r>
+            <a:r>
+              <a:rPr lang="en-US" dirty="0" err="1"/>
+              <a:t>YMax</a:t>
+            </a:r>
+            <a:endParaRPr lang="en-US" dirty="0"/>
+          </a:p>
+          <a:p>
+            <a:r>
+              <a:rPr lang="en-US" dirty="0"/>
+              <a:t>Train/Test split data</a:t>
             </a:r>
           </a:p>
         </p:txBody>
@@ -11255,7 +11731,7 @@
 </p:sld>
 </file>
 
-<file path=ppt/slides/slide5.xml><?xml version="1.0" encoding="utf-8"?>
+<file path=ppt/slides/slide6.xml><?xml version="1.0" encoding="utf-8"?>
 <p:sld xmlns:a="http://schemas.openxmlformats.org/drawingml/2006/main" xmlns:r="http://schemas.openxmlformats.org/officeDocument/2006/relationships" xmlns:p="http://schemas.openxmlformats.org/presentationml/2006/main">
   <p:cSld>
     <p:spTree>
@@ -12483,7 +12959,7 @@
 </p:sld>
 </file>
 
-<file path=ppt/slides/slide6.xml><?xml version="1.0" encoding="utf-8"?>
+<file path=ppt/slides/slide7.xml><?xml version="1.0" encoding="utf-8"?>
 <p:sld xmlns:a="http://schemas.openxmlformats.org/drawingml/2006/main" xmlns:r="http://schemas.openxmlformats.org/officeDocument/2006/relationships" xmlns:p="http://schemas.openxmlformats.org/presentationml/2006/main">
   <p:cSld>
     <p:spTree>
@@ -13974,210 +14450,6 @@
 </p:sld>
 </file>
 
-<file path=ppt/slides/slide7.xml><?xml version="1.0" encoding="utf-8"?>
-<p:sld xmlns:a="http://schemas.openxmlformats.org/drawingml/2006/main" xmlns:r="http://schemas.openxmlformats.org/officeDocument/2006/relationships" xmlns:p="http://schemas.openxmlformats.org/presentationml/2006/main">
-  <p:cSld>
-    <p:spTree>
-      <p:nvGrpSpPr>
-        <p:cNvPr id="1" name=""/>
-        <p:cNvGrpSpPr/>
-        <p:nvPr/>
-      </p:nvGrpSpPr>
-      <p:grpSpPr>
-        <a:xfrm>
-          <a:off x="0" y="0"/>
-          <a:ext cx="0" cy="0"/>
-          <a:chOff x="0" y="0"/>
-          <a:chExt cx="0" cy="0"/>
-        </a:xfrm>
-      </p:grpSpPr>
-      <p:sp>
-        <p:nvSpPr>
-          <p:cNvPr id="2" name="Title 1">
-            <a:extLst>
-              <a:ext uri="{FF2B5EF4-FFF2-40B4-BE49-F238E27FC236}">
-                <a16:creationId xmlns:a16="http://schemas.microsoft.com/office/drawing/2014/main" id="{270EC188-A6EC-CA47-B52E-241DA02EA7A9}"/>
-              </a:ext>
-            </a:extLst>
-          </p:cNvPr>
-          <p:cNvSpPr>
-            <a:spLocks noGrp="1"/>
-          </p:cNvSpPr>
-          <p:nvPr>
-            <p:ph type="title"/>
-          </p:nvPr>
-        </p:nvSpPr>
-        <p:spPr/>
-        <p:txBody>
-          <a:bodyPr/>
-          <a:lstStyle/>
-          <a:p>
-            <a:r>
-              <a:rPr lang="en-US" dirty="0"/>
-              <a:t>EDA and Feature Engineering </a:t>
-            </a:r>
-            <a:r>
-              <a:rPr lang="en-US" sz="2400" dirty="0"/>
-              <a:t>- </a:t>
-            </a:r>
-            <a:r>
-              <a:rPr lang="en-US" sz="2400" dirty="0">
-                <a:solidFill>
-                  <a:schemeClr val="accent1">
-                    <a:lumMod val="50000"/>
-                  </a:schemeClr>
-                </a:solidFill>
-              </a:rPr>
-              <a:t>Lauren</a:t>
-            </a:r>
-            <a:endParaRPr lang="en-US" sz="2400" dirty="0"/>
-          </a:p>
-        </p:txBody>
-      </p:sp>
-      <p:sp>
-        <p:nvSpPr>
-          <p:cNvPr id="3" name="Text Placeholder 2">
-            <a:extLst>
-              <a:ext uri="{FF2B5EF4-FFF2-40B4-BE49-F238E27FC236}">
-                <a16:creationId xmlns:a16="http://schemas.microsoft.com/office/drawing/2014/main" id="{FB175BCF-07D1-EC4F-B451-933F1AE1A4F3}"/>
-              </a:ext>
-            </a:extLst>
-          </p:cNvPr>
-          <p:cNvSpPr>
-            <a:spLocks noGrp="1"/>
-          </p:cNvSpPr>
-          <p:nvPr>
-            <p:ph type="body" idx="1"/>
-          </p:nvPr>
-        </p:nvSpPr>
-        <p:spPr/>
-        <p:txBody>
-          <a:bodyPr/>
-          <a:lstStyle/>
-          <a:p>
-            <a:r>
-              <a:rPr lang="en-US" dirty="0"/>
-              <a:t>Correlation, Missing Data, </a:t>
-            </a:r>
-            <a:r>
-              <a:rPr lang="en-US" dirty="0" err="1"/>
-              <a:t>etc</a:t>
-            </a:r>
-            <a:endParaRPr lang="en-US" dirty="0"/>
-          </a:p>
-        </p:txBody>
-      </p:sp>
-      <p:sp>
-        <p:nvSpPr>
-          <p:cNvPr id="4" name="Content Placeholder 3">
-            <a:extLst>
-              <a:ext uri="{FF2B5EF4-FFF2-40B4-BE49-F238E27FC236}">
-                <a16:creationId xmlns:a16="http://schemas.microsoft.com/office/drawing/2014/main" id="{FBCB5062-A64F-C148-B1C2-CEAC9BB01156}"/>
-              </a:ext>
-            </a:extLst>
-          </p:cNvPr>
-          <p:cNvSpPr>
-            <a:spLocks noGrp="1"/>
-          </p:cNvSpPr>
-          <p:nvPr>
-            <p:ph sz="half" idx="2"/>
-          </p:nvPr>
-        </p:nvSpPr>
-        <p:spPr>
-          <a:xfrm>
-            <a:off x="814729" y="2751138"/>
-            <a:ext cx="5189856" cy="3908454"/>
-          </a:xfrm>
-        </p:spPr>
-        <p:txBody>
-          <a:bodyPr>
-            <a:normAutofit/>
-          </a:bodyPr>
-          <a:lstStyle/>
-          <a:p>
-            <a:r>
-              <a:rPr lang="en-US" dirty="0"/>
-              <a:t>TBD</a:t>
-            </a:r>
-          </a:p>
-        </p:txBody>
-      </p:sp>
-      <p:sp>
-        <p:nvSpPr>
-          <p:cNvPr id="5" name="Text Placeholder 4">
-            <a:extLst>
-              <a:ext uri="{FF2B5EF4-FFF2-40B4-BE49-F238E27FC236}">
-                <a16:creationId xmlns:a16="http://schemas.microsoft.com/office/drawing/2014/main" id="{FAC477F1-4FBC-404B-AEEF-6A7653555993}"/>
-              </a:ext>
-            </a:extLst>
-          </p:cNvPr>
-          <p:cNvSpPr>
-            <a:spLocks noGrp="1"/>
-          </p:cNvSpPr>
-          <p:nvPr>
-            <p:ph type="body" sz="quarter" idx="3"/>
-          </p:nvPr>
-        </p:nvSpPr>
-        <p:spPr/>
-        <p:txBody>
-          <a:bodyPr/>
-          <a:lstStyle/>
-          <a:p>
-            <a:r>
-              <a:rPr lang="en-US" dirty="0"/>
-              <a:t>Feature Engineering</a:t>
-            </a:r>
-          </a:p>
-        </p:txBody>
-      </p:sp>
-      <p:sp>
-        <p:nvSpPr>
-          <p:cNvPr id="6" name="Content Placeholder 5">
-            <a:extLst>
-              <a:ext uri="{FF2B5EF4-FFF2-40B4-BE49-F238E27FC236}">
-                <a16:creationId xmlns:a16="http://schemas.microsoft.com/office/drawing/2014/main" id="{C3DC9D5F-B396-8A46-BF7D-C05C7AE76AFC}"/>
-              </a:ext>
-            </a:extLst>
-          </p:cNvPr>
-          <p:cNvSpPr>
-            <a:spLocks noGrp="1"/>
-          </p:cNvSpPr>
-          <p:nvPr>
-            <p:ph sz="quarter" idx="4"/>
-          </p:nvPr>
-        </p:nvSpPr>
-        <p:spPr>
-          <a:xfrm>
-            <a:off x="6187415" y="2751138"/>
-            <a:ext cx="5194583" cy="3908454"/>
-          </a:xfrm>
-        </p:spPr>
-        <p:txBody>
-          <a:bodyPr>
-            <a:normAutofit/>
-          </a:bodyPr>
-          <a:lstStyle/>
-          <a:p>
-            <a:r>
-              <a:rPr lang="en-US" dirty="0"/>
-              <a:t>Describe transformer</a:t>
-            </a:r>
-          </a:p>
-        </p:txBody>
-      </p:sp>
-    </p:spTree>
-    <p:extLst>
-      <p:ext uri="{BB962C8B-B14F-4D97-AF65-F5344CB8AC3E}">
-        <p14:creationId xmlns:p14="http://schemas.microsoft.com/office/powerpoint/2010/main" val="1234540890"/>
-      </p:ext>
-    </p:extLst>
-  </p:cSld>
-  <p:clrMapOvr>
-    <a:masterClrMapping/>
-  </p:clrMapOvr>
-</p:sld>
-</file>
-
 <file path=ppt/slides/slide8.xml><?xml version="1.0" encoding="utf-8"?>
 <p:sld xmlns:a="http://schemas.openxmlformats.org/drawingml/2006/main" xmlns:r="http://schemas.openxmlformats.org/officeDocument/2006/relationships" xmlns:p="http://schemas.openxmlformats.org/presentationml/2006/main">
   <p:cSld>
@@ -14200,7 +14472,7 @@
           <p:cNvPr id="2" name="Title 1">
             <a:extLst>
               <a:ext uri="{FF2B5EF4-FFF2-40B4-BE49-F238E27FC236}">
-                <a16:creationId xmlns:a16="http://schemas.microsoft.com/office/drawing/2014/main" id="{D9D8CB60-0A8C-9C4B-A752-E6E560BA3B7A}"/>
+                <a16:creationId xmlns:a16="http://schemas.microsoft.com/office/drawing/2014/main" id="{270EC188-A6EC-CA47-B52E-241DA02EA7A9}"/>
               </a:ext>
             </a:extLst>
           </p:cNvPr>
@@ -14218,7 +14490,7 @@
           <a:p>
             <a:r>
               <a:rPr lang="en-US" dirty="0"/>
-              <a:t>Pipelines </a:t>
+              <a:t>EDA and Feature Engineering </a:t>
             </a:r>
             <a:r>
               <a:rPr lang="en-US" sz="2400" dirty="0"/>
@@ -14243,7 +14515,7 @@
           <p:cNvPr id="3" name="Text Placeholder 2">
             <a:extLst>
               <a:ext uri="{FF2B5EF4-FFF2-40B4-BE49-F238E27FC236}">
-                <a16:creationId xmlns:a16="http://schemas.microsoft.com/office/drawing/2014/main" id="{5BDCF00A-B562-A54D-BF9D-1AE3FA38C9A2}"/>
+                <a16:creationId xmlns:a16="http://schemas.microsoft.com/office/drawing/2014/main" id="{FB175BCF-07D1-EC4F-B451-933F1AE1A4F3}"/>
               </a:ext>
             </a:extLst>
           </p:cNvPr>
@@ -14259,7 +14531,15 @@
           <a:bodyPr/>
           <a:lstStyle/>
           <a:p>
-            <a:endParaRPr lang="en-US"/>
+            <a:r>
+              <a:rPr lang="en-US" dirty="0"/>
+              <a:t>Correlation, Missing Data, </a:t>
+            </a:r>
+            <a:r>
+              <a:rPr lang="en-US" dirty="0" err="1"/>
+              <a:t>etc</a:t>
+            </a:r>
+            <a:endParaRPr lang="en-US" dirty="0"/>
           </a:p>
         </p:txBody>
       </p:sp>
@@ -14268,7 +14548,7 @@
           <p:cNvPr id="4" name="Content Placeholder 3">
             <a:extLst>
               <a:ext uri="{FF2B5EF4-FFF2-40B4-BE49-F238E27FC236}">
-                <a16:creationId xmlns:a16="http://schemas.microsoft.com/office/drawing/2014/main" id="{E7B95454-C76B-DC4E-8B7F-B8A3CFDCD7C8}"/>
+                <a16:creationId xmlns:a16="http://schemas.microsoft.com/office/drawing/2014/main" id="{FBCB5062-A64F-C148-B1C2-CEAC9BB01156}"/>
               </a:ext>
             </a:extLst>
           </p:cNvPr>
@@ -14279,12 +14559,22 @@
             <p:ph sz="half" idx="2"/>
           </p:nvPr>
         </p:nvSpPr>
-        <p:spPr/>
-        <p:txBody>
-          <a:bodyPr/>
+        <p:spPr>
+          <a:xfrm>
+            <a:off x="814729" y="2751138"/>
+            <a:ext cx="5189856" cy="3908454"/>
+          </a:xfrm>
+        </p:spPr>
+        <p:txBody>
+          <a:bodyPr>
+            <a:normAutofit/>
+          </a:bodyPr>
           <a:lstStyle/>
           <a:p>
-            <a:endParaRPr lang="en-US"/>
+            <a:r>
+              <a:rPr lang="en-US" dirty="0"/>
+              <a:t>TBD</a:t>
+            </a:r>
           </a:p>
         </p:txBody>
       </p:sp>
@@ -14293,7 +14583,7 @@
           <p:cNvPr id="5" name="Text Placeholder 4">
             <a:extLst>
               <a:ext uri="{FF2B5EF4-FFF2-40B4-BE49-F238E27FC236}">
-                <a16:creationId xmlns:a16="http://schemas.microsoft.com/office/drawing/2014/main" id="{20ADD62E-D885-B34E-9B41-F05823741C00}"/>
+                <a16:creationId xmlns:a16="http://schemas.microsoft.com/office/drawing/2014/main" id="{FAC477F1-4FBC-404B-AEEF-6A7653555993}"/>
               </a:ext>
             </a:extLst>
           </p:cNvPr>
@@ -14309,7 +14599,10 @@
           <a:bodyPr/>
           <a:lstStyle/>
           <a:p>
-            <a:endParaRPr lang="en-US"/>
+            <a:r>
+              <a:rPr lang="en-US" dirty="0"/>
+              <a:t>Feature Engineering</a:t>
+            </a:r>
           </a:p>
         </p:txBody>
       </p:sp>
@@ -14318,7 +14611,7 @@
           <p:cNvPr id="6" name="Content Placeholder 5">
             <a:extLst>
               <a:ext uri="{FF2B5EF4-FFF2-40B4-BE49-F238E27FC236}">
-                <a16:creationId xmlns:a16="http://schemas.microsoft.com/office/drawing/2014/main" id="{D4537803-017A-6C43-8965-23235FD67E2B}"/>
+                <a16:creationId xmlns:a16="http://schemas.microsoft.com/office/drawing/2014/main" id="{C3DC9D5F-B396-8A46-BF7D-C05C7AE76AFC}"/>
               </a:ext>
             </a:extLst>
           </p:cNvPr>
@@ -14329,19 +14622,29 @@
             <p:ph sz="quarter" idx="4"/>
           </p:nvPr>
         </p:nvSpPr>
-        <p:spPr/>
-        <p:txBody>
-          <a:bodyPr/>
+        <p:spPr>
+          <a:xfrm>
+            <a:off x="6187415" y="2751138"/>
+            <a:ext cx="5194583" cy="3908454"/>
+          </a:xfrm>
+        </p:spPr>
+        <p:txBody>
+          <a:bodyPr>
+            <a:normAutofit/>
+          </a:bodyPr>
           <a:lstStyle/>
           <a:p>
-            <a:endParaRPr lang="en-US"/>
+            <a:r>
+              <a:rPr lang="en-US" dirty="0"/>
+              <a:t>Describe transformer</a:t>
+            </a:r>
           </a:p>
         </p:txBody>
       </p:sp>
     </p:spTree>
     <p:extLst>
       <p:ext uri="{BB962C8B-B14F-4D97-AF65-F5344CB8AC3E}">
-        <p14:creationId xmlns:p14="http://schemas.microsoft.com/office/powerpoint/2010/main" val="1994469208"/>
+        <p14:creationId xmlns:p14="http://schemas.microsoft.com/office/powerpoint/2010/main" val="1234540890"/>
       </p:ext>
     </p:extLst>
   </p:cSld>
@@ -14373,7 +14676,7 @@
           <p:cNvPr id="2" name="Title 1">
             <a:extLst>
               <a:ext uri="{FF2B5EF4-FFF2-40B4-BE49-F238E27FC236}">
-                <a16:creationId xmlns:a16="http://schemas.microsoft.com/office/drawing/2014/main" id="{0CAFC94C-B8F1-2F46-8429-1C6AC60091C5}"/>
+                <a16:creationId xmlns:a16="http://schemas.microsoft.com/office/drawing/2014/main" id="{D9D8CB60-0A8C-9C4B-A752-E6E560BA3B7A}"/>
               </a:ext>
             </a:extLst>
           </p:cNvPr>
@@ -14391,7 +14694,7 @@
           <a:p>
             <a:r>
               <a:rPr lang="en-US" dirty="0"/>
-              <a:t>Models </a:t>
+              <a:t>Pipelines </a:t>
             </a:r>
             <a:r>
               <a:rPr lang="en-US" sz="2400" dirty="0"/>
@@ -14405,7 +14708,7 @@
                   </a:schemeClr>
                 </a:solidFill>
               </a:rPr>
-              <a:t>Mangesh</a:t>
+              <a:t>Lauren</a:t>
             </a:r>
             <a:endParaRPr lang="en-US" sz="2400" dirty="0"/>
           </a:p>
@@ -14416,7 +14719,7 @@
           <p:cNvPr id="3" name="Text Placeholder 2">
             <a:extLst>
               <a:ext uri="{FF2B5EF4-FFF2-40B4-BE49-F238E27FC236}">
-                <a16:creationId xmlns:a16="http://schemas.microsoft.com/office/drawing/2014/main" id="{20A48431-64F0-3A41-9438-12793F22BE0C}"/>
+                <a16:creationId xmlns:a16="http://schemas.microsoft.com/office/drawing/2014/main" id="{5BDCF00A-B562-A54D-BF9D-1AE3FA38C9A2}"/>
               </a:ext>
             </a:extLst>
           </p:cNvPr>
@@ -14432,11 +14735,7 @@
           <a:bodyPr/>
           <a:lstStyle/>
           <a:p>
-            <a:pPr algn="l"/>
-            <a:r>
-              <a:rPr lang="en-US" b="1" dirty="0"/>
-              <a:t>Bounding Box Prediction Models</a:t>
-            </a:r>
+            <a:endParaRPr lang="en-US"/>
           </a:p>
         </p:txBody>
       </p:sp>
@@ -14445,7 +14744,7 @@
           <p:cNvPr id="4" name="Content Placeholder 3">
             <a:extLst>
               <a:ext uri="{FF2B5EF4-FFF2-40B4-BE49-F238E27FC236}">
-                <a16:creationId xmlns:a16="http://schemas.microsoft.com/office/drawing/2014/main" id="{7E935AF4-F7C7-9748-99D9-82C158F6E60A}"/>
+                <a16:creationId xmlns:a16="http://schemas.microsoft.com/office/drawing/2014/main" id="{E7B95454-C76B-DC4E-8B7F-B8A3CFDCD7C8}"/>
               </a:ext>
             </a:extLst>
           </p:cNvPr>
@@ -14456,25 +14755,12 @@
             <p:ph sz="half" idx="2"/>
           </p:nvPr>
         </p:nvSpPr>
-        <p:spPr>
-          <a:xfrm>
-            <a:off x="814729" y="2751138"/>
-            <a:ext cx="5189856" cy="3409632"/>
-          </a:xfrm>
-        </p:spPr>
-        <p:txBody>
-          <a:bodyPr>
-            <a:normAutofit/>
-          </a:bodyPr>
+        <p:spPr/>
+        <p:txBody>
+          <a:bodyPr/>
           <a:lstStyle/>
           <a:p>
-            <a:pPr marL="0" indent="0">
-              <a:buNone/>
-            </a:pPr>
-            <a:r>
-              <a:rPr lang="en-US" dirty="0"/>
-              <a:t>describe</a:t>
-            </a:r>
+            <a:endParaRPr lang="en-US"/>
           </a:p>
         </p:txBody>
       </p:sp>
@@ -14483,7 +14769,7 @@
           <p:cNvPr id="5" name="Text Placeholder 4">
             <a:extLst>
               <a:ext uri="{FF2B5EF4-FFF2-40B4-BE49-F238E27FC236}">
-                <a16:creationId xmlns:a16="http://schemas.microsoft.com/office/drawing/2014/main" id="{7E4336B0-BB02-A142-A285-FD9A822C128D}"/>
+                <a16:creationId xmlns:a16="http://schemas.microsoft.com/office/drawing/2014/main" id="{20ADD62E-D885-B34E-9B41-F05823741C00}"/>
               </a:ext>
             </a:extLst>
           </p:cNvPr>
@@ -14499,11 +14785,7 @@
           <a:bodyPr/>
           <a:lstStyle/>
           <a:p>
-            <a:pPr algn="l"/>
-            <a:r>
-              <a:rPr lang="en-US" b="1" dirty="0"/>
-              <a:t>Classification Models</a:t>
-            </a:r>
+            <a:endParaRPr lang="en-US"/>
           </a:p>
         </p:txBody>
       </p:sp>
@@ -14512,7 +14794,7 @@
           <p:cNvPr id="6" name="Content Placeholder 5">
             <a:extLst>
               <a:ext uri="{FF2B5EF4-FFF2-40B4-BE49-F238E27FC236}">
-                <a16:creationId xmlns:a16="http://schemas.microsoft.com/office/drawing/2014/main" id="{D12C8C3A-B4EC-FE46-AD92-3ADD3B823098}"/>
+                <a16:creationId xmlns:a16="http://schemas.microsoft.com/office/drawing/2014/main" id="{D4537803-017A-6C43-8965-23235FD67E2B}"/>
               </a:ext>
             </a:extLst>
           </p:cNvPr>
@@ -14525,25 +14807,17 @@
         </p:nvSpPr>
         <p:spPr/>
         <p:txBody>
-          <a:bodyPr>
-            <a:normAutofit/>
-          </a:bodyPr>
+          <a:bodyPr/>
           <a:lstStyle/>
           <a:p>
-            <a:pPr marL="0" indent="0">
-              <a:buNone/>
-            </a:pPr>
-            <a:r>
-              <a:rPr lang="en-US" dirty="0"/>
-              <a:t>describe</a:t>
-            </a:r>
+            <a:endParaRPr lang="en-US"/>
           </a:p>
         </p:txBody>
       </p:sp>
     </p:spTree>
     <p:extLst>
       <p:ext uri="{BB962C8B-B14F-4D97-AF65-F5344CB8AC3E}">
-        <p14:creationId xmlns:p14="http://schemas.microsoft.com/office/powerpoint/2010/main" val="2995467700"/>
+        <p14:creationId xmlns:p14="http://schemas.microsoft.com/office/powerpoint/2010/main" val="1994469208"/>
       </p:ext>
     </p:extLst>
   </p:cSld>

--- a/other/Group2_Phase1.pptx
+++ b/other/Group2_Phase1.pptx
@@ -5,7 +5,7 @@
     <p:sldMasterId id="2147483660" r:id="rId1"/>
   </p:sldMasterIdLst>
   <p:notesMasterIdLst>
-    <p:notesMasterId r:id="rId16"/>
+    <p:notesMasterId r:id="rId15"/>
   </p:notesMasterIdLst>
   <p:sldIdLst>
     <p:sldId id="256" r:id="rId2"/>
@@ -17,11 +17,10 @@
     <p:sldId id="263" r:id="rId8"/>
     <p:sldId id="259" r:id="rId9"/>
     <p:sldId id="260" r:id="rId10"/>
-    <p:sldId id="268" r:id="rId11"/>
-    <p:sldId id="261" r:id="rId12"/>
-    <p:sldId id="265" r:id="rId13"/>
-    <p:sldId id="266" r:id="rId14"/>
-    <p:sldId id="262" r:id="rId15"/>
+    <p:sldId id="261" r:id="rId11"/>
+    <p:sldId id="265" r:id="rId12"/>
+    <p:sldId id="266" r:id="rId13"/>
+    <p:sldId id="262" r:id="rId14"/>
   </p:sldIdLst>
   <p:sldSz cx="12192000" cy="6858000"/>
   <p:notesSz cx="6858000" cy="9144000"/>
@@ -989,7 +988,7 @@
     </p:spTree>
     <p:extLst>
       <p:ext uri="{BB962C8B-B14F-4D97-AF65-F5344CB8AC3E}">
-        <p14:creationId xmlns:p14="http://schemas.microsoft.com/office/powerpoint/2010/main" val="3148085847"/>
+        <p14:creationId xmlns:p14="http://schemas.microsoft.com/office/powerpoint/2010/main" val="710768679"/>
       </p:ext>
     </p:extLst>
   </p:cSld>
@@ -1224,7 +1223,7 @@
     </p:spTree>
     <p:extLst>
       <p:ext uri="{BB962C8B-B14F-4D97-AF65-F5344CB8AC3E}">
-        <p14:creationId xmlns:p14="http://schemas.microsoft.com/office/powerpoint/2010/main" val="710768679"/>
+        <p14:creationId xmlns:p14="http://schemas.microsoft.com/office/powerpoint/2010/main" val="2487888159"/>
       </p:ext>
     </p:extLst>
   </p:cSld>
@@ -1296,78 +1295,28 @@
               <a:defRPr/>
             </a:pPr>
             <a:r>
-              <a:rPr lang="en-US" sz="1200" b="0" i="0" kern="1200" dirty="0">
-                <a:solidFill>
-                  <a:schemeClr val="tx1"/>
-                </a:solidFill>
-                <a:effectLst/>
-                <a:latin typeface="+mn-lt"/>
-                <a:ea typeface="+mn-ea"/>
-                <a:cs typeface="+mn-cs"/>
-              </a:rPr>
-              <a:t>This criterion is linked to a Learning Outcome</a:t>
-            </a:r>
-          </a:p>
-          <a:p>
-            <a:pPr marL="0" marR="0" lvl="0" indent="0" algn="l" defTabSz="914400" rtl="0" eaLnBrk="1" fontAlgn="auto" latinLnBrk="0" hangingPunct="1">
-              <a:lnSpc>
-                <a:spcPct val="100000"/>
-              </a:lnSpc>
-              <a:spcBef>
-                <a:spcPts val="0"/>
-              </a:spcBef>
-              <a:spcAft>
-                <a:spcPts val="0"/>
-              </a:spcAft>
-              <a:buClrTx/>
-              <a:buSzTx/>
-              <a:buFontTx/>
-              <a:buNone/>
-              <a:tabLst/>
-              <a:defRPr/>
-            </a:pPr>
-            <a:r>
-              <a:rPr lang="en-US" sz="1200" b="0" i="0" kern="1200" dirty="0">
-                <a:solidFill>
-                  <a:schemeClr val="tx1"/>
-                </a:solidFill>
-                <a:effectLst/>
-                <a:latin typeface="+mn-lt"/>
-                <a:ea typeface="+mn-ea"/>
-                <a:cs typeface="+mn-cs"/>
-              </a:rPr>
-              <a:t>Results and discussion of results</a:t>
-            </a:r>
-          </a:p>
-          <a:p>
-            <a:pPr marL="0" marR="0" lvl="0" indent="0" algn="l" defTabSz="914400" rtl="0" eaLnBrk="1" fontAlgn="auto" latinLnBrk="0" hangingPunct="1">
-              <a:lnSpc>
-                <a:spcPct val="100000"/>
-              </a:lnSpc>
-              <a:spcBef>
-                <a:spcPts val="0"/>
-              </a:spcBef>
-              <a:spcAft>
-                <a:spcPts val="0"/>
-              </a:spcAft>
-              <a:buClrTx/>
-              <a:buSzTx/>
-              <a:buFontTx/>
-              <a:buNone/>
-              <a:tabLst/>
-              <a:defRPr/>
-            </a:pPr>
-            <a:r>
-              <a:rPr lang="en-US" sz="1200" b="0" i="0" kern="1200" dirty="0">
-                <a:solidFill>
-                  <a:schemeClr val="tx1"/>
-                </a:solidFill>
-                <a:effectLst/>
-                <a:latin typeface="+mn-lt"/>
-                <a:ea typeface="+mn-ea"/>
-                <a:cs typeface="+mn-cs"/>
-              </a:rPr>
-              <a:t>Expectations here are to provide the following in sections and subsections:</a:t>
+              <a:rPr lang="en-US" sz="1200" b="0" i="0" kern="1200" dirty="0" err="1">
+                <a:solidFill>
+                  <a:schemeClr val="tx1"/>
+                </a:solidFill>
+                <a:effectLst/>
+                <a:latin typeface="+mn-lt"/>
+                <a:ea typeface="+mn-ea"/>
+                <a:cs typeface="+mn-cs"/>
+              </a:rPr>
+              <a:t>ConclusionExpectations</a:t>
+            </a:r>
+            <a:r>
+              <a:rPr lang="en-US" sz="1200" b="0" i="0" kern="1200" dirty="0">
+                <a:solidFill>
+                  <a:schemeClr val="tx1"/>
+                </a:solidFill>
+                <a:effectLst/>
+                <a:latin typeface="+mn-lt"/>
+                <a:ea typeface="+mn-ea"/>
+                <a:cs typeface="+mn-cs"/>
+              </a:rPr>
+              <a:t> here are to address the following following in your conclusion (in about 150 words) in a main section by itself:</a:t>
             </a:r>
             <a:br>
               <a:rPr lang="en-US" sz="1200" b="0" i="0" kern="1200" dirty="0">
@@ -1401,31 +1350,143 @@
                 <a:ea typeface="+mn-ea"/>
                 <a:cs typeface="+mn-cs"/>
               </a:rPr>
-              <a:t>Discussion’s aim is result interpretation, which means explain, </a:t>
-            </a:r>
-            <a:r>
-              <a:rPr lang="en-US" sz="1200" b="0" i="0" kern="1200" dirty="0" err="1">
-                <a:solidFill>
-                  <a:schemeClr val="tx1"/>
-                </a:solidFill>
-                <a:effectLst/>
-                <a:latin typeface="+mn-lt"/>
-                <a:ea typeface="+mn-ea"/>
-                <a:cs typeface="+mn-cs"/>
-              </a:rPr>
-              <a:t>analyse</a:t>
-            </a:r>
-            <a:r>
-              <a:rPr lang="en-US" sz="1200" b="0" i="0" kern="1200" dirty="0">
-                <a:solidFill>
-                  <a:schemeClr val="tx1"/>
-                </a:solidFill>
-                <a:effectLst/>
-                <a:latin typeface="+mn-lt"/>
-                <a:ea typeface="+mn-ea"/>
-                <a:cs typeface="+mn-cs"/>
-              </a:rPr>
-              <a:t>, and compare them. Often, this part is the most important, simply because it lets the researcher take a step back and give a broader look at the experiment. Do not discuss any outcomes not presented in the results part.</a:t>
+              <a:t>-- Restate your project focus explain why it’s important. Make sure that this part of the conclusion is concise and clear.</a:t>
+            </a:r>
+            <a:br>
+              <a:rPr lang="en-US" sz="1200" b="0" i="0" kern="1200" dirty="0">
+                <a:solidFill>
+                  <a:schemeClr val="tx1"/>
+                </a:solidFill>
+                <a:effectLst/>
+                <a:latin typeface="+mn-lt"/>
+                <a:ea typeface="+mn-ea"/>
+                <a:cs typeface="+mn-cs"/>
+              </a:rPr>
+            </a:br>
+            <a:br>
+              <a:rPr lang="en-US" sz="1200" b="0" i="0" kern="1200" dirty="0">
+                <a:solidFill>
+                  <a:schemeClr val="tx1"/>
+                </a:solidFill>
+                <a:effectLst/>
+                <a:latin typeface="+mn-lt"/>
+                <a:ea typeface="+mn-ea"/>
+                <a:cs typeface="+mn-cs"/>
+              </a:rPr>
+            </a:br>
+            <a:r>
+              <a:rPr lang="en-US" sz="1200" b="0" i="0" kern="1200" dirty="0">
+                <a:solidFill>
+                  <a:schemeClr val="tx1"/>
+                </a:solidFill>
+                <a:effectLst/>
+                <a:latin typeface="+mn-lt"/>
+                <a:ea typeface="+mn-ea"/>
+                <a:cs typeface="+mn-cs"/>
+              </a:rPr>
+              <a:t>-- Restate your hypothesis (e.g., ML pipelines with custom features can accurately forecast box office returns)</a:t>
+            </a:r>
+            <a:br>
+              <a:rPr lang="en-US" sz="1200" b="0" i="0" kern="1200" dirty="0">
+                <a:solidFill>
+                  <a:schemeClr val="tx1"/>
+                </a:solidFill>
+                <a:effectLst/>
+                <a:latin typeface="+mn-lt"/>
+                <a:ea typeface="+mn-ea"/>
+                <a:cs typeface="+mn-cs"/>
+              </a:rPr>
+            </a:br>
+            <a:br>
+              <a:rPr lang="en-US" sz="1200" b="0" i="0" kern="1200" dirty="0">
+                <a:solidFill>
+                  <a:schemeClr val="tx1"/>
+                </a:solidFill>
+                <a:effectLst/>
+                <a:latin typeface="+mn-lt"/>
+                <a:ea typeface="+mn-ea"/>
+                <a:cs typeface="+mn-cs"/>
+              </a:rPr>
+            </a:br>
+            <a:r>
+              <a:rPr lang="en-US" sz="1200" b="0" i="0" kern="1200" dirty="0">
+                <a:solidFill>
+                  <a:schemeClr val="tx1"/>
+                </a:solidFill>
+                <a:effectLst/>
+                <a:latin typeface="+mn-lt"/>
+                <a:ea typeface="+mn-ea"/>
+                <a:cs typeface="+mn-cs"/>
+              </a:rPr>
+              <a:t>-- Summarize main points of your project: Remind your readers your key points.</a:t>
+            </a:r>
+            <a:br>
+              <a:rPr lang="en-US" sz="1200" b="0" i="0" kern="1200" dirty="0">
+                <a:solidFill>
+                  <a:schemeClr val="tx1"/>
+                </a:solidFill>
+                <a:effectLst/>
+                <a:latin typeface="+mn-lt"/>
+                <a:ea typeface="+mn-ea"/>
+                <a:cs typeface="+mn-cs"/>
+              </a:rPr>
+            </a:br>
+            <a:br>
+              <a:rPr lang="en-US" sz="1200" b="0" i="0" kern="1200" dirty="0">
+                <a:solidFill>
+                  <a:schemeClr val="tx1"/>
+                </a:solidFill>
+                <a:effectLst/>
+                <a:latin typeface="+mn-lt"/>
+                <a:ea typeface="+mn-ea"/>
+                <a:cs typeface="+mn-cs"/>
+              </a:rPr>
+            </a:br>
+            <a:r>
+              <a:rPr lang="en-US" sz="1200" b="0" i="0" kern="1200" dirty="0">
+                <a:solidFill>
+                  <a:schemeClr val="tx1"/>
+                </a:solidFill>
+                <a:effectLst/>
+                <a:latin typeface="+mn-lt"/>
+                <a:ea typeface="+mn-ea"/>
+                <a:cs typeface="+mn-cs"/>
+              </a:rPr>
+              <a:t>-- Discuss the significance of your results</a:t>
+            </a:r>
+            <a:br>
+              <a:rPr lang="en-US" sz="1200" b="0" i="0" kern="1200" dirty="0">
+                <a:solidFill>
+                  <a:schemeClr val="tx1"/>
+                </a:solidFill>
+                <a:effectLst/>
+                <a:latin typeface="+mn-lt"/>
+                <a:ea typeface="+mn-ea"/>
+                <a:cs typeface="+mn-cs"/>
+              </a:rPr>
+            </a:br>
+            <a:br>
+              <a:rPr lang="en-US" sz="1200" b="0" i="0" kern="1200" dirty="0">
+                <a:solidFill>
+                  <a:schemeClr val="tx1"/>
+                </a:solidFill>
+                <a:effectLst/>
+                <a:latin typeface="+mn-lt"/>
+                <a:ea typeface="+mn-ea"/>
+                <a:cs typeface="+mn-cs"/>
+              </a:rPr>
+            </a:br>
+            <a:r>
+              <a:rPr lang="en-US" sz="1200" b="0" i="0" kern="1200" dirty="0">
+                <a:solidFill>
+                  <a:schemeClr val="tx1"/>
+                </a:solidFill>
+                <a:effectLst/>
+                <a:latin typeface="+mn-lt"/>
+                <a:ea typeface="+mn-ea"/>
+                <a:cs typeface="+mn-cs"/>
+              </a:rPr>
+              <a:t>-- Discuss the future of your project and closing thoughts.</a:t>
             </a:r>
           </a:p>
           <a:p>
@@ -1451,303 +1512,6 @@
             <a:fld id="{25E2E259-F0C1-274B-BB83-2518BC0EEFC9}" type="slidenum">
               <a:rPr lang="en-US" smtClean="0"/>
               <a:t>13</a:t>
-            </a:fld>
-            <a:endParaRPr lang="en-US"/>
-          </a:p>
-        </p:txBody>
-      </p:sp>
-    </p:spTree>
-    <p:extLst>
-      <p:ext uri="{BB962C8B-B14F-4D97-AF65-F5344CB8AC3E}">
-        <p14:creationId xmlns:p14="http://schemas.microsoft.com/office/powerpoint/2010/main" val="2487888159"/>
-      </p:ext>
-    </p:extLst>
-  </p:cSld>
-  <p:clrMapOvr>
-    <a:masterClrMapping/>
-  </p:clrMapOvr>
-</p:notes>
-</file>
-
-<file path=ppt/notesSlides/notesSlide13.xml><?xml version="1.0" encoding="utf-8"?>
-<p:notes xmlns:a="http://schemas.openxmlformats.org/drawingml/2006/main" xmlns:r="http://schemas.openxmlformats.org/officeDocument/2006/relationships" xmlns:p="http://schemas.openxmlformats.org/presentationml/2006/main">
-  <p:cSld>
-    <p:spTree>
-      <p:nvGrpSpPr>
-        <p:cNvPr id="1" name=""/>
-        <p:cNvGrpSpPr/>
-        <p:nvPr/>
-      </p:nvGrpSpPr>
-      <p:grpSpPr>
-        <a:xfrm>
-          <a:off x="0" y="0"/>
-          <a:ext cx="0" cy="0"/>
-          <a:chOff x="0" y="0"/>
-          <a:chExt cx="0" cy="0"/>
-        </a:xfrm>
-      </p:grpSpPr>
-      <p:sp>
-        <p:nvSpPr>
-          <p:cNvPr id="2" name="Slide Image Placeholder 1"/>
-          <p:cNvSpPr>
-            <a:spLocks noGrp="1" noRot="1" noChangeAspect="1"/>
-          </p:cNvSpPr>
-          <p:nvPr>
-            <p:ph type="sldImg"/>
-          </p:nvPr>
-        </p:nvSpPr>
-        <p:spPr/>
-      </p:sp>
-      <p:sp>
-        <p:nvSpPr>
-          <p:cNvPr id="3" name="Notes Placeholder 2"/>
-          <p:cNvSpPr>
-            <a:spLocks noGrp="1"/>
-          </p:cNvSpPr>
-          <p:nvPr>
-            <p:ph type="body" idx="1"/>
-          </p:nvPr>
-        </p:nvSpPr>
-        <p:spPr/>
-        <p:txBody>
-          <a:bodyPr/>
-          <a:lstStyle/>
-          <a:p>
-            <a:pPr marL="0" marR="0" lvl="0" indent="0" algn="l" defTabSz="914400" rtl="0" eaLnBrk="1" fontAlgn="auto" latinLnBrk="0" hangingPunct="1">
-              <a:lnSpc>
-                <a:spcPct val="100000"/>
-              </a:lnSpc>
-              <a:spcBef>
-                <a:spcPts val="0"/>
-              </a:spcBef>
-              <a:spcAft>
-                <a:spcPts val="0"/>
-              </a:spcAft>
-              <a:buClrTx/>
-              <a:buSzTx/>
-              <a:buFontTx/>
-              <a:buNone/>
-              <a:tabLst/>
-              <a:defRPr/>
-            </a:pPr>
-            <a:r>
-              <a:rPr lang="en-US" sz="1200" b="0" i="0" kern="1200" dirty="0" err="1">
-                <a:solidFill>
-                  <a:schemeClr val="tx1"/>
-                </a:solidFill>
-                <a:effectLst/>
-                <a:latin typeface="+mn-lt"/>
-                <a:ea typeface="+mn-ea"/>
-                <a:cs typeface="+mn-cs"/>
-              </a:rPr>
-              <a:t>ConclusionExpectations</a:t>
-            </a:r>
-            <a:r>
-              <a:rPr lang="en-US" sz="1200" b="0" i="0" kern="1200" dirty="0">
-                <a:solidFill>
-                  <a:schemeClr val="tx1"/>
-                </a:solidFill>
-                <a:effectLst/>
-                <a:latin typeface="+mn-lt"/>
-                <a:ea typeface="+mn-ea"/>
-                <a:cs typeface="+mn-cs"/>
-              </a:rPr>
-              <a:t> here are to address the following following in your conclusion (in about 150 words) in a main section by itself:</a:t>
-            </a:r>
-            <a:br>
-              <a:rPr lang="en-US" sz="1200" b="0" i="0" kern="1200" dirty="0">
-                <a:solidFill>
-                  <a:schemeClr val="tx1"/>
-                </a:solidFill>
-                <a:effectLst/>
-                <a:latin typeface="+mn-lt"/>
-                <a:ea typeface="+mn-ea"/>
-                <a:cs typeface="+mn-cs"/>
-              </a:rPr>
-            </a:br>
-            <a:br>
-              <a:rPr lang="en-US" sz="1200" b="0" i="0" kern="1200" dirty="0">
-                <a:solidFill>
-                  <a:schemeClr val="tx1"/>
-                </a:solidFill>
-                <a:effectLst/>
-                <a:latin typeface="+mn-lt"/>
-                <a:ea typeface="+mn-ea"/>
-                <a:cs typeface="+mn-cs"/>
-              </a:rPr>
-            </a:br>
-            <a:r>
-              <a:rPr lang="en-US" sz="1200" b="0" i="0" kern="1200" dirty="0">
-                <a:solidFill>
-                  <a:schemeClr val="tx1"/>
-                </a:solidFill>
-                <a:effectLst/>
-                <a:latin typeface="+mn-lt"/>
-                <a:ea typeface="+mn-ea"/>
-                <a:cs typeface="+mn-cs"/>
-              </a:rPr>
-              <a:t>-- Restate your project focus explain why it’s important. Make sure that this part of the conclusion is concise and clear.</a:t>
-            </a:r>
-            <a:br>
-              <a:rPr lang="en-US" sz="1200" b="0" i="0" kern="1200" dirty="0">
-                <a:solidFill>
-                  <a:schemeClr val="tx1"/>
-                </a:solidFill>
-                <a:effectLst/>
-                <a:latin typeface="+mn-lt"/>
-                <a:ea typeface="+mn-ea"/>
-                <a:cs typeface="+mn-cs"/>
-              </a:rPr>
-            </a:br>
-            <a:br>
-              <a:rPr lang="en-US" sz="1200" b="0" i="0" kern="1200" dirty="0">
-                <a:solidFill>
-                  <a:schemeClr val="tx1"/>
-                </a:solidFill>
-                <a:effectLst/>
-                <a:latin typeface="+mn-lt"/>
-                <a:ea typeface="+mn-ea"/>
-                <a:cs typeface="+mn-cs"/>
-              </a:rPr>
-            </a:br>
-            <a:r>
-              <a:rPr lang="en-US" sz="1200" b="0" i="0" kern="1200" dirty="0">
-                <a:solidFill>
-                  <a:schemeClr val="tx1"/>
-                </a:solidFill>
-                <a:effectLst/>
-                <a:latin typeface="+mn-lt"/>
-                <a:ea typeface="+mn-ea"/>
-                <a:cs typeface="+mn-cs"/>
-              </a:rPr>
-              <a:t>-- Restate your hypothesis (e.g., ML pipelines with custom features can accurately forecast box office returns)</a:t>
-            </a:r>
-            <a:br>
-              <a:rPr lang="en-US" sz="1200" b="0" i="0" kern="1200" dirty="0">
-                <a:solidFill>
-                  <a:schemeClr val="tx1"/>
-                </a:solidFill>
-                <a:effectLst/>
-                <a:latin typeface="+mn-lt"/>
-                <a:ea typeface="+mn-ea"/>
-                <a:cs typeface="+mn-cs"/>
-              </a:rPr>
-            </a:br>
-            <a:br>
-              <a:rPr lang="en-US" sz="1200" b="0" i="0" kern="1200" dirty="0">
-                <a:solidFill>
-                  <a:schemeClr val="tx1"/>
-                </a:solidFill>
-                <a:effectLst/>
-                <a:latin typeface="+mn-lt"/>
-                <a:ea typeface="+mn-ea"/>
-                <a:cs typeface="+mn-cs"/>
-              </a:rPr>
-            </a:br>
-            <a:r>
-              <a:rPr lang="en-US" sz="1200" b="0" i="0" kern="1200" dirty="0">
-                <a:solidFill>
-                  <a:schemeClr val="tx1"/>
-                </a:solidFill>
-                <a:effectLst/>
-                <a:latin typeface="+mn-lt"/>
-                <a:ea typeface="+mn-ea"/>
-                <a:cs typeface="+mn-cs"/>
-              </a:rPr>
-              <a:t>-- Summarize main points of your project: Remind your readers your key points.</a:t>
-            </a:r>
-            <a:br>
-              <a:rPr lang="en-US" sz="1200" b="0" i="0" kern="1200" dirty="0">
-                <a:solidFill>
-                  <a:schemeClr val="tx1"/>
-                </a:solidFill>
-                <a:effectLst/>
-                <a:latin typeface="+mn-lt"/>
-                <a:ea typeface="+mn-ea"/>
-                <a:cs typeface="+mn-cs"/>
-              </a:rPr>
-            </a:br>
-            <a:br>
-              <a:rPr lang="en-US" sz="1200" b="0" i="0" kern="1200" dirty="0">
-                <a:solidFill>
-                  <a:schemeClr val="tx1"/>
-                </a:solidFill>
-                <a:effectLst/>
-                <a:latin typeface="+mn-lt"/>
-                <a:ea typeface="+mn-ea"/>
-                <a:cs typeface="+mn-cs"/>
-              </a:rPr>
-            </a:br>
-            <a:r>
-              <a:rPr lang="en-US" sz="1200" b="0" i="0" kern="1200" dirty="0">
-                <a:solidFill>
-                  <a:schemeClr val="tx1"/>
-                </a:solidFill>
-                <a:effectLst/>
-                <a:latin typeface="+mn-lt"/>
-                <a:ea typeface="+mn-ea"/>
-                <a:cs typeface="+mn-cs"/>
-              </a:rPr>
-              <a:t>-- Discuss the significance of your results</a:t>
-            </a:r>
-            <a:br>
-              <a:rPr lang="en-US" sz="1200" b="0" i="0" kern="1200" dirty="0">
-                <a:solidFill>
-                  <a:schemeClr val="tx1"/>
-                </a:solidFill>
-                <a:effectLst/>
-                <a:latin typeface="+mn-lt"/>
-                <a:ea typeface="+mn-ea"/>
-                <a:cs typeface="+mn-cs"/>
-              </a:rPr>
-            </a:br>
-            <a:br>
-              <a:rPr lang="en-US" sz="1200" b="0" i="0" kern="1200" dirty="0">
-                <a:solidFill>
-                  <a:schemeClr val="tx1"/>
-                </a:solidFill>
-                <a:effectLst/>
-                <a:latin typeface="+mn-lt"/>
-                <a:ea typeface="+mn-ea"/>
-                <a:cs typeface="+mn-cs"/>
-              </a:rPr>
-            </a:br>
-            <a:r>
-              <a:rPr lang="en-US" sz="1200" b="0" i="0" kern="1200" dirty="0">
-                <a:solidFill>
-                  <a:schemeClr val="tx1"/>
-                </a:solidFill>
-                <a:effectLst/>
-                <a:latin typeface="+mn-lt"/>
-                <a:ea typeface="+mn-ea"/>
-                <a:cs typeface="+mn-cs"/>
-              </a:rPr>
-              <a:t>-- Discuss the future of your project and closing thoughts.</a:t>
-            </a:r>
-          </a:p>
-          <a:p>
-            <a:endParaRPr lang="en-US" dirty="0"/>
-          </a:p>
-        </p:txBody>
-      </p:sp>
-      <p:sp>
-        <p:nvSpPr>
-          <p:cNvPr id="4" name="Slide Number Placeholder 3"/>
-          <p:cNvSpPr>
-            <a:spLocks noGrp="1"/>
-          </p:cNvSpPr>
-          <p:nvPr>
-            <p:ph type="sldNum" sz="quarter" idx="5"/>
-          </p:nvPr>
-        </p:nvSpPr>
-        <p:spPr/>
-        <p:txBody>
-          <a:bodyPr/>
-          <a:lstStyle/>
-          <a:p>
-            <a:fld id="{25E2E259-F0C1-274B-BB83-2518BC0EEFC9}" type="slidenum">
-              <a:rPr lang="en-US" smtClean="0"/>
-              <a:t>14</a:t>
             </a:fld>
             <a:endParaRPr lang="en-US"/>
           </a:p>
@@ -4356,7 +4120,7 @@
     </p:spTree>
     <p:extLst>
       <p:ext uri="{BB962C8B-B14F-4D97-AF65-F5344CB8AC3E}">
-        <p14:creationId xmlns:p14="http://schemas.microsoft.com/office/powerpoint/2010/main" val="2529856133"/>
+        <p14:creationId xmlns:p14="http://schemas.microsoft.com/office/powerpoint/2010/main" val="3148085847"/>
       </p:ext>
     </p:extLst>
   </p:cSld>
@@ -9972,11 +9736,11 @@
           <a:p>
             <a:r>
               <a:rPr lang="en-US" dirty="0"/>
-              <a:t>Models </a:t>
+              <a:t>Models</a:t>
             </a:r>
             <a:r>
               <a:rPr lang="en-US" sz="2400" dirty="0"/>
-              <a:t>- </a:t>
+              <a:t> - </a:t>
             </a:r>
             <a:r>
               <a:rPr lang="en-US" sz="2400" dirty="0">
@@ -10054,7 +9818,52 @@
             </a:pPr>
             <a:r>
               <a:rPr lang="en-US" dirty="0"/>
-              <a:t>describe</a:t>
+              <a:t>3 models evaluated with </a:t>
+            </a:r>
+            <a:r>
+              <a:rPr lang="en-US" dirty="0" err="1"/>
+              <a:t>GridSearchCV</a:t>
+            </a:r>
+            <a:r>
+              <a:rPr lang="en-US" dirty="0"/>
+              <a:t> and different alpha parameters and KNN parameters (in order of performance)</a:t>
+            </a:r>
+          </a:p>
+          <a:p>
+            <a:r>
+              <a:rPr lang="en-US" dirty="0"/>
+              <a:t>Lasso Linear Regression *</a:t>
+            </a:r>
+          </a:p>
+          <a:p>
+            <a:r>
+              <a:rPr lang="en-US" dirty="0"/>
+              <a:t>K Nearest Neighbor</a:t>
+            </a:r>
+          </a:p>
+          <a:p>
+            <a:r>
+              <a:rPr lang="en-US" dirty="0"/>
+              <a:t>Ridge Linear Regression</a:t>
+            </a:r>
+          </a:p>
+          <a:p>
+            <a:pPr marL="0" indent="0">
+              <a:buNone/>
+            </a:pPr>
+            <a:r>
+              <a:rPr lang="en-US" dirty="0"/>
+              <a:t>* winner with alpha = 1 during subset training</a:t>
+            </a:r>
+            <a:br>
+              <a:rPr lang="en-US" dirty="0"/>
+            </a:br>
+            <a:br>
+              <a:rPr lang="en-US" dirty="0"/>
+            </a:br>
+            <a:r>
+              <a:rPr lang="en-US" dirty="0"/>
+              <a:t>Winning model (along with its params) placed into the localization pipeline.</a:t>
             </a:r>
           </a:p>
         </p:txBody>
@@ -10111,12 +9920,28 @@
           </a:bodyPr>
           <a:lstStyle/>
           <a:p>
+            <a:r>
+              <a:rPr lang="en-US" dirty="0" err="1"/>
+              <a:t>SKLearn</a:t>
+            </a:r>
+            <a:r>
+              <a:rPr lang="en-US" dirty="0"/>
+              <a:t> Logistic Regression model</a:t>
+            </a:r>
+          </a:p>
+          <a:p>
+            <a:r>
+              <a:rPr lang="en-US" dirty="0"/>
+              <a:t>Homegrown Logistic Regression model using gradient descent</a:t>
+            </a:r>
+          </a:p>
+          <a:p>
             <a:pPr marL="0" indent="0">
               <a:buNone/>
             </a:pPr>
             <a:r>
               <a:rPr lang="en-US" dirty="0"/>
-              <a:t>describe</a:t>
+              <a:t>We did not have sufficient time to perform CV on these two models, but ran them both through training and test sets to compare predictions and performance.</a:t>
             </a:r>
           </a:p>
         </p:txBody>
@@ -10124,7 +9949,7 @@
     </p:spTree>
     <p:extLst>
       <p:ext uri="{BB962C8B-B14F-4D97-AF65-F5344CB8AC3E}">
-        <p14:creationId xmlns:p14="http://schemas.microsoft.com/office/powerpoint/2010/main" val="2995467700"/>
+        <p14:creationId xmlns:p14="http://schemas.microsoft.com/office/powerpoint/2010/main" val="4092814027"/>
       </p:ext>
     </p:extLst>
   </p:cSld>
@@ -10174,7 +9999,7 @@
           <a:p>
             <a:r>
               <a:rPr lang="en-US" dirty="0"/>
-              <a:t>Models </a:t>
+              <a:t>Metrics </a:t>
             </a:r>
             <a:r>
               <a:rPr lang="en-US" sz="2400" dirty="0"/>
@@ -10188,7 +10013,7 @@
                   </a:schemeClr>
                 </a:solidFill>
               </a:rPr>
-              <a:t>Mangesh</a:t>
+              <a:t>Ben</a:t>
             </a:r>
             <a:endParaRPr lang="en-US" sz="2400" dirty="0"/>
           </a:p>
@@ -10215,10 +10040,9 @@
           <a:bodyPr/>
           <a:lstStyle/>
           <a:p>
-            <a:pPr algn="l"/>
-            <a:r>
-              <a:rPr lang="en-US" b="1" dirty="0"/>
-              <a:t>Bounding Box Prediction Models</a:t>
+            <a:r>
+              <a:rPr lang="en-US" dirty="0"/>
+              <a:t>Planned Metrics</a:t>
             </a:r>
           </a:p>
         </p:txBody>
@@ -10239,147 +10063,32 @@
             <p:ph sz="half" idx="2"/>
           </p:nvPr>
         </p:nvSpPr>
-        <p:spPr>
-          <a:xfrm>
-            <a:off x="814729" y="2751138"/>
-            <a:ext cx="5189856" cy="3409632"/>
-          </a:xfrm>
-        </p:spPr>
-        <p:txBody>
-          <a:bodyPr>
-            <a:normAutofit/>
-          </a:bodyPr>
-          <a:lstStyle/>
-          <a:p>
-            <a:pPr marL="0" indent="0">
-              <a:buNone/>
-            </a:pPr>
-            <a:r>
-              <a:rPr lang="en-US" dirty="0"/>
-              <a:t>3 models evaluated with </a:t>
-            </a:r>
-            <a:r>
-              <a:rPr lang="en-US" dirty="0" err="1"/>
-              <a:t>GridSearchCV</a:t>
-            </a:r>
-            <a:r>
-              <a:rPr lang="en-US" dirty="0"/>
-              <a:t> and different alpha parameters and KNN parameters (in order of performance)</a:t>
-            </a:r>
-          </a:p>
-          <a:p>
-            <a:r>
-              <a:rPr lang="en-US" dirty="0"/>
-              <a:t>Lasso Linear Regression *</a:t>
-            </a:r>
-          </a:p>
-          <a:p>
-            <a:r>
-              <a:rPr lang="en-US" dirty="0"/>
-              <a:t>K Nearest Neighbor</a:t>
-            </a:r>
-          </a:p>
-          <a:p>
-            <a:r>
-              <a:rPr lang="en-US" dirty="0"/>
-              <a:t>Ridge Linear Regression</a:t>
-            </a:r>
-          </a:p>
-          <a:p>
-            <a:pPr marL="0" indent="0">
-              <a:buNone/>
-            </a:pPr>
-            <a:r>
-              <a:rPr lang="en-US" dirty="0"/>
-              <a:t>* winner with alpha = 1 during subset training</a:t>
-            </a:r>
-            <a:br>
-              <a:rPr lang="en-US" dirty="0"/>
-            </a:br>
-            <a:br>
-              <a:rPr lang="en-US" dirty="0"/>
-            </a:br>
-            <a:r>
-              <a:rPr lang="en-US" dirty="0"/>
-              <a:t>Winning model (along with its params) placed into the localization pipeline.</a:t>
-            </a:r>
-          </a:p>
-        </p:txBody>
-      </p:sp>
-      <p:sp>
-        <p:nvSpPr>
-          <p:cNvPr id="5" name="Text Placeholder 4">
-            <a:extLst>
-              <a:ext uri="{FF2B5EF4-FFF2-40B4-BE49-F238E27FC236}">
-                <a16:creationId xmlns:a16="http://schemas.microsoft.com/office/drawing/2014/main" id="{7E4336B0-BB02-A142-A285-FD9A822C128D}"/>
-              </a:ext>
-            </a:extLst>
-          </p:cNvPr>
-          <p:cNvSpPr>
-            <a:spLocks noGrp="1"/>
-          </p:cNvSpPr>
-          <p:nvPr>
-            <p:ph type="body" sz="quarter" idx="3"/>
-          </p:nvPr>
-        </p:nvSpPr>
         <p:spPr/>
         <p:txBody>
           <a:bodyPr/>
           <a:lstStyle/>
           <a:p>
-            <a:pPr algn="l"/>
-            <a:r>
-              <a:rPr lang="en-US" b="1" dirty="0"/>
-              <a:t>Classification Models</a:t>
-            </a:r>
-          </a:p>
-        </p:txBody>
-      </p:sp>
-      <p:sp>
-        <p:nvSpPr>
-          <p:cNvPr id="6" name="Content Placeholder 5">
-            <a:extLst>
-              <a:ext uri="{FF2B5EF4-FFF2-40B4-BE49-F238E27FC236}">
-                <a16:creationId xmlns:a16="http://schemas.microsoft.com/office/drawing/2014/main" id="{D12C8C3A-B4EC-FE46-AD92-3ADD3B823098}"/>
-              </a:ext>
-            </a:extLst>
-          </p:cNvPr>
-          <p:cNvSpPr>
-            <a:spLocks noGrp="1"/>
-          </p:cNvSpPr>
-          <p:nvPr>
-            <p:ph sz="quarter" idx="4"/>
-          </p:nvPr>
-        </p:nvSpPr>
-        <p:spPr/>
-        <p:txBody>
-          <a:bodyPr>
-            <a:normAutofit/>
-          </a:bodyPr>
-          <a:lstStyle/>
-          <a:p>
-            <a:r>
-              <a:rPr lang="en-US" dirty="0" err="1"/>
-              <a:t>SKLearn</a:t>
-            </a:r>
             <a:r>
               <a:rPr lang="en-US" dirty="0"/>
-              <a:t> Logistic Regression model</a:t>
+              <a:t>Explain</a:t>
             </a:r>
           </a:p>
           <a:p>
             <a:r>
               <a:rPr lang="en-US" dirty="0"/>
-              <a:t>Homegrown Logistic Regression model using gradient descent</a:t>
-            </a:r>
-          </a:p>
-          <a:p>
-            <a:pPr marL="0" indent="0">
-              <a:buNone/>
-            </a:pPr>
+              <a:t>Analyze</a:t>
+            </a:r>
+          </a:p>
+          <a:p>
             <a:r>
               <a:rPr lang="en-US" dirty="0"/>
-              <a:t>We did not have sufficient time to perform CV on these two models, but ran them both through training and test sets to compare predictions and performance.</a:t>
+              <a:t>Compare</a:t>
+            </a:r>
+          </a:p>
+          <a:p>
+            <a:r>
+              <a:rPr lang="en-US" dirty="0"/>
+              <a:t>Outcomes to be discussed</a:t>
             </a:r>
           </a:p>
         </p:txBody>
@@ -10387,7 +10096,7 @@
     </p:spTree>
     <p:extLst>
       <p:ext uri="{BB962C8B-B14F-4D97-AF65-F5344CB8AC3E}">
-        <p14:creationId xmlns:p14="http://schemas.microsoft.com/office/powerpoint/2010/main" val="4092814027"/>
+        <p14:creationId xmlns:p14="http://schemas.microsoft.com/office/powerpoint/2010/main" val="3656580415"/>
       </p:ext>
     </p:extLst>
   </p:cSld>
@@ -10437,51 +10146,9 @@
           <a:p>
             <a:r>
               <a:rPr lang="en-US" dirty="0"/>
-              <a:t>Metrics, Results, Discussion </a:t>
-            </a:r>
-            <a:r>
-              <a:rPr lang="en-US" sz="2400" dirty="0"/>
-              <a:t>- </a:t>
-            </a:r>
-            <a:r>
-              <a:rPr lang="en-US" sz="2400" dirty="0">
-                <a:solidFill>
-                  <a:schemeClr val="accent1">
-                    <a:lumMod val="50000"/>
-                  </a:schemeClr>
-                </a:solidFill>
-              </a:rPr>
-              <a:t>Ben</a:t>
+              <a:t>Results, Discussion</a:t>
             </a:r>
             <a:endParaRPr lang="en-US" sz="2400" dirty="0"/>
-          </a:p>
-        </p:txBody>
-      </p:sp>
-      <p:sp>
-        <p:nvSpPr>
-          <p:cNvPr id="3" name="Text Placeholder 2">
-            <a:extLst>
-              <a:ext uri="{FF2B5EF4-FFF2-40B4-BE49-F238E27FC236}">
-                <a16:creationId xmlns:a16="http://schemas.microsoft.com/office/drawing/2014/main" id="{20A48431-64F0-3A41-9438-12793F22BE0C}"/>
-              </a:ext>
-            </a:extLst>
-          </p:cNvPr>
-          <p:cNvSpPr>
-            <a:spLocks noGrp="1"/>
-          </p:cNvSpPr>
-          <p:nvPr>
-            <p:ph type="body" idx="1"/>
-          </p:nvPr>
-        </p:nvSpPr>
-        <p:spPr/>
-        <p:txBody>
-          <a:bodyPr/>
-          <a:lstStyle/>
-          <a:p>
-            <a:r>
-              <a:rPr lang="en-US" dirty="0"/>
-              <a:t>Results Summary</a:t>
-            </a:r>
           </a:p>
         </p:txBody>
       </p:sp>
@@ -10501,88 +10168,75 @@
             <p:ph sz="half" idx="2"/>
           </p:nvPr>
         </p:nvSpPr>
-        <p:spPr/>
-        <p:txBody>
-          <a:bodyPr/>
+        <p:spPr>
+          <a:xfrm>
+            <a:off x="814728" y="2751138"/>
+            <a:ext cx="10567270" cy="3659674"/>
+          </a:xfrm>
+        </p:spPr>
+        <p:txBody>
+          <a:bodyPr>
+            <a:normAutofit lnSpcReduction="10000"/>
+          </a:bodyPr>
           <a:lstStyle/>
           <a:p>
-            <a:r>
-              <a:rPr lang="en-US" dirty="0"/>
-              <a:t>Explain</a:t>
-            </a:r>
-          </a:p>
-          <a:p>
-            <a:r>
-              <a:rPr lang="en-US" dirty="0"/>
-              <a:t>Analyze</a:t>
-            </a:r>
-          </a:p>
-          <a:p>
-            <a:r>
-              <a:rPr lang="en-US" dirty="0"/>
-              <a:t>Compare</a:t>
-            </a:r>
-          </a:p>
-          <a:p>
-            <a:r>
-              <a:rPr lang="en-US" dirty="0"/>
-              <a:t>Outcomes to be discussed</a:t>
-            </a:r>
-          </a:p>
-        </p:txBody>
-      </p:sp>
-      <p:sp>
-        <p:nvSpPr>
-          <p:cNvPr id="5" name="Text Placeholder 4">
-            <a:extLst>
-              <a:ext uri="{FF2B5EF4-FFF2-40B4-BE49-F238E27FC236}">
-                <a16:creationId xmlns:a16="http://schemas.microsoft.com/office/drawing/2014/main" id="{7E4336B0-BB02-A142-A285-FD9A822C128D}"/>
-              </a:ext>
-            </a:extLst>
-          </p:cNvPr>
-          <p:cNvSpPr>
-            <a:spLocks noGrp="1"/>
-          </p:cNvSpPr>
-          <p:nvPr>
-            <p:ph type="body" sz="quarter" idx="3"/>
-          </p:nvPr>
-        </p:nvSpPr>
-        <p:spPr/>
-        <p:txBody>
-          <a:bodyPr/>
-          <a:lstStyle/>
-          <a:p>
-            <a:r>
-              <a:rPr lang="en-US" dirty="0"/>
-              <a:t>Discussion</a:t>
-            </a:r>
-          </a:p>
-        </p:txBody>
-      </p:sp>
-      <p:sp>
-        <p:nvSpPr>
-          <p:cNvPr id="6" name="Content Placeholder 5">
-            <a:extLst>
-              <a:ext uri="{FF2B5EF4-FFF2-40B4-BE49-F238E27FC236}">
-                <a16:creationId xmlns:a16="http://schemas.microsoft.com/office/drawing/2014/main" id="{D12C8C3A-B4EC-FE46-AD92-3ADD3B823098}"/>
-              </a:ext>
-            </a:extLst>
-          </p:cNvPr>
-          <p:cNvSpPr>
-            <a:spLocks noGrp="1"/>
-          </p:cNvSpPr>
-          <p:nvPr>
-            <p:ph sz="quarter" idx="4"/>
-          </p:nvPr>
-        </p:nvSpPr>
-        <p:spPr/>
-        <p:txBody>
-          <a:bodyPr/>
-          <a:lstStyle/>
-          <a:p>
-            <a:r>
-              <a:rPr lang="en-US" dirty="0"/>
-              <a:t>Discussion for any of the results to the left</a:t>
+            <a:pPr marL="0" indent="0">
+              <a:buNone/>
+            </a:pPr>
+            <a:r>
+              <a:rPr lang="en-US" sz="2400" b="1" dirty="0"/>
+              <a:t>Project challenges/difficulties</a:t>
+            </a:r>
+          </a:p>
+          <a:p>
+            <a:endParaRPr lang="en-US" dirty="0"/>
+          </a:p>
+          <a:p>
+            <a:r>
+              <a:rPr lang="en-US" sz="2000" dirty="0"/>
+              <a:t>Confusion over which models to use and Phase 1 expectations took time away from coding efforts, took a while to understand which data to use for which step</a:t>
+            </a:r>
+          </a:p>
+          <a:p>
+            <a:r>
+              <a:rPr lang="en-US" sz="2000" dirty="0"/>
+              <a:t>Not able to perform ideal optimization or cross validation of Homegrown vs </a:t>
+            </a:r>
+            <a:r>
+              <a:rPr lang="en-US" sz="2000" dirty="0" err="1"/>
+              <a:t>LogReg</a:t>
+            </a:r>
+            <a:r>
+              <a:rPr lang="en-US" sz="2000" dirty="0"/>
+              <a:t> model for classification</a:t>
+            </a:r>
+          </a:p>
+          <a:p>
+            <a:r>
+              <a:rPr lang="en-US" sz="2000" dirty="0"/>
+              <a:t>Pipelines not optimized, unable to debug Feature Union in time for ideal flow from </a:t>
+            </a:r>
+            <a:r>
+              <a:rPr lang="en-US" sz="2000" dirty="0" err="1"/>
+              <a:t>bbox</a:t>
+            </a:r>
+            <a:r>
+              <a:rPr lang="en-US" sz="2000" dirty="0"/>
+              <a:t> predict &gt; feature engineering &gt; class predict</a:t>
+            </a:r>
+          </a:p>
+          <a:p>
+            <a:r>
+              <a:rPr lang="en-US" sz="2000" dirty="0"/>
+              <a:t>Irregular image results (raccoon image classified as dog, inaccurate bounding boxes, </a:t>
+            </a:r>
+            <a:r>
+              <a:rPr lang="en-US" sz="2000" dirty="0" err="1"/>
+              <a:t>etc</a:t>
+            </a:r>
+            <a:r>
+              <a:rPr lang="en-US" sz="2000" dirty="0"/>
+              <a:t>)</a:t>
             </a:r>
           </a:p>
         </p:txBody>
@@ -10590,7 +10244,7 @@
     </p:spTree>
     <p:extLst>
       <p:ext uri="{BB962C8B-B14F-4D97-AF65-F5344CB8AC3E}">
-        <p14:creationId xmlns:p14="http://schemas.microsoft.com/office/powerpoint/2010/main" val="3656580415"/>
+        <p14:creationId xmlns:p14="http://schemas.microsoft.com/office/powerpoint/2010/main" val="1837173560"/>
       </p:ext>
     </p:extLst>
   </p:cSld>
@@ -10619,152 +10273,6 @@
       </p:grpSpPr>
       <p:sp>
         <p:nvSpPr>
-          <p:cNvPr id="2" name="Title 1">
-            <a:extLst>
-              <a:ext uri="{FF2B5EF4-FFF2-40B4-BE49-F238E27FC236}">
-                <a16:creationId xmlns:a16="http://schemas.microsoft.com/office/drawing/2014/main" id="{0CAFC94C-B8F1-2F46-8429-1C6AC60091C5}"/>
-              </a:ext>
-            </a:extLst>
-          </p:cNvPr>
-          <p:cNvSpPr>
-            <a:spLocks noGrp="1"/>
-          </p:cNvSpPr>
-          <p:nvPr>
-            <p:ph type="title"/>
-          </p:nvPr>
-        </p:nvSpPr>
-        <p:spPr/>
-        <p:txBody>
-          <a:bodyPr/>
-          <a:lstStyle/>
-          <a:p>
-            <a:r>
-              <a:rPr lang="en-US" dirty="0"/>
-              <a:t>Metrics, Results, Discussion </a:t>
-            </a:r>
-            <a:r>
-              <a:rPr lang="en-US" sz="2400" dirty="0"/>
-              <a:t>- </a:t>
-            </a:r>
-            <a:r>
-              <a:rPr lang="en-US" sz="2400" dirty="0">
-                <a:solidFill>
-                  <a:schemeClr val="accent1">
-                    <a:lumMod val="50000"/>
-                  </a:schemeClr>
-                </a:solidFill>
-              </a:rPr>
-              <a:t>Ben</a:t>
-            </a:r>
-            <a:endParaRPr lang="en-US" sz="2400" dirty="0"/>
-          </a:p>
-        </p:txBody>
-      </p:sp>
-      <p:sp>
-        <p:nvSpPr>
-          <p:cNvPr id="4" name="Content Placeholder 3">
-            <a:extLst>
-              <a:ext uri="{FF2B5EF4-FFF2-40B4-BE49-F238E27FC236}">
-                <a16:creationId xmlns:a16="http://schemas.microsoft.com/office/drawing/2014/main" id="{7E935AF4-F7C7-9748-99D9-82C158F6E60A}"/>
-              </a:ext>
-            </a:extLst>
-          </p:cNvPr>
-          <p:cNvSpPr>
-            <a:spLocks noGrp="1"/>
-          </p:cNvSpPr>
-          <p:nvPr>
-            <p:ph sz="half" idx="2"/>
-          </p:nvPr>
-        </p:nvSpPr>
-        <p:spPr>
-          <a:xfrm>
-            <a:off x="814728" y="2751138"/>
-            <a:ext cx="10567270" cy="3659674"/>
-          </a:xfrm>
-        </p:spPr>
-        <p:txBody>
-          <a:bodyPr/>
-          <a:lstStyle/>
-          <a:p>
-            <a:pPr marL="0" indent="0">
-              <a:buNone/>
-            </a:pPr>
-            <a:r>
-              <a:rPr lang="en-US" sz="2400" b="1" dirty="0"/>
-              <a:t>Project challenges/difficulties</a:t>
-            </a:r>
-          </a:p>
-          <a:p>
-            <a:endParaRPr lang="en-US" dirty="0"/>
-          </a:p>
-          <a:p>
-            <a:r>
-              <a:rPr lang="en-US" sz="2000" dirty="0"/>
-              <a:t>Confusion over which models to use and Phase 1 expectations took time away from coding efforts</a:t>
-            </a:r>
-          </a:p>
-          <a:p>
-            <a:r>
-              <a:rPr lang="en-US" sz="2000" dirty="0"/>
-              <a:t>Not able to perform ideal optimization or cross validation of Homegrown vs </a:t>
-            </a:r>
-            <a:r>
-              <a:rPr lang="en-US" sz="2000" dirty="0" err="1"/>
-              <a:t>LogReg</a:t>
-            </a:r>
-            <a:r>
-              <a:rPr lang="en-US" sz="2000" dirty="0"/>
-              <a:t> model</a:t>
-            </a:r>
-          </a:p>
-          <a:p>
-            <a:r>
-              <a:rPr lang="en-US" sz="2000" dirty="0"/>
-              <a:t>Pipelines not optimized, unable to debug Feature Union in time for ideal flow from </a:t>
-            </a:r>
-            <a:r>
-              <a:rPr lang="en-US" sz="2000" dirty="0" err="1"/>
-              <a:t>bbox</a:t>
-            </a:r>
-            <a:r>
-              <a:rPr lang="en-US" sz="2000" dirty="0"/>
-              <a:t> predict &gt; feature engineering &gt; class predict</a:t>
-            </a:r>
-          </a:p>
-        </p:txBody>
-      </p:sp>
-    </p:spTree>
-    <p:extLst>
-      <p:ext uri="{BB962C8B-B14F-4D97-AF65-F5344CB8AC3E}">
-        <p14:creationId xmlns:p14="http://schemas.microsoft.com/office/powerpoint/2010/main" val="1837173560"/>
-      </p:ext>
-    </p:extLst>
-  </p:cSld>
-  <p:clrMapOvr>
-    <a:masterClrMapping/>
-  </p:clrMapOvr>
-</p:sld>
-</file>
-
-<file path=ppt/slides/slide14.xml><?xml version="1.0" encoding="utf-8"?>
-<p:sld xmlns:a="http://schemas.openxmlformats.org/drawingml/2006/main" xmlns:r="http://schemas.openxmlformats.org/officeDocument/2006/relationships" xmlns:p="http://schemas.openxmlformats.org/presentationml/2006/main">
-  <p:cSld>
-    <p:spTree>
-      <p:nvGrpSpPr>
-        <p:cNvPr id="1" name=""/>
-        <p:cNvGrpSpPr/>
-        <p:nvPr/>
-      </p:nvGrpSpPr>
-      <p:grpSpPr>
-        <a:xfrm>
-          <a:off x="0" y="0"/>
-          <a:ext cx="0" cy="0"/>
-          <a:chOff x="0" y="0"/>
-          <a:chExt cx="0" cy="0"/>
-        </a:xfrm>
-      </p:grpSpPr>
-      <p:sp>
-        <p:nvSpPr>
           <p:cNvPr id="4" name="Title 3">
             <a:extLst>
               <a:ext uri="{FF2B5EF4-FFF2-40B4-BE49-F238E27FC236}">
@@ -10792,21 +10300,7 @@
             <a:pPr algn="l"/>
             <a:r>
               <a:rPr lang="en-US" dirty="0"/>
-              <a:t>Conclusion </a:t>
-            </a:r>
-            <a:r>
-              <a:rPr lang="en-US" sz="2400" dirty="0"/>
-              <a:t>- </a:t>
-            </a:r>
-            <a:r>
-              <a:rPr lang="en-US" sz="2400" dirty="0">
-                <a:solidFill>
-                  <a:schemeClr val="accent1">
-                    <a:lumMod val="50000"/>
-                  </a:schemeClr>
-                </a:solidFill>
-              </a:rPr>
-              <a:t>Ben</a:t>
+              <a:t>Conclusion</a:t>
             </a:r>
             <a:endParaRPr lang="en-US" sz="2400" dirty="0"/>
           </a:p>
@@ -10872,7 +10366,7 @@
         <p:spPr>
           <a:xfrm>
             <a:off x="1155939" y="966158"/>
-            <a:ext cx="9558068" cy="3139321"/>
+            <a:ext cx="9558068" cy="3693319"/>
           </a:xfrm>
           <a:prstGeom prst="rect">
             <a:avLst/>
@@ -10891,92 +10385,55 @@
                   <a:schemeClr val="bg1"/>
                 </a:solidFill>
               </a:rPr>
-              <a:t>Conclusion should be 150 words</a:t>
-            </a:r>
-          </a:p>
-          <a:p>
-            <a:endParaRPr lang="en-US" dirty="0">
-              <a:solidFill>
-                <a:schemeClr val="bg1"/>
-              </a:solidFill>
-            </a:endParaRPr>
-          </a:p>
-          <a:p>
+              <a:t>We aimed to train a model to predict bounding boxes based on provided images and then predict whether each image was a dog or cat as a classification step, using pipelines, </a:t>
+            </a:r>
+            <a:r>
+              <a:rPr lang="en-US" dirty="0" err="1">
+                <a:solidFill>
+                  <a:schemeClr val="bg1"/>
+                </a:solidFill>
+              </a:rPr>
+              <a:t>SKLearn</a:t>
+            </a:r>
             <a:r>
               <a:rPr lang="en-US" dirty="0">
                 <a:solidFill>
                   <a:schemeClr val="bg1"/>
                 </a:solidFill>
               </a:rPr>
-              <a:t>Restate project focus &amp; why important.</a:t>
-            </a:r>
-          </a:p>
-          <a:p>
-            <a:endParaRPr lang="en-US" dirty="0">
-              <a:solidFill>
-                <a:schemeClr val="bg1"/>
-              </a:solidFill>
-            </a:endParaRPr>
-          </a:p>
-          <a:p>
+              <a:t>, and a homegrown model. Image classification’s a complex ML problem. Focusing on a subset of data allowed a short-term project to be approachable. Class prediction based on bounding-boxes alone doesn’t seem to indicate a high probability of success. We’d hoped to achieve above 50% accuracy and planned to use confusion matrices and a combination of F1/accuracy scoring to compare our classification models. Time limitations affected our outcome and though the </a:t>
+            </a:r>
+            <a:r>
+              <a:rPr lang="en-US" dirty="0" err="1">
+                <a:solidFill>
+                  <a:schemeClr val="bg1"/>
+                </a:solidFill>
+              </a:rPr>
+              <a:t>bbox</a:t>
+            </a:r>
             <a:r>
               <a:rPr lang="en-US" dirty="0">
                 <a:solidFill>
                   <a:schemeClr val="bg1"/>
                 </a:solidFill>
               </a:rPr>
-              <a:t>Restate hypothesis. </a:t>
-            </a:r>
-          </a:p>
-          <a:p>
-            <a:endParaRPr lang="en-US" dirty="0">
-              <a:solidFill>
-                <a:schemeClr val="bg1"/>
-              </a:solidFill>
-            </a:endParaRPr>
-          </a:p>
-          <a:p>
+              <a:t> prediction models and pipelines function properly, the predictions from our classification models were not usable. They predicted the same values for all images. We hope that implementing unsupervised machine learning with </a:t>
+            </a:r>
+            <a:r>
+              <a:rPr lang="en-US" dirty="0" err="1">
+                <a:solidFill>
+                  <a:schemeClr val="bg1"/>
+                </a:solidFill>
+              </a:rPr>
+              <a:t>PyTorch</a:t>
+            </a:r>
             <a:r>
               <a:rPr lang="en-US" dirty="0">
                 <a:solidFill>
                   <a:schemeClr val="bg1"/>
                 </a:solidFill>
               </a:rPr>
-              <a:t>Summarize main points.</a:t>
-            </a:r>
-          </a:p>
-          <a:p>
-            <a:endParaRPr lang="en-US" dirty="0">
-              <a:solidFill>
-                <a:schemeClr val="bg1"/>
-              </a:solidFill>
-            </a:endParaRPr>
-          </a:p>
-          <a:p>
-            <a:r>
-              <a:rPr lang="en-US" dirty="0">
-                <a:solidFill>
-                  <a:schemeClr val="bg1"/>
-                </a:solidFill>
-              </a:rPr>
-              <a:t>Significance of results?</a:t>
-            </a:r>
-          </a:p>
-          <a:p>
-            <a:endParaRPr lang="en-US" dirty="0">
-              <a:solidFill>
-                <a:schemeClr val="bg1"/>
-              </a:solidFill>
-            </a:endParaRPr>
-          </a:p>
-          <a:p>
-            <a:r>
-              <a:rPr lang="en-US" dirty="0">
-                <a:solidFill>
-                  <a:schemeClr val="bg1"/>
-                </a:solidFill>
-              </a:rPr>
-              <a:t>Future of project (next steps) &amp; closing thoughts.</a:t>
+              <a:t> and additional tools available therein will allow us to examine metrics on the classification task.</a:t>
             </a:r>
           </a:p>
         </p:txBody>
@@ -12999,21 +12456,7 @@
           <a:p>
             <a:r>
               <a:rPr lang="en-US" dirty="0"/>
-              <a:t>Data: Bounding Box Details </a:t>
-            </a:r>
-            <a:r>
-              <a:rPr lang="en-US" sz="2400" dirty="0"/>
-              <a:t>- </a:t>
-            </a:r>
-            <a:r>
-              <a:rPr lang="en-US" sz="2400" dirty="0">
-                <a:solidFill>
-                  <a:schemeClr val="accent1">
-                    <a:lumMod val="50000"/>
-                  </a:schemeClr>
-                </a:solidFill>
-              </a:rPr>
-              <a:t>Lauren</a:t>
+              <a:t>Data: Bounding Box Detail</a:t>
             </a:r>
             <a:endParaRPr lang="en-US" sz="2400" dirty="0"/>
           </a:p>

--- a/other/Group2_Phase1.pptx
+++ b/other/Group2_Phase1.pptx
@@ -979,7 +979,7 @@
           <a:p>
             <a:fld id="{25E2E259-F0C1-274B-BB83-2518BC0EEFC9}" type="slidenum">
               <a:rPr lang="en-US" smtClean="0"/>
-              <a:t>11</a:t>
+              <a:t>10</a:t>
             </a:fld>
             <a:endParaRPr lang="en-US"/>
           </a:p>
@@ -988,7 +988,7 @@
     </p:spTree>
     <p:extLst>
       <p:ext uri="{BB962C8B-B14F-4D97-AF65-F5344CB8AC3E}">
-        <p14:creationId xmlns:p14="http://schemas.microsoft.com/office/powerpoint/2010/main" val="710768679"/>
+        <p14:creationId xmlns:p14="http://schemas.microsoft.com/office/powerpoint/2010/main" val="3148085847"/>
       </p:ext>
     </p:extLst>
   </p:cSld>
@@ -1214,6 +1214,241 @@
           <a:p>
             <a:fld id="{25E2E259-F0C1-274B-BB83-2518BC0EEFC9}" type="slidenum">
               <a:rPr lang="en-US" smtClean="0"/>
+              <a:t>11</a:t>
+            </a:fld>
+            <a:endParaRPr lang="en-US"/>
+          </a:p>
+        </p:txBody>
+      </p:sp>
+    </p:spTree>
+    <p:extLst>
+      <p:ext uri="{BB962C8B-B14F-4D97-AF65-F5344CB8AC3E}">
+        <p14:creationId xmlns:p14="http://schemas.microsoft.com/office/powerpoint/2010/main" val="710768679"/>
+      </p:ext>
+    </p:extLst>
+  </p:cSld>
+  <p:clrMapOvr>
+    <a:masterClrMapping/>
+  </p:clrMapOvr>
+</p:notes>
+</file>
+
+<file path=ppt/notesSlides/notesSlide12.xml><?xml version="1.0" encoding="utf-8"?>
+<p:notes xmlns:a="http://schemas.openxmlformats.org/drawingml/2006/main" xmlns:r="http://schemas.openxmlformats.org/officeDocument/2006/relationships" xmlns:p="http://schemas.openxmlformats.org/presentationml/2006/main">
+  <p:cSld>
+    <p:spTree>
+      <p:nvGrpSpPr>
+        <p:cNvPr id="1" name=""/>
+        <p:cNvGrpSpPr/>
+        <p:nvPr/>
+      </p:nvGrpSpPr>
+      <p:grpSpPr>
+        <a:xfrm>
+          <a:off x="0" y="0"/>
+          <a:ext cx="0" cy="0"/>
+          <a:chOff x="0" y="0"/>
+          <a:chExt cx="0" cy="0"/>
+        </a:xfrm>
+      </p:grpSpPr>
+      <p:sp>
+        <p:nvSpPr>
+          <p:cNvPr id="2" name="Slide Image Placeholder 1"/>
+          <p:cNvSpPr>
+            <a:spLocks noGrp="1" noRot="1" noChangeAspect="1"/>
+          </p:cNvSpPr>
+          <p:nvPr>
+            <p:ph type="sldImg"/>
+          </p:nvPr>
+        </p:nvSpPr>
+        <p:spPr/>
+      </p:sp>
+      <p:sp>
+        <p:nvSpPr>
+          <p:cNvPr id="3" name="Notes Placeholder 2"/>
+          <p:cNvSpPr>
+            <a:spLocks noGrp="1"/>
+          </p:cNvSpPr>
+          <p:nvPr>
+            <p:ph type="body" idx="1"/>
+          </p:nvPr>
+        </p:nvSpPr>
+        <p:spPr/>
+        <p:txBody>
+          <a:bodyPr/>
+          <a:lstStyle/>
+          <a:p>
+            <a:pPr marL="0" marR="0" lvl="0" indent="0" algn="l" defTabSz="914400" rtl="0" eaLnBrk="1" fontAlgn="auto" latinLnBrk="0" hangingPunct="1">
+              <a:lnSpc>
+                <a:spcPct val="100000"/>
+              </a:lnSpc>
+              <a:spcBef>
+                <a:spcPts val="0"/>
+              </a:spcBef>
+              <a:spcAft>
+                <a:spcPts val="0"/>
+              </a:spcAft>
+              <a:buClrTx/>
+              <a:buSzTx/>
+              <a:buFontTx/>
+              <a:buNone/>
+              <a:tabLst/>
+              <a:defRPr/>
+            </a:pPr>
+            <a:r>
+              <a:rPr lang="en-US" sz="1200" b="0" i="0" kern="1200" dirty="0">
+                <a:solidFill>
+                  <a:schemeClr val="tx1"/>
+                </a:solidFill>
+                <a:effectLst/>
+                <a:latin typeface="+mn-lt"/>
+                <a:ea typeface="+mn-ea"/>
+                <a:cs typeface="+mn-cs"/>
+              </a:rPr>
+              <a:t>This criterion is linked to a Learning Outcome</a:t>
+            </a:r>
+          </a:p>
+          <a:p>
+            <a:pPr marL="0" marR="0" lvl="0" indent="0" algn="l" defTabSz="914400" rtl="0" eaLnBrk="1" fontAlgn="auto" latinLnBrk="0" hangingPunct="1">
+              <a:lnSpc>
+                <a:spcPct val="100000"/>
+              </a:lnSpc>
+              <a:spcBef>
+                <a:spcPts val="0"/>
+              </a:spcBef>
+              <a:spcAft>
+                <a:spcPts val="0"/>
+              </a:spcAft>
+              <a:buClrTx/>
+              <a:buSzTx/>
+              <a:buFontTx/>
+              <a:buNone/>
+              <a:tabLst/>
+              <a:defRPr/>
+            </a:pPr>
+            <a:r>
+              <a:rPr lang="en-US" sz="1200" b="0" i="0" kern="1200" dirty="0">
+                <a:solidFill>
+                  <a:schemeClr val="tx1"/>
+                </a:solidFill>
+                <a:effectLst/>
+                <a:latin typeface="+mn-lt"/>
+                <a:ea typeface="+mn-ea"/>
+                <a:cs typeface="+mn-cs"/>
+              </a:rPr>
+              <a:t>Results and discussion of results</a:t>
+            </a:r>
+          </a:p>
+          <a:p>
+            <a:pPr marL="0" marR="0" lvl="0" indent="0" algn="l" defTabSz="914400" rtl="0" eaLnBrk="1" fontAlgn="auto" latinLnBrk="0" hangingPunct="1">
+              <a:lnSpc>
+                <a:spcPct val="100000"/>
+              </a:lnSpc>
+              <a:spcBef>
+                <a:spcPts val="0"/>
+              </a:spcBef>
+              <a:spcAft>
+                <a:spcPts val="0"/>
+              </a:spcAft>
+              <a:buClrTx/>
+              <a:buSzTx/>
+              <a:buFontTx/>
+              <a:buNone/>
+              <a:tabLst/>
+              <a:defRPr/>
+            </a:pPr>
+            <a:r>
+              <a:rPr lang="en-US" sz="1200" b="0" i="0" kern="1200" dirty="0">
+                <a:solidFill>
+                  <a:schemeClr val="tx1"/>
+                </a:solidFill>
+                <a:effectLst/>
+                <a:latin typeface="+mn-lt"/>
+                <a:ea typeface="+mn-ea"/>
+                <a:cs typeface="+mn-cs"/>
+              </a:rPr>
+              <a:t>Expectations here are to provide the following in sections and subsections:</a:t>
+            </a:r>
+            <a:br>
+              <a:rPr lang="en-US" sz="1200" b="0" i="0" kern="1200" dirty="0">
+                <a:solidFill>
+                  <a:schemeClr val="tx1"/>
+                </a:solidFill>
+                <a:effectLst/>
+                <a:latin typeface="+mn-lt"/>
+                <a:ea typeface="+mn-ea"/>
+                <a:cs typeface="+mn-cs"/>
+              </a:rPr>
+            </a:br>
+            <a:br>
+              <a:rPr lang="en-US" sz="1200" b="0" i="0" kern="1200" dirty="0">
+                <a:solidFill>
+                  <a:schemeClr val="tx1"/>
+                </a:solidFill>
+                <a:effectLst/>
+                <a:latin typeface="+mn-lt"/>
+                <a:ea typeface="+mn-ea"/>
+                <a:cs typeface="+mn-cs"/>
+              </a:rPr>
+            </a:br>
+            <a:r>
+              <a:rPr lang="en-US" sz="1200" b="0" i="0" kern="1200" dirty="0">
+                <a:solidFill>
+                  <a:schemeClr val="tx1"/>
+                </a:solidFill>
+                <a:effectLst/>
+                <a:latin typeface="+mn-lt"/>
+                <a:ea typeface="+mn-ea"/>
+                <a:cs typeface="+mn-cs"/>
+              </a:rPr>
+              <a:t>Discussion’s aim is result interpretation, which means explain, </a:t>
+            </a:r>
+            <a:r>
+              <a:rPr lang="en-US" sz="1200" b="0" i="0" kern="1200" dirty="0" err="1">
+                <a:solidFill>
+                  <a:schemeClr val="tx1"/>
+                </a:solidFill>
+                <a:effectLst/>
+                <a:latin typeface="+mn-lt"/>
+                <a:ea typeface="+mn-ea"/>
+                <a:cs typeface="+mn-cs"/>
+              </a:rPr>
+              <a:t>analyse</a:t>
+            </a:r>
+            <a:r>
+              <a:rPr lang="en-US" sz="1200" b="0" i="0" kern="1200" dirty="0">
+                <a:solidFill>
+                  <a:schemeClr val="tx1"/>
+                </a:solidFill>
+                <a:effectLst/>
+                <a:latin typeface="+mn-lt"/>
+                <a:ea typeface="+mn-ea"/>
+                <a:cs typeface="+mn-cs"/>
+              </a:rPr>
+              <a:t>, and compare them. Often, this part is the most important, simply because it lets the researcher take a step back and give a broader look at the experiment. Do not discuss any outcomes not presented in the results part.</a:t>
+            </a:r>
+          </a:p>
+          <a:p>
+            <a:endParaRPr lang="en-US" dirty="0"/>
+          </a:p>
+        </p:txBody>
+      </p:sp>
+      <p:sp>
+        <p:nvSpPr>
+          <p:cNvPr id="4" name="Slide Number Placeholder 3"/>
+          <p:cNvSpPr>
+            <a:spLocks noGrp="1"/>
+          </p:cNvSpPr>
+          <p:nvPr>
+            <p:ph type="sldNum" sz="quarter" idx="5"/>
+          </p:nvPr>
+        </p:nvSpPr>
+        <p:spPr/>
+        <p:txBody>
+          <a:bodyPr/>
+          <a:lstStyle/>
+          <a:p>
+            <a:fld id="{25E2E259-F0C1-274B-BB83-2518BC0EEFC9}" type="slidenum">
+              <a:rPr lang="en-US" smtClean="0"/>
               <a:t>12</a:t>
             </a:fld>
             <a:endParaRPr lang="en-US"/>
@@ -1233,7 +1468,7 @@
 </p:notes>
 </file>
 
-<file path=ppt/notesSlides/notesSlide12.xml><?xml version="1.0" encoding="utf-8"?>
+<file path=ppt/notesSlides/notesSlide13.xml><?xml version="1.0" encoding="utf-8"?>
 <p:notes xmlns:a="http://schemas.openxmlformats.org/drawingml/2006/main" xmlns:r="http://schemas.openxmlformats.org/officeDocument/2006/relationships" xmlns:p="http://schemas.openxmlformats.org/presentationml/2006/main">
   <p:cSld>
     <p:spTree>
@@ -3124,336 +3359,6 @@
           <a:p>
             <a:endParaRPr lang="en-US" dirty="0"/>
           </a:p>
-          <a:p>
-            <a:pPr marL="0" marR="0" lvl="0" indent="0" algn="l" defTabSz="914400" rtl="0" eaLnBrk="1" fontAlgn="auto" latinLnBrk="0" hangingPunct="1">
-              <a:lnSpc>
-                <a:spcPct val="100000"/>
-              </a:lnSpc>
-              <a:spcBef>
-                <a:spcPts val="0"/>
-              </a:spcBef>
-              <a:spcAft>
-                <a:spcPts val="0"/>
-              </a:spcAft>
-              <a:buClrTx/>
-              <a:buSzTx/>
-              <a:buFontTx/>
-              <a:buNone/>
-              <a:tabLst/>
-              <a:defRPr/>
-            </a:pPr>
-            <a:r>
-              <a:rPr lang="en-US" sz="1200" b="0" i="0" kern="1200" dirty="0">
-                <a:solidFill>
-                  <a:schemeClr val="tx1"/>
-                </a:solidFill>
-                <a:effectLst/>
-                <a:latin typeface="+mn-lt"/>
-                <a:ea typeface="+mn-ea"/>
-                <a:cs typeface="+mn-cs"/>
-              </a:rPr>
-              <a:t>This criterion is linked to a Learning Outcome</a:t>
-            </a:r>
-          </a:p>
-          <a:p>
-            <a:pPr marL="0" marR="0" lvl="0" indent="0" algn="l" defTabSz="914400" rtl="0" eaLnBrk="1" fontAlgn="auto" latinLnBrk="0" hangingPunct="1">
-              <a:lnSpc>
-                <a:spcPct val="100000"/>
-              </a:lnSpc>
-              <a:spcBef>
-                <a:spcPts val="0"/>
-              </a:spcBef>
-              <a:spcAft>
-                <a:spcPts val="0"/>
-              </a:spcAft>
-              <a:buClrTx/>
-              <a:buSzTx/>
-              <a:buFontTx/>
-              <a:buNone/>
-              <a:tabLst/>
-              <a:defRPr/>
-            </a:pPr>
-            <a:r>
-              <a:rPr lang="en-US" sz="1200" b="0" i="0" kern="1200" dirty="0">
-                <a:solidFill>
-                  <a:schemeClr val="tx1"/>
-                </a:solidFill>
-                <a:effectLst/>
-                <a:latin typeface="+mn-lt"/>
-                <a:ea typeface="+mn-ea"/>
-                <a:cs typeface="+mn-cs"/>
-              </a:rPr>
-              <a:t>EDA</a:t>
-            </a:r>
-          </a:p>
-          <a:p>
-            <a:pPr marL="0" marR="0" lvl="0" indent="0" algn="l" defTabSz="914400" rtl="0" eaLnBrk="1" fontAlgn="auto" latinLnBrk="0" hangingPunct="1">
-              <a:lnSpc>
-                <a:spcPct val="100000"/>
-              </a:lnSpc>
-              <a:spcBef>
-                <a:spcPts val="0"/>
-              </a:spcBef>
-              <a:spcAft>
-                <a:spcPts val="0"/>
-              </a:spcAft>
-              <a:buClrTx/>
-              <a:buSzTx/>
-              <a:buFontTx/>
-              <a:buNone/>
-              <a:tabLst/>
-              <a:defRPr/>
-            </a:pPr>
-            <a:r>
-              <a:rPr lang="en-US" sz="1200" b="0" i="0" kern="1200" dirty="0">
-                <a:solidFill>
-                  <a:schemeClr val="tx1"/>
-                </a:solidFill>
-                <a:effectLst/>
-                <a:latin typeface="+mn-lt"/>
-                <a:ea typeface="+mn-ea"/>
-                <a:cs typeface="+mn-cs"/>
-              </a:rPr>
-              <a:t>Expectations here are to provide the following in sections and subsections:</a:t>
-            </a:r>
-          </a:p>
-          <a:p>
-            <a:r>
-              <a:rPr lang="en-US" sz="1200" b="0" i="0" kern="1200" dirty="0">
-                <a:solidFill>
-                  <a:schemeClr val="tx1"/>
-                </a:solidFill>
-                <a:effectLst/>
-                <a:latin typeface="+mn-lt"/>
-                <a:ea typeface="+mn-ea"/>
-                <a:cs typeface="+mn-cs"/>
-              </a:rPr>
-              <a:t>[</a:t>
-            </a:r>
-            <a:r>
-              <a:rPr lang="en-US" sz="1200" b="0" i="0" kern="1200" dirty="0" err="1">
-                <a:solidFill>
-                  <a:schemeClr val="tx1"/>
-                </a:solidFill>
-                <a:effectLst/>
-                <a:latin typeface="+mn-lt"/>
-                <a:ea typeface="+mn-ea"/>
-                <a:cs typeface="+mn-cs"/>
-              </a:rPr>
-              <a:t>CaDoD</a:t>
-            </a:r>
-            <a:r>
-              <a:rPr lang="en-US" sz="1200" b="0" i="0" kern="1200" dirty="0">
-                <a:solidFill>
-                  <a:schemeClr val="tx1"/>
-                </a:solidFill>
-                <a:effectLst/>
-                <a:latin typeface="+mn-lt"/>
-                <a:ea typeface="+mn-ea"/>
-                <a:cs typeface="+mn-cs"/>
-              </a:rPr>
-              <a:t>]</a:t>
-            </a:r>
-            <a:br>
-              <a:rPr lang="en-US" dirty="0"/>
-            </a:br>
-            <a:r>
-              <a:rPr lang="en-US" sz="1200" b="0" i="0" kern="1200" dirty="0">
-                <a:solidFill>
-                  <a:schemeClr val="tx1"/>
-                </a:solidFill>
-                <a:effectLst/>
-                <a:latin typeface="+mn-lt"/>
-                <a:ea typeface="+mn-ea"/>
-                <a:cs typeface="+mn-cs"/>
-              </a:rPr>
-              <a:t>-- Overview of images (i.e. count of cat images, dog images, total images, memory size of images, etc..)</a:t>
-            </a:r>
-            <a:br>
-              <a:rPr lang="en-US" dirty="0"/>
-            </a:br>
-            <a:r>
-              <a:rPr lang="en-US" sz="1200" b="0" i="0" kern="1200" dirty="0">
-                <a:solidFill>
-                  <a:schemeClr val="tx1"/>
-                </a:solidFill>
-                <a:effectLst/>
-                <a:latin typeface="+mn-lt"/>
-                <a:ea typeface="+mn-ea"/>
-                <a:cs typeface="+mn-cs"/>
-              </a:rPr>
-              <a:t>-- Other useful text-based analysis (as opposed to graphic-based)</a:t>
-            </a:r>
-          </a:p>
-          <a:p>
-            <a:endParaRPr lang="en-US" sz="1200" b="0" i="0" kern="1200" dirty="0">
-              <a:solidFill>
-                <a:schemeClr val="tx1"/>
-              </a:solidFill>
-              <a:effectLst/>
-              <a:latin typeface="+mn-lt"/>
-              <a:ea typeface="+mn-ea"/>
-              <a:cs typeface="+mn-cs"/>
-            </a:endParaRPr>
-          </a:p>
-          <a:p>
-            <a:endParaRPr lang="en-US" sz="1200" b="0" i="0" kern="1200" dirty="0">
-              <a:solidFill>
-                <a:schemeClr val="tx1"/>
-              </a:solidFill>
-              <a:effectLst/>
-              <a:latin typeface="+mn-lt"/>
-              <a:ea typeface="+mn-ea"/>
-              <a:cs typeface="+mn-cs"/>
-            </a:endParaRPr>
-          </a:p>
-          <a:p>
-            <a:pPr marL="0" marR="0" lvl="0" indent="0" algn="l" defTabSz="914400" rtl="0" eaLnBrk="1" fontAlgn="auto" latinLnBrk="0" hangingPunct="1">
-              <a:lnSpc>
-                <a:spcPct val="100000"/>
-              </a:lnSpc>
-              <a:spcBef>
-                <a:spcPts val="0"/>
-              </a:spcBef>
-              <a:spcAft>
-                <a:spcPts val="0"/>
-              </a:spcAft>
-              <a:buClrTx/>
-              <a:buSzTx/>
-              <a:buFontTx/>
-              <a:buNone/>
-              <a:tabLst/>
-              <a:defRPr/>
-            </a:pPr>
-            <a:r>
-              <a:rPr lang="en-US" sz="1200" b="0" i="0" kern="1200" dirty="0">
-                <a:solidFill>
-                  <a:schemeClr val="tx1"/>
-                </a:solidFill>
-                <a:effectLst/>
-                <a:latin typeface="+mn-lt"/>
-                <a:ea typeface="+mn-ea"/>
-                <a:cs typeface="+mn-cs"/>
-              </a:rPr>
-              <a:t>This criterion is linked to a Learning Outcome</a:t>
-            </a:r>
-          </a:p>
-          <a:p>
-            <a:pPr marL="0" marR="0" lvl="0" indent="0" algn="l" defTabSz="914400" rtl="0" eaLnBrk="1" fontAlgn="auto" latinLnBrk="0" hangingPunct="1">
-              <a:lnSpc>
-                <a:spcPct val="100000"/>
-              </a:lnSpc>
-              <a:spcBef>
-                <a:spcPts val="0"/>
-              </a:spcBef>
-              <a:spcAft>
-                <a:spcPts val="0"/>
-              </a:spcAft>
-              <a:buClrTx/>
-              <a:buSzTx/>
-              <a:buFontTx/>
-              <a:buNone/>
-              <a:tabLst/>
-              <a:defRPr/>
-            </a:pPr>
-            <a:r>
-              <a:rPr lang="en-US" sz="1200" b="0" i="0" kern="1200" dirty="0">
-                <a:solidFill>
-                  <a:schemeClr val="tx1"/>
-                </a:solidFill>
-                <a:effectLst/>
-                <a:latin typeface="+mn-lt"/>
-                <a:ea typeface="+mn-ea"/>
-                <a:cs typeface="+mn-cs"/>
-              </a:rPr>
-              <a:t>Visual EDA</a:t>
-            </a:r>
-          </a:p>
-          <a:p>
-            <a:pPr marL="0" marR="0" lvl="0" indent="0" algn="l" defTabSz="914400" rtl="0" eaLnBrk="1" fontAlgn="auto" latinLnBrk="0" hangingPunct="1">
-              <a:lnSpc>
-                <a:spcPct val="100000"/>
-              </a:lnSpc>
-              <a:spcBef>
-                <a:spcPts val="0"/>
-              </a:spcBef>
-              <a:spcAft>
-                <a:spcPts val="0"/>
-              </a:spcAft>
-              <a:buClrTx/>
-              <a:buSzTx/>
-              <a:buFontTx/>
-              <a:buNone/>
-              <a:tabLst/>
-              <a:defRPr/>
-            </a:pPr>
-            <a:r>
-              <a:rPr lang="en-US" sz="1200" b="0" i="0" kern="1200" dirty="0">
-                <a:solidFill>
-                  <a:schemeClr val="tx1"/>
-                </a:solidFill>
-                <a:effectLst/>
-                <a:latin typeface="+mn-lt"/>
-                <a:ea typeface="+mn-ea"/>
-                <a:cs typeface="+mn-cs"/>
-              </a:rPr>
-              <a:t>Expectations here are to provide the following in sections and subsections:</a:t>
-            </a:r>
-          </a:p>
-          <a:p>
-            <a:r>
-              <a:rPr lang="en-US" sz="1200" b="0" i="0" kern="1200" dirty="0">
-                <a:solidFill>
-                  <a:schemeClr val="tx1"/>
-                </a:solidFill>
-                <a:effectLst/>
-                <a:latin typeface="+mn-lt"/>
-                <a:ea typeface="+mn-ea"/>
-                <a:cs typeface="+mn-cs"/>
-              </a:rPr>
-              <a:t>[</a:t>
-            </a:r>
-            <a:r>
-              <a:rPr lang="en-US" sz="1200" b="0" i="0" kern="1200" dirty="0" err="1">
-                <a:solidFill>
-                  <a:schemeClr val="tx1"/>
-                </a:solidFill>
-                <a:effectLst/>
-                <a:latin typeface="+mn-lt"/>
-                <a:ea typeface="+mn-ea"/>
-                <a:cs typeface="+mn-cs"/>
-              </a:rPr>
-              <a:t>CaDoD</a:t>
-            </a:r>
-            <a:r>
-              <a:rPr lang="en-US" sz="1200" b="0" i="0" kern="1200" dirty="0">
-                <a:solidFill>
-                  <a:schemeClr val="tx1"/>
-                </a:solidFill>
-                <a:effectLst/>
-                <a:latin typeface="+mn-lt"/>
-                <a:ea typeface="+mn-ea"/>
-                <a:cs typeface="+mn-cs"/>
-              </a:rPr>
-              <a:t>]</a:t>
-            </a:r>
-            <a:br>
-              <a:rPr lang="en-US" dirty="0"/>
-            </a:br>
-            <a:r>
-              <a:rPr lang="en-US" sz="1200" b="0" i="0" kern="1200" dirty="0">
-                <a:solidFill>
-                  <a:schemeClr val="tx1"/>
-                </a:solidFill>
-                <a:effectLst/>
-                <a:latin typeface="+mn-lt"/>
-                <a:ea typeface="+mn-ea"/>
-                <a:cs typeface="+mn-cs"/>
-              </a:rPr>
-              <a:t>-- preview and a small sample of images before and after transformations</a:t>
-            </a:r>
-            <a:endParaRPr lang="en-US" dirty="0"/>
-          </a:p>
         </p:txBody>
       </p:sp>
       <p:sp>
@@ -3473,7 +3378,7 @@
           <a:p>
             <a:fld id="{25E2E259-F0C1-274B-BB83-2518BC0EEFC9}" type="slidenum">
               <a:rPr lang="en-US" smtClean="0"/>
-              <a:t>8</a:t>
+              <a:t>7</a:t>
             </a:fld>
             <a:endParaRPr lang="en-US"/>
           </a:p>
@@ -3482,7 +3387,7 @@
     </p:spTree>
     <p:extLst>
       <p:ext uri="{BB962C8B-B14F-4D97-AF65-F5344CB8AC3E}">
-        <p14:creationId xmlns:p14="http://schemas.microsoft.com/office/powerpoint/2010/main" val="2413518338"/>
+        <p14:creationId xmlns:p14="http://schemas.microsoft.com/office/powerpoint/2010/main" val="834931234"/>
       </p:ext>
     </p:extLst>
   </p:cSld>
@@ -3536,6 +3441,420 @@
           <a:bodyPr/>
           <a:lstStyle/>
           <a:p>
+            <a:endParaRPr lang="en-US" dirty="0"/>
+          </a:p>
+          <a:p>
+            <a:pPr marL="0" marR="0" lvl="0" indent="0" algn="l" defTabSz="914400" rtl="0" eaLnBrk="1" fontAlgn="auto" latinLnBrk="0" hangingPunct="1">
+              <a:lnSpc>
+                <a:spcPct val="100000"/>
+              </a:lnSpc>
+              <a:spcBef>
+                <a:spcPts val="0"/>
+              </a:spcBef>
+              <a:spcAft>
+                <a:spcPts val="0"/>
+              </a:spcAft>
+              <a:buClrTx/>
+              <a:buSzTx/>
+              <a:buFontTx/>
+              <a:buNone/>
+              <a:tabLst/>
+              <a:defRPr/>
+            </a:pPr>
+            <a:r>
+              <a:rPr lang="en-US" sz="1200" b="0" i="0" kern="1200" dirty="0">
+                <a:solidFill>
+                  <a:schemeClr val="tx1"/>
+                </a:solidFill>
+                <a:effectLst/>
+                <a:latin typeface="+mn-lt"/>
+                <a:ea typeface="+mn-ea"/>
+                <a:cs typeface="+mn-cs"/>
+              </a:rPr>
+              <a:t>This criterion is linked to a Learning Outcome</a:t>
+            </a:r>
+          </a:p>
+          <a:p>
+            <a:pPr marL="0" marR="0" lvl="0" indent="0" algn="l" defTabSz="914400" rtl="0" eaLnBrk="1" fontAlgn="auto" latinLnBrk="0" hangingPunct="1">
+              <a:lnSpc>
+                <a:spcPct val="100000"/>
+              </a:lnSpc>
+              <a:spcBef>
+                <a:spcPts val="0"/>
+              </a:spcBef>
+              <a:spcAft>
+                <a:spcPts val="0"/>
+              </a:spcAft>
+              <a:buClrTx/>
+              <a:buSzTx/>
+              <a:buFontTx/>
+              <a:buNone/>
+              <a:tabLst/>
+              <a:defRPr/>
+            </a:pPr>
+            <a:r>
+              <a:rPr lang="en-US" sz="1200" b="0" i="0" kern="1200" dirty="0">
+                <a:solidFill>
+                  <a:schemeClr val="tx1"/>
+                </a:solidFill>
+                <a:effectLst/>
+                <a:latin typeface="+mn-lt"/>
+                <a:ea typeface="+mn-ea"/>
+                <a:cs typeface="+mn-cs"/>
+              </a:rPr>
+              <a:t>EDA</a:t>
+            </a:r>
+          </a:p>
+          <a:p>
+            <a:pPr marL="0" marR="0" lvl="0" indent="0" algn="l" defTabSz="914400" rtl="0" eaLnBrk="1" fontAlgn="auto" latinLnBrk="0" hangingPunct="1">
+              <a:lnSpc>
+                <a:spcPct val="100000"/>
+              </a:lnSpc>
+              <a:spcBef>
+                <a:spcPts val="0"/>
+              </a:spcBef>
+              <a:spcAft>
+                <a:spcPts val="0"/>
+              </a:spcAft>
+              <a:buClrTx/>
+              <a:buSzTx/>
+              <a:buFontTx/>
+              <a:buNone/>
+              <a:tabLst/>
+              <a:defRPr/>
+            </a:pPr>
+            <a:r>
+              <a:rPr lang="en-US" sz="1200" b="0" i="0" kern="1200" dirty="0">
+                <a:solidFill>
+                  <a:schemeClr val="tx1"/>
+                </a:solidFill>
+                <a:effectLst/>
+                <a:latin typeface="+mn-lt"/>
+                <a:ea typeface="+mn-ea"/>
+                <a:cs typeface="+mn-cs"/>
+              </a:rPr>
+              <a:t>Expectations here are to provide the following in sections and subsections:</a:t>
+            </a:r>
+          </a:p>
+          <a:p>
+            <a:r>
+              <a:rPr lang="en-US" sz="1200" b="0" i="0" kern="1200" dirty="0">
+                <a:solidFill>
+                  <a:schemeClr val="tx1"/>
+                </a:solidFill>
+                <a:effectLst/>
+                <a:latin typeface="+mn-lt"/>
+                <a:ea typeface="+mn-ea"/>
+                <a:cs typeface="+mn-cs"/>
+              </a:rPr>
+              <a:t>[</a:t>
+            </a:r>
+            <a:r>
+              <a:rPr lang="en-US" sz="1200" b="0" i="0" kern="1200" dirty="0" err="1">
+                <a:solidFill>
+                  <a:schemeClr val="tx1"/>
+                </a:solidFill>
+                <a:effectLst/>
+                <a:latin typeface="+mn-lt"/>
+                <a:ea typeface="+mn-ea"/>
+                <a:cs typeface="+mn-cs"/>
+              </a:rPr>
+              <a:t>CaDoD</a:t>
+            </a:r>
+            <a:r>
+              <a:rPr lang="en-US" sz="1200" b="0" i="0" kern="1200" dirty="0">
+                <a:solidFill>
+                  <a:schemeClr val="tx1"/>
+                </a:solidFill>
+                <a:effectLst/>
+                <a:latin typeface="+mn-lt"/>
+                <a:ea typeface="+mn-ea"/>
+                <a:cs typeface="+mn-cs"/>
+              </a:rPr>
+              <a:t>]</a:t>
+            </a:r>
+            <a:br>
+              <a:rPr lang="en-US" dirty="0"/>
+            </a:br>
+            <a:r>
+              <a:rPr lang="en-US" sz="1200" b="0" i="0" kern="1200" dirty="0">
+                <a:solidFill>
+                  <a:schemeClr val="tx1"/>
+                </a:solidFill>
+                <a:effectLst/>
+                <a:latin typeface="+mn-lt"/>
+                <a:ea typeface="+mn-ea"/>
+                <a:cs typeface="+mn-cs"/>
+              </a:rPr>
+              <a:t>-- Overview of images (i.e. count of cat images, dog images, total images, memory size of images, etc..)</a:t>
+            </a:r>
+            <a:br>
+              <a:rPr lang="en-US" dirty="0"/>
+            </a:br>
+            <a:r>
+              <a:rPr lang="en-US" sz="1200" b="0" i="0" kern="1200" dirty="0">
+                <a:solidFill>
+                  <a:schemeClr val="tx1"/>
+                </a:solidFill>
+                <a:effectLst/>
+                <a:latin typeface="+mn-lt"/>
+                <a:ea typeface="+mn-ea"/>
+                <a:cs typeface="+mn-cs"/>
+              </a:rPr>
+              <a:t>-- Other useful text-based analysis (as opposed to graphic-based)</a:t>
+            </a:r>
+          </a:p>
+          <a:p>
+            <a:endParaRPr lang="en-US" sz="1200" b="0" i="0" kern="1200" dirty="0">
+              <a:solidFill>
+                <a:schemeClr val="tx1"/>
+              </a:solidFill>
+              <a:effectLst/>
+              <a:latin typeface="+mn-lt"/>
+              <a:ea typeface="+mn-ea"/>
+              <a:cs typeface="+mn-cs"/>
+            </a:endParaRPr>
+          </a:p>
+          <a:p>
+            <a:endParaRPr lang="en-US" sz="1200" b="0" i="0" kern="1200" dirty="0">
+              <a:solidFill>
+                <a:schemeClr val="tx1"/>
+              </a:solidFill>
+              <a:effectLst/>
+              <a:latin typeface="+mn-lt"/>
+              <a:ea typeface="+mn-ea"/>
+              <a:cs typeface="+mn-cs"/>
+            </a:endParaRPr>
+          </a:p>
+          <a:p>
+            <a:pPr marL="0" marR="0" lvl="0" indent="0" algn="l" defTabSz="914400" rtl="0" eaLnBrk="1" fontAlgn="auto" latinLnBrk="0" hangingPunct="1">
+              <a:lnSpc>
+                <a:spcPct val="100000"/>
+              </a:lnSpc>
+              <a:spcBef>
+                <a:spcPts val="0"/>
+              </a:spcBef>
+              <a:spcAft>
+                <a:spcPts val="0"/>
+              </a:spcAft>
+              <a:buClrTx/>
+              <a:buSzTx/>
+              <a:buFontTx/>
+              <a:buNone/>
+              <a:tabLst/>
+              <a:defRPr/>
+            </a:pPr>
+            <a:r>
+              <a:rPr lang="en-US" sz="1200" b="0" i="0" kern="1200" dirty="0">
+                <a:solidFill>
+                  <a:schemeClr val="tx1"/>
+                </a:solidFill>
+                <a:effectLst/>
+                <a:latin typeface="+mn-lt"/>
+                <a:ea typeface="+mn-ea"/>
+                <a:cs typeface="+mn-cs"/>
+              </a:rPr>
+              <a:t>This criterion is linked to a Learning Outcome</a:t>
+            </a:r>
+          </a:p>
+          <a:p>
+            <a:pPr marL="0" marR="0" lvl="0" indent="0" algn="l" defTabSz="914400" rtl="0" eaLnBrk="1" fontAlgn="auto" latinLnBrk="0" hangingPunct="1">
+              <a:lnSpc>
+                <a:spcPct val="100000"/>
+              </a:lnSpc>
+              <a:spcBef>
+                <a:spcPts val="0"/>
+              </a:spcBef>
+              <a:spcAft>
+                <a:spcPts val="0"/>
+              </a:spcAft>
+              <a:buClrTx/>
+              <a:buSzTx/>
+              <a:buFontTx/>
+              <a:buNone/>
+              <a:tabLst/>
+              <a:defRPr/>
+            </a:pPr>
+            <a:r>
+              <a:rPr lang="en-US" sz="1200" b="0" i="0" kern="1200" dirty="0">
+                <a:solidFill>
+                  <a:schemeClr val="tx1"/>
+                </a:solidFill>
+                <a:effectLst/>
+                <a:latin typeface="+mn-lt"/>
+                <a:ea typeface="+mn-ea"/>
+                <a:cs typeface="+mn-cs"/>
+              </a:rPr>
+              <a:t>Visual EDA</a:t>
+            </a:r>
+          </a:p>
+          <a:p>
+            <a:pPr marL="0" marR="0" lvl="0" indent="0" algn="l" defTabSz="914400" rtl="0" eaLnBrk="1" fontAlgn="auto" latinLnBrk="0" hangingPunct="1">
+              <a:lnSpc>
+                <a:spcPct val="100000"/>
+              </a:lnSpc>
+              <a:spcBef>
+                <a:spcPts val="0"/>
+              </a:spcBef>
+              <a:spcAft>
+                <a:spcPts val="0"/>
+              </a:spcAft>
+              <a:buClrTx/>
+              <a:buSzTx/>
+              <a:buFontTx/>
+              <a:buNone/>
+              <a:tabLst/>
+              <a:defRPr/>
+            </a:pPr>
+            <a:r>
+              <a:rPr lang="en-US" sz="1200" b="0" i="0" kern="1200" dirty="0">
+                <a:solidFill>
+                  <a:schemeClr val="tx1"/>
+                </a:solidFill>
+                <a:effectLst/>
+                <a:latin typeface="+mn-lt"/>
+                <a:ea typeface="+mn-ea"/>
+                <a:cs typeface="+mn-cs"/>
+              </a:rPr>
+              <a:t>Expectations here are to provide the following in sections and subsections:</a:t>
+            </a:r>
+          </a:p>
+          <a:p>
+            <a:r>
+              <a:rPr lang="en-US" sz="1200" b="0" i="0" kern="1200" dirty="0">
+                <a:solidFill>
+                  <a:schemeClr val="tx1"/>
+                </a:solidFill>
+                <a:effectLst/>
+                <a:latin typeface="+mn-lt"/>
+                <a:ea typeface="+mn-ea"/>
+                <a:cs typeface="+mn-cs"/>
+              </a:rPr>
+              <a:t>[</a:t>
+            </a:r>
+            <a:r>
+              <a:rPr lang="en-US" sz="1200" b="0" i="0" kern="1200" dirty="0" err="1">
+                <a:solidFill>
+                  <a:schemeClr val="tx1"/>
+                </a:solidFill>
+                <a:effectLst/>
+                <a:latin typeface="+mn-lt"/>
+                <a:ea typeface="+mn-ea"/>
+                <a:cs typeface="+mn-cs"/>
+              </a:rPr>
+              <a:t>CaDoD</a:t>
+            </a:r>
+            <a:r>
+              <a:rPr lang="en-US" sz="1200" b="0" i="0" kern="1200" dirty="0">
+                <a:solidFill>
+                  <a:schemeClr val="tx1"/>
+                </a:solidFill>
+                <a:effectLst/>
+                <a:latin typeface="+mn-lt"/>
+                <a:ea typeface="+mn-ea"/>
+                <a:cs typeface="+mn-cs"/>
+              </a:rPr>
+              <a:t>]</a:t>
+            </a:r>
+            <a:br>
+              <a:rPr lang="en-US" dirty="0"/>
+            </a:br>
+            <a:r>
+              <a:rPr lang="en-US" sz="1200" b="0" i="0" kern="1200" dirty="0">
+                <a:solidFill>
+                  <a:schemeClr val="tx1"/>
+                </a:solidFill>
+                <a:effectLst/>
+                <a:latin typeface="+mn-lt"/>
+                <a:ea typeface="+mn-ea"/>
+                <a:cs typeface="+mn-cs"/>
+              </a:rPr>
+              <a:t>-- preview and a small sample of images before and after transformations</a:t>
+            </a:r>
+            <a:endParaRPr lang="en-US" dirty="0"/>
+          </a:p>
+        </p:txBody>
+      </p:sp>
+      <p:sp>
+        <p:nvSpPr>
+          <p:cNvPr id="4" name="Slide Number Placeholder 3"/>
+          <p:cNvSpPr>
+            <a:spLocks noGrp="1"/>
+          </p:cNvSpPr>
+          <p:nvPr>
+            <p:ph type="sldNum" sz="quarter" idx="5"/>
+          </p:nvPr>
+        </p:nvSpPr>
+        <p:spPr/>
+        <p:txBody>
+          <a:bodyPr/>
+          <a:lstStyle/>
+          <a:p>
+            <a:fld id="{25E2E259-F0C1-274B-BB83-2518BC0EEFC9}" type="slidenum">
+              <a:rPr lang="en-US" smtClean="0"/>
+              <a:t>8</a:t>
+            </a:fld>
+            <a:endParaRPr lang="en-US"/>
+          </a:p>
+        </p:txBody>
+      </p:sp>
+    </p:spTree>
+    <p:extLst>
+      <p:ext uri="{BB962C8B-B14F-4D97-AF65-F5344CB8AC3E}">
+        <p14:creationId xmlns:p14="http://schemas.microsoft.com/office/powerpoint/2010/main" val="2413518338"/>
+      </p:ext>
+    </p:extLst>
+  </p:cSld>
+  <p:clrMapOvr>
+    <a:masterClrMapping/>
+  </p:clrMapOvr>
+</p:notes>
+</file>
+
+<file path=ppt/notesSlides/notesSlide9.xml><?xml version="1.0" encoding="utf-8"?>
+<p:notes xmlns:a="http://schemas.openxmlformats.org/drawingml/2006/main" xmlns:r="http://schemas.openxmlformats.org/officeDocument/2006/relationships" xmlns:p="http://schemas.openxmlformats.org/presentationml/2006/main">
+  <p:cSld>
+    <p:spTree>
+      <p:nvGrpSpPr>
+        <p:cNvPr id="1" name=""/>
+        <p:cNvGrpSpPr/>
+        <p:nvPr/>
+      </p:nvGrpSpPr>
+      <p:grpSpPr>
+        <a:xfrm>
+          <a:off x="0" y="0"/>
+          <a:ext cx="0" cy="0"/>
+          <a:chOff x="0" y="0"/>
+          <a:chExt cx="0" cy="0"/>
+        </a:xfrm>
+      </p:grpSpPr>
+      <p:sp>
+        <p:nvSpPr>
+          <p:cNvPr id="2" name="Slide Image Placeholder 1"/>
+          <p:cNvSpPr>
+            <a:spLocks noGrp="1" noRot="1" noChangeAspect="1"/>
+          </p:cNvSpPr>
+          <p:nvPr>
+            <p:ph type="sldImg"/>
+          </p:nvPr>
+        </p:nvSpPr>
+        <p:spPr/>
+      </p:sp>
+      <p:sp>
+        <p:nvSpPr>
+          <p:cNvPr id="3" name="Notes Placeholder 2"/>
+          <p:cNvSpPr>
+            <a:spLocks noGrp="1"/>
+          </p:cNvSpPr>
+          <p:nvPr>
+            <p:ph type="body" idx="1"/>
+          </p:nvPr>
+        </p:nvSpPr>
+        <p:spPr/>
+        <p:txBody>
+          <a:bodyPr/>
+          <a:lstStyle/>
+          <a:p>
             <a:pPr marL="0" marR="0" lvl="0" indent="0" algn="l" defTabSz="914400" rtl="0" eaLnBrk="1" fontAlgn="auto" latinLnBrk="0" hangingPunct="1">
               <a:lnSpc>
                 <a:spcPct val="100000"/>
@@ -3886,241 +4205,6 @@
     <p:extLst>
       <p:ext uri="{BB962C8B-B14F-4D97-AF65-F5344CB8AC3E}">
         <p14:creationId xmlns:p14="http://schemas.microsoft.com/office/powerpoint/2010/main" val="3798094749"/>
-      </p:ext>
-    </p:extLst>
-  </p:cSld>
-  <p:clrMapOvr>
-    <a:masterClrMapping/>
-  </p:clrMapOvr>
-</p:notes>
-</file>
-
-<file path=ppt/notesSlides/notesSlide9.xml><?xml version="1.0" encoding="utf-8"?>
-<p:notes xmlns:a="http://schemas.openxmlformats.org/drawingml/2006/main" xmlns:r="http://schemas.openxmlformats.org/officeDocument/2006/relationships" xmlns:p="http://schemas.openxmlformats.org/presentationml/2006/main">
-  <p:cSld>
-    <p:spTree>
-      <p:nvGrpSpPr>
-        <p:cNvPr id="1" name=""/>
-        <p:cNvGrpSpPr/>
-        <p:nvPr/>
-      </p:nvGrpSpPr>
-      <p:grpSpPr>
-        <a:xfrm>
-          <a:off x="0" y="0"/>
-          <a:ext cx="0" cy="0"/>
-          <a:chOff x="0" y="0"/>
-          <a:chExt cx="0" cy="0"/>
-        </a:xfrm>
-      </p:grpSpPr>
-      <p:sp>
-        <p:nvSpPr>
-          <p:cNvPr id="2" name="Slide Image Placeholder 1"/>
-          <p:cNvSpPr>
-            <a:spLocks noGrp="1" noRot="1" noChangeAspect="1"/>
-          </p:cNvSpPr>
-          <p:nvPr>
-            <p:ph type="sldImg"/>
-          </p:nvPr>
-        </p:nvSpPr>
-        <p:spPr/>
-      </p:sp>
-      <p:sp>
-        <p:nvSpPr>
-          <p:cNvPr id="3" name="Notes Placeholder 2"/>
-          <p:cNvSpPr>
-            <a:spLocks noGrp="1"/>
-          </p:cNvSpPr>
-          <p:nvPr>
-            <p:ph type="body" idx="1"/>
-          </p:nvPr>
-        </p:nvSpPr>
-        <p:spPr/>
-        <p:txBody>
-          <a:bodyPr/>
-          <a:lstStyle/>
-          <a:p>
-            <a:pPr marL="0" marR="0" lvl="0" indent="0" algn="l" defTabSz="914400" rtl="0" eaLnBrk="1" fontAlgn="auto" latinLnBrk="0" hangingPunct="1">
-              <a:lnSpc>
-                <a:spcPct val="100000"/>
-              </a:lnSpc>
-              <a:spcBef>
-                <a:spcPts val="0"/>
-              </a:spcBef>
-              <a:spcAft>
-                <a:spcPts val="0"/>
-              </a:spcAft>
-              <a:buClrTx/>
-              <a:buSzTx/>
-              <a:buFontTx/>
-              <a:buNone/>
-              <a:tabLst/>
-              <a:defRPr/>
-            </a:pPr>
-            <a:r>
-              <a:rPr lang="en-US" sz="1200" b="0" i="0" kern="1200" dirty="0">
-                <a:solidFill>
-                  <a:schemeClr val="tx1"/>
-                </a:solidFill>
-                <a:effectLst/>
-                <a:latin typeface="+mn-lt"/>
-                <a:ea typeface="+mn-ea"/>
-                <a:cs typeface="+mn-cs"/>
-              </a:rPr>
-              <a:t>This criterion is linked to a Learning Outcome</a:t>
-            </a:r>
-          </a:p>
-          <a:p>
-            <a:pPr marL="0" marR="0" lvl="0" indent="0" algn="l" defTabSz="914400" rtl="0" eaLnBrk="1" fontAlgn="auto" latinLnBrk="0" hangingPunct="1">
-              <a:lnSpc>
-                <a:spcPct val="100000"/>
-              </a:lnSpc>
-              <a:spcBef>
-                <a:spcPts val="0"/>
-              </a:spcBef>
-              <a:spcAft>
-                <a:spcPts val="0"/>
-              </a:spcAft>
-              <a:buClrTx/>
-              <a:buSzTx/>
-              <a:buFontTx/>
-              <a:buNone/>
-              <a:tabLst/>
-              <a:defRPr/>
-            </a:pPr>
-            <a:r>
-              <a:rPr lang="en-US" sz="1200" b="0" i="0" kern="1200" dirty="0">
-                <a:solidFill>
-                  <a:schemeClr val="tx1"/>
-                </a:solidFill>
-                <a:effectLst/>
-                <a:latin typeface="+mn-lt"/>
-                <a:ea typeface="+mn-ea"/>
-                <a:cs typeface="+mn-cs"/>
-              </a:rPr>
-              <a:t>Results and discussion of results</a:t>
-            </a:r>
-          </a:p>
-          <a:p>
-            <a:pPr marL="0" marR="0" lvl="0" indent="0" algn="l" defTabSz="914400" rtl="0" eaLnBrk="1" fontAlgn="auto" latinLnBrk="0" hangingPunct="1">
-              <a:lnSpc>
-                <a:spcPct val="100000"/>
-              </a:lnSpc>
-              <a:spcBef>
-                <a:spcPts val="0"/>
-              </a:spcBef>
-              <a:spcAft>
-                <a:spcPts val="0"/>
-              </a:spcAft>
-              <a:buClrTx/>
-              <a:buSzTx/>
-              <a:buFontTx/>
-              <a:buNone/>
-              <a:tabLst/>
-              <a:defRPr/>
-            </a:pPr>
-            <a:r>
-              <a:rPr lang="en-US" sz="1200" b="0" i="0" kern="1200" dirty="0">
-                <a:solidFill>
-                  <a:schemeClr val="tx1"/>
-                </a:solidFill>
-                <a:effectLst/>
-                <a:latin typeface="+mn-lt"/>
-                <a:ea typeface="+mn-ea"/>
-                <a:cs typeface="+mn-cs"/>
-              </a:rPr>
-              <a:t>Expectations here are to provide the following in sections and subsections:</a:t>
-            </a:r>
-            <a:br>
-              <a:rPr lang="en-US" sz="1200" b="0" i="0" kern="1200" dirty="0">
-                <a:solidFill>
-                  <a:schemeClr val="tx1"/>
-                </a:solidFill>
-                <a:effectLst/>
-                <a:latin typeface="+mn-lt"/>
-                <a:ea typeface="+mn-ea"/>
-                <a:cs typeface="+mn-cs"/>
-              </a:rPr>
-            </a:br>
-            <a:br>
-              <a:rPr lang="en-US" sz="1200" b="0" i="0" kern="1200" dirty="0">
-                <a:solidFill>
-                  <a:schemeClr val="tx1"/>
-                </a:solidFill>
-                <a:effectLst/>
-                <a:latin typeface="+mn-lt"/>
-                <a:ea typeface="+mn-ea"/>
-                <a:cs typeface="+mn-cs"/>
-              </a:rPr>
-            </a:br>
-            <a:r>
-              <a:rPr lang="en-US" sz="1200" b="0" i="0" kern="1200" dirty="0">
-                <a:solidFill>
-                  <a:schemeClr val="tx1"/>
-                </a:solidFill>
-                <a:effectLst/>
-                <a:latin typeface="+mn-lt"/>
-                <a:ea typeface="+mn-ea"/>
-                <a:cs typeface="+mn-cs"/>
-              </a:rPr>
-              <a:t>Discussion’s aim is result interpretation, which means explain, </a:t>
-            </a:r>
-            <a:r>
-              <a:rPr lang="en-US" sz="1200" b="0" i="0" kern="1200" dirty="0" err="1">
-                <a:solidFill>
-                  <a:schemeClr val="tx1"/>
-                </a:solidFill>
-                <a:effectLst/>
-                <a:latin typeface="+mn-lt"/>
-                <a:ea typeface="+mn-ea"/>
-                <a:cs typeface="+mn-cs"/>
-              </a:rPr>
-              <a:t>analyse</a:t>
-            </a:r>
-            <a:r>
-              <a:rPr lang="en-US" sz="1200" b="0" i="0" kern="1200" dirty="0">
-                <a:solidFill>
-                  <a:schemeClr val="tx1"/>
-                </a:solidFill>
-                <a:effectLst/>
-                <a:latin typeface="+mn-lt"/>
-                <a:ea typeface="+mn-ea"/>
-                <a:cs typeface="+mn-cs"/>
-              </a:rPr>
-              <a:t>, and compare them. Often, this part is the most important, simply because it lets the researcher take a step back and give a broader look at the experiment. Do not discuss any outcomes not presented in the results part.</a:t>
-            </a:r>
-          </a:p>
-          <a:p>
-            <a:endParaRPr lang="en-US" dirty="0"/>
-          </a:p>
-        </p:txBody>
-      </p:sp>
-      <p:sp>
-        <p:nvSpPr>
-          <p:cNvPr id="4" name="Slide Number Placeholder 3"/>
-          <p:cNvSpPr>
-            <a:spLocks noGrp="1"/>
-          </p:cNvSpPr>
-          <p:nvPr>
-            <p:ph type="sldNum" sz="quarter" idx="5"/>
-          </p:nvPr>
-        </p:nvSpPr>
-        <p:spPr/>
-        <p:txBody>
-          <a:bodyPr/>
-          <a:lstStyle/>
-          <a:p>
-            <a:fld id="{25E2E259-F0C1-274B-BB83-2518BC0EEFC9}" type="slidenum">
-              <a:rPr lang="en-US" smtClean="0"/>
-              <a:t>10</a:t>
-            </a:fld>
-            <a:endParaRPr lang="en-US"/>
-          </a:p>
-        </p:txBody>
-      </p:sp>
-    </p:spTree>
-    <p:extLst>
-      <p:ext uri="{BB962C8B-B14F-4D97-AF65-F5344CB8AC3E}">
-        <p14:creationId xmlns:p14="http://schemas.microsoft.com/office/powerpoint/2010/main" val="3148085847"/>
       </p:ext>
     </p:extLst>
   </p:cSld>
@@ -9738,20 +9822,6 @@
               <a:rPr lang="en-US" dirty="0"/>
               <a:t>Models</a:t>
             </a:r>
-            <a:r>
-              <a:rPr lang="en-US" sz="2400" dirty="0"/>
-              <a:t> - </a:t>
-            </a:r>
-            <a:r>
-              <a:rPr lang="en-US" sz="2400" dirty="0">
-                <a:solidFill>
-                  <a:schemeClr val="accent1">
-                    <a:lumMod val="50000"/>
-                  </a:schemeClr>
-                </a:solidFill>
-              </a:rPr>
-              <a:t>Mangesh</a:t>
-            </a:r>
             <a:endParaRPr lang="en-US" sz="2400" dirty="0"/>
           </a:p>
         </p:txBody>
@@ -9999,21 +10069,7 @@
           <a:p>
             <a:r>
               <a:rPr lang="en-US" dirty="0"/>
-              <a:t>Metrics </a:t>
-            </a:r>
-            <a:r>
-              <a:rPr lang="en-US" sz="2400" dirty="0"/>
-              <a:t>- </a:t>
-            </a:r>
-            <a:r>
-              <a:rPr lang="en-US" sz="2400" dirty="0">
-                <a:solidFill>
-                  <a:schemeClr val="accent1">
-                    <a:lumMod val="50000"/>
-                  </a:schemeClr>
-                </a:solidFill>
-              </a:rPr>
-              <a:t>Ben</a:t>
+              <a:t>Metrics</a:t>
             </a:r>
             <a:endParaRPr lang="en-US" sz="2400" dirty="0"/>
           </a:p>
@@ -10868,8 +10924,8 @@
         </p:nvSpPr>
         <p:spPr>
           <a:xfrm>
-            <a:off x="713859" y="935829"/>
-            <a:ext cx="10571998" cy="576262"/>
+            <a:off x="713859" y="411927"/>
+            <a:ext cx="4509651" cy="576262"/>
           </a:xfrm>
         </p:spPr>
         <p:txBody>
@@ -10878,7 +10934,14 @@
           <a:p>
             <a:r>
               <a:rPr lang="en-US" sz="3600" dirty="0"/>
-              <a:t>Data – Description and Statistics</a:t>
+              <a:t>Data – Description</a:t>
+            </a:r>
+            <a:br>
+              <a:rPr lang="en-US" sz="3600" dirty="0"/>
+            </a:br>
+            <a:r>
+              <a:rPr lang="en-US" sz="3600" dirty="0"/>
+              <a:t>and Statistics</a:t>
             </a:r>
             <a:endParaRPr lang="en-US" sz="2000" dirty="0">
               <a:solidFill>
@@ -10908,39 +10971,100 @@
         </p:nvSpPr>
         <p:spPr>
           <a:xfrm>
-            <a:off x="810002" y="2210137"/>
-            <a:ext cx="5189856" cy="3659674"/>
+            <a:off x="444241" y="2325780"/>
+            <a:ext cx="5225039" cy="4257900"/>
           </a:xfrm>
         </p:spPr>
         <p:txBody>
           <a:bodyPr>
-            <a:normAutofit/>
+            <a:normAutofit lnSpcReduction="10000"/>
           </a:bodyPr>
           <a:lstStyle/>
           <a:p>
             <a:r>
+              <a:rPr lang="en-US" dirty="0">
+                <a:solidFill>
+                  <a:schemeClr val="accent1">
+                    <a:lumMod val="60000"/>
+                    <a:lumOff val="40000"/>
+                  </a:schemeClr>
+                </a:solidFill>
+              </a:rPr>
+              <a:t>12966 images </a:t>
+            </a:r>
+            <a:r>
               <a:rPr lang="en-US" dirty="0"/>
-              <a:t>12966 images varying in </a:t>
-            </a:r>
-            <a:r>
-              <a:rPr lang="en-US" dirty="0" err="1"/>
-              <a:t>filesize</a:t>
-            </a:r>
+              <a:t>varying in file size from ~ 4mb to ~502 mb </a:t>
+            </a:r>
+          </a:p>
+          <a:p>
             <a:r>
               <a:rPr lang="en-US" dirty="0"/>
-              <a:t> from</a:t>
-            </a:r>
-          </a:p>
-          <a:p>
+              <a:t>Variety of width and height in pixels (mix of portrait, landscape and square images and sizes) which </a:t>
+            </a:r>
+            <a:r>
+              <a:rPr lang="en-US" b="1" dirty="0">
+                <a:solidFill>
+                  <a:schemeClr val="accent1">
+                    <a:lumMod val="60000"/>
+                    <a:lumOff val="40000"/>
+                  </a:schemeClr>
+                </a:solidFill>
+              </a:rPr>
+              <a:t>creates normalization problems </a:t>
+            </a:r>
             <a:r>
               <a:rPr lang="en-US" dirty="0"/>
-              <a:t>Describe bounding box points being provided as % of image width</a:t>
-            </a:r>
-          </a:p>
-          <a:p>
+              <a:t>(comparing images of different sizes without adjusting for those differences will result in lower performance or inaccurate predictions)</a:t>
+            </a:r>
+          </a:p>
+          <a:p>
+            <a:r>
+              <a:rPr lang="en-US" b="1" dirty="0">
+                <a:solidFill>
+                  <a:schemeClr val="accent1">
+                    <a:lumMod val="60000"/>
+                    <a:lumOff val="40000"/>
+                  </a:schemeClr>
+                </a:solidFill>
+              </a:rPr>
+              <a:t>Bounding box metadata </a:t>
+            </a:r>
             <a:r>
               <a:rPr lang="en-US" dirty="0"/>
-              <a:t>Variety of image shapes and the problems that creates</a:t>
+              <a:t>to highlight the main object in each image</a:t>
+            </a:r>
+            <a:r>
+              <a:rPr lang="en-US" b="1" dirty="0">
+                <a:solidFill>
+                  <a:schemeClr val="accent1">
+                    <a:lumMod val="60000"/>
+                    <a:lumOff val="40000"/>
+                  </a:schemeClr>
+                </a:solidFill>
+              </a:rPr>
+              <a:t> </a:t>
+            </a:r>
+            <a:r>
+              <a:rPr lang="en-US" dirty="0"/>
+              <a:t>for training and a class label for each image (detailed after the data dictionary)</a:t>
+            </a:r>
+          </a:p>
+          <a:p>
+            <a:r>
+              <a:rPr lang="en-US" b="1" dirty="0">
+                <a:solidFill>
+                  <a:schemeClr val="accent1">
+                    <a:lumMod val="60000"/>
+                    <a:lumOff val="40000"/>
+                  </a:schemeClr>
+                </a:solidFill>
+              </a:rPr>
+              <a:t>2 total classes </a:t>
+            </a:r>
+            <a:r>
+              <a:rPr lang="en-US" dirty="0"/>
+              <a:t>– “cat” and “dog”</a:t>
             </a:r>
           </a:p>
         </p:txBody>
@@ -10967,8 +11091,68 @@
         </p:blipFill>
         <p:spPr>
           <a:xfrm>
-            <a:off x="312773" y="4182491"/>
-            <a:ext cx="5687085" cy="2309749"/>
+            <a:off x="5890612" y="1393671"/>
+            <a:ext cx="6133198" cy="2490933"/>
+          </a:xfrm>
+          <a:prstGeom prst="rect">
+            <a:avLst/>
+          </a:prstGeom>
+        </p:spPr>
+      </p:pic>
+      <p:pic>
+        <p:nvPicPr>
+          <p:cNvPr id="16" name="Picture 15" descr="Chart, bar chart&#10;&#10;Description automatically generated">
+            <a:extLst>
+              <a:ext uri="{FF2B5EF4-FFF2-40B4-BE49-F238E27FC236}">
+                <a16:creationId xmlns:a16="http://schemas.microsoft.com/office/drawing/2014/main" id="{AB6A48F2-DDD2-584B-8782-F9FBF9629B44}"/>
+              </a:ext>
+            </a:extLst>
+          </p:cNvPr>
+          <p:cNvPicPr>
+            <a:picLocks noChangeAspect="1"/>
+          </p:cNvPicPr>
+          <p:nvPr/>
+        </p:nvPicPr>
+        <p:blipFill>
+          <a:blip r:embed="rId4"/>
+          <a:stretch>
+            <a:fillRect/>
+          </a:stretch>
+        </p:blipFill>
+        <p:spPr>
+          <a:xfrm>
+            <a:off x="5902042" y="3941622"/>
+            <a:ext cx="3021747" cy="2551810"/>
+          </a:xfrm>
+          <a:prstGeom prst="rect">
+            <a:avLst/>
+          </a:prstGeom>
+        </p:spPr>
+      </p:pic>
+      <p:pic>
+        <p:nvPicPr>
+          <p:cNvPr id="18" name="Picture 17" descr="Chart, bar chart&#10;&#10;Description automatically generated">
+            <a:extLst>
+              <a:ext uri="{FF2B5EF4-FFF2-40B4-BE49-F238E27FC236}">
+                <a16:creationId xmlns:a16="http://schemas.microsoft.com/office/drawing/2014/main" id="{98FD42A3-D8AA-E84C-B330-74526C5921FF}"/>
+              </a:ext>
+            </a:extLst>
+          </p:cNvPr>
+          <p:cNvPicPr>
+            <a:picLocks noChangeAspect="1"/>
+          </p:cNvPicPr>
+          <p:nvPr/>
+        </p:nvPicPr>
+        <p:blipFill>
+          <a:blip r:embed="rId5"/>
+          <a:stretch>
+            <a:fillRect/>
+          </a:stretch>
+        </p:blipFill>
+        <p:spPr>
+          <a:xfrm>
+            <a:off x="9026659" y="3941622"/>
+            <a:ext cx="2985721" cy="2551810"/>
           </a:xfrm>
           <a:prstGeom prst="rect">
             <a:avLst/>
@@ -11074,14 +11258,51 @@
           <a:lstStyle/>
           <a:p>
             <a:r>
+              <a:rPr lang="en-US" dirty="0">
+                <a:solidFill>
+                  <a:schemeClr val="accent1">
+                    <a:lumMod val="60000"/>
+                    <a:lumOff val="40000"/>
+                  </a:schemeClr>
+                </a:solidFill>
+              </a:rPr>
+              <a:t>Import</a:t>
+            </a:r>
+            <a:r>
               <a:rPr lang="en-US" dirty="0"/>
-              <a:t>Import CSV</a:t>
-            </a:r>
-          </a:p>
-          <a:p>
+              <a:t> CSV and parse metadata</a:t>
+            </a:r>
+          </a:p>
+          <a:p>
+            <a:r>
+              <a:rPr lang="en-US" dirty="0">
+                <a:solidFill>
+                  <a:schemeClr val="accent1">
+                    <a:lumMod val="60000"/>
+                    <a:lumOff val="40000"/>
+                  </a:schemeClr>
+                </a:solidFill>
+              </a:rPr>
+              <a:t>Extract</a:t>
+            </a:r>
             <a:r>
               <a:rPr lang="en-US" dirty="0"/>
-              <a:t>Unzip and import images &amp; examine width, height, ratios, </a:t>
+              <a:t> and </a:t>
+            </a:r>
+            <a:r>
+              <a:rPr lang="en-US" dirty="0">
+                <a:solidFill>
+                  <a:schemeClr val="accent1">
+                    <a:lumMod val="60000"/>
+                    <a:lumOff val="40000"/>
+                  </a:schemeClr>
+                </a:solidFill>
+              </a:rPr>
+              <a:t>import images </a:t>
+            </a:r>
+            <a:r>
+              <a:rPr lang="en-US" dirty="0"/>
+              <a:t>&amp; examine width, height, ratios, </a:t>
             </a:r>
             <a:r>
               <a:rPr lang="en-US" dirty="0" err="1"/>
@@ -11094,8 +11315,19 @@
           </a:p>
           <a:p>
             <a:r>
+              <a:rPr lang="en-US" dirty="0">
+                <a:solidFill>
+                  <a:schemeClr val="accent1">
+                    <a:lumMod val="60000"/>
+                    <a:lumOff val="40000"/>
+                  </a:schemeClr>
+                </a:solidFill>
+              </a:rPr>
+              <a:t>Resize images to 128x128</a:t>
+            </a:r>
+            <a:r>
               <a:rPr lang="en-US" dirty="0"/>
-              <a:t>Resize images to 128x128 as normalization</a:t>
+              <a:t> as normalization</a:t>
             </a:r>
           </a:p>
           <a:p>
@@ -11104,38 +11336,105 @@
               <a:t>Convert resized image data to a </a:t>
             </a:r>
             <a:r>
+              <a:rPr lang="en-US" dirty="0" err="1">
+                <a:solidFill>
+                  <a:schemeClr val="accent1">
+                    <a:lumMod val="60000"/>
+                    <a:lumOff val="40000"/>
+                  </a:schemeClr>
+                </a:solidFill>
+              </a:rPr>
+              <a:t>numpy</a:t>
+            </a:r>
+            <a:r>
+              <a:rPr lang="en-US" dirty="0">
+                <a:solidFill>
+                  <a:schemeClr val="accent1">
+                    <a:lumMod val="60000"/>
+                    <a:lumOff val="40000"/>
+                  </a:schemeClr>
+                </a:solidFill>
+              </a:rPr>
+              <a:t> array</a:t>
+            </a:r>
+          </a:p>
+          <a:p>
+            <a:r>
+              <a:rPr lang="en-US" dirty="0"/>
+              <a:t>Exploratory Data Analysis </a:t>
+            </a:r>
+            <a:endParaRPr lang="en-US" dirty="0">
+              <a:solidFill>
+                <a:schemeClr val="accent1">
+                  <a:lumMod val="60000"/>
+                  <a:lumOff val="40000"/>
+                </a:schemeClr>
+              </a:solidFill>
+            </a:endParaRPr>
+          </a:p>
+          <a:p>
+            <a:r>
+              <a:rPr lang="en-US" dirty="0"/>
+              <a:t>Save resized images, </a:t>
+            </a:r>
+            <a:r>
+              <a:rPr lang="en-US" dirty="0">
+                <a:solidFill>
+                  <a:schemeClr val="accent1">
+                    <a:lumMod val="60000"/>
+                    <a:lumOff val="40000"/>
+                  </a:schemeClr>
+                </a:solidFill>
+              </a:rPr>
+              <a:t>bounding box points </a:t>
+            </a:r>
+            <a:r>
+              <a:rPr lang="en-US" dirty="0"/>
+              <a:t>and </a:t>
+            </a:r>
+            <a:r>
+              <a:rPr lang="en-US" dirty="0">
+                <a:solidFill>
+                  <a:schemeClr val="accent1">
+                    <a:lumMod val="60000"/>
+                    <a:lumOff val="40000"/>
+                  </a:schemeClr>
+                </a:solidFill>
+              </a:rPr>
+              <a:t>image labels </a:t>
+            </a:r>
+            <a:r>
+              <a:rPr lang="en-US" dirty="0"/>
+              <a:t>to </a:t>
+            </a:r>
+            <a:r>
               <a:rPr lang="en-US" dirty="0" err="1"/>
               <a:t>numpy</a:t>
             </a:r>
             <a:r>
               <a:rPr lang="en-US" dirty="0"/>
-              <a:t> array</a:t>
+              <a:t> files as a checkpoint</a:t>
             </a:r>
           </a:p>
           <a:p>
             <a:r>
               <a:rPr lang="en-US" dirty="0"/>
-              <a:t>Save resized images, bounding box points and image labels to </a:t>
-            </a:r>
-            <a:r>
-              <a:rPr lang="en-US" dirty="0" err="1"/>
-              <a:t>numpy</a:t>
+              <a:t>Feature engineering, </a:t>
+            </a:r>
+            <a:r>
+              <a:rPr lang="en-US" dirty="0">
+                <a:solidFill>
+                  <a:schemeClr val="accent1">
+                    <a:lumMod val="60000"/>
+                    <a:lumOff val="40000"/>
+                  </a:schemeClr>
+                </a:solidFill>
+              </a:rPr>
+              <a:t>create additional columns </a:t>
             </a:r>
             <a:r>
               <a:rPr lang="en-US" dirty="0"/>
-              <a:t> files as a checkpoint</a:t>
-            </a:r>
-          </a:p>
-          <a:p>
-            <a:r>
-              <a:rPr lang="en-US" dirty="0"/>
-              <a:t>Exploratory Data Analysis </a:t>
-            </a:r>
-          </a:p>
-          <a:p>
-            <a:r>
-              <a:rPr lang="en-US" dirty="0"/>
-              <a:t>Feature engineering, create additional columns from bounding box </a:t>
+              <a:t>from bounding box </a:t>
             </a:r>
             <a:r>
               <a:rPr lang="en-US" dirty="0" err="1"/>
@@ -11169,8 +11468,34 @@
           </a:p>
           <a:p>
             <a:r>
+              <a:rPr lang="en-US" dirty="0">
+                <a:solidFill>
+                  <a:schemeClr val="accent1">
+                    <a:lumMod val="60000"/>
+                    <a:lumOff val="40000"/>
+                  </a:schemeClr>
+                </a:solidFill>
+              </a:rPr>
+              <a:t>Train/Test split </a:t>
+            </a:r>
+            <a:r>
               <a:rPr lang="en-US" dirty="0"/>
-              <a:t>Train/Test split data</a:t>
+              <a:t>data, and </a:t>
+            </a:r>
+            <a:r>
+              <a:rPr lang="en-US" dirty="0">
+                <a:solidFill>
+                  <a:schemeClr val="accent1">
+                    <a:lumMod val="60000"/>
+                    <a:lumOff val="40000"/>
+                  </a:schemeClr>
+                </a:solidFill>
+              </a:rPr>
+              <a:t>run feature engineering steps </a:t>
+            </a:r>
+            <a:r>
+              <a:rPr lang="en-US" dirty="0"/>
+              <a:t>after training models</a:t>
             </a:r>
           </a:p>
         </p:txBody>
@@ -11224,7 +11549,7 @@
         <p:spPr>
           <a:xfrm>
             <a:off x="80010" y="113983"/>
-            <a:ext cx="3246120" cy="411798"/>
+            <a:ext cx="7486650" cy="411798"/>
           </a:xfrm>
         </p:spPr>
         <p:txBody>
@@ -11233,23 +11558,16 @@
           <a:p>
             <a:r>
               <a:rPr lang="en-US" sz="1800" b="0" dirty="0"/>
-              <a:t>Data Dictionary</a:t>
-            </a:r>
-            <a:r>
-              <a:rPr lang="en-US" sz="1100" b="0" dirty="0"/>
-              <a:t>- </a:t>
-            </a:r>
-            <a:r>
-              <a:rPr lang="en-US" sz="1800" b="0" dirty="0">
-                <a:solidFill>
-                  <a:schemeClr val="accent1">
-                    <a:lumMod val="60000"/>
-                    <a:lumOff val="40000"/>
-                  </a:schemeClr>
-                </a:solidFill>
-              </a:rPr>
-              <a:t>Lauren</a:t>
-            </a:r>
+              <a:t>Data Dictionary – result of Exploratory Data Analysis</a:t>
+            </a:r>
+            <a:endParaRPr lang="en-US" sz="1800" b="0" dirty="0">
+              <a:solidFill>
+                <a:schemeClr val="accent1">
+                  <a:lumMod val="60000"/>
+                  <a:lumOff val="40000"/>
+                </a:schemeClr>
+              </a:solidFill>
+            </a:endParaRPr>
           </a:p>
         </p:txBody>
       </p:sp>
@@ -13134,7 +13452,46 @@
           <a:p>
             <a:r>
               <a:rPr lang="en-US" sz="1400" dirty="0"/>
-              <a:t>We decided to perform feature engineering to determine the width, center point, and height of the bounding boxes.</a:t>
+              <a:t>We decided to perform feature engineering to determine the width, </a:t>
+            </a:r>
+            <a:r>
+              <a:rPr lang="en-US" sz="1400" dirty="0">
+                <a:solidFill>
+                  <a:schemeClr val="accent1">
+                    <a:lumMod val="60000"/>
+                    <a:lumOff val="40000"/>
+                  </a:schemeClr>
+                </a:solidFill>
+              </a:rPr>
+              <a:t>center point</a:t>
+            </a:r>
+            <a:r>
+              <a:rPr lang="en-US" sz="1400" dirty="0"/>
+              <a:t>, and height of the bounding boxes. Center point of bounding box shown here as a </a:t>
+            </a:r>
+            <a:r>
+              <a:rPr lang="en-US" sz="1400" dirty="0">
+                <a:solidFill>
+                  <a:srgbClr val="0070C0"/>
+                </a:solidFill>
+              </a:rPr>
+              <a:t>blue</a:t>
+            </a:r>
+            <a:r>
+              <a:rPr lang="en-US" sz="1400" dirty="0"/>
+              <a:t> dot with white center, center of images as a </a:t>
+            </a:r>
+            <a:r>
+              <a:rPr lang="en-US" sz="1400" dirty="0">
+                <a:solidFill>
+                  <a:srgbClr val="C00000"/>
+                </a:solidFill>
+              </a:rPr>
+              <a:t>red</a:t>
+            </a:r>
+            <a:r>
+              <a:rPr lang="en-US" sz="1400" dirty="0"/>
+              <a:t> dot/white center.</a:t>
             </a:r>
           </a:p>
         </p:txBody>
@@ -13285,7 +13642,7 @@
             <p:nvPr/>
           </p:nvPicPr>
           <p:blipFill>
-            <a:blip r:embed="rId2"/>
+            <a:blip r:embed="rId3"/>
             <a:stretch>
               <a:fillRect/>
             </a:stretch>
@@ -13880,6 +14237,104 @@
           </a:p>
         </p:txBody>
       </p:sp>
+      <p:sp>
+        <p:nvSpPr>
+          <p:cNvPr id="26" name="Left Arrow 25">
+            <a:extLst>
+              <a:ext uri="{FF2B5EF4-FFF2-40B4-BE49-F238E27FC236}">
+                <a16:creationId xmlns:a16="http://schemas.microsoft.com/office/drawing/2014/main" id="{BABCAED2-2F06-154F-B8E8-6919782F9712}"/>
+              </a:ext>
+            </a:extLst>
+          </p:cNvPr>
+          <p:cNvSpPr/>
+          <p:nvPr/>
+        </p:nvSpPr>
+        <p:spPr>
+          <a:xfrm>
+            <a:off x="3612517" y="4247316"/>
+            <a:ext cx="2451735" cy="695740"/>
+          </a:xfrm>
+          <a:prstGeom prst="leftArrow">
+            <a:avLst>
+              <a:gd name="adj1" fmla="val 52940"/>
+              <a:gd name="adj2" fmla="val 40640"/>
+            </a:avLst>
+          </a:prstGeom>
+          <a:solidFill>
+            <a:srgbClr val="00B0F0"/>
+          </a:solidFill>
+          <a:ln>
+            <a:solidFill>
+              <a:srgbClr val="0019FF"/>
+            </a:solidFill>
+          </a:ln>
+        </p:spPr>
+        <p:style>
+          <a:lnRef idx="0">
+            <a:schemeClr val="accent1"/>
+          </a:lnRef>
+          <a:fillRef idx="3">
+            <a:schemeClr val="accent1"/>
+          </a:fillRef>
+          <a:effectRef idx="3">
+            <a:schemeClr val="accent1"/>
+          </a:effectRef>
+          <a:fontRef idx="minor">
+            <a:schemeClr val="lt1"/>
+          </a:fontRef>
+        </p:style>
+        <p:txBody>
+          <a:bodyPr rtlCol="0" anchor="ctr"/>
+          <a:lstStyle/>
+          <a:p>
+            <a:pPr algn="ctr"/>
+            <a:r>
+              <a:rPr lang="en-US" sz="1050" dirty="0">
+                <a:solidFill>
+                  <a:schemeClr val="tx1"/>
+                </a:solidFill>
+              </a:rPr>
+              <a:t>(</a:t>
+            </a:r>
+            <a:r>
+              <a:rPr lang="en-US" sz="1050" dirty="0" err="1">
+                <a:solidFill>
+                  <a:schemeClr val="tx2">
+                    <a:lumMod val="50000"/>
+                  </a:schemeClr>
+                </a:solidFill>
+              </a:rPr>
+              <a:t>bbox_center_x</a:t>
+            </a:r>
+            <a:r>
+              <a:rPr lang="en-US" sz="1050" dirty="0">
+                <a:solidFill>
+                  <a:schemeClr val="tx1"/>
+                </a:solidFill>
+              </a:rPr>
+              <a:t>, </a:t>
+            </a:r>
+            <a:r>
+              <a:rPr lang="en-US" sz="1050" dirty="0" err="1">
+                <a:solidFill>
+                  <a:schemeClr val="tx2">
+                    <a:lumMod val="50000"/>
+                  </a:schemeClr>
+                </a:solidFill>
+              </a:rPr>
+              <a:t>bbox_center_y</a:t>
+            </a:r>
+            <a:r>
+              <a:rPr lang="en-US" sz="1050" dirty="0">
+                <a:solidFill>
+                  <a:schemeClr val="tx1"/>
+                </a:solidFill>
+              </a:rPr>
+              <a:t>)</a:t>
+            </a:r>
+          </a:p>
+        </p:txBody>
+      </p:sp>
     </p:spTree>
     <p:extLst>
       <p:ext uri="{BB962C8B-B14F-4D97-AF65-F5344CB8AC3E}">
@@ -13933,21 +14388,7 @@
           <a:p>
             <a:r>
               <a:rPr lang="en-US" dirty="0"/>
-              <a:t>EDA and Feature Engineering </a:t>
-            </a:r>
-            <a:r>
-              <a:rPr lang="en-US" sz="2400" dirty="0"/>
-              <a:t>- </a:t>
-            </a:r>
-            <a:r>
-              <a:rPr lang="en-US" sz="2400" dirty="0">
-                <a:solidFill>
-                  <a:schemeClr val="accent1">
-                    <a:lumMod val="50000"/>
-                  </a:schemeClr>
-                </a:solidFill>
-              </a:rPr>
-              <a:t>Lauren</a:t>
+              <a:t>Feature Engineering</a:t>
             </a:r>
             <a:endParaRPr lang="en-US" sz="2400" dirty="0"/>
           </a:p>
@@ -13974,15 +14415,11 @@
           <a:bodyPr/>
           <a:lstStyle/>
           <a:p>
+            <a:pPr algn="l"/>
             <a:r>
               <a:rPr lang="en-US" dirty="0"/>
-              <a:t>Correlation, Missing Data, </a:t>
-            </a:r>
-            <a:r>
-              <a:rPr lang="en-US" dirty="0" err="1"/>
-              <a:t>etc</a:t>
-            </a:r>
-            <a:endParaRPr lang="en-US" dirty="0"/>
+              <a:t>From</a:t>
+            </a:r>
           </a:p>
         </p:txBody>
       </p:sp>
@@ -14004,8 +14441,8 @@
         </p:nvSpPr>
         <p:spPr>
           <a:xfrm>
-            <a:off x="814729" y="2751138"/>
-            <a:ext cx="5189856" cy="3908454"/>
+            <a:off x="588644" y="3411537"/>
+            <a:ext cx="2042771" cy="3908454"/>
           </a:xfrm>
         </p:spPr>
         <p:txBody>
@@ -14015,9 +14452,31 @@
           <a:lstStyle/>
           <a:p>
             <a:r>
-              <a:rPr lang="en-US" dirty="0"/>
-              <a:t>TBD</a:t>
-            </a:r>
+              <a:rPr lang="en-US" sz="2400" dirty="0" err="1"/>
+              <a:t>XMin</a:t>
+            </a:r>
+            <a:endParaRPr lang="en-US" sz="2400" dirty="0"/>
+          </a:p>
+          <a:p>
+            <a:r>
+              <a:rPr lang="en-US" sz="2400" dirty="0" err="1"/>
+              <a:t>YMin</a:t>
+            </a:r>
+            <a:endParaRPr lang="en-US" sz="2400" dirty="0"/>
+          </a:p>
+          <a:p>
+            <a:r>
+              <a:rPr lang="en-US" sz="2400" dirty="0" err="1"/>
+              <a:t>XMax</a:t>
+            </a:r>
+            <a:endParaRPr lang="en-US" sz="2400" dirty="0"/>
+          </a:p>
+          <a:p>
+            <a:r>
+              <a:rPr lang="en-US" sz="2400" dirty="0" err="1"/>
+              <a:t>YMax</a:t>
+            </a:r>
+            <a:endParaRPr lang="en-US" sz="2400" dirty="0"/>
           </a:p>
         </p:txBody>
       </p:sp>
@@ -14037,14 +14496,20 @@
             <p:ph type="body" sz="quarter" idx="3"/>
           </p:nvPr>
         </p:nvSpPr>
-        <p:spPr/>
+        <p:spPr>
+          <a:xfrm>
+            <a:off x="2631415" y="2174875"/>
+            <a:ext cx="5194583" cy="576262"/>
+          </a:xfrm>
+        </p:spPr>
         <p:txBody>
           <a:bodyPr/>
           <a:lstStyle/>
           <a:p>
+            <a:pPr algn="l"/>
             <a:r>
               <a:rPr lang="en-US" dirty="0"/>
-              <a:t>Feature Engineering</a:t>
+              <a:t>New Features</a:t>
             </a:r>
           </a:p>
         </p:txBody>
@@ -14067,8 +14532,8 @@
         </p:nvSpPr>
         <p:spPr>
           <a:xfrm>
-            <a:off x="6187415" y="2751138"/>
-            <a:ext cx="5194583" cy="3908454"/>
+            <a:off x="2631415" y="2751138"/>
+            <a:ext cx="6563385" cy="3908454"/>
           </a:xfrm>
         </p:spPr>
         <p:txBody>
@@ -14078,12 +14543,488 @@
           <a:lstStyle/>
           <a:p>
             <a:r>
-              <a:rPr lang="en-US" dirty="0"/>
-              <a:t>Describe transformer</a:t>
-            </a:r>
+              <a:rPr lang="en-US" sz="1400" dirty="0" err="1"/>
+              <a:t>bbox_w_percent</a:t>
+            </a:r>
+            <a:r>
+              <a:rPr lang="en-US" sz="1400" dirty="0"/>
+              <a:t> </a:t>
+            </a:r>
+            <a:br>
+              <a:rPr lang="en-US" sz="1400" dirty="0"/>
+            </a:br>
+            <a:r>
+              <a:rPr lang="en-US" sz="1400" dirty="0"/>
+              <a:t>(width of </a:t>
+            </a:r>
+            <a:r>
+              <a:rPr lang="en-US" sz="1400" dirty="0" err="1"/>
+              <a:t>bbox</a:t>
+            </a:r>
+            <a:r>
+              <a:rPr lang="en-US" sz="1400" dirty="0"/>
+              <a:t> as a % of the whole image)</a:t>
+            </a:r>
+          </a:p>
+          <a:p>
+            <a:r>
+              <a:rPr lang="en-US" sz="1400" dirty="0" err="1"/>
+              <a:t>bbox_h_percent</a:t>
+            </a:r>
+            <a:br>
+              <a:rPr lang="en-US" sz="1400" dirty="0"/>
+            </a:br>
+            <a:r>
+              <a:rPr lang="en-US" sz="1400" dirty="0"/>
+              <a:t>(height of </a:t>
+            </a:r>
+            <a:r>
+              <a:rPr lang="en-US" sz="1400" dirty="0" err="1"/>
+              <a:t>bbox</a:t>
+            </a:r>
+            <a:r>
+              <a:rPr lang="en-US" sz="1400" dirty="0"/>
+              <a:t> as % of the image)</a:t>
+            </a:r>
+          </a:p>
+          <a:p>
+            <a:r>
+              <a:rPr lang="en-US" sz="1400" dirty="0" err="1"/>
+              <a:t>bbox_centerX</a:t>
+            </a:r>
+            <a:br>
+              <a:rPr lang="en-US" sz="1400" dirty="0"/>
+            </a:br>
+            <a:r>
+              <a:rPr lang="en-US" sz="1400" dirty="0"/>
+              <a:t>(X coordinate of </a:t>
+            </a:r>
+            <a:r>
+              <a:rPr lang="en-US" sz="1400" dirty="0" err="1"/>
+              <a:t>bbox</a:t>
+            </a:r>
+            <a:r>
+              <a:rPr lang="en-US" sz="1400" dirty="0"/>
+              <a:t> </a:t>
+            </a:r>
+            <a:r>
+              <a:rPr lang="en-US" sz="1400" dirty="0" err="1"/>
+              <a:t>centerpoint</a:t>
+            </a:r>
+            <a:r>
+              <a:rPr lang="en-US" sz="1400" dirty="0"/>
+              <a:t> as %)</a:t>
+            </a:r>
+          </a:p>
+          <a:p>
+            <a:r>
+              <a:rPr lang="en-US" sz="1400" dirty="0" err="1"/>
+              <a:t>bbox_centerY</a:t>
+            </a:r>
+            <a:br>
+              <a:rPr lang="en-US" sz="1400" dirty="0"/>
+            </a:br>
+            <a:r>
+              <a:rPr lang="en-US" sz="1400" dirty="0"/>
+              <a:t>(Y coordinate of </a:t>
+            </a:r>
+            <a:r>
+              <a:rPr lang="en-US" sz="1400" dirty="0" err="1"/>
+              <a:t>bbox</a:t>
+            </a:r>
+            <a:r>
+              <a:rPr lang="en-US" sz="1400" dirty="0"/>
+              <a:t> </a:t>
+            </a:r>
+            <a:r>
+              <a:rPr lang="en-US" sz="1400" dirty="0" err="1"/>
+              <a:t>centerpoint</a:t>
+            </a:r>
+            <a:r>
+              <a:rPr lang="en-US" sz="1400" dirty="0"/>
+              <a:t> as %)</a:t>
+            </a:r>
+          </a:p>
+          <a:p>
+            <a:r>
+              <a:rPr lang="en-US" sz="1400" dirty="0" err="1"/>
+              <a:t>bbox_area</a:t>
+            </a:r>
+            <a:r>
+              <a:rPr lang="en-US" sz="1400" dirty="0"/>
+              <a:t> (</a:t>
+            </a:r>
+            <a:r>
+              <a:rPr lang="en-US" sz="1400" dirty="0" err="1"/>
+              <a:t>bbox_w_percent</a:t>
+            </a:r>
+            <a:r>
+              <a:rPr lang="en-US" sz="1400" dirty="0"/>
+              <a:t> * </a:t>
+            </a:r>
+            <a:r>
+              <a:rPr lang="en-US" sz="1400" dirty="0" err="1"/>
+              <a:t>bbox_h_percent</a:t>
+            </a:r>
+            <a:r>
+              <a:rPr lang="en-US" sz="1400" dirty="0"/>
+              <a:t>)</a:t>
+            </a:r>
+          </a:p>
+          <a:p>
+            <a:r>
+              <a:rPr lang="en-US" sz="1400" dirty="0" err="1"/>
+              <a:t>bb_touch_left</a:t>
+            </a:r>
+            <a:r>
+              <a:rPr lang="en-US" sz="1400" dirty="0"/>
+              <a:t>, _right, _top, _bottom (4 features)</a:t>
+            </a:r>
+            <a:br>
+              <a:rPr lang="en-US" sz="1400" dirty="0"/>
+            </a:br>
+            <a:r>
+              <a:rPr lang="en-US" sz="1400" dirty="0"/>
+              <a:t>(1 if bounding box touches image edge, 0 otherwise)</a:t>
+            </a:r>
+          </a:p>
+          <a:p>
+            <a:r>
+              <a:rPr lang="en-US" sz="1400" dirty="0" err="1"/>
+              <a:t>num_touch_edges</a:t>
+            </a:r>
+            <a:r>
+              <a:rPr lang="en-US" sz="1400" dirty="0"/>
+              <a:t> (sum of </a:t>
+            </a:r>
+            <a:r>
+              <a:rPr lang="en-US" sz="1400" dirty="0" err="1"/>
+              <a:t>bb_touch</a:t>
+            </a:r>
+            <a:r>
+              <a:rPr lang="en-US" sz="1400" dirty="0"/>
+              <a:t> edges)</a:t>
+            </a:r>
+          </a:p>
+          <a:p>
+            <a:endParaRPr lang="en-US" sz="1400" dirty="0"/>
           </a:p>
         </p:txBody>
       </p:sp>
+      <p:sp>
+        <p:nvSpPr>
+          <p:cNvPr id="9" name="Left Brace 8">
+            <a:extLst>
+              <a:ext uri="{FF2B5EF4-FFF2-40B4-BE49-F238E27FC236}">
+                <a16:creationId xmlns:a16="http://schemas.microsoft.com/office/drawing/2014/main" id="{6EBF6C3A-A1CE-974E-A34D-06D75469D9ED}"/>
+              </a:ext>
+            </a:extLst>
+          </p:cNvPr>
+          <p:cNvSpPr/>
+          <p:nvPr/>
+        </p:nvSpPr>
+        <p:spPr>
+          <a:xfrm>
+            <a:off x="2146300" y="2959100"/>
+            <a:ext cx="485115" cy="2895600"/>
+          </a:xfrm>
+          <a:prstGeom prst="leftBrace">
+            <a:avLst/>
+          </a:prstGeom>
+        </p:spPr>
+        <p:style>
+          <a:lnRef idx="1">
+            <a:schemeClr val="accent1"/>
+          </a:lnRef>
+          <a:fillRef idx="0">
+            <a:schemeClr val="accent1"/>
+          </a:fillRef>
+          <a:effectRef idx="0">
+            <a:schemeClr val="accent1"/>
+          </a:effectRef>
+          <a:fontRef idx="minor">
+            <a:schemeClr val="tx1"/>
+          </a:fontRef>
+        </p:style>
+        <p:txBody>
+          <a:bodyPr rtlCol="0" anchor="ctr"/>
+          <a:lstStyle/>
+          <a:p>
+            <a:pPr algn="ctr"/>
+            <a:endParaRPr lang="en-US"/>
+          </a:p>
+        </p:txBody>
+      </p:sp>
+      <p:sp>
+        <p:nvSpPr>
+          <p:cNvPr id="10" name="Text Placeholder 4">
+            <a:extLst>
+              <a:ext uri="{FF2B5EF4-FFF2-40B4-BE49-F238E27FC236}">
+                <a16:creationId xmlns:a16="http://schemas.microsoft.com/office/drawing/2014/main" id="{BDA2BC5D-889F-8049-A8CE-0AA17425CC97}"/>
+              </a:ext>
+            </a:extLst>
+          </p:cNvPr>
+          <p:cNvSpPr txBox="1">
+            <a:spLocks/>
+          </p:cNvSpPr>
+          <p:nvPr/>
+        </p:nvSpPr>
+        <p:spPr>
+          <a:xfrm>
+            <a:off x="9494767" y="4419600"/>
+            <a:ext cx="3304798" cy="576262"/>
+          </a:xfrm>
+          <a:prstGeom prst="rect">
+            <a:avLst/>
+          </a:prstGeom>
+          <a:effectLst>
+            <a:outerShdw blurRad="50800" dir="14400000">
+              <a:srgbClr val="000000">
+                <a:alpha val="40000"/>
+              </a:srgbClr>
+            </a:outerShdw>
+          </a:effectLst>
+        </p:spPr>
+        <p:txBody>
+          <a:bodyPr vert="horz" lIns="91440" tIns="45720" rIns="91440" bIns="45720" rtlCol="0" anchor="b">
+            <a:noAutofit/>
+          </a:bodyPr>
+          <a:lstStyle>
+            <a:lvl1pPr marL="0" indent="0" algn="ctr" defTabSz="457200" rtl="0" eaLnBrk="1" latinLnBrk="0" hangingPunct="1">
+              <a:spcBef>
+                <a:spcPct val="20000"/>
+              </a:spcBef>
+              <a:spcAft>
+                <a:spcPts val="600"/>
+              </a:spcAft>
+              <a:buClr>
+                <a:schemeClr val="accent1"/>
+              </a:buClr>
+              <a:buFont typeface="Wingdings 2" charset="2"/>
+              <a:buNone/>
+              <a:defRPr sz="2000" b="0" kern="1200">
+                <a:solidFill>
+                  <a:schemeClr val="tx1"/>
+                </a:solidFill>
+                <a:latin typeface="+mn-lt"/>
+                <a:ea typeface="+mn-ea"/>
+                <a:cs typeface="+mn-cs"/>
+              </a:defRPr>
+            </a:lvl1pPr>
+            <a:lvl2pPr marL="457200" indent="0" algn="l" defTabSz="457200" rtl="0" eaLnBrk="1" latinLnBrk="0" hangingPunct="1">
+              <a:spcBef>
+                <a:spcPct val="20000"/>
+              </a:spcBef>
+              <a:spcAft>
+                <a:spcPts val="600"/>
+              </a:spcAft>
+              <a:buClr>
+                <a:schemeClr val="accent1"/>
+              </a:buClr>
+              <a:buFont typeface="Wingdings 2" charset="2"/>
+              <a:buNone/>
+              <a:defRPr sz="2000" b="1" kern="1200">
+                <a:solidFill>
+                  <a:schemeClr val="tx1"/>
+                </a:solidFill>
+                <a:latin typeface="+mn-lt"/>
+                <a:ea typeface="+mn-ea"/>
+                <a:cs typeface="+mn-cs"/>
+              </a:defRPr>
+            </a:lvl2pPr>
+            <a:lvl3pPr marL="914400" indent="0" algn="l" defTabSz="457200" rtl="0" eaLnBrk="1" latinLnBrk="0" hangingPunct="1">
+              <a:spcBef>
+                <a:spcPct val="20000"/>
+              </a:spcBef>
+              <a:spcAft>
+                <a:spcPts val="600"/>
+              </a:spcAft>
+              <a:buClr>
+                <a:schemeClr val="accent1"/>
+              </a:buClr>
+              <a:buFont typeface="Wingdings 2" charset="2"/>
+              <a:buNone/>
+              <a:defRPr sz="1800" b="1" kern="1200">
+                <a:solidFill>
+                  <a:schemeClr val="tx1"/>
+                </a:solidFill>
+                <a:latin typeface="+mn-lt"/>
+                <a:ea typeface="+mn-ea"/>
+                <a:cs typeface="+mn-cs"/>
+              </a:defRPr>
+            </a:lvl3pPr>
+            <a:lvl4pPr marL="1371600" indent="0" algn="l" defTabSz="457200" rtl="0" eaLnBrk="1" latinLnBrk="0" hangingPunct="1">
+              <a:spcBef>
+                <a:spcPct val="20000"/>
+              </a:spcBef>
+              <a:spcAft>
+                <a:spcPts val="600"/>
+              </a:spcAft>
+              <a:buClr>
+                <a:schemeClr val="accent1"/>
+              </a:buClr>
+              <a:buFont typeface="Wingdings 2" charset="2"/>
+              <a:buNone/>
+              <a:defRPr sz="1600" b="1" kern="1200">
+                <a:solidFill>
+                  <a:schemeClr val="tx1"/>
+                </a:solidFill>
+                <a:latin typeface="+mn-lt"/>
+                <a:ea typeface="+mn-ea"/>
+                <a:cs typeface="+mn-cs"/>
+              </a:defRPr>
+            </a:lvl4pPr>
+            <a:lvl5pPr marL="1828800" indent="0" algn="l" defTabSz="457200" rtl="0" eaLnBrk="1" latinLnBrk="0" hangingPunct="1">
+              <a:spcBef>
+                <a:spcPct val="20000"/>
+              </a:spcBef>
+              <a:spcAft>
+                <a:spcPts val="600"/>
+              </a:spcAft>
+              <a:buClr>
+                <a:schemeClr val="accent1"/>
+              </a:buClr>
+              <a:buFont typeface="Wingdings 2" charset="2"/>
+              <a:buNone/>
+              <a:defRPr sz="1600" b="1" kern="1200">
+                <a:solidFill>
+                  <a:schemeClr val="tx1"/>
+                </a:solidFill>
+                <a:latin typeface="+mn-lt"/>
+                <a:ea typeface="+mn-ea"/>
+                <a:cs typeface="+mn-cs"/>
+              </a:defRPr>
+            </a:lvl5pPr>
+            <a:lvl6pPr marL="2286000" indent="0" algn="l" defTabSz="457200" rtl="0" eaLnBrk="1" latinLnBrk="0" hangingPunct="1">
+              <a:spcBef>
+                <a:spcPct val="20000"/>
+              </a:spcBef>
+              <a:spcAft>
+                <a:spcPts val="600"/>
+              </a:spcAft>
+              <a:buClr>
+                <a:schemeClr val="accent1"/>
+              </a:buClr>
+              <a:buFont typeface="Wingdings 2" charset="2"/>
+              <a:buNone/>
+              <a:defRPr sz="1600" b="1" kern="1200">
+                <a:solidFill>
+                  <a:schemeClr val="tx1"/>
+                </a:solidFill>
+                <a:latin typeface="+mn-lt"/>
+                <a:ea typeface="+mn-ea"/>
+                <a:cs typeface="+mn-cs"/>
+              </a:defRPr>
+            </a:lvl6pPr>
+            <a:lvl7pPr marL="2743200" indent="0" algn="l" defTabSz="457200" rtl="0" eaLnBrk="1" latinLnBrk="0" hangingPunct="1">
+              <a:spcBef>
+                <a:spcPct val="20000"/>
+              </a:spcBef>
+              <a:spcAft>
+                <a:spcPts val="600"/>
+              </a:spcAft>
+              <a:buClr>
+                <a:schemeClr val="accent1"/>
+              </a:buClr>
+              <a:buFont typeface="Wingdings 2" charset="2"/>
+              <a:buNone/>
+              <a:defRPr sz="1600" b="1" kern="1200">
+                <a:solidFill>
+                  <a:schemeClr val="tx1"/>
+                </a:solidFill>
+                <a:latin typeface="+mn-lt"/>
+                <a:ea typeface="+mn-ea"/>
+                <a:cs typeface="+mn-cs"/>
+              </a:defRPr>
+            </a:lvl7pPr>
+            <a:lvl8pPr marL="3200400" indent="0" algn="l" defTabSz="457200" rtl="0" eaLnBrk="1" latinLnBrk="0" hangingPunct="1">
+              <a:spcBef>
+                <a:spcPct val="20000"/>
+              </a:spcBef>
+              <a:spcAft>
+                <a:spcPts val="600"/>
+              </a:spcAft>
+              <a:buClr>
+                <a:schemeClr val="accent1"/>
+              </a:buClr>
+              <a:buFont typeface="Wingdings 2" charset="2"/>
+              <a:buNone/>
+              <a:defRPr sz="1600" b="1" kern="1200">
+                <a:solidFill>
+                  <a:schemeClr val="tx1"/>
+                </a:solidFill>
+                <a:latin typeface="+mn-lt"/>
+                <a:ea typeface="+mn-ea"/>
+                <a:cs typeface="+mn-cs"/>
+              </a:defRPr>
+            </a:lvl8pPr>
+            <a:lvl9pPr marL="3657600" indent="0" algn="l" defTabSz="457200" rtl="0" eaLnBrk="1" latinLnBrk="0" hangingPunct="1">
+              <a:spcBef>
+                <a:spcPct val="20000"/>
+              </a:spcBef>
+              <a:spcAft>
+                <a:spcPts val="600"/>
+              </a:spcAft>
+              <a:buClr>
+                <a:schemeClr val="accent1"/>
+              </a:buClr>
+              <a:buFont typeface="Wingdings 2" charset="2"/>
+              <a:buNone/>
+              <a:defRPr sz="1600" b="1" kern="1200">
+                <a:solidFill>
+                  <a:schemeClr val="tx1"/>
+                </a:solidFill>
+                <a:latin typeface="+mn-lt"/>
+                <a:ea typeface="+mn-ea"/>
+                <a:cs typeface="+mn-cs"/>
+              </a:defRPr>
+            </a:lvl9pPr>
+          </a:lstStyle>
+          <a:p>
+            <a:pPr algn="l"/>
+            <a:r>
+              <a:rPr lang="en-US" dirty="0">
+                <a:solidFill>
+                  <a:schemeClr val="accent1">
+                    <a:lumMod val="75000"/>
+                  </a:schemeClr>
+                </a:solidFill>
+              </a:rPr>
+              <a:t>Correlation Matrix</a:t>
+            </a:r>
+          </a:p>
+        </p:txBody>
+      </p:sp>
+      <p:pic>
+        <p:nvPicPr>
+          <p:cNvPr id="12" name="Picture 11" descr="Chart&#10;&#10;Description automatically generated">
+            <a:extLst>
+              <a:ext uri="{FF2B5EF4-FFF2-40B4-BE49-F238E27FC236}">
+                <a16:creationId xmlns:a16="http://schemas.microsoft.com/office/drawing/2014/main" id="{2D3F71FC-9931-C947-95FC-A2A53669FA8F}"/>
+              </a:ext>
+            </a:extLst>
+          </p:cNvPr>
+          <p:cNvPicPr>
+            <a:picLocks noChangeAspect="1"/>
+          </p:cNvPicPr>
+          <p:nvPr/>
+        </p:nvPicPr>
+        <p:blipFill>
+          <a:blip r:embed="rId3"/>
+          <a:stretch>
+            <a:fillRect/>
+          </a:stretch>
+        </p:blipFill>
+        <p:spPr>
+          <a:xfrm>
+            <a:off x="6999629" y="198408"/>
+            <a:ext cx="4990277" cy="4368800"/>
+          </a:xfrm>
+          <a:prstGeom prst="rect">
+            <a:avLst/>
+          </a:prstGeom>
+        </p:spPr>
+      </p:pic>
     </p:spTree>
     <p:extLst>
       <p:ext uri="{BB962C8B-B14F-4D97-AF65-F5344CB8AC3E}">
@@ -14116,6 +15057,80 @@
       </p:grpSpPr>
       <p:sp>
         <p:nvSpPr>
+          <p:cNvPr id="12" name="Rectangle 11">
+            <a:extLst>
+              <a:ext uri="{FF2B5EF4-FFF2-40B4-BE49-F238E27FC236}">
+                <a16:creationId xmlns:a16="http://schemas.microsoft.com/office/drawing/2014/main" id="{CDF99C8B-0D92-2E4E-9F8C-CDCDEB1D8343}"/>
+              </a:ext>
+            </a:extLst>
+          </p:cNvPr>
+          <p:cNvSpPr/>
+          <p:nvPr/>
+        </p:nvSpPr>
+        <p:spPr>
+          <a:xfrm>
+            <a:off x="-127000" y="-158646"/>
+            <a:ext cx="12319000" cy="7175292"/>
+          </a:xfrm>
+          <a:prstGeom prst="rect">
+            <a:avLst/>
+          </a:prstGeom>
+          <a:gradFill flip="none" rotWithShape="1">
+            <a:gsLst>
+              <a:gs pos="0">
+                <a:schemeClr val="tx1">
+                  <a:shade val="30000"/>
+                  <a:satMod val="115000"/>
+                  <a:alpha val="35000"/>
+                </a:schemeClr>
+              </a:gs>
+              <a:gs pos="50000">
+                <a:schemeClr val="tx1">
+                  <a:shade val="67500"/>
+                  <a:satMod val="115000"/>
+                </a:schemeClr>
+              </a:gs>
+              <a:gs pos="100000">
+                <a:schemeClr val="tx1">
+                  <a:shade val="100000"/>
+                  <a:satMod val="115000"/>
+                </a:schemeClr>
+              </a:gs>
+            </a:gsLst>
+            <a:lin ang="5400000" scaled="1"/>
+            <a:tileRect/>
+          </a:gradFill>
+          <a:ln>
+            <a:noFill/>
+          </a:ln>
+        </p:spPr>
+        <p:style>
+          <a:lnRef idx="2">
+            <a:schemeClr val="accent1">
+              <a:shade val="50000"/>
+            </a:schemeClr>
+          </a:lnRef>
+          <a:fillRef idx="1">
+            <a:schemeClr val="accent1"/>
+          </a:fillRef>
+          <a:effectRef idx="0">
+            <a:schemeClr val="accent1"/>
+          </a:effectRef>
+          <a:fontRef idx="minor">
+            <a:schemeClr val="lt1"/>
+          </a:fontRef>
+        </p:style>
+        <p:txBody>
+          <a:bodyPr rtlCol="0" anchor="ctr"/>
+          <a:lstStyle/>
+          <a:p>
+            <a:pPr algn="ctr"/>
+            <a:endParaRPr lang="en-US"/>
+          </a:p>
+        </p:txBody>
+      </p:sp>
+      <p:sp>
+        <p:nvSpPr>
           <p:cNvPr id="2" name="Title 1">
             <a:extLst>
               <a:ext uri="{FF2B5EF4-FFF2-40B4-BE49-F238E27FC236}">
@@ -14130,133 +15145,63 @@
             <p:ph type="title"/>
           </p:nvPr>
         </p:nvSpPr>
-        <p:spPr/>
+        <p:spPr>
+          <a:xfrm>
+            <a:off x="0" y="-164892"/>
+            <a:ext cx="7614471" cy="760588"/>
+          </a:xfrm>
+          <a:effectLst/>
+        </p:spPr>
         <p:txBody>
           <a:bodyPr/>
           <a:lstStyle/>
           <a:p>
             <a:r>
-              <a:rPr lang="en-US" dirty="0"/>
-              <a:t>Pipelines </a:t>
-            </a:r>
-            <a:r>
-              <a:rPr lang="en-US" sz="2400" dirty="0"/>
-              <a:t>- </a:t>
-            </a:r>
-            <a:r>
-              <a:rPr lang="en-US" sz="2400" dirty="0">
-                <a:solidFill>
-                  <a:schemeClr val="accent1">
-                    <a:lumMod val="50000"/>
-                  </a:schemeClr>
-                </a:solidFill>
-              </a:rPr>
-              <a:t>Lauren</a:t>
-            </a:r>
-            <a:endParaRPr lang="en-US" sz="2400" dirty="0"/>
+              <a:rPr lang="en-US" sz="3200" dirty="0">
+                <a:solidFill>
+                  <a:schemeClr val="tx1"/>
+                </a:solidFill>
+              </a:rPr>
+              <a:t>Pipelines &amp; Workflow</a:t>
+            </a:r>
+            <a:endParaRPr lang="en-US" sz="1800" dirty="0">
+              <a:solidFill>
+                <a:schemeClr val="tx1"/>
+              </a:solidFill>
+            </a:endParaRPr>
           </a:p>
         </p:txBody>
       </p:sp>
-      <p:sp>
-        <p:nvSpPr>
-          <p:cNvPr id="3" name="Text Placeholder 2">
+      <p:pic>
+        <p:nvPicPr>
+          <p:cNvPr id="10" name="Picture 9" descr="A picture containing timeline&#10;&#10;Description automatically generated">
             <a:extLst>
               <a:ext uri="{FF2B5EF4-FFF2-40B4-BE49-F238E27FC236}">
-                <a16:creationId xmlns:a16="http://schemas.microsoft.com/office/drawing/2014/main" id="{5BDCF00A-B562-A54D-BF9D-1AE3FA38C9A2}"/>
+                <a16:creationId xmlns:a16="http://schemas.microsoft.com/office/drawing/2014/main" id="{BB52AB48-4C39-2B42-ABB4-C5D6DDF30FB9}"/>
               </a:ext>
             </a:extLst>
           </p:cNvPr>
-          <p:cNvSpPr>
-            <a:spLocks noGrp="1"/>
-          </p:cNvSpPr>
-          <p:nvPr>
-            <p:ph type="body" idx="1"/>
-          </p:nvPr>
-        </p:nvSpPr>
-        <p:spPr/>
-        <p:txBody>
-          <a:bodyPr/>
-          <a:lstStyle/>
-          <a:p>
-            <a:endParaRPr lang="en-US"/>
-          </a:p>
-        </p:txBody>
-      </p:sp>
-      <p:sp>
-        <p:nvSpPr>
-          <p:cNvPr id="4" name="Content Placeholder 3">
-            <a:extLst>
-              <a:ext uri="{FF2B5EF4-FFF2-40B4-BE49-F238E27FC236}">
-                <a16:creationId xmlns:a16="http://schemas.microsoft.com/office/drawing/2014/main" id="{E7B95454-C76B-DC4E-8B7F-B8A3CFDCD7C8}"/>
-              </a:ext>
-            </a:extLst>
-          </p:cNvPr>
-          <p:cNvSpPr>
-            <a:spLocks noGrp="1"/>
-          </p:cNvSpPr>
-          <p:nvPr>
-            <p:ph sz="half" idx="2"/>
-          </p:nvPr>
-        </p:nvSpPr>
-        <p:spPr/>
-        <p:txBody>
-          <a:bodyPr/>
-          <a:lstStyle/>
-          <a:p>
-            <a:endParaRPr lang="en-US"/>
-          </a:p>
-        </p:txBody>
-      </p:sp>
-      <p:sp>
-        <p:nvSpPr>
-          <p:cNvPr id="5" name="Text Placeholder 4">
-            <a:extLst>
-              <a:ext uri="{FF2B5EF4-FFF2-40B4-BE49-F238E27FC236}">
-                <a16:creationId xmlns:a16="http://schemas.microsoft.com/office/drawing/2014/main" id="{20ADD62E-D885-B34E-9B41-F05823741C00}"/>
-              </a:ext>
-            </a:extLst>
-          </p:cNvPr>
-          <p:cNvSpPr>
-            <a:spLocks noGrp="1"/>
-          </p:cNvSpPr>
-          <p:nvPr>
-            <p:ph type="body" sz="quarter" idx="3"/>
-          </p:nvPr>
-        </p:nvSpPr>
-        <p:spPr/>
-        <p:txBody>
-          <a:bodyPr/>
-          <a:lstStyle/>
-          <a:p>
-            <a:endParaRPr lang="en-US"/>
-          </a:p>
-        </p:txBody>
-      </p:sp>
-      <p:sp>
-        <p:nvSpPr>
-          <p:cNvPr id="6" name="Content Placeholder 5">
-            <a:extLst>
-              <a:ext uri="{FF2B5EF4-FFF2-40B4-BE49-F238E27FC236}">
-                <a16:creationId xmlns:a16="http://schemas.microsoft.com/office/drawing/2014/main" id="{D4537803-017A-6C43-8965-23235FD67E2B}"/>
-              </a:ext>
-            </a:extLst>
-          </p:cNvPr>
-          <p:cNvSpPr>
-            <a:spLocks noGrp="1"/>
-          </p:cNvSpPr>
-          <p:nvPr>
-            <p:ph sz="quarter" idx="4"/>
-          </p:nvPr>
-        </p:nvSpPr>
-        <p:spPr/>
-        <p:txBody>
-          <a:bodyPr/>
-          <a:lstStyle/>
-          <a:p>
-            <a:endParaRPr lang="en-US"/>
-          </a:p>
-        </p:txBody>
-      </p:sp>
+          <p:cNvPicPr>
+            <a:picLocks noChangeAspect="1"/>
+          </p:cNvPicPr>
+          <p:nvPr/>
+        </p:nvPicPr>
+        <p:blipFill>
+          <a:blip r:embed="rId3"/>
+          <a:stretch>
+            <a:fillRect/>
+          </a:stretch>
+        </p:blipFill>
+        <p:spPr>
+          <a:xfrm>
+            <a:off x="1530415" y="0"/>
+            <a:ext cx="10810068" cy="6858000"/>
+          </a:xfrm>
+          <a:prstGeom prst="rect">
+            <a:avLst/>
+          </a:prstGeom>
+        </p:spPr>
+      </p:pic>
     </p:spTree>
     <p:extLst>
       <p:ext uri="{BB962C8B-B14F-4D97-AF65-F5344CB8AC3E}">

--- a/other/Group2_Phase1.pptx
+++ b/other/Group2_Phase1.pptx
@@ -10062,9 +10062,14 @@
             <p:ph type="title"/>
           </p:nvPr>
         </p:nvSpPr>
-        <p:spPr/>
+        <p:spPr>
+          <a:xfrm>
+            <a:off x="556798" y="345588"/>
+            <a:ext cx="10571998" cy="970450"/>
+          </a:xfrm>
+        </p:spPr>
         <p:txBody>
-          <a:bodyPr/>
+          <a:bodyPr anchor="t"/>
           <a:lstStyle/>
           <a:p>
             <a:r>
@@ -10075,80 +10080,35 @@
           </a:p>
         </p:txBody>
       </p:sp>
-      <p:sp>
-        <p:nvSpPr>
-          <p:cNvPr id="3" name="Text Placeholder 2">
+      <p:pic>
+        <p:nvPicPr>
+          <p:cNvPr id="12" name="Picture 11" descr="Chart&#10;&#10;Description automatically generated">
             <a:extLst>
               <a:ext uri="{FF2B5EF4-FFF2-40B4-BE49-F238E27FC236}">
-                <a16:creationId xmlns:a16="http://schemas.microsoft.com/office/drawing/2014/main" id="{20A48431-64F0-3A41-9438-12793F22BE0C}"/>
+                <a16:creationId xmlns:a16="http://schemas.microsoft.com/office/drawing/2014/main" id="{3855AA50-30B8-B741-B36E-604C4EF7941F}"/>
               </a:ext>
             </a:extLst>
           </p:cNvPr>
-          <p:cNvSpPr>
-            <a:spLocks noGrp="1"/>
-          </p:cNvSpPr>
-          <p:nvPr>
-            <p:ph type="body" idx="1"/>
-          </p:nvPr>
-        </p:nvSpPr>
-        <p:spPr/>
-        <p:txBody>
-          <a:bodyPr/>
-          <a:lstStyle/>
-          <a:p>
-            <a:r>
-              <a:rPr lang="en-US" dirty="0"/>
-              <a:t>Planned Metrics</a:t>
-            </a:r>
-          </a:p>
-        </p:txBody>
-      </p:sp>
-      <p:sp>
-        <p:nvSpPr>
-          <p:cNvPr id="4" name="Content Placeholder 3">
-            <a:extLst>
-              <a:ext uri="{FF2B5EF4-FFF2-40B4-BE49-F238E27FC236}">
-                <a16:creationId xmlns:a16="http://schemas.microsoft.com/office/drawing/2014/main" id="{7E935AF4-F7C7-9748-99D9-82C158F6E60A}"/>
-              </a:ext>
-            </a:extLst>
-          </p:cNvPr>
-          <p:cNvSpPr>
-            <a:spLocks noGrp="1"/>
-          </p:cNvSpPr>
-          <p:nvPr>
-            <p:ph sz="half" idx="2"/>
-          </p:nvPr>
-        </p:nvSpPr>
-        <p:spPr/>
-        <p:txBody>
-          <a:bodyPr/>
-          <a:lstStyle/>
-          <a:p>
-            <a:r>
-              <a:rPr lang="en-US" dirty="0"/>
-              <a:t>Explain</a:t>
-            </a:r>
-          </a:p>
-          <a:p>
-            <a:r>
-              <a:rPr lang="en-US" dirty="0"/>
-              <a:t>Analyze</a:t>
-            </a:r>
-          </a:p>
-          <a:p>
-            <a:r>
-              <a:rPr lang="en-US" dirty="0"/>
-              <a:t>Compare</a:t>
-            </a:r>
-          </a:p>
-          <a:p>
-            <a:r>
-              <a:rPr lang="en-US" dirty="0"/>
-              <a:t>Outcomes to be discussed</a:t>
-            </a:r>
-          </a:p>
-        </p:txBody>
-      </p:sp>
+          <p:cNvPicPr>
+            <a:picLocks noChangeAspect="1"/>
+          </p:cNvPicPr>
+          <p:nvPr/>
+        </p:nvPicPr>
+        <p:blipFill rotWithShape="1">
+          <a:blip r:embed="rId3"/>
+          <a:srcRect t="3345"/>
+          <a:stretch/>
+        </p:blipFill>
+        <p:spPr>
+          <a:xfrm>
+            <a:off x="1282700" y="1689100"/>
+            <a:ext cx="9846096" cy="4823312"/>
+          </a:xfrm>
+          <a:prstGeom prst="rect">
+            <a:avLst/>
+          </a:prstGeom>
+        </p:spPr>
+      </p:pic>
     </p:spTree>
     <p:extLst>
       <p:ext uri="{BB962C8B-B14F-4D97-AF65-F5344CB8AC3E}">
@@ -10226,13 +10186,13 @@
         </p:nvSpPr>
         <p:spPr>
           <a:xfrm>
-            <a:off x="814728" y="2751138"/>
-            <a:ext cx="10567270" cy="3659674"/>
+            <a:off x="814727" y="2751138"/>
+            <a:ext cx="11197319" cy="4106862"/>
           </a:xfrm>
         </p:spPr>
         <p:txBody>
           <a:bodyPr>
-            <a:normAutofit lnSpcReduction="10000"/>
+            <a:normAutofit/>
           </a:bodyPr>
           <a:lstStyle/>
           <a:p>
@@ -10283,16 +10243,98 @@
           </a:p>
           <a:p>
             <a:r>
+              <a:rPr lang="en-US" sz="2000" b="1" dirty="0"/>
+              <a:t>Irregular image ground truth </a:t>
+            </a:r>
+            <a:r>
               <a:rPr lang="en-US" sz="2000" dirty="0"/>
-              <a:t>Irregular image results (raccoon image classified as dog, inaccurate bounding boxes, </a:t>
-            </a:r>
-            <a:r>
-              <a:rPr lang="en-US" sz="2000" dirty="0" err="1"/>
-              <a:t>etc</a:t>
-            </a:r>
-            <a:r>
-              <a:rPr lang="en-US" sz="2000" dirty="0"/>
-              <a:t>)</a:t>
+              <a:t>(raccoon image classified as dog, inaccurate bounding boxes, “depictions” which could be paintings, statues, filtered images, etc.)</a:t>
+            </a:r>
+          </a:p>
+        </p:txBody>
+      </p:sp>
+      <p:pic>
+        <p:nvPicPr>
+          <p:cNvPr id="7" name="Picture 6" descr="A picture containing text, mammal, indoor&#10;&#10;Description automatically generated">
+            <a:extLst>
+              <a:ext uri="{FF2B5EF4-FFF2-40B4-BE49-F238E27FC236}">
+                <a16:creationId xmlns:a16="http://schemas.microsoft.com/office/drawing/2014/main" id="{D1D5A68E-5BF2-8B4B-96ED-C01F176BDC1C}"/>
+              </a:ext>
+            </a:extLst>
+          </p:cNvPr>
+          <p:cNvPicPr>
+            <a:picLocks noChangeAspect="1"/>
+          </p:cNvPicPr>
+          <p:nvPr/>
+        </p:nvPicPr>
+        <p:blipFill rotWithShape="1">
+          <a:blip r:embed="rId3"/>
+          <a:srcRect b="3614"/>
+          <a:stretch/>
+        </p:blipFill>
+        <p:spPr>
+          <a:xfrm>
+            <a:off x="8456047" y="123911"/>
+            <a:ext cx="3556000" cy="2720889"/>
+          </a:xfrm>
+          <a:prstGeom prst="round2DiagRect">
+            <a:avLst>
+              <a:gd name="adj1" fmla="val 16667"/>
+              <a:gd name="adj2" fmla="val 0"/>
+            </a:avLst>
+          </a:prstGeom>
+          <a:ln w="88900" cap="sq">
+            <a:solidFill>
+              <a:srgbClr val="FFFFFF"/>
+            </a:solidFill>
+            <a:miter lim="800000"/>
+          </a:ln>
+          <a:effectLst>
+            <a:outerShdw blurRad="254000" algn="tl" rotWithShape="0">
+              <a:srgbClr val="000000">
+                <a:alpha val="43000"/>
+              </a:srgbClr>
+            </a:outerShdw>
+          </a:effectLst>
+        </p:spPr>
+      </p:pic>
+      <p:sp>
+        <p:nvSpPr>
+          <p:cNvPr id="8" name="TextBox 7">
+            <a:extLst>
+              <a:ext uri="{FF2B5EF4-FFF2-40B4-BE49-F238E27FC236}">
+                <a16:creationId xmlns:a16="http://schemas.microsoft.com/office/drawing/2014/main" id="{2E8FC593-31CB-9E41-A2D2-BFC2847188C2}"/>
+              </a:ext>
+            </a:extLst>
+          </p:cNvPr>
+          <p:cNvSpPr txBox="1"/>
+          <p:nvPr/>
+        </p:nvSpPr>
+        <p:spPr>
+          <a:xfrm>
+            <a:off x="7292598" y="701580"/>
+            <a:ext cx="1066800" cy="461665"/>
+          </a:xfrm>
+          <a:prstGeom prst="rect">
+            <a:avLst/>
+          </a:prstGeom>
+          <a:noFill/>
+        </p:spPr>
+        <p:txBody>
+          <a:bodyPr wrap="square" rtlCol="0">
+            <a:spAutoFit/>
+          </a:bodyPr>
+          <a:lstStyle/>
+          <a:p>
+            <a:r>
+              <a:rPr lang="en-US" sz="2400" b="1" dirty="0">
+                <a:solidFill>
+                  <a:schemeClr val="accent1">
+                    <a:lumMod val="50000"/>
+                  </a:schemeClr>
+                </a:solidFill>
+              </a:rPr>
+              <a:t>dog?</a:t>
             </a:r>
           </a:p>
         </p:txBody>

--- a/other/Group2_Phase1.pptx
+++ b/other/Group2_Phase1.pptx
@@ -4309,7 +4309,7 @@
           <a:effectLst/>
           <a:extLst>
             <a:ext uri="{91240B29-F687-4f45-9708-019B960494DF}">
-              <a14:hiddenLine xmlns:a14="http://schemas.microsoft.com/office/drawing/2010/main" xmlns="" w="9525">
+              <a14:hiddenLine xmlns="" xmlns:a14="http://schemas.microsoft.com/office/drawing/2010/main" w="9525">
                 <a:solidFill>
                   <a:srgbClr val="000000"/>
                 </a:solidFill>
@@ -5831,7 +5831,7 @@
           <a:ln/>
           <a:extLst>
             <a:ext uri="{91240B29-F687-4f45-9708-019B960494DF}">
-              <a14:hiddenLine xmlns:a14="http://schemas.microsoft.com/office/drawing/2010/main" xmlns="" w="9525">
+              <a14:hiddenLine xmlns="" xmlns:a14="http://schemas.microsoft.com/office/drawing/2010/main" w="9525">
                 <a:solidFill>
                   <a:srgbClr val="000000"/>
                 </a:solidFill>
@@ -6106,7 +6106,7 @@
           <a:ln/>
           <a:extLst>
             <a:ext uri="{91240B29-F687-4f45-9708-019B960494DF}">
-              <a14:hiddenLine xmlns:a14="http://schemas.microsoft.com/office/drawing/2010/main" xmlns="" w="9525">
+              <a14:hiddenLine xmlns="" xmlns:a14="http://schemas.microsoft.com/office/drawing/2010/main" w="9525">
                 <a:solidFill>
                   <a:srgbClr val="000000"/>
                 </a:solidFill>
@@ -6389,7 +6389,7 @@
           <a:ln/>
           <a:extLst>
             <a:ext uri="{91240B29-F687-4f45-9708-019B960494DF}">
-              <a14:hiddenLine xmlns:a14="http://schemas.microsoft.com/office/drawing/2010/main" xmlns="" w="9525">
+              <a14:hiddenLine xmlns="" xmlns:a14="http://schemas.microsoft.com/office/drawing/2010/main" w="9525">
                 <a:solidFill>
                   <a:srgbClr val="000000"/>
                 </a:solidFill>
@@ -7015,7 +7015,7 @@
           <a:ln/>
           <a:extLst>
             <a:ext uri="{91240B29-F687-4f45-9708-019B960494DF}">
-              <a14:hiddenLine xmlns:a14="http://schemas.microsoft.com/office/drawing/2010/main" xmlns="" w="9525">
+              <a14:hiddenLine xmlns="" xmlns:a14="http://schemas.microsoft.com/office/drawing/2010/main" w="9525">
                 <a:solidFill>
                   <a:srgbClr val="000000"/>
                 </a:solidFill>
@@ -7354,7 +7354,7 @@
           <a:ln/>
           <a:extLst>
             <a:ext uri="{91240B29-F687-4f45-9708-019B960494DF}">
-              <a14:hiddenLine xmlns:a14="http://schemas.microsoft.com/office/drawing/2010/main" xmlns="" w="9525">
+              <a14:hiddenLine xmlns="" xmlns:a14="http://schemas.microsoft.com/office/drawing/2010/main" w="9525">
                 <a:solidFill>
                   <a:srgbClr val="000000"/>
                 </a:solidFill>
@@ -7831,7 +7831,7 @@
           <a:ln/>
           <a:extLst>
             <a:ext uri="{91240B29-F687-4f45-9708-019B960494DF}">
-              <a14:hiddenLine xmlns:a14="http://schemas.microsoft.com/office/drawing/2010/main" xmlns="" w="9525">
+              <a14:hiddenLine xmlns="" xmlns:a14="http://schemas.microsoft.com/office/drawing/2010/main" w="9525">
                 <a:solidFill>
                   <a:srgbClr val="000000"/>
                 </a:solidFill>
@@ -8260,7 +8260,7 @@
           <a:ln/>
           <a:extLst>
             <a:ext uri="{91240B29-F687-4f45-9708-019B960494DF}">
-              <a14:hiddenLine xmlns:a14="http://schemas.microsoft.com/office/drawing/2010/main" xmlns="" w="9525">
+              <a14:hiddenLine xmlns="" xmlns:a14="http://schemas.microsoft.com/office/drawing/2010/main" w="9525">
                 <a:solidFill>
                   <a:srgbClr val="000000"/>
                 </a:solidFill>
@@ -9576,14 +9576,8 @@
               <a:t>Left to right: 	Ben Perkins				 	</a:t>
             </a:r>
             <a:r>
-              <a:rPr lang="en-US" dirty="0">
-                <a:hlinkClick r:id="rId3"/>
-              </a:rPr>
-              <a:t>perkins.benjamin@gmail.com</a:t>
-            </a:r>
-            <a:r>
-              <a:rPr lang="en-US" dirty="0"/>
-              <a:t> </a:t>
+              <a:rPr lang="en-US" dirty="0" err="1"/>
+              <a:t>benperki@iu.edu</a:t>
             </a:r>
             <a:br>
               <a:rPr lang="en-US" dirty="0"/>
@@ -9594,7 +9588,7 @@
             </a:r>
             <a:r>
               <a:rPr lang="en-US" dirty="0">
-                <a:hlinkClick r:id="rId4"/>
+                <a:hlinkClick r:id="rId3"/>
               </a:rPr>
               <a:t>laurenmadar@gmail.com</a:t>
             </a:r>
@@ -9615,7 +9609,7 @@
             </a:r>
             <a:r>
               <a:rPr lang="en-US" dirty="0">
-                <a:hlinkClick r:id="rId5"/>
+                <a:hlinkClick r:id="rId4"/>
               </a:rPr>
               <a:t>mwalimbe@iu.edu</a:t>
             </a:r>
@@ -9648,7 +9642,7 @@
             </a:r>
             <a:r>
               <a:rPr lang="en-US" dirty="0">
-                <a:hlinkClick r:id="rId6"/>
+                <a:hlinkClick r:id="rId5"/>
               </a:rPr>
               <a:t>s.barghan@gmail.com</a:t>
             </a:r>
@@ -9694,7 +9688,7 @@
             <p:nvPr/>
           </p:nvPicPr>
           <p:blipFill rotWithShape="1">
-            <a:blip r:embed="rId7"/>
+            <a:blip r:embed="rId6"/>
             <a:srcRect b="17642"/>
             <a:stretch/>
           </p:blipFill>
@@ -9723,7 +9717,7 @@
             <p:nvPr/>
           </p:nvPicPr>
           <p:blipFill rotWithShape="1">
-            <a:blip r:embed="rId7"/>
+            <a:blip r:embed="rId6"/>
             <a:srcRect l="24546" t="62124" r="50832" b="17642"/>
             <a:stretch/>
           </p:blipFill>
@@ -9752,7 +9746,7 @@
             <p:nvPr/>
           </p:nvPicPr>
           <p:blipFill rotWithShape="1">
-            <a:blip r:embed="rId7"/>
+            <a:blip r:embed="rId6"/>
             <a:srcRect t="61690" r="75378" b="18076"/>
             <a:stretch/>
           </p:blipFill>
@@ -10101,14 +10095,118 @@
         </p:blipFill>
         <p:spPr>
           <a:xfrm>
-            <a:off x="1282700" y="1689100"/>
-            <a:ext cx="9846096" cy="4823312"/>
+            <a:off x="190500" y="2108200"/>
+            <a:ext cx="5905500" cy="3413612"/>
           </a:xfrm>
           <a:prstGeom prst="rect">
             <a:avLst/>
           </a:prstGeom>
         </p:spPr>
       </p:pic>
+      <p:pic>
+        <p:nvPicPr>
+          <p:cNvPr id="4" name="Picture 3" descr="Table&#10;&#10;Description automatically generated">
+            <a:extLst>
+              <a:ext uri="{FF2B5EF4-FFF2-40B4-BE49-F238E27FC236}">
+                <a16:creationId xmlns:a16="http://schemas.microsoft.com/office/drawing/2014/main" id="{DA6B71DC-553F-154A-83BE-A9DC9B6293E3}"/>
+              </a:ext>
+            </a:extLst>
+          </p:cNvPr>
+          <p:cNvPicPr>
+            <a:picLocks noChangeAspect="1"/>
+          </p:cNvPicPr>
+          <p:nvPr/>
+        </p:nvPicPr>
+        <p:blipFill>
+          <a:blip r:embed="rId4"/>
+          <a:stretch>
+            <a:fillRect/>
+          </a:stretch>
+        </p:blipFill>
+        <p:spPr>
+          <a:xfrm>
+            <a:off x="6540500" y="2087806"/>
+            <a:ext cx="5346700" cy="2827094"/>
+          </a:xfrm>
+          <a:prstGeom prst="rect">
+            <a:avLst/>
+          </a:prstGeom>
+        </p:spPr>
+      </p:pic>
+      <p:sp>
+        <p:nvSpPr>
+          <p:cNvPr id="5" name="TextBox 4">
+            <a:extLst>
+              <a:ext uri="{FF2B5EF4-FFF2-40B4-BE49-F238E27FC236}">
+                <a16:creationId xmlns:a16="http://schemas.microsoft.com/office/drawing/2014/main" id="{5CCFA8BA-102A-814F-A288-A982069E7238}"/>
+              </a:ext>
+            </a:extLst>
+          </p:cNvPr>
+          <p:cNvSpPr txBox="1"/>
+          <p:nvPr/>
+        </p:nvSpPr>
+        <p:spPr>
+          <a:xfrm>
+            <a:off x="6557963" y="5157788"/>
+            <a:ext cx="5057775" cy="369332"/>
+          </a:xfrm>
+          <a:prstGeom prst="rect">
+            <a:avLst/>
+          </a:prstGeom>
+          <a:noFill/>
+        </p:spPr>
+        <p:txBody>
+          <a:bodyPr wrap="square" rtlCol="0">
+            <a:spAutoFit/>
+          </a:bodyPr>
+          <a:lstStyle/>
+          <a:p>
+            <a:r>
+              <a:rPr lang="en-US" dirty="0"/>
+              <a:t>Linear Model Comparison with MSE</a:t>
+            </a:r>
+          </a:p>
+        </p:txBody>
+      </p:sp>
+      <p:sp>
+        <p:nvSpPr>
+          <p:cNvPr id="6" name="TextBox 5">
+            <a:extLst>
+              <a:ext uri="{FF2B5EF4-FFF2-40B4-BE49-F238E27FC236}">
+                <a16:creationId xmlns:a16="http://schemas.microsoft.com/office/drawing/2014/main" id="{C69F0322-2477-E547-80D9-C01F408423B6}"/>
+              </a:ext>
+            </a:extLst>
+          </p:cNvPr>
+          <p:cNvSpPr txBox="1"/>
+          <p:nvPr/>
+        </p:nvSpPr>
+        <p:spPr>
+          <a:xfrm>
+            <a:off x="190500" y="5715000"/>
+            <a:ext cx="5905500" cy="369332"/>
+          </a:xfrm>
+          <a:prstGeom prst="rect">
+            <a:avLst/>
+          </a:prstGeom>
+          <a:noFill/>
+        </p:spPr>
+        <p:txBody>
+          <a:bodyPr wrap="square" rtlCol="0">
+            <a:spAutoFit/>
+          </a:bodyPr>
+          <a:lstStyle/>
+          <a:p>
+            <a:r>
+              <a:rPr lang="en-US" dirty="0"/>
+              <a:t>Loss and Cost over Epochs with </a:t>
+            </a:r>
+            <a:r>
+              <a:rPr lang="en-US"/>
+              <a:t>Logistic Regression</a:t>
+            </a:r>
+          </a:p>
+        </p:txBody>
+      </p:sp>
     </p:spTree>
     <p:extLst>
       <p:ext uri="{BB962C8B-B14F-4D97-AF65-F5344CB8AC3E}">
